--- a/Project_Proposal.pptx
+++ b/Project_Proposal.pptx
@@ -5930,17 +5930,18 @@
           <a:p>
             <a:r>
               <a:rPr lang="en-US" dirty="0"/>
-              <a:t>32 internal registers</a:t>
-            </a:r>
+              <a:t>31 </a:t>
+            </a:r>
+            <a:r>
+              <a:rPr lang="en-US"/>
+              <a:t>internal registers</a:t>
+            </a:r>
+            <a:endParaRPr lang="en-US" dirty="0"/>
           </a:p>
           <a:p>
             <a:r>
               <a:rPr lang="en-US" dirty="0"/>
-              <a:t>Add </a:t>
-            </a:r>
-            <a:r>
-              <a:rPr lang="en-US"/>
-              <a:t>more stuff later</a:t>
+              <a:t>Add more stuff later</a:t>
             </a:r>
           </a:p>
         </p:txBody>

--- a/Project_Proposal.pptx
+++ b/Project_Proposal.pptx
@@ -5,23 +5,28 @@
     <p:sldMasterId id="2147483660" r:id="rId1"/>
   </p:sldMasterIdLst>
   <p:notesMasterIdLst>
-    <p:notesMasterId r:id="rId13"/>
+    <p:notesMasterId r:id="rId18"/>
   </p:notesMasterIdLst>
   <p:handoutMasterIdLst>
-    <p:handoutMasterId r:id="rId14"/>
+    <p:handoutMasterId r:id="rId19"/>
   </p:handoutMasterIdLst>
   <p:sldIdLst>
     <p:sldId id="256" r:id="rId2"/>
     <p:sldId id="325" r:id="rId3"/>
-    <p:sldId id="326" r:id="rId4"/>
-    <p:sldId id="334" r:id="rId5"/>
-    <p:sldId id="327" r:id="rId6"/>
-    <p:sldId id="328" r:id="rId7"/>
-    <p:sldId id="329" r:id="rId8"/>
-    <p:sldId id="330" r:id="rId9"/>
-    <p:sldId id="331" r:id="rId10"/>
-    <p:sldId id="332" r:id="rId11"/>
-    <p:sldId id="333" r:id="rId12"/>
+    <p:sldId id="338" r:id="rId4"/>
+    <p:sldId id="326" r:id="rId5"/>
+    <p:sldId id="334" r:id="rId6"/>
+    <p:sldId id="337" r:id="rId7"/>
+    <p:sldId id="327" r:id="rId8"/>
+    <p:sldId id="328" r:id="rId9"/>
+    <p:sldId id="329" r:id="rId10"/>
+    <p:sldId id="330" r:id="rId11"/>
+    <p:sldId id="331" r:id="rId12"/>
+    <p:sldId id="332" r:id="rId13"/>
+    <p:sldId id="339" r:id="rId14"/>
+    <p:sldId id="333" r:id="rId15"/>
+    <p:sldId id="335" r:id="rId16"/>
+    <p:sldId id="336" r:id="rId17"/>
   </p:sldIdLst>
   <p:sldSz cx="12192000" cy="6858000"/>
   <p:notesSz cx="6858000" cy="9144000"/>
@@ -127,15 +132,20 @@
           <p14:sldIdLst>
             <p14:sldId id="256"/>
             <p14:sldId id="325"/>
+            <p14:sldId id="338"/>
             <p14:sldId id="326"/>
             <p14:sldId id="334"/>
+            <p14:sldId id="337"/>
             <p14:sldId id="327"/>
             <p14:sldId id="328"/>
             <p14:sldId id="329"/>
             <p14:sldId id="330"/>
             <p14:sldId id="331"/>
             <p14:sldId id="332"/>
+            <p14:sldId id="339"/>
             <p14:sldId id="333"/>
+            <p14:sldId id="335"/>
+            <p14:sldId id="336"/>
           </p14:sldIdLst>
         </p14:section>
       </p14:sectionLst>
@@ -263,7 +273,7 @@
           <a:p>
             <a:fld id="{C153FA70-CAC5-4160-84DA-EBDD8070DD1F}" type="datetime1">
               <a:rPr lang="en-US" smtClean="0"/>
-              <a:t>6/18/2024</a:t>
+              <a:t>6/19/2024</a:t>
             </a:fld>
             <a:endParaRPr lang="en-US"/>
           </a:p>
@@ -441,7 +451,7 @@
           <a:p>
             <a:fld id="{9B5FA1A0-23F3-47E6-AE15-BF0A4B9939FB}" type="datetime1">
               <a:rPr lang="en-US" smtClean="0"/>
-              <a:t>6/18/2024</a:t>
+              <a:t>6/19/2024</a:t>
             </a:fld>
             <a:endParaRPr lang="en-US"/>
           </a:p>
@@ -980,7 +990,7 @@
           <a:p>
             <a:fld id="{B8525784-05D1-4C3B-99FD-23594978EAB4}" type="datetime1">
               <a:rPr lang="en-US" smtClean="0"/>
-              <a:t>6/18/2024</a:t>
+              <a:t>6/19/2024</a:t>
             </a:fld>
             <a:endParaRPr lang="en-US"/>
           </a:p>
@@ -1447,7 +1457,7 @@
           <a:p>
             <a:fld id="{B719B1BD-D9F6-4F2D-B5A6-9C71FA78F005}" type="datetime1">
               <a:rPr lang="en-US" smtClean="0"/>
-              <a:t>6/18/2024</a:t>
+              <a:t>6/19/2024</a:t>
             </a:fld>
             <a:endParaRPr lang="en-US"/>
           </a:p>
@@ -2731,7 +2741,7 @@
           <a:p>
             <a:fld id="{394DE8BC-6BC7-47DC-BB26-166D3A9B230C}" type="datetime1">
               <a:rPr lang="en-US" smtClean="0"/>
-              <a:t>6/18/2024</a:t>
+              <a:t>6/19/2024</a:t>
             </a:fld>
             <a:endParaRPr lang="en-US"/>
           </a:p>
@@ -3113,7 +3123,7 @@
           <a:p>
             <a:fld id="{FFC9FC38-0451-4B17-BE4E-0631E3CD028A}" type="datetime1">
               <a:rPr lang="en-US" smtClean="0"/>
-              <a:t>6/18/2024</a:t>
+              <a:t>6/19/2024</a:t>
             </a:fld>
             <a:endParaRPr lang="en-US"/>
           </a:p>
@@ -3703,7 +3713,7 @@
           <a:p>
             <a:fld id="{061EA3C6-DD3E-482F-9D22-E8397E9573C0}" type="datetime1">
               <a:rPr lang="en-US" smtClean="0"/>
-              <a:t>6/18/2024</a:t>
+              <a:t>6/19/2024</a:t>
             </a:fld>
             <a:endParaRPr lang="en-US"/>
           </a:p>
@@ -4179,7 +4189,7 @@
           <a:p>
             <a:fld id="{C7C1E6AB-1F63-437A-950A-974313646C3E}" type="datetime1">
               <a:rPr lang="en-US" smtClean="0"/>
-              <a:t>6/18/2024</a:t>
+              <a:t>6/19/2024</a:t>
             </a:fld>
             <a:endParaRPr lang="en-US"/>
           </a:p>
@@ -4592,7 +4602,7 @@
           <a:p>
             <a:fld id="{48C200FC-BF82-4F6F-B8D0-5476E7D43342}" type="datetime1">
               <a:rPr lang="en-US" smtClean="0"/>
-              <a:t>6/18/2024</a:t>
+              <a:t>6/19/2024</a:t>
             </a:fld>
             <a:endParaRPr lang="en-US"/>
           </a:p>
@@ -5123,7 +5133,7 @@
           <a:p>
             <a:fld id="{73C0CD8F-D7BE-49B1-BE59-E455B9931D0F}" type="datetime1">
               <a:rPr lang="en-US" smtClean="0"/>
-              <a:t>6/18/2024</a:t>
+              <a:t>6/19/2024</a:t>
             </a:fld>
             <a:endParaRPr lang="en-US"/>
           </a:p>
@@ -5193,7 +5203,7 @@
           <p:cNvPr id="2" name="Title 1">
             <a:extLst>
               <a:ext uri="{FF2B5EF4-FFF2-40B4-BE49-F238E27FC236}">
-                <a16:creationId xmlns:a16="http://schemas.microsoft.com/office/drawing/2014/main" id="{D1F6CC05-1F31-0C88-333C-5026AF10D397}"/>
+                <a16:creationId xmlns:a16="http://schemas.microsoft.com/office/drawing/2014/main" id="{EB3F7B05-73DE-A491-5991-E04BBBC698CA}"/>
               </a:ext>
             </a:extLst>
           </p:cNvPr>
@@ -5216,7 +5226,7 @@
           <a:p>
             <a:r>
               <a:rPr lang="en-US" dirty="0"/>
-              <a:t>Program Counter</a:t>
+              <a:t>Registers</a:t>
             </a:r>
           </a:p>
         </p:txBody>
@@ -5226,7 +5236,7 @@
           <p:cNvPr id="3" name="Subtitle 2">
             <a:extLst>
               <a:ext uri="{FF2B5EF4-FFF2-40B4-BE49-F238E27FC236}">
-                <a16:creationId xmlns:a16="http://schemas.microsoft.com/office/drawing/2014/main" id="{069353A1-7076-B958-432E-9B8FD5750AE7}"/>
+                <a16:creationId xmlns:a16="http://schemas.microsoft.com/office/drawing/2014/main" id="{AC823061-39AD-9D43-0432-59610A93A4A1}"/>
               </a:ext>
             </a:extLst>
           </p:cNvPr>
@@ -5251,7 +5261,7 @@
           <p:cNvPr id="4" name="Text Placeholder 3">
             <a:extLst>
               <a:ext uri="{FF2B5EF4-FFF2-40B4-BE49-F238E27FC236}">
-                <a16:creationId xmlns:a16="http://schemas.microsoft.com/office/drawing/2014/main" id="{D6EA8E6E-F159-CA65-E63E-05F83ED806BB}"/>
+                <a16:creationId xmlns:a16="http://schemas.microsoft.com/office/drawing/2014/main" id="{F2A18362-0849-C467-4293-A237B5A80012}"/>
               </a:ext>
             </a:extLst>
           </p:cNvPr>
@@ -5276,7 +5286,7 @@
           <p:cNvPr id="5" name="Slide Number Placeholder 4">
             <a:extLst>
               <a:ext uri="{FF2B5EF4-FFF2-40B4-BE49-F238E27FC236}">
-                <a16:creationId xmlns:a16="http://schemas.microsoft.com/office/drawing/2014/main" id="{A896B40E-DC06-49BF-BFD3-304517BB06A3}"/>
+                <a16:creationId xmlns:a16="http://schemas.microsoft.com/office/drawing/2014/main" id="{2FCCDFDD-E919-B6ED-4B67-9F63171EB214}"/>
               </a:ext>
             </a:extLst>
           </p:cNvPr>
@@ -5303,7 +5313,7 @@
     </p:spTree>
     <p:extLst>
       <p:ext uri="{BB962C8B-B14F-4D97-AF65-F5344CB8AC3E}">
-        <p14:creationId xmlns:p14="http://schemas.microsoft.com/office/powerpoint/2010/main" val="1617301959"/>
+        <p14:creationId xmlns:p14="http://schemas.microsoft.com/office/powerpoint/2010/main" val="2869620282"/>
       </p:ext>
     </p:extLst>
   </p:cSld>
@@ -5335,7 +5345,7 @@
           <p:cNvPr id="2" name="Title 1">
             <a:extLst>
               <a:ext uri="{FF2B5EF4-FFF2-40B4-BE49-F238E27FC236}">
-                <a16:creationId xmlns:a16="http://schemas.microsoft.com/office/drawing/2014/main" id="{EEAF6D0A-7814-2A94-F47A-3ECC7B8EDE59}"/>
+                <a16:creationId xmlns:a16="http://schemas.microsoft.com/office/drawing/2014/main" id="{F15788A1-2A90-075C-0FD5-97BF4276DB6C}"/>
               </a:ext>
             </a:extLst>
           </p:cNvPr>
@@ -5358,7 +5368,7 @@
           <a:p>
             <a:r>
               <a:rPr lang="en-US" dirty="0"/>
-              <a:t>Peripherals</a:t>
+              <a:t>Memory</a:t>
             </a:r>
           </a:p>
         </p:txBody>
@@ -5368,7 +5378,7 @@
           <p:cNvPr id="3" name="Subtitle 2">
             <a:extLst>
               <a:ext uri="{FF2B5EF4-FFF2-40B4-BE49-F238E27FC236}">
-                <a16:creationId xmlns:a16="http://schemas.microsoft.com/office/drawing/2014/main" id="{FFF467C2-55D2-EC86-825B-16EBAE111702}"/>
+                <a16:creationId xmlns:a16="http://schemas.microsoft.com/office/drawing/2014/main" id="{13643ECA-8A7C-9241-6882-E71BD1F12C44}"/>
               </a:ext>
             </a:extLst>
           </p:cNvPr>
@@ -5393,7 +5403,7 @@
           <p:cNvPr id="4" name="Text Placeholder 3">
             <a:extLst>
               <a:ext uri="{FF2B5EF4-FFF2-40B4-BE49-F238E27FC236}">
-                <a16:creationId xmlns:a16="http://schemas.microsoft.com/office/drawing/2014/main" id="{5DF050C2-2C1C-78CA-C656-82D41545CD8E}"/>
+                <a16:creationId xmlns:a16="http://schemas.microsoft.com/office/drawing/2014/main" id="{44C21242-B2E4-CDBB-3C48-4C8E293DC8C1}"/>
               </a:ext>
             </a:extLst>
           </p:cNvPr>
@@ -5418,7 +5428,7 @@
           <p:cNvPr id="5" name="Slide Number Placeholder 4">
             <a:extLst>
               <a:ext uri="{FF2B5EF4-FFF2-40B4-BE49-F238E27FC236}">
-                <a16:creationId xmlns:a16="http://schemas.microsoft.com/office/drawing/2014/main" id="{D098254D-9CED-6343-6D6F-6FF0B8DDD786}"/>
+                <a16:creationId xmlns:a16="http://schemas.microsoft.com/office/drawing/2014/main" id="{BD9C6C1B-2485-DA5C-E77A-5AE0B15EA8EE}"/>
               </a:ext>
             </a:extLst>
           </p:cNvPr>
@@ -5445,7 +5455,784 @@
     </p:spTree>
     <p:extLst>
       <p:ext uri="{BB962C8B-B14F-4D97-AF65-F5344CB8AC3E}">
+        <p14:creationId xmlns:p14="http://schemas.microsoft.com/office/powerpoint/2010/main" val="4006611505"/>
+      </p:ext>
+    </p:extLst>
+  </p:cSld>
+  <p:clrMapOvr>
+    <a:masterClrMapping/>
+  </p:clrMapOvr>
+</p:sld>
+</file>
+
+<file path=ppt/slides/slide12.xml><?xml version="1.0" encoding="utf-8"?>
+<p:sld xmlns:a="http://schemas.openxmlformats.org/drawingml/2006/main" xmlns:r="http://schemas.openxmlformats.org/officeDocument/2006/relationships" xmlns:p="http://schemas.openxmlformats.org/presentationml/2006/main">
+  <p:cSld>
+    <p:spTree>
+      <p:nvGrpSpPr>
+        <p:cNvPr id="1" name=""/>
+        <p:cNvGrpSpPr/>
+        <p:nvPr/>
+      </p:nvGrpSpPr>
+      <p:grpSpPr>
+        <a:xfrm>
+          <a:off x="0" y="0"/>
+          <a:ext cx="0" cy="0"/>
+          <a:chOff x="0" y="0"/>
+          <a:chExt cx="0" cy="0"/>
+        </a:xfrm>
+      </p:grpSpPr>
+      <p:sp>
+        <p:nvSpPr>
+          <p:cNvPr id="2" name="Title 1">
+            <a:extLst>
+              <a:ext uri="{FF2B5EF4-FFF2-40B4-BE49-F238E27FC236}">
+                <a16:creationId xmlns:a16="http://schemas.microsoft.com/office/drawing/2014/main" id="{D1F6CC05-1F31-0C88-333C-5026AF10D397}"/>
+              </a:ext>
+            </a:extLst>
+          </p:cNvPr>
+          <p:cNvSpPr>
+            <a:spLocks noGrp="1"/>
+          </p:cNvSpPr>
+          <p:nvPr>
+            <p:ph type="ctrTitle"/>
+          </p:nvPr>
+        </p:nvSpPr>
+        <p:spPr>
+          <a:xfrm>
+            <a:off x="1504670" y="437030"/>
+            <a:ext cx="9234309" cy="498598"/>
+          </a:xfrm>
+        </p:spPr>
+        <p:txBody>
+          <a:bodyPr/>
+          <a:lstStyle/>
+          <a:p>
+            <a:r>
+              <a:rPr lang="en-US" dirty="0"/>
+              <a:t>Program Counter</a:t>
+            </a:r>
+          </a:p>
+        </p:txBody>
+      </p:sp>
+      <p:sp>
+        <p:nvSpPr>
+          <p:cNvPr id="3" name="Subtitle 2">
+            <a:extLst>
+              <a:ext uri="{FF2B5EF4-FFF2-40B4-BE49-F238E27FC236}">
+                <a16:creationId xmlns:a16="http://schemas.microsoft.com/office/drawing/2014/main" id="{069353A1-7076-B958-432E-9B8FD5750AE7}"/>
+              </a:ext>
+            </a:extLst>
+          </p:cNvPr>
+          <p:cNvSpPr>
+            <a:spLocks noGrp="1"/>
+          </p:cNvSpPr>
+          <p:nvPr>
+            <p:ph type="subTitle" idx="1"/>
+          </p:nvPr>
+        </p:nvSpPr>
+        <p:spPr/>
+        <p:txBody>
+          <a:bodyPr/>
+          <a:lstStyle/>
+          <a:p>
+            <a:r>
+              <a:rPr lang="en-US" dirty="0"/>
+              <a:t>RTL Diagram and Input/Output</a:t>
+            </a:r>
+          </a:p>
+        </p:txBody>
+      </p:sp>
+      <p:sp>
+        <p:nvSpPr>
+          <p:cNvPr id="5" name="Slide Number Placeholder 4">
+            <a:extLst>
+              <a:ext uri="{FF2B5EF4-FFF2-40B4-BE49-F238E27FC236}">
+                <a16:creationId xmlns:a16="http://schemas.microsoft.com/office/drawing/2014/main" id="{A896B40E-DC06-49BF-BFD3-304517BB06A3}"/>
+              </a:ext>
+            </a:extLst>
+          </p:cNvPr>
+          <p:cNvSpPr>
+            <a:spLocks noGrp="1"/>
+          </p:cNvSpPr>
+          <p:nvPr>
+            <p:ph type="sldNum" sz="quarter" idx="12"/>
+          </p:nvPr>
+        </p:nvSpPr>
+        <p:spPr/>
+        <p:txBody>
+          <a:bodyPr/>
+          <a:lstStyle/>
+          <a:p>
+            <a:fld id="{88B5220A-EB23-48F3-9FB6-FE2BFABBF45A}" type="slidenum">
+              <a:rPr lang="en-US" smtClean="0"/>
+              <a:t>12</a:t>
+            </a:fld>
+            <a:endParaRPr lang="en-US" dirty="0"/>
+          </a:p>
+        </p:txBody>
+      </p:sp>
+      <p:pic>
+        <p:nvPicPr>
+          <p:cNvPr id="9" name="Picture 8" descr="A black and white screen with white text&#10;&#10;Description automatically generated">
+            <a:extLst>
+              <a:ext uri="{FF2B5EF4-FFF2-40B4-BE49-F238E27FC236}">
+                <a16:creationId xmlns:a16="http://schemas.microsoft.com/office/drawing/2014/main" id="{602A898A-4DC4-D63A-A6B4-668E5E561D40}"/>
+              </a:ext>
+            </a:extLst>
+          </p:cNvPr>
+          <p:cNvPicPr>
+            <a:picLocks noChangeAspect="1"/>
+          </p:cNvPicPr>
+          <p:nvPr/>
+        </p:nvPicPr>
+        <p:blipFill rotWithShape="1">
+          <a:blip r:embed="rId2">
+            <a:extLst>
+              <a:ext uri="{28A0092B-C50C-407E-A947-70E740481C1C}">
+                <a14:useLocalDpi xmlns:a14="http://schemas.microsoft.com/office/drawing/2010/main" val="0"/>
+              </a:ext>
+            </a:extLst>
+          </a:blip>
+          <a:srcRect l="51863" b="55404"/>
+          <a:stretch/>
+        </p:blipFill>
+        <p:spPr>
+          <a:xfrm>
+            <a:off x="1259633" y="2763923"/>
+            <a:ext cx="4259521" cy="2425474"/>
+          </a:xfrm>
+          <a:prstGeom prst="rect">
+            <a:avLst/>
+          </a:prstGeom>
+        </p:spPr>
+      </p:pic>
+      <p:pic>
+        <p:nvPicPr>
+          <p:cNvPr id="10" name="Picture 9" descr="A black and white screen with white text&#10;&#10;Description automatically generated">
+            <a:extLst>
+              <a:ext uri="{FF2B5EF4-FFF2-40B4-BE49-F238E27FC236}">
+                <a16:creationId xmlns:a16="http://schemas.microsoft.com/office/drawing/2014/main" id="{0C30E131-177D-F6B8-0AE8-D5CF155B5289}"/>
+              </a:ext>
+            </a:extLst>
+          </p:cNvPr>
+          <p:cNvPicPr>
+            <a:picLocks noChangeAspect="1"/>
+          </p:cNvPicPr>
+          <p:nvPr/>
+        </p:nvPicPr>
+        <p:blipFill rotWithShape="1">
+          <a:blip r:embed="rId2">
+            <a:extLst>
+              <a:ext uri="{28A0092B-C50C-407E-A947-70E740481C1C}">
+                <a14:useLocalDpi xmlns:a14="http://schemas.microsoft.com/office/drawing/2010/main" val="0"/>
+              </a:ext>
+            </a:extLst>
+          </a:blip>
+          <a:srcRect t="27955" r="77451" b="39963"/>
+          <a:stretch/>
+        </p:blipFill>
+        <p:spPr>
+          <a:xfrm>
+            <a:off x="6875008" y="2728679"/>
+            <a:ext cx="1995294" cy="1744825"/>
+          </a:xfrm>
+          <a:prstGeom prst="rect">
+            <a:avLst/>
+          </a:prstGeom>
+        </p:spPr>
+      </p:pic>
+    </p:spTree>
+    <p:extLst>
+      <p:ext uri="{BB962C8B-B14F-4D97-AF65-F5344CB8AC3E}">
+        <p14:creationId xmlns:p14="http://schemas.microsoft.com/office/powerpoint/2010/main" val="1617301959"/>
+      </p:ext>
+    </p:extLst>
+  </p:cSld>
+  <p:clrMapOvr>
+    <a:masterClrMapping/>
+  </p:clrMapOvr>
+</p:sld>
+</file>
+
+<file path=ppt/slides/slide13.xml><?xml version="1.0" encoding="utf-8"?>
+<p:sld xmlns:a="http://schemas.openxmlformats.org/drawingml/2006/main" xmlns:r="http://schemas.openxmlformats.org/officeDocument/2006/relationships" xmlns:p="http://schemas.openxmlformats.org/presentationml/2006/main">
+  <p:cSld>
+    <p:spTree>
+      <p:nvGrpSpPr>
+        <p:cNvPr id="1" name=""/>
+        <p:cNvGrpSpPr/>
+        <p:nvPr/>
+      </p:nvGrpSpPr>
+      <p:grpSpPr>
+        <a:xfrm>
+          <a:off x="0" y="0"/>
+          <a:ext cx="0" cy="0"/>
+          <a:chOff x="0" y="0"/>
+          <a:chExt cx="0" cy="0"/>
+        </a:xfrm>
+      </p:grpSpPr>
+      <p:sp>
+        <p:nvSpPr>
+          <p:cNvPr id="2" name="Title 1">
+            <a:extLst>
+              <a:ext uri="{FF2B5EF4-FFF2-40B4-BE49-F238E27FC236}">
+                <a16:creationId xmlns:a16="http://schemas.microsoft.com/office/drawing/2014/main" id="{D1F6CC05-1F31-0C88-333C-5026AF10D397}"/>
+              </a:ext>
+            </a:extLst>
+          </p:cNvPr>
+          <p:cNvSpPr>
+            <a:spLocks noGrp="1"/>
+          </p:cNvSpPr>
+          <p:nvPr>
+            <p:ph type="ctrTitle"/>
+          </p:nvPr>
+        </p:nvSpPr>
+        <p:spPr>
+          <a:xfrm>
+            <a:off x="1504670" y="437030"/>
+            <a:ext cx="9234309" cy="498598"/>
+          </a:xfrm>
+        </p:spPr>
+        <p:txBody>
+          <a:bodyPr/>
+          <a:lstStyle/>
+          <a:p>
+            <a:r>
+              <a:rPr lang="en-US" dirty="0"/>
+              <a:t>Program Counter</a:t>
+            </a:r>
+          </a:p>
+        </p:txBody>
+      </p:sp>
+      <p:sp>
+        <p:nvSpPr>
+          <p:cNvPr id="3" name="Subtitle 2">
+            <a:extLst>
+              <a:ext uri="{FF2B5EF4-FFF2-40B4-BE49-F238E27FC236}">
+                <a16:creationId xmlns:a16="http://schemas.microsoft.com/office/drawing/2014/main" id="{069353A1-7076-B958-432E-9B8FD5750AE7}"/>
+              </a:ext>
+            </a:extLst>
+          </p:cNvPr>
+          <p:cNvSpPr>
+            <a:spLocks noGrp="1"/>
+          </p:cNvSpPr>
+          <p:nvPr>
+            <p:ph type="subTitle" idx="1"/>
+          </p:nvPr>
+        </p:nvSpPr>
+        <p:spPr/>
+        <p:txBody>
+          <a:bodyPr/>
+          <a:lstStyle/>
+          <a:p>
+            <a:r>
+              <a:rPr lang="en-US" dirty="0"/>
+              <a:t>Logic and Test Cases</a:t>
+            </a:r>
+          </a:p>
+        </p:txBody>
+      </p:sp>
+      <p:sp>
+        <p:nvSpPr>
+          <p:cNvPr id="5" name="Slide Number Placeholder 4">
+            <a:extLst>
+              <a:ext uri="{FF2B5EF4-FFF2-40B4-BE49-F238E27FC236}">
+                <a16:creationId xmlns:a16="http://schemas.microsoft.com/office/drawing/2014/main" id="{A896B40E-DC06-49BF-BFD3-304517BB06A3}"/>
+              </a:ext>
+            </a:extLst>
+          </p:cNvPr>
+          <p:cNvSpPr>
+            <a:spLocks noGrp="1"/>
+          </p:cNvSpPr>
+          <p:nvPr>
+            <p:ph type="sldNum" sz="quarter" idx="12"/>
+          </p:nvPr>
+        </p:nvSpPr>
+        <p:spPr/>
+        <p:txBody>
+          <a:bodyPr/>
+          <a:lstStyle/>
+          <a:p>
+            <a:fld id="{88B5220A-EB23-48F3-9FB6-FE2BFABBF45A}" type="slidenum">
+              <a:rPr lang="en-US" smtClean="0"/>
+              <a:t>13</a:t>
+            </a:fld>
+            <a:endParaRPr lang="en-US" dirty="0"/>
+          </a:p>
+        </p:txBody>
+      </p:sp>
+      <p:pic>
+        <p:nvPicPr>
+          <p:cNvPr id="4" name="Picture 3" descr="A black and white screen with white text&#10;&#10;Description automatically generated">
+            <a:extLst>
+              <a:ext uri="{FF2B5EF4-FFF2-40B4-BE49-F238E27FC236}">
+                <a16:creationId xmlns:a16="http://schemas.microsoft.com/office/drawing/2014/main" id="{25367EB2-360C-B712-60AE-079171120897}"/>
+              </a:ext>
+            </a:extLst>
+          </p:cNvPr>
+          <p:cNvPicPr>
+            <a:picLocks noChangeAspect="1"/>
+          </p:cNvPicPr>
+          <p:nvPr/>
+        </p:nvPicPr>
+        <p:blipFill rotWithShape="1">
+          <a:blip r:embed="rId2">
+            <a:extLst>
+              <a:ext uri="{28A0092B-C50C-407E-A947-70E740481C1C}">
+                <a14:useLocalDpi xmlns:a14="http://schemas.microsoft.com/office/drawing/2010/main" val="0"/>
+              </a:ext>
+            </a:extLst>
+          </a:blip>
+          <a:srcRect t="63467" r="30844"/>
+          <a:stretch/>
+        </p:blipFill>
+        <p:spPr>
+          <a:xfrm>
+            <a:off x="1067822" y="2096305"/>
+            <a:ext cx="10056355" cy="3265228"/>
+          </a:xfrm>
+          <a:prstGeom prst="rect">
+            <a:avLst/>
+          </a:prstGeom>
+        </p:spPr>
+      </p:pic>
+    </p:spTree>
+    <p:extLst>
+      <p:ext uri="{BB962C8B-B14F-4D97-AF65-F5344CB8AC3E}">
+        <p14:creationId xmlns:p14="http://schemas.microsoft.com/office/powerpoint/2010/main" val="3391675750"/>
+      </p:ext>
+    </p:extLst>
+  </p:cSld>
+  <p:clrMapOvr>
+    <a:masterClrMapping/>
+  </p:clrMapOvr>
+</p:sld>
+</file>
+
+<file path=ppt/slides/slide14.xml><?xml version="1.0" encoding="utf-8"?>
+<p:sld xmlns:a="http://schemas.openxmlformats.org/drawingml/2006/main" xmlns:r="http://schemas.openxmlformats.org/officeDocument/2006/relationships" xmlns:p="http://schemas.openxmlformats.org/presentationml/2006/main">
+  <p:cSld>
+    <p:spTree>
+      <p:nvGrpSpPr>
+        <p:cNvPr id="1" name=""/>
+        <p:cNvGrpSpPr/>
+        <p:nvPr/>
+      </p:nvGrpSpPr>
+      <p:grpSpPr>
+        <a:xfrm>
+          <a:off x="0" y="0"/>
+          <a:ext cx="0" cy="0"/>
+          <a:chOff x="0" y="0"/>
+          <a:chExt cx="0" cy="0"/>
+        </a:xfrm>
+      </p:grpSpPr>
+      <p:sp>
+        <p:nvSpPr>
+          <p:cNvPr id="2" name="Title 1">
+            <a:extLst>
+              <a:ext uri="{FF2B5EF4-FFF2-40B4-BE49-F238E27FC236}">
+                <a16:creationId xmlns:a16="http://schemas.microsoft.com/office/drawing/2014/main" id="{EEAF6D0A-7814-2A94-F47A-3ECC7B8EDE59}"/>
+              </a:ext>
+            </a:extLst>
+          </p:cNvPr>
+          <p:cNvSpPr>
+            <a:spLocks noGrp="1"/>
+          </p:cNvSpPr>
+          <p:nvPr>
+            <p:ph type="ctrTitle"/>
+          </p:nvPr>
+        </p:nvSpPr>
+        <p:spPr>
+          <a:xfrm>
+            <a:off x="1504670" y="437030"/>
+            <a:ext cx="9234309" cy="498598"/>
+          </a:xfrm>
+        </p:spPr>
+        <p:txBody>
+          <a:bodyPr/>
+          <a:lstStyle/>
+          <a:p>
+            <a:r>
+              <a:rPr lang="en-US" dirty="0"/>
+              <a:t>Peripherals</a:t>
+            </a:r>
+          </a:p>
+        </p:txBody>
+      </p:sp>
+      <p:sp>
+        <p:nvSpPr>
+          <p:cNvPr id="3" name="Subtitle 2">
+            <a:extLst>
+              <a:ext uri="{FF2B5EF4-FFF2-40B4-BE49-F238E27FC236}">
+                <a16:creationId xmlns:a16="http://schemas.microsoft.com/office/drawing/2014/main" id="{FFF467C2-55D2-EC86-825B-16EBAE111702}"/>
+              </a:ext>
+            </a:extLst>
+          </p:cNvPr>
+          <p:cNvSpPr>
+            <a:spLocks noGrp="1"/>
+          </p:cNvSpPr>
+          <p:nvPr>
+            <p:ph type="subTitle" idx="1"/>
+          </p:nvPr>
+        </p:nvSpPr>
+        <p:spPr/>
+        <p:txBody>
+          <a:bodyPr/>
+          <a:lstStyle/>
+          <a:p>
+            <a:endParaRPr lang="en-US"/>
+          </a:p>
+        </p:txBody>
+      </p:sp>
+      <p:sp>
+        <p:nvSpPr>
+          <p:cNvPr id="4" name="Text Placeholder 3">
+            <a:extLst>
+              <a:ext uri="{FF2B5EF4-FFF2-40B4-BE49-F238E27FC236}">
+                <a16:creationId xmlns:a16="http://schemas.microsoft.com/office/drawing/2014/main" id="{5DF050C2-2C1C-78CA-C656-82D41545CD8E}"/>
+              </a:ext>
+            </a:extLst>
+          </p:cNvPr>
+          <p:cNvSpPr>
+            <a:spLocks noGrp="1"/>
+          </p:cNvSpPr>
+          <p:nvPr>
+            <p:ph type="body" sz="quarter" idx="14"/>
+          </p:nvPr>
+        </p:nvSpPr>
+        <p:spPr/>
+        <p:txBody>
+          <a:bodyPr/>
+          <a:lstStyle/>
+          <a:p>
+            <a:pPr marL="0" indent="0">
+              <a:buNone/>
+            </a:pPr>
+            <a:endParaRPr lang="en-US" dirty="0"/>
+          </a:p>
+        </p:txBody>
+      </p:sp>
+      <p:sp>
+        <p:nvSpPr>
+          <p:cNvPr id="5" name="Slide Number Placeholder 4">
+            <a:extLst>
+              <a:ext uri="{FF2B5EF4-FFF2-40B4-BE49-F238E27FC236}">
+                <a16:creationId xmlns:a16="http://schemas.microsoft.com/office/drawing/2014/main" id="{D098254D-9CED-6343-6D6F-6FF0B8DDD786}"/>
+              </a:ext>
+            </a:extLst>
+          </p:cNvPr>
+          <p:cNvSpPr>
+            <a:spLocks noGrp="1"/>
+          </p:cNvSpPr>
+          <p:nvPr>
+            <p:ph type="sldNum" sz="quarter" idx="12"/>
+          </p:nvPr>
+        </p:nvSpPr>
+        <p:spPr/>
+        <p:txBody>
+          <a:bodyPr/>
+          <a:lstStyle/>
+          <a:p>
+            <a:fld id="{88B5220A-EB23-48F3-9FB6-FE2BFABBF45A}" type="slidenum">
+              <a:rPr lang="en-US" smtClean="0"/>
+              <a:t>14</a:t>
+            </a:fld>
+            <a:endParaRPr lang="en-US" dirty="0"/>
+          </a:p>
+        </p:txBody>
+      </p:sp>
+    </p:spTree>
+    <p:extLst>
+      <p:ext uri="{BB962C8B-B14F-4D97-AF65-F5344CB8AC3E}">
         <p14:creationId xmlns:p14="http://schemas.microsoft.com/office/powerpoint/2010/main" val="673691625"/>
+      </p:ext>
+    </p:extLst>
+  </p:cSld>
+  <p:clrMapOvr>
+    <a:masterClrMapping/>
+  </p:clrMapOvr>
+</p:sld>
+</file>
+
+<file path=ppt/slides/slide15.xml><?xml version="1.0" encoding="utf-8"?>
+<p:sld xmlns:a="http://schemas.openxmlformats.org/drawingml/2006/main" xmlns:r="http://schemas.openxmlformats.org/officeDocument/2006/relationships" xmlns:p="http://schemas.openxmlformats.org/presentationml/2006/main">
+  <p:cSld>
+    <p:spTree>
+      <p:nvGrpSpPr>
+        <p:cNvPr id="1" name=""/>
+        <p:cNvGrpSpPr/>
+        <p:nvPr/>
+      </p:nvGrpSpPr>
+      <p:grpSpPr>
+        <a:xfrm>
+          <a:off x="0" y="0"/>
+          <a:ext cx="0" cy="0"/>
+          <a:chOff x="0" y="0"/>
+          <a:chExt cx="0" cy="0"/>
+        </a:xfrm>
+      </p:grpSpPr>
+      <p:sp>
+        <p:nvSpPr>
+          <p:cNvPr id="2" name="Title 1">
+            <a:extLst>
+              <a:ext uri="{FF2B5EF4-FFF2-40B4-BE49-F238E27FC236}">
+                <a16:creationId xmlns:a16="http://schemas.microsoft.com/office/drawing/2014/main" id="{84E2E6AF-4C46-F611-0830-0584094CF72D}"/>
+              </a:ext>
+            </a:extLst>
+          </p:cNvPr>
+          <p:cNvSpPr>
+            <a:spLocks noGrp="1"/>
+          </p:cNvSpPr>
+          <p:nvPr>
+            <p:ph type="ctrTitle"/>
+          </p:nvPr>
+        </p:nvSpPr>
+        <p:spPr>
+          <a:xfrm>
+            <a:off x="1504670" y="437030"/>
+            <a:ext cx="9234309" cy="498598"/>
+          </a:xfrm>
+        </p:spPr>
+        <p:txBody>
+          <a:bodyPr/>
+          <a:lstStyle/>
+          <a:p>
+            <a:r>
+              <a:rPr lang="en-US" dirty="0"/>
+              <a:t>Expected Obstacles</a:t>
+            </a:r>
+          </a:p>
+        </p:txBody>
+      </p:sp>
+      <p:sp>
+        <p:nvSpPr>
+          <p:cNvPr id="3" name="Subtitle 2">
+            <a:extLst>
+              <a:ext uri="{FF2B5EF4-FFF2-40B4-BE49-F238E27FC236}">
+                <a16:creationId xmlns:a16="http://schemas.microsoft.com/office/drawing/2014/main" id="{471C2136-9DD0-D267-3D8B-A8EE373D98E0}"/>
+              </a:ext>
+            </a:extLst>
+          </p:cNvPr>
+          <p:cNvSpPr>
+            <a:spLocks noGrp="1"/>
+          </p:cNvSpPr>
+          <p:nvPr>
+            <p:ph type="subTitle" idx="1"/>
+          </p:nvPr>
+        </p:nvSpPr>
+        <p:spPr/>
+        <p:txBody>
+          <a:bodyPr/>
+          <a:lstStyle/>
+          <a:p>
+            <a:endParaRPr lang="en-US"/>
+          </a:p>
+        </p:txBody>
+      </p:sp>
+      <p:sp>
+        <p:nvSpPr>
+          <p:cNvPr id="4" name="Text Placeholder 3">
+            <a:extLst>
+              <a:ext uri="{FF2B5EF4-FFF2-40B4-BE49-F238E27FC236}">
+                <a16:creationId xmlns:a16="http://schemas.microsoft.com/office/drawing/2014/main" id="{B44DD88A-56DA-9FD9-78FF-2228D1EE0F97}"/>
+              </a:ext>
+            </a:extLst>
+          </p:cNvPr>
+          <p:cNvSpPr>
+            <a:spLocks noGrp="1"/>
+          </p:cNvSpPr>
+          <p:nvPr>
+            <p:ph type="body" sz="quarter" idx="14"/>
+          </p:nvPr>
+        </p:nvSpPr>
+        <p:spPr/>
+        <p:txBody>
+          <a:bodyPr/>
+          <a:lstStyle/>
+          <a:p>
+            <a:endParaRPr lang="en-US"/>
+          </a:p>
+        </p:txBody>
+      </p:sp>
+      <p:sp>
+        <p:nvSpPr>
+          <p:cNvPr id="5" name="Slide Number Placeholder 4">
+            <a:extLst>
+              <a:ext uri="{FF2B5EF4-FFF2-40B4-BE49-F238E27FC236}">
+                <a16:creationId xmlns:a16="http://schemas.microsoft.com/office/drawing/2014/main" id="{682D4168-ECD1-209B-6680-7551993E2135}"/>
+              </a:ext>
+            </a:extLst>
+          </p:cNvPr>
+          <p:cNvSpPr>
+            <a:spLocks noGrp="1"/>
+          </p:cNvSpPr>
+          <p:nvPr>
+            <p:ph type="sldNum" sz="quarter" idx="12"/>
+          </p:nvPr>
+        </p:nvSpPr>
+        <p:spPr/>
+        <p:txBody>
+          <a:bodyPr/>
+          <a:lstStyle/>
+          <a:p>
+            <a:fld id="{88B5220A-EB23-48F3-9FB6-FE2BFABBF45A}" type="slidenum">
+              <a:rPr lang="en-US" smtClean="0"/>
+              <a:t>15</a:t>
+            </a:fld>
+            <a:endParaRPr lang="en-US" dirty="0"/>
+          </a:p>
+        </p:txBody>
+      </p:sp>
+    </p:spTree>
+    <p:extLst>
+      <p:ext uri="{BB962C8B-B14F-4D97-AF65-F5344CB8AC3E}">
+        <p14:creationId xmlns:p14="http://schemas.microsoft.com/office/powerpoint/2010/main" val="3140182961"/>
+      </p:ext>
+    </p:extLst>
+  </p:cSld>
+  <p:clrMapOvr>
+    <a:masterClrMapping/>
+  </p:clrMapOvr>
+</p:sld>
+</file>
+
+<file path=ppt/slides/slide16.xml><?xml version="1.0" encoding="utf-8"?>
+<p:sld xmlns:a="http://schemas.openxmlformats.org/drawingml/2006/main" xmlns:r="http://schemas.openxmlformats.org/officeDocument/2006/relationships" xmlns:p="http://schemas.openxmlformats.org/presentationml/2006/main">
+  <p:cSld>
+    <p:spTree>
+      <p:nvGrpSpPr>
+        <p:cNvPr id="1" name=""/>
+        <p:cNvGrpSpPr/>
+        <p:nvPr/>
+      </p:nvGrpSpPr>
+      <p:grpSpPr>
+        <a:xfrm>
+          <a:off x="0" y="0"/>
+          <a:ext cx="0" cy="0"/>
+          <a:chOff x="0" y="0"/>
+          <a:chExt cx="0" cy="0"/>
+        </a:xfrm>
+      </p:grpSpPr>
+      <p:sp>
+        <p:nvSpPr>
+          <p:cNvPr id="2" name="Title 1">
+            <a:extLst>
+              <a:ext uri="{FF2B5EF4-FFF2-40B4-BE49-F238E27FC236}">
+                <a16:creationId xmlns:a16="http://schemas.microsoft.com/office/drawing/2014/main" id="{6799C4B2-C790-FB8B-4821-10F77E122C20}"/>
+              </a:ext>
+            </a:extLst>
+          </p:cNvPr>
+          <p:cNvSpPr>
+            <a:spLocks noGrp="1"/>
+          </p:cNvSpPr>
+          <p:nvPr>
+            <p:ph type="ctrTitle"/>
+          </p:nvPr>
+        </p:nvSpPr>
+        <p:spPr>
+          <a:xfrm>
+            <a:off x="1504670" y="437030"/>
+            <a:ext cx="9234309" cy="498598"/>
+          </a:xfrm>
+        </p:spPr>
+        <p:txBody>
+          <a:bodyPr/>
+          <a:lstStyle/>
+          <a:p>
+            <a:r>
+              <a:rPr lang="en-US" dirty="0"/>
+              <a:t>Future Plans</a:t>
+            </a:r>
+          </a:p>
+        </p:txBody>
+      </p:sp>
+      <p:sp>
+        <p:nvSpPr>
+          <p:cNvPr id="3" name="Subtitle 2">
+            <a:extLst>
+              <a:ext uri="{FF2B5EF4-FFF2-40B4-BE49-F238E27FC236}">
+                <a16:creationId xmlns:a16="http://schemas.microsoft.com/office/drawing/2014/main" id="{E03FFE2C-5D65-D6E4-2FE1-7A95922722D1}"/>
+              </a:ext>
+            </a:extLst>
+          </p:cNvPr>
+          <p:cNvSpPr>
+            <a:spLocks noGrp="1"/>
+          </p:cNvSpPr>
+          <p:nvPr>
+            <p:ph type="subTitle" idx="1"/>
+          </p:nvPr>
+        </p:nvSpPr>
+        <p:spPr/>
+        <p:txBody>
+          <a:bodyPr/>
+          <a:lstStyle/>
+          <a:p>
+            <a:endParaRPr lang="en-US"/>
+          </a:p>
+        </p:txBody>
+      </p:sp>
+      <p:sp>
+        <p:nvSpPr>
+          <p:cNvPr id="4" name="Text Placeholder 3">
+            <a:extLst>
+              <a:ext uri="{FF2B5EF4-FFF2-40B4-BE49-F238E27FC236}">
+                <a16:creationId xmlns:a16="http://schemas.microsoft.com/office/drawing/2014/main" id="{7794BFF1-E7A0-748B-9321-5A00891D805A}"/>
+              </a:ext>
+            </a:extLst>
+          </p:cNvPr>
+          <p:cNvSpPr>
+            <a:spLocks noGrp="1"/>
+          </p:cNvSpPr>
+          <p:nvPr>
+            <p:ph type="body" sz="quarter" idx="14"/>
+          </p:nvPr>
+        </p:nvSpPr>
+        <p:spPr/>
+        <p:txBody>
+          <a:bodyPr/>
+          <a:lstStyle/>
+          <a:p>
+            <a:r>
+              <a:rPr lang="en-US" dirty="0"/>
+              <a:t>Error correction?</a:t>
+            </a:r>
+          </a:p>
+        </p:txBody>
+      </p:sp>
+      <p:sp>
+        <p:nvSpPr>
+          <p:cNvPr id="5" name="Slide Number Placeholder 4">
+            <a:extLst>
+              <a:ext uri="{FF2B5EF4-FFF2-40B4-BE49-F238E27FC236}">
+                <a16:creationId xmlns:a16="http://schemas.microsoft.com/office/drawing/2014/main" id="{5BDDAFA0-D6CE-5536-5E75-4528A2EC55BD}"/>
+              </a:ext>
+            </a:extLst>
+          </p:cNvPr>
+          <p:cNvSpPr>
+            <a:spLocks noGrp="1"/>
+          </p:cNvSpPr>
+          <p:nvPr>
+            <p:ph type="sldNum" sz="quarter" idx="12"/>
+          </p:nvPr>
+        </p:nvSpPr>
+        <p:spPr/>
+        <p:txBody>
+          <a:bodyPr/>
+          <a:lstStyle/>
+          <a:p>
+            <a:fld id="{88B5220A-EB23-48F3-9FB6-FE2BFABBF45A}" type="slidenum">
+              <a:rPr lang="en-US" smtClean="0"/>
+              <a:t>16</a:t>
+            </a:fld>
+            <a:endParaRPr lang="en-US" dirty="0"/>
+          </a:p>
+        </p:txBody>
+      </p:sp>
+    </p:spTree>
+    <p:extLst>
+      <p:ext uri="{BB962C8B-B14F-4D97-AF65-F5344CB8AC3E}">
+        <p14:creationId xmlns:p14="http://schemas.microsoft.com/office/powerpoint/2010/main" val="391822046"/>
       </p:ext>
     </p:extLst>
   </p:cSld>
@@ -5611,7 +6398,7 @@
             <a:pPr lvl="2"/>
             <a:r>
               <a:rPr lang="en-US" dirty="0"/>
-              <a:t>Keyboard/push buttons</a:t>
+              <a:t>Keyboard?</a:t>
             </a:r>
           </a:p>
         </p:txBody>
@@ -5645,6 +6432,53 @@
           </a:p>
         </p:txBody>
       </p:sp>
+      <p:pic>
+        <p:nvPicPr>
+          <p:cNvPr id="2054" name="Picture 6" descr="Choosing the RISC-V CPU Development Board: A Comprehensive Guide - DFRobot">
+            <a:extLst>
+              <a:ext uri="{FF2B5EF4-FFF2-40B4-BE49-F238E27FC236}">
+                <a16:creationId xmlns:a16="http://schemas.microsoft.com/office/drawing/2014/main" id="{D99FEAEE-BE6C-DD24-336F-4E61F09C699E}"/>
+              </a:ext>
+            </a:extLst>
+          </p:cNvPr>
+          <p:cNvPicPr>
+            <a:picLocks noChangeAspect="1" noChangeArrowheads="1"/>
+          </p:cNvPicPr>
+          <p:nvPr/>
+        </p:nvPicPr>
+        <p:blipFill>
+          <a:blip r:embed="rId2">
+            <a:extLst>
+              <a:ext uri="{28A0092B-C50C-407E-A947-70E740481C1C}">
+                <a14:useLocalDpi xmlns:a14="http://schemas.microsoft.com/office/drawing/2010/main" val="0"/>
+              </a:ext>
+            </a:extLst>
+          </a:blip>
+          <a:srcRect/>
+          <a:stretch>
+            <a:fillRect/>
+          </a:stretch>
+        </p:blipFill>
+        <p:spPr bwMode="auto">
+          <a:xfrm>
+            <a:off x="6378193" y="2171182"/>
+            <a:ext cx="4462325" cy="2515636"/>
+          </a:xfrm>
+          <a:prstGeom prst="rect">
+            <a:avLst/>
+          </a:prstGeom>
+          <a:noFill/>
+          <a:extLst>
+            <a:ext uri="{909E8E84-426E-40DD-AFC4-6F175D3DCCD1}">
+              <a14:hiddenFill xmlns:a14="http://schemas.microsoft.com/office/drawing/2010/main">
+                <a:solidFill>
+                  <a:srgbClr val="FFFFFF"/>
+                </a:solidFill>
+              </a14:hiddenFill>
+            </a:ext>
+          </a:extLst>
+        </p:spPr>
+      </p:pic>
     </p:spTree>
     <p:extLst>
       <p:ext uri="{BB962C8B-B14F-4D97-AF65-F5344CB8AC3E}">
@@ -5680,7 +6514,7 @@
           <p:cNvPr id="2" name="Title 1">
             <a:extLst>
               <a:ext uri="{FF2B5EF4-FFF2-40B4-BE49-F238E27FC236}">
-                <a16:creationId xmlns:a16="http://schemas.microsoft.com/office/drawing/2014/main" id="{588BDF71-479C-4F6B-7DA1-C1EE2EA2316F}"/>
+                <a16:creationId xmlns:a16="http://schemas.microsoft.com/office/drawing/2014/main" id="{2A825BD9-7823-9454-E7E3-01F3AD391724}"/>
               </a:ext>
             </a:extLst>
           </p:cNvPr>
@@ -5713,7 +6547,7 @@
           <p:cNvPr id="3" name="Subtitle 2">
             <a:extLst>
               <a:ext uri="{FF2B5EF4-FFF2-40B4-BE49-F238E27FC236}">
-                <a16:creationId xmlns:a16="http://schemas.microsoft.com/office/drawing/2014/main" id="{8BA56806-F40D-5A79-67E8-9882C374DA10}"/>
+                <a16:creationId xmlns:a16="http://schemas.microsoft.com/office/drawing/2014/main" id="{7C3E1C65-F32B-6D9A-6A91-2D3BCBBA2C93}"/>
               </a:ext>
             </a:extLst>
           </p:cNvPr>
@@ -5724,19 +6558,14 @@
             <p:ph type="subTitle" idx="1"/>
           </p:nvPr>
         </p:nvSpPr>
-        <p:spPr>
-          <a:xfrm>
-            <a:off x="1504669" y="1345167"/>
-            <a:ext cx="9234308" cy="338554"/>
-          </a:xfrm>
-        </p:spPr>
+        <p:spPr/>
         <p:txBody>
           <a:bodyPr/>
           <a:lstStyle/>
           <a:p>
             <a:r>
               <a:rPr lang="en-US" dirty="0"/>
-              <a:t>Possible apps/games to implement</a:t>
+              <a:t>Implement the following commands in Assembly</a:t>
             </a:r>
           </a:p>
         </p:txBody>
@@ -5746,7 +6575,7 @@
           <p:cNvPr id="4" name="Text Placeholder 3">
             <a:extLst>
               <a:ext uri="{FF2B5EF4-FFF2-40B4-BE49-F238E27FC236}">
-                <a16:creationId xmlns:a16="http://schemas.microsoft.com/office/drawing/2014/main" id="{E68D725A-234B-8E62-6A9A-C26135BB237E}"/>
+                <a16:creationId xmlns:a16="http://schemas.microsoft.com/office/drawing/2014/main" id="{2594EB4D-A46A-8611-92B7-38ADED60B339}"/>
               </a:ext>
             </a:extLst>
           </p:cNvPr>
@@ -5762,24 +6591,33 @@
           <a:bodyPr/>
           <a:lstStyle/>
           <a:p>
-            <a:pPr lvl="1"/>
             <a:r>
               <a:rPr lang="en-US" dirty="0"/>
-              <a:t>Pong</a:t>
-            </a:r>
-          </a:p>
-          <a:p>
-            <a:pPr lvl="1"/>
+              <a:t>Add/subtract</a:t>
+            </a:r>
+          </a:p>
+          <a:p>
             <a:r>
               <a:rPr lang="en-US" dirty="0"/>
-              <a:t>Snake</a:t>
-            </a:r>
-          </a:p>
-          <a:p>
-            <a:pPr lvl="1"/>
+              <a:t>NOT, XOR, OR, AND</a:t>
+            </a:r>
+          </a:p>
+          <a:p>
             <a:r>
               <a:rPr lang="en-US" dirty="0"/>
-              <a:t>Tetris</a:t>
+              <a:t>Shift left/right</a:t>
+            </a:r>
+          </a:p>
+          <a:p>
+            <a:r>
+              <a:rPr lang="en-US" dirty="0"/>
+              <a:t>Load to register/memory</a:t>
+            </a:r>
+          </a:p>
+          <a:p>
+            <a:r>
+              <a:rPr lang="en-US" dirty="0"/>
+              <a:t>Branch/Jump</a:t>
             </a:r>
           </a:p>
         </p:txBody>
@@ -5789,7 +6627,7 @@
           <p:cNvPr id="5" name="Slide Number Placeholder 4">
             <a:extLst>
               <a:ext uri="{FF2B5EF4-FFF2-40B4-BE49-F238E27FC236}">
-                <a16:creationId xmlns:a16="http://schemas.microsoft.com/office/drawing/2014/main" id="{E55606F4-B306-4024-6909-22065ED9C64B}"/>
+                <a16:creationId xmlns:a16="http://schemas.microsoft.com/office/drawing/2014/main" id="{0FE8512D-2509-0295-1B00-8CC2B191D2F5}"/>
               </a:ext>
             </a:extLst>
           </p:cNvPr>
@@ -5813,10 +6651,57 @@
           </a:p>
         </p:txBody>
       </p:sp>
+      <p:pic>
+        <p:nvPicPr>
+          <p:cNvPr id="3076" name="Picture 4" descr="Earning A Computer Programming Degree: What To Know – Forbes Advisor">
+            <a:extLst>
+              <a:ext uri="{FF2B5EF4-FFF2-40B4-BE49-F238E27FC236}">
+                <a16:creationId xmlns:a16="http://schemas.microsoft.com/office/drawing/2014/main" id="{88609543-E281-41CB-FE3D-7C86F4FFB871}"/>
+              </a:ext>
+            </a:extLst>
+          </p:cNvPr>
+          <p:cNvPicPr>
+            <a:picLocks noChangeAspect="1" noChangeArrowheads="1"/>
+          </p:cNvPicPr>
+          <p:nvPr/>
+        </p:nvPicPr>
+        <p:blipFill>
+          <a:blip r:embed="rId2">
+            <a:extLst>
+              <a:ext uri="{28A0092B-C50C-407E-A947-70E740481C1C}">
+                <a14:useLocalDpi xmlns:a14="http://schemas.microsoft.com/office/drawing/2010/main" val="0"/>
+              </a:ext>
+            </a:extLst>
+          </a:blip>
+          <a:srcRect/>
+          <a:stretch>
+            <a:fillRect/>
+          </a:stretch>
+        </p:blipFill>
+        <p:spPr bwMode="auto">
+          <a:xfrm>
+            <a:off x="5560072" y="2703443"/>
+            <a:ext cx="5756455" cy="3230011"/>
+          </a:xfrm>
+          <a:prstGeom prst="rect">
+            <a:avLst/>
+          </a:prstGeom>
+          <a:noFill/>
+          <a:extLst>
+            <a:ext uri="{909E8E84-426E-40DD-AFC4-6F175D3DCCD1}">
+              <a14:hiddenFill xmlns:a14="http://schemas.microsoft.com/office/drawing/2010/main">
+                <a:solidFill>
+                  <a:srgbClr val="FFFFFF"/>
+                </a:solidFill>
+              </a14:hiddenFill>
+            </a:ext>
+          </a:extLst>
+        </p:spPr>
+      </p:pic>
     </p:spTree>
     <p:extLst>
       <p:ext uri="{BB962C8B-B14F-4D97-AF65-F5344CB8AC3E}">
-        <p14:creationId xmlns:p14="http://schemas.microsoft.com/office/powerpoint/2010/main" val="644814073"/>
+        <p14:creationId xmlns:p14="http://schemas.microsoft.com/office/powerpoint/2010/main" val="1158209832"/>
       </p:ext>
     </p:extLst>
   </p:cSld>
@@ -5848,7 +6733,7 @@
           <p:cNvPr id="2" name="Title 1">
             <a:extLst>
               <a:ext uri="{FF2B5EF4-FFF2-40B4-BE49-F238E27FC236}">
-                <a16:creationId xmlns:a16="http://schemas.microsoft.com/office/drawing/2014/main" id="{50C06DD2-835A-9E52-A7C0-58BA2B1506EF}"/>
+                <a16:creationId xmlns:a16="http://schemas.microsoft.com/office/drawing/2014/main" id="{588BDF71-479C-4F6B-7DA1-C1EE2EA2316F}"/>
               </a:ext>
             </a:extLst>
           </p:cNvPr>
@@ -5871,7 +6756,7 @@
           <a:p>
             <a:r>
               <a:rPr lang="en-US" dirty="0"/>
-              <a:t>Model: RISC-V</a:t>
+              <a:t>Goals</a:t>
             </a:r>
           </a:p>
         </p:txBody>
@@ -5881,7 +6766,7 @@
           <p:cNvPr id="3" name="Subtitle 2">
             <a:extLst>
               <a:ext uri="{FF2B5EF4-FFF2-40B4-BE49-F238E27FC236}">
-                <a16:creationId xmlns:a16="http://schemas.microsoft.com/office/drawing/2014/main" id="{CB020337-694C-21C5-21DB-77EE1E6274CB}"/>
+                <a16:creationId xmlns:a16="http://schemas.microsoft.com/office/drawing/2014/main" id="{8BA56806-F40D-5A79-67E8-9882C374DA10}"/>
               </a:ext>
             </a:extLst>
           </p:cNvPr>
@@ -5892,12 +6777,20 @@
             <p:ph type="subTitle" idx="1"/>
           </p:nvPr>
         </p:nvSpPr>
-        <p:spPr/>
+        <p:spPr>
+          <a:xfrm>
+            <a:off x="1504669" y="1345167"/>
+            <a:ext cx="9234308" cy="338554"/>
+          </a:xfrm>
+        </p:spPr>
         <p:txBody>
           <a:bodyPr/>
           <a:lstStyle/>
           <a:p>
-            <a:endParaRPr lang="en-US" dirty="0"/>
+            <a:r>
+              <a:rPr lang="en-US" dirty="0"/>
+              <a:t>Possible apps/games to implement</a:t>
+            </a:r>
           </a:p>
         </p:txBody>
       </p:sp>
@@ -5906,7 +6799,7 @@
           <p:cNvPr id="4" name="Text Placeholder 3">
             <a:extLst>
               <a:ext uri="{FF2B5EF4-FFF2-40B4-BE49-F238E27FC236}">
-                <a16:creationId xmlns:a16="http://schemas.microsoft.com/office/drawing/2014/main" id="{80F674E0-EB03-F95C-5945-6E8A233BD703}"/>
+                <a16:creationId xmlns:a16="http://schemas.microsoft.com/office/drawing/2014/main" id="{E68D725A-234B-8E62-6A9A-C26135BB237E}"/>
               </a:ext>
             </a:extLst>
           </p:cNvPr>
@@ -5922,26 +6815,24 @@
           <a:bodyPr/>
           <a:lstStyle/>
           <a:p>
+            <a:pPr lvl="1"/>
             <a:r>
               <a:rPr lang="en-US" dirty="0"/>
-              <a:t>Open source</a:t>
-            </a:r>
-          </a:p>
-          <a:p>
+              <a:t>Pong</a:t>
+            </a:r>
+          </a:p>
+          <a:p>
+            <a:pPr lvl="1"/>
             <a:r>
               <a:rPr lang="en-US" dirty="0"/>
-              <a:t>31 </a:t>
-            </a:r>
-            <a:r>
-              <a:rPr lang="en-US"/>
-              <a:t>internal registers</a:t>
-            </a:r>
-            <a:endParaRPr lang="en-US" dirty="0"/>
-          </a:p>
-          <a:p>
+              <a:t>Snake</a:t>
+            </a:r>
+          </a:p>
+          <a:p>
+            <a:pPr lvl="1"/>
             <a:r>
               <a:rPr lang="en-US" dirty="0"/>
-              <a:t>Add more stuff later</a:t>
+              <a:t>Tetris</a:t>
             </a:r>
           </a:p>
         </p:txBody>
@@ -5951,7 +6842,7 @@
           <p:cNvPr id="5" name="Slide Number Placeholder 4">
             <a:extLst>
               <a:ext uri="{FF2B5EF4-FFF2-40B4-BE49-F238E27FC236}">
-                <a16:creationId xmlns:a16="http://schemas.microsoft.com/office/drawing/2014/main" id="{684C9910-AA38-B8D4-5ECA-0EA1F1F1DA3A}"/>
+                <a16:creationId xmlns:a16="http://schemas.microsoft.com/office/drawing/2014/main" id="{E55606F4-B306-4024-6909-22065ED9C64B}"/>
               </a:ext>
             </a:extLst>
           </p:cNvPr>
@@ -5975,10 +6866,40 @@
           </a:p>
         </p:txBody>
       </p:sp>
+      <p:pic>
+        <p:nvPicPr>
+          <p:cNvPr id="7" name="Picture 6">
+            <a:extLst>
+              <a:ext uri="{FF2B5EF4-FFF2-40B4-BE49-F238E27FC236}">
+                <a16:creationId xmlns:a16="http://schemas.microsoft.com/office/drawing/2014/main" id="{28339EBB-5A7D-4287-32E7-CCB34E6424DC}"/>
+              </a:ext>
+            </a:extLst>
+          </p:cNvPr>
+          <p:cNvPicPr>
+            <a:picLocks noChangeAspect="1"/>
+          </p:cNvPicPr>
+          <p:nvPr/>
+        </p:nvPicPr>
+        <p:blipFill>
+          <a:blip r:embed="rId2"/>
+          <a:stretch>
+            <a:fillRect/>
+          </a:stretch>
+        </p:blipFill>
+        <p:spPr>
+          <a:xfrm>
+            <a:off x="2000317" y="3737113"/>
+            <a:ext cx="8196167" cy="3120887"/>
+          </a:xfrm>
+          <a:prstGeom prst="rect">
+            <a:avLst/>
+          </a:prstGeom>
+        </p:spPr>
+      </p:pic>
     </p:spTree>
     <p:extLst>
       <p:ext uri="{BB962C8B-B14F-4D97-AF65-F5344CB8AC3E}">
-        <p14:creationId xmlns:p14="http://schemas.microsoft.com/office/powerpoint/2010/main" val="1595219299"/>
+        <p14:creationId xmlns:p14="http://schemas.microsoft.com/office/powerpoint/2010/main" val="644814073"/>
       </p:ext>
     </p:extLst>
   </p:cSld>
@@ -6010,7 +6931,7 @@
           <p:cNvPr id="2" name="Title 1">
             <a:extLst>
               <a:ext uri="{FF2B5EF4-FFF2-40B4-BE49-F238E27FC236}">
-                <a16:creationId xmlns:a16="http://schemas.microsoft.com/office/drawing/2014/main" id="{953480F1-3C00-F7B9-A3FD-32485D0E7EF6}"/>
+                <a16:creationId xmlns:a16="http://schemas.microsoft.com/office/drawing/2014/main" id="{50C06DD2-835A-9E52-A7C0-58BA2B1506EF}"/>
               </a:ext>
             </a:extLst>
           </p:cNvPr>
@@ -6033,7 +6954,7 @@
           <a:p>
             <a:r>
               <a:rPr lang="en-US" dirty="0"/>
-              <a:t>Top Level Design</a:t>
+              <a:t>Model: RISC-V</a:t>
             </a:r>
           </a:p>
         </p:txBody>
@@ -6043,7 +6964,7 @@
           <p:cNvPr id="3" name="Subtitle 2">
             <a:extLst>
               <a:ext uri="{FF2B5EF4-FFF2-40B4-BE49-F238E27FC236}">
-                <a16:creationId xmlns:a16="http://schemas.microsoft.com/office/drawing/2014/main" id="{07C22598-0C38-3A22-3877-3314FD054959}"/>
+                <a16:creationId xmlns:a16="http://schemas.microsoft.com/office/drawing/2014/main" id="{CB020337-694C-21C5-21DB-77EE1E6274CB}"/>
               </a:ext>
             </a:extLst>
           </p:cNvPr>
@@ -6059,7 +6980,7 @@
           <a:bodyPr/>
           <a:lstStyle/>
           <a:p>
-            <a:endParaRPr lang="en-US"/>
+            <a:endParaRPr lang="en-US" dirty="0"/>
           </a:p>
         </p:txBody>
       </p:sp>
@@ -6068,7 +6989,7 @@
           <p:cNvPr id="4" name="Text Placeholder 3">
             <a:extLst>
               <a:ext uri="{FF2B5EF4-FFF2-40B4-BE49-F238E27FC236}">
-                <a16:creationId xmlns:a16="http://schemas.microsoft.com/office/drawing/2014/main" id="{E4C0EF7C-5583-95BA-6128-47BE04C27AD7}"/>
+                <a16:creationId xmlns:a16="http://schemas.microsoft.com/office/drawing/2014/main" id="{80F674E0-EB03-F95C-5945-6E8A233BD703}"/>
               </a:ext>
             </a:extLst>
           </p:cNvPr>
@@ -6084,7 +7005,27 @@
           <a:bodyPr/>
           <a:lstStyle/>
           <a:p>
-            <a:endParaRPr lang="en-US"/>
+            <a:r>
+              <a:rPr lang="en-US" dirty="0"/>
+              <a:t>Open source</a:t>
+            </a:r>
+          </a:p>
+          <a:p>
+            <a:r>
+              <a:rPr lang="en-US" dirty="0"/>
+              <a:t>31 </a:t>
+            </a:r>
+            <a:r>
+              <a:rPr lang="en-US"/>
+              <a:t>internal registers</a:t>
+            </a:r>
+            <a:endParaRPr lang="en-US" dirty="0"/>
+          </a:p>
+          <a:p>
+            <a:r>
+              <a:rPr lang="en-US" dirty="0"/>
+              <a:t>Add more stuff later</a:t>
+            </a:r>
           </a:p>
         </p:txBody>
       </p:sp>
@@ -6093,7 +7034,7 @@
           <p:cNvPr id="5" name="Slide Number Placeholder 4">
             <a:extLst>
               <a:ext uri="{FF2B5EF4-FFF2-40B4-BE49-F238E27FC236}">
-                <a16:creationId xmlns:a16="http://schemas.microsoft.com/office/drawing/2014/main" id="{1ADA2C5E-ACA4-A5C6-007E-FB00663B7615}"/>
+                <a16:creationId xmlns:a16="http://schemas.microsoft.com/office/drawing/2014/main" id="{684C9910-AA38-B8D4-5ECA-0EA1F1F1DA3A}"/>
               </a:ext>
             </a:extLst>
           </p:cNvPr>
@@ -6117,10 +7058,57 @@
           </a:p>
         </p:txBody>
       </p:sp>
+      <p:pic>
+        <p:nvPicPr>
+          <p:cNvPr id="1026" name="Picture 2" descr="The RISC-V Memory Consistency Model – RISC-V International">
+            <a:extLst>
+              <a:ext uri="{FF2B5EF4-FFF2-40B4-BE49-F238E27FC236}">
+                <a16:creationId xmlns:a16="http://schemas.microsoft.com/office/drawing/2014/main" id="{D94C6B08-EE74-6011-B99F-BE10039152DD}"/>
+              </a:ext>
+            </a:extLst>
+          </p:cNvPr>
+          <p:cNvPicPr>
+            <a:picLocks noChangeAspect="1" noChangeArrowheads="1"/>
+          </p:cNvPicPr>
+          <p:nvPr/>
+        </p:nvPicPr>
+        <p:blipFill>
+          <a:blip r:embed="rId2">
+            <a:extLst>
+              <a:ext uri="{28A0092B-C50C-407E-A947-70E740481C1C}">
+                <a14:useLocalDpi xmlns:a14="http://schemas.microsoft.com/office/drawing/2010/main" val="0"/>
+              </a:ext>
+            </a:extLst>
+          </a:blip>
+          <a:srcRect/>
+          <a:stretch>
+            <a:fillRect/>
+          </a:stretch>
+        </p:blipFill>
+        <p:spPr bwMode="auto">
+          <a:xfrm>
+            <a:off x="6366588" y="1345167"/>
+            <a:ext cx="4876800" cy="4876800"/>
+          </a:xfrm>
+          <a:prstGeom prst="rect">
+            <a:avLst/>
+          </a:prstGeom>
+          <a:noFill/>
+          <a:extLst>
+            <a:ext uri="{909E8E84-426E-40DD-AFC4-6F175D3DCCD1}">
+              <a14:hiddenFill xmlns:a14="http://schemas.microsoft.com/office/drawing/2010/main">
+                <a:solidFill>
+                  <a:srgbClr val="FFFFFF"/>
+                </a:solidFill>
+              </a14:hiddenFill>
+            </a:ext>
+          </a:extLst>
+        </p:spPr>
+      </p:pic>
     </p:spTree>
     <p:extLst>
       <p:ext uri="{BB962C8B-B14F-4D97-AF65-F5344CB8AC3E}">
-        <p14:creationId xmlns:p14="http://schemas.microsoft.com/office/powerpoint/2010/main" val="1278643317"/>
+        <p14:creationId xmlns:p14="http://schemas.microsoft.com/office/powerpoint/2010/main" val="1595219299"/>
       </p:ext>
     </p:extLst>
   </p:cSld>
@@ -6152,7 +7140,7 @@
           <p:cNvPr id="2" name="Title 1">
             <a:extLst>
               <a:ext uri="{FF2B5EF4-FFF2-40B4-BE49-F238E27FC236}">
-                <a16:creationId xmlns:a16="http://schemas.microsoft.com/office/drawing/2014/main" id="{79A4CF3A-4CB3-795D-8DB3-F389F00D9992}"/>
+                <a16:creationId xmlns:a16="http://schemas.microsoft.com/office/drawing/2014/main" id="{2848CE72-BEC4-519A-6BA9-B763EB0F388D}"/>
               </a:ext>
             </a:extLst>
           </p:cNvPr>
@@ -6175,7 +7163,7 @@
           <a:p>
             <a:r>
               <a:rPr lang="en-US" dirty="0"/>
-              <a:t>Decoder</a:t>
+              <a:t>Team Roles</a:t>
             </a:r>
           </a:p>
         </p:txBody>
@@ -6185,7 +7173,7 @@
           <p:cNvPr id="3" name="Subtitle 2">
             <a:extLst>
               <a:ext uri="{FF2B5EF4-FFF2-40B4-BE49-F238E27FC236}">
-                <a16:creationId xmlns:a16="http://schemas.microsoft.com/office/drawing/2014/main" id="{AAFDAFA0-3E56-3DAB-489D-7957F4267F94}"/>
+                <a16:creationId xmlns:a16="http://schemas.microsoft.com/office/drawing/2014/main" id="{A0475397-CE14-A17A-7E89-1B444889044E}"/>
               </a:ext>
             </a:extLst>
           </p:cNvPr>
@@ -6210,7 +7198,7 @@
           <p:cNvPr id="4" name="Text Placeholder 3">
             <a:extLst>
               <a:ext uri="{FF2B5EF4-FFF2-40B4-BE49-F238E27FC236}">
-                <a16:creationId xmlns:a16="http://schemas.microsoft.com/office/drawing/2014/main" id="{B62F546F-4476-EF6C-AA50-BE88697CB197}"/>
+                <a16:creationId xmlns:a16="http://schemas.microsoft.com/office/drawing/2014/main" id="{1A4684E6-F090-9726-FC92-A89CBFFEFE73}"/>
               </a:ext>
             </a:extLst>
           </p:cNvPr>
@@ -6226,7 +7214,37 @@
           <a:bodyPr/>
           <a:lstStyle/>
           <a:p>
-            <a:endParaRPr lang="en-US"/>
+            <a:r>
+              <a:rPr lang="en-US" dirty="0"/>
+              <a:t>Michael – Top Level Design, Program Counter</a:t>
+            </a:r>
+          </a:p>
+          <a:p>
+            <a:r>
+              <a:rPr lang="en-US" dirty="0"/>
+              <a:t>Andy – Control Unit (and decoder)</a:t>
+            </a:r>
+          </a:p>
+          <a:p>
+            <a:r>
+              <a:rPr lang="en-US" dirty="0"/>
+              <a:t>Mary – ALU</a:t>
+            </a:r>
+          </a:p>
+          <a:p>
+            <a:r>
+              <a:rPr lang="en-US" dirty="0"/>
+              <a:t>Dhruv – Registers/Memory</a:t>
+            </a:r>
+          </a:p>
+          <a:p>
+            <a:r>
+              <a:rPr lang="en-US" dirty="0"/>
+              <a:t>Travis – Peripherals (Display and keyboard)</a:t>
+            </a:r>
+          </a:p>
+          <a:p>
+            <a:endParaRPr lang="en-US" dirty="0"/>
           </a:p>
         </p:txBody>
       </p:sp>
@@ -6235,7 +7253,7 @@
           <p:cNvPr id="5" name="Slide Number Placeholder 4">
             <a:extLst>
               <a:ext uri="{FF2B5EF4-FFF2-40B4-BE49-F238E27FC236}">
-                <a16:creationId xmlns:a16="http://schemas.microsoft.com/office/drawing/2014/main" id="{CF506990-11D4-2635-5CCD-BFF99470D57F}"/>
+                <a16:creationId xmlns:a16="http://schemas.microsoft.com/office/drawing/2014/main" id="{DAE82D04-A454-EB5C-1BF6-97268B2D8F07}"/>
               </a:ext>
             </a:extLst>
           </p:cNvPr>
@@ -6262,7 +7280,7 @@
     </p:spTree>
     <p:extLst>
       <p:ext uri="{BB962C8B-B14F-4D97-AF65-F5344CB8AC3E}">
-        <p14:creationId xmlns:p14="http://schemas.microsoft.com/office/powerpoint/2010/main" val="2633215723"/>
+        <p14:creationId xmlns:p14="http://schemas.microsoft.com/office/powerpoint/2010/main" val="2380957811"/>
       </p:ext>
     </p:extLst>
   </p:cSld>
@@ -6294,7 +7312,7 @@
           <p:cNvPr id="2" name="Title 1">
             <a:extLst>
               <a:ext uri="{FF2B5EF4-FFF2-40B4-BE49-F238E27FC236}">
-                <a16:creationId xmlns:a16="http://schemas.microsoft.com/office/drawing/2014/main" id="{6346E85E-8D15-D4EB-CF18-9132EC62AC77}"/>
+                <a16:creationId xmlns:a16="http://schemas.microsoft.com/office/drawing/2014/main" id="{953480F1-3C00-F7B9-A3FD-32485D0E7EF6}"/>
               </a:ext>
             </a:extLst>
           </p:cNvPr>
@@ -6317,7 +7335,7 @@
           <a:p>
             <a:r>
               <a:rPr lang="en-US" dirty="0"/>
-              <a:t>ALU</a:t>
+              <a:t>Top Level Design</a:t>
             </a:r>
           </a:p>
         </p:txBody>
@@ -6327,7 +7345,7 @@
           <p:cNvPr id="3" name="Subtitle 2">
             <a:extLst>
               <a:ext uri="{FF2B5EF4-FFF2-40B4-BE49-F238E27FC236}">
-                <a16:creationId xmlns:a16="http://schemas.microsoft.com/office/drawing/2014/main" id="{5B40D6B8-97AE-9397-3D32-EF0CF1737FFA}"/>
+                <a16:creationId xmlns:a16="http://schemas.microsoft.com/office/drawing/2014/main" id="{07C22598-0C38-3A22-3877-3314FD054959}"/>
               </a:ext>
             </a:extLst>
           </p:cNvPr>
@@ -6352,7 +7370,7 @@
           <p:cNvPr id="4" name="Text Placeholder 3">
             <a:extLst>
               <a:ext uri="{FF2B5EF4-FFF2-40B4-BE49-F238E27FC236}">
-                <a16:creationId xmlns:a16="http://schemas.microsoft.com/office/drawing/2014/main" id="{D9B79D28-048B-F636-E90A-160DCFE6618C}"/>
+                <a16:creationId xmlns:a16="http://schemas.microsoft.com/office/drawing/2014/main" id="{E4C0EF7C-5583-95BA-6128-47BE04C27AD7}"/>
               </a:ext>
             </a:extLst>
           </p:cNvPr>
@@ -6377,7 +7395,7 @@
           <p:cNvPr id="5" name="Slide Number Placeholder 4">
             <a:extLst>
               <a:ext uri="{FF2B5EF4-FFF2-40B4-BE49-F238E27FC236}">
-                <a16:creationId xmlns:a16="http://schemas.microsoft.com/office/drawing/2014/main" id="{9BCE14E6-F19C-7BB3-E487-D0FA7CFF54C1}"/>
+                <a16:creationId xmlns:a16="http://schemas.microsoft.com/office/drawing/2014/main" id="{1ADA2C5E-ACA4-A5C6-007E-FB00663B7615}"/>
               </a:ext>
             </a:extLst>
           </p:cNvPr>
@@ -6404,7 +7422,7 @@
     </p:spTree>
     <p:extLst>
       <p:ext uri="{BB962C8B-B14F-4D97-AF65-F5344CB8AC3E}">
-        <p14:creationId xmlns:p14="http://schemas.microsoft.com/office/powerpoint/2010/main" val="176491562"/>
+        <p14:creationId xmlns:p14="http://schemas.microsoft.com/office/powerpoint/2010/main" val="1278643317"/>
       </p:ext>
     </p:extLst>
   </p:cSld>
@@ -6436,7 +7454,7 @@
           <p:cNvPr id="2" name="Title 1">
             <a:extLst>
               <a:ext uri="{FF2B5EF4-FFF2-40B4-BE49-F238E27FC236}">
-                <a16:creationId xmlns:a16="http://schemas.microsoft.com/office/drawing/2014/main" id="{EB3F7B05-73DE-A491-5991-E04BBBC698CA}"/>
+                <a16:creationId xmlns:a16="http://schemas.microsoft.com/office/drawing/2014/main" id="{79A4CF3A-4CB3-795D-8DB3-F389F00D9992}"/>
               </a:ext>
             </a:extLst>
           </p:cNvPr>
@@ -6459,7 +7477,7 @@
           <a:p>
             <a:r>
               <a:rPr lang="en-US" dirty="0"/>
-              <a:t>Registers</a:t>
+              <a:t>Decoder</a:t>
             </a:r>
           </a:p>
         </p:txBody>
@@ -6469,7 +7487,7 @@
           <p:cNvPr id="3" name="Subtitle 2">
             <a:extLst>
               <a:ext uri="{FF2B5EF4-FFF2-40B4-BE49-F238E27FC236}">
-                <a16:creationId xmlns:a16="http://schemas.microsoft.com/office/drawing/2014/main" id="{AC823061-39AD-9D43-0432-59610A93A4A1}"/>
+                <a16:creationId xmlns:a16="http://schemas.microsoft.com/office/drawing/2014/main" id="{AAFDAFA0-3E56-3DAB-489D-7957F4267F94}"/>
               </a:ext>
             </a:extLst>
           </p:cNvPr>
@@ -6494,7 +7512,7 @@
           <p:cNvPr id="4" name="Text Placeholder 3">
             <a:extLst>
               <a:ext uri="{FF2B5EF4-FFF2-40B4-BE49-F238E27FC236}">
-                <a16:creationId xmlns:a16="http://schemas.microsoft.com/office/drawing/2014/main" id="{F2A18362-0849-C467-4293-A237B5A80012}"/>
+                <a16:creationId xmlns:a16="http://schemas.microsoft.com/office/drawing/2014/main" id="{B62F546F-4476-EF6C-AA50-BE88697CB197}"/>
               </a:ext>
             </a:extLst>
           </p:cNvPr>
@@ -6519,7 +7537,7 @@
           <p:cNvPr id="5" name="Slide Number Placeholder 4">
             <a:extLst>
               <a:ext uri="{FF2B5EF4-FFF2-40B4-BE49-F238E27FC236}">
-                <a16:creationId xmlns:a16="http://schemas.microsoft.com/office/drawing/2014/main" id="{2FCCDFDD-E919-B6ED-4B67-9F63171EB214}"/>
+                <a16:creationId xmlns:a16="http://schemas.microsoft.com/office/drawing/2014/main" id="{CF506990-11D4-2635-5CCD-BFF99470D57F}"/>
               </a:ext>
             </a:extLst>
           </p:cNvPr>
@@ -6546,7 +7564,7 @@
     </p:spTree>
     <p:extLst>
       <p:ext uri="{BB962C8B-B14F-4D97-AF65-F5344CB8AC3E}">
-        <p14:creationId xmlns:p14="http://schemas.microsoft.com/office/powerpoint/2010/main" val="2869620282"/>
+        <p14:creationId xmlns:p14="http://schemas.microsoft.com/office/powerpoint/2010/main" val="2633215723"/>
       </p:ext>
     </p:extLst>
   </p:cSld>
@@ -6578,7 +7596,7 @@
           <p:cNvPr id="2" name="Title 1">
             <a:extLst>
               <a:ext uri="{FF2B5EF4-FFF2-40B4-BE49-F238E27FC236}">
-                <a16:creationId xmlns:a16="http://schemas.microsoft.com/office/drawing/2014/main" id="{F15788A1-2A90-075C-0FD5-97BF4276DB6C}"/>
+                <a16:creationId xmlns:a16="http://schemas.microsoft.com/office/drawing/2014/main" id="{6346E85E-8D15-D4EB-CF18-9132EC62AC77}"/>
               </a:ext>
             </a:extLst>
           </p:cNvPr>
@@ -6601,7 +7619,7 @@
           <a:p>
             <a:r>
               <a:rPr lang="en-US" dirty="0"/>
-              <a:t>Memory</a:t>
+              <a:t>ALU</a:t>
             </a:r>
           </a:p>
         </p:txBody>
@@ -6611,7 +7629,7 @@
           <p:cNvPr id="3" name="Subtitle 2">
             <a:extLst>
               <a:ext uri="{FF2B5EF4-FFF2-40B4-BE49-F238E27FC236}">
-                <a16:creationId xmlns:a16="http://schemas.microsoft.com/office/drawing/2014/main" id="{13643ECA-8A7C-9241-6882-E71BD1F12C44}"/>
+                <a16:creationId xmlns:a16="http://schemas.microsoft.com/office/drawing/2014/main" id="{5B40D6B8-97AE-9397-3D32-EF0CF1737FFA}"/>
               </a:ext>
             </a:extLst>
           </p:cNvPr>
@@ -6636,7 +7654,7 @@
           <p:cNvPr id="4" name="Text Placeholder 3">
             <a:extLst>
               <a:ext uri="{FF2B5EF4-FFF2-40B4-BE49-F238E27FC236}">
-                <a16:creationId xmlns:a16="http://schemas.microsoft.com/office/drawing/2014/main" id="{44C21242-B2E4-CDBB-3C48-4C8E293DC8C1}"/>
+                <a16:creationId xmlns:a16="http://schemas.microsoft.com/office/drawing/2014/main" id="{D9B79D28-048B-F636-E90A-160DCFE6618C}"/>
               </a:ext>
             </a:extLst>
           </p:cNvPr>
@@ -6661,7 +7679,7 @@
           <p:cNvPr id="5" name="Slide Number Placeholder 4">
             <a:extLst>
               <a:ext uri="{FF2B5EF4-FFF2-40B4-BE49-F238E27FC236}">
-                <a16:creationId xmlns:a16="http://schemas.microsoft.com/office/drawing/2014/main" id="{BD9C6C1B-2485-DA5C-E77A-5AE0B15EA8EE}"/>
+                <a16:creationId xmlns:a16="http://schemas.microsoft.com/office/drawing/2014/main" id="{9BCE14E6-F19C-7BB3-E487-D0FA7CFF54C1}"/>
               </a:ext>
             </a:extLst>
           </p:cNvPr>
@@ -6688,7 +7706,7 @@
     </p:spTree>
     <p:extLst>
       <p:ext uri="{BB962C8B-B14F-4D97-AF65-F5344CB8AC3E}">
-        <p14:creationId xmlns:p14="http://schemas.microsoft.com/office/powerpoint/2010/main" val="4006611505"/>
+        <p14:creationId xmlns:p14="http://schemas.microsoft.com/office/powerpoint/2010/main" val="176491562"/>
       </p:ext>
     </p:extLst>
   </p:cSld>

--- a/Project_Proposal.pptx
+++ b/Project_Proposal.pptx
@@ -5791,6 +5791,35 @@
           <a:xfrm>
             <a:off x="1067822" y="2096305"/>
             <a:ext cx="10056355" cy="3265228"/>
+          </a:xfrm>
+          <a:prstGeom prst="rect">
+            <a:avLst/>
+          </a:prstGeom>
+        </p:spPr>
+      </p:pic>
+      <p:pic>
+        <p:nvPicPr>
+          <p:cNvPr id="7" name="Picture 6">
+            <a:extLst>
+              <a:ext uri="{FF2B5EF4-FFF2-40B4-BE49-F238E27FC236}">
+                <a16:creationId xmlns:a16="http://schemas.microsoft.com/office/drawing/2014/main" id="{D6CA6F6B-57FF-1C2B-3B06-D79B575C3413}"/>
+              </a:ext>
+            </a:extLst>
+          </p:cNvPr>
+          <p:cNvPicPr>
+            <a:picLocks noChangeAspect="1"/>
+          </p:cNvPicPr>
+          <p:nvPr/>
+        </p:nvPicPr>
+        <p:blipFill rotWithShape="1">
+          <a:blip r:embed="rId3"/>
+          <a:srcRect l="2457" t="5161" r="1322" b="2363"/>
+          <a:stretch/>
+        </p:blipFill>
+        <p:spPr>
+          <a:xfrm>
+            <a:off x="1067822" y="1831490"/>
+            <a:ext cx="4595860" cy="4019812"/>
           </a:xfrm>
           <a:prstGeom prst="rect">
             <a:avLst/>

--- a/Project_Proposal.pptx
+++ b/Project_Proposal.pptx
@@ -5,10 +5,10 @@
     <p:sldMasterId id="2147483660" r:id="rId1"/>
   </p:sldMasterIdLst>
   <p:notesMasterIdLst>
-    <p:notesMasterId r:id="rId18"/>
+    <p:notesMasterId r:id="rId19"/>
   </p:notesMasterIdLst>
   <p:handoutMasterIdLst>
-    <p:handoutMasterId r:id="rId19"/>
+    <p:handoutMasterId r:id="rId20"/>
   </p:handoutMasterIdLst>
   <p:sldIdLst>
     <p:sldId id="256" r:id="rId2"/>
@@ -22,11 +22,12 @@
     <p:sldId id="329" r:id="rId10"/>
     <p:sldId id="330" r:id="rId11"/>
     <p:sldId id="331" r:id="rId12"/>
-    <p:sldId id="332" r:id="rId13"/>
-    <p:sldId id="339" r:id="rId14"/>
-    <p:sldId id="333" r:id="rId15"/>
-    <p:sldId id="335" r:id="rId16"/>
-    <p:sldId id="336" r:id="rId17"/>
+    <p:sldId id="340" r:id="rId13"/>
+    <p:sldId id="332" r:id="rId14"/>
+    <p:sldId id="339" r:id="rId15"/>
+    <p:sldId id="333" r:id="rId16"/>
+    <p:sldId id="335" r:id="rId17"/>
+    <p:sldId id="336" r:id="rId18"/>
   </p:sldIdLst>
   <p:sldSz cx="12192000" cy="6858000"/>
   <p:notesSz cx="6858000" cy="9144000"/>
@@ -141,6 +142,7 @@
             <p14:sldId id="329"/>
             <p14:sldId id="330"/>
             <p14:sldId id="331"/>
+            <p14:sldId id="340"/>
             <p14:sldId id="332"/>
             <p14:sldId id="339"/>
             <p14:sldId id="333"/>
@@ -5394,32 +5396,15 @@
           <a:bodyPr/>
           <a:lstStyle/>
           <a:p>
-            <a:endParaRPr lang="en-US"/>
-          </a:p>
-        </p:txBody>
-      </p:sp>
-      <p:sp>
-        <p:nvSpPr>
-          <p:cNvPr id="4" name="Text Placeholder 3">
-            <a:extLst>
-              <a:ext uri="{FF2B5EF4-FFF2-40B4-BE49-F238E27FC236}">
-                <a16:creationId xmlns:a16="http://schemas.microsoft.com/office/drawing/2014/main" id="{44C21242-B2E4-CDBB-3C48-4C8E293DC8C1}"/>
-              </a:ext>
-            </a:extLst>
-          </p:cNvPr>
-          <p:cNvSpPr>
-            <a:spLocks noGrp="1"/>
-          </p:cNvSpPr>
-          <p:nvPr>
-            <p:ph type="body" sz="quarter" idx="14"/>
-          </p:nvPr>
-        </p:nvSpPr>
-        <p:spPr/>
-        <p:txBody>
-          <a:bodyPr/>
-          <a:lstStyle/>
-          <a:p>
-            <a:endParaRPr lang="en-US"/>
+            <a:r>
+              <a:rPr lang="en-US" dirty="0"/>
+              <a:t>Memory RTL and </a:t>
+            </a:r>
+            <a:r>
+              <a:rPr lang="en-US" dirty="0" err="1"/>
+              <a:t>Psuedocode</a:t>
+            </a:r>
+            <a:endParaRPr lang="en-US" dirty="0"/>
           </a:p>
         </p:txBody>
       </p:sp>
@@ -5452,6 +5437,42 @@
           </a:p>
         </p:txBody>
       </p:sp>
+      <p:pic>
+        <p:nvPicPr>
+          <p:cNvPr id="7" name="Picture 6" descr="A screenshot of a computer program&#10;&#10;Description automatically generated">
+            <a:extLst>
+              <a:ext uri="{FF2B5EF4-FFF2-40B4-BE49-F238E27FC236}">
+                <a16:creationId xmlns:a16="http://schemas.microsoft.com/office/drawing/2014/main" id="{2F5C064D-A672-B3A3-274F-918C230D777A}"/>
+              </a:ext>
+            </a:extLst>
+          </p:cNvPr>
+          <p:cNvPicPr>
+            <a:picLocks noChangeAspect="1"/>
+          </p:cNvPicPr>
+          <p:nvPr/>
+        </p:nvPicPr>
+        <p:blipFill>
+          <a:blip r:embed="rId2">
+            <a:extLst>
+              <a:ext uri="{28A0092B-C50C-407E-A947-70E740481C1C}">
+                <a14:useLocalDpi xmlns:a14="http://schemas.microsoft.com/office/drawing/2010/main" val="0"/>
+              </a:ext>
+            </a:extLst>
+          </a:blip>
+          <a:stretch>
+            <a:fillRect/>
+          </a:stretch>
+        </p:blipFill>
+        <p:spPr>
+          <a:xfrm>
+            <a:off x="3173573" y="2096305"/>
+            <a:ext cx="5229031" cy="3982419"/>
+          </a:xfrm>
+          <a:prstGeom prst="rect">
+            <a:avLst/>
+          </a:prstGeom>
+        </p:spPr>
+      </p:pic>
     </p:spTree>
     <p:extLst>
       <p:ext uri="{BB962C8B-B14F-4D97-AF65-F5344CB8AC3E}">
@@ -5487,7 +5508,7 @@
           <p:cNvPr id="2" name="Title 1">
             <a:extLst>
               <a:ext uri="{FF2B5EF4-FFF2-40B4-BE49-F238E27FC236}">
-                <a16:creationId xmlns:a16="http://schemas.microsoft.com/office/drawing/2014/main" id="{D1F6CC05-1F31-0C88-333C-5026AF10D397}"/>
+                <a16:creationId xmlns:a16="http://schemas.microsoft.com/office/drawing/2014/main" id="{F15788A1-2A90-075C-0FD5-97BF4276DB6C}"/>
               </a:ext>
             </a:extLst>
           </p:cNvPr>
@@ -5510,7 +5531,7 @@
           <a:p>
             <a:r>
               <a:rPr lang="en-US" dirty="0"/>
-              <a:t>Program Counter</a:t>
+              <a:t>Memory</a:t>
             </a:r>
           </a:p>
         </p:txBody>
@@ -5520,7 +5541,7 @@
           <p:cNvPr id="3" name="Subtitle 2">
             <a:extLst>
               <a:ext uri="{FF2B5EF4-FFF2-40B4-BE49-F238E27FC236}">
-                <a16:creationId xmlns:a16="http://schemas.microsoft.com/office/drawing/2014/main" id="{069353A1-7076-B958-432E-9B8FD5750AE7}"/>
+                <a16:creationId xmlns:a16="http://schemas.microsoft.com/office/drawing/2014/main" id="{13643ECA-8A7C-9241-6882-E71BD1F12C44}"/>
               </a:ext>
             </a:extLst>
           </p:cNvPr>
@@ -5538,7 +5559,90 @@
           <a:p>
             <a:r>
               <a:rPr lang="en-US" dirty="0"/>
-              <a:t>RTL Diagram and Input/Output</a:t>
+              <a:t>Test Cases</a:t>
+            </a:r>
+          </a:p>
+        </p:txBody>
+      </p:sp>
+      <p:sp>
+        <p:nvSpPr>
+          <p:cNvPr id="4" name="Text Placeholder 3">
+            <a:extLst>
+              <a:ext uri="{FF2B5EF4-FFF2-40B4-BE49-F238E27FC236}">
+                <a16:creationId xmlns:a16="http://schemas.microsoft.com/office/drawing/2014/main" id="{44C21242-B2E4-CDBB-3C48-4C8E293DC8C1}"/>
+              </a:ext>
+            </a:extLst>
+          </p:cNvPr>
+          <p:cNvSpPr>
+            <a:spLocks noGrp="1"/>
+          </p:cNvSpPr>
+          <p:nvPr>
+            <p:ph type="body" sz="quarter" idx="14"/>
+          </p:nvPr>
+        </p:nvSpPr>
+        <p:spPr/>
+        <p:txBody>
+          <a:bodyPr/>
+          <a:lstStyle/>
+          <a:p>
+            <a:r>
+              <a:rPr lang="en-US" dirty="0"/>
+              <a:t>Reset: check all registers are set to 0</a:t>
+            </a:r>
+          </a:p>
+          <a:p>
+            <a:r>
+              <a:rPr lang="en-US" dirty="0"/>
+              <a:t>With </a:t>
+            </a:r>
+            <a:r>
+              <a:rPr lang="en-US" dirty="0" err="1"/>
+              <a:t>write_enable</a:t>
+            </a:r>
+            <a:r>
+              <a:rPr lang="en-US" dirty="0"/>
+              <a:t> off, try writing  register: should be no change</a:t>
+            </a:r>
+          </a:p>
+          <a:p>
+            <a:r>
+              <a:rPr lang="en-US" dirty="0"/>
+              <a:t>With </a:t>
+            </a:r>
+            <a:r>
+              <a:rPr lang="en-US" dirty="0" err="1"/>
+              <a:t>write_enable</a:t>
+            </a:r>
+            <a:r>
+              <a:rPr lang="en-US" dirty="0"/>
+              <a:t> on, try writing to a register: check for correct value</a:t>
+            </a:r>
+          </a:p>
+          <a:p>
+            <a:r>
+              <a:rPr lang="en-US" dirty="0"/>
+              <a:t>Write random values to all registers, try reading all registers: check </a:t>
+            </a:r>
+            <a:r>
+              <a:rPr lang="en-US" dirty="0" err="1"/>
+              <a:t>data_read</a:t>
+            </a:r>
+            <a:r>
+              <a:rPr lang="en-US" dirty="0"/>
+              <a:t> is correct</a:t>
+            </a:r>
+          </a:p>
+          <a:p>
+            <a:pPr lvl="1"/>
+            <a:r>
+              <a:rPr lang="en-US" dirty="0"/>
+              <a:t>Do twice</a:t>
+            </a:r>
+          </a:p>
+          <a:p>
+            <a:r>
+              <a:rPr lang="en-US" dirty="0"/>
+              <a:t>Reset check again</a:t>
             </a:r>
           </a:p>
         </p:txBody>
@@ -5548,7 +5652,7 @@
           <p:cNvPr id="5" name="Slide Number Placeholder 4">
             <a:extLst>
               <a:ext uri="{FF2B5EF4-FFF2-40B4-BE49-F238E27FC236}">
-                <a16:creationId xmlns:a16="http://schemas.microsoft.com/office/drawing/2014/main" id="{A896B40E-DC06-49BF-BFD3-304517BB06A3}"/>
+                <a16:creationId xmlns:a16="http://schemas.microsoft.com/office/drawing/2014/main" id="{BD9C6C1B-2485-DA5C-E77A-5AE0B15EA8EE}"/>
               </a:ext>
             </a:extLst>
           </p:cNvPr>
@@ -5574,10 +5678,10 @@
       </p:sp>
       <p:pic>
         <p:nvPicPr>
-          <p:cNvPr id="9" name="Picture 8" descr="A black and white screen with white text&#10;&#10;Description automatically generated">
-            <a:extLst>
-              <a:ext uri="{FF2B5EF4-FFF2-40B4-BE49-F238E27FC236}">
-                <a16:creationId xmlns:a16="http://schemas.microsoft.com/office/drawing/2014/main" id="{602A898A-4DC4-D63A-A6B4-668E5E561D40}"/>
+          <p:cNvPr id="6" name="Picture 5" descr="A screenshot of a computer program&#10;&#10;Description automatically generated">
+            <a:extLst>
+              <a:ext uri="{FF2B5EF4-FFF2-40B4-BE49-F238E27FC236}">
+                <a16:creationId xmlns:a16="http://schemas.microsoft.com/office/drawing/2014/main" id="{3FE90927-5BAB-2661-0012-59DAD3BC8173}"/>
               </a:ext>
             </a:extLst>
           </p:cNvPr>
@@ -5586,7 +5690,7 @@
           </p:cNvPicPr>
           <p:nvPr/>
         </p:nvPicPr>
-        <p:blipFill rotWithShape="1">
+        <p:blipFill>
           <a:blip r:embed="rId2">
             <a:extLst>
               <a:ext uri="{28A0092B-C50C-407E-A947-70E740481C1C}">
@@ -5594,48 +5698,14 @@
               </a:ext>
             </a:extLst>
           </a:blip>
-          <a:srcRect l="51863" b="55404"/>
-          <a:stretch/>
+          <a:stretch>
+            <a:fillRect/>
+          </a:stretch>
         </p:blipFill>
         <p:spPr>
           <a:xfrm>
-            <a:off x="1259633" y="2763923"/>
-            <a:ext cx="4259521" cy="2425474"/>
-          </a:xfrm>
-          <a:prstGeom prst="rect">
-            <a:avLst/>
-          </a:prstGeom>
-        </p:spPr>
-      </p:pic>
-      <p:pic>
-        <p:nvPicPr>
-          <p:cNvPr id="10" name="Picture 9" descr="A black and white screen with white text&#10;&#10;Description automatically generated">
-            <a:extLst>
-              <a:ext uri="{FF2B5EF4-FFF2-40B4-BE49-F238E27FC236}">
-                <a16:creationId xmlns:a16="http://schemas.microsoft.com/office/drawing/2014/main" id="{0C30E131-177D-F6B8-0AE8-D5CF155B5289}"/>
-              </a:ext>
-            </a:extLst>
-          </p:cNvPr>
-          <p:cNvPicPr>
-            <a:picLocks noChangeAspect="1"/>
-          </p:cNvPicPr>
-          <p:nvPr/>
-        </p:nvPicPr>
-        <p:blipFill rotWithShape="1">
-          <a:blip r:embed="rId2">
-            <a:extLst>
-              <a:ext uri="{28A0092B-C50C-407E-A947-70E740481C1C}">
-                <a14:useLocalDpi xmlns:a14="http://schemas.microsoft.com/office/drawing/2010/main" val="0"/>
-              </a:ext>
-            </a:extLst>
-          </a:blip>
-          <a:srcRect t="27955" r="77451" b="39963"/>
-          <a:stretch/>
-        </p:blipFill>
-        <p:spPr>
-          <a:xfrm>
-            <a:off x="6875008" y="2728679"/>
-            <a:ext cx="1995294" cy="1744825"/>
+            <a:off x="8218857" y="3889244"/>
+            <a:ext cx="3780686" cy="2879363"/>
           </a:xfrm>
           <a:prstGeom prst="rect">
             <a:avLst/>
@@ -5645,7 +5715,7 @@
     </p:spTree>
     <p:extLst>
       <p:ext uri="{BB962C8B-B14F-4D97-AF65-F5344CB8AC3E}">
-        <p14:creationId xmlns:p14="http://schemas.microsoft.com/office/powerpoint/2010/main" val="1617301959"/>
+        <p14:creationId xmlns:p14="http://schemas.microsoft.com/office/powerpoint/2010/main" val="46302471"/>
       </p:ext>
     </p:extLst>
   </p:cSld>
@@ -5728,7 +5798,7 @@
           <a:p>
             <a:r>
               <a:rPr lang="en-US" dirty="0"/>
-              <a:t>Logic and Test Cases</a:t>
+              <a:t>RTL Diagram and Input/Output</a:t>
             </a:r>
           </a:p>
         </p:txBody>
@@ -5764,10 +5834,10 @@
       </p:sp>
       <p:pic>
         <p:nvPicPr>
-          <p:cNvPr id="4" name="Picture 3" descr="A black and white screen with white text&#10;&#10;Description automatically generated">
-            <a:extLst>
-              <a:ext uri="{FF2B5EF4-FFF2-40B4-BE49-F238E27FC236}">
-                <a16:creationId xmlns:a16="http://schemas.microsoft.com/office/drawing/2014/main" id="{25367EB2-360C-B712-60AE-079171120897}"/>
+          <p:cNvPr id="9" name="Picture 8" descr="A black and white screen with white text&#10;&#10;Description automatically generated">
+            <a:extLst>
+              <a:ext uri="{FF2B5EF4-FFF2-40B4-BE49-F238E27FC236}">
+                <a16:creationId xmlns:a16="http://schemas.microsoft.com/office/drawing/2014/main" id="{602A898A-4DC4-D63A-A6B4-668E5E561D40}"/>
               </a:ext>
             </a:extLst>
           </p:cNvPr>
@@ -5784,13 +5854,13 @@
               </a:ext>
             </a:extLst>
           </a:blip>
-          <a:srcRect t="63467" r="30844"/>
+          <a:srcRect l="51863" b="55404"/>
           <a:stretch/>
         </p:blipFill>
         <p:spPr>
           <a:xfrm>
-            <a:off x="1067822" y="2096305"/>
-            <a:ext cx="10056355" cy="3265228"/>
+            <a:off x="1259633" y="2763923"/>
+            <a:ext cx="4259521" cy="2425474"/>
           </a:xfrm>
           <a:prstGeom prst="rect">
             <a:avLst/>
@@ -5799,10 +5869,10 @@
       </p:pic>
       <p:pic>
         <p:nvPicPr>
-          <p:cNvPr id="7" name="Picture 6">
-            <a:extLst>
-              <a:ext uri="{FF2B5EF4-FFF2-40B4-BE49-F238E27FC236}">
-                <a16:creationId xmlns:a16="http://schemas.microsoft.com/office/drawing/2014/main" id="{D6CA6F6B-57FF-1C2B-3B06-D79B575C3413}"/>
+          <p:cNvPr id="10" name="Picture 9" descr="A black and white screen with white text&#10;&#10;Description automatically generated">
+            <a:extLst>
+              <a:ext uri="{FF2B5EF4-FFF2-40B4-BE49-F238E27FC236}">
+                <a16:creationId xmlns:a16="http://schemas.microsoft.com/office/drawing/2014/main" id="{0C30E131-177D-F6B8-0AE8-D5CF155B5289}"/>
               </a:ext>
             </a:extLst>
           </p:cNvPr>
@@ -5812,14 +5882,20 @@
           <p:nvPr/>
         </p:nvPicPr>
         <p:blipFill rotWithShape="1">
-          <a:blip r:embed="rId3"/>
-          <a:srcRect l="2457" t="5161" r="1322" b="2363"/>
+          <a:blip r:embed="rId2">
+            <a:extLst>
+              <a:ext uri="{28A0092B-C50C-407E-A947-70E740481C1C}">
+                <a14:useLocalDpi xmlns:a14="http://schemas.microsoft.com/office/drawing/2010/main" val="0"/>
+              </a:ext>
+            </a:extLst>
+          </a:blip>
+          <a:srcRect t="27955" r="77451" b="39963"/>
           <a:stretch/>
         </p:blipFill>
         <p:spPr>
           <a:xfrm>
-            <a:off x="1067822" y="1831490"/>
-            <a:ext cx="4595860" cy="4019812"/>
+            <a:off x="6875008" y="2728679"/>
+            <a:ext cx="1995294" cy="1744825"/>
           </a:xfrm>
           <a:prstGeom prst="rect">
             <a:avLst/>
@@ -5829,7 +5905,7 @@
     </p:spTree>
     <p:extLst>
       <p:ext uri="{BB962C8B-B14F-4D97-AF65-F5344CB8AC3E}">
-        <p14:creationId xmlns:p14="http://schemas.microsoft.com/office/powerpoint/2010/main" val="3391675750"/>
+        <p14:creationId xmlns:p14="http://schemas.microsoft.com/office/powerpoint/2010/main" val="1617301959"/>
       </p:ext>
     </p:extLst>
   </p:cSld>
@@ -5861,7 +5937,7 @@
           <p:cNvPr id="2" name="Title 1">
             <a:extLst>
               <a:ext uri="{FF2B5EF4-FFF2-40B4-BE49-F238E27FC236}">
-                <a16:creationId xmlns:a16="http://schemas.microsoft.com/office/drawing/2014/main" id="{EEAF6D0A-7814-2A94-F47A-3ECC7B8EDE59}"/>
+                <a16:creationId xmlns:a16="http://schemas.microsoft.com/office/drawing/2014/main" id="{D1F6CC05-1F31-0C88-333C-5026AF10D397}"/>
               </a:ext>
             </a:extLst>
           </p:cNvPr>
@@ -5884,7 +5960,7 @@
           <a:p>
             <a:r>
               <a:rPr lang="en-US" dirty="0"/>
-              <a:t>Peripherals</a:t>
+              <a:t>Program Counter</a:t>
             </a:r>
           </a:p>
         </p:txBody>
@@ -5894,7 +5970,7 @@
           <p:cNvPr id="3" name="Subtitle 2">
             <a:extLst>
               <a:ext uri="{FF2B5EF4-FFF2-40B4-BE49-F238E27FC236}">
-                <a16:creationId xmlns:a16="http://schemas.microsoft.com/office/drawing/2014/main" id="{FFF467C2-55D2-EC86-825B-16EBAE111702}"/>
+                <a16:creationId xmlns:a16="http://schemas.microsoft.com/office/drawing/2014/main" id="{069353A1-7076-B958-432E-9B8FD5750AE7}"/>
               </a:ext>
             </a:extLst>
           </p:cNvPr>
@@ -5910,35 +5986,10 @@
           <a:bodyPr/>
           <a:lstStyle/>
           <a:p>
-            <a:endParaRPr lang="en-US"/>
-          </a:p>
-        </p:txBody>
-      </p:sp>
-      <p:sp>
-        <p:nvSpPr>
-          <p:cNvPr id="4" name="Text Placeholder 3">
-            <a:extLst>
-              <a:ext uri="{FF2B5EF4-FFF2-40B4-BE49-F238E27FC236}">
-                <a16:creationId xmlns:a16="http://schemas.microsoft.com/office/drawing/2014/main" id="{5DF050C2-2C1C-78CA-C656-82D41545CD8E}"/>
-              </a:ext>
-            </a:extLst>
-          </p:cNvPr>
-          <p:cNvSpPr>
-            <a:spLocks noGrp="1"/>
-          </p:cNvSpPr>
-          <p:nvPr>
-            <p:ph type="body" sz="quarter" idx="14"/>
-          </p:nvPr>
-        </p:nvSpPr>
-        <p:spPr/>
-        <p:txBody>
-          <a:bodyPr/>
-          <a:lstStyle/>
-          <a:p>
-            <a:pPr marL="0" indent="0">
-              <a:buNone/>
-            </a:pPr>
-            <a:endParaRPr lang="en-US" dirty="0"/>
+            <a:r>
+              <a:rPr lang="en-US" dirty="0"/>
+              <a:t>Logic and Test Cases</a:t>
+            </a:r>
           </a:p>
         </p:txBody>
       </p:sp>
@@ -5947,7 +5998,7 @@
           <p:cNvPr id="5" name="Slide Number Placeholder 4">
             <a:extLst>
               <a:ext uri="{FF2B5EF4-FFF2-40B4-BE49-F238E27FC236}">
-                <a16:creationId xmlns:a16="http://schemas.microsoft.com/office/drawing/2014/main" id="{D098254D-9CED-6343-6D6F-6FF0B8DDD786}"/>
+                <a16:creationId xmlns:a16="http://schemas.microsoft.com/office/drawing/2014/main" id="{A896B40E-DC06-49BF-BFD3-304517BB06A3}"/>
               </a:ext>
             </a:extLst>
           </p:cNvPr>
@@ -5971,10 +6022,74 @@
           </a:p>
         </p:txBody>
       </p:sp>
+      <p:pic>
+        <p:nvPicPr>
+          <p:cNvPr id="4" name="Picture 3" descr="A black and white screen with white text&#10;&#10;Description automatically generated">
+            <a:extLst>
+              <a:ext uri="{FF2B5EF4-FFF2-40B4-BE49-F238E27FC236}">
+                <a16:creationId xmlns:a16="http://schemas.microsoft.com/office/drawing/2014/main" id="{25367EB2-360C-B712-60AE-079171120897}"/>
+              </a:ext>
+            </a:extLst>
+          </p:cNvPr>
+          <p:cNvPicPr>
+            <a:picLocks noChangeAspect="1"/>
+          </p:cNvPicPr>
+          <p:nvPr/>
+        </p:nvPicPr>
+        <p:blipFill rotWithShape="1">
+          <a:blip r:embed="rId2">
+            <a:extLst>
+              <a:ext uri="{28A0092B-C50C-407E-A947-70E740481C1C}">
+                <a14:useLocalDpi xmlns:a14="http://schemas.microsoft.com/office/drawing/2010/main" val="0"/>
+              </a:ext>
+            </a:extLst>
+          </a:blip>
+          <a:srcRect t="63467" r="30844"/>
+          <a:stretch/>
+        </p:blipFill>
+        <p:spPr>
+          <a:xfrm>
+            <a:off x="1067822" y="2096305"/>
+            <a:ext cx="10056355" cy="3265228"/>
+          </a:xfrm>
+          <a:prstGeom prst="rect">
+            <a:avLst/>
+          </a:prstGeom>
+        </p:spPr>
+      </p:pic>
+      <p:pic>
+        <p:nvPicPr>
+          <p:cNvPr id="7" name="Picture 6">
+            <a:extLst>
+              <a:ext uri="{FF2B5EF4-FFF2-40B4-BE49-F238E27FC236}">
+                <a16:creationId xmlns:a16="http://schemas.microsoft.com/office/drawing/2014/main" id="{D6CA6F6B-57FF-1C2B-3B06-D79B575C3413}"/>
+              </a:ext>
+            </a:extLst>
+          </p:cNvPr>
+          <p:cNvPicPr>
+            <a:picLocks noChangeAspect="1"/>
+          </p:cNvPicPr>
+          <p:nvPr/>
+        </p:nvPicPr>
+        <p:blipFill rotWithShape="1">
+          <a:blip r:embed="rId3"/>
+          <a:srcRect l="2457" t="5161" r="1322" b="2363"/>
+          <a:stretch/>
+        </p:blipFill>
+        <p:spPr>
+          <a:xfrm>
+            <a:off x="1067822" y="1831490"/>
+            <a:ext cx="4595860" cy="4019812"/>
+          </a:xfrm>
+          <a:prstGeom prst="rect">
+            <a:avLst/>
+          </a:prstGeom>
+        </p:spPr>
+      </p:pic>
     </p:spTree>
     <p:extLst>
       <p:ext uri="{BB962C8B-B14F-4D97-AF65-F5344CB8AC3E}">
-        <p14:creationId xmlns:p14="http://schemas.microsoft.com/office/powerpoint/2010/main" val="673691625"/>
+        <p14:creationId xmlns:p14="http://schemas.microsoft.com/office/powerpoint/2010/main" val="3391675750"/>
       </p:ext>
     </p:extLst>
   </p:cSld>
@@ -6006,7 +6121,7 @@
           <p:cNvPr id="2" name="Title 1">
             <a:extLst>
               <a:ext uri="{FF2B5EF4-FFF2-40B4-BE49-F238E27FC236}">
-                <a16:creationId xmlns:a16="http://schemas.microsoft.com/office/drawing/2014/main" id="{84E2E6AF-4C46-F611-0830-0584094CF72D}"/>
+                <a16:creationId xmlns:a16="http://schemas.microsoft.com/office/drawing/2014/main" id="{EEAF6D0A-7814-2A94-F47A-3ECC7B8EDE59}"/>
               </a:ext>
             </a:extLst>
           </p:cNvPr>
@@ -6029,7 +6144,7 @@
           <a:p>
             <a:r>
               <a:rPr lang="en-US" dirty="0"/>
-              <a:t>Expected Obstacles</a:t>
+              <a:t>Peripherals</a:t>
             </a:r>
           </a:p>
         </p:txBody>
@@ -6039,7 +6154,7 @@
           <p:cNvPr id="3" name="Subtitle 2">
             <a:extLst>
               <a:ext uri="{FF2B5EF4-FFF2-40B4-BE49-F238E27FC236}">
-                <a16:creationId xmlns:a16="http://schemas.microsoft.com/office/drawing/2014/main" id="{471C2136-9DD0-D267-3D8B-A8EE373D98E0}"/>
+                <a16:creationId xmlns:a16="http://schemas.microsoft.com/office/drawing/2014/main" id="{FFF467C2-55D2-EC86-825B-16EBAE111702}"/>
               </a:ext>
             </a:extLst>
           </p:cNvPr>
@@ -6064,7 +6179,7 @@
           <p:cNvPr id="4" name="Text Placeholder 3">
             <a:extLst>
               <a:ext uri="{FF2B5EF4-FFF2-40B4-BE49-F238E27FC236}">
-                <a16:creationId xmlns:a16="http://schemas.microsoft.com/office/drawing/2014/main" id="{B44DD88A-56DA-9FD9-78FF-2228D1EE0F97}"/>
+                <a16:creationId xmlns:a16="http://schemas.microsoft.com/office/drawing/2014/main" id="{5DF050C2-2C1C-78CA-C656-82D41545CD8E}"/>
               </a:ext>
             </a:extLst>
           </p:cNvPr>
@@ -6080,7 +6195,10 @@
           <a:bodyPr/>
           <a:lstStyle/>
           <a:p>
-            <a:endParaRPr lang="en-US"/>
+            <a:pPr marL="0" indent="0">
+              <a:buNone/>
+            </a:pPr>
+            <a:endParaRPr lang="en-US" dirty="0"/>
           </a:p>
         </p:txBody>
       </p:sp>
@@ -6089,7 +6207,7 @@
           <p:cNvPr id="5" name="Slide Number Placeholder 4">
             <a:extLst>
               <a:ext uri="{FF2B5EF4-FFF2-40B4-BE49-F238E27FC236}">
-                <a16:creationId xmlns:a16="http://schemas.microsoft.com/office/drawing/2014/main" id="{682D4168-ECD1-209B-6680-7551993E2135}"/>
+                <a16:creationId xmlns:a16="http://schemas.microsoft.com/office/drawing/2014/main" id="{D098254D-9CED-6343-6D6F-6FF0B8DDD786}"/>
               </a:ext>
             </a:extLst>
           </p:cNvPr>
@@ -6116,7 +6234,7 @@
     </p:spTree>
     <p:extLst>
       <p:ext uri="{BB962C8B-B14F-4D97-AF65-F5344CB8AC3E}">
-        <p14:creationId xmlns:p14="http://schemas.microsoft.com/office/powerpoint/2010/main" val="3140182961"/>
+        <p14:creationId xmlns:p14="http://schemas.microsoft.com/office/powerpoint/2010/main" val="673691625"/>
       </p:ext>
     </p:extLst>
   </p:cSld>
@@ -6148,7 +6266,7 @@
           <p:cNvPr id="2" name="Title 1">
             <a:extLst>
               <a:ext uri="{FF2B5EF4-FFF2-40B4-BE49-F238E27FC236}">
-                <a16:creationId xmlns:a16="http://schemas.microsoft.com/office/drawing/2014/main" id="{6799C4B2-C790-FB8B-4821-10F77E122C20}"/>
+                <a16:creationId xmlns:a16="http://schemas.microsoft.com/office/drawing/2014/main" id="{84E2E6AF-4C46-F611-0830-0584094CF72D}"/>
               </a:ext>
             </a:extLst>
           </p:cNvPr>
@@ -6171,7 +6289,7 @@
           <a:p>
             <a:r>
               <a:rPr lang="en-US" dirty="0"/>
-              <a:t>Future Plans</a:t>
+              <a:t>Expected Obstacles</a:t>
             </a:r>
           </a:p>
         </p:txBody>
@@ -6181,7 +6299,7 @@
           <p:cNvPr id="3" name="Subtitle 2">
             <a:extLst>
               <a:ext uri="{FF2B5EF4-FFF2-40B4-BE49-F238E27FC236}">
-                <a16:creationId xmlns:a16="http://schemas.microsoft.com/office/drawing/2014/main" id="{E03FFE2C-5D65-D6E4-2FE1-7A95922722D1}"/>
+                <a16:creationId xmlns:a16="http://schemas.microsoft.com/office/drawing/2014/main" id="{471C2136-9DD0-D267-3D8B-A8EE373D98E0}"/>
               </a:ext>
             </a:extLst>
           </p:cNvPr>
@@ -6206,7 +6324,7 @@
           <p:cNvPr id="4" name="Text Placeholder 3">
             <a:extLst>
               <a:ext uri="{FF2B5EF4-FFF2-40B4-BE49-F238E27FC236}">
-                <a16:creationId xmlns:a16="http://schemas.microsoft.com/office/drawing/2014/main" id="{7794BFF1-E7A0-748B-9321-5A00891D805A}"/>
+                <a16:creationId xmlns:a16="http://schemas.microsoft.com/office/drawing/2014/main" id="{B44DD88A-56DA-9FD9-78FF-2228D1EE0F97}"/>
               </a:ext>
             </a:extLst>
           </p:cNvPr>
@@ -6222,10 +6340,7 @@
           <a:bodyPr/>
           <a:lstStyle/>
           <a:p>
-            <a:r>
-              <a:rPr lang="en-US" dirty="0"/>
-              <a:t>Error correction?</a:t>
-            </a:r>
+            <a:endParaRPr lang="en-US"/>
           </a:p>
         </p:txBody>
       </p:sp>
@@ -6234,7 +6349,7 @@
           <p:cNvPr id="5" name="Slide Number Placeholder 4">
             <a:extLst>
               <a:ext uri="{FF2B5EF4-FFF2-40B4-BE49-F238E27FC236}">
-                <a16:creationId xmlns:a16="http://schemas.microsoft.com/office/drawing/2014/main" id="{5BDDAFA0-D6CE-5536-5E75-4528A2EC55BD}"/>
+                <a16:creationId xmlns:a16="http://schemas.microsoft.com/office/drawing/2014/main" id="{682D4168-ECD1-209B-6680-7551993E2135}"/>
               </a:ext>
             </a:extLst>
           </p:cNvPr>
@@ -6253,6 +6368,151 @@
             <a:fld id="{88B5220A-EB23-48F3-9FB6-FE2BFABBF45A}" type="slidenum">
               <a:rPr lang="en-US" smtClean="0"/>
               <a:t>16</a:t>
+            </a:fld>
+            <a:endParaRPr lang="en-US" dirty="0"/>
+          </a:p>
+        </p:txBody>
+      </p:sp>
+    </p:spTree>
+    <p:extLst>
+      <p:ext uri="{BB962C8B-B14F-4D97-AF65-F5344CB8AC3E}">
+        <p14:creationId xmlns:p14="http://schemas.microsoft.com/office/powerpoint/2010/main" val="3140182961"/>
+      </p:ext>
+    </p:extLst>
+  </p:cSld>
+  <p:clrMapOvr>
+    <a:masterClrMapping/>
+  </p:clrMapOvr>
+</p:sld>
+</file>
+
+<file path=ppt/slides/slide17.xml><?xml version="1.0" encoding="utf-8"?>
+<p:sld xmlns:a="http://schemas.openxmlformats.org/drawingml/2006/main" xmlns:r="http://schemas.openxmlformats.org/officeDocument/2006/relationships" xmlns:p="http://schemas.openxmlformats.org/presentationml/2006/main">
+  <p:cSld>
+    <p:spTree>
+      <p:nvGrpSpPr>
+        <p:cNvPr id="1" name=""/>
+        <p:cNvGrpSpPr/>
+        <p:nvPr/>
+      </p:nvGrpSpPr>
+      <p:grpSpPr>
+        <a:xfrm>
+          <a:off x="0" y="0"/>
+          <a:ext cx="0" cy="0"/>
+          <a:chOff x="0" y="0"/>
+          <a:chExt cx="0" cy="0"/>
+        </a:xfrm>
+      </p:grpSpPr>
+      <p:sp>
+        <p:nvSpPr>
+          <p:cNvPr id="2" name="Title 1">
+            <a:extLst>
+              <a:ext uri="{FF2B5EF4-FFF2-40B4-BE49-F238E27FC236}">
+                <a16:creationId xmlns:a16="http://schemas.microsoft.com/office/drawing/2014/main" id="{6799C4B2-C790-FB8B-4821-10F77E122C20}"/>
+              </a:ext>
+            </a:extLst>
+          </p:cNvPr>
+          <p:cNvSpPr>
+            <a:spLocks noGrp="1"/>
+          </p:cNvSpPr>
+          <p:nvPr>
+            <p:ph type="ctrTitle"/>
+          </p:nvPr>
+        </p:nvSpPr>
+        <p:spPr>
+          <a:xfrm>
+            <a:off x="1504670" y="437030"/>
+            <a:ext cx="9234309" cy="498598"/>
+          </a:xfrm>
+        </p:spPr>
+        <p:txBody>
+          <a:bodyPr/>
+          <a:lstStyle/>
+          <a:p>
+            <a:r>
+              <a:rPr lang="en-US" dirty="0"/>
+              <a:t>Future Plans</a:t>
+            </a:r>
+          </a:p>
+        </p:txBody>
+      </p:sp>
+      <p:sp>
+        <p:nvSpPr>
+          <p:cNvPr id="3" name="Subtitle 2">
+            <a:extLst>
+              <a:ext uri="{FF2B5EF4-FFF2-40B4-BE49-F238E27FC236}">
+                <a16:creationId xmlns:a16="http://schemas.microsoft.com/office/drawing/2014/main" id="{E03FFE2C-5D65-D6E4-2FE1-7A95922722D1}"/>
+              </a:ext>
+            </a:extLst>
+          </p:cNvPr>
+          <p:cNvSpPr>
+            <a:spLocks noGrp="1"/>
+          </p:cNvSpPr>
+          <p:nvPr>
+            <p:ph type="subTitle" idx="1"/>
+          </p:nvPr>
+        </p:nvSpPr>
+        <p:spPr/>
+        <p:txBody>
+          <a:bodyPr/>
+          <a:lstStyle/>
+          <a:p>
+            <a:endParaRPr lang="en-US"/>
+          </a:p>
+        </p:txBody>
+      </p:sp>
+      <p:sp>
+        <p:nvSpPr>
+          <p:cNvPr id="4" name="Text Placeholder 3">
+            <a:extLst>
+              <a:ext uri="{FF2B5EF4-FFF2-40B4-BE49-F238E27FC236}">
+                <a16:creationId xmlns:a16="http://schemas.microsoft.com/office/drawing/2014/main" id="{7794BFF1-E7A0-748B-9321-5A00891D805A}"/>
+              </a:ext>
+            </a:extLst>
+          </p:cNvPr>
+          <p:cNvSpPr>
+            <a:spLocks noGrp="1"/>
+          </p:cNvSpPr>
+          <p:nvPr>
+            <p:ph type="body" sz="quarter" idx="14"/>
+          </p:nvPr>
+        </p:nvSpPr>
+        <p:spPr/>
+        <p:txBody>
+          <a:bodyPr/>
+          <a:lstStyle/>
+          <a:p>
+            <a:r>
+              <a:rPr lang="en-US" dirty="0"/>
+              <a:t>Error correction?</a:t>
+            </a:r>
+          </a:p>
+        </p:txBody>
+      </p:sp>
+      <p:sp>
+        <p:nvSpPr>
+          <p:cNvPr id="5" name="Slide Number Placeholder 4">
+            <a:extLst>
+              <a:ext uri="{FF2B5EF4-FFF2-40B4-BE49-F238E27FC236}">
+                <a16:creationId xmlns:a16="http://schemas.microsoft.com/office/drawing/2014/main" id="{5BDDAFA0-D6CE-5536-5E75-4528A2EC55BD}"/>
+              </a:ext>
+            </a:extLst>
+          </p:cNvPr>
+          <p:cNvSpPr>
+            <a:spLocks noGrp="1"/>
+          </p:cNvSpPr>
+          <p:nvPr>
+            <p:ph type="sldNum" sz="quarter" idx="12"/>
+          </p:nvPr>
+        </p:nvSpPr>
+        <p:spPr/>
+        <p:txBody>
+          <a:bodyPr/>
+          <a:lstStyle/>
+          <a:p>
+            <a:fld id="{88B5220A-EB23-48F3-9FB6-FE2BFABBF45A}" type="slidenum">
+              <a:rPr lang="en-US" smtClean="0"/>
+              <a:t>17</a:t>
             </a:fld>
             <a:endParaRPr lang="en-US" dirty="0"/>
           </a:p>

--- a/Project_Proposal.pptx
+++ b/Project_Proposal.pptx
@@ -5,10 +5,10 @@
     <p:sldMasterId id="2147483660" r:id="rId1"/>
   </p:sldMasterIdLst>
   <p:notesMasterIdLst>
-    <p:notesMasterId r:id="rId18"/>
+    <p:notesMasterId r:id="rId19"/>
   </p:notesMasterIdLst>
   <p:handoutMasterIdLst>
-    <p:handoutMasterId r:id="rId19"/>
+    <p:handoutMasterId r:id="rId20"/>
   </p:handoutMasterIdLst>
   <p:sldIdLst>
     <p:sldId id="256" r:id="rId2"/>
@@ -19,14 +19,15 @@
     <p:sldId id="337" r:id="rId7"/>
     <p:sldId id="327" r:id="rId8"/>
     <p:sldId id="328" r:id="rId9"/>
-    <p:sldId id="329" r:id="rId10"/>
-    <p:sldId id="330" r:id="rId11"/>
-    <p:sldId id="331" r:id="rId12"/>
-    <p:sldId id="332" r:id="rId13"/>
-    <p:sldId id="339" r:id="rId14"/>
-    <p:sldId id="333" r:id="rId15"/>
-    <p:sldId id="335" r:id="rId16"/>
-    <p:sldId id="336" r:id="rId17"/>
+    <p:sldId id="340" r:id="rId10"/>
+    <p:sldId id="329" r:id="rId11"/>
+    <p:sldId id="330" r:id="rId12"/>
+    <p:sldId id="331" r:id="rId13"/>
+    <p:sldId id="332" r:id="rId14"/>
+    <p:sldId id="339" r:id="rId15"/>
+    <p:sldId id="333" r:id="rId16"/>
+    <p:sldId id="335" r:id="rId17"/>
+    <p:sldId id="336" r:id="rId18"/>
   </p:sldIdLst>
   <p:sldSz cx="12192000" cy="6858000"/>
   <p:notesSz cx="6858000" cy="9144000"/>
@@ -138,6 +139,7 @@
             <p14:sldId id="337"/>
             <p14:sldId id="327"/>
             <p14:sldId id="328"/>
+            <p14:sldId id="340"/>
             <p14:sldId id="329"/>
             <p14:sldId id="330"/>
             <p14:sldId id="331"/>
@@ -177,6 +179,153 @@
     </p:extLst>
   </p:cmAuthor>
 </p:cmAuthorLst>
+</file>
+
+<file path=ppt/revisionInfo.xml><?xml version="1.0" encoding="utf-8"?>
+<p1510:revInfo xmlns:a="http://schemas.openxmlformats.org/drawingml/2006/main" xmlns:r="http://schemas.openxmlformats.org/officeDocument/2006/relationships" xmlns:p1510="http://schemas.microsoft.com/office/powerpoint/2015/10/main">
+  <p1510:revLst>
+    <p1510:client id="{D6D56F6B-B306-45F6-9E01-72402F2774C5}" v="8" dt="2024-06-19T18:22:33.579"/>
+  </p1510:revLst>
+</p1510:revInfo>
+</file>
+
+<file path=ppt/changesInfos/changesInfo1.xml><?xml version="1.0" encoding="utf-8"?>
+<pc:chgInfo xmlns:a="http://schemas.openxmlformats.org/drawingml/2006/main" xmlns:r="http://schemas.openxmlformats.org/officeDocument/2006/relationships" xmlns:ac="http://schemas.microsoft.com/office/drawing/2013/main/command" xmlns:pc="http://schemas.microsoft.com/office/powerpoint/2013/main/command">
+  <pc:docChgLst>
+    <pc:chgData name="Andy hu" userId="a299239e82002342" providerId="LiveId" clId="{D6D56F6B-B306-45F6-9E01-72402F2774C5}"/>
+    <pc:docChg chg="undo custSel addSld delSld modSld modSection modShowInfo">
+      <pc:chgData name="Andy hu" userId="a299239e82002342" providerId="LiveId" clId="{D6D56F6B-B306-45F6-9E01-72402F2774C5}" dt="2024-06-19T18:23:09.834" v="380" actId="20577"/>
+      <pc:docMkLst>
+        <pc:docMk/>
+      </pc:docMkLst>
+      <pc:sldChg chg="addSp delSp modSp mod">
+        <pc:chgData name="Andy hu" userId="a299239e82002342" providerId="LiveId" clId="{D6D56F6B-B306-45F6-9E01-72402F2774C5}" dt="2024-06-19T18:20:01.909" v="270" actId="2711"/>
+        <pc:sldMkLst>
+          <pc:docMk/>
+          <pc:sldMk cId="2633215723" sldId="328"/>
+        </pc:sldMkLst>
+        <pc:spChg chg="mod">
+          <ac:chgData name="Andy hu" userId="a299239e82002342" providerId="LiveId" clId="{D6D56F6B-B306-45F6-9E01-72402F2774C5}" dt="2024-06-19T18:09:11.641" v="23" actId="20577"/>
+          <ac:spMkLst>
+            <pc:docMk/>
+            <pc:sldMk cId="2633215723" sldId="328"/>
+            <ac:spMk id="2" creationId="{79A4CF3A-4CB3-795D-8DB3-F389F00D9992}"/>
+          </ac:spMkLst>
+        </pc:spChg>
+        <pc:spChg chg="del">
+          <ac:chgData name="Andy hu" userId="a299239e82002342" providerId="LiveId" clId="{D6D56F6B-B306-45F6-9E01-72402F2774C5}" dt="2024-06-19T18:13:05.750" v="49" actId="478"/>
+          <ac:spMkLst>
+            <pc:docMk/>
+            <pc:sldMk cId="2633215723" sldId="328"/>
+            <ac:spMk id="3" creationId="{AAFDAFA0-3E56-3DAB-489D-7957F4267F94}"/>
+          </ac:spMkLst>
+        </pc:spChg>
+        <pc:spChg chg="add del">
+          <ac:chgData name="Andy hu" userId="a299239e82002342" providerId="LiveId" clId="{D6D56F6B-B306-45F6-9E01-72402F2774C5}" dt="2024-06-19T18:08:56.139" v="1" actId="478"/>
+          <ac:spMkLst>
+            <pc:docMk/>
+            <pc:sldMk cId="2633215723" sldId="328"/>
+            <ac:spMk id="4" creationId="{B62F546F-4476-EF6C-AA50-BE88697CB197}"/>
+          </ac:spMkLst>
+        </pc:spChg>
+        <pc:spChg chg="add mod">
+          <ac:chgData name="Andy hu" userId="a299239e82002342" providerId="LiveId" clId="{D6D56F6B-B306-45F6-9E01-72402F2774C5}" dt="2024-06-19T18:20:01.909" v="270" actId="2711"/>
+          <ac:spMkLst>
+            <pc:docMk/>
+            <pc:sldMk cId="2633215723" sldId="328"/>
+            <ac:spMk id="12" creationId="{BBA208F1-2290-7B00-AB20-E02E8363C4F8}"/>
+          </ac:spMkLst>
+        </pc:spChg>
+        <pc:spChg chg="add mod">
+          <ac:chgData name="Andy hu" userId="a299239e82002342" providerId="LiveId" clId="{D6D56F6B-B306-45F6-9E01-72402F2774C5}" dt="2024-06-19T18:19:09.919" v="266" actId="115"/>
+          <ac:spMkLst>
+            <pc:docMk/>
+            <pc:sldMk cId="2633215723" sldId="328"/>
+            <ac:spMk id="13" creationId="{229424BE-3DFA-828D-5A92-E82305F4946A}"/>
+          </ac:spMkLst>
+        </pc:spChg>
+        <pc:picChg chg="add mod">
+          <ac:chgData name="Andy hu" userId="a299239e82002342" providerId="LiveId" clId="{D6D56F6B-B306-45F6-9E01-72402F2774C5}" dt="2024-06-19T18:10:15.654" v="30" actId="931"/>
+          <ac:picMkLst>
+            <pc:docMk/>
+            <pc:sldMk cId="2633215723" sldId="328"/>
+            <ac:picMk id="7" creationId="{9461BA89-9000-B00F-A027-6EBDD98B88F2}"/>
+          </ac:picMkLst>
+        </pc:picChg>
+        <pc:picChg chg="add del mod">
+          <ac:chgData name="Andy hu" userId="a299239e82002342" providerId="LiveId" clId="{D6D56F6B-B306-45F6-9E01-72402F2774C5}" dt="2024-06-19T18:11:30.193" v="36" actId="478"/>
+          <ac:picMkLst>
+            <pc:docMk/>
+            <pc:sldMk cId="2633215723" sldId="328"/>
+            <ac:picMk id="9" creationId="{227BA536-1956-D893-4F68-4F6DE510C801}"/>
+          </ac:picMkLst>
+        </pc:picChg>
+        <pc:picChg chg="add mod modCrop">
+          <ac:chgData name="Andy hu" userId="a299239e82002342" providerId="LiveId" clId="{D6D56F6B-B306-45F6-9E01-72402F2774C5}" dt="2024-06-19T18:18:10.846" v="179" actId="1076"/>
+          <ac:picMkLst>
+            <pc:docMk/>
+            <pc:sldMk cId="2633215723" sldId="328"/>
+            <ac:picMk id="11" creationId="{075E3EF7-FA59-0EFF-56BD-53822C670C7E}"/>
+          </ac:picMkLst>
+        </pc:picChg>
+      </pc:sldChg>
+      <pc:sldChg chg="new del">
+        <pc:chgData name="Andy hu" userId="a299239e82002342" providerId="LiveId" clId="{D6D56F6B-B306-45F6-9E01-72402F2774C5}" dt="2024-06-19T18:10:43.487" v="32" actId="680"/>
+        <pc:sldMkLst>
+          <pc:docMk/>
+          <pc:sldMk cId="980036309" sldId="340"/>
+        </pc:sldMkLst>
+      </pc:sldChg>
+      <pc:sldChg chg="addSp delSp modSp new mod">
+        <pc:chgData name="Andy hu" userId="a299239e82002342" providerId="LiveId" clId="{D6D56F6B-B306-45F6-9E01-72402F2774C5}" dt="2024-06-19T18:23:09.834" v="380" actId="20577"/>
+        <pc:sldMkLst>
+          <pc:docMk/>
+          <pc:sldMk cId="1969895698" sldId="340"/>
+        </pc:sldMkLst>
+        <pc:spChg chg="mod">
+          <ac:chgData name="Andy hu" userId="a299239e82002342" providerId="LiveId" clId="{D6D56F6B-B306-45F6-9E01-72402F2774C5}" dt="2024-06-19T18:15:53.166" v="74" actId="20577"/>
+          <ac:spMkLst>
+            <pc:docMk/>
+            <pc:sldMk cId="1969895698" sldId="340"/>
+            <ac:spMk id="2" creationId="{98D11EE6-CD64-BFFE-3125-1060BA2FB8B2}"/>
+          </ac:spMkLst>
+        </pc:spChg>
+        <pc:spChg chg="del">
+          <ac:chgData name="Andy hu" userId="a299239e82002342" providerId="LiveId" clId="{D6D56F6B-B306-45F6-9E01-72402F2774C5}" dt="2024-06-19T18:17:09.970" v="82" actId="478"/>
+          <ac:spMkLst>
+            <pc:docMk/>
+            <pc:sldMk cId="1969895698" sldId="340"/>
+            <ac:spMk id="3" creationId="{7679A245-8132-0A78-AF0D-84E552859D01}"/>
+          </ac:spMkLst>
+        </pc:spChg>
+        <pc:spChg chg="del">
+          <ac:chgData name="Andy hu" userId="a299239e82002342" providerId="LiveId" clId="{D6D56F6B-B306-45F6-9E01-72402F2774C5}" dt="2024-06-19T18:17:08.390" v="81" actId="478"/>
+          <ac:spMkLst>
+            <pc:docMk/>
+            <pc:sldMk cId="1969895698" sldId="340"/>
+            <ac:spMk id="4" creationId="{F18673BA-956B-2D03-0799-AC95E60EAD2E}"/>
+          </ac:spMkLst>
+        </pc:spChg>
+        <pc:spChg chg="add mod">
+          <ac:chgData name="Andy hu" userId="a299239e82002342" providerId="LiveId" clId="{D6D56F6B-B306-45F6-9E01-72402F2774C5}" dt="2024-06-19T18:23:09.834" v="380" actId="20577"/>
+          <ac:spMkLst>
+            <pc:docMk/>
+            <pc:sldMk cId="1969895698" sldId="340"/>
+            <ac:spMk id="8" creationId="{DB4F52F6-A419-64FA-2166-7DF59634EF32}"/>
+          </ac:spMkLst>
+        </pc:spChg>
+        <pc:picChg chg="add mod">
+          <ac:chgData name="Andy hu" userId="a299239e82002342" providerId="LiveId" clId="{D6D56F6B-B306-45F6-9E01-72402F2774C5}" dt="2024-06-19T18:17:12.209" v="83" actId="1076"/>
+          <ac:picMkLst>
+            <pc:docMk/>
+            <pc:sldMk cId="1969895698" sldId="340"/>
+            <ac:picMk id="7" creationId="{C7B537E0-C12E-4217-765B-97698BDF5A83}"/>
+          </ac:picMkLst>
+        </pc:picChg>
+      </pc:sldChg>
+    </pc:docChg>
+  </pc:docChgLst>
+</pc:chgInfo>
 </file>
 
 <file path=ppt/handoutMasters/handoutMaster1.xml><?xml version="1.0" encoding="utf-8"?>
@@ -5203,7 +5352,7 @@
           <p:cNvPr id="2" name="Title 1">
             <a:extLst>
               <a:ext uri="{FF2B5EF4-FFF2-40B4-BE49-F238E27FC236}">
-                <a16:creationId xmlns:a16="http://schemas.microsoft.com/office/drawing/2014/main" id="{EB3F7B05-73DE-A491-5991-E04BBBC698CA}"/>
+                <a16:creationId xmlns:a16="http://schemas.microsoft.com/office/drawing/2014/main" id="{6346E85E-8D15-D4EB-CF18-9132EC62AC77}"/>
               </a:ext>
             </a:extLst>
           </p:cNvPr>
@@ -5226,7 +5375,7 @@
           <a:p>
             <a:r>
               <a:rPr lang="en-US" dirty="0"/>
-              <a:t>Registers</a:t>
+              <a:t>ALU</a:t>
             </a:r>
           </a:p>
         </p:txBody>
@@ -5236,7 +5385,7 @@
           <p:cNvPr id="3" name="Subtitle 2">
             <a:extLst>
               <a:ext uri="{FF2B5EF4-FFF2-40B4-BE49-F238E27FC236}">
-                <a16:creationId xmlns:a16="http://schemas.microsoft.com/office/drawing/2014/main" id="{AC823061-39AD-9D43-0432-59610A93A4A1}"/>
+                <a16:creationId xmlns:a16="http://schemas.microsoft.com/office/drawing/2014/main" id="{5B40D6B8-97AE-9397-3D32-EF0CF1737FFA}"/>
               </a:ext>
             </a:extLst>
           </p:cNvPr>
@@ -5261,7 +5410,7 @@
           <p:cNvPr id="4" name="Text Placeholder 3">
             <a:extLst>
               <a:ext uri="{FF2B5EF4-FFF2-40B4-BE49-F238E27FC236}">
-                <a16:creationId xmlns:a16="http://schemas.microsoft.com/office/drawing/2014/main" id="{F2A18362-0849-C467-4293-A237B5A80012}"/>
+                <a16:creationId xmlns:a16="http://schemas.microsoft.com/office/drawing/2014/main" id="{D9B79D28-048B-F636-E90A-160DCFE6618C}"/>
               </a:ext>
             </a:extLst>
           </p:cNvPr>
@@ -5286,7 +5435,7 @@
           <p:cNvPr id="5" name="Slide Number Placeholder 4">
             <a:extLst>
               <a:ext uri="{FF2B5EF4-FFF2-40B4-BE49-F238E27FC236}">
-                <a16:creationId xmlns:a16="http://schemas.microsoft.com/office/drawing/2014/main" id="{2FCCDFDD-E919-B6ED-4B67-9F63171EB214}"/>
+                <a16:creationId xmlns:a16="http://schemas.microsoft.com/office/drawing/2014/main" id="{9BCE14E6-F19C-7BB3-E487-D0FA7CFF54C1}"/>
               </a:ext>
             </a:extLst>
           </p:cNvPr>
@@ -5313,7 +5462,7 @@
     </p:spTree>
     <p:extLst>
       <p:ext uri="{BB962C8B-B14F-4D97-AF65-F5344CB8AC3E}">
-        <p14:creationId xmlns:p14="http://schemas.microsoft.com/office/powerpoint/2010/main" val="2869620282"/>
+        <p14:creationId xmlns:p14="http://schemas.microsoft.com/office/powerpoint/2010/main" val="176491562"/>
       </p:ext>
     </p:extLst>
   </p:cSld>
@@ -5345,7 +5494,7 @@
           <p:cNvPr id="2" name="Title 1">
             <a:extLst>
               <a:ext uri="{FF2B5EF4-FFF2-40B4-BE49-F238E27FC236}">
-                <a16:creationId xmlns:a16="http://schemas.microsoft.com/office/drawing/2014/main" id="{F15788A1-2A90-075C-0FD5-97BF4276DB6C}"/>
+                <a16:creationId xmlns:a16="http://schemas.microsoft.com/office/drawing/2014/main" id="{EB3F7B05-73DE-A491-5991-E04BBBC698CA}"/>
               </a:ext>
             </a:extLst>
           </p:cNvPr>
@@ -5368,7 +5517,7 @@
           <a:p>
             <a:r>
               <a:rPr lang="en-US" dirty="0"/>
-              <a:t>Memory</a:t>
+              <a:t>Registers</a:t>
             </a:r>
           </a:p>
         </p:txBody>
@@ -5378,7 +5527,7 @@
           <p:cNvPr id="3" name="Subtitle 2">
             <a:extLst>
               <a:ext uri="{FF2B5EF4-FFF2-40B4-BE49-F238E27FC236}">
-                <a16:creationId xmlns:a16="http://schemas.microsoft.com/office/drawing/2014/main" id="{13643ECA-8A7C-9241-6882-E71BD1F12C44}"/>
+                <a16:creationId xmlns:a16="http://schemas.microsoft.com/office/drawing/2014/main" id="{AC823061-39AD-9D43-0432-59610A93A4A1}"/>
               </a:ext>
             </a:extLst>
           </p:cNvPr>
@@ -5403,7 +5552,7 @@
           <p:cNvPr id="4" name="Text Placeholder 3">
             <a:extLst>
               <a:ext uri="{FF2B5EF4-FFF2-40B4-BE49-F238E27FC236}">
-                <a16:creationId xmlns:a16="http://schemas.microsoft.com/office/drawing/2014/main" id="{44C21242-B2E4-CDBB-3C48-4C8E293DC8C1}"/>
+                <a16:creationId xmlns:a16="http://schemas.microsoft.com/office/drawing/2014/main" id="{F2A18362-0849-C467-4293-A237B5A80012}"/>
               </a:ext>
             </a:extLst>
           </p:cNvPr>
@@ -5428,7 +5577,7 @@
           <p:cNvPr id="5" name="Slide Number Placeholder 4">
             <a:extLst>
               <a:ext uri="{FF2B5EF4-FFF2-40B4-BE49-F238E27FC236}">
-                <a16:creationId xmlns:a16="http://schemas.microsoft.com/office/drawing/2014/main" id="{BD9C6C1B-2485-DA5C-E77A-5AE0B15EA8EE}"/>
+                <a16:creationId xmlns:a16="http://schemas.microsoft.com/office/drawing/2014/main" id="{2FCCDFDD-E919-B6ED-4B67-9F63171EB214}"/>
               </a:ext>
             </a:extLst>
           </p:cNvPr>
@@ -5455,7 +5604,7 @@
     </p:spTree>
     <p:extLst>
       <p:ext uri="{BB962C8B-B14F-4D97-AF65-F5344CB8AC3E}">
-        <p14:creationId xmlns:p14="http://schemas.microsoft.com/office/powerpoint/2010/main" val="4006611505"/>
+        <p14:creationId xmlns:p14="http://schemas.microsoft.com/office/powerpoint/2010/main" val="2869620282"/>
       </p:ext>
     </p:extLst>
   </p:cSld>
@@ -5487,7 +5636,7 @@
           <p:cNvPr id="2" name="Title 1">
             <a:extLst>
               <a:ext uri="{FF2B5EF4-FFF2-40B4-BE49-F238E27FC236}">
-                <a16:creationId xmlns:a16="http://schemas.microsoft.com/office/drawing/2014/main" id="{D1F6CC05-1F31-0C88-333C-5026AF10D397}"/>
+                <a16:creationId xmlns:a16="http://schemas.microsoft.com/office/drawing/2014/main" id="{F15788A1-2A90-075C-0FD5-97BF4276DB6C}"/>
               </a:ext>
             </a:extLst>
           </p:cNvPr>
@@ -5510,7 +5659,7 @@
           <a:p>
             <a:r>
               <a:rPr lang="en-US" dirty="0"/>
-              <a:t>Program Counter</a:t>
+              <a:t>Memory</a:t>
             </a:r>
           </a:p>
         </p:txBody>
@@ -5520,7 +5669,7 @@
           <p:cNvPr id="3" name="Subtitle 2">
             <a:extLst>
               <a:ext uri="{FF2B5EF4-FFF2-40B4-BE49-F238E27FC236}">
-                <a16:creationId xmlns:a16="http://schemas.microsoft.com/office/drawing/2014/main" id="{069353A1-7076-B958-432E-9B8FD5750AE7}"/>
+                <a16:creationId xmlns:a16="http://schemas.microsoft.com/office/drawing/2014/main" id="{13643ECA-8A7C-9241-6882-E71BD1F12C44}"/>
               </a:ext>
             </a:extLst>
           </p:cNvPr>
@@ -5536,10 +5685,32 @@
           <a:bodyPr/>
           <a:lstStyle/>
           <a:p>
-            <a:r>
-              <a:rPr lang="en-US" dirty="0"/>
-              <a:t>RTL Diagram and Input/Output</a:t>
-            </a:r>
+            <a:endParaRPr lang="en-US"/>
+          </a:p>
+        </p:txBody>
+      </p:sp>
+      <p:sp>
+        <p:nvSpPr>
+          <p:cNvPr id="4" name="Text Placeholder 3">
+            <a:extLst>
+              <a:ext uri="{FF2B5EF4-FFF2-40B4-BE49-F238E27FC236}">
+                <a16:creationId xmlns:a16="http://schemas.microsoft.com/office/drawing/2014/main" id="{44C21242-B2E4-CDBB-3C48-4C8E293DC8C1}"/>
+              </a:ext>
+            </a:extLst>
+          </p:cNvPr>
+          <p:cNvSpPr>
+            <a:spLocks noGrp="1"/>
+          </p:cNvSpPr>
+          <p:nvPr>
+            <p:ph type="body" sz="quarter" idx="14"/>
+          </p:nvPr>
+        </p:nvSpPr>
+        <p:spPr/>
+        <p:txBody>
+          <a:bodyPr/>
+          <a:lstStyle/>
+          <a:p>
+            <a:endParaRPr lang="en-US"/>
           </a:p>
         </p:txBody>
       </p:sp>
@@ -5548,7 +5719,7 @@
           <p:cNvPr id="5" name="Slide Number Placeholder 4">
             <a:extLst>
               <a:ext uri="{FF2B5EF4-FFF2-40B4-BE49-F238E27FC236}">
-                <a16:creationId xmlns:a16="http://schemas.microsoft.com/office/drawing/2014/main" id="{A896B40E-DC06-49BF-BFD3-304517BB06A3}"/>
+                <a16:creationId xmlns:a16="http://schemas.microsoft.com/office/drawing/2014/main" id="{BD9C6C1B-2485-DA5C-E77A-5AE0B15EA8EE}"/>
               </a:ext>
             </a:extLst>
           </p:cNvPr>
@@ -5572,80 +5743,10 @@
           </a:p>
         </p:txBody>
       </p:sp>
-      <p:pic>
-        <p:nvPicPr>
-          <p:cNvPr id="9" name="Picture 8" descr="A black and white screen with white text&#10;&#10;Description automatically generated">
-            <a:extLst>
-              <a:ext uri="{FF2B5EF4-FFF2-40B4-BE49-F238E27FC236}">
-                <a16:creationId xmlns:a16="http://schemas.microsoft.com/office/drawing/2014/main" id="{602A898A-4DC4-D63A-A6B4-668E5E561D40}"/>
-              </a:ext>
-            </a:extLst>
-          </p:cNvPr>
-          <p:cNvPicPr>
-            <a:picLocks noChangeAspect="1"/>
-          </p:cNvPicPr>
-          <p:nvPr/>
-        </p:nvPicPr>
-        <p:blipFill rotWithShape="1">
-          <a:blip r:embed="rId2">
-            <a:extLst>
-              <a:ext uri="{28A0092B-C50C-407E-A947-70E740481C1C}">
-                <a14:useLocalDpi xmlns:a14="http://schemas.microsoft.com/office/drawing/2010/main" val="0"/>
-              </a:ext>
-            </a:extLst>
-          </a:blip>
-          <a:srcRect l="51863" b="55404"/>
-          <a:stretch/>
-        </p:blipFill>
-        <p:spPr>
-          <a:xfrm>
-            <a:off x="1259633" y="2763923"/>
-            <a:ext cx="4259521" cy="2425474"/>
-          </a:xfrm>
-          <a:prstGeom prst="rect">
-            <a:avLst/>
-          </a:prstGeom>
-        </p:spPr>
-      </p:pic>
-      <p:pic>
-        <p:nvPicPr>
-          <p:cNvPr id="10" name="Picture 9" descr="A black and white screen with white text&#10;&#10;Description automatically generated">
-            <a:extLst>
-              <a:ext uri="{FF2B5EF4-FFF2-40B4-BE49-F238E27FC236}">
-                <a16:creationId xmlns:a16="http://schemas.microsoft.com/office/drawing/2014/main" id="{0C30E131-177D-F6B8-0AE8-D5CF155B5289}"/>
-              </a:ext>
-            </a:extLst>
-          </p:cNvPr>
-          <p:cNvPicPr>
-            <a:picLocks noChangeAspect="1"/>
-          </p:cNvPicPr>
-          <p:nvPr/>
-        </p:nvPicPr>
-        <p:blipFill rotWithShape="1">
-          <a:blip r:embed="rId2">
-            <a:extLst>
-              <a:ext uri="{28A0092B-C50C-407E-A947-70E740481C1C}">
-                <a14:useLocalDpi xmlns:a14="http://schemas.microsoft.com/office/drawing/2010/main" val="0"/>
-              </a:ext>
-            </a:extLst>
-          </a:blip>
-          <a:srcRect t="27955" r="77451" b="39963"/>
-          <a:stretch/>
-        </p:blipFill>
-        <p:spPr>
-          <a:xfrm>
-            <a:off x="6875008" y="2728679"/>
-            <a:ext cx="1995294" cy="1744825"/>
-          </a:xfrm>
-          <a:prstGeom prst="rect">
-            <a:avLst/>
-          </a:prstGeom>
-        </p:spPr>
-      </p:pic>
     </p:spTree>
     <p:extLst>
       <p:ext uri="{BB962C8B-B14F-4D97-AF65-F5344CB8AC3E}">
-        <p14:creationId xmlns:p14="http://schemas.microsoft.com/office/powerpoint/2010/main" val="1617301959"/>
+        <p14:creationId xmlns:p14="http://schemas.microsoft.com/office/powerpoint/2010/main" val="4006611505"/>
       </p:ext>
     </p:extLst>
   </p:cSld>
@@ -5728,7 +5829,7 @@
           <a:p>
             <a:r>
               <a:rPr lang="en-US" dirty="0"/>
-              <a:t>Logic and Test Cases</a:t>
+              <a:t>RTL Diagram and Input/Output</a:t>
             </a:r>
           </a:p>
         </p:txBody>
@@ -5764,10 +5865,10 @@
       </p:sp>
       <p:pic>
         <p:nvPicPr>
-          <p:cNvPr id="4" name="Picture 3" descr="A black and white screen with white text&#10;&#10;Description automatically generated">
-            <a:extLst>
-              <a:ext uri="{FF2B5EF4-FFF2-40B4-BE49-F238E27FC236}">
-                <a16:creationId xmlns:a16="http://schemas.microsoft.com/office/drawing/2014/main" id="{25367EB2-360C-B712-60AE-079171120897}"/>
+          <p:cNvPr id="9" name="Picture 8" descr="A black and white screen with white text&#10;&#10;Description automatically generated">
+            <a:extLst>
+              <a:ext uri="{FF2B5EF4-FFF2-40B4-BE49-F238E27FC236}">
+                <a16:creationId xmlns:a16="http://schemas.microsoft.com/office/drawing/2014/main" id="{602A898A-4DC4-D63A-A6B4-668E5E561D40}"/>
               </a:ext>
             </a:extLst>
           </p:cNvPr>
@@ -5784,13 +5885,13 @@
               </a:ext>
             </a:extLst>
           </a:blip>
-          <a:srcRect t="63467" r="30844"/>
+          <a:srcRect l="51863" b="55404"/>
           <a:stretch/>
         </p:blipFill>
         <p:spPr>
           <a:xfrm>
-            <a:off x="1067822" y="2096305"/>
-            <a:ext cx="10056355" cy="3265228"/>
+            <a:off x="1259633" y="2763923"/>
+            <a:ext cx="4259521" cy="2425474"/>
           </a:xfrm>
           <a:prstGeom prst="rect">
             <a:avLst/>
@@ -5799,10 +5900,10 @@
       </p:pic>
       <p:pic>
         <p:nvPicPr>
-          <p:cNvPr id="7" name="Picture 6">
-            <a:extLst>
-              <a:ext uri="{FF2B5EF4-FFF2-40B4-BE49-F238E27FC236}">
-                <a16:creationId xmlns:a16="http://schemas.microsoft.com/office/drawing/2014/main" id="{D6CA6F6B-57FF-1C2B-3B06-D79B575C3413}"/>
+          <p:cNvPr id="10" name="Picture 9" descr="A black and white screen with white text&#10;&#10;Description automatically generated">
+            <a:extLst>
+              <a:ext uri="{FF2B5EF4-FFF2-40B4-BE49-F238E27FC236}">
+                <a16:creationId xmlns:a16="http://schemas.microsoft.com/office/drawing/2014/main" id="{0C30E131-177D-F6B8-0AE8-D5CF155B5289}"/>
               </a:ext>
             </a:extLst>
           </p:cNvPr>
@@ -5812,14 +5913,20 @@
           <p:nvPr/>
         </p:nvPicPr>
         <p:blipFill rotWithShape="1">
-          <a:blip r:embed="rId3"/>
-          <a:srcRect l="2457" t="5161" r="1322" b="2363"/>
+          <a:blip r:embed="rId2">
+            <a:extLst>
+              <a:ext uri="{28A0092B-C50C-407E-A947-70E740481C1C}">
+                <a14:useLocalDpi xmlns:a14="http://schemas.microsoft.com/office/drawing/2010/main" val="0"/>
+              </a:ext>
+            </a:extLst>
+          </a:blip>
+          <a:srcRect t="27955" r="77451" b="39963"/>
           <a:stretch/>
         </p:blipFill>
         <p:spPr>
           <a:xfrm>
-            <a:off x="1067822" y="1831490"/>
-            <a:ext cx="4595860" cy="4019812"/>
+            <a:off x="6875008" y="2728679"/>
+            <a:ext cx="1995294" cy="1744825"/>
           </a:xfrm>
           <a:prstGeom prst="rect">
             <a:avLst/>
@@ -5829,7 +5936,7 @@
     </p:spTree>
     <p:extLst>
       <p:ext uri="{BB962C8B-B14F-4D97-AF65-F5344CB8AC3E}">
-        <p14:creationId xmlns:p14="http://schemas.microsoft.com/office/powerpoint/2010/main" val="3391675750"/>
+        <p14:creationId xmlns:p14="http://schemas.microsoft.com/office/powerpoint/2010/main" val="1617301959"/>
       </p:ext>
     </p:extLst>
   </p:cSld>
@@ -5861,7 +5968,7 @@
           <p:cNvPr id="2" name="Title 1">
             <a:extLst>
               <a:ext uri="{FF2B5EF4-FFF2-40B4-BE49-F238E27FC236}">
-                <a16:creationId xmlns:a16="http://schemas.microsoft.com/office/drawing/2014/main" id="{EEAF6D0A-7814-2A94-F47A-3ECC7B8EDE59}"/>
+                <a16:creationId xmlns:a16="http://schemas.microsoft.com/office/drawing/2014/main" id="{D1F6CC05-1F31-0C88-333C-5026AF10D397}"/>
               </a:ext>
             </a:extLst>
           </p:cNvPr>
@@ -5884,7 +5991,7 @@
           <a:p>
             <a:r>
               <a:rPr lang="en-US" dirty="0"/>
-              <a:t>Peripherals</a:t>
+              <a:t>Program Counter</a:t>
             </a:r>
           </a:p>
         </p:txBody>
@@ -5894,7 +6001,7 @@
           <p:cNvPr id="3" name="Subtitle 2">
             <a:extLst>
               <a:ext uri="{FF2B5EF4-FFF2-40B4-BE49-F238E27FC236}">
-                <a16:creationId xmlns:a16="http://schemas.microsoft.com/office/drawing/2014/main" id="{FFF467C2-55D2-EC86-825B-16EBAE111702}"/>
+                <a16:creationId xmlns:a16="http://schemas.microsoft.com/office/drawing/2014/main" id="{069353A1-7076-B958-432E-9B8FD5750AE7}"/>
               </a:ext>
             </a:extLst>
           </p:cNvPr>
@@ -5910,35 +6017,10 @@
           <a:bodyPr/>
           <a:lstStyle/>
           <a:p>
-            <a:endParaRPr lang="en-US"/>
-          </a:p>
-        </p:txBody>
-      </p:sp>
-      <p:sp>
-        <p:nvSpPr>
-          <p:cNvPr id="4" name="Text Placeholder 3">
-            <a:extLst>
-              <a:ext uri="{FF2B5EF4-FFF2-40B4-BE49-F238E27FC236}">
-                <a16:creationId xmlns:a16="http://schemas.microsoft.com/office/drawing/2014/main" id="{5DF050C2-2C1C-78CA-C656-82D41545CD8E}"/>
-              </a:ext>
-            </a:extLst>
-          </p:cNvPr>
-          <p:cNvSpPr>
-            <a:spLocks noGrp="1"/>
-          </p:cNvSpPr>
-          <p:nvPr>
-            <p:ph type="body" sz="quarter" idx="14"/>
-          </p:nvPr>
-        </p:nvSpPr>
-        <p:spPr/>
-        <p:txBody>
-          <a:bodyPr/>
-          <a:lstStyle/>
-          <a:p>
-            <a:pPr marL="0" indent="0">
-              <a:buNone/>
-            </a:pPr>
-            <a:endParaRPr lang="en-US" dirty="0"/>
+            <a:r>
+              <a:rPr lang="en-US" dirty="0"/>
+              <a:t>Logic and Test Cases</a:t>
+            </a:r>
           </a:p>
         </p:txBody>
       </p:sp>
@@ -5947,7 +6029,7 @@
           <p:cNvPr id="5" name="Slide Number Placeholder 4">
             <a:extLst>
               <a:ext uri="{FF2B5EF4-FFF2-40B4-BE49-F238E27FC236}">
-                <a16:creationId xmlns:a16="http://schemas.microsoft.com/office/drawing/2014/main" id="{D098254D-9CED-6343-6D6F-6FF0B8DDD786}"/>
+                <a16:creationId xmlns:a16="http://schemas.microsoft.com/office/drawing/2014/main" id="{A896B40E-DC06-49BF-BFD3-304517BB06A3}"/>
               </a:ext>
             </a:extLst>
           </p:cNvPr>
@@ -5971,10 +6053,74 @@
           </a:p>
         </p:txBody>
       </p:sp>
+      <p:pic>
+        <p:nvPicPr>
+          <p:cNvPr id="4" name="Picture 3" descr="A black and white screen with white text&#10;&#10;Description automatically generated">
+            <a:extLst>
+              <a:ext uri="{FF2B5EF4-FFF2-40B4-BE49-F238E27FC236}">
+                <a16:creationId xmlns:a16="http://schemas.microsoft.com/office/drawing/2014/main" id="{25367EB2-360C-B712-60AE-079171120897}"/>
+              </a:ext>
+            </a:extLst>
+          </p:cNvPr>
+          <p:cNvPicPr>
+            <a:picLocks noChangeAspect="1"/>
+          </p:cNvPicPr>
+          <p:nvPr/>
+        </p:nvPicPr>
+        <p:blipFill rotWithShape="1">
+          <a:blip r:embed="rId2">
+            <a:extLst>
+              <a:ext uri="{28A0092B-C50C-407E-A947-70E740481C1C}">
+                <a14:useLocalDpi xmlns:a14="http://schemas.microsoft.com/office/drawing/2010/main" val="0"/>
+              </a:ext>
+            </a:extLst>
+          </a:blip>
+          <a:srcRect t="63467" r="30844"/>
+          <a:stretch/>
+        </p:blipFill>
+        <p:spPr>
+          <a:xfrm>
+            <a:off x="1067822" y="2096305"/>
+            <a:ext cx="10056355" cy="3265228"/>
+          </a:xfrm>
+          <a:prstGeom prst="rect">
+            <a:avLst/>
+          </a:prstGeom>
+        </p:spPr>
+      </p:pic>
+      <p:pic>
+        <p:nvPicPr>
+          <p:cNvPr id="7" name="Picture 6">
+            <a:extLst>
+              <a:ext uri="{FF2B5EF4-FFF2-40B4-BE49-F238E27FC236}">
+                <a16:creationId xmlns:a16="http://schemas.microsoft.com/office/drawing/2014/main" id="{D6CA6F6B-57FF-1C2B-3B06-D79B575C3413}"/>
+              </a:ext>
+            </a:extLst>
+          </p:cNvPr>
+          <p:cNvPicPr>
+            <a:picLocks noChangeAspect="1"/>
+          </p:cNvPicPr>
+          <p:nvPr/>
+        </p:nvPicPr>
+        <p:blipFill rotWithShape="1">
+          <a:blip r:embed="rId3"/>
+          <a:srcRect l="2457" t="5161" r="1322" b="2363"/>
+          <a:stretch/>
+        </p:blipFill>
+        <p:spPr>
+          <a:xfrm>
+            <a:off x="1067822" y="1831490"/>
+            <a:ext cx="4595860" cy="4019812"/>
+          </a:xfrm>
+          <a:prstGeom prst="rect">
+            <a:avLst/>
+          </a:prstGeom>
+        </p:spPr>
+      </p:pic>
     </p:spTree>
     <p:extLst>
       <p:ext uri="{BB962C8B-B14F-4D97-AF65-F5344CB8AC3E}">
-        <p14:creationId xmlns:p14="http://schemas.microsoft.com/office/powerpoint/2010/main" val="673691625"/>
+        <p14:creationId xmlns:p14="http://schemas.microsoft.com/office/powerpoint/2010/main" val="3391675750"/>
       </p:ext>
     </p:extLst>
   </p:cSld>
@@ -6006,7 +6152,7 @@
           <p:cNvPr id="2" name="Title 1">
             <a:extLst>
               <a:ext uri="{FF2B5EF4-FFF2-40B4-BE49-F238E27FC236}">
-                <a16:creationId xmlns:a16="http://schemas.microsoft.com/office/drawing/2014/main" id="{84E2E6AF-4C46-F611-0830-0584094CF72D}"/>
+                <a16:creationId xmlns:a16="http://schemas.microsoft.com/office/drawing/2014/main" id="{EEAF6D0A-7814-2A94-F47A-3ECC7B8EDE59}"/>
               </a:ext>
             </a:extLst>
           </p:cNvPr>
@@ -6029,7 +6175,7 @@
           <a:p>
             <a:r>
               <a:rPr lang="en-US" dirty="0"/>
-              <a:t>Expected Obstacles</a:t>
+              <a:t>Peripherals</a:t>
             </a:r>
           </a:p>
         </p:txBody>
@@ -6039,7 +6185,7 @@
           <p:cNvPr id="3" name="Subtitle 2">
             <a:extLst>
               <a:ext uri="{FF2B5EF4-FFF2-40B4-BE49-F238E27FC236}">
-                <a16:creationId xmlns:a16="http://schemas.microsoft.com/office/drawing/2014/main" id="{471C2136-9DD0-D267-3D8B-A8EE373D98E0}"/>
+                <a16:creationId xmlns:a16="http://schemas.microsoft.com/office/drawing/2014/main" id="{FFF467C2-55D2-EC86-825B-16EBAE111702}"/>
               </a:ext>
             </a:extLst>
           </p:cNvPr>
@@ -6064,7 +6210,7 @@
           <p:cNvPr id="4" name="Text Placeholder 3">
             <a:extLst>
               <a:ext uri="{FF2B5EF4-FFF2-40B4-BE49-F238E27FC236}">
-                <a16:creationId xmlns:a16="http://schemas.microsoft.com/office/drawing/2014/main" id="{B44DD88A-56DA-9FD9-78FF-2228D1EE0F97}"/>
+                <a16:creationId xmlns:a16="http://schemas.microsoft.com/office/drawing/2014/main" id="{5DF050C2-2C1C-78CA-C656-82D41545CD8E}"/>
               </a:ext>
             </a:extLst>
           </p:cNvPr>
@@ -6080,7 +6226,10 @@
           <a:bodyPr/>
           <a:lstStyle/>
           <a:p>
-            <a:endParaRPr lang="en-US"/>
+            <a:pPr marL="0" indent="0">
+              <a:buNone/>
+            </a:pPr>
+            <a:endParaRPr lang="en-US" dirty="0"/>
           </a:p>
         </p:txBody>
       </p:sp>
@@ -6089,7 +6238,7 @@
           <p:cNvPr id="5" name="Slide Number Placeholder 4">
             <a:extLst>
               <a:ext uri="{FF2B5EF4-FFF2-40B4-BE49-F238E27FC236}">
-                <a16:creationId xmlns:a16="http://schemas.microsoft.com/office/drawing/2014/main" id="{682D4168-ECD1-209B-6680-7551993E2135}"/>
+                <a16:creationId xmlns:a16="http://schemas.microsoft.com/office/drawing/2014/main" id="{D098254D-9CED-6343-6D6F-6FF0B8DDD786}"/>
               </a:ext>
             </a:extLst>
           </p:cNvPr>
@@ -6116,7 +6265,7 @@
     </p:spTree>
     <p:extLst>
       <p:ext uri="{BB962C8B-B14F-4D97-AF65-F5344CB8AC3E}">
-        <p14:creationId xmlns:p14="http://schemas.microsoft.com/office/powerpoint/2010/main" val="3140182961"/>
+        <p14:creationId xmlns:p14="http://schemas.microsoft.com/office/powerpoint/2010/main" val="673691625"/>
       </p:ext>
     </p:extLst>
   </p:cSld>
@@ -6148,7 +6297,7 @@
           <p:cNvPr id="2" name="Title 1">
             <a:extLst>
               <a:ext uri="{FF2B5EF4-FFF2-40B4-BE49-F238E27FC236}">
-                <a16:creationId xmlns:a16="http://schemas.microsoft.com/office/drawing/2014/main" id="{6799C4B2-C790-FB8B-4821-10F77E122C20}"/>
+                <a16:creationId xmlns:a16="http://schemas.microsoft.com/office/drawing/2014/main" id="{84E2E6AF-4C46-F611-0830-0584094CF72D}"/>
               </a:ext>
             </a:extLst>
           </p:cNvPr>
@@ -6171,7 +6320,7 @@
           <a:p>
             <a:r>
               <a:rPr lang="en-US" dirty="0"/>
-              <a:t>Future Plans</a:t>
+              <a:t>Expected Obstacles</a:t>
             </a:r>
           </a:p>
         </p:txBody>
@@ -6181,7 +6330,7 @@
           <p:cNvPr id="3" name="Subtitle 2">
             <a:extLst>
               <a:ext uri="{FF2B5EF4-FFF2-40B4-BE49-F238E27FC236}">
-                <a16:creationId xmlns:a16="http://schemas.microsoft.com/office/drawing/2014/main" id="{E03FFE2C-5D65-D6E4-2FE1-7A95922722D1}"/>
+                <a16:creationId xmlns:a16="http://schemas.microsoft.com/office/drawing/2014/main" id="{471C2136-9DD0-D267-3D8B-A8EE373D98E0}"/>
               </a:ext>
             </a:extLst>
           </p:cNvPr>
@@ -6206,7 +6355,7 @@
           <p:cNvPr id="4" name="Text Placeholder 3">
             <a:extLst>
               <a:ext uri="{FF2B5EF4-FFF2-40B4-BE49-F238E27FC236}">
-                <a16:creationId xmlns:a16="http://schemas.microsoft.com/office/drawing/2014/main" id="{7794BFF1-E7A0-748B-9321-5A00891D805A}"/>
+                <a16:creationId xmlns:a16="http://schemas.microsoft.com/office/drawing/2014/main" id="{B44DD88A-56DA-9FD9-78FF-2228D1EE0F97}"/>
               </a:ext>
             </a:extLst>
           </p:cNvPr>
@@ -6222,10 +6371,7 @@
           <a:bodyPr/>
           <a:lstStyle/>
           <a:p>
-            <a:r>
-              <a:rPr lang="en-US" dirty="0"/>
-              <a:t>Error correction?</a:t>
-            </a:r>
+            <a:endParaRPr lang="en-US"/>
           </a:p>
         </p:txBody>
       </p:sp>
@@ -6234,7 +6380,7 @@
           <p:cNvPr id="5" name="Slide Number Placeholder 4">
             <a:extLst>
               <a:ext uri="{FF2B5EF4-FFF2-40B4-BE49-F238E27FC236}">
-                <a16:creationId xmlns:a16="http://schemas.microsoft.com/office/drawing/2014/main" id="{5BDDAFA0-D6CE-5536-5E75-4528A2EC55BD}"/>
+                <a16:creationId xmlns:a16="http://schemas.microsoft.com/office/drawing/2014/main" id="{682D4168-ECD1-209B-6680-7551993E2135}"/>
               </a:ext>
             </a:extLst>
           </p:cNvPr>
@@ -6253,6 +6399,151 @@
             <a:fld id="{88B5220A-EB23-48F3-9FB6-FE2BFABBF45A}" type="slidenum">
               <a:rPr lang="en-US" smtClean="0"/>
               <a:t>16</a:t>
+            </a:fld>
+            <a:endParaRPr lang="en-US" dirty="0"/>
+          </a:p>
+        </p:txBody>
+      </p:sp>
+    </p:spTree>
+    <p:extLst>
+      <p:ext uri="{BB962C8B-B14F-4D97-AF65-F5344CB8AC3E}">
+        <p14:creationId xmlns:p14="http://schemas.microsoft.com/office/powerpoint/2010/main" val="3140182961"/>
+      </p:ext>
+    </p:extLst>
+  </p:cSld>
+  <p:clrMapOvr>
+    <a:masterClrMapping/>
+  </p:clrMapOvr>
+</p:sld>
+</file>
+
+<file path=ppt/slides/slide17.xml><?xml version="1.0" encoding="utf-8"?>
+<p:sld xmlns:a="http://schemas.openxmlformats.org/drawingml/2006/main" xmlns:r="http://schemas.openxmlformats.org/officeDocument/2006/relationships" xmlns:p="http://schemas.openxmlformats.org/presentationml/2006/main">
+  <p:cSld>
+    <p:spTree>
+      <p:nvGrpSpPr>
+        <p:cNvPr id="1" name=""/>
+        <p:cNvGrpSpPr/>
+        <p:nvPr/>
+      </p:nvGrpSpPr>
+      <p:grpSpPr>
+        <a:xfrm>
+          <a:off x="0" y="0"/>
+          <a:ext cx="0" cy="0"/>
+          <a:chOff x="0" y="0"/>
+          <a:chExt cx="0" cy="0"/>
+        </a:xfrm>
+      </p:grpSpPr>
+      <p:sp>
+        <p:nvSpPr>
+          <p:cNvPr id="2" name="Title 1">
+            <a:extLst>
+              <a:ext uri="{FF2B5EF4-FFF2-40B4-BE49-F238E27FC236}">
+                <a16:creationId xmlns:a16="http://schemas.microsoft.com/office/drawing/2014/main" id="{6799C4B2-C790-FB8B-4821-10F77E122C20}"/>
+              </a:ext>
+            </a:extLst>
+          </p:cNvPr>
+          <p:cNvSpPr>
+            <a:spLocks noGrp="1"/>
+          </p:cNvSpPr>
+          <p:nvPr>
+            <p:ph type="ctrTitle"/>
+          </p:nvPr>
+        </p:nvSpPr>
+        <p:spPr>
+          <a:xfrm>
+            <a:off x="1504670" y="437030"/>
+            <a:ext cx="9234309" cy="498598"/>
+          </a:xfrm>
+        </p:spPr>
+        <p:txBody>
+          <a:bodyPr/>
+          <a:lstStyle/>
+          <a:p>
+            <a:r>
+              <a:rPr lang="en-US" dirty="0"/>
+              <a:t>Future Plans</a:t>
+            </a:r>
+          </a:p>
+        </p:txBody>
+      </p:sp>
+      <p:sp>
+        <p:nvSpPr>
+          <p:cNvPr id="3" name="Subtitle 2">
+            <a:extLst>
+              <a:ext uri="{FF2B5EF4-FFF2-40B4-BE49-F238E27FC236}">
+                <a16:creationId xmlns:a16="http://schemas.microsoft.com/office/drawing/2014/main" id="{E03FFE2C-5D65-D6E4-2FE1-7A95922722D1}"/>
+              </a:ext>
+            </a:extLst>
+          </p:cNvPr>
+          <p:cNvSpPr>
+            <a:spLocks noGrp="1"/>
+          </p:cNvSpPr>
+          <p:nvPr>
+            <p:ph type="subTitle" idx="1"/>
+          </p:nvPr>
+        </p:nvSpPr>
+        <p:spPr/>
+        <p:txBody>
+          <a:bodyPr/>
+          <a:lstStyle/>
+          <a:p>
+            <a:endParaRPr lang="en-US"/>
+          </a:p>
+        </p:txBody>
+      </p:sp>
+      <p:sp>
+        <p:nvSpPr>
+          <p:cNvPr id="4" name="Text Placeholder 3">
+            <a:extLst>
+              <a:ext uri="{FF2B5EF4-FFF2-40B4-BE49-F238E27FC236}">
+                <a16:creationId xmlns:a16="http://schemas.microsoft.com/office/drawing/2014/main" id="{7794BFF1-E7A0-748B-9321-5A00891D805A}"/>
+              </a:ext>
+            </a:extLst>
+          </p:cNvPr>
+          <p:cNvSpPr>
+            <a:spLocks noGrp="1"/>
+          </p:cNvSpPr>
+          <p:nvPr>
+            <p:ph type="body" sz="quarter" idx="14"/>
+          </p:nvPr>
+        </p:nvSpPr>
+        <p:spPr/>
+        <p:txBody>
+          <a:bodyPr/>
+          <a:lstStyle/>
+          <a:p>
+            <a:r>
+              <a:rPr lang="en-US" dirty="0"/>
+              <a:t>Error correction?</a:t>
+            </a:r>
+          </a:p>
+        </p:txBody>
+      </p:sp>
+      <p:sp>
+        <p:nvSpPr>
+          <p:cNvPr id="5" name="Slide Number Placeholder 4">
+            <a:extLst>
+              <a:ext uri="{FF2B5EF4-FFF2-40B4-BE49-F238E27FC236}">
+                <a16:creationId xmlns:a16="http://schemas.microsoft.com/office/drawing/2014/main" id="{5BDDAFA0-D6CE-5536-5E75-4528A2EC55BD}"/>
+              </a:ext>
+            </a:extLst>
+          </p:cNvPr>
+          <p:cNvSpPr>
+            <a:spLocks noGrp="1"/>
+          </p:cNvSpPr>
+          <p:nvPr>
+            <p:ph type="sldNum" sz="quarter" idx="12"/>
+          </p:nvPr>
+        </p:nvSpPr>
+        <p:spPr/>
+        <p:txBody>
+          <a:bodyPr/>
+          <a:lstStyle/>
+          <a:p>
+            <a:fld id="{88B5220A-EB23-48F3-9FB6-FE2BFABBF45A}" type="slidenum">
+              <a:rPr lang="en-US" smtClean="0"/>
+              <a:t>17</a:t>
             </a:fld>
             <a:endParaRPr lang="en-US" dirty="0"/>
           </a:p>
@@ -7506,25 +7797,25 @@
           <a:p>
             <a:r>
               <a:rPr lang="en-US" dirty="0"/>
-              <a:t>Decoder</a:t>
-            </a:r>
-          </a:p>
-        </p:txBody>
-      </p:sp>
-      <p:sp>
-        <p:nvSpPr>
-          <p:cNvPr id="3" name="Subtitle 2">
-            <a:extLst>
-              <a:ext uri="{FF2B5EF4-FFF2-40B4-BE49-F238E27FC236}">
-                <a16:creationId xmlns:a16="http://schemas.microsoft.com/office/drawing/2014/main" id="{AAFDAFA0-3E56-3DAB-489D-7957F4267F94}"/>
-              </a:ext>
-            </a:extLst>
-          </p:cNvPr>
-          <p:cNvSpPr>
-            <a:spLocks noGrp="1"/>
-          </p:cNvSpPr>
-          <p:nvPr>
-            <p:ph type="subTitle" idx="1"/>
+              <a:t>Control Unit &amp; Decoder</a:t>
+            </a:r>
+          </a:p>
+        </p:txBody>
+      </p:sp>
+      <p:sp>
+        <p:nvSpPr>
+          <p:cNvPr id="4" name="Text Placeholder 3">
+            <a:extLst>
+              <a:ext uri="{FF2B5EF4-FFF2-40B4-BE49-F238E27FC236}">
+                <a16:creationId xmlns:a16="http://schemas.microsoft.com/office/drawing/2014/main" id="{B62F546F-4476-EF6C-AA50-BE88697CB197}"/>
+              </a:ext>
+            </a:extLst>
+          </p:cNvPr>
+          <p:cNvSpPr>
+            <a:spLocks noGrp="1"/>
+          </p:cNvSpPr>
+          <p:nvPr>
+            <p:ph type="body" sz="quarter" idx="14"/>
           </p:nvPr>
         </p:nvSpPr>
         <p:spPr/>
@@ -7532,32 +7823,7 @@
           <a:bodyPr/>
           <a:lstStyle/>
           <a:p>
-            <a:endParaRPr lang="en-US"/>
-          </a:p>
-        </p:txBody>
-      </p:sp>
-      <p:sp>
-        <p:nvSpPr>
-          <p:cNvPr id="4" name="Text Placeholder 3">
-            <a:extLst>
-              <a:ext uri="{FF2B5EF4-FFF2-40B4-BE49-F238E27FC236}">
-                <a16:creationId xmlns:a16="http://schemas.microsoft.com/office/drawing/2014/main" id="{B62F546F-4476-EF6C-AA50-BE88697CB197}"/>
-              </a:ext>
-            </a:extLst>
-          </p:cNvPr>
-          <p:cNvSpPr>
-            <a:spLocks noGrp="1"/>
-          </p:cNvSpPr>
-          <p:nvPr>
-            <p:ph type="body" sz="quarter" idx="14"/>
-          </p:nvPr>
-        </p:nvSpPr>
-        <p:spPr/>
-        <p:txBody>
-          <a:bodyPr/>
-          <a:lstStyle/>
-          <a:p>
-            <a:endParaRPr lang="en-US"/>
+            <a:endParaRPr lang="en-US" dirty="0"/>
           </a:p>
         </p:txBody>
       </p:sp>
@@ -7587,6 +7853,127 @@
               <a:t>8</a:t>
             </a:fld>
             <a:endParaRPr lang="en-US" dirty="0"/>
+          </a:p>
+        </p:txBody>
+      </p:sp>
+      <p:pic>
+        <p:nvPicPr>
+          <p:cNvPr id="11" name="Picture 10" descr="A group of papers on a white background&#10;&#10;Description automatically generated">
+            <a:extLst>
+              <a:ext uri="{FF2B5EF4-FFF2-40B4-BE49-F238E27FC236}">
+                <a16:creationId xmlns:a16="http://schemas.microsoft.com/office/drawing/2014/main" id="{075E3EF7-FA59-0EFF-56BD-53822C670C7E}"/>
+              </a:ext>
+            </a:extLst>
+          </p:cNvPr>
+          <p:cNvPicPr>
+            <a:picLocks noChangeAspect="1"/>
+          </p:cNvPicPr>
+          <p:nvPr/>
+        </p:nvPicPr>
+        <p:blipFill rotWithShape="1">
+          <a:blip r:embed="rId2">
+            <a:extLst>
+              <a:ext uri="{28A0092B-C50C-407E-A947-70E740481C1C}">
+                <a14:useLocalDpi xmlns:a14="http://schemas.microsoft.com/office/drawing/2010/main" val="0"/>
+              </a:ext>
+            </a:extLst>
+          </a:blip>
+          <a:srcRect r="17084"/>
+          <a:stretch/>
+        </p:blipFill>
+        <p:spPr>
+          <a:xfrm>
+            <a:off x="1041400" y="1161622"/>
+            <a:ext cx="10109200" cy="5104933"/>
+          </a:xfrm>
+          <a:prstGeom prst="rect">
+            <a:avLst/>
+          </a:prstGeom>
+        </p:spPr>
+      </p:pic>
+      <p:sp>
+        <p:nvSpPr>
+          <p:cNvPr id="12" name="TextBox 11">
+            <a:extLst>
+              <a:ext uri="{FF2B5EF4-FFF2-40B4-BE49-F238E27FC236}">
+                <a16:creationId xmlns:a16="http://schemas.microsoft.com/office/drawing/2014/main" id="{BBA208F1-2290-7B00-AB20-E02E8363C4F8}"/>
+              </a:ext>
+            </a:extLst>
+          </p:cNvPr>
+          <p:cNvSpPr txBox="1"/>
+          <p:nvPr/>
+        </p:nvSpPr>
+        <p:spPr>
+          <a:xfrm>
+            <a:off x="2362200" y="4324696"/>
+            <a:ext cx="2842953" cy="1477328"/>
+          </a:xfrm>
+          <a:prstGeom prst="rect">
+            <a:avLst/>
+          </a:prstGeom>
+          <a:noFill/>
+        </p:spPr>
+        <p:txBody>
+          <a:bodyPr wrap="square" rtlCol="0">
+            <a:spAutoFit/>
+          </a:bodyPr>
+          <a:lstStyle/>
+          <a:p>
+            <a:r>
+              <a:rPr lang="en-US" u="sng" dirty="0">
+                <a:latin typeface="Acumin Pro ExtraCondensed" panose="020B0508020202020204"/>
+              </a:rPr>
+              <a:t>Decoder:</a:t>
+            </a:r>
+          </a:p>
+          <a:p>
+            <a:r>
+              <a:rPr lang="en-US" dirty="0">
+                <a:latin typeface="Acumin Pro ExtraCondensed" panose="020B0508020202020204"/>
+              </a:rPr>
+              <a:t>Parse Instruction in to addresses, Opcodes, and data inputs to be used accordingly</a:t>
+            </a:r>
+          </a:p>
+        </p:txBody>
+      </p:sp>
+      <p:sp>
+        <p:nvSpPr>
+          <p:cNvPr id="13" name="TextBox 12">
+            <a:extLst>
+              <a:ext uri="{FF2B5EF4-FFF2-40B4-BE49-F238E27FC236}">
+                <a16:creationId xmlns:a16="http://schemas.microsoft.com/office/drawing/2014/main" id="{229424BE-3DFA-828D-5A92-E82305F4946A}"/>
+              </a:ext>
+            </a:extLst>
+          </p:cNvPr>
+          <p:cNvSpPr txBox="1"/>
+          <p:nvPr/>
+        </p:nvSpPr>
+        <p:spPr>
+          <a:xfrm>
+            <a:off x="9448800" y="4324696"/>
+            <a:ext cx="1701800" cy="1477328"/>
+          </a:xfrm>
+          <a:prstGeom prst="rect">
+            <a:avLst/>
+          </a:prstGeom>
+          <a:noFill/>
+        </p:spPr>
+        <p:txBody>
+          <a:bodyPr wrap="square" rtlCol="0">
+            <a:spAutoFit/>
+          </a:bodyPr>
+          <a:lstStyle/>
+          <a:p>
+            <a:r>
+              <a:rPr lang="en-US" u="sng" dirty="0"/>
+              <a:t>Control Unit:</a:t>
+            </a:r>
+          </a:p>
+          <a:p>
+            <a:r>
+              <a:rPr lang="en-US" dirty="0"/>
+              <a:t>Enable relevant control signals based on Opcode</a:t>
+            </a:r>
           </a:p>
         </p:txBody>
       </p:sp>
@@ -7625,7 +8012,7 @@
           <p:cNvPr id="2" name="Title 1">
             <a:extLst>
               <a:ext uri="{FF2B5EF4-FFF2-40B4-BE49-F238E27FC236}">
-                <a16:creationId xmlns:a16="http://schemas.microsoft.com/office/drawing/2014/main" id="{6346E85E-8D15-D4EB-CF18-9132EC62AC77}"/>
+                <a16:creationId xmlns:a16="http://schemas.microsoft.com/office/drawing/2014/main" id="{98D11EE6-CD64-BFFE-3125-1060BA2FB8B2}"/>
               </a:ext>
             </a:extLst>
           </p:cNvPr>
@@ -7648,58 +8035,8 @@
           <a:p>
             <a:r>
               <a:rPr lang="en-US" dirty="0"/>
-              <a:t>ALU</a:t>
-            </a:r>
-          </a:p>
-        </p:txBody>
-      </p:sp>
-      <p:sp>
-        <p:nvSpPr>
-          <p:cNvPr id="3" name="Subtitle 2">
-            <a:extLst>
-              <a:ext uri="{FF2B5EF4-FFF2-40B4-BE49-F238E27FC236}">
-                <a16:creationId xmlns:a16="http://schemas.microsoft.com/office/drawing/2014/main" id="{5B40D6B8-97AE-9397-3D32-EF0CF1737FFA}"/>
-              </a:ext>
-            </a:extLst>
-          </p:cNvPr>
-          <p:cNvSpPr>
-            <a:spLocks noGrp="1"/>
-          </p:cNvSpPr>
-          <p:nvPr>
-            <p:ph type="subTitle" idx="1"/>
-          </p:nvPr>
-        </p:nvSpPr>
-        <p:spPr/>
-        <p:txBody>
-          <a:bodyPr/>
-          <a:lstStyle/>
-          <a:p>
-            <a:endParaRPr lang="en-US"/>
-          </a:p>
-        </p:txBody>
-      </p:sp>
-      <p:sp>
-        <p:nvSpPr>
-          <p:cNvPr id="4" name="Text Placeholder 3">
-            <a:extLst>
-              <a:ext uri="{FF2B5EF4-FFF2-40B4-BE49-F238E27FC236}">
-                <a16:creationId xmlns:a16="http://schemas.microsoft.com/office/drawing/2014/main" id="{D9B79D28-048B-F636-E90A-160DCFE6618C}"/>
-              </a:ext>
-            </a:extLst>
-          </p:cNvPr>
-          <p:cNvSpPr>
-            <a:spLocks noGrp="1"/>
-          </p:cNvSpPr>
-          <p:nvPr>
-            <p:ph type="body" sz="quarter" idx="14"/>
-          </p:nvPr>
-        </p:nvSpPr>
-        <p:spPr/>
-        <p:txBody>
-          <a:bodyPr/>
-          <a:lstStyle/>
-          <a:p>
-            <a:endParaRPr lang="en-US"/>
+              <a:t>Immediate Generator</a:t>
+            </a:r>
           </a:p>
         </p:txBody>
       </p:sp>
@@ -7708,7 +8045,7 @@
           <p:cNvPr id="5" name="Slide Number Placeholder 4">
             <a:extLst>
               <a:ext uri="{FF2B5EF4-FFF2-40B4-BE49-F238E27FC236}">
-                <a16:creationId xmlns:a16="http://schemas.microsoft.com/office/drawing/2014/main" id="{9BCE14E6-F19C-7BB3-E487-D0FA7CFF54C1}"/>
+                <a16:creationId xmlns:a16="http://schemas.microsoft.com/office/drawing/2014/main" id="{9FD279C7-DC02-65E0-D816-A44F047AC0D9}"/>
               </a:ext>
             </a:extLst>
           </p:cNvPr>
@@ -7732,10 +8069,97 @@
           </a:p>
         </p:txBody>
       </p:sp>
+      <p:pic>
+        <p:nvPicPr>
+          <p:cNvPr id="7" name="Picture 6" descr="A close-up of a document&#10;&#10;Description automatically generated">
+            <a:extLst>
+              <a:ext uri="{FF2B5EF4-FFF2-40B4-BE49-F238E27FC236}">
+                <a16:creationId xmlns:a16="http://schemas.microsoft.com/office/drawing/2014/main" id="{C7B537E0-C12E-4217-765B-97698BDF5A83}"/>
+              </a:ext>
+            </a:extLst>
+          </p:cNvPr>
+          <p:cNvPicPr>
+            <a:picLocks noChangeAspect="1"/>
+          </p:cNvPicPr>
+          <p:nvPr/>
+        </p:nvPicPr>
+        <p:blipFill>
+          <a:blip r:embed="rId2">
+            <a:extLst>
+              <a:ext uri="{28A0092B-C50C-407E-A947-70E740481C1C}">
+                <a14:useLocalDpi xmlns:a14="http://schemas.microsoft.com/office/drawing/2010/main" val="0"/>
+              </a:ext>
+            </a:extLst>
+          </a:blip>
+          <a:stretch>
+            <a:fillRect/>
+          </a:stretch>
+        </p:blipFill>
+        <p:spPr>
+          <a:xfrm>
+            <a:off x="2458720" y="1177304"/>
+            <a:ext cx="7051040" cy="5504468"/>
+          </a:xfrm>
+          <a:prstGeom prst="rect">
+            <a:avLst/>
+          </a:prstGeom>
+        </p:spPr>
+      </p:pic>
+      <p:sp>
+        <p:nvSpPr>
+          <p:cNvPr id="8" name="TextBox 7">
+            <a:extLst>
+              <a:ext uri="{FF2B5EF4-FFF2-40B4-BE49-F238E27FC236}">
+                <a16:creationId xmlns:a16="http://schemas.microsoft.com/office/drawing/2014/main" id="{DB4F52F6-A419-64FA-2166-7DF59634EF32}"/>
+              </a:ext>
+            </a:extLst>
+          </p:cNvPr>
+          <p:cNvSpPr txBox="1"/>
+          <p:nvPr/>
+        </p:nvSpPr>
+        <p:spPr>
+          <a:xfrm>
+            <a:off x="7997565" y="1385099"/>
+            <a:ext cx="2842953" cy="1200329"/>
+          </a:xfrm>
+          <a:prstGeom prst="rect">
+            <a:avLst/>
+          </a:prstGeom>
+          <a:noFill/>
+        </p:spPr>
+        <p:txBody>
+          <a:bodyPr wrap="square" rtlCol="0">
+            <a:spAutoFit/>
+          </a:bodyPr>
+          <a:lstStyle/>
+          <a:p>
+            <a:r>
+              <a:rPr lang="en-US" u="sng" dirty="0" err="1">
+                <a:latin typeface="Acumin Pro ExtraCondensed" panose="020B0508020202020204"/>
+              </a:rPr>
+              <a:t>Imm</a:t>
+            </a:r>
+            <a:r>
+              <a:rPr lang="en-US" u="sng" dirty="0">
+                <a:latin typeface="Acumin Pro ExtraCondensed" panose="020B0508020202020204"/>
+              </a:rPr>
+              <a:t> Gen:</a:t>
+            </a:r>
+          </a:p>
+          <a:p>
+            <a:r>
+              <a:rPr lang="en-US" dirty="0">
+                <a:latin typeface="Acumin Pro ExtraCondensed" panose="020B0508020202020204"/>
+              </a:rPr>
+              <a:t>Generate Immediate values if necessary and send immediate values to ALU</a:t>
+            </a:r>
+          </a:p>
+        </p:txBody>
+      </p:sp>
     </p:spTree>
     <p:extLst>
       <p:ext uri="{BB962C8B-B14F-4D97-AF65-F5344CB8AC3E}">
-        <p14:creationId xmlns:p14="http://schemas.microsoft.com/office/powerpoint/2010/main" val="176491562"/>
+        <p14:creationId xmlns:p14="http://schemas.microsoft.com/office/powerpoint/2010/main" val="1969895698"/>
       </p:ext>
     </p:extLst>
   </p:cSld>

--- a/Project_Proposal.pptx
+++ b/Project_Proposal.pptx
@@ -5,10 +5,10 @@
     <p:sldMasterId id="2147483660" r:id="rId1"/>
   </p:sldMasterIdLst>
   <p:notesMasterIdLst>
-    <p:notesMasterId r:id="rId19"/>
+    <p:notesMasterId r:id="rId20"/>
   </p:notesMasterIdLst>
   <p:handoutMasterIdLst>
-    <p:handoutMasterId r:id="rId20"/>
+    <p:handoutMasterId r:id="rId21"/>
   </p:handoutMasterIdLst>
   <p:sldIdLst>
     <p:sldId id="256" r:id="rId2"/>
@@ -21,13 +21,14 @@
     <p:sldId id="328" r:id="rId9"/>
     <p:sldId id="340" r:id="rId10"/>
     <p:sldId id="329" r:id="rId11"/>
-    <p:sldId id="330" r:id="rId12"/>
-    <p:sldId id="331" r:id="rId13"/>
-    <p:sldId id="332" r:id="rId14"/>
-    <p:sldId id="339" r:id="rId15"/>
-    <p:sldId id="333" r:id="rId16"/>
-    <p:sldId id="335" r:id="rId17"/>
-    <p:sldId id="336" r:id="rId18"/>
+    <p:sldId id="341" r:id="rId12"/>
+    <p:sldId id="342" r:id="rId13"/>
+    <p:sldId id="330" r:id="rId14"/>
+    <p:sldId id="332" r:id="rId15"/>
+    <p:sldId id="339" r:id="rId16"/>
+    <p:sldId id="333" r:id="rId17"/>
+    <p:sldId id="335" r:id="rId18"/>
+    <p:sldId id="336" r:id="rId19"/>
   </p:sldIdLst>
   <p:sldSz cx="12192000" cy="6858000"/>
   <p:notesSz cx="6858000" cy="9144000"/>
@@ -141,8 +142,9 @@
             <p14:sldId id="328"/>
             <p14:sldId id="340"/>
             <p14:sldId id="329"/>
+            <p14:sldId id="341"/>
+            <p14:sldId id="342"/>
             <p14:sldId id="330"/>
-            <p14:sldId id="331"/>
             <p14:sldId id="332"/>
             <p14:sldId id="339"/>
             <p14:sldId id="333"/>
@@ -5494,7 +5496,7 @@
           <p:cNvPr id="2" name="Title 1">
             <a:extLst>
               <a:ext uri="{FF2B5EF4-FFF2-40B4-BE49-F238E27FC236}">
-                <a16:creationId xmlns:a16="http://schemas.microsoft.com/office/drawing/2014/main" id="{EB3F7B05-73DE-A491-5991-E04BBBC698CA}"/>
+                <a16:creationId xmlns:a16="http://schemas.microsoft.com/office/drawing/2014/main" id="{F15788A1-2A90-075C-0FD5-97BF4276DB6C}"/>
               </a:ext>
             </a:extLst>
           </p:cNvPr>
@@ -5527,7 +5529,7 @@
           <p:cNvPr id="3" name="Subtitle 2">
             <a:extLst>
               <a:ext uri="{FF2B5EF4-FFF2-40B4-BE49-F238E27FC236}">
-                <a16:creationId xmlns:a16="http://schemas.microsoft.com/office/drawing/2014/main" id="{AC823061-39AD-9D43-0432-59610A93A4A1}"/>
+                <a16:creationId xmlns:a16="http://schemas.microsoft.com/office/drawing/2014/main" id="{13643ECA-8A7C-9241-6882-E71BD1F12C44}"/>
               </a:ext>
             </a:extLst>
           </p:cNvPr>
@@ -5543,32 +5545,15 @@
           <a:bodyPr/>
           <a:lstStyle/>
           <a:p>
-            <a:endParaRPr lang="en-US"/>
-          </a:p>
-        </p:txBody>
-      </p:sp>
-      <p:sp>
-        <p:nvSpPr>
-          <p:cNvPr id="4" name="Text Placeholder 3">
-            <a:extLst>
-              <a:ext uri="{FF2B5EF4-FFF2-40B4-BE49-F238E27FC236}">
-                <a16:creationId xmlns:a16="http://schemas.microsoft.com/office/drawing/2014/main" id="{F2A18362-0849-C467-4293-A237B5A80012}"/>
-              </a:ext>
-            </a:extLst>
-          </p:cNvPr>
-          <p:cNvSpPr>
-            <a:spLocks noGrp="1"/>
-          </p:cNvSpPr>
-          <p:nvPr>
-            <p:ph type="body" sz="quarter" idx="14"/>
-          </p:nvPr>
-        </p:nvSpPr>
-        <p:spPr/>
-        <p:txBody>
-          <a:bodyPr/>
-          <a:lstStyle/>
-          <a:p>
-            <a:endParaRPr lang="en-US"/>
+            <a:r>
+              <a:rPr lang="en-US" dirty="0"/>
+              <a:t>Register RTL and </a:t>
+            </a:r>
+            <a:r>
+              <a:rPr lang="en-US" dirty="0" err="1"/>
+              <a:t>Psuedocode</a:t>
+            </a:r>
+            <a:endParaRPr lang="en-US" dirty="0"/>
           </a:p>
         </p:txBody>
       </p:sp>
@@ -5577,7 +5562,7 @@
           <p:cNvPr id="5" name="Slide Number Placeholder 4">
             <a:extLst>
               <a:ext uri="{FF2B5EF4-FFF2-40B4-BE49-F238E27FC236}">
-                <a16:creationId xmlns:a16="http://schemas.microsoft.com/office/drawing/2014/main" id="{2FCCDFDD-E919-B6ED-4B67-9F63171EB214}"/>
+                <a16:creationId xmlns:a16="http://schemas.microsoft.com/office/drawing/2014/main" id="{BD9C6C1B-2485-DA5C-E77A-5AE0B15EA8EE}"/>
               </a:ext>
             </a:extLst>
           </p:cNvPr>
@@ -5601,10 +5586,46 @@
           </a:p>
         </p:txBody>
       </p:sp>
+      <p:pic>
+        <p:nvPicPr>
+          <p:cNvPr id="7" name="Picture 6" descr="A screenshot of a computer program&#10;&#10;Description automatically generated">
+            <a:extLst>
+              <a:ext uri="{FF2B5EF4-FFF2-40B4-BE49-F238E27FC236}">
+                <a16:creationId xmlns:a16="http://schemas.microsoft.com/office/drawing/2014/main" id="{2F5C064D-A672-B3A3-274F-918C230D777A}"/>
+              </a:ext>
+            </a:extLst>
+          </p:cNvPr>
+          <p:cNvPicPr>
+            <a:picLocks noChangeAspect="1"/>
+          </p:cNvPicPr>
+          <p:nvPr/>
+        </p:nvPicPr>
+        <p:blipFill>
+          <a:blip r:embed="rId2">
+            <a:extLst>
+              <a:ext uri="{28A0092B-C50C-407E-A947-70E740481C1C}">
+                <a14:useLocalDpi xmlns:a14="http://schemas.microsoft.com/office/drawing/2010/main" val="0"/>
+              </a:ext>
+            </a:extLst>
+          </a:blip>
+          <a:stretch>
+            <a:fillRect/>
+          </a:stretch>
+        </p:blipFill>
+        <p:spPr>
+          <a:xfrm>
+            <a:off x="3173573" y="2096305"/>
+            <a:ext cx="5229031" cy="3982419"/>
+          </a:xfrm>
+          <a:prstGeom prst="rect">
+            <a:avLst/>
+          </a:prstGeom>
+        </p:spPr>
+      </p:pic>
     </p:spTree>
     <p:extLst>
       <p:ext uri="{BB962C8B-B14F-4D97-AF65-F5344CB8AC3E}">
-        <p14:creationId xmlns:p14="http://schemas.microsoft.com/office/powerpoint/2010/main" val="2869620282"/>
+        <p14:creationId xmlns:p14="http://schemas.microsoft.com/office/powerpoint/2010/main" val="962049510"/>
       </p:ext>
     </p:extLst>
   </p:cSld>
@@ -5659,7 +5680,7 @@
           <a:p>
             <a:r>
               <a:rPr lang="en-US" dirty="0"/>
-              <a:t>Memory</a:t>
+              <a:t>Registers</a:t>
             </a:r>
           </a:p>
         </p:txBody>
@@ -5685,7 +5706,10 @@
           <a:bodyPr/>
           <a:lstStyle/>
           <a:p>
-            <a:endParaRPr lang="en-US"/>
+            <a:r>
+              <a:rPr lang="en-US" dirty="0"/>
+              <a:t>Test Cases</a:t>
+            </a:r>
           </a:p>
         </p:txBody>
       </p:sp>
@@ -5710,7 +5734,65 @@
           <a:bodyPr/>
           <a:lstStyle/>
           <a:p>
-            <a:endParaRPr lang="en-US"/>
+            <a:r>
+              <a:rPr lang="en-US" dirty="0"/>
+              <a:t>Reset: check all registers are set to 0</a:t>
+            </a:r>
+          </a:p>
+          <a:p>
+            <a:r>
+              <a:rPr lang="en-US" dirty="0"/>
+              <a:t>With </a:t>
+            </a:r>
+            <a:r>
+              <a:rPr lang="en-US" dirty="0" err="1"/>
+              <a:t>write_enable</a:t>
+            </a:r>
+            <a:r>
+              <a:rPr lang="en-US" dirty="0"/>
+              <a:t> off, try writing  register: should be no change</a:t>
+            </a:r>
+          </a:p>
+          <a:p>
+            <a:r>
+              <a:rPr lang="en-US" dirty="0"/>
+              <a:t>With </a:t>
+            </a:r>
+            <a:r>
+              <a:rPr lang="en-US" dirty="0" err="1"/>
+              <a:t>write_enable</a:t>
+            </a:r>
+            <a:r>
+              <a:rPr lang="en-US" dirty="0"/>
+              <a:t> on, try writing to a register: check for correct value</a:t>
+            </a:r>
+          </a:p>
+          <a:p>
+            <a:r>
+              <a:rPr lang="en-US" dirty="0"/>
+              <a:t>Write random values to all registers, try reading all registers: check </a:t>
+            </a:r>
+            <a:r>
+              <a:rPr lang="en-US" dirty="0" err="1"/>
+              <a:t>data_read</a:t>
+            </a:r>
+            <a:r>
+              <a:rPr lang="en-US" dirty="0"/>
+              <a:t> is correct</a:t>
+            </a:r>
+          </a:p>
+          <a:p>
+            <a:pPr lvl="1"/>
+            <a:r>
+              <a:rPr lang="en-US" dirty="0"/>
+              <a:t>Do twice</a:t>
+            </a:r>
+          </a:p>
+          <a:p>
+            <a:r>
+              <a:rPr lang="en-US" dirty="0"/>
+              <a:t>Reset check again</a:t>
+            </a:r>
           </a:p>
         </p:txBody>
       </p:sp>
@@ -5743,10 +5825,46 @@
           </a:p>
         </p:txBody>
       </p:sp>
+      <p:pic>
+        <p:nvPicPr>
+          <p:cNvPr id="6" name="Picture 5" descr="A screenshot of a computer program&#10;&#10;Description automatically generated">
+            <a:extLst>
+              <a:ext uri="{FF2B5EF4-FFF2-40B4-BE49-F238E27FC236}">
+                <a16:creationId xmlns:a16="http://schemas.microsoft.com/office/drawing/2014/main" id="{3FE90927-5BAB-2661-0012-59DAD3BC8173}"/>
+              </a:ext>
+            </a:extLst>
+          </p:cNvPr>
+          <p:cNvPicPr>
+            <a:picLocks noChangeAspect="1"/>
+          </p:cNvPicPr>
+          <p:nvPr/>
+        </p:nvPicPr>
+        <p:blipFill>
+          <a:blip r:embed="rId2">
+            <a:extLst>
+              <a:ext uri="{28A0092B-C50C-407E-A947-70E740481C1C}">
+                <a14:useLocalDpi xmlns:a14="http://schemas.microsoft.com/office/drawing/2010/main" val="0"/>
+              </a:ext>
+            </a:extLst>
+          </a:blip>
+          <a:stretch>
+            <a:fillRect/>
+          </a:stretch>
+        </p:blipFill>
+        <p:spPr>
+          <a:xfrm>
+            <a:off x="8218857" y="3889244"/>
+            <a:ext cx="3780686" cy="2879363"/>
+          </a:xfrm>
+          <a:prstGeom prst="rect">
+            <a:avLst/>
+          </a:prstGeom>
+        </p:spPr>
+      </p:pic>
     </p:spTree>
     <p:extLst>
       <p:ext uri="{BB962C8B-B14F-4D97-AF65-F5344CB8AC3E}">
-        <p14:creationId xmlns:p14="http://schemas.microsoft.com/office/powerpoint/2010/main" val="4006611505"/>
+        <p14:creationId xmlns:p14="http://schemas.microsoft.com/office/powerpoint/2010/main" val="46302471"/>
       </p:ext>
     </p:extLst>
   </p:cSld>
@@ -5778,7 +5896,7 @@
           <p:cNvPr id="2" name="Title 1">
             <a:extLst>
               <a:ext uri="{FF2B5EF4-FFF2-40B4-BE49-F238E27FC236}">
-                <a16:creationId xmlns:a16="http://schemas.microsoft.com/office/drawing/2014/main" id="{D1F6CC05-1F31-0C88-333C-5026AF10D397}"/>
+                <a16:creationId xmlns:a16="http://schemas.microsoft.com/office/drawing/2014/main" id="{EB3F7B05-73DE-A491-5991-E04BBBC698CA}"/>
               </a:ext>
             </a:extLst>
           </p:cNvPr>
@@ -5801,7 +5919,7 @@
           <a:p>
             <a:r>
               <a:rPr lang="en-US" dirty="0"/>
-              <a:t>Program Counter</a:t>
+              <a:t>Memory</a:t>
             </a:r>
           </a:p>
         </p:txBody>
@@ -5811,7 +5929,7 @@
           <p:cNvPr id="3" name="Subtitle 2">
             <a:extLst>
               <a:ext uri="{FF2B5EF4-FFF2-40B4-BE49-F238E27FC236}">
-                <a16:creationId xmlns:a16="http://schemas.microsoft.com/office/drawing/2014/main" id="{069353A1-7076-B958-432E-9B8FD5750AE7}"/>
+                <a16:creationId xmlns:a16="http://schemas.microsoft.com/office/drawing/2014/main" id="{AC823061-39AD-9D43-0432-59610A93A4A1}"/>
               </a:ext>
             </a:extLst>
           </p:cNvPr>
@@ -5827,10 +5945,32 @@
           <a:bodyPr/>
           <a:lstStyle/>
           <a:p>
-            <a:r>
-              <a:rPr lang="en-US" dirty="0"/>
-              <a:t>RTL Diagram and Input/Output</a:t>
-            </a:r>
+            <a:endParaRPr lang="en-US"/>
+          </a:p>
+        </p:txBody>
+      </p:sp>
+      <p:sp>
+        <p:nvSpPr>
+          <p:cNvPr id="4" name="Text Placeholder 3">
+            <a:extLst>
+              <a:ext uri="{FF2B5EF4-FFF2-40B4-BE49-F238E27FC236}">
+                <a16:creationId xmlns:a16="http://schemas.microsoft.com/office/drawing/2014/main" id="{F2A18362-0849-C467-4293-A237B5A80012}"/>
+              </a:ext>
+            </a:extLst>
+          </p:cNvPr>
+          <p:cNvSpPr>
+            <a:spLocks noGrp="1"/>
+          </p:cNvSpPr>
+          <p:nvPr>
+            <p:ph type="body" sz="quarter" idx="14"/>
+          </p:nvPr>
+        </p:nvSpPr>
+        <p:spPr/>
+        <p:txBody>
+          <a:bodyPr/>
+          <a:lstStyle/>
+          <a:p>
+            <a:endParaRPr lang="en-US"/>
           </a:p>
         </p:txBody>
       </p:sp>
@@ -5839,7 +5979,7 @@
           <p:cNvPr id="5" name="Slide Number Placeholder 4">
             <a:extLst>
               <a:ext uri="{FF2B5EF4-FFF2-40B4-BE49-F238E27FC236}">
-                <a16:creationId xmlns:a16="http://schemas.microsoft.com/office/drawing/2014/main" id="{A896B40E-DC06-49BF-BFD3-304517BB06A3}"/>
+                <a16:creationId xmlns:a16="http://schemas.microsoft.com/office/drawing/2014/main" id="{2FCCDFDD-E919-B6ED-4B67-9F63171EB214}"/>
               </a:ext>
             </a:extLst>
           </p:cNvPr>
@@ -5863,80 +6003,10 @@
           </a:p>
         </p:txBody>
       </p:sp>
-      <p:pic>
-        <p:nvPicPr>
-          <p:cNvPr id="9" name="Picture 8" descr="A black and white screen with white text&#10;&#10;Description automatically generated">
-            <a:extLst>
-              <a:ext uri="{FF2B5EF4-FFF2-40B4-BE49-F238E27FC236}">
-                <a16:creationId xmlns:a16="http://schemas.microsoft.com/office/drawing/2014/main" id="{602A898A-4DC4-D63A-A6B4-668E5E561D40}"/>
-              </a:ext>
-            </a:extLst>
-          </p:cNvPr>
-          <p:cNvPicPr>
-            <a:picLocks noChangeAspect="1"/>
-          </p:cNvPicPr>
-          <p:nvPr/>
-        </p:nvPicPr>
-        <p:blipFill rotWithShape="1">
-          <a:blip r:embed="rId2">
-            <a:extLst>
-              <a:ext uri="{28A0092B-C50C-407E-A947-70E740481C1C}">
-                <a14:useLocalDpi xmlns:a14="http://schemas.microsoft.com/office/drawing/2010/main" val="0"/>
-              </a:ext>
-            </a:extLst>
-          </a:blip>
-          <a:srcRect l="51863" b="55404"/>
-          <a:stretch/>
-        </p:blipFill>
-        <p:spPr>
-          <a:xfrm>
-            <a:off x="1259633" y="2763923"/>
-            <a:ext cx="4259521" cy="2425474"/>
-          </a:xfrm>
-          <a:prstGeom prst="rect">
-            <a:avLst/>
-          </a:prstGeom>
-        </p:spPr>
-      </p:pic>
-      <p:pic>
-        <p:nvPicPr>
-          <p:cNvPr id="10" name="Picture 9" descr="A black and white screen with white text&#10;&#10;Description automatically generated">
-            <a:extLst>
-              <a:ext uri="{FF2B5EF4-FFF2-40B4-BE49-F238E27FC236}">
-                <a16:creationId xmlns:a16="http://schemas.microsoft.com/office/drawing/2014/main" id="{0C30E131-177D-F6B8-0AE8-D5CF155B5289}"/>
-              </a:ext>
-            </a:extLst>
-          </p:cNvPr>
-          <p:cNvPicPr>
-            <a:picLocks noChangeAspect="1"/>
-          </p:cNvPicPr>
-          <p:nvPr/>
-        </p:nvPicPr>
-        <p:blipFill rotWithShape="1">
-          <a:blip r:embed="rId2">
-            <a:extLst>
-              <a:ext uri="{28A0092B-C50C-407E-A947-70E740481C1C}">
-                <a14:useLocalDpi xmlns:a14="http://schemas.microsoft.com/office/drawing/2010/main" val="0"/>
-              </a:ext>
-            </a:extLst>
-          </a:blip>
-          <a:srcRect t="27955" r="77451" b="39963"/>
-          <a:stretch/>
-        </p:blipFill>
-        <p:spPr>
-          <a:xfrm>
-            <a:off x="6875008" y="2728679"/>
-            <a:ext cx="1995294" cy="1744825"/>
-          </a:xfrm>
-          <a:prstGeom prst="rect">
-            <a:avLst/>
-          </a:prstGeom>
-        </p:spPr>
-      </p:pic>
     </p:spTree>
     <p:extLst>
       <p:ext uri="{BB962C8B-B14F-4D97-AF65-F5344CB8AC3E}">
-        <p14:creationId xmlns:p14="http://schemas.microsoft.com/office/powerpoint/2010/main" val="1617301959"/>
+        <p14:creationId xmlns:p14="http://schemas.microsoft.com/office/powerpoint/2010/main" val="2869620282"/>
       </p:ext>
     </p:extLst>
   </p:cSld>
@@ -6019,7 +6089,7 @@
           <a:p>
             <a:r>
               <a:rPr lang="en-US" dirty="0"/>
-              <a:t>Logic and Test Cases</a:t>
+              <a:t>RTL Diagram and Input/Output</a:t>
             </a:r>
           </a:p>
         </p:txBody>
@@ -6055,10 +6125,10 @@
       </p:sp>
       <p:pic>
         <p:nvPicPr>
-          <p:cNvPr id="4" name="Picture 3" descr="A black and white screen with white text&#10;&#10;Description automatically generated">
-            <a:extLst>
-              <a:ext uri="{FF2B5EF4-FFF2-40B4-BE49-F238E27FC236}">
-                <a16:creationId xmlns:a16="http://schemas.microsoft.com/office/drawing/2014/main" id="{25367EB2-360C-B712-60AE-079171120897}"/>
+          <p:cNvPr id="9" name="Picture 8" descr="A black and white screen with white text&#10;&#10;Description automatically generated">
+            <a:extLst>
+              <a:ext uri="{FF2B5EF4-FFF2-40B4-BE49-F238E27FC236}">
+                <a16:creationId xmlns:a16="http://schemas.microsoft.com/office/drawing/2014/main" id="{602A898A-4DC4-D63A-A6B4-668E5E561D40}"/>
               </a:ext>
             </a:extLst>
           </p:cNvPr>
@@ -6075,13 +6145,13 @@
               </a:ext>
             </a:extLst>
           </a:blip>
-          <a:srcRect t="63467" r="30844"/>
+          <a:srcRect l="51863" b="55404"/>
           <a:stretch/>
         </p:blipFill>
         <p:spPr>
           <a:xfrm>
-            <a:off x="1067822" y="2096305"/>
-            <a:ext cx="10056355" cy="3265228"/>
+            <a:off x="1259633" y="2763923"/>
+            <a:ext cx="4259521" cy="2425474"/>
           </a:xfrm>
           <a:prstGeom prst="rect">
             <a:avLst/>
@@ -6090,10 +6160,10 @@
       </p:pic>
       <p:pic>
         <p:nvPicPr>
-          <p:cNvPr id="7" name="Picture 6">
-            <a:extLst>
-              <a:ext uri="{FF2B5EF4-FFF2-40B4-BE49-F238E27FC236}">
-                <a16:creationId xmlns:a16="http://schemas.microsoft.com/office/drawing/2014/main" id="{D6CA6F6B-57FF-1C2B-3B06-D79B575C3413}"/>
+          <p:cNvPr id="10" name="Picture 9" descr="A black and white screen with white text&#10;&#10;Description automatically generated">
+            <a:extLst>
+              <a:ext uri="{FF2B5EF4-FFF2-40B4-BE49-F238E27FC236}">
+                <a16:creationId xmlns:a16="http://schemas.microsoft.com/office/drawing/2014/main" id="{0C30E131-177D-F6B8-0AE8-D5CF155B5289}"/>
               </a:ext>
             </a:extLst>
           </p:cNvPr>
@@ -6103,14 +6173,20 @@
           <p:nvPr/>
         </p:nvPicPr>
         <p:blipFill rotWithShape="1">
-          <a:blip r:embed="rId3"/>
-          <a:srcRect l="2457" t="5161" r="1322" b="2363"/>
+          <a:blip r:embed="rId2">
+            <a:extLst>
+              <a:ext uri="{28A0092B-C50C-407E-A947-70E740481C1C}">
+                <a14:useLocalDpi xmlns:a14="http://schemas.microsoft.com/office/drawing/2010/main" val="0"/>
+              </a:ext>
+            </a:extLst>
+          </a:blip>
+          <a:srcRect t="27955" r="77451" b="39963"/>
           <a:stretch/>
         </p:blipFill>
         <p:spPr>
           <a:xfrm>
-            <a:off x="1067822" y="1831490"/>
-            <a:ext cx="4595860" cy="4019812"/>
+            <a:off x="6875008" y="2728679"/>
+            <a:ext cx="1995294" cy="1744825"/>
           </a:xfrm>
           <a:prstGeom prst="rect">
             <a:avLst/>
@@ -6120,7 +6196,7 @@
     </p:spTree>
     <p:extLst>
       <p:ext uri="{BB962C8B-B14F-4D97-AF65-F5344CB8AC3E}">
-        <p14:creationId xmlns:p14="http://schemas.microsoft.com/office/powerpoint/2010/main" val="3391675750"/>
+        <p14:creationId xmlns:p14="http://schemas.microsoft.com/office/powerpoint/2010/main" val="1617301959"/>
       </p:ext>
     </p:extLst>
   </p:cSld>
@@ -6152,7 +6228,7 @@
           <p:cNvPr id="2" name="Title 1">
             <a:extLst>
               <a:ext uri="{FF2B5EF4-FFF2-40B4-BE49-F238E27FC236}">
-                <a16:creationId xmlns:a16="http://schemas.microsoft.com/office/drawing/2014/main" id="{EEAF6D0A-7814-2A94-F47A-3ECC7B8EDE59}"/>
+                <a16:creationId xmlns:a16="http://schemas.microsoft.com/office/drawing/2014/main" id="{D1F6CC05-1F31-0C88-333C-5026AF10D397}"/>
               </a:ext>
             </a:extLst>
           </p:cNvPr>
@@ -6175,7 +6251,7 @@
           <a:p>
             <a:r>
               <a:rPr lang="en-US" dirty="0"/>
-              <a:t>Peripherals</a:t>
+              <a:t>Program Counter</a:t>
             </a:r>
           </a:p>
         </p:txBody>
@@ -6185,7 +6261,7 @@
           <p:cNvPr id="3" name="Subtitle 2">
             <a:extLst>
               <a:ext uri="{FF2B5EF4-FFF2-40B4-BE49-F238E27FC236}">
-                <a16:creationId xmlns:a16="http://schemas.microsoft.com/office/drawing/2014/main" id="{FFF467C2-55D2-EC86-825B-16EBAE111702}"/>
+                <a16:creationId xmlns:a16="http://schemas.microsoft.com/office/drawing/2014/main" id="{069353A1-7076-B958-432E-9B8FD5750AE7}"/>
               </a:ext>
             </a:extLst>
           </p:cNvPr>
@@ -6201,35 +6277,10 @@
           <a:bodyPr/>
           <a:lstStyle/>
           <a:p>
-            <a:endParaRPr lang="en-US"/>
-          </a:p>
-        </p:txBody>
-      </p:sp>
-      <p:sp>
-        <p:nvSpPr>
-          <p:cNvPr id="4" name="Text Placeholder 3">
-            <a:extLst>
-              <a:ext uri="{FF2B5EF4-FFF2-40B4-BE49-F238E27FC236}">
-                <a16:creationId xmlns:a16="http://schemas.microsoft.com/office/drawing/2014/main" id="{5DF050C2-2C1C-78CA-C656-82D41545CD8E}"/>
-              </a:ext>
-            </a:extLst>
-          </p:cNvPr>
-          <p:cNvSpPr>
-            <a:spLocks noGrp="1"/>
-          </p:cNvSpPr>
-          <p:nvPr>
-            <p:ph type="body" sz="quarter" idx="14"/>
-          </p:nvPr>
-        </p:nvSpPr>
-        <p:spPr/>
-        <p:txBody>
-          <a:bodyPr/>
-          <a:lstStyle/>
-          <a:p>
-            <a:pPr marL="0" indent="0">
-              <a:buNone/>
-            </a:pPr>
-            <a:endParaRPr lang="en-US" dirty="0"/>
+            <a:r>
+              <a:rPr lang="en-US" dirty="0"/>
+              <a:t>Logic and Test Cases</a:t>
+            </a:r>
           </a:p>
         </p:txBody>
       </p:sp>
@@ -6238,7 +6289,7 @@
           <p:cNvPr id="5" name="Slide Number Placeholder 4">
             <a:extLst>
               <a:ext uri="{FF2B5EF4-FFF2-40B4-BE49-F238E27FC236}">
-                <a16:creationId xmlns:a16="http://schemas.microsoft.com/office/drawing/2014/main" id="{D098254D-9CED-6343-6D6F-6FF0B8DDD786}"/>
+                <a16:creationId xmlns:a16="http://schemas.microsoft.com/office/drawing/2014/main" id="{A896B40E-DC06-49BF-BFD3-304517BB06A3}"/>
               </a:ext>
             </a:extLst>
           </p:cNvPr>
@@ -6262,10 +6313,74 @@
           </a:p>
         </p:txBody>
       </p:sp>
+      <p:pic>
+        <p:nvPicPr>
+          <p:cNvPr id="4" name="Picture 3" descr="A black and white screen with white text&#10;&#10;Description automatically generated">
+            <a:extLst>
+              <a:ext uri="{FF2B5EF4-FFF2-40B4-BE49-F238E27FC236}">
+                <a16:creationId xmlns:a16="http://schemas.microsoft.com/office/drawing/2014/main" id="{25367EB2-360C-B712-60AE-079171120897}"/>
+              </a:ext>
+            </a:extLst>
+          </p:cNvPr>
+          <p:cNvPicPr>
+            <a:picLocks noChangeAspect="1"/>
+          </p:cNvPicPr>
+          <p:nvPr/>
+        </p:nvPicPr>
+        <p:blipFill rotWithShape="1">
+          <a:blip r:embed="rId2">
+            <a:extLst>
+              <a:ext uri="{28A0092B-C50C-407E-A947-70E740481C1C}">
+                <a14:useLocalDpi xmlns:a14="http://schemas.microsoft.com/office/drawing/2010/main" val="0"/>
+              </a:ext>
+            </a:extLst>
+          </a:blip>
+          <a:srcRect t="63467" r="30844"/>
+          <a:stretch/>
+        </p:blipFill>
+        <p:spPr>
+          <a:xfrm>
+            <a:off x="1067822" y="2096305"/>
+            <a:ext cx="10056355" cy="3265228"/>
+          </a:xfrm>
+          <a:prstGeom prst="rect">
+            <a:avLst/>
+          </a:prstGeom>
+        </p:spPr>
+      </p:pic>
+      <p:pic>
+        <p:nvPicPr>
+          <p:cNvPr id="7" name="Picture 6">
+            <a:extLst>
+              <a:ext uri="{FF2B5EF4-FFF2-40B4-BE49-F238E27FC236}">
+                <a16:creationId xmlns:a16="http://schemas.microsoft.com/office/drawing/2014/main" id="{D6CA6F6B-57FF-1C2B-3B06-D79B575C3413}"/>
+              </a:ext>
+            </a:extLst>
+          </p:cNvPr>
+          <p:cNvPicPr>
+            <a:picLocks noChangeAspect="1"/>
+          </p:cNvPicPr>
+          <p:nvPr/>
+        </p:nvPicPr>
+        <p:blipFill rotWithShape="1">
+          <a:blip r:embed="rId3"/>
+          <a:srcRect l="2457" t="5161" r="1322" b="2363"/>
+          <a:stretch/>
+        </p:blipFill>
+        <p:spPr>
+          <a:xfrm>
+            <a:off x="1067822" y="1831490"/>
+            <a:ext cx="4595860" cy="4019812"/>
+          </a:xfrm>
+          <a:prstGeom prst="rect">
+            <a:avLst/>
+          </a:prstGeom>
+        </p:spPr>
+      </p:pic>
     </p:spTree>
     <p:extLst>
       <p:ext uri="{BB962C8B-B14F-4D97-AF65-F5344CB8AC3E}">
-        <p14:creationId xmlns:p14="http://schemas.microsoft.com/office/powerpoint/2010/main" val="673691625"/>
+        <p14:creationId xmlns:p14="http://schemas.microsoft.com/office/powerpoint/2010/main" val="3391675750"/>
       </p:ext>
     </p:extLst>
   </p:cSld>
@@ -6297,7 +6412,7 @@
           <p:cNvPr id="2" name="Title 1">
             <a:extLst>
               <a:ext uri="{FF2B5EF4-FFF2-40B4-BE49-F238E27FC236}">
-                <a16:creationId xmlns:a16="http://schemas.microsoft.com/office/drawing/2014/main" id="{84E2E6AF-4C46-F611-0830-0584094CF72D}"/>
+                <a16:creationId xmlns:a16="http://schemas.microsoft.com/office/drawing/2014/main" id="{EEAF6D0A-7814-2A94-F47A-3ECC7B8EDE59}"/>
               </a:ext>
             </a:extLst>
           </p:cNvPr>
@@ -6320,7 +6435,7 @@
           <a:p>
             <a:r>
               <a:rPr lang="en-US" dirty="0"/>
-              <a:t>Expected Obstacles</a:t>
+              <a:t>Peripherals</a:t>
             </a:r>
           </a:p>
         </p:txBody>
@@ -6330,7 +6445,7 @@
           <p:cNvPr id="3" name="Subtitle 2">
             <a:extLst>
               <a:ext uri="{FF2B5EF4-FFF2-40B4-BE49-F238E27FC236}">
-                <a16:creationId xmlns:a16="http://schemas.microsoft.com/office/drawing/2014/main" id="{471C2136-9DD0-D267-3D8B-A8EE373D98E0}"/>
+                <a16:creationId xmlns:a16="http://schemas.microsoft.com/office/drawing/2014/main" id="{FFF467C2-55D2-EC86-825B-16EBAE111702}"/>
               </a:ext>
             </a:extLst>
           </p:cNvPr>
@@ -6355,7 +6470,7 @@
           <p:cNvPr id="4" name="Text Placeholder 3">
             <a:extLst>
               <a:ext uri="{FF2B5EF4-FFF2-40B4-BE49-F238E27FC236}">
-                <a16:creationId xmlns:a16="http://schemas.microsoft.com/office/drawing/2014/main" id="{B44DD88A-56DA-9FD9-78FF-2228D1EE0F97}"/>
+                <a16:creationId xmlns:a16="http://schemas.microsoft.com/office/drawing/2014/main" id="{5DF050C2-2C1C-78CA-C656-82D41545CD8E}"/>
               </a:ext>
             </a:extLst>
           </p:cNvPr>
@@ -6371,7 +6486,10 @@
           <a:bodyPr/>
           <a:lstStyle/>
           <a:p>
-            <a:endParaRPr lang="en-US"/>
+            <a:pPr marL="0" indent="0">
+              <a:buNone/>
+            </a:pPr>
+            <a:endParaRPr lang="en-US" dirty="0"/>
           </a:p>
         </p:txBody>
       </p:sp>
@@ -6380,7 +6498,7 @@
           <p:cNvPr id="5" name="Slide Number Placeholder 4">
             <a:extLst>
               <a:ext uri="{FF2B5EF4-FFF2-40B4-BE49-F238E27FC236}">
-                <a16:creationId xmlns:a16="http://schemas.microsoft.com/office/drawing/2014/main" id="{682D4168-ECD1-209B-6680-7551993E2135}"/>
+                <a16:creationId xmlns:a16="http://schemas.microsoft.com/office/drawing/2014/main" id="{D098254D-9CED-6343-6D6F-6FF0B8DDD786}"/>
               </a:ext>
             </a:extLst>
           </p:cNvPr>
@@ -6407,7 +6525,7 @@
     </p:spTree>
     <p:extLst>
       <p:ext uri="{BB962C8B-B14F-4D97-AF65-F5344CB8AC3E}">
-        <p14:creationId xmlns:p14="http://schemas.microsoft.com/office/powerpoint/2010/main" val="3140182961"/>
+        <p14:creationId xmlns:p14="http://schemas.microsoft.com/office/powerpoint/2010/main" val="673691625"/>
       </p:ext>
     </p:extLst>
   </p:cSld>
@@ -6439,7 +6557,7 @@
           <p:cNvPr id="2" name="Title 1">
             <a:extLst>
               <a:ext uri="{FF2B5EF4-FFF2-40B4-BE49-F238E27FC236}">
-                <a16:creationId xmlns:a16="http://schemas.microsoft.com/office/drawing/2014/main" id="{6799C4B2-C790-FB8B-4821-10F77E122C20}"/>
+                <a16:creationId xmlns:a16="http://schemas.microsoft.com/office/drawing/2014/main" id="{84E2E6AF-4C46-F611-0830-0584094CF72D}"/>
               </a:ext>
             </a:extLst>
           </p:cNvPr>
@@ -6462,7 +6580,7 @@
           <a:p>
             <a:r>
               <a:rPr lang="en-US" dirty="0"/>
-              <a:t>Future Plans</a:t>
+              <a:t>Expected Obstacles</a:t>
             </a:r>
           </a:p>
         </p:txBody>
@@ -6472,7 +6590,7 @@
           <p:cNvPr id="3" name="Subtitle 2">
             <a:extLst>
               <a:ext uri="{FF2B5EF4-FFF2-40B4-BE49-F238E27FC236}">
-                <a16:creationId xmlns:a16="http://schemas.microsoft.com/office/drawing/2014/main" id="{E03FFE2C-5D65-D6E4-2FE1-7A95922722D1}"/>
+                <a16:creationId xmlns:a16="http://schemas.microsoft.com/office/drawing/2014/main" id="{471C2136-9DD0-D267-3D8B-A8EE373D98E0}"/>
               </a:ext>
             </a:extLst>
           </p:cNvPr>
@@ -6497,7 +6615,7 @@
           <p:cNvPr id="4" name="Text Placeholder 3">
             <a:extLst>
               <a:ext uri="{FF2B5EF4-FFF2-40B4-BE49-F238E27FC236}">
-                <a16:creationId xmlns:a16="http://schemas.microsoft.com/office/drawing/2014/main" id="{7794BFF1-E7A0-748B-9321-5A00891D805A}"/>
+                <a16:creationId xmlns:a16="http://schemas.microsoft.com/office/drawing/2014/main" id="{B44DD88A-56DA-9FD9-78FF-2228D1EE0F97}"/>
               </a:ext>
             </a:extLst>
           </p:cNvPr>
@@ -6513,10 +6631,7 @@
           <a:bodyPr/>
           <a:lstStyle/>
           <a:p>
-            <a:r>
-              <a:rPr lang="en-US" dirty="0"/>
-              <a:t>Error correction?</a:t>
-            </a:r>
+            <a:endParaRPr lang="en-US"/>
           </a:p>
         </p:txBody>
       </p:sp>
@@ -6525,7 +6640,7 @@
           <p:cNvPr id="5" name="Slide Number Placeholder 4">
             <a:extLst>
               <a:ext uri="{FF2B5EF4-FFF2-40B4-BE49-F238E27FC236}">
-                <a16:creationId xmlns:a16="http://schemas.microsoft.com/office/drawing/2014/main" id="{5BDDAFA0-D6CE-5536-5E75-4528A2EC55BD}"/>
+                <a16:creationId xmlns:a16="http://schemas.microsoft.com/office/drawing/2014/main" id="{682D4168-ECD1-209B-6680-7551993E2135}"/>
               </a:ext>
             </a:extLst>
           </p:cNvPr>
@@ -6544,6 +6659,151 @@
             <a:fld id="{88B5220A-EB23-48F3-9FB6-FE2BFABBF45A}" type="slidenum">
               <a:rPr lang="en-US" smtClean="0"/>
               <a:t>17</a:t>
+            </a:fld>
+            <a:endParaRPr lang="en-US" dirty="0"/>
+          </a:p>
+        </p:txBody>
+      </p:sp>
+    </p:spTree>
+    <p:extLst>
+      <p:ext uri="{BB962C8B-B14F-4D97-AF65-F5344CB8AC3E}">
+        <p14:creationId xmlns:p14="http://schemas.microsoft.com/office/powerpoint/2010/main" val="3140182961"/>
+      </p:ext>
+    </p:extLst>
+  </p:cSld>
+  <p:clrMapOvr>
+    <a:masterClrMapping/>
+  </p:clrMapOvr>
+</p:sld>
+</file>
+
+<file path=ppt/slides/slide18.xml><?xml version="1.0" encoding="utf-8"?>
+<p:sld xmlns:a="http://schemas.openxmlformats.org/drawingml/2006/main" xmlns:r="http://schemas.openxmlformats.org/officeDocument/2006/relationships" xmlns:p="http://schemas.openxmlformats.org/presentationml/2006/main">
+  <p:cSld>
+    <p:spTree>
+      <p:nvGrpSpPr>
+        <p:cNvPr id="1" name=""/>
+        <p:cNvGrpSpPr/>
+        <p:nvPr/>
+      </p:nvGrpSpPr>
+      <p:grpSpPr>
+        <a:xfrm>
+          <a:off x="0" y="0"/>
+          <a:ext cx="0" cy="0"/>
+          <a:chOff x="0" y="0"/>
+          <a:chExt cx="0" cy="0"/>
+        </a:xfrm>
+      </p:grpSpPr>
+      <p:sp>
+        <p:nvSpPr>
+          <p:cNvPr id="2" name="Title 1">
+            <a:extLst>
+              <a:ext uri="{FF2B5EF4-FFF2-40B4-BE49-F238E27FC236}">
+                <a16:creationId xmlns:a16="http://schemas.microsoft.com/office/drawing/2014/main" id="{6799C4B2-C790-FB8B-4821-10F77E122C20}"/>
+              </a:ext>
+            </a:extLst>
+          </p:cNvPr>
+          <p:cNvSpPr>
+            <a:spLocks noGrp="1"/>
+          </p:cNvSpPr>
+          <p:nvPr>
+            <p:ph type="ctrTitle"/>
+          </p:nvPr>
+        </p:nvSpPr>
+        <p:spPr>
+          <a:xfrm>
+            <a:off x="1504670" y="437030"/>
+            <a:ext cx="9234309" cy="498598"/>
+          </a:xfrm>
+        </p:spPr>
+        <p:txBody>
+          <a:bodyPr/>
+          <a:lstStyle/>
+          <a:p>
+            <a:r>
+              <a:rPr lang="en-US" dirty="0"/>
+              <a:t>Future Plans</a:t>
+            </a:r>
+          </a:p>
+        </p:txBody>
+      </p:sp>
+      <p:sp>
+        <p:nvSpPr>
+          <p:cNvPr id="3" name="Subtitle 2">
+            <a:extLst>
+              <a:ext uri="{FF2B5EF4-FFF2-40B4-BE49-F238E27FC236}">
+                <a16:creationId xmlns:a16="http://schemas.microsoft.com/office/drawing/2014/main" id="{E03FFE2C-5D65-D6E4-2FE1-7A95922722D1}"/>
+              </a:ext>
+            </a:extLst>
+          </p:cNvPr>
+          <p:cNvSpPr>
+            <a:spLocks noGrp="1"/>
+          </p:cNvSpPr>
+          <p:nvPr>
+            <p:ph type="subTitle" idx="1"/>
+          </p:nvPr>
+        </p:nvSpPr>
+        <p:spPr/>
+        <p:txBody>
+          <a:bodyPr/>
+          <a:lstStyle/>
+          <a:p>
+            <a:endParaRPr lang="en-US"/>
+          </a:p>
+        </p:txBody>
+      </p:sp>
+      <p:sp>
+        <p:nvSpPr>
+          <p:cNvPr id="4" name="Text Placeholder 3">
+            <a:extLst>
+              <a:ext uri="{FF2B5EF4-FFF2-40B4-BE49-F238E27FC236}">
+                <a16:creationId xmlns:a16="http://schemas.microsoft.com/office/drawing/2014/main" id="{7794BFF1-E7A0-748B-9321-5A00891D805A}"/>
+              </a:ext>
+            </a:extLst>
+          </p:cNvPr>
+          <p:cNvSpPr>
+            <a:spLocks noGrp="1"/>
+          </p:cNvSpPr>
+          <p:nvPr>
+            <p:ph type="body" sz="quarter" idx="14"/>
+          </p:nvPr>
+        </p:nvSpPr>
+        <p:spPr/>
+        <p:txBody>
+          <a:bodyPr/>
+          <a:lstStyle/>
+          <a:p>
+            <a:r>
+              <a:rPr lang="en-US" dirty="0"/>
+              <a:t>Error correction?</a:t>
+            </a:r>
+          </a:p>
+        </p:txBody>
+      </p:sp>
+      <p:sp>
+        <p:nvSpPr>
+          <p:cNvPr id="5" name="Slide Number Placeholder 4">
+            <a:extLst>
+              <a:ext uri="{FF2B5EF4-FFF2-40B4-BE49-F238E27FC236}">
+                <a16:creationId xmlns:a16="http://schemas.microsoft.com/office/drawing/2014/main" id="{5BDDAFA0-D6CE-5536-5E75-4528A2EC55BD}"/>
+              </a:ext>
+            </a:extLst>
+          </p:cNvPr>
+          <p:cNvSpPr>
+            <a:spLocks noGrp="1"/>
+          </p:cNvSpPr>
+          <p:nvPr>
+            <p:ph type="sldNum" sz="quarter" idx="12"/>
+          </p:nvPr>
+        </p:nvSpPr>
+        <p:spPr/>
+        <p:txBody>
+          <a:bodyPr/>
+          <a:lstStyle/>
+          <a:p>
+            <a:fld id="{88B5220A-EB23-48F3-9FB6-FE2BFABBF45A}" type="slidenum">
+              <a:rPr lang="en-US" smtClean="0"/>
+              <a:t>18</a:t>
             </a:fld>
             <a:endParaRPr lang="en-US" dirty="0"/>
           </a:p>

--- a/Project_Proposal.pptx
+++ b/Project_Proposal.pptx
@@ -5,10 +5,10 @@
     <p:sldMasterId id="2147483660" r:id="rId1"/>
   </p:sldMasterIdLst>
   <p:notesMasterIdLst>
-    <p:notesMasterId r:id="rId20"/>
+    <p:notesMasterId r:id="rId22"/>
   </p:notesMasterIdLst>
   <p:handoutMasterIdLst>
-    <p:handoutMasterId r:id="rId21"/>
+    <p:handoutMasterId r:id="rId23"/>
   </p:handoutMasterIdLst>
   <p:sldIdLst>
     <p:sldId id="256" r:id="rId2"/>
@@ -20,15 +20,17 @@
     <p:sldId id="327" r:id="rId8"/>
     <p:sldId id="328" r:id="rId9"/>
     <p:sldId id="340" r:id="rId10"/>
-    <p:sldId id="329" r:id="rId11"/>
-    <p:sldId id="341" r:id="rId12"/>
-    <p:sldId id="342" r:id="rId13"/>
-    <p:sldId id="330" r:id="rId14"/>
-    <p:sldId id="332" r:id="rId15"/>
-    <p:sldId id="339" r:id="rId16"/>
-    <p:sldId id="333" r:id="rId17"/>
-    <p:sldId id="335" r:id="rId18"/>
-    <p:sldId id="336" r:id="rId19"/>
+    <p:sldId id="317" r:id="rId11"/>
+    <p:sldId id="318" r:id="rId12"/>
+    <p:sldId id="329" r:id="rId13"/>
+    <p:sldId id="341" r:id="rId14"/>
+    <p:sldId id="342" r:id="rId15"/>
+    <p:sldId id="330" r:id="rId16"/>
+    <p:sldId id="332" r:id="rId17"/>
+    <p:sldId id="339" r:id="rId18"/>
+    <p:sldId id="333" r:id="rId19"/>
+    <p:sldId id="335" r:id="rId20"/>
+    <p:sldId id="336" r:id="rId21"/>
   </p:sldIdLst>
   <p:sldSz cx="12192000" cy="6858000"/>
   <p:notesSz cx="6858000" cy="9144000"/>
@@ -141,6 +143,8 @@
             <p14:sldId id="327"/>
             <p14:sldId id="328"/>
             <p14:sldId id="340"/>
+            <p14:sldId id="317"/>
+            <p14:sldId id="318"/>
             <p14:sldId id="329"/>
             <p14:sldId id="341"/>
             <p14:sldId id="342"/>
@@ -5354,7 +5358,7 @@
           <p:cNvPr id="2" name="Title 1">
             <a:extLst>
               <a:ext uri="{FF2B5EF4-FFF2-40B4-BE49-F238E27FC236}">
-                <a16:creationId xmlns:a16="http://schemas.microsoft.com/office/drawing/2014/main" id="{6346E85E-8D15-D4EB-CF18-9132EC62AC77}"/>
+                <a16:creationId xmlns:a16="http://schemas.microsoft.com/office/drawing/2014/main" id="{94017501-FF69-B9D4-5967-17557E053B3E}"/>
               </a:ext>
             </a:extLst>
           </p:cNvPr>
@@ -5377,58 +5381,182 @@
           <a:p>
             <a:r>
               <a:rPr lang="en-US" dirty="0"/>
-              <a:t>ALU</a:t>
-            </a:r>
-          </a:p>
-        </p:txBody>
-      </p:sp>
-      <p:sp>
-        <p:nvSpPr>
-          <p:cNvPr id="3" name="Subtitle 2">
-            <a:extLst>
-              <a:ext uri="{FF2B5EF4-FFF2-40B4-BE49-F238E27FC236}">
-                <a16:creationId xmlns:a16="http://schemas.microsoft.com/office/drawing/2014/main" id="{5B40D6B8-97AE-9397-3D32-EF0CF1737FFA}"/>
-              </a:ext>
-            </a:extLst>
-          </p:cNvPr>
-          <p:cNvSpPr>
-            <a:spLocks noGrp="1"/>
-          </p:cNvSpPr>
-          <p:nvPr>
-            <p:ph type="subTitle" idx="1"/>
+              <a:t>Test Cases</a:t>
+            </a:r>
+          </a:p>
+        </p:txBody>
+      </p:sp>
+      <p:sp>
+        <p:nvSpPr>
+          <p:cNvPr id="4" name="Text Placeholder 3">
+            <a:extLst>
+              <a:ext uri="{FF2B5EF4-FFF2-40B4-BE49-F238E27FC236}">
+                <a16:creationId xmlns:a16="http://schemas.microsoft.com/office/drawing/2014/main" id="{95D25B56-65F2-187D-9279-300460481F1F}"/>
+              </a:ext>
+            </a:extLst>
+          </p:cNvPr>
+          <p:cNvSpPr>
+            <a:spLocks noGrp="1"/>
+          </p:cNvSpPr>
+          <p:nvPr>
+            <p:ph type="body" sz="quarter" idx="14"/>
           </p:nvPr>
         </p:nvSpPr>
         <p:spPr/>
         <p:txBody>
-          <a:bodyPr/>
+          <a:bodyPr>
+            <a:normAutofit lnSpcReduction="10000"/>
+          </a:bodyPr>
           <a:lstStyle/>
           <a:p>
-            <a:endParaRPr lang="en-US"/>
-          </a:p>
-        </p:txBody>
-      </p:sp>
-      <p:sp>
-        <p:nvSpPr>
-          <p:cNvPr id="4" name="Text Placeholder 3">
-            <a:extLst>
-              <a:ext uri="{FF2B5EF4-FFF2-40B4-BE49-F238E27FC236}">
-                <a16:creationId xmlns:a16="http://schemas.microsoft.com/office/drawing/2014/main" id="{D9B79D28-048B-F636-E90A-160DCFE6618C}"/>
-              </a:ext>
-            </a:extLst>
-          </p:cNvPr>
-          <p:cNvSpPr>
-            <a:spLocks noGrp="1"/>
-          </p:cNvSpPr>
-          <p:nvPr>
-            <p:ph type="body" sz="quarter" idx="14"/>
-          </p:nvPr>
-        </p:nvSpPr>
-        <p:spPr/>
-        <p:txBody>
-          <a:bodyPr/>
-          <a:lstStyle/>
-          <a:p>
-            <a:endParaRPr lang="en-US"/>
+            <a:pPr marL="0" marR="0" indent="0">
+              <a:lnSpc>
+                <a:spcPct val="107000"/>
+              </a:lnSpc>
+              <a:spcBef>
+                <a:spcPts val="0"/>
+              </a:spcBef>
+              <a:spcAft>
+                <a:spcPts val="800"/>
+              </a:spcAft>
+              <a:buNone/>
+            </a:pPr>
+            <a:r>
+              <a:rPr lang="en-US" sz="2400" kern="100" dirty="0">
+                <a:effectLst/>
+                <a:latin typeface="Acumin Pro Semibold" panose="020B0504020202020204"/>
+                <a:ea typeface="Aptos" panose="020B0004020202020204" pitchFamily="34" charset="0"/>
+                <a:cs typeface="Times New Roman" panose="02020603050405020304" pitchFamily="18" charset="0"/>
+              </a:rPr>
+              <a:t>Control Unit Test Cases</a:t>
+            </a:r>
+          </a:p>
+          <a:p>
+            <a:pPr marL="342900" marR="0" lvl="0" indent="-342900">
+              <a:lnSpc>
+                <a:spcPct val="107000"/>
+              </a:lnSpc>
+              <a:spcBef>
+                <a:spcPts val="0"/>
+              </a:spcBef>
+              <a:spcAft>
+                <a:spcPts val="0"/>
+              </a:spcAft>
+              <a:buFont typeface="Symbol" panose="05050102010706020507" pitchFamily="18" charset="2"/>
+              <a:buChar char=""/>
+            </a:pPr>
+            <a:r>
+              <a:rPr lang="en-US" sz="2400" kern="100" dirty="0">
+                <a:effectLst/>
+                <a:latin typeface="Acumin Pro Semibold" panose="020B0504020202020204"/>
+                <a:ea typeface="Aptos" panose="020B0004020202020204" pitchFamily="34" charset="0"/>
+                <a:cs typeface="Times New Roman" panose="02020603050405020304" pitchFamily="18" charset="0"/>
+              </a:rPr>
+              <a:t>Input all valid Opcodes, validate control signal outputs</a:t>
+            </a:r>
+          </a:p>
+          <a:p>
+            <a:pPr marL="342900" marR="0" lvl="0" indent="-342900">
+              <a:lnSpc>
+                <a:spcPct val="107000"/>
+              </a:lnSpc>
+              <a:spcBef>
+                <a:spcPts val="0"/>
+              </a:spcBef>
+              <a:spcAft>
+                <a:spcPts val="800"/>
+              </a:spcAft>
+              <a:buFont typeface="Symbol" panose="05050102010706020507" pitchFamily="18" charset="2"/>
+              <a:buChar char=""/>
+            </a:pPr>
+            <a:r>
+              <a:rPr lang="en-US" sz="2400" kern="100" dirty="0">
+                <a:effectLst/>
+                <a:latin typeface="Acumin Pro Semibold" panose="020B0504020202020204"/>
+                <a:ea typeface="Aptos" panose="020B0004020202020204" pitchFamily="34" charset="0"/>
+                <a:cs typeface="Times New Roman" panose="02020603050405020304" pitchFamily="18" charset="0"/>
+              </a:rPr>
+              <a:t>Input invalid Opcode, check for error</a:t>
+            </a:r>
+          </a:p>
+          <a:p>
+            <a:pPr marL="0" marR="0" indent="0">
+              <a:lnSpc>
+                <a:spcPct val="107000"/>
+              </a:lnSpc>
+              <a:spcBef>
+                <a:spcPts val="0"/>
+              </a:spcBef>
+              <a:spcAft>
+                <a:spcPts val="800"/>
+              </a:spcAft>
+              <a:buNone/>
+            </a:pPr>
+            <a:r>
+              <a:rPr lang="en-US" sz="2400" kern="100" dirty="0">
+                <a:effectLst/>
+                <a:latin typeface="Acumin Pro Semibold" panose="020B0504020202020204"/>
+                <a:ea typeface="Aptos" panose="020B0004020202020204" pitchFamily="34" charset="0"/>
+                <a:cs typeface="Times New Roman" panose="02020603050405020304" pitchFamily="18" charset="0"/>
+              </a:rPr>
+              <a:t>Decoder Test Cases</a:t>
+            </a:r>
+          </a:p>
+          <a:p>
+            <a:pPr marL="342900" marR="0" lvl="0" indent="-342900">
+              <a:lnSpc>
+                <a:spcPct val="107000"/>
+              </a:lnSpc>
+              <a:spcBef>
+                <a:spcPts val="0"/>
+              </a:spcBef>
+              <a:spcAft>
+                <a:spcPts val="0"/>
+              </a:spcAft>
+              <a:buFont typeface="Symbol" panose="05050102010706020507" pitchFamily="18" charset="2"/>
+              <a:buChar char=""/>
+            </a:pPr>
+            <a:r>
+              <a:rPr lang="en-US" sz="2400" kern="100" dirty="0">
+                <a:effectLst/>
+                <a:latin typeface="Acumin Pro Semibold" panose="020B0504020202020204"/>
+                <a:ea typeface="Aptos" panose="020B0004020202020204" pitchFamily="34" charset="0"/>
+                <a:cs typeface="Times New Roman" panose="02020603050405020304" pitchFamily="18" charset="0"/>
+              </a:rPr>
+              <a:t>Input all instruction types with register addressees, validate correct addresses</a:t>
+            </a:r>
+          </a:p>
+          <a:p>
+            <a:pPr marL="342900" marR="0" lvl="0" indent="-342900">
+              <a:lnSpc>
+                <a:spcPct val="107000"/>
+              </a:lnSpc>
+              <a:spcBef>
+                <a:spcPts val="0"/>
+              </a:spcBef>
+              <a:spcAft>
+                <a:spcPts val="800"/>
+              </a:spcAft>
+              <a:buFont typeface="Symbol" panose="05050102010706020507" pitchFamily="18" charset="2"/>
+              <a:buChar char=""/>
+            </a:pPr>
+            <a:r>
+              <a:rPr lang="en-US" sz="2400" kern="100" dirty="0">
+                <a:effectLst/>
+                <a:latin typeface="Acumin Pro Semibold" panose="020B0504020202020204"/>
+                <a:ea typeface="Aptos" panose="020B0004020202020204" pitchFamily="34" charset="0"/>
+                <a:cs typeface="Times New Roman" panose="02020603050405020304" pitchFamily="18" charset="0"/>
+              </a:rPr>
+              <a:t>Input instruction without register address, check for garbage output</a:t>
+            </a:r>
+          </a:p>
+          <a:p>
+            <a:pPr marL="0" indent="0">
+              <a:buNone/>
+            </a:pPr>
+            <a:endParaRPr lang="en-US" sz="2400" dirty="0">
+              <a:latin typeface="Acumin Pro Semibold" panose="020B0504020202020204"/>
+            </a:endParaRPr>
           </a:p>
         </p:txBody>
       </p:sp>
@@ -5437,7 +5565,7 @@
           <p:cNvPr id="5" name="Slide Number Placeholder 4">
             <a:extLst>
               <a:ext uri="{FF2B5EF4-FFF2-40B4-BE49-F238E27FC236}">
-                <a16:creationId xmlns:a16="http://schemas.microsoft.com/office/drawing/2014/main" id="{9BCE14E6-F19C-7BB3-E487-D0FA7CFF54C1}"/>
+                <a16:creationId xmlns:a16="http://schemas.microsoft.com/office/drawing/2014/main" id="{12872916-28AA-76C1-E5AB-2D3481E9DDD8}"/>
               </a:ext>
             </a:extLst>
           </p:cNvPr>
@@ -5464,7 +5592,7 @@
     </p:spTree>
     <p:extLst>
       <p:ext uri="{BB962C8B-B14F-4D97-AF65-F5344CB8AC3E}">
-        <p14:creationId xmlns:p14="http://schemas.microsoft.com/office/powerpoint/2010/main" val="176491562"/>
+        <p14:creationId xmlns:p14="http://schemas.microsoft.com/office/powerpoint/2010/main" val="2827948853"/>
       </p:ext>
     </p:extLst>
   </p:cSld>
@@ -5496,7 +5624,7 @@
           <p:cNvPr id="2" name="Title 1">
             <a:extLst>
               <a:ext uri="{FF2B5EF4-FFF2-40B4-BE49-F238E27FC236}">
-                <a16:creationId xmlns:a16="http://schemas.microsoft.com/office/drawing/2014/main" id="{F15788A1-2A90-075C-0FD5-97BF4276DB6C}"/>
+                <a16:creationId xmlns:a16="http://schemas.microsoft.com/office/drawing/2014/main" id="{94017501-FF69-B9D4-5967-17557E053B3E}"/>
               </a:ext>
             </a:extLst>
           </p:cNvPr>
@@ -5519,41 +5647,115 @@
           <a:p>
             <a:r>
               <a:rPr lang="en-US" dirty="0"/>
-              <a:t>Registers</a:t>
-            </a:r>
-          </a:p>
-        </p:txBody>
-      </p:sp>
-      <p:sp>
-        <p:nvSpPr>
-          <p:cNvPr id="3" name="Subtitle 2">
-            <a:extLst>
-              <a:ext uri="{FF2B5EF4-FFF2-40B4-BE49-F238E27FC236}">
-                <a16:creationId xmlns:a16="http://schemas.microsoft.com/office/drawing/2014/main" id="{13643ECA-8A7C-9241-6882-E71BD1F12C44}"/>
-              </a:ext>
-            </a:extLst>
-          </p:cNvPr>
-          <p:cNvSpPr>
-            <a:spLocks noGrp="1"/>
-          </p:cNvSpPr>
-          <p:nvPr>
-            <p:ph type="subTitle" idx="1"/>
+              <a:t>Test Case</a:t>
+            </a:r>
+          </a:p>
+        </p:txBody>
+      </p:sp>
+      <p:sp>
+        <p:nvSpPr>
+          <p:cNvPr id="4" name="Text Placeholder 3">
+            <a:extLst>
+              <a:ext uri="{FF2B5EF4-FFF2-40B4-BE49-F238E27FC236}">
+                <a16:creationId xmlns:a16="http://schemas.microsoft.com/office/drawing/2014/main" id="{95D25B56-65F2-187D-9279-300460481F1F}"/>
+              </a:ext>
+            </a:extLst>
+          </p:cNvPr>
+          <p:cNvSpPr>
+            <a:spLocks noGrp="1"/>
+          </p:cNvSpPr>
+          <p:nvPr>
+            <p:ph type="body" sz="quarter" idx="14"/>
           </p:nvPr>
         </p:nvSpPr>
         <p:spPr/>
         <p:txBody>
-          <a:bodyPr/>
+          <a:bodyPr>
+            <a:normAutofit/>
+          </a:bodyPr>
           <a:lstStyle/>
           <a:p>
-            <a:r>
-              <a:rPr lang="en-US" dirty="0"/>
-              <a:t>Register RTL and </a:t>
-            </a:r>
-            <a:r>
-              <a:rPr lang="en-US" dirty="0" err="1"/>
-              <a:t>Psuedocode</a:t>
-            </a:r>
-            <a:endParaRPr lang="en-US" dirty="0"/>
+            <a:pPr marL="0" marR="0" indent="0">
+              <a:lnSpc>
+                <a:spcPct val="107000"/>
+              </a:lnSpc>
+              <a:spcBef>
+                <a:spcPts val="0"/>
+              </a:spcBef>
+              <a:spcAft>
+                <a:spcPts val="800"/>
+              </a:spcAft>
+              <a:buNone/>
+            </a:pPr>
+            <a:r>
+              <a:rPr lang="en-US" sz="2400" kern="100" dirty="0" err="1">
+                <a:effectLst/>
+                <a:latin typeface="Aptos" panose="020B0004020202020204" pitchFamily="34" charset="0"/>
+                <a:ea typeface="Aptos" panose="020B0004020202020204" pitchFamily="34" charset="0"/>
+                <a:cs typeface="Times New Roman" panose="02020603050405020304" pitchFamily="18" charset="0"/>
+              </a:rPr>
+              <a:t>ImmGen</a:t>
+            </a:r>
+            <a:r>
+              <a:rPr lang="en-US" sz="2400" kern="100" dirty="0">
+                <a:effectLst/>
+                <a:latin typeface="Aptos" panose="020B0004020202020204" pitchFamily="34" charset="0"/>
+                <a:ea typeface="Aptos" panose="020B0004020202020204" pitchFamily="34" charset="0"/>
+                <a:cs typeface="Times New Roman" panose="02020603050405020304" pitchFamily="18" charset="0"/>
+              </a:rPr>
+              <a:t> Test Cases</a:t>
+            </a:r>
+          </a:p>
+          <a:p>
+            <a:pPr marL="342900" marR="0" lvl="0" indent="-342900">
+              <a:lnSpc>
+                <a:spcPct val="107000"/>
+              </a:lnSpc>
+              <a:spcBef>
+                <a:spcPts val="0"/>
+              </a:spcBef>
+              <a:spcAft>
+                <a:spcPts val="0"/>
+              </a:spcAft>
+              <a:buFont typeface="Symbol" panose="05050102010706020507" pitchFamily="18" charset="2"/>
+              <a:buChar char=""/>
+            </a:pPr>
+            <a:r>
+              <a:rPr lang="en-US" sz="2400" kern="100" dirty="0">
+                <a:effectLst/>
+                <a:latin typeface="Aptos" panose="020B0004020202020204" pitchFamily="34" charset="0"/>
+                <a:ea typeface="Aptos" panose="020B0004020202020204" pitchFamily="34" charset="0"/>
+                <a:cs typeface="Times New Roman" panose="02020603050405020304" pitchFamily="18" charset="0"/>
+              </a:rPr>
+              <a:t>Input all instruction types with an immediate value, validate correct immediate</a:t>
+            </a:r>
+          </a:p>
+          <a:p>
+            <a:pPr marL="342900" marR="0" lvl="0" indent="-342900">
+              <a:lnSpc>
+                <a:spcPct val="107000"/>
+              </a:lnSpc>
+              <a:spcBef>
+                <a:spcPts val="0"/>
+              </a:spcBef>
+              <a:spcAft>
+                <a:spcPts val="800"/>
+              </a:spcAft>
+              <a:buFont typeface="Symbol" panose="05050102010706020507" pitchFamily="18" charset="2"/>
+              <a:buChar char=""/>
+            </a:pPr>
+            <a:r>
+              <a:rPr lang="en-US" sz="2400" kern="100" dirty="0">
+                <a:effectLst/>
+                <a:latin typeface="Aptos" panose="020B0004020202020204" pitchFamily="34" charset="0"/>
+                <a:ea typeface="Aptos" panose="020B0004020202020204" pitchFamily="34" charset="0"/>
+                <a:cs typeface="Times New Roman" panose="02020603050405020304" pitchFamily="18" charset="0"/>
+              </a:rPr>
+              <a:t>Ensure no immediate is generated if instruction doesn’t include an immediate</a:t>
+            </a:r>
+          </a:p>
+          <a:p>
+            <a:endParaRPr lang="en-US" sz="2400" dirty="0"/>
           </a:p>
         </p:txBody>
       </p:sp>
@@ -5562,7 +5764,7 @@
           <p:cNvPr id="5" name="Slide Number Placeholder 4">
             <a:extLst>
               <a:ext uri="{FF2B5EF4-FFF2-40B4-BE49-F238E27FC236}">
-                <a16:creationId xmlns:a16="http://schemas.microsoft.com/office/drawing/2014/main" id="{BD9C6C1B-2485-DA5C-E77A-5AE0B15EA8EE}"/>
+                <a16:creationId xmlns:a16="http://schemas.microsoft.com/office/drawing/2014/main" id="{12872916-28AA-76C1-E5AB-2D3481E9DDD8}"/>
               </a:ext>
             </a:extLst>
           </p:cNvPr>
@@ -5586,46 +5788,10 @@
           </a:p>
         </p:txBody>
       </p:sp>
-      <p:pic>
-        <p:nvPicPr>
-          <p:cNvPr id="7" name="Picture 6" descr="A screenshot of a computer program&#10;&#10;Description automatically generated">
-            <a:extLst>
-              <a:ext uri="{FF2B5EF4-FFF2-40B4-BE49-F238E27FC236}">
-                <a16:creationId xmlns:a16="http://schemas.microsoft.com/office/drawing/2014/main" id="{2F5C064D-A672-B3A3-274F-918C230D777A}"/>
-              </a:ext>
-            </a:extLst>
-          </p:cNvPr>
-          <p:cNvPicPr>
-            <a:picLocks noChangeAspect="1"/>
-          </p:cNvPicPr>
-          <p:nvPr/>
-        </p:nvPicPr>
-        <p:blipFill>
-          <a:blip r:embed="rId2">
-            <a:extLst>
-              <a:ext uri="{28A0092B-C50C-407E-A947-70E740481C1C}">
-                <a14:useLocalDpi xmlns:a14="http://schemas.microsoft.com/office/drawing/2010/main" val="0"/>
-              </a:ext>
-            </a:extLst>
-          </a:blip>
-          <a:stretch>
-            <a:fillRect/>
-          </a:stretch>
-        </p:blipFill>
-        <p:spPr>
-          <a:xfrm>
-            <a:off x="3173573" y="2096305"/>
-            <a:ext cx="5229031" cy="3982419"/>
-          </a:xfrm>
-          <a:prstGeom prst="rect">
-            <a:avLst/>
-          </a:prstGeom>
-        </p:spPr>
-      </p:pic>
     </p:spTree>
     <p:extLst>
       <p:ext uri="{BB962C8B-B14F-4D97-AF65-F5344CB8AC3E}">
-        <p14:creationId xmlns:p14="http://schemas.microsoft.com/office/powerpoint/2010/main" val="962049510"/>
+        <p14:creationId xmlns:p14="http://schemas.microsoft.com/office/powerpoint/2010/main" val="3565336280"/>
       </p:ext>
     </p:extLst>
   </p:cSld>
@@ -5657,7 +5823,7 @@
           <p:cNvPr id="2" name="Title 1">
             <a:extLst>
               <a:ext uri="{FF2B5EF4-FFF2-40B4-BE49-F238E27FC236}">
-                <a16:creationId xmlns:a16="http://schemas.microsoft.com/office/drawing/2014/main" id="{F15788A1-2A90-075C-0FD5-97BF4276DB6C}"/>
+                <a16:creationId xmlns:a16="http://schemas.microsoft.com/office/drawing/2014/main" id="{6346E85E-8D15-D4EB-CF18-9132EC62AC77}"/>
               </a:ext>
             </a:extLst>
           </p:cNvPr>
@@ -5680,7 +5846,7 @@
           <a:p>
             <a:r>
               <a:rPr lang="en-US" dirty="0"/>
-              <a:t>Registers</a:t>
+              <a:t>ALU</a:t>
             </a:r>
           </a:p>
         </p:txBody>
@@ -5690,7 +5856,7 @@
           <p:cNvPr id="3" name="Subtitle 2">
             <a:extLst>
               <a:ext uri="{FF2B5EF4-FFF2-40B4-BE49-F238E27FC236}">
-                <a16:creationId xmlns:a16="http://schemas.microsoft.com/office/drawing/2014/main" id="{13643ECA-8A7C-9241-6882-E71BD1F12C44}"/>
+                <a16:creationId xmlns:a16="http://schemas.microsoft.com/office/drawing/2014/main" id="{5B40D6B8-97AE-9397-3D32-EF0CF1737FFA}"/>
               </a:ext>
             </a:extLst>
           </p:cNvPr>
@@ -5706,10 +5872,7 @@
           <a:bodyPr/>
           <a:lstStyle/>
           <a:p>
-            <a:r>
-              <a:rPr lang="en-US" dirty="0"/>
-              <a:t>Test Cases</a:t>
-            </a:r>
+            <a:endParaRPr lang="en-US"/>
           </a:p>
         </p:txBody>
       </p:sp>
@@ -5718,7 +5881,7 @@
           <p:cNvPr id="4" name="Text Placeholder 3">
             <a:extLst>
               <a:ext uri="{FF2B5EF4-FFF2-40B4-BE49-F238E27FC236}">
-                <a16:creationId xmlns:a16="http://schemas.microsoft.com/office/drawing/2014/main" id="{44C21242-B2E4-CDBB-3C48-4C8E293DC8C1}"/>
+                <a16:creationId xmlns:a16="http://schemas.microsoft.com/office/drawing/2014/main" id="{D9B79D28-048B-F636-E90A-160DCFE6618C}"/>
               </a:ext>
             </a:extLst>
           </p:cNvPr>
@@ -5734,65 +5897,7 @@
           <a:bodyPr/>
           <a:lstStyle/>
           <a:p>
-            <a:r>
-              <a:rPr lang="en-US" dirty="0"/>
-              <a:t>Reset: check all registers are set to 0</a:t>
-            </a:r>
-          </a:p>
-          <a:p>
-            <a:r>
-              <a:rPr lang="en-US" dirty="0"/>
-              <a:t>With </a:t>
-            </a:r>
-            <a:r>
-              <a:rPr lang="en-US" dirty="0" err="1"/>
-              <a:t>write_enable</a:t>
-            </a:r>
-            <a:r>
-              <a:rPr lang="en-US" dirty="0"/>
-              <a:t> off, try writing  register: should be no change</a:t>
-            </a:r>
-          </a:p>
-          <a:p>
-            <a:r>
-              <a:rPr lang="en-US" dirty="0"/>
-              <a:t>With </a:t>
-            </a:r>
-            <a:r>
-              <a:rPr lang="en-US" dirty="0" err="1"/>
-              <a:t>write_enable</a:t>
-            </a:r>
-            <a:r>
-              <a:rPr lang="en-US" dirty="0"/>
-              <a:t> on, try writing to a register: check for correct value</a:t>
-            </a:r>
-          </a:p>
-          <a:p>
-            <a:r>
-              <a:rPr lang="en-US" dirty="0"/>
-              <a:t>Write random values to all registers, try reading all registers: check </a:t>
-            </a:r>
-            <a:r>
-              <a:rPr lang="en-US" dirty="0" err="1"/>
-              <a:t>data_read</a:t>
-            </a:r>
-            <a:r>
-              <a:rPr lang="en-US" dirty="0"/>
-              <a:t> is correct</a:t>
-            </a:r>
-          </a:p>
-          <a:p>
-            <a:pPr lvl="1"/>
-            <a:r>
-              <a:rPr lang="en-US" dirty="0"/>
-              <a:t>Do twice</a:t>
-            </a:r>
-          </a:p>
-          <a:p>
-            <a:r>
-              <a:rPr lang="en-US" dirty="0"/>
-              <a:t>Reset check again</a:t>
-            </a:r>
+            <a:endParaRPr lang="en-US"/>
           </a:p>
         </p:txBody>
       </p:sp>
@@ -5801,7 +5906,7 @@
           <p:cNvPr id="5" name="Slide Number Placeholder 4">
             <a:extLst>
               <a:ext uri="{FF2B5EF4-FFF2-40B4-BE49-F238E27FC236}">
-                <a16:creationId xmlns:a16="http://schemas.microsoft.com/office/drawing/2014/main" id="{BD9C6C1B-2485-DA5C-E77A-5AE0B15EA8EE}"/>
+                <a16:creationId xmlns:a16="http://schemas.microsoft.com/office/drawing/2014/main" id="{9BCE14E6-F19C-7BB3-E487-D0FA7CFF54C1}"/>
               </a:ext>
             </a:extLst>
           </p:cNvPr>
@@ -5825,46 +5930,10 @@
           </a:p>
         </p:txBody>
       </p:sp>
-      <p:pic>
-        <p:nvPicPr>
-          <p:cNvPr id="6" name="Picture 5" descr="A screenshot of a computer program&#10;&#10;Description automatically generated">
-            <a:extLst>
-              <a:ext uri="{FF2B5EF4-FFF2-40B4-BE49-F238E27FC236}">
-                <a16:creationId xmlns:a16="http://schemas.microsoft.com/office/drawing/2014/main" id="{3FE90927-5BAB-2661-0012-59DAD3BC8173}"/>
-              </a:ext>
-            </a:extLst>
-          </p:cNvPr>
-          <p:cNvPicPr>
-            <a:picLocks noChangeAspect="1"/>
-          </p:cNvPicPr>
-          <p:nvPr/>
-        </p:nvPicPr>
-        <p:blipFill>
-          <a:blip r:embed="rId2">
-            <a:extLst>
-              <a:ext uri="{28A0092B-C50C-407E-A947-70E740481C1C}">
-                <a14:useLocalDpi xmlns:a14="http://schemas.microsoft.com/office/drawing/2010/main" val="0"/>
-              </a:ext>
-            </a:extLst>
-          </a:blip>
-          <a:stretch>
-            <a:fillRect/>
-          </a:stretch>
-        </p:blipFill>
-        <p:spPr>
-          <a:xfrm>
-            <a:off x="8218857" y="3889244"/>
-            <a:ext cx="3780686" cy="2879363"/>
-          </a:xfrm>
-          <a:prstGeom prst="rect">
-            <a:avLst/>
-          </a:prstGeom>
-        </p:spPr>
-      </p:pic>
     </p:spTree>
     <p:extLst>
       <p:ext uri="{BB962C8B-B14F-4D97-AF65-F5344CB8AC3E}">
-        <p14:creationId xmlns:p14="http://schemas.microsoft.com/office/powerpoint/2010/main" val="46302471"/>
+        <p14:creationId xmlns:p14="http://schemas.microsoft.com/office/powerpoint/2010/main" val="176491562"/>
       </p:ext>
     </p:extLst>
   </p:cSld>
@@ -5896,7 +5965,7 @@
           <p:cNvPr id="2" name="Title 1">
             <a:extLst>
               <a:ext uri="{FF2B5EF4-FFF2-40B4-BE49-F238E27FC236}">
-                <a16:creationId xmlns:a16="http://schemas.microsoft.com/office/drawing/2014/main" id="{EB3F7B05-73DE-A491-5991-E04BBBC698CA}"/>
+                <a16:creationId xmlns:a16="http://schemas.microsoft.com/office/drawing/2014/main" id="{F15788A1-2A90-075C-0FD5-97BF4276DB6C}"/>
               </a:ext>
             </a:extLst>
           </p:cNvPr>
@@ -5919,7 +5988,7 @@
           <a:p>
             <a:r>
               <a:rPr lang="en-US" dirty="0"/>
-              <a:t>Memory</a:t>
+              <a:t>Registers</a:t>
             </a:r>
           </a:p>
         </p:txBody>
@@ -5929,7 +5998,7 @@
           <p:cNvPr id="3" name="Subtitle 2">
             <a:extLst>
               <a:ext uri="{FF2B5EF4-FFF2-40B4-BE49-F238E27FC236}">
-                <a16:creationId xmlns:a16="http://schemas.microsoft.com/office/drawing/2014/main" id="{AC823061-39AD-9D43-0432-59610A93A4A1}"/>
+                <a16:creationId xmlns:a16="http://schemas.microsoft.com/office/drawing/2014/main" id="{13643ECA-8A7C-9241-6882-E71BD1F12C44}"/>
               </a:ext>
             </a:extLst>
           </p:cNvPr>
@@ -5945,32 +6014,15 @@
           <a:bodyPr/>
           <a:lstStyle/>
           <a:p>
-            <a:endParaRPr lang="en-US"/>
-          </a:p>
-        </p:txBody>
-      </p:sp>
-      <p:sp>
-        <p:nvSpPr>
-          <p:cNvPr id="4" name="Text Placeholder 3">
-            <a:extLst>
-              <a:ext uri="{FF2B5EF4-FFF2-40B4-BE49-F238E27FC236}">
-                <a16:creationId xmlns:a16="http://schemas.microsoft.com/office/drawing/2014/main" id="{F2A18362-0849-C467-4293-A237B5A80012}"/>
-              </a:ext>
-            </a:extLst>
-          </p:cNvPr>
-          <p:cNvSpPr>
-            <a:spLocks noGrp="1"/>
-          </p:cNvSpPr>
-          <p:nvPr>
-            <p:ph type="body" sz="quarter" idx="14"/>
-          </p:nvPr>
-        </p:nvSpPr>
-        <p:spPr/>
-        <p:txBody>
-          <a:bodyPr/>
-          <a:lstStyle/>
-          <a:p>
-            <a:endParaRPr lang="en-US"/>
+            <a:r>
+              <a:rPr lang="en-US" dirty="0"/>
+              <a:t>Register RTL and </a:t>
+            </a:r>
+            <a:r>
+              <a:rPr lang="en-US" dirty="0" err="1"/>
+              <a:t>Psuedocode</a:t>
+            </a:r>
+            <a:endParaRPr lang="en-US" dirty="0"/>
           </a:p>
         </p:txBody>
       </p:sp>
@@ -5979,7 +6031,7 @@
           <p:cNvPr id="5" name="Slide Number Placeholder 4">
             <a:extLst>
               <a:ext uri="{FF2B5EF4-FFF2-40B4-BE49-F238E27FC236}">
-                <a16:creationId xmlns:a16="http://schemas.microsoft.com/office/drawing/2014/main" id="{2FCCDFDD-E919-B6ED-4B67-9F63171EB214}"/>
+                <a16:creationId xmlns:a16="http://schemas.microsoft.com/office/drawing/2014/main" id="{BD9C6C1B-2485-DA5C-E77A-5AE0B15EA8EE}"/>
               </a:ext>
             </a:extLst>
           </p:cNvPr>
@@ -6003,10 +6055,46 @@
           </a:p>
         </p:txBody>
       </p:sp>
+      <p:pic>
+        <p:nvPicPr>
+          <p:cNvPr id="7" name="Picture 6" descr="A screenshot of a computer program&#10;&#10;Description automatically generated">
+            <a:extLst>
+              <a:ext uri="{FF2B5EF4-FFF2-40B4-BE49-F238E27FC236}">
+                <a16:creationId xmlns:a16="http://schemas.microsoft.com/office/drawing/2014/main" id="{2F5C064D-A672-B3A3-274F-918C230D777A}"/>
+              </a:ext>
+            </a:extLst>
+          </p:cNvPr>
+          <p:cNvPicPr>
+            <a:picLocks noChangeAspect="1"/>
+          </p:cNvPicPr>
+          <p:nvPr/>
+        </p:nvPicPr>
+        <p:blipFill>
+          <a:blip r:embed="rId2">
+            <a:extLst>
+              <a:ext uri="{28A0092B-C50C-407E-A947-70E740481C1C}">
+                <a14:useLocalDpi xmlns:a14="http://schemas.microsoft.com/office/drawing/2010/main" val="0"/>
+              </a:ext>
+            </a:extLst>
+          </a:blip>
+          <a:stretch>
+            <a:fillRect/>
+          </a:stretch>
+        </p:blipFill>
+        <p:spPr>
+          <a:xfrm>
+            <a:off x="3173573" y="2096305"/>
+            <a:ext cx="5229031" cy="3982419"/>
+          </a:xfrm>
+          <a:prstGeom prst="rect">
+            <a:avLst/>
+          </a:prstGeom>
+        </p:spPr>
+      </p:pic>
     </p:spTree>
     <p:extLst>
       <p:ext uri="{BB962C8B-B14F-4D97-AF65-F5344CB8AC3E}">
-        <p14:creationId xmlns:p14="http://schemas.microsoft.com/office/powerpoint/2010/main" val="2869620282"/>
+        <p14:creationId xmlns:p14="http://schemas.microsoft.com/office/powerpoint/2010/main" val="962049510"/>
       </p:ext>
     </p:extLst>
   </p:cSld>
@@ -6038,7 +6126,7 @@
           <p:cNvPr id="2" name="Title 1">
             <a:extLst>
               <a:ext uri="{FF2B5EF4-FFF2-40B4-BE49-F238E27FC236}">
-                <a16:creationId xmlns:a16="http://schemas.microsoft.com/office/drawing/2014/main" id="{D1F6CC05-1F31-0C88-333C-5026AF10D397}"/>
+                <a16:creationId xmlns:a16="http://schemas.microsoft.com/office/drawing/2014/main" id="{F15788A1-2A90-075C-0FD5-97BF4276DB6C}"/>
               </a:ext>
             </a:extLst>
           </p:cNvPr>
@@ -6061,7 +6149,7 @@
           <a:p>
             <a:r>
               <a:rPr lang="en-US" dirty="0"/>
-              <a:t>Program Counter</a:t>
+              <a:t>Registers</a:t>
             </a:r>
           </a:p>
         </p:txBody>
@@ -6071,7 +6159,7 @@
           <p:cNvPr id="3" name="Subtitle 2">
             <a:extLst>
               <a:ext uri="{FF2B5EF4-FFF2-40B4-BE49-F238E27FC236}">
-                <a16:creationId xmlns:a16="http://schemas.microsoft.com/office/drawing/2014/main" id="{069353A1-7076-B958-432E-9B8FD5750AE7}"/>
+                <a16:creationId xmlns:a16="http://schemas.microsoft.com/office/drawing/2014/main" id="{13643ECA-8A7C-9241-6882-E71BD1F12C44}"/>
               </a:ext>
             </a:extLst>
           </p:cNvPr>
@@ -6089,7 +6177,90 @@
           <a:p>
             <a:r>
               <a:rPr lang="en-US" dirty="0"/>
-              <a:t>RTL Diagram and Input/Output</a:t>
+              <a:t>Test Cases</a:t>
+            </a:r>
+          </a:p>
+        </p:txBody>
+      </p:sp>
+      <p:sp>
+        <p:nvSpPr>
+          <p:cNvPr id="4" name="Text Placeholder 3">
+            <a:extLst>
+              <a:ext uri="{FF2B5EF4-FFF2-40B4-BE49-F238E27FC236}">
+                <a16:creationId xmlns:a16="http://schemas.microsoft.com/office/drawing/2014/main" id="{44C21242-B2E4-CDBB-3C48-4C8E293DC8C1}"/>
+              </a:ext>
+            </a:extLst>
+          </p:cNvPr>
+          <p:cNvSpPr>
+            <a:spLocks noGrp="1"/>
+          </p:cNvSpPr>
+          <p:nvPr>
+            <p:ph type="body" sz="quarter" idx="14"/>
+          </p:nvPr>
+        </p:nvSpPr>
+        <p:spPr/>
+        <p:txBody>
+          <a:bodyPr/>
+          <a:lstStyle/>
+          <a:p>
+            <a:r>
+              <a:rPr lang="en-US" dirty="0"/>
+              <a:t>Reset: check all registers are set to 0</a:t>
+            </a:r>
+          </a:p>
+          <a:p>
+            <a:r>
+              <a:rPr lang="en-US" dirty="0"/>
+              <a:t>With </a:t>
+            </a:r>
+            <a:r>
+              <a:rPr lang="en-US" dirty="0" err="1"/>
+              <a:t>write_enable</a:t>
+            </a:r>
+            <a:r>
+              <a:rPr lang="en-US" dirty="0"/>
+              <a:t> off, try writing  register: should be no change</a:t>
+            </a:r>
+          </a:p>
+          <a:p>
+            <a:r>
+              <a:rPr lang="en-US" dirty="0"/>
+              <a:t>With </a:t>
+            </a:r>
+            <a:r>
+              <a:rPr lang="en-US" dirty="0" err="1"/>
+              <a:t>write_enable</a:t>
+            </a:r>
+            <a:r>
+              <a:rPr lang="en-US" dirty="0"/>
+              <a:t> on, try writing to a register: check for correct value</a:t>
+            </a:r>
+          </a:p>
+          <a:p>
+            <a:r>
+              <a:rPr lang="en-US" dirty="0"/>
+              <a:t>Write random values to all registers, try reading all registers: check </a:t>
+            </a:r>
+            <a:r>
+              <a:rPr lang="en-US" dirty="0" err="1"/>
+              <a:t>data_read</a:t>
+            </a:r>
+            <a:r>
+              <a:rPr lang="en-US" dirty="0"/>
+              <a:t> is correct</a:t>
+            </a:r>
+          </a:p>
+          <a:p>
+            <a:pPr lvl="1"/>
+            <a:r>
+              <a:rPr lang="en-US" dirty="0"/>
+              <a:t>Do twice</a:t>
+            </a:r>
+          </a:p>
+          <a:p>
+            <a:r>
+              <a:rPr lang="en-US" dirty="0"/>
+              <a:t>Reset check again</a:t>
             </a:r>
           </a:p>
         </p:txBody>
@@ -6099,7 +6270,7 @@
           <p:cNvPr id="5" name="Slide Number Placeholder 4">
             <a:extLst>
               <a:ext uri="{FF2B5EF4-FFF2-40B4-BE49-F238E27FC236}">
-                <a16:creationId xmlns:a16="http://schemas.microsoft.com/office/drawing/2014/main" id="{A896B40E-DC06-49BF-BFD3-304517BB06A3}"/>
+                <a16:creationId xmlns:a16="http://schemas.microsoft.com/office/drawing/2014/main" id="{BD9C6C1B-2485-DA5C-E77A-5AE0B15EA8EE}"/>
               </a:ext>
             </a:extLst>
           </p:cNvPr>
@@ -6125,10 +6296,10 @@
       </p:sp>
       <p:pic>
         <p:nvPicPr>
-          <p:cNvPr id="9" name="Picture 8" descr="A black and white screen with white text&#10;&#10;Description automatically generated">
-            <a:extLst>
-              <a:ext uri="{FF2B5EF4-FFF2-40B4-BE49-F238E27FC236}">
-                <a16:creationId xmlns:a16="http://schemas.microsoft.com/office/drawing/2014/main" id="{602A898A-4DC4-D63A-A6B4-668E5E561D40}"/>
+          <p:cNvPr id="6" name="Picture 5" descr="A screenshot of a computer program&#10;&#10;Description automatically generated">
+            <a:extLst>
+              <a:ext uri="{FF2B5EF4-FFF2-40B4-BE49-F238E27FC236}">
+                <a16:creationId xmlns:a16="http://schemas.microsoft.com/office/drawing/2014/main" id="{3FE90927-5BAB-2661-0012-59DAD3BC8173}"/>
               </a:ext>
             </a:extLst>
           </p:cNvPr>
@@ -6137,7 +6308,7 @@
           </p:cNvPicPr>
           <p:nvPr/>
         </p:nvPicPr>
-        <p:blipFill rotWithShape="1">
+        <p:blipFill>
           <a:blip r:embed="rId2">
             <a:extLst>
               <a:ext uri="{28A0092B-C50C-407E-A947-70E740481C1C}">
@@ -6145,48 +6316,14 @@
               </a:ext>
             </a:extLst>
           </a:blip>
-          <a:srcRect l="51863" b="55404"/>
-          <a:stretch/>
+          <a:stretch>
+            <a:fillRect/>
+          </a:stretch>
         </p:blipFill>
         <p:spPr>
           <a:xfrm>
-            <a:off x="1259633" y="2763923"/>
-            <a:ext cx="4259521" cy="2425474"/>
-          </a:xfrm>
-          <a:prstGeom prst="rect">
-            <a:avLst/>
-          </a:prstGeom>
-        </p:spPr>
-      </p:pic>
-      <p:pic>
-        <p:nvPicPr>
-          <p:cNvPr id="10" name="Picture 9" descr="A black and white screen with white text&#10;&#10;Description automatically generated">
-            <a:extLst>
-              <a:ext uri="{FF2B5EF4-FFF2-40B4-BE49-F238E27FC236}">
-                <a16:creationId xmlns:a16="http://schemas.microsoft.com/office/drawing/2014/main" id="{0C30E131-177D-F6B8-0AE8-D5CF155B5289}"/>
-              </a:ext>
-            </a:extLst>
-          </p:cNvPr>
-          <p:cNvPicPr>
-            <a:picLocks noChangeAspect="1"/>
-          </p:cNvPicPr>
-          <p:nvPr/>
-        </p:nvPicPr>
-        <p:blipFill rotWithShape="1">
-          <a:blip r:embed="rId2">
-            <a:extLst>
-              <a:ext uri="{28A0092B-C50C-407E-A947-70E740481C1C}">
-                <a14:useLocalDpi xmlns:a14="http://schemas.microsoft.com/office/drawing/2010/main" val="0"/>
-              </a:ext>
-            </a:extLst>
-          </a:blip>
-          <a:srcRect t="27955" r="77451" b="39963"/>
-          <a:stretch/>
-        </p:blipFill>
-        <p:spPr>
-          <a:xfrm>
-            <a:off x="6875008" y="2728679"/>
-            <a:ext cx="1995294" cy="1744825"/>
+            <a:off x="8218857" y="3889244"/>
+            <a:ext cx="3780686" cy="2879363"/>
           </a:xfrm>
           <a:prstGeom prst="rect">
             <a:avLst/>
@@ -6196,7 +6333,7 @@
     </p:spTree>
     <p:extLst>
       <p:ext uri="{BB962C8B-B14F-4D97-AF65-F5344CB8AC3E}">
-        <p14:creationId xmlns:p14="http://schemas.microsoft.com/office/powerpoint/2010/main" val="1617301959"/>
+        <p14:creationId xmlns:p14="http://schemas.microsoft.com/office/powerpoint/2010/main" val="46302471"/>
       </p:ext>
     </p:extLst>
   </p:cSld>
@@ -6228,7 +6365,7 @@
           <p:cNvPr id="2" name="Title 1">
             <a:extLst>
               <a:ext uri="{FF2B5EF4-FFF2-40B4-BE49-F238E27FC236}">
-                <a16:creationId xmlns:a16="http://schemas.microsoft.com/office/drawing/2014/main" id="{D1F6CC05-1F31-0C88-333C-5026AF10D397}"/>
+                <a16:creationId xmlns:a16="http://schemas.microsoft.com/office/drawing/2014/main" id="{EB3F7B05-73DE-A491-5991-E04BBBC698CA}"/>
               </a:ext>
             </a:extLst>
           </p:cNvPr>
@@ -6251,7 +6388,7 @@
           <a:p>
             <a:r>
               <a:rPr lang="en-US" dirty="0"/>
-              <a:t>Program Counter</a:t>
+              <a:t>Memory</a:t>
             </a:r>
           </a:p>
         </p:txBody>
@@ -6261,7 +6398,7 @@
           <p:cNvPr id="3" name="Subtitle 2">
             <a:extLst>
               <a:ext uri="{FF2B5EF4-FFF2-40B4-BE49-F238E27FC236}">
-                <a16:creationId xmlns:a16="http://schemas.microsoft.com/office/drawing/2014/main" id="{069353A1-7076-B958-432E-9B8FD5750AE7}"/>
+                <a16:creationId xmlns:a16="http://schemas.microsoft.com/office/drawing/2014/main" id="{AC823061-39AD-9D43-0432-59610A93A4A1}"/>
               </a:ext>
             </a:extLst>
           </p:cNvPr>
@@ -6277,10 +6414,32 @@
           <a:bodyPr/>
           <a:lstStyle/>
           <a:p>
-            <a:r>
-              <a:rPr lang="en-US" dirty="0"/>
-              <a:t>Logic and Test Cases</a:t>
-            </a:r>
+            <a:endParaRPr lang="en-US"/>
+          </a:p>
+        </p:txBody>
+      </p:sp>
+      <p:sp>
+        <p:nvSpPr>
+          <p:cNvPr id="4" name="Text Placeholder 3">
+            <a:extLst>
+              <a:ext uri="{FF2B5EF4-FFF2-40B4-BE49-F238E27FC236}">
+                <a16:creationId xmlns:a16="http://schemas.microsoft.com/office/drawing/2014/main" id="{F2A18362-0849-C467-4293-A237B5A80012}"/>
+              </a:ext>
+            </a:extLst>
+          </p:cNvPr>
+          <p:cNvSpPr>
+            <a:spLocks noGrp="1"/>
+          </p:cNvSpPr>
+          <p:nvPr>
+            <p:ph type="body" sz="quarter" idx="14"/>
+          </p:nvPr>
+        </p:nvSpPr>
+        <p:spPr/>
+        <p:txBody>
+          <a:bodyPr/>
+          <a:lstStyle/>
+          <a:p>
+            <a:endParaRPr lang="en-US"/>
           </a:p>
         </p:txBody>
       </p:sp>
@@ -6289,7 +6448,7 @@
           <p:cNvPr id="5" name="Slide Number Placeholder 4">
             <a:extLst>
               <a:ext uri="{FF2B5EF4-FFF2-40B4-BE49-F238E27FC236}">
-                <a16:creationId xmlns:a16="http://schemas.microsoft.com/office/drawing/2014/main" id="{A896B40E-DC06-49BF-BFD3-304517BB06A3}"/>
+                <a16:creationId xmlns:a16="http://schemas.microsoft.com/office/drawing/2014/main" id="{2FCCDFDD-E919-B6ED-4B67-9F63171EB214}"/>
               </a:ext>
             </a:extLst>
           </p:cNvPr>
@@ -6313,74 +6472,10 @@
           </a:p>
         </p:txBody>
       </p:sp>
-      <p:pic>
-        <p:nvPicPr>
-          <p:cNvPr id="4" name="Picture 3" descr="A black and white screen with white text&#10;&#10;Description automatically generated">
-            <a:extLst>
-              <a:ext uri="{FF2B5EF4-FFF2-40B4-BE49-F238E27FC236}">
-                <a16:creationId xmlns:a16="http://schemas.microsoft.com/office/drawing/2014/main" id="{25367EB2-360C-B712-60AE-079171120897}"/>
-              </a:ext>
-            </a:extLst>
-          </p:cNvPr>
-          <p:cNvPicPr>
-            <a:picLocks noChangeAspect="1"/>
-          </p:cNvPicPr>
-          <p:nvPr/>
-        </p:nvPicPr>
-        <p:blipFill rotWithShape="1">
-          <a:blip r:embed="rId2">
-            <a:extLst>
-              <a:ext uri="{28A0092B-C50C-407E-A947-70E740481C1C}">
-                <a14:useLocalDpi xmlns:a14="http://schemas.microsoft.com/office/drawing/2010/main" val="0"/>
-              </a:ext>
-            </a:extLst>
-          </a:blip>
-          <a:srcRect t="63467" r="30844"/>
-          <a:stretch/>
-        </p:blipFill>
-        <p:spPr>
-          <a:xfrm>
-            <a:off x="1067822" y="2096305"/>
-            <a:ext cx="10056355" cy="3265228"/>
-          </a:xfrm>
-          <a:prstGeom prst="rect">
-            <a:avLst/>
-          </a:prstGeom>
-        </p:spPr>
-      </p:pic>
-      <p:pic>
-        <p:nvPicPr>
-          <p:cNvPr id="7" name="Picture 6">
-            <a:extLst>
-              <a:ext uri="{FF2B5EF4-FFF2-40B4-BE49-F238E27FC236}">
-                <a16:creationId xmlns:a16="http://schemas.microsoft.com/office/drawing/2014/main" id="{D6CA6F6B-57FF-1C2B-3B06-D79B575C3413}"/>
-              </a:ext>
-            </a:extLst>
-          </p:cNvPr>
-          <p:cNvPicPr>
-            <a:picLocks noChangeAspect="1"/>
-          </p:cNvPicPr>
-          <p:nvPr/>
-        </p:nvPicPr>
-        <p:blipFill rotWithShape="1">
-          <a:blip r:embed="rId3"/>
-          <a:srcRect l="2457" t="5161" r="1322" b="2363"/>
-          <a:stretch/>
-        </p:blipFill>
-        <p:spPr>
-          <a:xfrm>
-            <a:off x="1067822" y="1831490"/>
-            <a:ext cx="4595860" cy="4019812"/>
-          </a:xfrm>
-          <a:prstGeom prst="rect">
-            <a:avLst/>
-          </a:prstGeom>
-        </p:spPr>
-      </p:pic>
     </p:spTree>
     <p:extLst>
       <p:ext uri="{BB962C8B-B14F-4D97-AF65-F5344CB8AC3E}">
-        <p14:creationId xmlns:p14="http://schemas.microsoft.com/office/powerpoint/2010/main" val="3391675750"/>
+        <p14:creationId xmlns:p14="http://schemas.microsoft.com/office/powerpoint/2010/main" val="2869620282"/>
       </p:ext>
     </p:extLst>
   </p:cSld>
@@ -6412,7 +6507,7 @@
           <p:cNvPr id="2" name="Title 1">
             <a:extLst>
               <a:ext uri="{FF2B5EF4-FFF2-40B4-BE49-F238E27FC236}">
-                <a16:creationId xmlns:a16="http://schemas.microsoft.com/office/drawing/2014/main" id="{EEAF6D0A-7814-2A94-F47A-3ECC7B8EDE59}"/>
+                <a16:creationId xmlns:a16="http://schemas.microsoft.com/office/drawing/2014/main" id="{D1F6CC05-1F31-0C88-333C-5026AF10D397}"/>
               </a:ext>
             </a:extLst>
           </p:cNvPr>
@@ -6435,7 +6530,7 @@
           <a:p>
             <a:r>
               <a:rPr lang="en-US" dirty="0"/>
-              <a:t>Peripherals</a:t>
+              <a:t>Program Counter</a:t>
             </a:r>
           </a:p>
         </p:txBody>
@@ -6445,7 +6540,7 @@
           <p:cNvPr id="3" name="Subtitle 2">
             <a:extLst>
               <a:ext uri="{FF2B5EF4-FFF2-40B4-BE49-F238E27FC236}">
-                <a16:creationId xmlns:a16="http://schemas.microsoft.com/office/drawing/2014/main" id="{FFF467C2-55D2-EC86-825B-16EBAE111702}"/>
+                <a16:creationId xmlns:a16="http://schemas.microsoft.com/office/drawing/2014/main" id="{069353A1-7076-B958-432E-9B8FD5750AE7}"/>
               </a:ext>
             </a:extLst>
           </p:cNvPr>
@@ -6461,35 +6556,10 @@
           <a:bodyPr/>
           <a:lstStyle/>
           <a:p>
-            <a:endParaRPr lang="en-US"/>
-          </a:p>
-        </p:txBody>
-      </p:sp>
-      <p:sp>
-        <p:nvSpPr>
-          <p:cNvPr id="4" name="Text Placeholder 3">
-            <a:extLst>
-              <a:ext uri="{FF2B5EF4-FFF2-40B4-BE49-F238E27FC236}">
-                <a16:creationId xmlns:a16="http://schemas.microsoft.com/office/drawing/2014/main" id="{5DF050C2-2C1C-78CA-C656-82D41545CD8E}"/>
-              </a:ext>
-            </a:extLst>
-          </p:cNvPr>
-          <p:cNvSpPr>
-            <a:spLocks noGrp="1"/>
-          </p:cNvSpPr>
-          <p:nvPr>
-            <p:ph type="body" sz="quarter" idx="14"/>
-          </p:nvPr>
-        </p:nvSpPr>
-        <p:spPr/>
-        <p:txBody>
-          <a:bodyPr/>
-          <a:lstStyle/>
-          <a:p>
-            <a:pPr marL="0" indent="0">
-              <a:buNone/>
-            </a:pPr>
-            <a:endParaRPr lang="en-US" dirty="0"/>
+            <a:r>
+              <a:rPr lang="en-US" dirty="0"/>
+              <a:t>RTL Diagram and Input/Output</a:t>
+            </a:r>
           </a:p>
         </p:txBody>
       </p:sp>
@@ -6498,7 +6568,7 @@
           <p:cNvPr id="5" name="Slide Number Placeholder 4">
             <a:extLst>
               <a:ext uri="{FF2B5EF4-FFF2-40B4-BE49-F238E27FC236}">
-                <a16:creationId xmlns:a16="http://schemas.microsoft.com/office/drawing/2014/main" id="{D098254D-9CED-6343-6D6F-6FF0B8DDD786}"/>
+                <a16:creationId xmlns:a16="http://schemas.microsoft.com/office/drawing/2014/main" id="{A896B40E-DC06-49BF-BFD3-304517BB06A3}"/>
               </a:ext>
             </a:extLst>
           </p:cNvPr>
@@ -6522,10 +6592,80 @@
           </a:p>
         </p:txBody>
       </p:sp>
+      <p:pic>
+        <p:nvPicPr>
+          <p:cNvPr id="9" name="Picture 8" descr="A black and white screen with white text&#10;&#10;Description automatically generated">
+            <a:extLst>
+              <a:ext uri="{FF2B5EF4-FFF2-40B4-BE49-F238E27FC236}">
+                <a16:creationId xmlns:a16="http://schemas.microsoft.com/office/drawing/2014/main" id="{602A898A-4DC4-D63A-A6B4-668E5E561D40}"/>
+              </a:ext>
+            </a:extLst>
+          </p:cNvPr>
+          <p:cNvPicPr>
+            <a:picLocks noChangeAspect="1"/>
+          </p:cNvPicPr>
+          <p:nvPr/>
+        </p:nvPicPr>
+        <p:blipFill rotWithShape="1">
+          <a:blip r:embed="rId2">
+            <a:extLst>
+              <a:ext uri="{28A0092B-C50C-407E-A947-70E740481C1C}">
+                <a14:useLocalDpi xmlns:a14="http://schemas.microsoft.com/office/drawing/2010/main" val="0"/>
+              </a:ext>
+            </a:extLst>
+          </a:blip>
+          <a:srcRect l="51863" b="55404"/>
+          <a:stretch/>
+        </p:blipFill>
+        <p:spPr>
+          <a:xfrm>
+            <a:off x="1259633" y="2763923"/>
+            <a:ext cx="4259521" cy="2425474"/>
+          </a:xfrm>
+          <a:prstGeom prst="rect">
+            <a:avLst/>
+          </a:prstGeom>
+        </p:spPr>
+      </p:pic>
+      <p:pic>
+        <p:nvPicPr>
+          <p:cNvPr id="10" name="Picture 9" descr="A black and white screen with white text&#10;&#10;Description automatically generated">
+            <a:extLst>
+              <a:ext uri="{FF2B5EF4-FFF2-40B4-BE49-F238E27FC236}">
+                <a16:creationId xmlns:a16="http://schemas.microsoft.com/office/drawing/2014/main" id="{0C30E131-177D-F6B8-0AE8-D5CF155B5289}"/>
+              </a:ext>
+            </a:extLst>
+          </p:cNvPr>
+          <p:cNvPicPr>
+            <a:picLocks noChangeAspect="1"/>
+          </p:cNvPicPr>
+          <p:nvPr/>
+        </p:nvPicPr>
+        <p:blipFill rotWithShape="1">
+          <a:blip r:embed="rId2">
+            <a:extLst>
+              <a:ext uri="{28A0092B-C50C-407E-A947-70E740481C1C}">
+                <a14:useLocalDpi xmlns:a14="http://schemas.microsoft.com/office/drawing/2010/main" val="0"/>
+              </a:ext>
+            </a:extLst>
+          </a:blip>
+          <a:srcRect t="27955" r="77451" b="39963"/>
+          <a:stretch/>
+        </p:blipFill>
+        <p:spPr>
+          <a:xfrm>
+            <a:off x="6875008" y="2728679"/>
+            <a:ext cx="1995294" cy="1744825"/>
+          </a:xfrm>
+          <a:prstGeom prst="rect">
+            <a:avLst/>
+          </a:prstGeom>
+        </p:spPr>
+      </p:pic>
     </p:spTree>
     <p:extLst>
       <p:ext uri="{BB962C8B-B14F-4D97-AF65-F5344CB8AC3E}">
-        <p14:creationId xmlns:p14="http://schemas.microsoft.com/office/powerpoint/2010/main" val="673691625"/>
+        <p14:creationId xmlns:p14="http://schemas.microsoft.com/office/powerpoint/2010/main" val="1617301959"/>
       </p:ext>
     </p:extLst>
   </p:cSld>
@@ -6557,7 +6697,7 @@
           <p:cNvPr id="2" name="Title 1">
             <a:extLst>
               <a:ext uri="{FF2B5EF4-FFF2-40B4-BE49-F238E27FC236}">
-                <a16:creationId xmlns:a16="http://schemas.microsoft.com/office/drawing/2014/main" id="{84E2E6AF-4C46-F611-0830-0584094CF72D}"/>
+                <a16:creationId xmlns:a16="http://schemas.microsoft.com/office/drawing/2014/main" id="{D1F6CC05-1F31-0C88-333C-5026AF10D397}"/>
               </a:ext>
             </a:extLst>
           </p:cNvPr>
@@ -6580,7 +6720,7 @@
           <a:p>
             <a:r>
               <a:rPr lang="en-US" dirty="0"/>
-              <a:t>Expected Obstacles</a:t>
+              <a:t>Program Counter</a:t>
             </a:r>
           </a:p>
         </p:txBody>
@@ -6590,7 +6730,7 @@
           <p:cNvPr id="3" name="Subtitle 2">
             <a:extLst>
               <a:ext uri="{FF2B5EF4-FFF2-40B4-BE49-F238E27FC236}">
-                <a16:creationId xmlns:a16="http://schemas.microsoft.com/office/drawing/2014/main" id="{471C2136-9DD0-D267-3D8B-A8EE373D98E0}"/>
+                <a16:creationId xmlns:a16="http://schemas.microsoft.com/office/drawing/2014/main" id="{069353A1-7076-B958-432E-9B8FD5750AE7}"/>
               </a:ext>
             </a:extLst>
           </p:cNvPr>
@@ -6606,32 +6746,10 @@
           <a:bodyPr/>
           <a:lstStyle/>
           <a:p>
-            <a:endParaRPr lang="en-US"/>
-          </a:p>
-        </p:txBody>
-      </p:sp>
-      <p:sp>
-        <p:nvSpPr>
-          <p:cNvPr id="4" name="Text Placeholder 3">
-            <a:extLst>
-              <a:ext uri="{FF2B5EF4-FFF2-40B4-BE49-F238E27FC236}">
-                <a16:creationId xmlns:a16="http://schemas.microsoft.com/office/drawing/2014/main" id="{B44DD88A-56DA-9FD9-78FF-2228D1EE0F97}"/>
-              </a:ext>
-            </a:extLst>
-          </p:cNvPr>
-          <p:cNvSpPr>
-            <a:spLocks noGrp="1"/>
-          </p:cNvSpPr>
-          <p:nvPr>
-            <p:ph type="body" sz="quarter" idx="14"/>
-          </p:nvPr>
-        </p:nvSpPr>
-        <p:spPr/>
-        <p:txBody>
-          <a:bodyPr/>
-          <a:lstStyle/>
-          <a:p>
-            <a:endParaRPr lang="en-US"/>
+            <a:r>
+              <a:rPr lang="en-US" dirty="0"/>
+              <a:t>Logic and Test Cases</a:t>
+            </a:r>
           </a:p>
         </p:txBody>
       </p:sp>
@@ -6640,7 +6758,7 @@
           <p:cNvPr id="5" name="Slide Number Placeholder 4">
             <a:extLst>
               <a:ext uri="{FF2B5EF4-FFF2-40B4-BE49-F238E27FC236}">
-                <a16:creationId xmlns:a16="http://schemas.microsoft.com/office/drawing/2014/main" id="{682D4168-ECD1-209B-6680-7551993E2135}"/>
+                <a16:creationId xmlns:a16="http://schemas.microsoft.com/office/drawing/2014/main" id="{A896B40E-DC06-49BF-BFD3-304517BB06A3}"/>
               </a:ext>
             </a:extLst>
           </p:cNvPr>
@@ -6664,10 +6782,74 @@
           </a:p>
         </p:txBody>
       </p:sp>
+      <p:pic>
+        <p:nvPicPr>
+          <p:cNvPr id="4" name="Picture 3" descr="A black and white screen with white text&#10;&#10;Description automatically generated">
+            <a:extLst>
+              <a:ext uri="{FF2B5EF4-FFF2-40B4-BE49-F238E27FC236}">
+                <a16:creationId xmlns:a16="http://schemas.microsoft.com/office/drawing/2014/main" id="{25367EB2-360C-B712-60AE-079171120897}"/>
+              </a:ext>
+            </a:extLst>
+          </p:cNvPr>
+          <p:cNvPicPr>
+            <a:picLocks noChangeAspect="1"/>
+          </p:cNvPicPr>
+          <p:nvPr/>
+        </p:nvPicPr>
+        <p:blipFill rotWithShape="1">
+          <a:blip r:embed="rId2">
+            <a:extLst>
+              <a:ext uri="{28A0092B-C50C-407E-A947-70E740481C1C}">
+                <a14:useLocalDpi xmlns:a14="http://schemas.microsoft.com/office/drawing/2010/main" val="0"/>
+              </a:ext>
+            </a:extLst>
+          </a:blip>
+          <a:srcRect t="63467" r="30844"/>
+          <a:stretch/>
+        </p:blipFill>
+        <p:spPr>
+          <a:xfrm>
+            <a:off x="1067822" y="2096305"/>
+            <a:ext cx="10056355" cy="3265228"/>
+          </a:xfrm>
+          <a:prstGeom prst="rect">
+            <a:avLst/>
+          </a:prstGeom>
+        </p:spPr>
+      </p:pic>
+      <p:pic>
+        <p:nvPicPr>
+          <p:cNvPr id="7" name="Picture 6">
+            <a:extLst>
+              <a:ext uri="{FF2B5EF4-FFF2-40B4-BE49-F238E27FC236}">
+                <a16:creationId xmlns:a16="http://schemas.microsoft.com/office/drawing/2014/main" id="{D6CA6F6B-57FF-1C2B-3B06-D79B575C3413}"/>
+              </a:ext>
+            </a:extLst>
+          </p:cNvPr>
+          <p:cNvPicPr>
+            <a:picLocks noChangeAspect="1"/>
+          </p:cNvPicPr>
+          <p:nvPr/>
+        </p:nvPicPr>
+        <p:blipFill rotWithShape="1">
+          <a:blip r:embed="rId3"/>
+          <a:srcRect l="2457" t="5161" r="1322" b="2363"/>
+          <a:stretch/>
+        </p:blipFill>
+        <p:spPr>
+          <a:xfrm>
+            <a:off x="1067822" y="1831490"/>
+            <a:ext cx="4595860" cy="4019812"/>
+          </a:xfrm>
+          <a:prstGeom prst="rect">
+            <a:avLst/>
+          </a:prstGeom>
+        </p:spPr>
+      </p:pic>
     </p:spTree>
     <p:extLst>
       <p:ext uri="{BB962C8B-B14F-4D97-AF65-F5344CB8AC3E}">
-        <p14:creationId xmlns:p14="http://schemas.microsoft.com/office/powerpoint/2010/main" val="3140182961"/>
+        <p14:creationId xmlns:p14="http://schemas.microsoft.com/office/powerpoint/2010/main" val="3391675750"/>
       </p:ext>
     </p:extLst>
   </p:cSld>
@@ -6699,7 +6881,7 @@
           <p:cNvPr id="2" name="Title 1">
             <a:extLst>
               <a:ext uri="{FF2B5EF4-FFF2-40B4-BE49-F238E27FC236}">
-                <a16:creationId xmlns:a16="http://schemas.microsoft.com/office/drawing/2014/main" id="{6799C4B2-C790-FB8B-4821-10F77E122C20}"/>
+                <a16:creationId xmlns:a16="http://schemas.microsoft.com/office/drawing/2014/main" id="{EEAF6D0A-7814-2A94-F47A-3ECC7B8EDE59}"/>
               </a:ext>
             </a:extLst>
           </p:cNvPr>
@@ -6722,7 +6904,7 @@
           <a:p>
             <a:r>
               <a:rPr lang="en-US" dirty="0"/>
-              <a:t>Future Plans</a:t>
+              <a:t>Peripherals</a:t>
             </a:r>
           </a:p>
         </p:txBody>
@@ -6732,7 +6914,7 @@
           <p:cNvPr id="3" name="Subtitle 2">
             <a:extLst>
               <a:ext uri="{FF2B5EF4-FFF2-40B4-BE49-F238E27FC236}">
-                <a16:creationId xmlns:a16="http://schemas.microsoft.com/office/drawing/2014/main" id="{E03FFE2C-5D65-D6E4-2FE1-7A95922722D1}"/>
+                <a16:creationId xmlns:a16="http://schemas.microsoft.com/office/drawing/2014/main" id="{FFF467C2-55D2-EC86-825B-16EBAE111702}"/>
               </a:ext>
             </a:extLst>
           </p:cNvPr>
@@ -6757,7 +6939,7 @@
           <p:cNvPr id="4" name="Text Placeholder 3">
             <a:extLst>
               <a:ext uri="{FF2B5EF4-FFF2-40B4-BE49-F238E27FC236}">
-                <a16:creationId xmlns:a16="http://schemas.microsoft.com/office/drawing/2014/main" id="{7794BFF1-E7A0-748B-9321-5A00891D805A}"/>
+                <a16:creationId xmlns:a16="http://schemas.microsoft.com/office/drawing/2014/main" id="{5DF050C2-2C1C-78CA-C656-82D41545CD8E}"/>
               </a:ext>
             </a:extLst>
           </p:cNvPr>
@@ -6773,10 +6955,10 @@
           <a:bodyPr/>
           <a:lstStyle/>
           <a:p>
-            <a:r>
-              <a:rPr lang="en-US" dirty="0"/>
-              <a:t>Error correction?</a:t>
-            </a:r>
+            <a:pPr marL="0" indent="0">
+              <a:buNone/>
+            </a:pPr>
+            <a:endParaRPr lang="en-US" dirty="0"/>
           </a:p>
         </p:txBody>
       </p:sp>
@@ -6785,7 +6967,7 @@
           <p:cNvPr id="5" name="Slide Number Placeholder 4">
             <a:extLst>
               <a:ext uri="{FF2B5EF4-FFF2-40B4-BE49-F238E27FC236}">
-                <a16:creationId xmlns:a16="http://schemas.microsoft.com/office/drawing/2014/main" id="{5BDDAFA0-D6CE-5536-5E75-4528A2EC55BD}"/>
+                <a16:creationId xmlns:a16="http://schemas.microsoft.com/office/drawing/2014/main" id="{D098254D-9CED-6343-6D6F-6FF0B8DDD786}"/>
               </a:ext>
             </a:extLst>
           </p:cNvPr>
@@ -6812,7 +6994,149 @@
     </p:spTree>
     <p:extLst>
       <p:ext uri="{BB962C8B-B14F-4D97-AF65-F5344CB8AC3E}">
-        <p14:creationId xmlns:p14="http://schemas.microsoft.com/office/powerpoint/2010/main" val="391822046"/>
+        <p14:creationId xmlns:p14="http://schemas.microsoft.com/office/powerpoint/2010/main" val="673691625"/>
+      </p:ext>
+    </p:extLst>
+  </p:cSld>
+  <p:clrMapOvr>
+    <a:masterClrMapping/>
+  </p:clrMapOvr>
+</p:sld>
+</file>
+
+<file path=ppt/slides/slide19.xml><?xml version="1.0" encoding="utf-8"?>
+<p:sld xmlns:a="http://schemas.openxmlformats.org/drawingml/2006/main" xmlns:r="http://schemas.openxmlformats.org/officeDocument/2006/relationships" xmlns:p="http://schemas.openxmlformats.org/presentationml/2006/main">
+  <p:cSld>
+    <p:spTree>
+      <p:nvGrpSpPr>
+        <p:cNvPr id="1" name=""/>
+        <p:cNvGrpSpPr/>
+        <p:nvPr/>
+      </p:nvGrpSpPr>
+      <p:grpSpPr>
+        <a:xfrm>
+          <a:off x="0" y="0"/>
+          <a:ext cx="0" cy="0"/>
+          <a:chOff x="0" y="0"/>
+          <a:chExt cx="0" cy="0"/>
+        </a:xfrm>
+      </p:grpSpPr>
+      <p:sp>
+        <p:nvSpPr>
+          <p:cNvPr id="2" name="Title 1">
+            <a:extLst>
+              <a:ext uri="{FF2B5EF4-FFF2-40B4-BE49-F238E27FC236}">
+                <a16:creationId xmlns:a16="http://schemas.microsoft.com/office/drawing/2014/main" id="{84E2E6AF-4C46-F611-0830-0584094CF72D}"/>
+              </a:ext>
+            </a:extLst>
+          </p:cNvPr>
+          <p:cNvSpPr>
+            <a:spLocks noGrp="1"/>
+          </p:cNvSpPr>
+          <p:nvPr>
+            <p:ph type="ctrTitle"/>
+          </p:nvPr>
+        </p:nvSpPr>
+        <p:spPr>
+          <a:xfrm>
+            <a:off x="1504670" y="437030"/>
+            <a:ext cx="9234309" cy="498598"/>
+          </a:xfrm>
+        </p:spPr>
+        <p:txBody>
+          <a:bodyPr/>
+          <a:lstStyle/>
+          <a:p>
+            <a:r>
+              <a:rPr lang="en-US" dirty="0"/>
+              <a:t>Expected Obstacles</a:t>
+            </a:r>
+          </a:p>
+        </p:txBody>
+      </p:sp>
+      <p:sp>
+        <p:nvSpPr>
+          <p:cNvPr id="3" name="Subtitle 2">
+            <a:extLst>
+              <a:ext uri="{FF2B5EF4-FFF2-40B4-BE49-F238E27FC236}">
+                <a16:creationId xmlns:a16="http://schemas.microsoft.com/office/drawing/2014/main" id="{471C2136-9DD0-D267-3D8B-A8EE373D98E0}"/>
+              </a:ext>
+            </a:extLst>
+          </p:cNvPr>
+          <p:cNvSpPr>
+            <a:spLocks noGrp="1"/>
+          </p:cNvSpPr>
+          <p:nvPr>
+            <p:ph type="subTitle" idx="1"/>
+          </p:nvPr>
+        </p:nvSpPr>
+        <p:spPr/>
+        <p:txBody>
+          <a:bodyPr/>
+          <a:lstStyle/>
+          <a:p>
+            <a:endParaRPr lang="en-US"/>
+          </a:p>
+        </p:txBody>
+      </p:sp>
+      <p:sp>
+        <p:nvSpPr>
+          <p:cNvPr id="4" name="Text Placeholder 3">
+            <a:extLst>
+              <a:ext uri="{FF2B5EF4-FFF2-40B4-BE49-F238E27FC236}">
+                <a16:creationId xmlns:a16="http://schemas.microsoft.com/office/drawing/2014/main" id="{B44DD88A-56DA-9FD9-78FF-2228D1EE0F97}"/>
+              </a:ext>
+            </a:extLst>
+          </p:cNvPr>
+          <p:cNvSpPr>
+            <a:spLocks noGrp="1"/>
+          </p:cNvSpPr>
+          <p:nvPr>
+            <p:ph type="body" sz="quarter" idx="14"/>
+          </p:nvPr>
+        </p:nvSpPr>
+        <p:spPr/>
+        <p:txBody>
+          <a:bodyPr/>
+          <a:lstStyle/>
+          <a:p>
+            <a:endParaRPr lang="en-US"/>
+          </a:p>
+        </p:txBody>
+      </p:sp>
+      <p:sp>
+        <p:nvSpPr>
+          <p:cNvPr id="5" name="Slide Number Placeholder 4">
+            <a:extLst>
+              <a:ext uri="{FF2B5EF4-FFF2-40B4-BE49-F238E27FC236}">
+                <a16:creationId xmlns:a16="http://schemas.microsoft.com/office/drawing/2014/main" id="{682D4168-ECD1-209B-6680-7551993E2135}"/>
+              </a:ext>
+            </a:extLst>
+          </p:cNvPr>
+          <p:cNvSpPr>
+            <a:spLocks noGrp="1"/>
+          </p:cNvSpPr>
+          <p:nvPr>
+            <p:ph type="sldNum" sz="quarter" idx="12"/>
+          </p:nvPr>
+        </p:nvSpPr>
+        <p:spPr/>
+        <p:txBody>
+          <a:bodyPr/>
+          <a:lstStyle/>
+          <a:p>
+            <a:fld id="{88B5220A-EB23-48F3-9FB6-FE2BFABBF45A}" type="slidenum">
+              <a:rPr lang="en-US" smtClean="0"/>
+              <a:t>19</a:t>
+            </a:fld>
+            <a:endParaRPr lang="en-US" dirty="0"/>
+          </a:p>
+        </p:txBody>
+      </p:sp>
+    </p:spTree>
+    <p:extLst>
+      <p:ext uri="{BB962C8B-B14F-4D97-AF65-F5344CB8AC3E}">
+        <p14:creationId xmlns:p14="http://schemas.microsoft.com/office/powerpoint/2010/main" val="3140182961"/>
       </p:ext>
     </p:extLst>
   </p:cSld>
@@ -7063,6 +7387,151 @@
     <p:extLst>
       <p:ext uri="{BB962C8B-B14F-4D97-AF65-F5344CB8AC3E}">
         <p14:creationId xmlns:p14="http://schemas.microsoft.com/office/powerpoint/2010/main" val="716617530"/>
+      </p:ext>
+    </p:extLst>
+  </p:cSld>
+  <p:clrMapOvr>
+    <a:masterClrMapping/>
+  </p:clrMapOvr>
+</p:sld>
+</file>
+
+<file path=ppt/slides/slide20.xml><?xml version="1.0" encoding="utf-8"?>
+<p:sld xmlns:a="http://schemas.openxmlformats.org/drawingml/2006/main" xmlns:r="http://schemas.openxmlformats.org/officeDocument/2006/relationships" xmlns:p="http://schemas.openxmlformats.org/presentationml/2006/main">
+  <p:cSld>
+    <p:spTree>
+      <p:nvGrpSpPr>
+        <p:cNvPr id="1" name=""/>
+        <p:cNvGrpSpPr/>
+        <p:nvPr/>
+      </p:nvGrpSpPr>
+      <p:grpSpPr>
+        <a:xfrm>
+          <a:off x="0" y="0"/>
+          <a:ext cx="0" cy="0"/>
+          <a:chOff x="0" y="0"/>
+          <a:chExt cx="0" cy="0"/>
+        </a:xfrm>
+      </p:grpSpPr>
+      <p:sp>
+        <p:nvSpPr>
+          <p:cNvPr id="2" name="Title 1">
+            <a:extLst>
+              <a:ext uri="{FF2B5EF4-FFF2-40B4-BE49-F238E27FC236}">
+                <a16:creationId xmlns:a16="http://schemas.microsoft.com/office/drawing/2014/main" id="{6799C4B2-C790-FB8B-4821-10F77E122C20}"/>
+              </a:ext>
+            </a:extLst>
+          </p:cNvPr>
+          <p:cNvSpPr>
+            <a:spLocks noGrp="1"/>
+          </p:cNvSpPr>
+          <p:nvPr>
+            <p:ph type="ctrTitle"/>
+          </p:nvPr>
+        </p:nvSpPr>
+        <p:spPr>
+          <a:xfrm>
+            <a:off x="1504670" y="437030"/>
+            <a:ext cx="9234309" cy="498598"/>
+          </a:xfrm>
+        </p:spPr>
+        <p:txBody>
+          <a:bodyPr/>
+          <a:lstStyle/>
+          <a:p>
+            <a:r>
+              <a:rPr lang="en-US" dirty="0"/>
+              <a:t>Future Plans</a:t>
+            </a:r>
+          </a:p>
+        </p:txBody>
+      </p:sp>
+      <p:sp>
+        <p:nvSpPr>
+          <p:cNvPr id="3" name="Subtitle 2">
+            <a:extLst>
+              <a:ext uri="{FF2B5EF4-FFF2-40B4-BE49-F238E27FC236}">
+                <a16:creationId xmlns:a16="http://schemas.microsoft.com/office/drawing/2014/main" id="{E03FFE2C-5D65-D6E4-2FE1-7A95922722D1}"/>
+              </a:ext>
+            </a:extLst>
+          </p:cNvPr>
+          <p:cNvSpPr>
+            <a:spLocks noGrp="1"/>
+          </p:cNvSpPr>
+          <p:nvPr>
+            <p:ph type="subTitle" idx="1"/>
+          </p:nvPr>
+        </p:nvSpPr>
+        <p:spPr/>
+        <p:txBody>
+          <a:bodyPr/>
+          <a:lstStyle/>
+          <a:p>
+            <a:endParaRPr lang="en-US"/>
+          </a:p>
+        </p:txBody>
+      </p:sp>
+      <p:sp>
+        <p:nvSpPr>
+          <p:cNvPr id="4" name="Text Placeholder 3">
+            <a:extLst>
+              <a:ext uri="{FF2B5EF4-FFF2-40B4-BE49-F238E27FC236}">
+                <a16:creationId xmlns:a16="http://schemas.microsoft.com/office/drawing/2014/main" id="{7794BFF1-E7A0-748B-9321-5A00891D805A}"/>
+              </a:ext>
+            </a:extLst>
+          </p:cNvPr>
+          <p:cNvSpPr>
+            <a:spLocks noGrp="1"/>
+          </p:cNvSpPr>
+          <p:nvPr>
+            <p:ph type="body" sz="quarter" idx="14"/>
+          </p:nvPr>
+        </p:nvSpPr>
+        <p:spPr/>
+        <p:txBody>
+          <a:bodyPr/>
+          <a:lstStyle/>
+          <a:p>
+            <a:r>
+              <a:rPr lang="en-US" dirty="0"/>
+              <a:t>Error correction?</a:t>
+            </a:r>
+          </a:p>
+        </p:txBody>
+      </p:sp>
+      <p:sp>
+        <p:nvSpPr>
+          <p:cNvPr id="5" name="Slide Number Placeholder 4">
+            <a:extLst>
+              <a:ext uri="{FF2B5EF4-FFF2-40B4-BE49-F238E27FC236}">
+                <a16:creationId xmlns:a16="http://schemas.microsoft.com/office/drawing/2014/main" id="{5BDDAFA0-D6CE-5536-5E75-4528A2EC55BD}"/>
+              </a:ext>
+            </a:extLst>
+          </p:cNvPr>
+          <p:cNvSpPr>
+            <a:spLocks noGrp="1"/>
+          </p:cNvSpPr>
+          <p:nvPr>
+            <p:ph type="sldNum" sz="quarter" idx="12"/>
+          </p:nvPr>
+        </p:nvSpPr>
+        <p:spPr/>
+        <p:txBody>
+          <a:bodyPr/>
+          <a:lstStyle/>
+          <a:p>
+            <a:fld id="{88B5220A-EB23-48F3-9FB6-FE2BFABBF45A}" type="slidenum">
+              <a:rPr lang="en-US" smtClean="0"/>
+              <a:t>20</a:t>
+            </a:fld>
+            <a:endParaRPr lang="en-US" dirty="0"/>
+          </a:p>
+        </p:txBody>
+      </p:sp>
+    </p:spTree>
+    <p:extLst>
+      <p:ext uri="{BB962C8B-B14F-4D97-AF65-F5344CB8AC3E}">
+        <p14:creationId xmlns:p14="http://schemas.microsoft.com/office/powerpoint/2010/main" val="391822046"/>
       </p:ext>
     </p:extLst>
   </p:cSld>

--- a/Project_Proposal.pptx
+++ b/Project_Proposal.pptx
@@ -5,10 +5,10 @@
     <p:sldMasterId id="2147483660" r:id="rId1"/>
   </p:sldMasterIdLst>
   <p:notesMasterIdLst>
-    <p:notesMasterId r:id="rId22"/>
+    <p:notesMasterId r:id="rId24"/>
   </p:notesMasterIdLst>
   <p:handoutMasterIdLst>
-    <p:handoutMasterId r:id="rId23"/>
+    <p:handoutMasterId r:id="rId25"/>
   </p:handoutMasterIdLst>
   <p:sldIdLst>
     <p:sldId id="256" r:id="rId2"/>
@@ -22,15 +22,17 @@
     <p:sldId id="340" r:id="rId10"/>
     <p:sldId id="317" r:id="rId11"/>
     <p:sldId id="318" r:id="rId12"/>
-    <p:sldId id="329" r:id="rId13"/>
-    <p:sldId id="341" r:id="rId14"/>
-    <p:sldId id="342" r:id="rId15"/>
-    <p:sldId id="330" r:id="rId16"/>
-    <p:sldId id="332" r:id="rId17"/>
-    <p:sldId id="339" r:id="rId18"/>
-    <p:sldId id="333" r:id="rId19"/>
-    <p:sldId id="335" r:id="rId20"/>
-    <p:sldId id="336" r:id="rId21"/>
+    <p:sldId id="319" r:id="rId13"/>
+    <p:sldId id="320" r:id="rId14"/>
+    <p:sldId id="343" r:id="rId15"/>
+    <p:sldId id="341" r:id="rId16"/>
+    <p:sldId id="342" r:id="rId17"/>
+    <p:sldId id="330" r:id="rId18"/>
+    <p:sldId id="332" r:id="rId19"/>
+    <p:sldId id="339" r:id="rId20"/>
+    <p:sldId id="333" r:id="rId21"/>
+    <p:sldId id="335" r:id="rId22"/>
+    <p:sldId id="336" r:id="rId23"/>
   </p:sldIdLst>
   <p:sldSz cx="12192000" cy="6858000"/>
   <p:notesSz cx="6858000" cy="9144000"/>
@@ -145,7 +147,9 @@
             <p14:sldId id="340"/>
             <p14:sldId id="317"/>
             <p14:sldId id="318"/>
-            <p14:sldId id="329"/>
+            <p14:sldId id="319"/>
+            <p14:sldId id="320"/>
+            <p14:sldId id="343"/>
             <p14:sldId id="341"/>
             <p14:sldId id="342"/>
             <p14:sldId id="330"/>
@@ -5381,7 +5385,7 @@
           <a:p>
             <a:r>
               <a:rPr lang="en-US" dirty="0"/>
-              <a:t>Test Cases</a:t>
+              <a:t>Control Unit &amp; Decoder Test Cases</a:t>
             </a:r>
           </a:p>
         </p:txBody>
@@ -5647,7 +5651,7 @@
           <a:p>
             <a:r>
               <a:rPr lang="en-US" dirty="0"/>
-              <a:t>Test Case</a:t>
+              <a:t>Immediate Generator Test Case</a:t>
             </a:r>
           </a:p>
         </p:txBody>
@@ -5823,7 +5827,7 @@
           <p:cNvPr id="2" name="Title 1">
             <a:extLst>
               <a:ext uri="{FF2B5EF4-FFF2-40B4-BE49-F238E27FC236}">
-                <a16:creationId xmlns:a16="http://schemas.microsoft.com/office/drawing/2014/main" id="{6346E85E-8D15-D4EB-CF18-9132EC62AC77}"/>
+                <a16:creationId xmlns:a16="http://schemas.microsoft.com/office/drawing/2014/main" id="{183CB501-4FD1-826B-08B4-572407C339B1}"/>
               </a:ext>
             </a:extLst>
           </p:cNvPr>
@@ -5853,51 +5857,493 @@
       </p:sp>
       <p:sp>
         <p:nvSpPr>
-          <p:cNvPr id="3" name="Subtitle 2">
-            <a:extLst>
-              <a:ext uri="{FF2B5EF4-FFF2-40B4-BE49-F238E27FC236}">
-                <a16:creationId xmlns:a16="http://schemas.microsoft.com/office/drawing/2014/main" id="{5B40D6B8-97AE-9397-3D32-EF0CF1737FFA}"/>
-              </a:ext>
-            </a:extLst>
-          </p:cNvPr>
-          <p:cNvSpPr>
-            <a:spLocks noGrp="1"/>
-          </p:cNvSpPr>
-          <p:nvPr>
-            <p:ph type="subTitle" idx="1"/>
-          </p:nvPr>
-        </p:nvSpPr>
-        <p:spPr/>
-        <p:txBody>
-          <a:bodyPr/>
+          <p:cNvPr id="4" name="Text Placeholder 3">
+            <a:extLst>
+              <a:ext uri="{FF2B5EF4-FFF2-40B4-BE49-F238E27FC236}">
+                <a16:creationId xmlns:a16="http://schemas.microsoft.com/office/drawing/2014/main" id="{49B11A3A-948B-97C7-2C89-64DC025C30AC}"/>
+              </a:ext>
+            </a:extLst>
+          </p:cNvPr>
+          <p:cNvSpPr>
+            <a:spLocks noGrp="1"/>
+          </p:cNvSpPr>
+          <p:nvPr>
+            <p:ph type="body" sz="quarter" idx="14"/>
+          </p:nvPr>
+        </p:nvSpPr>
+        <p:spPr>
+          <a:xfrm>
+            <a:off x="1636027" y="1525788"/>
+            <a:ext cx="7533373" cy="4349166"/>
+          </a:xfrm>
+        </p:spPr>
+        <p:txBody>
+          <a:bodyPr>
+            <a:normAutofit lnSpcReduction="10000"/>
+          </a:bodyPr>
           <a:lstStyle/>
           <a:p>
-            <a:endParaRPr lang="en-US"/>
-          </a:p>
-        </p:txBody>
-      </p:sp>
-      <p:sp>
-        <p:nvSpPr>
-          <p:cNvPr id="4" name="Text Placeholder 3">
-            <a:extLst>
-              <a:ext uri="{FF2B5EF4-FFF2-40B4-BE49-F238E27FC236}">
-                <a16:creationId xmlns:a16="http://schemas.microsoft.com/office/drawing/2014/main" id="{D9B79D28-048B-F636-E90A-160DCFE6618C}"/>
-              </a:ext>
-            </a:extLst>
-          </p:cNvPr>
-          <p:cNvSpPr>
-            <a:spLocks noGrp="1"/>
-          </p:cNvSpPr>
-          <p:nvPr>
-            <p:ph type="body" sz="quarter" idx="14"/>
-          </p:nvPr>
-        </p:nvSpPr>
-        <p:spPr/>
-        <p:txBody>
-          <a:bodyPr/>
-          <a:lstStyle/>
-          <a:p>
-            <a:endParaRPr lang="en-US"/>
+            <a:pPr marL="0" indent="0" algn="l">
+              <a:buNone/>
+            </a:pPr>
+            <a:endParaRPr lang="en-US" sz="1400" b="0" i="0" dirty="0">
+              <a:solidFill>
+                <a:srgbClr val="000000"/>
+              </a:solidFill>
+              <a:effectLst/>
+              <a:highlight>
+                <a:srgbClr val="FBFBFB"/>
+              </a:highlight>
+              <a:latin typeface="Helvetica" panose="020B0604020202020204" pitchFamily="34" charset="0"/>
+            </a:endParaRPr>
+          </a:p>
+          <a:p>
+            <a:pPr marL="0" indent="0" algn="l">
+              <a:buNone/>
+            </a:pPr>
+            <a:endParaRPr lang="en-US" sz="1400" b="0" i="0" dirty="0">
+              <a:solidFill>
+                <a:srgbClr val="000000"/>
+              </a:solidFill>
+              <a:effectLst/>
+              <a:highlight>
+                <a:srgbClr val="FBFBFB"/>
+              </a:highlight>
+              <a:latin typeface="Helvetica" panose="020B0604020202020204" pitchFamily="34" charset="0"/>
+            </a:endParaRPr>
+          </a:p>
+          <a:p>
+            <a:pPr marL="0" indent="0" algn="l">
+              <a:buNone/>
+            </a:pPr>
+            <a:r>
+              <a:rPr lang="en-US" sz="1400" b="0" i="0" dirty="0">
+                <a:solidFill>
+                  <a:srgbClr val="000000"/>
+                </a:solidFill>
+                <a:effectLst/>
+                <a:highlight>
+                  <a:srgbClr val="FBFBFB"/>
+                </a:highlight>
+                <a:latin typeface="Helvetica" panose="020B0604020202020204" pitchFamily="34" charset="0"/>
+              </a:rPr>
+              <a:t>Input:</a:t>
+            </a:r>
+          </a:p>
+          <a:p>
+            <a:pPr marL="0" indent="0" algn="l">
+              <a:buNone/>
+            </a:pPr>
+            <a:endParaRPr lang="en-US" sz="1400" b="0" i="0" dirty="0">
+              <a:solidFill>
+                <a:srgbClr val="000000"/>
+              </a:solidFill>
+              <a:effectLst/>
+              <a:highlight>
+                <a:srgbClr val="FBFBFB"/>
+              </a:highlight>
+              <a:latin typeface="Helvetica" panose="020B0604020202020204" pitchFamily="34" charset="0"/>
+            </a:endParaRPr>
+          </a:p>
+          <a:p>
+            <a:pPr marL="0" indent="0" algn="l">
+              <a:buNone/>
+            </a:pPr>
+            <a:r>
+              <a:rPr lang="en-US" sz="1400" dirty="0">
+                <a:solidFill>
+                  <a:srgbClr val="000000"/>
+                </a:solidFill>
+                <a:highlight>
+                  <a:srgbClr val="FBFBFB"/>
+                </a:highlight>
+                <a:latin typeface="Helvetica" panose="020B0604020202020204" pitchFamily="34" charset="0"/>
+              </a:rPr>
+              <a:t>(operands)</a:t>
+            </a:r>
+            <a:endParaRPr lang="en-US" sz="1400" b="0" i="0" dirty="0">
+              <a:solidFill>
+                <a:srgbClr val="000000"/>
+              </a:solidFill>
+              <a:effectLst/>
+              <a:highlight>
+                <a:srgbClr val="FBFBFB"/>
+              </a:highlight>
+              <a:latin typeface="Helvetica" panose="020B0604020202020204" pitchFamily="34" charset="0"/>
+            </a:endParaRPr>
+          </a:p>
+          <a:p>
+            <a:pPr marL="0" indent="0" algn="l">
+              <a:buNone/>
+            </a:pPr>
+            <a:r>
+              <a:rPr lang="en-US" sz="1400" b="0" i="0" dirty="0">
+                <a:solidFill>
+                  <a:srgbClr val="000000"/>
+                </a:solidFill>
+                <a:effectLst/>
+                <a:highlight>
+                  <a:srgbClr val="FBFBFB"/>
+                </a:highlight>
+                <a:latin typeface="Helvetica" panose="020B0604020202020204" pitchFamily="34" charset="0"/>
+              </a:rPr>
+              <a:t>-</a:t>
+            </a:r>
+            <a:r>
+              <a:rPr lang="en-US" sz="1400" dirty="0" err="1">
+                <a:solidFill>
+                  <a:srgbClr val="000000"/>
+                </a:solidFill>
+                <a:highlight>
+                  <a:srgbClr val="FBFBFB"/>
+                </a:highlight>
+                <a:latin typeface="Helvetica" panose="020B0604020202020204" pitchFamily="34" charset="0"/>
+              </a:rPr>
+              <a:t>op</a:t>
+            </a:r>
+            <a:r>
+              <a:rPr lang="en-US" sz="1400" b="0" i="0" dirty="0" err="1">
+                <a:solidFill>
+                  <a:srgbClr val="000000"/>
+                </a:solidFill>
+                <a:effectLst/>
+                <a:highlight>
+                  <a:srgbClr val="FBFBFB"/>
+                </a:highlight>
+                <a:latin typeface="Helvetica" panose="020B0604020202020204" pitchFamily="34" charset="0"/>
+              </a:rPr>
+              <a:t>A</a:t>
+            </a:r>
+            <a:r>
+              <a:rPr lang="en-US" sz="1400" b="0" i="0" dirty="0">
+                <a:solidFill>
+                  <a:srgbClr val="000000"/>
+                </a:solidFill>
+                <a:effectLst/>
+                <a:highlight>
+                  <a:srgbClr val="FBFBFB"/>
+                </a:highlight>
+                <a:latin typeface="Helvetica" panose="020B0604020202020204" pitchFamily="34" charset="0"/>
+              </a:rPr>
+              <a:t> [31:0]</a:t>
+            </a:r>
+          </a:p>
+          <a:p>
+            <a:pPr marL="0" indent="0" algn="l">
+              <a:buNone/>
+            </a:pPr>
+            <a:r>
+              <a:rPr lang="en-US" sz="1400" b="0" i="0" dirty="0">
+                <a:solidFill>
+                  <a:srgbClr val="000000"/>
+                </a:solidFill>
+                <a:effectLst/>
+                <a:highlight>
+                  <a:srgbClr val="FBFBFB"/>
+                </a:highlight>
+                <a:latin typeface="Helvetica" panose="020B0604020202020204" pitchFamily="34" charset="0"/>
+              </a:rPr>
+              <a:t>-</a:t>
+            </a:r>
+            <a:r>
+              <a:rPr lang="en-US" sz="1400" dirty="0" err="1">
+                <a:solidFill>
+                  <a:srgbClr val="000000"/>
+                </a:solidFill>
+                <a:highlight>
+                  <a:srgbClr val="FBFBFB"/>
+                </a:highlight>
+                <a:latin typeface="Helvetica" panose="020B0604020202020204" pitchFamily="34" charset="0"/>
+              </a:rPr>
+              <a:t>op</a:t>
+            </a:r>
+            <a:r>
+              <a:rPr lang="en-US" sz="1400" b="0" i="0" dirty="0" err="1">
+                <a:solidFill>
+                  <a:srgbClr val="000000"/>
+                </a:solidFill>
+                <a:effectLst/>
+                <a:highlight>
+                  <a:srgbClr val="FBFBFB"/>
+                </a:highlight>
+                <a:latin typeface="Helvetica" panose="020B0604020202020204" pitchFamily="34" charset="0"/>
+              </a:rPr>
+              <a:t>B</a:t>
+            </a:r>
+            <a:r>
+              <a:rPr lang="en-US" sz="1400" b="0" i="0" dirty="0">
+                <a:solidFill>
+                  <a:srgbClr val="000000"/>
+                </a:solidFill>
+                <a:effectLst/>
+                <a:highlight>
+                  <a:srgbClr val="FBFBFB"/>
+                </a:highlight>
+                <a:latin typeface="Helvetica" panose="020B0604020202020204" pitchFamily="34" charset="0"/>
+              </a:rPr>
+              <a:t> [31:0]</a:t>
+            </a:r>
+          </a:p>
+          <a:p>
+            <a:pPr marL="0" indent="0" algn="l">
+              <a:buNone/>
+            </a:pPr>
+            <a:endParaRPr lang="en-US" sz="1400" b="0" i="0" dirty="0">
+              <a:solidFill>
+                <a:srgbClr val="000000"/>
+              </a:solidFill>
+              <a:effectLst/>
+              <a:highlight>
+                <a:srgbClr val="FBFBFB"/>
+              </a:highlight>
+              <a:latin typeface="Helvetica" panose="020B0604020202020204" pitchFamily="34" charset="0"/>
+            </a:endParaRPr>
+          </a:p>
+          <a:p>
+            <a:pPr marL="0" indent="0" algn="l">
+              <a:buNone/>
+            </a:pPr>
+            <a:r>
+              <a:rPr lang="en-US" sz="1400" b="0" i="0" dirty="0">
+                <a:solidFill>
+                  <a:srgbClr val="000000"/>
+                </a:solidFill>
+                <a:effectLst/>
+                <a:highlight>
+                  <a:srgbClr val="FBFBFB"/>
+                </a:highlight>
+                <a:latin typeface="Helvetica" panose="020B0604020202020204" pitchFamily="34" charset="0"/>
+              </a:rPr>
+              <a:t>(select signals)</a:t>
+            </a:r>
+          </a:p>
+          <a:p>
+            <a:pPr marL="0" indent="0" algn="l">
+              <a:buNone/>
+            </a:pPr>
+            <a:r>
+              <a:rPr lang="en-US" sz="1400" b="0" i="0" dirty="0">
+                <a:solidFill>
+                  <a:srgbClr val="000000"/>
+                </a:solidFill>
+                <a:effectLst/>
+                <a:highlight>
+                  <a:srgbClr val="FBFBFB"/>
+                </a:highlight>
+                <a:latin typeface="Helvetica" panose="020B0604020202020204" pitchFamily="34" charset="0"/>
+              </a:rPr>
+              <a:t>-opcode[6:0]</a:t>
+            </a:r>
+          </a:p>
+          <a:p>
+            <a:pPr marL="0" indent="0" algn="l">
+              <a:buNone/>
+            </a:pPr>
+            <a:r>
+              <a:rPr lang="en-US" sz="1400" b="0" i="0" dirty="0">
+                <a:solidFill>
+                  <a:srgbClr val="000000"/>
+                </a:solidFill>
+                <a:effectLst/>
+                <a:highlight>
+                  <a:srgbClr val="FBFBFB"/>
+                </a:highlight>
+                <a:latin typeface="Helvetica" panose="020B0604020202020204" pitchFamily="34" charset="0"/>
+              </a:rPr>
+              <a:t>-func3[2:0]</a:t>
+            </a:r>
+          </a:p>
+          <a:p>
+            <a:pPr marL="0" indent="0" algn="l">
+              <a:buNone/>
+            </a:pPr>
+            <a:r>
+              <a:rPr lang="en-US" sz="1400" b="0" i="0" dirty="0">
+                <a:solidFill>
+                  <a:srgbClr val="000000"/>
+                </a:solidFill>
+                <a:effectLst/>
+                <a:highlight>
+                  <a:srgbClr val="FBFBFB"/>
+                </a:highlight>
+                <a:latin typeface="Helvetica" panose="020B0604020202020204" pitchFamily="34" charset="0"/>
+              </a:rPr>
+              <a:t>-func7[6:0]</a:t>
+            </a:r>
+          </a:p>
+          <a:p>
+            <a:pPr marL="0" indent="0" algn="l">
+              <a:buNone/>
+            </a:pPr>
+            <a:br>
+              <a:rPr lang="en-US" sz="1400" b="0" i="0" dirty="0">
+                <a:solidFill>
+                  <a:srgbClr val="000000"/>
+                </a:solidFill>
+                <a:effectLst/>
+                <a:highlight>
+                  <a:srgbClr val="FBFBFB"/>
+                </a:highlight>
+                <a:latin typeface="Helvetica" panose="020B0604020202020204" pitchFamily="34" charset="0"/>
+              </a:rPr>
+            </a:br>
+            <a:endParaRPr lang="en-US" sz="1400" b="0" i="0" dirty="0">
+              <a:solidFill>
+                <a:srgbClr val="000000"/>
+              </a:solidFill>
+              <a:effectLst/>
+              <a:highlight>
+                <a:srgbClr val="FBFBFB"/>
+              </a:highlight>
+              <a:latin typeface="Helvetica" panose="020B0604020202020204" pitchFamily="34" charset="0"/>
+            </a:endParaRPr>
+          </a:p>
+          <a:p>
+            <a:pPr marL="0" indent="0" algn="l">
+              <a:buNone/>
+            </a:pPr>
+            <a:r>
+              <a:rPr lang="en-US" sz="1400" b="0" i="0" dirty="0">
+                <a:solidFill>
+                  <a:srgbClr val="000000"/>
+                </a:solidFill>
+                <a:effectLst/>
+                <a:highlight>
+                  <a:srgbClr val="FBFBFB"/>
+                </a:highlight>
+                <a:latin typeface="Helvetica" panose="020B0604020202020204" pitchFamily="34" charset="0"/>
+              </a:rPr>
+              <a:t>Output:</a:t>
+            </a:r>
+          </a:p>
+          <a:p>
+            <a:pPr marL="0" indent="0" algn="l">
+              <a:buNone/>
+            </a:pPr>
+            <a:endParaRPr lang="en-US" sz="1400" b="0" i="0" dirty="0">
+              <a:solidFill>
+                <a:srgbClr val="000000"/>
+              </a:solidFill>
+              <a:effectLst/>
+              <a:highlight>
+                <a:srgbClr val="FBFBFB"/>
+              </a:highlight>
+              <a:latin typeface="Helvetica" panose="020B0604020202020204" pitchFamily="34" charset="0"/>
+            </a:endParaRPr>
+          </a:p>
+          <a:p>
+            <a:pPr marL="0" indent="0" algn="l">
+              <a:buNone/>
+            </a:pPr>
+            <a:r>
+              <a:rPr lang="en-US" sz="1400" b="0" i="0" dirty="0">
+                <a:solidFill>
+                  <a:srgbClr val="000000"/>
+                </a:solidFill>
+                <a:effectLst/>
+                <a:highlight>
+                  <a:srgbClr val="FBFBFB"/>
+                </a:highlight>
+                <a:latin typeface="Helvetica" panose="020B0604020202020204" pitchFamily="34" charset="0"/>
+              </a:rPr>
+              <a:t>-ALU result [31:0]</a:t>
+            </a:r>
+          </a:p>
+          <a:p>
+            <a:pPr marL="0" indent="0" algn="l">
+              <a:buNone/>
+            </a:pPr>
+            <a:r>
+              <a:rPr lang="en-US" sz="1400" b="0" i="0" dirty="0">
+                <a:solidFill>
+                  <a:srgbClr val="000000"/>
+                </a:solidFill>
+                <a:effectLst/>
+                <a:highlight>
+                  <a:srgbClr val="FBFBFB"/>
+                </a:highlight>
+                <a:latin typeface="Helvetica" panose="020B0604020202020204" pitchFamily="34" charset="0"/>
+              </a:rPr>
+              <a:t>-0 flag</a:t>
+            </a:r>
+          </a:p>
+          <a:p>
+            <a:pPr marL="0" indent="0" algn="l">
+              <a:buNone/>
+            </a:pPr>
+            <a:r>
+              <a:rPr lang="en-US" sz="1400" b="0" i="0" dirty="0">
+                <a:solidFill>
+                  <a:srgbClr val="000000"/>
+                </a:solidFill>
+                <a:effectLst/>
+                <a:highlight>
+                  <a:srgbClr val="FBFBFB"/>
+                </a:highlight>
+                <a:latin typeface="Helvetica" panose="020B0604020202020204" pitchFamily="34" charset="0"/>
+              </a:rPr>
+              <a:t>-don't care flags</a:t>
+            </a:r>
+          </a:p>
+          <a:p>
+            <a:pPr marL="0" indent="0" algn="l">
+              <a:buNone/>
+            </a:pPr>
+            <a:r>
+              <a:rPr lang="en-US" sz="1400" b="0" i="0" dirty="0">
+                <a:solidFill>
+                  <a:srgbClr val="000000"/>
+                </a:solidFill>
+                <a:effectLst/>
+                <a:highlight>
+                  <a:srgbClr val="FBFBFB"/>
+                </a:highlight>
+                <a:latin typeface="Helvetica" panose="020B0604020202020204" pitchFamily="34" charset="0"/>
+              </a:rPr>
+              <a:t>-less than flags</a:t>
+            </a:r>
+          </a:p>
+          <a:p>
+            <a:pPr marL="0" indent="0" algn="l">
+              <a:buNone/>
+            </a:pPr>
+            <a:r>
+              <a:rPr lang="en-US" sz="1400" b="0" i="0" dirty="0">
+                <a:solidFill>
+                  <a:srgbClr val="000000"/>
+                </a:solidFill>
+                <a:effectLst/>
+                <a:highlight>
+                  <a:srgbClr val="FBFBFB"/>
+                </a:highlight>
+                <a:latin typeface="Helvetica" panose="020B0604020202020204" pitchFamily="34" charset="0"/>
+              </a:rPr>
+              <a:t>-greater than flags</a:t>
+            </a:r>
+          </a:p>
+          <a:p>
+            <a:pPr marL="0" indent="0" algn="l">
+              <a:buNone/>
+            </a:pPr>
+            <a:r>
+              <a:rPr lang="en-US" sz="1400" b="0" i="0" dirty="0">
+                <a:solidFill>
+                  <a:srgbClr val="000000"/>
+                </a:solidFill>
+                <a:effectLst/>
+                <a:highlight>
+                  <a:srgbClr val="FBFBFB"/>
+                </a:highlight>
+                <a:latin typeface="Helvetica" panose="020B0604020202020204" pitchFamily="34" charset="0"/>
+              </a:rPr>
+              <a:t>-equal/not equal flags</a:t>
+            </a:r>
+          </a:p>
+          <a:p>
+            <a:pPr marL="0" indent="0">
+              <a:buNone/>
+            </a:pPr>
+            <a:endParaRPr lang="en-US" sz="1400" dirty="0"/>
           </a:p>
         </p:txBody>
       </p:sp>
@@ -5906,7 +6352,7 @@
           <p:cNvPr id="5" name="Slide Number Placeholder 4">
             <a:extLst>
               <a:ext uri="{FF2B5EF4-FFF2-40B4-BE49-F238E27FC236}">
-                <a16:creationId xmlns:a16="http://schemas.microsoft.com/office/drawing/2014/main" id="{9BCE14E6-F19C-7BB3-E487-D0FA7CFF54C1}"/>
+                <a16:creationId xmlns:a16="http://schemas.microsoft.com/office/drawing/2014/main" id="{1DAD21A4-66E1-B41E-AAF4-8DD89DD84A1B}"/>
               </a:ext>
             </a:extLst>
           </p:cNvPr>
@@ -5930,10 +6376,80 @@
           </a:p>
         </p:txBody>
       </p:sp>
+      <p:pic>
+        <p:nvPicPr>
+          <p:cNvPr id="9" name="Picture 8">
+            <a:extLst>
+              <a:ext uri="{FF2B5EF4-FFF2-40B4-BE49-F238E27FC236}">
+                <a16:creationId xmlns:a16="http://schemas.microsoft.com/office/drawing/2014/main" id="{3E7B8AE2-8B46-87D6-403C-552B0A9A63EF}"/>
+              </a:ext>
+            </a:extLst>
+          </p:cNvPr>
+          <p:cNvPicPr>
+            <a:picLocks noChangeAspect="1"/>
+          </p:cNvPicPr>
+          <p:nvPr/>
+        </p:nvPicPr>
+        <p:blipFill>
+          <a:blip r:embed="rId2"/>
+          <a:stretch>
+            <a:fillRect/>
+          </a:stretch>
+        </p:blipFill>
+        <p:spPr>
+          <a:xfrm>
+            <a:off x="3496733" y="1082326"/>
+            <a:ext cx="6450636" cy="5023561"/>
+          </a:xfrm>
+          <a:prstGeom prst="rect">
+            <a:avLst/>
+          </a:prstGeom>
+        </p:spPr>
+      </p:pic>
+      <p:sp>
+        <p:nvSpPr>
+          <p:cNvPr id="13" name="TextBox 12">
+            <a:extLst>
+              <a:ext uri="{FF2B5EF4-FFF2-40B4-BE49-F238E27FC236}">
+                <a16:creationId xmlns:a16="http://schemas.microsoft.com/office/drawing/2014/main" id="{C7A25066-8FC8-C06D-E583-BD3787678791}"/>
+              </a:ext>
+            </a:extLst>
+          </p:cNvPr>
+          <p:cNvSpPr txBox="1"/>
+          <p:nvPr/>
+        </p:nvSpPr>
+        <p:spPr>
+          <a:xfrm>
+            <a:off x="1185333" y="1063985"/>
+            <a:ext cx="6096000" cy="430887"/>
+          </a:xfrm>
+          <a:prstGeom prst="rect">
+            <a:avLst/>
+          </a:prstGeom>
+          <a:noFill/>
+        </p:spPr>
+        <p:txBody>
+          <a:bodyPr wrap="square">
+            <a:spAutoFit/>
+          </a:bodyPr>
+          <a:lstStyle/>
+          <a:p>
+            <a:r>
+              <a:rPr lang="en-US" sz="2200" b="1" dirty="0">
+                <a:solidFill>
+                  <a:schemeClr val="accent2"/>
+                </a:solidFill>
+                <a:latin typeface="Acumin Pro SemiCondensed" panose="020B0506020202020204" pitchFamily="34" charset="77"/>
+              </a:rPr>
+              <a:t>RTL:</a:t>
+            </a:r>
+          </a:p>
+        </p:txBody>
+      </p:sp>
     </p:spTree>
     <p:extLst>
       <p:ext uri="{BB962C8B-B14F-4D97-AF65-F5344CB8AC3E}">
-        <p14:creationId xmlns:p14="http://schemas.microsoft.com/office/powerpoint/2010/main" val="176491562"/>
+        <p14:creationId xmlns:p14="http://schemas.microsoft.com/office/powerpoint/2010/main" val="3658048987"/>
       </p:ext>
     </p:extLst>
   </p:cSld>
@@ -5965,7 +6481,7 @@
           <p:cNvPr id="2" name="Title 1">
             <a:extLst>
               <a:ext uri="{FF2B5EF4-FFF2-40B4-BE49-F238E27FC236}">
-                <a16:creationId xmlns:a16="http://schemas.microsoft.com/office/drawing/2014/main" id="{F15788A1-2A90-075C-0FD5-97BF4276DB6C}"/>
+                <a16:creationId xmlns:a16="http://schemas.microsoft.com/office/drawing/2014/main" id="{63DB6604-717F-80D6-8A98-330BC761485E}"/>
               </a:ext>
             </a:extLst>
           </p:cNvPr>
@@ -5988,7 +6504,7 @@
           <a:p>
             <a:r>
               <a:rPr lang="en-US" dirty="0"/>
-              <a:t>Registers</a:t>
+              <a:t>ALU</a:t>
             </a:r>
           </a:p>
         </p:txBody>
@@ -5998,7 +6514,7 @@
           <p:cNvPr id="3" name="Subtitle 2">
             <a:extLst>
               <a:ext uri="{FF2B5EF4-FFF2-40B4-BE49-F238E27FC236}">
-                <a16:creationId xmlns:a16="http://schemas.microsoft.com/office/drawing/2014/main" id="{13643ECA-8A7C-9241-6882-E71BD1F12C44}"/>
+                <a16:creationId xmlns:a16="http://schemas.microsoft.com/office/drawing/2014/main" id="{86A20125-5905-6103-914B-760A20C5941E}"/>
               </a:ext>
             </a:extLst>
           </p:cNvPr>
@@ -6016,13 +6532,8 @@
           <a:p>
             <a:r>
               <a:rPr lang="en-US" dirty="0"/>
-              <a:t>Register RTL and </a:t>
-            </a:r>
-            <a:r>
-              <a:rPr lang="en-US" dirty="0" err="1"/>
-              <a:t>Psuedocode</a:t>
-            </a:r>
-            <a:endParaRPr lang="en-US" dirty="0"/>
+              <a:t>Pseudo Code:</a:t>
+            </a:r>
           </a:p>
         </p:txBody>
       </p:sp>
@@ -6031,7 +6542,7 @@
           <p:cNvPr id="5" name="Slide Number Placeholder 4">
             <a:extLst>
               <a:ext uri="{FF2B5EF4-FFF2-40B4-BE49-F238E27FC236}">
-                <a16:creationId xmlns:a16="http://schemas.microsoft.com/office/drawing/2014/main" id="{BD9C6C1B-2485-DA5C-E77A-5AE0B15EA8EE}"/>
+                <a16:creationId xmlns:a16="http://schemas.microsoft.com/office/drawing/2014/main" id="{16DF6B77-D173-A4F5-86FB-EC5B60557845}"/>
               </a:ext>
             </a:extLst>
           </p:cNvPr>
@@ -6055,46 +6566,688 @@
           </a:p>
         </p:txBody>
       </p:sp>
-      <p:pic>
-        <p:nvPicPr>
-          <p:cNvPr id="7" name="Picture 6" descr="A screenshot of a computer program&#10;&#10;Description automatically generated">
-            <a:extLst>
-              <a:ext uri="{FF2B5EF4-FFF2-40B4-BE49-F238E27FC236}">
-                <a16:creationId xmlns:a16="http://schemas.microsoft.com/office/drawing/2014/main" id="{2F5C064D-A672-B3A3-274F-918C230D777A}"/>
-              </a:ext>
-            </a:extLst>
-          </p:cNvPr>
-          <p:cNvPicPr>
-            <a:picLocks noChangeAspect="1"/>
-          </p:cNvPicPr>
+      <p:sp>
+        <p:nvSpPr>
+          <p:cNvPr id="7" name="TextBox 6">
+            <a:extLst>
+              <a:ext uri="{FF2B5EF4-FFF2-40B4-BE49-F238E27FC236}">
+                <a16:creationId xmlns:a16="http://schemas.microsoft.com/office/drawing/2014/main" id="{0A3E23E1-0D6C-3CC6-E871-A76DFDEDB1FE}"/>
+              </a:ext>
+            </a:extLst>
+          </p:cNvPr>
+          <p:cNvSpPr txBox="1"/>
           <p:nvPr/>
-        </p:nvPicPr>
-        <p:blipFill>
-          <a:blip r:embed="rId2">
-            <a:extLst>
-              <a:ext uri="{28A0092B-C50C-407E-A947-70E740481C1C}">
-                <a14:useLocalDpi xmlns:a14="http://schemas.microsoft.com/office/drawing/2010/main" val="0"/>
-              </a:ext>
-            </a:extLst>
-          </a:blip>
-          <a:stretch>
-            <a:fillRect/>
-          </a:stretch>
-        </p:blipFill>
+        </p:nvSpPr>
         <p:spPr>
           <a:xfrm>
-            <a:off x="3173573" y="2096305"/>
-            <a:ext cx="5229031" cy="3982419"/>
+            <a:off x="7301092" y="1736653"/>
+            <a:ext cx="3397129" cy="3877985"/>
           </a:xfrm>
           <a:prstGeom prst="rect">
             <a:avLst/>
           </a:prstGeom>
-        </p:spPr>
-      </p:pic>
+          <a:noFill/>
+        </p:spPr>
+        <p:txBody>
+          <a:bodyPr wrap="square">
+            <a:spAutoFit/>
+          </a:bodyPr>
+          <a:lstStyle/>
+          <a:p>
+            <a:endParaRPr lang="en-US" dirty="0">
+              <a:effectLst/>
+            </a:endParaRPr>
+          </a:p>
+          <a:p>
+            <a:r>
+              <a:rPr lang="en-US" dirty="0"/>
+              <a:t>ALU Control Unit:</a:t>
+            </a:r>
+          </a:p>
+          <a:p>
+            <a:br>
+              <a:rPr lang="en-US" sz="1400" dirty="0">
+                <a:effectLst/>
+              </a:rPr>
+            </a:br>
+            <a:r>
+              <a:rPr lang="en-US" sz="1400" dirty="0">
+                <a:solidFill>
+                  <a:srgbClr val="000000"/>
+                </a:solidFill>
+                <a:highlight>
+                  <a:srgbClr val="FBFBFB"/>
+                </a:highlight>
+                <a:latin typeface="Helvetica" panose="020B0604020202020204" pitchFamily="34" charset="0"/>
+              </a:rPr>
+              <a:t>if</a:t>
+            </a:r>
+            <a:r>
+              <a:rPr lang="en-US" sz="1400" dirty="0">
+                <a:effectLst/>
+              </a:rPr>
+              <a:t>(</a:t>
+            </a:r>
+            <a:r>
+              <a:rPr lang="en-US" sz="1400" dirty="0">
+                <a:solidFill>
+                  <a:srgbClr val="000000"/>
+                </a:solidFill>
+                <a:highlight>
+                  <a:srgbClr val="FBFBFB"/>
+                </a:highlight>
+                <a:latin typeface="Helvetica" panose="020B0604020202020204" pitchFamily="34" charset="0"/>
+              </a:rPr>
+              <a:t>opcode=1100011)</a:t>
+            </a:r>
+          </a:p>
+          <a:p>
+            <a:r>
+              <a:rPr lang="en-US" sz="1400" dirty="0">
+                <a:solidFill>
+                  <a:srgbClr val="000000"/>
+                </a:solidFill>
+                <a:highlight>
+                  <a:srgbClr val="FBFBFB"/>
+                </a:highlight>
+                <a:latin typeface="Helvetica" panose="020B0604020202020204" pitchFamily="34" charset="0"/>
+              </a:rPr>
+              <a:t>	if(func3=000)</a:t>
+            </a:r>
+          </a:p>
+          <a:p>
+            <a:r>
+              <a:rPr lang="en-US" sz="1400" dirty="0">
+                <a:solidFill>
+                  <a:srgbClr val="000000"/>
+                </a:solidFill>
+                <a:highlight>
+                  <a:srgbClr val="FBFBFB"/>
+                </a:highlight>
+                <a:latin typeface="Helvetica" panose="020B0604020202020204" pitchFamily="34" charset="0"/>
+              </a:rPr>
+              <a:t>		ALU control input = BEQ</a:t>
+            </a:r>
+          </a:p>
+          <a:p>
+            <a:r>
+              <a:rPr lang="en-US" sz="1400" dirty="0">
+                <a:solidFill>
+                  <a:srgbClr val="000000"/>
+                </a:solidFill>
+                <a:highlight>
+                  <a:srgbClr val="FBFBFB"/>
+                </a:highlight>
+                <a:latin typeface="Helvetica" panose="020B0604020202020204" pitchFamily="34" charset="0"/>
+              </a:rPr>
+              <a:t>	if(func3=001)</a:t>
+            </a:r>
+          </a:p>
+          <a:p>
+            <a:r>
+              <a:rPr lang="en-US" sz="1400" dirty="0">
+                <a:solidFill>
+                  <a:srgbClr val="000000"/>
+                </a:solidFill>
+                <a:highlight>
+                  <a:srgbClr val="FBFBFB"/>
+                </a:highlight>
+                <a:latin typeface="Helvetica" panose="020B0604020202020204" pitchFamily="34" charset="0"/>
+              </a:rPr>
+              <a:t>		ALU control input=BNE</a:t>
+            </a:r>
+            <a:br>
+              <a:rPr lang="en-US" sz="1400" dirty="0">
+                <a:solidFill>
+                  <a:srgbClr val="000000"/>
+                </a:solidFill>
+                <a:highlight>
+                  <a:srgbClr val="FBFBFB"/>
+                </a:highlight>
+                <a:latin typeface="Helvetica" panose="020B0604020202020204" pitchFamily="34" charset="0"/>
+              </a:rPr>
+            </a:br>
+            <a:endParaRPr lang="en-US" sz="1400" dirty="0">
+              <a:solidFill>
+                <a:srgbClr val="000000"/>
+              </a:solidFill>
+              <a:highlight>
+                <a:srgbClr val="FBFBFB"/>
+              </a:highlight>
+              <a:latin typeface="Helvetica" panose="020B0604020202020204" pitchFamily="34" charset="0"/>
+            </a:endParaRPr>
+          </a:p>
+          <a:p>
+            <a:r>
+              <a:rPr lang="en-US" sz="1400" dirty="0">
+                <a:solidFill>
+                  <a:srgbClr val="000000"/>
+                </a:solidFill>
+                <a:highlight>
+                  <a:srgbClr val="FBFBFB"/>
+                </a:highlight>
+                <a:latin typeface="Helvetica" panose="020B0604020202020204" pitchFamily="34" charset="0"/>
+              </a:rPr>
+              <a:t>if(opcode=0110011)</a:t>
+            </a:r>
+          </a:p>
+          <a:p>
+            <a:r>
+              <a:rPr lang="en-US" sz="1400" dirty="0">
+                <a:solidFill>
+                  <a:srgbClr val="000000"/>
+                </a:solidFill>
+                <a:highlight>
+                  <a:srgbClr val="FBFBFB"/>
+                </a:highlight>
+                <a:latin typeface="Helvetica" panose="020B0604020202020204" pitchFamily="34" charset="0"/>
+              </a:rPr>
+              <a:t>	if(func3=000)</a:t>
+            </a:r>
+          </a:p>
+          <a:p>
+            <a:r>
+              <a:rPr lang="en-US" sz="1400" dirty="0">
+                <a:solidFill>
+                  <a:srgbClr val="000000"/>
+                </a:solidFill>
+                <a:highlight>
+                  <a:srgbClr val="FBFBFB"/>
+                </a:highlight>
+                <a:latin typeface="Helvetica" panose="020B0604020202020204" pitchFamily="34" charset="0"/>
+              </a:rPr>
+              <a:t>		if(func7=0000000)</a:t>
+            </a:r>
+          </a:p>
+          <a:p>
+            <a:r>
+              <a:rPr lang="en-US" sz="1400" dirty="0">
+                <a:solidFill>
+                  <a:srgbClr val="000000"/>
+                </a:solidFill>
+                <a:highlight>
+                  <a:srgbClr val="FBFBFB"/>
+                </a:highlight>
+                <a:latin typeface="Helvetica" panose="020B0604020202020204" pitchFamily="34" charset="0"/>
+              </a:rPr>
+              <a:t>			ALU control input=ADD</a:t>
+            </a:r>
+            <a:br>
+              <a:rPr lang="en-US" sz="1400" dirty="0">
+                <a:solidFill>
+                  <a:srgbClr val="000000"/>
+                </a:solidFill>
+                <a:highlight>
+                  <a:srgbClr val="FBFBFB"/>
+                </a:highlight>
+                <a:latin typeface="Helvetica" panose="020B0604020202020204" pitchFamily="34" charset="0"/>
+              </a:rPr>
+            </a:br>
+            <a:endParaRPr lang="en-US" sz="1400" dirty="0">
+              <a:solidFill>
+                <a:srgbClr val="000000"/>
+              </a:solidFill>
+              <a:highlight>
+                <a:srgbClr val="FBFBFB"/>
+              </a:highlight>
+              <a:latin typeface="Helvetica" panose="020B0604020202020204" pitchFamily="34" charset="0"/>
+            </a:endParaRPr>
+          </a:p>
+          <a:p>
+            <a:r>
+              <a:rPr lang="en-US" sz="1400" dirty="0">
+                <a:solidFill>
+                  <a:srgbClr val="000000"/>
+                </a:solidFill>
+                <a:highlight>
+                  <a:srgbClr val="FBFBFB"/>
+                </a:highlight>
+                <a:latin typeface="Helvetica" panose="020B0604020202020204" pitchFamily="34" charset="0"/>
+              </a:rPr>
+              <a:t>(....define the ALU control input for each </a:t>
+            </a:r>
+          </a:p>
+          <a:p>
+            <a:r>
+              <a:rPr lang="en-US" sz="1400" dirty="0">
+                <a:solidFill>
+                  <a:srgbClr val="000000"/>
+                </a:solidFill>
+                <a:highlight>
+                  <a:srgbClr val="FBFBFB"/>
+                </a:highlight>
+                <a:latin typeface="Helvetica" panose="020B0604020202020204" pitchFamily="34" charset="0"/>
+              </a:rPr>
+              <a:t>of the operations based on the value</a:t>
+            </a:r>
+          </a:p>
+          <a:p>
+            <a:r>
+              <a:rPr lang="en-US" sz="1400" dirty="0">
+                <a:solidFill>
+                  <a:srgbClr val="000000"/>
+                </a:solidFill>
+                <a:highlight>
+                  <a:srgbClr val="FBFBFB"/>
+                </a:highlight>
+                <a:latin typeface="Helvetica" panose="020B0604020202020204" pitchFamily="34" charset="0"/>
+              </a:rPr>
+              <a:t> of the opcode, func3 and func7…)</a:t>
+            </a:r>
+          </a:p>
+        </p:txBody>
+      </p:sp>
+      <p:sp>
+        <p:nvSpPr>
+          <p:cNvPr id="8" name="TextBox 7">
+            <a:extLst>
+              <a:ext uri="{FF2B5EF4-FFF2-40B4-BE49-F238E27FC236}">
+                <a16:creationId xmlns:a16="http://schemas.microsoft.com/office/drawing/2014/main" id="{A4A10DE8-D075-2057-C727-85A2A8C50ADA}"/>
+              </a:ext>
+            </a:extLst>
+          </p:cNvPr>
+          <p:cNvSpPr txBox="1"/>
+          <p:nvPr/>
+        </p:nvSpPr>
+        <p:spPr>
+          <a:xfrm>
+            <a:off x="1579483" y="1736653"/>
+            <a:ext cx="5328393" cy="4801314"/>
+          </a:xfrm>
+          <a:prstGeom prst="rect">
+            <a:avLst/>
+          </a:prstGeom>
+          <a:noFill/>
+        </p:spPr>
+        <p:txBody>
+          <a:bodyPr wrap="square">
+            <a:spAutoFit/>
+          </a:bodyPr>
+          <a:lstStyle/>
+          <a:p>
+            <a:endParaRPr lang="en-US" dirty="0">
+              <a:effectLst/>
+            </a:endParaRPr>
+          </a:p>
+          <a:p>
+            <a:r>
+              <a:rPr lang="en-US" dirty="0"/>
+              <a:t>ALU:</a:t>
+            </a:r>
+          </a:p>
+          <a:p>
+            <a:br>
+              <a:rPr lang="en-US" b="0" i="0" dirty="0">
+                <a:solidFill>
+                  <a:srgbClr val="000000"/>
+                </a:solidFill>
+                <a:effectLst/>
+                <a:highlight>
+                  <a:srgbClr val="FBFBFB"/>
+                </a:highlight>
+                <a:latin typeface="Helvetica" panose="020B0604020202020204" pitchFamily="34" charset="0"/>
+              </a:rPr>
+            </a:br>
+            <a:r>
+              <a:rPr lang="en-US" sz="1400" dirty="0">
+                <a:solidFill>
+                  <a:srgbClr val="000000"/>
+                </a:solidFill>
+                <a:highlight>
+                  <a:srgbClr val="FBFBFB"/>
+                </a:highlight>
+                <a:latin typeface="Helvetica" panose="020B0604020202020204" pitchFamily="34" charset="0"/>
+              </a:rPr>
+              <a:t>case(ALU control input)</a:t>
+            </a:r>
+          </a:p>
+          <a:p>
+            <a:endParaRPr lang="en-US" sz="1400" dirty="0">
+              <a:solidFill>
+                <a:srgbClr val="000000"/>
+              </a:solidFill>
+              <a:highlight>
+                <a:srgbClr val="FBFBFB"/>
+              </a:highlight>
+              <a:latin typeface="Helvetica" panose="020B0604020202020204" pitchFamily="34" charset="0"/>
+            </a:endParaRPr>
+          </a:p>
+          <a:p>
+            <a:pPr lvl="1"/>
+            <a:r>
+              <a:rPr lang="en-US" sz="1400" dirty="0">
+                <a:solidFill>
+                  <a:srgbClr val="000000"/>
+                </a:solidFill>
+                <a:highlight>
+                  <a:srgbClr val="FBFBFB"/>
+                </a:highlight>
+                <a:latin typeface="Helvetica" panose="020B0604020202020204" pitchFamily="34" charset="0"/>
+              </a:rPr>
+              <a:t>ADD: ALU result = rs1+ rs2 ( </a:t>
+            </a:r>
+            <a:r>
+              <a:rPr lang="en-US" sz="1400" dirty="0" err="1">
+                <a:solidFill>
+                  <a:srgbClr val="000000"/>
+                </a:solidFill>
+                <a:highlight>
+                  <a:srgbClr val="FBFBFB"/>
+                </a:highlight>
+                <a:latin typeface="Helvetica" panose="020B0604020202020204" pitchFamily="34" charset="0"/>
+              </a:rPr>
+              <a:t>opA</a:t>
+            </a:r>
+            <a:r>
+              <a:rPr lang="en-US" sz="1400" dirty="0">
+                <a:solidFill>
+                  <a:srgbClr val="000000"/>
+                </a:solidFill>
+                <a:highlight>
+                  <a:srgbClr val="FBFBFB"/>
+                </a:highlight>
+                <a:latin typeface="Helvetica" panose="020B0604020202020204" pitchFamily="34" charset="0"/>
+              </a:rPr>
+              <a:t> + </a:t>
+            </a:r>
+            <a:r>
+              <a:rPr lang="en-US" sz="1400" dirty="0" err="1">
+                <a:solidFill>
+                  <a:srgbClr val="000000"/>
+                </a:solidFill>
+                <a:highlight>
+                  <a:srgbClr val="FBFBFB"/>
+                </a:highlight>
+                <a:latin typeface="Helvetica" panose="020B0604020202020204" pitchFamily="34" charset="0"/>
+              </a:rPr>
+              <a:t>opB</a:t>
+            </a:r>
+            <a:r>
+              <a:rPr lang="en-US" sz="1400" dirty="0">
+                <a:solidFill>
+                  <a:srgbClr val="000000"/>
+                </a:solidFill>
+                <a:highlight>
+                  <a:srgbClr val="FBFBFB"/>
+                </a:highlight>
+                <a:latin typeface="Helvetica" panose="020B0604020202020204" pitchFamily="34" charset="0"/>
+              </a:rPr>
+              <a:t> )</a:t>
+            </a:r>
+          </a:p>
+          <a:p>
+            <a:pPr lvl="1"/>
+            <a:r>
+              <a:rPr lang="en-US" sz="1400" dirty="0">
+                <a:solidFill>
+                  <a:srgbClr val="000000"/>
+                </a:solidFill>
+                <a:highlight>
+                  <a:srgbClr val="FBFBFB"/>
+                </a:highlight>
+                <a:latin typeface="Helvetica" panose="020B0604020202020204" pitchFamily="34" charset="0"/>
+              </a:rPr>
+              <a:t>	flag 0 =0</a:t>
+            </a:r>
+          </a:p>
+          <a:p>
+            <a:pPr lvl="1"/>
+            <a:r>
+              <a:rPr lang="en-US" sz="1400" dirty="0">
+                <a:solidFill>
+                  <a:srgbClr val="000000"/>
+                </a:solidFill>
+                <a:highlight>
+                  <a:srgbClr val="FBFBFB"/>
+                </a:highlight>
+                <a:latin typeface="Helvetica" panose="020B0604020202020204" pitchFamily="34" charset="0"/>
+              </a:rPr>
+              <a:t>	flag less than = 0</a:t>
+            </a:r>
+          </a:p>
+          <a:p>
+            <a:pPr lvl="1"/>
+            <a:r>
+              <a:rPr lang="en-US" sz="1400" dirty="0">
+                <a:solidFill>
+                  <a:srgbClr val="000000"/>
+                </a:solidFill>
+                <a:highlight>
+                  <a:srgbClr val="FBFBFB"/>
+                </a:highlight>
+                <a:latin typeface="Helvetica" panose="020B0604020202020204" pitchFamily="34" charset="0"/>
+              </a:rPr>
+              <a:t>	flag greater than = 0</a:t>
+            </a:r>
+          </a:p>
+          <a:p>
+            <a:pPr lvl="1"/>
+            <a:r>
+              <a:rPr lang="en-US" sz="1400" dirty="0">
+                <a:solidFill>
+                  <a:srgbClr val="000000"/>
+                </a:solidFill>
+                <a:highlight>
+                  <a:srgbClr val="FBFBFB"/>
+                </a:highlight>
+                <a:latin typeface="Helvetica" panose="020B0604020202020204" pitchFamily="34" charset="0"/>
+              </a:rPr>
+              <a:t>	flag don’t care = 0</a:t>
+            </a:r>
+          </a:p>
+          <a:p>
+            <a:pPr lvl="1"/>
+            <a:r>
+              <a:rPr lang="en-US" sz="1400" dirty="0">
+                <a:solidFill>
+                  <a:srgbClr val="000000"/>
+                </a:solidFill>
+                <a:highlight>
+                  <a:srgbClr val="FBFBFB"/>
+                </a:highlight>
+                <a:latin typeface="Helvetica" panose="020B0604020202020204" pitchFamily="34" charset="0"/>
+              </a:rPr>
+              <a:t>	flag equal to /~ not equal to =0</a:t>
+            </a:r>
+          </a:p>
+          <a:p>
+            <a:pPr lvl="1"/>
+            <a:endParaRPr lang="en-US" sz="1400" dirty="0">
+              <a:solidFill>
+                <a:srgbClr val="000000"/>
+              </a:solidFill>
+              <a:highlight>
+                <a:srgbClr val="FBFBFB"/>
+              </a:highlight>
+              <a:latin typeface="Helvetica" panose="020B0604020202020204" pitchFamily="34" charset="0"/>
+            </a:endParaRPr>
+          </a:p>
+          <a:p>
+            <a:pPr lvl="1"/>
+            <a:r>
+              <a:rPr lang="en-US" sz="1400" dirty="0">
+                <a:solidFill>
+                  <a:srgbClr val="000000"/>
+                </a:solidFill>
+                <a:highlight>
+                  <a:srgbClr val="FBFBFB"/>
+                </a:highlight>
+                <a:latin typeface="Helvetica" panose="020B0604020202020204" pitchFamily="34" charset="0"/>
+              </a:rPr>
+              <a:t>ADDI: ALU result =  rs1+imm (</a:t>
+            </a:r>
+            <a:r>
+              <a:rPr lang="en-US" sz="1400" dirty="0" err="1">
+                <a:solidFill>
+                  <a:srgbClr val="000000"/>
+                </a:solidFill>
+                <a:highlight>
+                  <a:srgbClr val="FBFBFB"/>
+                </a:highlight>
+                <a:latin typeface="Helvetica" panose="020B0604020202020204" pitchFamily="34" charset="0"/>
+              </a:rPr>
+              <a:t>opA</a:t>
+            </a:r>
+            <a:r>
+              <a:rPr lang="en-US" sz="1400" dirty="0">
+                <a:solidFill>
+                  <a:srgbClr val="000000"/>
+                </a:solidFill>
+                <a:highlight>
+                  <a:srgbClr val="FBFBFB"/>
+                </a:highlight>
+                <a:latin typeface="Helvetica" panose="020B0604020202020204" pitchFamily="34" charset="0"/>
+              </a:rPr>
+              <a:t> + </a:t>
+            </a:r>
+            <a:r>
+              <a:rPr lang="en-US" sz="1400" dirty="0" err="1">
+                <a:solidFill>
+                  <a:srgbClr val="000000"/>
+                </a:solidFill>
+                <a:highlight>
+                  <a:srgbClr val="FBFBFB"/>
+                </a:highlight>
+                <a:latin typeface="Helvetica" panose="020B0604020202020204" pitchFamily="34" charset="0"/>
+              </a:rPr>
+              <a:t>opB</a:t>
+            </a:r>
+            <a:r>
+              <a:rPr lang="en-US" sz="1400" dirty="0">
+                <a:solidFill>
+                  <a:srgbClr val="000000"/>
+                </a:solidFill>
+                <a:highlight>
+                  <a:srgbClr val="FBFBFB"/>
+                </a:highlight>
+                <a:latin typeface="Helvetica" panose="020B0604020202020204" pitchFamily="34" charset="0"/>
+              </a:rPr>
+              <a:t>)</a:t>
+            </a:r>
+          </a:p>
+          <a:p>
+            <a:pPr lvl="1"/>
+            <a:r>
+              <a:rPr lang="en-US" sz="1400" dirty="0">
+                <a:solidFill>
+                  <a:srgbClr val="000000"/>
+                </a:solidFill>
+                <a:highlight>
+                  <a:srgbClr val="FBFBFB"/>
+                </a:highlight>
+                <a:latin typeface="Helvetica" panose="020B0604020202020204" pitchFamily="34" charset="0"/>
+              </a:rPr>
+              <a:t>	flag 0 =0</a:t>
+            </a:r>
+          </a:p>
+          <a:p>
+            <a:pPr lvl="1"/>
+            <a:r>
+              <a:rPr lang="en-US" sz="1400" dirty="0">
+                <a:solidFill>
+                  <a:srgbClr val="000000"/>
+                </a:solidFill>
+                <a:highlight>
+                  <a:srgbClr val="FBFBFB"/>
+                </a:highlight>
+                <a:latin typeface="Helvetica" panose="020B0604020202020204" pitchFamily="34" charset="0"/>
+              </a:rPr>
+              <a:t>	flag less than = 0</a:t>
+            </a:r>
+          </a:p>
+          <a:p>
+            <a:pPr lvl="1"/>
+            <a:r>
+              <a:rPr lang="en-US" sz="1400" dirty="0">
+                <a:solidFill>
+                  <a:srgbClr val="000000"/>
+                </a:solidFill>
+                <a:highlight>
+                  <a:srgbClr val="FBFBFB"/>
+                </a:highlight>
+                <a:latin typeface="Helvetica" panose="020B0604020202020204" pitchFamily="34" charset="0"/>
+              </a:rPr>
+              <a:t>	flag greater than = 0</a:t>
+            </a:r>
+          </a:p>
+          <a:p>
+            <a:pPr lvl="1"/>
+            <a:r>
+              <a:rPr lang="en-US" sz="1400" dirty="0">
+                <a:solidFill>
+                  <a:srgbClr val="000000"/>
+                </a:solidFill>
+                <a:highlight>
+                  <a:srgbClr val="FBFBFB"/>
+                </a:highlight>
+                <a:latin typeface="Helvetica" panose="020B0604020202020204" pitchFamily="34" charset="0"/>
+              </a:rPr>
+              <a:t>	flag don’t care = 0</a:t>
+            </a:r>
+          </a:p>
+          <a:p>
+            <a:pPr lvl="1"/>
+            <a:r>
+              <a:rPr lang="en-US" sz="1400" dirty="0">
+                <a:solidFill>
+                  <a:srgbClr val="000000"/>
+                </a:solidFill>
+                <a:highlight>
+                  <a:srgbClr val="FBFBFB"/>
+                </a:highlight>
+                <a:latin typeface="Helvetica" panose="020B0604020202020204" pitchFamily="34" charset="0"/>
+              </a:rPr>
+              <a:t>	flag equal to /~ not equal to =0</a:t>
+            </a:r>
+          </a:p>
+          <a:p>
+            <a:pPr lvl="1"/>
+            <a:endParaRPr lang="en-US" sz="1400" dirty="0">
+              <a:solidFill>
+                <a:srgbClr val="000000"/>
+              </a:solidFill>
+              <a:highlight>
+                <a:srgbClr val="FBFBFB"/>
+              </a:highlight>
+              <a:latin typeface="Helvetica" panose="020B0604020202020204" pitchFamily="34" charset="0"/>
+            </a:endParaRPr>
+          </a:p>
+          <a:p>
+            <a:pPr lvl="1"/>
+            <a:r>
+              <a:rPr lang="en-US" sz="1400" dirty="0">
+                <a:solidFill>
+                  <a:srgbClr val="000000"/>
+                </a:solidFill>
+                <a:highlight>
+                  <a:srgbClr val="FBFBFB"/>
+                </a:highlight>
+                <a:latin typeface="Helvetica" panose="020B0604020202020204" pitchFamily="34" charset="0"/>
+              </a:rPr>
+              <a:t>(....all operations are executed </a:t>
+            </a:r>
+          </a:p>
+          <a:p>
+            <a:pPr lvl="1"/>
+            <a:r>
+              <a:rPr lang="en-US" sz="1400" dirty="0">
+                <a:solidFill>
+                  <a:srgbClr val="000000"/>
+                </a:solidFill>
+                <a:highlight>
+                  <a:srgbClr val="FBFBFB"/>
+                </a:highlight>
+                <a:latin typeface="Helvetica" panose="020B0604020202020204" pitchFamily="34" charset="0"/>
+              </a:rPr>
+              <a:t>based on the ALU control input)</a:t>
+            </a:r>
+          </a:p>
+        </p:txBody>
+      </p:sp>
     </p:spTree>
     <p:extLst>
       <p:ext uri="{BB962C8B-B14F-4D97-AF65-F5344CB8AC3E}">
-        <p14:creationId xmlns:p14="http://schemas.microsoft.com/office/powerpoint/2010/main" val="962049510"/>
+        <p14:creationId xmlns:p14="http://schemas.microsoft.com/office/powerpoint/2010/main" val="3131946506"/>
       </p:ext>
     </p:extLst>
   </p:cSld>
@@ -6126,7 +7279,7 @@
           <p:cNvPr id="2" name="Title 1">
             <a:extLst>
               <a:ext uri="{FF2B5EF4-FFF2-40B4-BE49-F238E27FC236}">
-                <a16:creationId xmlns:a16="http://schemas.microsoft.com/office/drawing/2014/main" id="{F15788A1-2A90-075C-0FD5-97BF4276DB6C}"/>
+                <a16:creationId xmlns:a16="http://schemas.microsoft.com/office/drawing/2014/main" id="{5883DE3C-1196-0B74-B80B-7655EC4389F8}"/>
               </a:ext>
             </a:extLst>
           </p:cNvPr>
@@ -6149,7 +7302,7 @@
           <a:p>
             <a:r>
               <a:rPr lang="en-US" dirty="0"/>
-              <a:t>Registers</a:t>
+              <a:t>ALU</a:t>
             </a:r>
           </a:p>
         </p:txBody>
@@ -6159,7 +7312,7 @@
           <p:cNvPr id="3" name="Subtitle 2">
             <a:extLst>
               <a:ext uri="{FF2B5EF4-FFF2-40B4-BE49-F238E27FC236}">
-                <a16:creationId xmlns:a16="http://schemas.microsoft.com/office/drawing/2014/main" id="{13643ECA-8A7C-9241-6882-E71BD1F12C44}"/>
+                <a16:creationId xmlns:a16="http://schemas.microsoft.com/office/drawing/2014/main" id="{AFD970C4-2E00-6482-3FBE-F80C552F6104}"/>
               </a:ext>
             </a:extLst>
           </p:cNvPr>
@@ -6177,7 +7330,7 @@
           <a:p>
             <a:r>
               <a:rPr lang="en-US" dirty="0"/>
-              <a:t>Test Cases</a:t>
+              <a:t>Test Cases:</a:t>
             </a:r>
           </a:p>
         </p:txBody>
@@ -6187,7 +7340,7 @@
           <p:cNvPr id="4" name="Text Placeholder 3">
             <a:extLst>
               <a:ext uri="{FF2B5EF4-FFF2-40B4-BE49-F238E27FC236}">
-                <a16:creationId xmlns:a16="http://schemas.microsoft.com/office/drawing/2014/main" id="{44C21242-B2E4-CDBB-3C48-4C8E293DC8C1}"/>
+                <a16:creationId xmlns:a16="http://schemas.microsoft.com/office/drawing/2014/main" id="{24AA8047-5A0E-9D04-F039-A9F7BA10358D}"/>
               </a:ext>
             </a:extLst>
           </p:cNvPr>
@@ -6200,68 +7353,330 @@
         </p:nvSpPr>
         <p:spPr/>
         <p:txBody>
-          <a:bodyPr/>
+          <a:bodyPr>
+            <a:normAutofit fontScale="70000" lnSpcReduction="20000"/>
+          </a:bodyPr>
           <a:lstStyle/>
           <a:p>
-            <a:r>
-              <a:rPr lang="en-US" dirty="0"/>
-              <a:t>Reset: check all registers are set to 0</a:t>
-            </a:r>
-          </a:p>
-          <a:p>
-            <a:r>
-              <a:rPr lang="en-US" dirty="0"/>
-              <a:t>With </a:t>
-            </a:r>
-            <a:r>
-              <a:rPr lang="en-US" dirty="0" err="1"/>
-              <a:t>write_enable</a:t>
-            </a:r>
-            <a:r>
-              <a:rPr lang="en-US" dirty="0"/>
-              <a:t> off, try writing  register: should be no change</a:t>
-            </a:r>
-          </a:p>
-          <a:p>
-            <a:r>
-              <a:rPr lang="en-US" dirty="0"/>
-              <a:t>With </a:t>
-            </a:r>
-            <a:r>
-              <a:rPr lang="en-US" dirty="0" err="1"/>
-              <a:t>write_enable</a:t>
-            </a:r>
-            <a:r>
-              <a:rPr lang="en-US" dirty="0"/>
-              <a:t> on, try writing to a register: check for correct value</a:t>
-            </a:r>
-          </a:p>
-          <a:p>
-            <a:r>
-              <a:rPr lang="en-US" dirty="0"/>
-              <a:t>Write random values to all registers, try reading all registers: check </a:t>
-            </a:r>
-            <a:r>
-              <a:rPr lang="en-US" dirty="0" err="1"/>
-              <a:t>data_read</a:t>
-            </a:r>
-            <a:r>
-              <a:rPr lang="en-US" dirty="0"/>
-              <a:t> is correct</a:t>
-            </a:r>
-          </a:p>
-          <a:p>
-            <a:pPr lvl="1"/>
-            <a:r>
-              <a:rPr lang="en-US" dirty="0"/>
-              <a:t>Do twice</a:t>
-            </a:r>
-          </a:p>
-          <a:p>
-            <a:r>
-              <a:rPr lang="en-US" dirty="0"/>
-              <a:t>Reset check again</a:t>
-            </a:r>
+            <a:pPr marL="0" indent="0" algn="l">
+              <a:buNone/>
+            </a:pPr>
+            <a:r>
+              <a:rPr lang="en-US" b="0" i="0" dirty="0">
+                <a:solidFill>
+                  <a:srgbClr val="000000"/>
+                </a:solidFill>
+                <a:effectLst/>
+                <a:highlight>
+                  <a:srgbClr val="FBFBFB"/>
+                </a:highlight>
+                <a:latin typeface="Helvetica" panose="020B0604020202020204" pitchFamily="34" charset="0"/>
+              </a:rPr>
+              <a:t>-all possible combination of opcode, func3 and func7 ( 26 combinations)</a:t>
+            </a:r>
+          </a:p>
+          <a:p>
+            <a:pPr marL="0" indent="0" algn="l">
+              <a:buNone/>
+            </a:pPr>
+            <a:r>
+              <a:rPr lang="en-US" b="0" i="0" dirty="0">
+                <a:solidFill>
+                  <a:srgbClr val="000000"/>
+                </a:solidFill>
+                <a:effectLst/>
+                <a:highlight>
+                  <a:srgbClr val="FBFBFB"/>
+                </a:highlight>
+                <a:latin typeface="Helvetica" panose="020B0604020202020204" pitchFamily="34" charset="0"/>
+              </a:rPr>
+              <a:t>(make tasks for the operations)</a:t>
+            </a:r>
+          </a:p>
+          <a:p>
+            <a:pPr marL="0" indent="0" algn="l">
+              <a:buNone/>
+            </a:pPr>
+            <a:br>
+              <a:rPr lang="en-US" b="0" i="0" dirty="0">
+                <a:solidFill>
+                  <a:srgbClr val="000000"/>
+                </a:solidFill>
+                <a:effectLst/>
+                <a:highlight>
+                  <a:srgbClr val="FBFBFB"/>
+                </a:highlight>
+                <a:latin typeface="Helvetica" panose="020B0604020202020204" pitchFamily="34" charset="0"/>
+              </a:rPr>
+            </a:br>
+            <a:endParaRPr lang="en-US" b="0" i="0" dirty="0">
+              <a:solidFill>
+                <a:srgbClr val="000000"/>
+              </a:solidFill>
+              <a:effectLst/>
+              <a:highlight>
+                <a:srgbClr val="FBFBFB"/>
+              </a:highlight>
+              <a:latin typeface="Helvetica" panose="020B0604020202020204" pitchFamily="34" charset="0"/>
+            </a:endParaRPr>
+          </a:p>
+          <a:p>
+            <a:pPr marL="0" indent="0" algn="l">
+              <a:buNone/>
+            </a:pPr>
+            <a:r>
+              <a:rPr lang="en-US" b="0" i="0" dirty="0">
+                <a:solidFill>
+                  <a:srgbClr val="000000"/>
+                </a:solidFill>
+                <a:effectLst/>
+                <a:highlight>
+                  <a:srgbClr val="FBFBFB"/>
+                </a:highlight>
+                <a:latin typeface="Helvetica" panose="020B0604020202020204" pitchFamily="34" charset="0"/>
+              </a:rPr>
+              <a:t>-different corner cases for operands (add, and, xor, etc.)</a:t>
+            </a:r>
+          </a:p>
+          <a:p>
+            <a:pPr marL="0" indent="0" algn="l">
+              <a:buNone/>
+            </a:pPr>
+            <a:endParaRPr lang="en-US" b="0" i="0" dirty="0">
+              <a:solidFill>
+                <a:srgbClr val="000000"/>
+              </a:solidFill>
+              <a:effectLst/>
+              <a:highlight>
+                <a:srgbClr val="FBFBFB"/>
+              </a:highlight>
+              <a:latin typeface="Helvetica" panose="020B0604020202020204" pitchFamily="34" charset="0"/>
+            </a:endParaRPr>
+          </a:p>
+          <a:p>
+            <a:pPr marL="0" indent="0" algn="l">
+              <a:buNone/>
+            </a:pPr>
+            <a:r>
+              <a:rPr lang="en-US" b="0" i="0" dirty="0">
+                <a:solidFill>
+                  <a:srgbClr val="000000"/>
+                </a:solidFill>
+                <a:effectLst/>
+                <a:highlight>
+                  <a:srgbClr val="FBFBFB"/>
+                </a:highlight>
+                <a:latin typeface="Helvetica" panose="020B0604020202020204" pitchFamily="34" charset="0"/>
+              </a:rPr>
+              <a:t>(assign variable value to each operand)</a:t>
+            </a:r>
+          </a:p>
+          <a:p>
+            <a:pPr algn="l"/>
+            <a:r>
+              <a:rPr lang="en-US" b="0" i="0" dirty="0">
+                <a:solidFill>
+                  <a:srgbClr val="000000"/>
+                </a:solidFill>
+                <a:effectLst/>
+                <a:highlight>
+                  <a:srgbClr val="FBFBFB"/>
+                </a:highlight>
+                <a:latin typeface="Helvetica" panose="020B0604020202020204" pitchFamily="34" charset="0"/>
+              </a:rPr>
+              <a:t>   all 0s</a:t>
+            </a:r>
+          </a:p>
+          <a:p>
+            <a:pPr algn="l"/>
+            <a:r>
+              <a:rPr lang="en-US" b="0" i="0" dirty="0">
+                <a:solidFill>
+                  <a:srgbClr val="000000"/>
+                </a:solidFill>
+                <a:effectLst/>
+                <a:highlight>
+                  <a:srgbClr val="FBFBFB"/>
+                </a:highlight>
+                <a:latin typeface="Helvetica" panose="020B0604020202020204" pitchFamily="34" charset="0"/>
+              </a:rPr>
+              <a:t>   all 1s</a:t>
+            </a:r>
+          </a:p>
+          <a:p>
+            <a:pPr algn="l"/>
+            <a:r>
+              <a:rPr lang="en-US" b="0" i="0" dirty="0">
+                <a:solidFill>
+                  <a:srgbClr val="000000"/>
+                </a:solidFill>
+                <a:effectLst/>
+                <a:highlight>
+                  <a:srgbClr val="FBFBFB"/>
+                </a:highlight>
+                <a:latin typeface="Helvetica" panose="020B0604020202020204" pitchFamily="34" charset="0"/>
+              </a:rPr>
+              <a:t>   all 5s</a:t>
+            </a:r>
+          </a:p>
+          <a:p>
+            <a:pPr algn="l"/>
+            <a:r>
+              <a:rPr lang="en-US" b="0" i="0" dirty="0">
+                <a:solidFill>
+                  <a:srgbClr val="000000"/>
+                </a:solidFill>
+                <a:effectLst/>
+                <a:highlight>
+                  <a:srgbClr val="FBFBFB"/>
+                </a:highlight>
+                <a:latin typeface="Helvetica" panose="020B0604020202020204" pitchFamily="34" charset="0"/>
+              </a:rPr>
+              <a:t>   all As</a:t>
+            </a:r>
+          </a:p>
+          <a:p>
+            <a:pPr algn="l"/>
+            <a:r>
+              <a:rPr lang="en-US" b="0" i="0" dirty="0">
+                <a:solidFill>
+                  <a:srgbClr val="000000"/>
+                </a:solidFill>
+                <a:effectLst/>
+                <a:highlight>
+                  <a:srgbClr val="FBFBFB"/>
+                </a:highlight>
+                <a:latin typeface="Helvetica" panose="020B0604020202020204" pitchFamily="34" charset="0"/>
+              </a:rPr>
+              <a:t>   pattern 0000 FFFF</a:t>
+            </a:r>
+          </a:p>
+          <a:p>
+            <a:pPr algn="l"/>
+            <a:r>
+              <a:rPr lang="en-US" b="0" i="0" dirty="0">
+                <a:solidFill>
+                  <a:srgbClr val="000000"/>
+                </a:solidFill>
+                <a:effectLst/>
+                <a:highlight>
+                  <a:srgbClr val="FBFBFB"/>
+                </a:highlight>
+                <a:latin typeface="Helvetica" panose="020B0604020202020204" pitchFamily="34" charset="0"/>
+              </a:rPr>
+              <a:t>   pattern FFFF 0000</a:t>
+            </a:r>
+          </a:p>
+          <a:p>
+            <a:pPr algn="l"/>
+            <a:r>
+              <a:rPr lang="en-US" b="0" i="0" dirty="0">
+                <a:solidFill>
+                  <a:srgbClr val="000000"/>
+                </a:solidFill>
+                <a:effectLst/>
+                <a:highlight>
+                  <a:srgbClr val="FBFBFB"/>
+                </a:highlight>
+                <a:latin typeface="Helvetica" panose="020B0604020202020204" pitchFamily="34" charset="0"/>
+              </a:rPr>
+              <a:t>   pattern AAAA 5555</a:t>
+            </a:r>
+          </a:p>
+          <a:p>
+            <a:pPr algn="l"/>
+            <a:r>
+              <a:rPr lang="en-US" b="0" i="0" dirty="0">
+                <a:solidFill>
+                  <a:srgbClr val="000000"/>
+                </a:solidFill>
+                <a:effectLst/>
+                <a:highlight>
+                  <a:srgbClr val="FBFBFB"/>
+                </a:highlight>
+                <a:latin typeface="Helvetica" panose="020B0604020202020204" pitchFamily="34" charset="0"/>
+              </a:rPr>
+              <a:t>   pattern 5555 AAAA</a:t>
+            </a:r>
+          </a:p>
+          <a:p>
+            <a:pPr marL="0" indent="0" algn="l">
+              <a:buNone/>
+            </a:pPr>
+            <a:br>
+              <a:rPr lang="en-US" b="0" i="0" dirty="0">
+                <a:solidFill>
+                  <a:srgbClr val="000000"/>
+                </a:solidFill>
+                <a:effectLst/>
+                <a:highlight>
+                  <a:srgbClr val="FBFBFB"/>
+                </a:highlight>
+                <a:latin typeface="Helvetica" panose="020B0604020202020204" pitchFamily="34" charset="0"/>
+              </a:rPr>
+            </a:br>
+            <a:endParaRPr lang="en-US" b="0" i="0" dirty="0">
+              <a:solidFill>
+                <a:srgbClr val="000000"/>
+              </a:solidFill>
+              <a:effectLst/>
+              <a:highlight>
+                <a:srgbClr val="FBFBFB"/>
+              </a:highlight>
+              <a:latin typeface="Helvetica" panose="020B0604020202020204" pitchFamily="34" charset="0"/>
+            </a:endParaRPr>
+          </a:p>
+          <a:p>
+            <a:pPr marL="0" indent="0" algn="l">
+              <a:buNone/>
+            </a:pPr>
+            <a:r>
+              <a:rPr lang="en-US" b="0" i="0" dirty="0">
+                <a:solidFill>
+                  <a:srgbClr val="000000"/>
+                </a:solidFill>
+                <a:effectLst/>
+                <a:highlight>
+                  <a:srgbClr val="FBFBFB"/>
+                </a:highlight>
+                <a:latin typeface="Helvetica" panose="020B0604020202020204" pitchFamily="34" charset="0"/>
+              </a:rPr>
+              <a:t>-error checking for undefined combinations of opcode, func3 &amp;func7 -&gt; assign value</a:t>
+            </a:r>
+          </a:p>
+          <a:p>
+            <a:pPr algn="l"/>
+            <a:endParaRPr lang="en-US" b="0" i="0" dirty="0">
+              <a:solidFill>
+                <a:srgbClr val="000000"/>
+              </a:solidFill>
+              <a:effectLst/>
+              <a:highlight>
+                <a:srgbClr val="FBFBFB"/>
+              </a:highlight>
+              <a:latin typeface="Helvetica" panose="020B0604020202020204" pitchFamily="34" charset="0"/>
+            </a:endParaRPr>
+          </a:p>
+          <a:p>
+            <a:pPr marL="0" indent="0" algn="l">
+              <a:buNone/>
+            </a:pPr>
+            <a:r>
+              <a:rPr lang="en-US" b="0" i="0" dirty="0">
+                <a:solidFill>
+                  <a:srgbClr val="000000"/>
+                </a:solidFill>
+                <a:effectLst/>
+                <a:highlight>
+                  <a:srgbClr val="FBFBFB"/>
+                </a:highlight>
+                <a:latin typeface="Helvetica" panose="020B0604020202020204" pitchFamily="34" charset="0"/>
+              </a:rPr>
+              <a:t>-check generation of correct flags</a:t>
+            </a:r>
+          </a:p>
+          <a:p>
+            <a:endParaRPr lang="en-US" dirty="0"/>
           </a:p>
         </p:txBody>
       </p:sp>
@@ -6270,7 +7685,7 @@
           <p:cNvPr id="5" name="Slide Number Placeholder 4">
             <a:extLst>
               <a:ext uri="{FF2B5EF4-FFF2-40B4-BE49-F238E27FC236}">
-                <a16:creationId xmlns:a16="http://schemas.microsoft.com/office/drawing/2014/main" id="{BD9C6C1B-2485-DA5C-E77A-5AE0B15EA8EE}"/>
+                <a16:creationId xmlns:a16="http://schemas.microsoft.com/office/drawing/2014/main" id="{A82A3532-EC5B-DDEA-11C5-68BABE000A94}"/>
               </a:ext>
             </a:extLst>
           </p:cNvPr>
@@ -6294,46 +7709,10 @@
           </a:p>
         </p:txBody>
       </p:sp>
-      <p:pic>
-        <p:nvPicPr>
-          <p:cNvPr id="6" name="Picture 5" descr="A screenshot of a computer program&#10;&#10;Description automatically generated">
-            <a:extLst>
-              <a:ext uri="{FF2B5EF4-FFF2-40B4-BE49-F238E27FC236}">
-                <a16:creationId xmlns:a16="http://schemas.microsoft.com/office/drawing/2014/main" id="{3FE90927-5BAB-2661-0012-59DAD3BC8173}"/>
-              </a:ext>
-            </a:extLst>
-          </p:cNvPr>
-          <p:cNvPicPr>
-            <a:picLocks noChangeAspect="1"/>
-          </p:cNvPicPr>
-          <p:nvPr/>
-        </p:nvPicPr>
-        <p:blipFill>
-          <a:blip r:embed="rId2">
-            <a:extLst>
-              <a:ext uri="{28A0092B-C50C-407E-A947-70E740481C1C}">
-                <a14:useLocalDpi xmlns:a14="http://schemas.microsoft.com/office/drawing/2010/main" val="0"/>
-              </a:ext>
-            </a:extLst>
-          </a:blip>
-          <a:stretch>
-            <a:fillRect/>
-          </a:stretch>
-        </p:blipFill>
-        <p:spPr>
-          <a:xfrm>
-            <a:off x="8218857" y="3889244"/>
-            <a:ext cx="3780686" cy="2879363"/>
-          </a:xfrm>
-          <a:prstGeom prst="rect">
-            <a:avLst/>
-          </a:prstGeom>
-        </p:spPr>
-      </p:pic>
     </p:spTree>
     <p:extLst>
       <p:ext uri="{BB962C8B-B14F-4D97-AF65-F5344CB8AC3E}">
-        <p14:creationId xmlns:p14="http://schemas.microsoft.com/office/powerpoint/2010/main" val="46302471"/>
+        <p14:creationId xmlns:p14="http://schemas.microsoft.com/office/powerpoint/2010/main" val="4289204043"/>
       </p:ext>
     </p:extLst>
   </p:cSld>
@@ -6365,7 +7744,7 @@
           <p:cNvPr id="2" name="Title 1">
             <a:extLst>
               <a:ext uri="{FF2B5EF4-FFF2-40B4-BE49-F238E27FC236}">
-                <a16:creationId xmlns:a16="http://schemas.microsoft.com/office/drawing/2014/main" id="{EB3F7B05-73DE-A491-5991-E04BBBC698CA}"/>
+                <a16:creationId xmlns:a16="http://schemas.microsoft.com/office/drawing/2014/main" id="{F15788A1-2A90-075C-0FD5-97BF4276DB6C}"/>
               </a:ext>
             </a:extLst>
           </p:cNvPr>
@@ -6388,7 +7767,7 @@
           <a:p>
             <a:r>
               <a:rPr lang="en-US" dirty="0"/>
-              <a:t>Memory</a:t>
+              <a:t>Registers</a:t>
             </a:r>
           </a:p>
         </p:txBody>
@@ -6398,7 +7777,7 @@
           <p:cNvPr id="3" name="Subtitle 2">
             <a:extLst>
               <a:ext uri="{FF2B5EF4-FFF2-40B4-BE49-F238E27FC236}">
-                <a16:creationId xmlns:a16="http://schemas.microsoft.com/office/drawing/2014/main" id="{AC823061-39AD-9D43-0432-59610A93A4A1}"/>
+                <a16:creationId xmlns:a16="http://schemas.microsoft.com/office/drawing/2014/main" id="{13643ECA-8A7C-9241-6882-E71BD1F12C44}"/>
               </a:ext>
             </a:extLst>
           </p:cNvPr>
@@ -6414,32 +7793,15 @@
           <a:bodyPr/>
           <a:lstStyle/>
           <a:p>
-            <a:endParaRPr lang="en-US"/>
-          </a:p>
-        </p:txBody>
-      </p:sp>
-      <p:sp>
-        <p:nvSpPr>
-          <p:cNvPr id="4" name="Text Placeholder 3">
-            <a:extLst>
-              <a:ext uri="{FF2B5EF4-FFF2-40B4-BE49-F238E27FC236}">
-                <a16:creationId xmlns:a16="http://schemas.microsoft.com/office/drawing/2014/main" id="{F2A18362-0849-C467-4293-A237B5A80012}"/>
-              </a:ext>
-            </a:extLst>
-          </p:cNvPr>
-          <p:cNvSpPr>
-            <a:spLocks noGrp="1"/>
-          </p:cNvSpPr>
-          <p:nvPr>
-            <p:ph type="body" sz="quarter" idx="14"/>
-          </p:nvPr>
-        </p:nvSpPr>
-        <p:spPr/>
-        <p:txBody>
-          <a:bodyPr/>
-          <a:lstStyle/>
-          <a:p>
-            <a:endParaRPr lang="en-US"/>
+            <a:r>
+              <a:rPr lang="en-US" dirty="0"/>
+              <a:t>Register RTL and </a:t>
+            </a:r>
+            <a:r>
+              <a:rPr lang="en-US" dirty="0" err="1"/>
+              <a:t>Psuedocode</a:t>
+            </a:r>
+            <a:endParaRPr lang="en-US" dirty="0"/>
           </a:p>
         </p:txBody>
       </p:sp>
@@ -6448,7 +7810,7 @@
           <p:cNvPr id="5" name="Slide Number Placeholder 4">
             <a:extLst>
               <a:ext uri="{FF2B5EF4-FFF2-40B4-BE49-F238E27FC236}">
-                <a16:creationId xmlns:a16="http://schemas.microsoft.com/office/drawing/2014/main" id="{2FCCDFDD-E919-B6ED-4B67-9F63171EB214}"/>
+                <a16:creationId xmlns:a16="http://schemas.microsoft.com/office/drawing/2014/main" id="{BD9C6C1B-2485-DA5C-E77A-5AE0B15EA8EE}"/>
               </a:ext>
             </a:extLst>
           </p:cNvPr>
@@ -6472,10 +7834,46 @@
           </a:p>
         </p:txBody>
       </p:sp>
+      <p:pic>
+        <p:nvPicPr>
+          <p:cNvPr id="7" name="Picture 6" descr="A screenshot of a computer program&#10;&#10;Description automatically generated">
+            <a:extLst>
+              <a:ext uri="{FF2B5EF4-FFF2-40B4-BE49-F238E27FC236}">
+                <a16:creationId xmlns:a16="http://schemas.microsoft.com/office/drawing/2014/main" id="{2F5C064D-A672-B3A3-274F-918C230D777A}"/>
+              </a:ext>
+            </a:extLst>
+          </p:cNvPr>
+          <p:cNvPicPr>
+            <a:picLocks noChangeAspect="1"/>
+          </p:cNvPicPr>
+          <p:nvPr/>
+        </p:nvPicPr>
+        <p:blipFill>
+          <a:blip r:embed="rId2">
+            <a:extLst>
+              <a:ext uri="{28A0092B-C50C-407E-A947-70E740481C1C}">
+                <a14:useLocalDpi xmlns:a14="http://schemas.microsoft.com/office/drawing/2010/main" val="0"/>
+              </a:ext>
+            </a:extLst>
+          </a:blip>
+          <a:stretch>
+            <a:fillRect/>
+          </a:stretch>
+        </p:blipFill>
+        <p:spPr>
+          <a:xfrm>
+            <a:off x="3173573" y="2096305"/>
+            <a:ext cx="5229031" cy="3982419"/>
+          </a:xfrm>
+          <a:prstGeom prst="rect">
+            <a:avLst/>
+          </a:prstGeom>
+        </p:spPr>
+      </p:pic>
     </p:spTree>
     <p:extLst>
       <p:ext uri="{BB962C8B-B14F-4D97-AF65-F5344CB8AC3E}">
-        <p14:creationId xmlns:p14="http://schemas.microsoft.com/office/powerpoint/2010/main" val="2869620282"/>
+        <p14:creationId xmlns:p14="http://schemas.microsoft.com/office/powerpoint/2010/main" val="962049510"/>
       </p:ext>
     </p:extLst>
   </p:cSld>
@@ -6507,7 +7905,7 @@
           <p:cNvPr id="2" name="Title 1">
             <a:extLst>
               <a:ext uri="{FF2B5EF4-FFF2-40B4-BE49-F238E27FC236}">
-                <a16:creationId xmlns:a16="http://schemas.microsoft.com/office/drawing/2014/main" id="{D1F6CC05-1F31-0C88-333C-5026AF10D397}"/>
+                <a16:creationId xmlns:a16="http://schemas.microsoft.com/office/drawing/2014/main" id="{F15788A1-2A90-075C-0FD5-97BF4276DB6C}"/>
               </a:ext>
             </a:extLst>
           </p:cNvPr>
@@ -6530,7 +7928,7 @@
           <a:p>
             <a:r>
               <a:rPr lang="en-US" dirty="0"/>
-              <a:t>Program Counter</a:t>
+              <a:t>Registers</a:t>
             </a:r>
           </a:p>
         </p:txBody>
@@ -6540,7 +7938,7 @@
           <p:cNvPr id="3" name="Subtitle 2">
             <a:extLst>
               <a:ext uri="{FF2B5EF4-FFF2-40B4-BE49-F238E27FC236}">
-                <a16:creationId xmlns:a16="http://schemas.microsoft.com/office/drawing/2014/main" id="{069353A1-7076-B958-432E-9B8FD5750AE7}"/>
+                <a16:creationId xmlns:a16="http://schemas.microsoft.com/office/drawing/2014/main" id="{13643ECA-8A7C-9241-6882-E71BD1F12C44}"/>
               </a:ext>
             </a:extLst>
           </p:cNvPr>
@@ -6558,7 +7956,90 @@
           <a:p>
             <a:r>
               <a:rPr lang="en-US" dirty="0"/>
-              <a:t>RTL Diagram and Input/Output</a:t>
+              <a:t>Test Cases</a:t>
+            </a:r>
+          </a:p>
+        </p:txBody>
+      </p:sp>
+      <p:sp>
+        <p:nvSpPr>
+          <p:cNvPr id="4" name="Text Placeholder 3">
+            <a:extLst>
+              <a:ext uri="{FF2B5EF4-FFF2-40B4-BE49-F238E27FC236}">
+                <a16:creationId xmlns:a16="http://schemas.microsoft.com/office/drawing/2014/main" id="{44C21242-B2E4-CDBB-3C48-4C8E293DC8C1}"/>
+              </a:ext>
+            </a:extLst>
+          </p:cNvPr>
+          <p:cNvSpPr>
+            <a:spLocks noGrp="1"/>
+          </p:cNvSpPr>
+          <p:nvPr>
+            <p:ph type="body" sz="quarter" idx="14"/>
+          </p:nvPr>
+        </p:nvSpPr>
+        <p:spPr/>
+        <p:txBody>
+          <a:bodyPr/>
+          <a:lstStyle/>
+          <a:p>
+            <a:r>
+              <a:rPr lang="en-US" dirty="0"/>
+              <a:t>Reset: check all registers are set to 0</a:t>
+            </a:r>
+          </a:p>
+          <a:p>
+            <a:r>
+              <a:rPr lang="en-US" dirty="0"/>
+              <a:t>With </a:t>
+            </a:r>
+            <a:r>
+              <a:rPr lang="en-US" dirty="0" err="1"/>
+              <a:t>write_enable</a:t>
+            </a:r>
+            <a:r>
+              <a:rPr lang="en-US" dirty="0"/>
+              <a:t> off, try writing  register: should be no change</a:t>
+            </a:r>
+          </a:p>
+          <a:p>
+            <a:r>
+              <a:rPr lang="en-US" dirty="0"/>
+              <a:t>With </a:t>
+            </a:r>
+            <a:r>
+              <a:rPr lang="en-US" dirty="0" err="1"/>
+              <a:t>write_enable</a:t>
+            </a:r>
+            <a:r>
+              <a:rPr lang="en-US" dirty="0"/>
+              <a:t> on, try writing to a register: check for correct value</a:t>
+            </a:r>
+          </a:p>
+          <a:p>
+            <a:r>
+              <a:rPr lang="en-US" dirty="0"/>
+              <a:t>Write random values to all registers, try reading all registers: check </a:t>
+            </a:r>
+            <a:r>
+              <a:rPr lang="en-US" dirty="0" err="1"/>
+              <a:t>data_read</a:t>
+            </a:r>
+            <a:r>
+              <a:rPr lang="en-US" dirty="0"/>
+              <a:t> is correct</a:t>
+            </a:r>
+          </a:p>
+          <a:p>
+            <a:pPr lvl="1"/>
+            <a:r>
+              <a:rPr lang="en-US" dirty="0"/>
+              <a:t>Do twice</a:t>
+            </a:r>
+          </a:p>
+          <a:p>
+            <a:r>
+              <a:rPr lang="en-US" dirty="0"/>
+              <a:t>Reset check again</a:t>
             </a:r>
           </a:p>
         </p:txBody>
@@ -6568,7 +8049,7 @@
           <p:cNvPr id="5" name="Slide Number Placeholder 4">
             <a:extLst>
               <a:ext uri="{FF2B5EF4-FFF2-40B4-BE49-F238E27FC236}">
-                <a16:creationId xmlns:a16="http://schemas.microsoft.com/office/drawing/2014/main" id="{A896B40E-DC06-49BF-BFD3-304517BB06A3}"/>
+                <a16:creationId xmlns:a16="http://schemas.microsoft.com/office/drawing/2014/main" id="{BD9C6C1B-2485-DA5C-E77A-5AE0B15EA8EE}"/>
               </a:ext>
             </a:extLst>
           </p:cNvPr>
@@ -6594,10 +8075,10 @@
       </p:sp>
       <p:pic>
         <p:nvPicPr>
-          <p:cNvPr id="9" name="Picture 8" descr="A black and white screen with white text&#10;&#10;Description automatically generated">
-            <a:extLst>
-              <a:ext uri="{FF2B5EF4-FFF2-40B4-BE49-F238E27FC236}">
-                <a16:creationId xmlns:a16="http://schemas.microsoft.com/office/drawing/2014/main" id="{602A898A-4DC4-D63A-A6B4-668E5E561D40}"/>
+          <p:cNvPr id="6" name="Picture 5" descr="A screenshot of a computer program&#10;&#10;Description automatically generated">
+            <a:extLst>
+              <a:ext uri="{FF2B5EF4-FFF2-40B4-BE49-F238E27FC236}">
+                <a16:creationId xmlns:a16="http://schemas.microsoft.com/office/drawing/2014/main" id="{3FE90927-5BAB-2661-0012-59DAD3BC8173}"/>
               </a:ext>
             </a:extLst>
           </p:cNvPr>
@@ -6606,7 +8087,7 @@
           </p:cNvPicPr>
           <p:nvPr/>
         </p:nvPicPr>
-        <p:blipFill rotWithShape="1">
+        <p:blipFill>
           <a:blip r:embed="rId2">
             <a:extLst>
               <a:ext uri="{28A0092B-C50C-407E-A947-70E740481C1C}">
@@ -6614,48 +8095,14 @@
               </a:ext>
             </a:extLst>
           </a:blip>
-          <a:srcRect l="51863" b="55404"/>
-          <a:stretch/>
+          <a:stretch>
+            <a:fillRect/>
+          </a:stretch>
         </p:blipFill>
         <p:spPr>
           <a:xfrm>
-            <a:off x="1259633" y="2763923"/>
-            <a:ext cx="4259521" cy="2425474"/>
-          </a:xfrm>
-          <a:prstGeom prst="rect">
-            <a:avLst/>
-          </a:prstGeom>
-        </p:spPr>
-      </p:pic>
-      <p:pic>
-        <p:nvPicPr>
-          <p:cNvPr id="10" name="Picture 9" descr="A black and white screen with white text&#10;&#10;Description automatically generated">
-            <a:extLst>
-              <a:ext uri="{FF2B5EF4-FFF2-40B4-BE49-F238E27FC236}">
-                <a16:creationId xmlns:a16="http://schemas.microsoft.com/office/drawing/2014/main" id="{0C30E131-177D-F6B8-0AE8-D5CF155B5289}"/>
-              </a:ext>
-            </a:extLst>
-          </p:cNvPr>
-          <p:cNvPicPr>
-            <a:picLocks noChangeAspect="1"/>
-          </p:cNvPicPr>
-          <p:nvPr/>
-        </p:nvPicPr>
-        <p:blipFill rotWithShape="1">
-          <a:blip r:embed="rId2">
-            <a:extLst>
-              <a:ext uri="{28A0092B-C50C-407E-A947-70E740481C1C}">
-                <a14:useLocalDpi xmlns:a14="http://schemas.microsoft.com/office/drawing/2010/main" val="0"/>
-              </a:ext>
-            </a:extLst>
-          </a:blip>
-          <a:srcRect t="27955" r="77451" b="39963"/>
-          <a:stretch/>
-        </p:blipFill>
-        <p:spPr>
-          <a:xfrm>
-            <a:off x="6875008" y="2728679"/>
-            <a:ext cx="1995294" cy="1744825"/>
+            <a:off x="8218857" y="3889244"/>
+            <a:ext cx="3780686" cy="2879363"/>
           </a:xfrm>
           <a:prstGeom prst="rect">
             <a:avLst/>
@@ -6665,7 +8112,7 @@
     </p:spTree>
     <p:extLst>
       <p:ext uri="{BB962C8B-B14F-4D97-AF65-F5344CB8AC3E}">
-        <p14:creationId xmlns:p14="http://schemas.microsoft.com/office/powerpoint/2010/main" val="1617301959"/>
+        <p14:creationId xmlns:p14="http://schemas.microsoft.com/office/powerpoint/2010/main" val="46302471"/>
       </p:ext>
     </p:extLst>
   </p:cSld>
@@ -6697,7 +8144,7 @@
           <p:cNvPr id="2" name="Title 1">
             <a:extLst>
               <a:ext uri="{FF2B5EF4-FFF2-40B4-BE49-F238E27FC236}">
-                <a16:creationId xmlns:a16="http://schemas.microsoft.com/office/drawing/2014/main" id="{D1F6CC05-1F31-0C88-333C-5026AF10D397}"/>
+                <a16:creationId xmlns:a16="http://schemas.microsoft.com/office/drawing/2014/main" id="{EB3F7B05-73DE-A491-5991-E04BBBC698CA}"/>
               </a:ext>
             </a:extLst>
           </p:cNvPr>
@@ -6720,7 +8167,7 @@
           <a:p>
             <a:r>
               <a:rPr lang="en-US" dirty="0"/>
-              <a:t>Program Counter</a:t>
+              <a:t>Memory</a:t>
             </a:r>
           </a:p>
         </p:txBody>
@@ -6730,7 +8177,7 @@
           <p:cNvPr id="3" name="Subtitle 2">
             <a:extLst>
               <a:ext uri="{FF2B5EF4-FFF2-40B4-BE49-F238E27FC236}">
-                <a16:creationId xmlns:a16="http://schemas.microsoft.com/office/drawing/2014/main" id="{069353A1-7076-B958-432E-9B8FD5750AE7}"/>
+                <a16:creationId xmlns:a16="http://schemas.microsoft.com/office/drawing/2014/main" id="{AC823061-39AD-9D43-0432-59610A93A4A1}"/>
               </a:ext>
             </a:extLst>
           </p:cNvPr>
@@ -6746,10 +8193,32 @@
           <a:bodyPr/>
           <a:lstStyle/>
           <a:p>
-            <a:r>
-              <a:rPr lang="en-US" dirty="0"/>
-              <a:t>Logic and Test Cases</a:t>
-            </a:r>
+            <a:endParaRPr lang="en-US"/>
+          </a:p>
+        </p:txBody>
+      </p:sp>
+      <p:sp>
+        <p:nvSpPr>
+          <p:cNvPr id="4" name="Text Placeholder 3">
+            <a:extLst>
+              <a:ext uri="{FF2B5EF4-FFF2-40B4-BE49-F238E27FC236}">
+                <a16:creationId xmlns:a16="http://schemas.microsoft.com/office/drawing/2014/main" id="{F2A18362-0849-C467-4293-A237B5A80012}"/>
+              </a:ext>
+            </a:extLst>
+          </p:cNvPr>
+          <p:cNvSpPr>
+            <a:spLocks noGrp="1"/>
+          </p:cNvSpPr>
+          <p:nvPr>
+            <p:ph type="body" sz="quarter" idx="14"/>
+          </p:nvPr>
+        </p:nvSpPr>
+        <p:spPr/>
+        <p:txBody>
+          <a:bodyPr/>
+          <a:lstStyle/>
+          <a:p>
+            <a:endParaRPr lang="en-US"/>
           </a:p>
         </p:txBody>
       </p:sp>
@@ -6758,7 +8227,7 @@
           <p:cNvPr id="5" name="Slide Number Placeholder 4">
             <a:extLst>
               <a:ext uri="{FF2B5EF4-FFF2-40B4-BE49-F238E27FC236}">
-                <a16:creationId xmlns:a16="http://schemas.microsoft.com/office/drawing/2014/main" id="{A896B40E-DC06-49BF-BFD3-304517BB06A3}"/>
+                <a16:creationId xmlns:a16="http://schemas.microsoft.com/office/drawing/2014/main" id="{2FCCDFDD-E919-B6ED-4B67-9F63171EB214}"/>
               </a:ext>
             </a:extLst>
           </p:cNvPr>
@@ -6782,74 +8251,10 @@
           </a:p>
         </p:txBody>
       </p:sp>
-      <p:pic>
-        <p:nvPicPr>
-          <p:cNvPr id="4" name="Picture 3" descr="A black and white screen with white text&#10;&#10;Description automatically generated">
-            <a:extLst>
-              <a:ext uri="{FF2B5EF4-FFF2-40B4-BE49-F238E27FC236}">
-                <a16:creationId xmlns:a16="http://schemas.microsoft.com/office/drawing/2014/main" id="{25367EB2-360C-B712-60AE-079171120897}"/>
-              </a:ext>
-            </a:extLst>
-          </p:cNvPr>
-          <p:cNvPicPr>
-            <a:picLocks noChangeAspect="1"/>
-          </p:cNvPicPr>
-          <p:nvPr/>
-        </p:nvPicPr>
-        <p:blipFill rotWithShape="1">
-          <a:blip r:embed="rId2">
-            <a:extLst>
-              <a:ext uri="{28A0092B-C50C-407E-A947-70E740481C1C}">
-                <a14:useLocalDpi xmlns:a14="http://schemas.microsoft.com/office/drawing/2010/main" val="0"/>
-              </a:ext>
-            </a:extLst>
-          </a:blip>
-          <a:srcRect t="63467" r="30844"/>
-          <a:stretch/>
-        </p:blipFill>
-        <p:spPr>
-          <a:xfrm>
-            <a:off x="1067822" y="2096305"/>
-            <a:ext cx="10056355" cy="3265228"/>
-          </a:xfrm>
-          <a:prstGeom prst="rect">
-            <a:avLst/>
-          </a:prstGeom>
-        </p:spPr>
-      </p:pic>
-      <p:pic>
-        <p:nvPicPr>
-          <p:cNvPr id="7" name="Picture 6">
-            <a:extLst>
-              <a:ext uri="{FF2B5EF4-FFF2-40B4-BE49-F238E27FC236}">
-                <a16:creationId xmlns:a16="http://schemas.microsoft.com/office/drawing/2014/main" id="{D6CA6F6B-57FF-1C2B-3B06-D79B575C3413}"/>
-              </a:ext>
-            </a:extLst>
-          </p:cNvPr>
-          <p:cNvPicPr>
-            <a:picLocks noChangeAspect="1"/>
-          </p:cNvPicPr>
-          <p:nvPr/>
-        </p:nvPicPr>
-        <p:blipFill rotWithShape="1">
-          <a:blip r:embed="rId3"/>
-          <a:srcRect l="2457" t="5161" r="1322" b="2363"/>
-          <a:stretch/>
-        </p:blipFill>
-        <p:spPr>
-          <a:xfrm>
-            <a:off x="1067822" y="1831490"/>
-            <a:ext cx="4595860" cy="4019812"/>
-          </a:xfrm>
-          <a:prstGeom prst="rect">
-            <a:avLst/>
-          </a:prstGeom>
-        </p:spPr>
-      </p:pic>
     </p:spTree>
     <p:extLst>
       <p:ext uri="{BB962C8B-B14F-4D97-AF65-F5344CB8AC3E}">
-        <p14:creationId xmlns:p14="http://schemas.microsoft.com/office/powerpoint/2010/main" val="3391675750"/>
+        <p14:creationId xmlns:p14="http://schemas.microsoft.com/office/powerpoint/2010/main" val="2869620282"/>
       </p:ext>
     </p:extLst>
   </p:cSld>
@@ -6881,7 +8286,7 @@
           <p:cNvPr id="2" name="Title 1">
             <a:extLst>
               <a:ext uri="{FF2B5EF4-FFF2-40B4-BE49-F238E27FC236}">
-                <a16:creationId xmlns:a16="http://schemas.microsoft.com/office/drawing/2014/main" id="{EEAF6D0A-7814-2A94-F47A-3ECC7B8EDE59}"/>
+                <a16:creationId xmlns:a16="http://schemas.microsoft.com/office/drawing/2014/main" id="{D1F6CC05-1F31-0C88-333C-5026AF10D397}"/>
               </a:ext>
             </a:extLst>
           </p:cNvPr>
@@ -6904,7 +8309,7 @@
           <a:p>
             <a:r>
               <a:rPr lang="en-US" dirty="0"/>
-              <a:t>Peripherals</a:t>
+              <a:t>Program Counter</a:t>
             </a:r>
           </a:p>
         </p:txBody>
@@ -6914,7 +8319,7 @@
           <p:cNvPr id="3" name="Subtitle 2">
             <a:extLst>
               <a:ext uri="{FF2B5EF4-FFF2-40B4-BE49-F238E27FC236}">
-                <a16:creationId xmlns:a16="http://schemas.microsoft.com/office/drawing/2014/main" id="{FFF467C2-55D2-EC86-825B-16EBAE111702}"/>
+                <a16:creationId xmlns:a16="http://schemas.microsoft.com/office/drawing/2014/main" id="{069353A1-7076-B958-432E-9B8FD5750AE7}"/>
               </a:ext>
             </a:extLst>
           </p:cNvPr>
@@ -6930,35 +8335,10 @@
           <a:bodyPr/>
           <a:lstStyle/>
           <a:p>
-            <a:endParaRPr lang="en-US"/>
-          </a:p>
-        </p:txBody>
-      </p:sp>
-      <p:sp>
-        <p:nvSpPr>
-          <p:cNvPr id="4" name="Text Placeholder 3">
-            <a:extLst>
-              <a:ext uri="{FF2B5EF4-FFF2-40B4-BE49-F238E27FC236}">
-                <a16:creationId xmlns:a16="http://schemas.microsoft.com/office/drawing/2014/main" id="{5DF050C2-2C1C-78CA-C656-82D41545CD8E}"/>
-              </a:ext>
-            </a:extLst>
-          </p:cNvPr>
-          <p:cNvSpPr>
-            <a:spLocks noGrp="1"/>
-          </p:cNvSpPr>
-          <p:nvPr>
-            <p:ph type="body" sz="quarter" idx="14"/>
-          </p:nvPr>
-        </p:nvSpPr>
-        <p:spPr/>
-        <p:txBody>
-          <a:bodyPr/>
-          <a:lstStyle/>
-          <a:p>
-            <a:pPr marL="0" indent="0">
-              <a:buNone/>
-            </a:pPr>
-            <a:endParaRPr lang="en-US" dirty="0"/>
+            <a:r>
+              <a:rPr lang="en-US" dirty="0"/>
+              <a:t>RTL Diagram and Input/Output</a:t>
+            </a:r>
           </a:p>
         </p:txBody>
       </p:sp>
@@ -6967,7 +8347,7 @@
           <p:cNvPr id="5" name="Slide Number Placeholder 4">
             <a:extLst>
               <a:ext uri="{FF2B5EF4-FFF2-40B4-BE49-F238E27FC236}">
-                <a16:creationId xmlns:a16="http://schemas.microsoft.com/office/drawing/2014/main" id="{D098254D-9CED-6343-6D6F-6FF0B8DDD786}"/>
+                <a16:creationId xmlns:a16="http://schemas.microsoft.com/office/drawing/2014/main" id="{A896B40E-DC06-49BF-BFD3-304517BB06A3}"/>
               </a:ext>
             </a:extLst>
           </p:cNvPr>
@@ -6991,10 +8371,80 @@
           </a:p>
         </p:txBody>
       </p:sp>
+      <p:pic>
+        <p:nvPicPr>
+          <p:cNvPr id="9" name="Picture 8" descr="A black and white screen with white text&#10;&#10;Description automatically generated">
+            <a:extLst>
+              <a:ext uri="{FF2B5EF4-FFF2-40B4-BE49-F238E27FC236}">
+                <a16:creationId xmlns:a16="http://schemas.microsoft.com/office/drawing/2014/main" id="{602A898A-4DC4-D63A-A6B4-668E5E561D40}"/>
+              </a:ext>
+            </a:extLst>
+          </p:cNvPr>
+          <p:cNvPicPr>
+            <a:picLocks noChangeAspect="1"/>
+          </p:cNvPicPr>
+          <p:nvPr/>
+        </p:nvPicPr>
+        <p:blipFill rotWithShape="1">
+          <a:blip r:embed="rId2">
+            <a:extLst>
+              <a:ext uri="{28A0092B-C50C-407E-A947-70E740481C1C}">
+                <a14:useLocalDpi xmlns:a14="http://schemas.microsoft.com/office/drawing/2010/main" val="0"/>
+              </a:ext>
+            </a:extLst>
+          </a:blip>
+          <a:srcRect l="51863" b="55404"/>
+          <a:stretch/>
+        </p:blipFill>
+        <p:spPr>
+          <a:xfrm>
+            <a:off x="1259633" y="2763923"/>
+            <a:ext cx="4259521" cy="2425474"/>
+          </a:xfrm>
+          <a:prstGeom prst="rect">
+            <a:avLst/>
+          </a:prstGeom>
+        </p:spPr>
+      </p:pic>
+      <p:pic>
+        <p:nvPicPr>
+          <p:cNvPr id="10" name="Picture 9" descr="A black and white screen with white text&#10;&#10;Description automatically generated">
+            <a:extLst>
+              <a:ext uri="{FF2B5EF4-FFF2-40B4-BE49-F238E27FC236}">
+                <a16:creationId xmlns:a16="http://schemas.microsoft.com/office/drawing/2014/main" id="{0C30E131-177D-F6B8-0AE8-D5CF155B5289}"/>
+              </a:ext>
+            </a:extLst>
+          </p:cNvPr>
+          <p:cNvPicPr>
+            <a:picLocks noChangeAspect="1"/>
+          </p:cNvPicPr>
+          <p:nvPr/>
+        </p:nvPicPr>
+        <p:blipFill rotWithShape="1">
+          <a:blip r:embed="rId2">
+            <a:extLst>
+              <a:ext uri="{28A0092B-C50C-407E-A947-70E740481C1C}">
+                <a14:useLocalDpi xmlns:a14="http://schemas.microsoft.com/office/drawing/2010/main" val="0"/>
+              </a:ext>
+            </a:extLst>
+          </a:blip>
+          <a:srcRect t="27955" r="77451" b="39963"/>
+          <a:stretch/>
+        </p:blipFill>
+        <p:spPr>
+          <a:xfrm>
+            <a:off x="6875008" y="2728679"/>
+            <a:ext cx="1995294" cy="1744825"/>
+          </a:xfrm>
+          <a:prstGeom prst="rect">
+            <a:avLst/>
+          </a:prstGeom>
+        </p:spPr>
+      </p:pic>
     </p:spTree>
     <p:extLst>
       <p:ext uri="{BB962C8B-B14F-4D97-AF65-F5344CB8AC3E}">
-        <p14:creationId xmlns:p14="http://schemas.microsoft.com/office/powerpoint/2010/main" val="673691625"/>
+        <p14:creationId xmlns:p14="http://schemas.microsoft.com/office/powerpoint/2010/main" val="1617301959"/>
       </p:ext>
     </p:extLst>
   </p:cSld>
@@ -7026,7 +8476,7 @@
           <p:cNvPr id="2" name="Title 1">
             <a:extLst>
               <a:ext uri="{FF2B5EF4-FFF2-40B4-BE49-F238E27FC236}">
-                <a16:creationId xmlns:a16="http://schemas.microsoft.com/office/drawing/2014/main" id="{84E2E6AF-4C46-F611-0830-0584094CF72D}"/>
+                <a16:creationId xmlns:a16="http://schemas.microsoft.com/office/drawing/2014/main" id="{D1F6CC05-1F31-0C88-333C-5026AF10D397}"/>
               </a:ext>
             </a:extLst>
           </p:cNvPr>
@@ -7049,7 +8499,7 @@
           <a:p>
             <a:r>
               <a:rPr lang="en-US" dirty="0"/>
-              <a:t>Expected Obstacles</a:t>
+              <a:t>Program Counter</a:t>
             </a:r>
           </a:p>
         </p:txBody>
@@ -7059,7 +8509,7 @@
           <p:cNvPr id="3" name="Subtitle 2">
             <a:extLst>
               <a:ext uri="{FF2B5EF4-FFF2-40B4-BE49-F238E27FC236}">
-                <a16:creationId xmlns:a16="http://schemas.microsoft.com/office/drawing/2014/main" id="{471C2136-9DD0-D267-3D8B-A8EE373D98E0}"/>
+                <a16:creationId xmlns:a16="http://schemas.microsoft.com/office/drawing/2014/main" id="{069353A1-7076-B958-432E-9B8FD5750AE7}"/>
               </a:ext>
             </a:extLst>
           </p:cNvPr>
@@ -7075,32 +8525,10 @@
           <a:bodyPr/>
           <a:lstStyle/>
           <a:p>
-            <a:endParaRPr lang="en-US"/>
-          </a:p>
-        </p:txBody>
-      </p:sp>
-      <p:sp>
-        <p:nvSpPr>
-          <p:cNvPr id="4" name="Text Placeholder 3">
-            <a:extLst>
-              <a:ext uri="{FF2B5EF4-FFF2-40B4-BE49-F238E27FC236}">
-                <a16:creationId xmlns:a16="http://schemas.microsoft.com/office/drawing/2014/main" id="{B44DD88A-56DA-9FD9-78FF-2228D1EE0F97}"/>
-              </a:ext>
-            </a:extLst>
-          </p:cNvPr>
-          <p:cNvSpPr>
-            <a:spLocks noGrp="1"/>
-          </p:cNvSpPr>
-          <p:nvPr>
-            <p:ph type="body" sz="quarter" idx="14"/>
-          </p:nvPr>
-        </p:nvSpPr>
-        <p:spPr/>
-        <p:txBody>
-          <a:bodyPr/>
-          <a:lstStyle/>
-          <a:p>
-            <a:endParaRPr lang="en-US"/>
+            <a:r>
+              <a:rPr lang="en-US" dirty="0"/>
+              <a:t>Logic and Test Cases</a:t>
+            </a:r>
           </a:p>
         </p:txBody>
       </p:sp>
@@ -7109,7 +8537,7 @@
           <p:cNvPr id="5" name="Slide Number Placeholder 4">
             <a:extLst>
               <a:ext uri="{FF2B5EF4-FFF2-40B4-BE49-F238E27FC236}">
-                <a16:creationId xmlns:a16="http://schemas.microsoft.com/office/drawing/2014/main" id="{682D4168-ECD1-209B-6680-7551993E2135}"/>
+                <a16:creationId xmlns:a16="http://schemas.microsoft.com/office/drawing/2014/main" id="{A896B40E-DC06-49BF-BFD3-304517BB06A3}"/>
               </a:ext>
             </a:extLst>
           </p:cNvPr>
@@ -7133,10 +8561,74 @@
           </a:p>
         </p:txBody>
       </p:sp>
+      <p:pic>
+        <p:nvPicPr>
+          <p:cNvPr id="4" name="Picture 3" descr="A black and white screen with white text&#10;&#10;Description automatically generated">
+            <a:extLst>
+              <a:ext uri="{FF2B5EF4-FFF2-40B4-BE49-F238E27FC236}">
+                <a16:creationId xmlns:a16="http://schemas.microsoft.com/office/drawing/2014/main" id="{25367EB2-360C-B712-60AE-079171120897}"/>
+              </a:ext>
+            </a:extLst>
+          </p:cNvPr>
+          <p:cNvPicPr>
+            <a:picLocks noChangeAspect="1"/>
+          </p:cNvPicPr>
+          <p:nvPr/>
+        </p:nvPicPr>
+        <p:blipFill rotWithShape="1">
+          <a:blip r:embed="rId2">
+            <a:extLst>
+              <a:ext uri="{28A0092B-C50C-407E-A947-70E740481C1C}">
+                <a14:useLocalDpi xmlns:a14="http://schemas.microsoft.com/office/drawing/2010/main" val="0"/>
+              </a:ext>
+            </a:extLst>
+          </a:blip>
+          <a:srcRect t="63467" r="30844"/>
+          <a:stretch/>
+        </p:blipFill>
+        <p:spPr>
+          <a:xfrm>
+            <a:off x="1067822" y="2096305"/>
+            <a:ext cx="10056355" cy="3265228"/>
+          </a:xfrm>
+          <a:prstGeom prst="rect">
+            <a:avLst/>
+          </a:prstGeom>
+        </p:spPr>
+      </p:pic>
+      <p:pic>
+        <p:nvPicPr>
+          <p:cNvPr id="7" name="Picture 6">
+            <a:extLst>
+              <a:ext uri="{FF2B5EF4-FFF2-40B4-BE49-F238E27FC236}">
+                <a16:creationId xmlns:a16="http://schemas.microsoft.com/office/drawing/2014/main" id="{D6CA6F6B-57FF-1C2B-3B06-D79B575C3413}"/>
+              </a:ext>
+            </a:extLst>
+          </p:cNvPr>
+          <p:cNvPicPr>
+            <a:picLocks noChangeAspect="1"/>
+          </p:cNvPicPr>
+          <p:nvPr/>
+        </p:nvPicPr>
+        <p:blipFill rotWithShape="1">
+          <a:blip r:embed="rId3"/>
+          <a:srcRect l="2457" t="5161" r="1322" b="2363"/>
+          <a:stretch/>
+        </p:blipFill>
+        <p:spPr>
+          <a:xfrm>
+            <a:off x="1067822" y="1831490"/>
+            <a:ext cx="4595860" cy="4019812"/>
+          </a:xfrm>
+          <a:prstGeom prst="rect">
+            <a:avLst/>
+          </a:prstGeom>
+        </p:spPr>
+      </p:pic>
     </p:spTree>
     <p:extLst>
       <p:ext uri="{BB962C8B-B14F-4D97-AF65-F5344CB8AC3E}">
-        <p14:creationId xmlns:p14="http://schemas.microsoft.com/office/powerpoint/2010/main" val="3140182961"/>
+        <p14:creationId xmlns:p14="http://schemas.microsoft.com/office/powerpoint/2010/main" val="3391675750"/>
       </p:ext>
     </p:extLst>
   </p:cSld>
@@ -7418,7 +8910,7 @@
           <p:cNvPr id="2" name="Title 1">
             <a:extLst>
               <a:ext uri="{FF2B5EF4-FFF2-40B4-BE49-F238E27FC236}">
-                <a16:creationId xmlns:a16="http://schemas.microsoft.com/office/drawing/2014/main" id="{6799C4B2-C790-FB8B-4821-10F77E122C20}"/>
+                <a16:creationId xmlns:a16="http://schemas.microsoft.com/office/drawing/2014/main" id="{EEAF6D0A-7814-2A94-F47A-3ECC7B8EDE59}"/>
               </a:ext>
             </a:extLst>
           </p:cNvPr>
@@ -7441,7 +8933,7 @@
           <a:p>
             <a:r>
               <a:rPr lang="en-US" dirty="0"/>
-              <a:t>Future Plans</a:t>
+              <a:t>Peripherals</a:t>
             </a:r>
           </a:p>
         </p:txBody>
@@ -7451,7 +8943,7 @@
           <p:cNvPr id="3" name="Subtitle 2">
             <a:extLst>
               <a:ext uri="{FF2B5EF4-FFF2-40B4-BE49-F238E27FC236}">
-                <a16:creationId xmlns:a16="http://schemas.microsoft.com/office/drawing/2014/main" id="{E03FFE2C-5D65-D6E4-2FE1-7A95922722D1}"/>
+                <a16:creationId xmlns:a16="http://schemas.microsoft.com/office/drawing/2014/main" id="{FFF467C2-55D2-EC86-825B-16EBAE111702}"/>
               </a:ext>
             </a:extLst>
           </p:cNvPr>
@@ -7476,7 +8968,7 @@
           <p:cNvPr id="4" name="Text Placeholder 3">
             <a:extLst>
               <a:ext uri="{FF2B5EF4-FFF2-40B4-BE49-F238E27FC236}">
-                <a16:creationId xmlns:a16="http://schemas.microsoft.com/office/drawing/2014/main" id="{7794BFF1-E7A0-748B-9321-5A00891D805A}"/>
+                <a16:creationId xmlns:a16="http://schemas.microsoft.com/office/drawing/2014/main" id="{5DF050C2-2C1C-78CA-C656-82D41545CD8E}"/>
               </a:ext>
             </a:extLst>
           </p:cNvPr>
@@ -7492,10 +8984,10 @@
           <a:bodyPr/>
           <a:lstStyle/>
           <a:p>
-            <a:r>
-              <a:rPr lang="en-US" dirty="0"/>
-              <a:t>Error correction?</a:t>
-            </a:r>
+            <a:pPr marL="0" indent="0">
+              <a:buNone/>
+            </a:pPr>
+            <a:endParaRPr lang="en-US" dirty="0"/>
           </a:p>
         </p:txBody>
       </p:sp>
@@ -7504,7 +8996,7 @@
           <p:cNvPr id="5" name="Slide Number Placeholder 4">
             <a:extLst>
               <a:ext uri="{FF2B5EF4-FFF2-40B4-BE49-F238E27FC236}">
-                <a16:creationId xmlns:a16="http://schemas.microsoft.com/office/drawing/2014/main" id="{5BDDAFA0-D6CE-5536-5E75-4528A2EC55BD}"/>
+                <a16:creationId xmlns:a16="http://schemas.microsoft.com/office/drawing/2014/main" id="{D098254D-9CED-6343-6D6F-6FF0B8DDD786}"/>
               </a:ext>
             </a:extLst>
           </p:cNvPr>
@@ -7523,6 +9015,293 @@
             <a:fld id="{88B5220A-EB23-48F3-9FB6-FE2BFABBF45A}" type="slidenum">
               <a:rPr lang="en-US" smtClean="0"/>
               <a:t>20</a:t>
+            </a:fld>
+            <a:endParaRPr lang="en-US" dirty="0"/>
+          </a:p>
+        </p:txBody>
+      </p:sp>
+    </p:spTree>
+    <p:extLst>
+      <p:ext uri="{BB962C8B-B14F-4D97-AF65-F5344CB8AC3E}">
+        <p14:creationId xmlns:p14="http://schemas.microsoft.com/office/powerpoint/2010/main" val="673691625"/>
+      </p:ext>
+    </p:extLst>
+  </p:cSld>
+  <p:clrMapOvr>
+    <a:masterClrMapping/>
+  </p:clrMapOvr>
+</p:sld>
+</file>
+
+<file path=ppt/slides/slide21.xml><?xml version="1.0" encoding="utf-8"?>
+<p:sld xmlns:a="http://schemas.openxmlformats.org/drawingml/2006/main" xmlns:r="http://schemas.openxmlformats.org/officeDocument/2006/relationships" xmlns:p="http://schemas.openxmlformats.org/presentationml/2006/main">
+  <p:cSld>
+    <p:spTree>
+      <p:nvGrpSpPr>
+        <p:cNvPr id="1" name=""/>
+        <p:cNvGrpSpPr/>
+        <p:nvPr/>
+      </p:nvGrpSpPr>
+      <p:grpSpPr>
+        <a:xfrm>
+          <a:off x="0" y="0"/>
+          <a:ext cx="0" cy="0"/>
+          <a:chOff x="0" y="0"/>
+          <a:chExt cx="0" cy="0"/>
+        </a:xfrm>
+      </p:grpSpPr>
+      <p:sp>
+        <p:nvSpPr>
+          <p:cNvPr id="2" name="Title 1">
+            <a:extLst>
+              <a:ext uri="{FF2B5EF4-FFF2-40B4-BE49-F238E27FC236}">
+                <a16:creationId xmlns:a16="http://schemas.microsoft.com/office/drawing/2014/main" id="{84E2E6AF-4C46-F611-0830-0584094CF72D}"/>
+              </a:ext>
+            </a:extLst>
+          </p:cNvPr>
+          <p:cNvSpPr>
+            <a:spLocks noGrp="1"/>
+          </p:cNvSpPr>
+          <p:nvPr>
+            <p:ph type="ctrTitle"/>
+          </p:nvPr>
+        </p:nvSpPr>
+        <p:spPr>
+          <a:xfrm>
+            <a:off x="1504670" y="437030"/>
+            <a:ext cx="9234309" cy="498598"/>
+          </a:xfrm>
+        </p:spPr>
+        <p:txBody>
+          <a:bodyPr/>
+          <a:lstStyle/>
+          <a:p>
+            <a:r>
+              <a:rPr lang="en-US" dirty="0"/>
+              <a:t>Expected Obstacles</a:t>
+            </a:r>
+          </a:p>
+        </p:txBody>
+      </p:sp>
+      <p:sp>
+        <p:nvSpPr>
+          <p:cNvPr id="3" name="Subtitle 2">
+            <a:extLst>
+              <a:ext uri="{FF2B5EF4-FFF2-40B4-BE49-F238E27FC236}">
+                <a16:creationId xmlns:a16="http://schemas.microsoft.com/office/drawing/2014/main" id="{471C2136-9DD0-D267-3D8B-A8EE373D98E0}"/>
+              </a:ext>
+            </a:extLst>
+          </p:cNvPr>
+          <p:cNvSpPr>
+            <a:spLocks noGrp="1"/>
+          </p:cNvSpPr>
+          <p:nvPr>
+            <p:ph type="subTitle" idx="1"/>
+          </p:nvPr>
+        </p:nvSpPr>
+        <p:spPr/>
+        <p:txBody>
+          <a:bodyPr/>
+          <a:lstStyle/>
+          <a:p>
+            <a:endParaRPr lang="en-US"/>
+          </a:p>
+        </p:txBody>
+      </p:sp>
+      <p:sp>
+        <p:nvSpPr>
+          <p:cNvPr id="4" name="Text Placeholder 3">
+            <a:extLst>
+              <a:ext uri="{FF2B5EF4-FFF2-40B4-BE49-F238E27FC236}">
+                <a16:creationId xmlns:a16="http://schemas.microsoft.com/office/drawing/2014/main" id="{B44DD88A-56DA-9FD9-78FF-2228D1EE0F97}"/>
+              </a:ext>
+            </a:extLst>
+          </p:cNvPr>
+          <p:cNvSpPr>
+            <a:spLocks noGrp="1"/>
+          </p:cNvSpPr>
+          <p:nvPr>
+            <p:ph type="body" sz="quarter" idx="14"/>
+          </p:nvPr>
+        </p:nvSpPr>
+        <p:spPr/>
+        <p:txBody>
+          <a:bodyPr/>
+          <a:lstStyle/>
+          <a:p>
+            <a:endParaRPr lang="en-US"/>
+          </a:p>
+        </p:txBody>
+      </p:sp>
+      <p:sp>
+        <p:nvSpPr>
+          <p:cNvPr id="5" name="Slide Number Placeholder 4">
+            <a:extLst>
+              <a:ext uri="{FF2B5EF4-FFF2-40B4-BE49-F238E27FC236}">
+                <a16:creationId xmlns:a16="http://schemas.microsoft.com/office/drawing/2014/main" id="{682D4168-ECD1-209B-6680-7551993E2135}"/>
+              </a:ext>
+            </a:extLst>
+          </p:cNvPr>
+          <p:cNvSpPr>
+            <a:spLocks noGrp="1"/>
+          </p:cNvSpPr>
+          <p:nvPr>
+            <p:ph type="sldNum" sz="quarter" idx="12"/>
+          </p:nvPr>
+        </p:nvSpPr>
+        <p:spPr/>
+        <p:txBody>
+          <a:bodyPr/>
+          <a:lstStyle/>
+          <a:p>
+            <a:fld id="{88B5220A-EB23-48F3-9FB6-FE2BFABBF45A}" type="slidenum">
+              <a:rPr lang="en-US" smtClean="0"/>
+              <a:t>21</a:t>
+            </a:fld>
+            <a:endParaRPr lang="en-US" dirty="0"/>
+          </a:p>
+        </p:txBody>
+      </p:sp>
+    </p:spTree>
+    <p:extLst>
+      <p:ext uri="{BB962C8B-B14F-4D97-AF65-F5344CB8AC3E}">
+        <p14:creationId xmlns:p14="http://schemas.microsoft.com/office/powerpoint/2010/main" val="3140182961"/>
+      </p:ext>
+    </p:extLst>
+  </p:cSld>
+  <p:clrMapOvr>
+    <a:masterClrMapping/>
+  </p:clrMapOvr>
+</p:sld>
+</file>
+
+<file path=ppt/slides/slide22.xml><?xml version="1.0" encoding="utf-8"?>
+<p:sld xmlns:a="http://schemas.openxmlformats.org/drawingml/2006/main" xmlns:r="http://schemas.openxmlformats.org/officeDocument/2006/relationships" xmlns:p="http://schemas.openxmlformats.org/presentationml/2006/main">
+  <p:cSld>
+    <p:spTree>
+      <p:nvGrpSpPr>
+        <p:cNvPr id="1" name=""/>
+        <p:cNvGrpSpPr/>
+        <p:nvPr/>
+      </p:nvGrpSpPr>
+      <p:grpSpPr>
+        <a:xfrm>
+          <a:off x="0" y="0"/>
+          <a:ext cx="0" cy="0"/>
+          <a:chOff x="0" y="0"/>
+          <a:chExt cx="0" cy="0"/>
+        </a:xfrm>
+      </p:grpSpPr>
+      <p:sp>
+        <p:nvSpPr>
+          <p:cNvPr id="2" name="Title 1">
+            <a:extLst>
+              <a:ext uri="{FF2B5EF4-FFF2-40B4-BE49-F238E27FC236}">
+                <a16:creationId xmlns:a16="http://schemas.microsoft.com/office/drawing/2014/main" id="{6799C4B2-C790-FB8B-4821-10F77E122C20}"/>
+              </a:ext>
+            </a:extLst>
+          </p:cNvPr>
+          <p:cNvSpPr>
+            <a:spLocks noGrp="1"/>
+          </p:cNvSpPr>
+          <p:nvPr>
+            <p:ph type="ctrTitle"/>
+          </p:nvPr>
+        </p:nvSpPr>
+        <p:spPr>
+          <a:xfrm>
+            <a:off x="1504670" y="437030"/>
+            <a:ext cx="9234309" cy="498598"/>
+          </a:xfrm>
+        </p:spPr>
+        <p:txBody>
+          <a:bodyPr/>
+          <a:lstStyle/>
+          <a:p>
+            <a:r>
+              <a:rPr lang="en-US" dirty="0"/>
+              <a:t>Future Plans</a:t>
+            </a:r>
+          </a:p>
+        </p:txBody>
+      </p:sp>
+      <p:sp>
+        <p:nvSpPr>
+          <p:cNvPr id="3" name="Subtitle 2">
+            <a:extLst>
+              <a:ext uri="{FF2B5EF4-FFF2-40B4-BE49-F238E27FC236}">
+                <a16:creationId xmlns:a16="http://schemas.microsoft.com/office/drawing/2014/main" id="{E03FFE2C-5D65-D6E4-2FE1-7A95922722D1}"/>
+              </a:ext>
+            </a:extLst>
+          </p:cNvPr>
+          <p:cNvSpPr>
+            <a:spLocks noGrp="1"/>
+          </p:cNvSpPr>
+          <p:nvPr>
+            <p:ph type="subTitle" idx="1"/>
+          </p:nvPr>
+        </p:nvSpPr>
+        <p:spPr/>
+        <p:txBody>
+          <a:bodyPr/>
+          <a:lstStyle/>
+          <a:p>
+            <a:endParaRPr lang="en-US"/>
+          </a:p>
+        </p:txBody>
+      </p:sp>
+      <p:sp>
+        <p:nvSpPr>
+          <p:cNvPr id="4" name="Text Placeholder 3">
+            <a:extLst>
+              <a:ext uri="{FF2B5EF4-FFF2-40B4-BE49-F238E27FC236}">
+                <a16:creationId xmlns:a16="http://schemas.microsoft.com/office/drawing/2014/main" id="{7794BFF1-E7A0-748B-9321-5A00891D805A}"/>
+              </a:ext>
+            </a:extLst>
+          </p:cNvPr>
+          <p:cNvSpPr>
+            <a:spLocks noGrp="1"/>
+          </p:cNvSpPr>
+          <p:nvPr>
+            <p:ph type="body" sz="quarter" idx="14"/>
+          </p:nvPr>
+        </p:nvSpPr>
+        <p:spPr/>
+        <p:txBody>
+          <a:bodyPr/>
+          <a:lstStyle/>
+          <a:p>
+            <a:r>
+              <a:rPr lang="en-US" dirty="0"/>
+              <a:t>Error correction?</a:t>
+            </a:r>
+          </a:p>
+        </p:txBody>
+      </p:sp>
+      <p:sp>
+        <p:nvSpPr>
+          <p:cNvPr id="5" name="Slide Number Placeholder 4">
+            <a:extLst>
+              <a:ext uri="{FF2B5EF4-FFF2-40B4-BE49-F238E27FC236}">
+                <a16:creationId xmlns:a16="http://schemas.microsoft.com/office/drawing/2014/main" id="{5BDDAFA0-D6CE-5536-5E75-4528A2EC55BD}"/>
+              </a:ext>
+            </a:extLst>
+          </p:cNvPr>
+          <p:cNvSpPr>
+            <a:spLocks noGrp="1"/>
+          </p:cNvSpPr>
+          <p:nvPr>
+            <p:ph type="sldNum" sz="quarter" idx="12"/>
+          </p:nvPr>
+        </p:nvSpPr>
+        <p:spPr/>
+        <p:txBody>
+          <a:bodyPr/>
+          <a:lstStyle/>
+          <a:p>
+            <a:fld id="{88B5220A-EB23-48F3-9FB6-FE2BFABBF45A}" type="slidenum">
+              <a:rPr lang="en-US" smtClean="0"/>
+              <a:t>22</a:t>
             </a:fld>
             <a:endParaRPr lang="en-US" dirty="0"/>
           </a:p>

--- a/Project_Proposal.pptx
+++ b/Project_Proposal.pptx
@@ -5,10 +5,10 @@
     <p:sldMasterId id="2147483660" r:id="rId1"/>
   </p:sldMasterIdLst>
   <p:notesMasterIdLst>
-    <p:notesMasterId r:id="rId24"/>
+    <p:notesMasterId r:id="rId34"/>
   </p:notesMasterIdLst>
   <p:handoutMasterIdLst>
-    <p:handoutMasterId r:id="rId25"/>
+    <p:handoutMasterId r:id="rId35"/>
   </p:handoutMasterIdLst>
   <p:sldIdLst>
     <p:sldId id="256" r:id="rId2"/>
@@ -18,21 +18,31 @@
     <p:sldId id="334" r:id="rId6"/>
     <p:sldId id="337" r:id="rId7"/>
     <p:sldId id="327" r:id="rId8"/>
-    <p:sldId id="328" r:id="rId9"/>
-    <p:sldId id="340" r:id="rId10"/>
-    <p:sldId id="317" r:id="rId11"/>
-    <p:sldId id="318" r:id="rId12"/>
-    <p:sldId id="319" r:id="rId13"/>
-    <p:sldId id="320" r:id="rId14"/>
-    <p:sldId id="343" r:id="rId15"/>
-    <p:sldId id="341" r:id="rId16"/>
-    <p:sldId id="342" r:id="rId17"/>
-    <p:sldId id="330" r:id="rId18"/>
-    <p:sldId id="332" r:id="rId19"/>
-    <p:sldId id="339" r:id="rId20"/>
-    <p:sldId id="333" r:id="rId21"/>
-    <p:sldId id="335" r:id="rId22"/>
-    <p:sldId id="336" r:id="rId23"/>
+    <p:sldId id="344" r:id="rId9"/>
+    <p:sldId id="345" r:id="rId10"/>
+    <p:sldId id="346" r:id="rId11"/>
+    <p:sldId id="328" r:id="rId12"/>
+    <p:sldId id="340" r:id="rId13"/>
+    <p:sldId id="317" r:id="rId14"/>
+    <p:sldId id="318" r:id="rId15"/>
+    <p:sldId id="319" r:id="rId16"/>
+    <p:sldId id="320" r:id="rId17"/>
+    <p:sldId id="343" r:id="rId18"/>
+    <p:sldId id="341" r:id="rId19"/>
+    <p:sldId id="342" r:id="rId20"/>
+    <p:sldId id="272" r:id="rId21"/>
+    <p:sldId id="332" r:id="rId22"/>
+    <p:sldId id="339" r:id="rId23"/>
+    <p:sldId id="348" r:id="rId24"/>
+    <p:sldId id="257" r:id="rId25"/>
+    <p:sldId id="258" r:id="rId26"/>
+    <p:sldId id="259" r:id="rId27"/>
+    <p:sldId id="260" r:id="rId28"/>
+    <p:sldId id="261" r:id="rId29"/>
+    <p:sldId id="262" r:id="rId30"/>
+    <p:sldId id="347" r:id="rId31"/>
+    <p:sldId id="335" r:id="rId32"/>
+    <p:sldId id="349" r:id="rId33"/>
   </p:sldIdLst>
   <p:sldSz cx="12192000" cy="6858000"/>
   <p:notesSz cx="6858000" cy="9144000"/>
@@ -143,6 +153,9 @@
             <p14:sldId id="334"/>
             <p14:sldId id="337"/>
             <p14:sldId id="327"/>
+            <p14:sldId id="344"/>
+            <p14:sldId id="345"/>
+            <p14:sldId id="346"/>
             <p14:sldId id="328"/>
             <p14:sldId id="340"/>
             <p14:sldId id="317"/>
@@ -152,12 +165,19 @@
             <p14:sldId id="343"/>
             <p14:sldId id="341"/>
             <p14:sldId id="342"/>
-            <p14:sldId id="330"/>
+            <p14:sldId id="272"/>
             <p14:sldId id="332"/>
             <p14:sldId id="339"/>
-            <p14:sldId id="333"/>
+            <p14:sldId id="348"/>
+            <p14:sldId id="257"/>
+            <p14:sldId id="258"/>
+            <p14:sldId id="259"/>
+            <p14:sldId id="260"/>
+            <p14:sldId id="261"/>
+            <p14:sldId id="262"/>
+            <p14:sldId id="347"/>
             <p14:sldId id="335"/>
-            <p14:sldId id="336"/>
+            <p14:sldId id="349"/>
           </p14:sldIdLst>
         </p14:section>
       </p14:sectionLst>
@@ -4596,6 +4616,58 @@
 </p:sldLayout>
 </file>
 
+<file path=ppt/slideLayouts/slideLayout8.xml><?xml version="1.0" encoding="utf-8"?>
+<p:sldLayout xmlns:a="http://schemas.openxmlformats.org/drawingml/2006/main" xmlns:r="http://schemas.openxmlformats.org/officeDocument/2006/relationships" xmlns:p="http://schemas.openxmlformats.org/presentationml/2006/main" type="blank">
+  <p:cSld name="Blank Slide">
+    <p:spTree>
+      <p:nvGrpSpPr>
+        <p:cNvPr id="1" name=""/>
+        <p:cNvGrpSpPr/>
+        <p:nvPr/>
+      </p:nvGrpSpPr>
+      <p:grpSpPr>
+        <a:xfrm>
+          <a:off x="0" y="0"/>
+          <a:ext cx="0" cy="0"/>
+          <a:chOff x="0" y="0"/>
+          <a:chExt cx="0" cy="0"/>
+        </a:xfrm>
+      </p:grpSpPr>
+      <p:sp>
+        <p:nvSpPr>
+          <p:cNvPr id="2" name="PlaceHolder 1"/>
+          <p:cNvSpPr>
+            <a:spLocks noGrp="1"/>
+          </p:cNvSpPr>
+          <p:nvPr>
+            <p:ph type="sldNum" idx="3"/>
+          </p:nvPr>
+        </p:nvSpPr>
+        <p:spPr/>
+        <p:txBody>
+          <a:bodyPr/>
+          <a:lstStyle/>
+          <a:p>
+            <a:fld id="{3E5061A3-28A3-4EC0-9B64-E679B1429DAD}" type="slidenum">
+              <a:t>‹#›</a:t>
+            </a:fld>
+            <a:endParaRPr/>
+          </a:p>
+        </p:txBody>
+      </p:sp>
+    </p:spTree>
+    <p:extLst>
+      <p:ext uri="{BB962C8B-B14F-4D97-AF65-F5344CB8AC3E}">
+        <p14:creationId xmlns:p14="http://schemas.microsoft.com/office/powerpoint/2010/main" val="1070729171"/>
+      </p:ext>
+    </p:extLst>
+  </p:cSld>
+  <p:clrMapOvr>
+    <a:masterClrMapping/>
+  </p:clrMapOvr>
+</p:sldLayout>
+</file>
+
 <file path=ppt/slideMasters/slideMaster1.xml><?xml version="1.0" encoding="utf-8"?>
 <p:sldMaster xmlns:a="http://schemas.openxmlformats.org/drawingml/2006/main" xmlns:r="http://schemas.openxmlformats.org/officeDocument/2006/relationships" xmlns:p="http://schemas.openxmlformats.org/presentationml/2006/main">
   <p:cSld>
@@ -4863,6 +4935,7 @@
     <p:sldLayoutId id="2147483665" r:id="rId5"/>
     <p:sldLayoutId id="2147483666" r:id="rId6"/>
     <p:sldLayoutId id="2147483667" r:id="rId7"/>
+    <p:sldLayoutId id="2147483668" r:id="rId8"/>
   </p:sldLayoutIdLst>
   <p:hf hdr="0" ftr="0"/>
   <p:txStyles>
@@ -5362,7 +5435,7 @@
           <p:cNvPr id="2" name="Title 1">
             <a:extLst>
               <a:ext uri="{FF2B5EF4-FFF2-40B4-BE49-F238E27FC236}">
-                <a16:creationId xmlns:a16="http://schemas.microsoft.com/office/drawing/2014/main" id="{94017501-FF69-B9D4-5967-17557E053B3E}"/>
+                <a16:creationId xmlns:a16="http://schemas.microsoft.com/office/drawing/2014/main" id="{BE42B914-2E3D-DE9F-D9CF-1E739C5164F2}"/>
               </a:ext>
             </a:extLst>
           </p:cNvPr>
@@ -5385,7 +5458,35 @@
           <a:p>
             <a:r>
               <a:rPr lang="en-US" dirty="0"/>
-              <a:t>Control Unit &amp; Decoder Test Cases</a:t>
+              <a:t>Example Fetch/Execute Dataflow</a:t>
+            </a:r>
+          </a:p>
+        </p:txBody>
+      </p:sp>
+      <p:sp>
+        <p:nvSpPr>
+          <p:cNvPr id="3" name="Subtitle 2">
+            <a:extLst>
+              <a:ext uri="{FF2B5EF4-FFF2-40B4-BE49-F238E27FC236}">
+                <a16:creationId xmlns:a16="http://schemas.microsoft.com/office/drawing/2014/main" id="{3D7D05E3-B934-90A1-2949-77E4C77E5F23}"/>
+              </a:ext>
+            </a:extLst>
+          </p:cNvPr>
+          <p:cNvSpPr>
+            <a:spLocks noGrp="1"/>
+          </p:cNvSpPr>
+          <p:nvPr>
+            <p:ph type="subTitle" idx="1"/>
+          </p:nvPr>
+        </p:nvSpPr>
+        <p:spPr/>
+        <p:txBody>
+          <a:bodyPr/>
+          <a:lstStyle/>
+          <a:p>
+            <a:r>
+              <a:rPr lang="en-US" dirty="0"/>
+              <a:t>Store</a:t>
             </a:r>
           </a:p>
         </p:txBody>
@@ -5395,7 +5496,7 @@
           <p:cNvPr id="4" name="Text Placeholder 3">
             <a:extLst>
               <a:ext uri="{FF2B5EF4-FFF2-40B4-BE49-F238E27FC236}">
-                <a16:creationId xmlns:a16="http://schemas.microsoft.com/office/drawing/2014/main" id="{95D25B56-65F2-187D-9279-300460481F1F}"/>
+                <a16:creationId xmlns:a16="http://schemas.microsoft.com/office/drawing/2014/main" id="{D3D9AF04-C81C-3C21-A546-0AF1CC64BE0B}"/>
               </a:ext>
             </a:extLst>
           </p:cNvPr>
@@ -5408,159 +5509,10 @@
         </p:nvSpPr>
         <p:spPr/>
         <p:txBody>
-          <a:bodyPr>
-            <a:normAutofit lnSpcReduction="10000"/>
-          </a:bodyPr>
+          <a:bodyPr/>
           <a:lstStyle/>
           <a:p>
-            <a:pPr marL="0" marR="0" indent="0">
-              <a:lnSpc>
-                <a:spcPct val="107000"/>
-              </a:lnSpc>
-              <a:spcBef>
-                <a:spcPts val="0"/>
-              </a:spcBef>
-              <a:spcAft>
-                <a:spcPts val="800"/>
-              </a:spcAft>
-              <a:buNone/>
-            </a:pPr>
-            <a:r>
-              <a:rPr lang="en-US" sz="2400" kern="100" dirty="0">
-                <a:effectLst/>
-                <a:latin typeface="Acumin Pro Semibold" panose="020B0504020202020204"/>
-                <a:ea typeface="Aptos" panose="020B0004020202020204" pitchFamily="34" charset="0"/>
-                <a:cs typeface="Times New Roman" panose="02020603050405020304" pitchFamily="18" charset="0"/>
-              </a:rPr>
-              <a:t>Control Unit Test Cases</a:t>
-            </a:r>
-          </a:p>
-          <a:p>
-            <a:pPr marL="342900" marR="0" lvl="0" indent="-342900">
-              <a:lnSpc>
-                <a:spcPct val="107000"/>
-              </a:lnSpc>
-              <a:spcBef>
-                <a:spcPts val="0"/>
-              </a:spcBef>
-              <a:spcAft>
-                <a:spcPts val="0"/>
-              </a:spcAft>
-              <a:buFont typeface="Symbol" panose="05050102010706020507" pitchFamily="18" charset="2"/>
-              <a:buChar char=""/>
-            </a:pPr>
-            <a:r>
-              <a:rPr lang="en-US" sz="2400" kern="100" dirty="0">
-                <a:effectLst/>
-                <a:latin typeface="Acumin Pro Semibold" panose="020B0504020202020204"/>
-                <a:ea typeface="Aptos" panose="020B0004020202020204" pitchFamily="34" charset="0"/>
-                <a:cs typeface="Times New Roman" panose="02020603050405020304" pitchFamily="18" charset="0"/>
-              </a:rPr>
-              <a:t>Input all valid Opcodes, validate control signal outputs</a:t>
-            </a:r>
-          </a:p>
-          <a:p>
-            <a:pPr marL="342900" marR="0" lvl="0" indent="-342900">
-              <a:lnSpc>
-                <a:spcPct val="107000"/>
-              </a:lnSpc>
-              <a:spcBef>
-                <a:spcPts val="0"/>
-              </a:spcBef>
-              <a:spcAft>
-                <a:spcPts val="800"/>
-              </a:spcAft>
-              <a:buFont typeface="Symbol" panose="05050102010706020507" pitchFamily="18" charset="2"/>
-              <a:buChar char=""/>
-            </a:pPr>
-            <a:r>
-              <a:rPr lang="en-US" sz="2400" kern="100" dirty="0">
-                <a:effectLst/>
-                <a:latin typeface="Acumin Pro Semibold" panose="020B0504020202020204"/>
-                <a:ea typeface="Aptos" panose="020B0004020202020204" pitchFamily="34" charset="0"/>
-                <a:cs typeface="Times New Roman" panose="02020603050405020304" pitchFamily="18" charset="0"/>
-              </a:rPr>
-              <a:t>Input invalid Opcode, check for error</a:t>
-            </a:r>
-          </a:p>
-          <a:p>
-            <a:pPr marL="0" marR="0" indent="0">
-              <a:lnSpc>
-                <a:spcPct val="107000"/>
-              </a:lnSpc>
-              <a:spcBef>
-                <a:spcPts val="0"/>
-              </a:spcBef>
-              <a:spcAft>
-                <a:spcPts val="800"/>
-              </a:spcAft>
-              <a:buNone/>
-            </a:pPr>
-            <a:r>
-              <a:rPr lang="en-US" sz="2400" kern="100" dirty="0">
-                <a:effectLst/>
-                <a:latin typeface="Acumin Pro Semibold" panose="020B0504020202020204"/>
-                <a:ea typeface="Aptos" panose="020B0004020202020204" pitchFamily="34" charset="0"/>
-                <a:cs typeface="Times New Roman" panose="02020603050405020304" pitchFamily="18" charset="0"/>
-              </a:rPr>
-              <a:t>Decoder Test Cases</a:t>
-            </a:r>
-          </a:p>
-          <a:p>
-            <a:pPr marL="342900" marR="0" lvl="0" indent="-342900">
-              <a:lnSpc>
-                <a:spcPct val="107000"/>
-              </a:lnSpc>
-              <a:spcBef>
-                <a:spcPts val="0"/>
-              </a:spcBef>
-              <a:spcAft>
-                <a:spcPts val="0"/>
-              </a:spcAft>
-              <a:buFont typeface="Symbol" panose="05050102010706020507" pitchFamily="18" charset="2"/>
-              <a:buChar char=""/>
-            </a:pPr>
-            <a:r>
-              <a:rPr lang="en-US" sz="2400" kern="100" dirty="0">
-                <a:effectLst/>
-                <a:latin typeface="Acumin Pro Semibold" panose="020B0504020202020204"/>
-                <a:ea typeface="Aptos" panose="020B0004020202020204" pitchFamily="34" charset="0"/>
-                <a:cs typeface="Times New Roman" panose="02020603050405020304" pitchFamily="18" charset="0"/>
-              </a:rPr>
-              <a:t>Input all instruction types with register addressees, validate correct addresses</a:t>
-            </a:r>
-          </a:p>
-          <a:p>
-            <a:pPr marL="342900" marR="0" lvl="0" indent="-342900">
-              <a:lnSpc>
-                <a:spcPct val="107000"/>
-              </a:lnSpc>
-              <a:spcBef>
-                <a:spcPts val="0"/>
-              </a:spcBef>
-              <a:spcAft>
-                <a:spcPts val="800"/>
-              </a:spcAft>
-              <a:buFont typeface="Symbol" panose="05050102010706020507" pitchFamily="18" charset="2"/>
-              <a:buChar char=""/>
-            </a:pPr>
-            <a:r>
-              <a:rPr lang="en-US" sz="2400" kern="100" dirty="0">
-                <a:effectLst/>
-                <a:latin typeface="Acumin Pro Semibold" panose="020B0504020202020204"/>
-                <a:ea typeface="Aptos" panose="020B0004020202020204" pitchFamily="34" charset="0"/>
-                <a:cs typeface="Times New Roman" panose="02020603050405020304" pitchFamily="18" charset="0"/>
-              </a:rPr>
-              <a:t>Input instruction without register address, check for garbage output</a:t>
-            </a:r>
-          </a:p>
-          <a:p>
-            <a:pPr marL="0" indent="0">
-              <a:buNone/>
-            </a:pPr>
-            <a:endParaRPr lang="en-US" sz="2400" dirty="0">
-              <a:latin typeface="Acumin Pro Semibold" panose="020B0504020202020204"/>
-            </a:endParaRPr>
+            <a:endParaRPr lang="en-US"/>
           </a:p>
         </p:txBody>
       </p:sp>
@@ -5569,7 +5521,7 @@
           <p:cNvPr id="5" name="Slide Number Placeholder 4">
             <a:extLst>
               <a:ext uri="{FF2B5EF4-FFF2-40B4-BE49-F238E27FC236}">
-                <a16:creationId xmlns:a16="http://schemas.microsoft.com/office/drawing/2014/main" id="{12872916-28AA-76C1-E5AB-2D3481E9DDD8}"/>
+                <a16:creationId xmlns:a16="http://schemas.microsoft.com/office/drawing/2014/main" id="{C588AFE9-F95A-9612-15C1-A0ED9FEFF1C9}"/>
               </a:ext>
             </a:extLst>
           </p:cNvPr>
@@ -5596,7 +5548,7 @@
     </p:spTree>
     <p:extLst>
       <p:ext uri="{BB962C8B-B14F-4D97-AF65-F5344CB8AC3E}">
-        <p14:creationId xmlns:p14="http://schemas.microsoft.com/office/powerpoint/2010/main" val="2827948853"/>
+        <p14:creationId xmlns:p14="http://schemas.microsoft.com/office/powerpoint/2010/main" val="2331452140"/>
       </p:ext>
     </p:extLst>
   </p:cSld>
@@ -5628,7 +5580,7 @@
           <p:cNvPr id="2" name="Title 1">
             <a:extLst>
               <a:ext uri="{FF2B5EF4-FFF2-40B4-BE49-F238E27FC236}">
-                <a16:creationId xmlns:a16="http://schemas.microsoft.com/office/drawing/2014/main" id="{94017501-FF69-B9D4-5967-17557E053B3E}"/>
+                <a16:creationId xmlns:a16="http://schemas.microsoft.com/office/drawing/2014/main" id="{79A4CF3A-4CB3-795D-8DB3-F389F00D9992}"/>
               </a:ext>
             </a:extLst>
           </p:cNvPr>
@@ -5651,7 +5603,7 @@
           <a:p>
             <a:r>
               <a:rPr lang="en-US" dirty="0"/>
-              <a:t>Immediate Generator Test Case</a:t>
+              <a:t>Control Unit &amp; Decoder</a:t>
             </a:r>
           </a:p>
         </p:txBody>
@@ -5661,7 +5613,7 @@
           <p:cNvPr id="4" name="Text Placeholder 3">
             <a:extLst>
               <a:ext uri="{FF2B5EF4-FFF2-40B4-BE49-F238E27FC236}">
-                <a16:creationId xmlns:a16="http://schemas.microsoft.com/office/drawing/2014/main" id="{95D25B56-65F2-187D-9279-300460481F1F}"/>
+                <a16:creationId xmlns:a16="http://schemas.microsoft.com/office/drawing/2014/main" id="{B62F546F-4476-EF6C-AA50-BE88697CB197}"/>
               </a:ext>
             </a:extLst>
           </p:cNvPr>
@@ -5674,92 +5626,10 @@
         </p:nvSpPr>
         <p:spPr/>
         <p:txBody>
-          <a:bodyPr>
-            <a:normAutofit/>
-          </a:bodyPr>
+          <a:bodyPr/>
           <a:lstStyle/>
           <a:p>
-            <a:pPr marL="0" marR="0" indent="0">
-              <a:lnSpc>
-                <a:spcPct val="107000"/>
-              </a:lnSpc>
-              <a:spcBef>
-                <a:spcPts val="0"/>
-              </a:spcBef>
-              <a:spcAft>
-                <a:spcPts val="800"/>
-              </a:spcAft>
-              <a:buNone/>
-            </a:pPr>
-            <a:r>
-              <a:rPr lang="en-US" sz="2400" kern="100" dirty="0" err="1">
-                <a:effectLst/>
-                <a:latin typeface="Aptos" panose="020B0004020202020204" pitchFamily="34" charset="0"/>
-                <a:ea typeface="Aptos" panose="020B0004020202020204" pitchFamily="34" charset="0"/>
-                <a:cs typeface="Times New Roman" panose="02020603050405020304" pitchFamily="18" charset="0"/>
-              </a:rPr>
-              <a:t>ImmGen</a:t>
-            </a:r>
-            <a:r>
-              <a:rPr lang="en-US" sz="2400" kern="100" dirty="0">
-                <a:effectLst/>
-                <a:latin typeface="Aptos" panose="020B0004020202020204" pitchFamily="34" charset="0"/>
-                <a:ea typeface="Aptos" panose="020B0004020202020204" pitchFamily="34" charset="0"/>
-                <a:cs typeface="Times New Roman" panose="02020603050405020304" pitchFamily="18" charset="0"/>
-              </a:rPr>
-              <a:t> Test Cases</a:t>
-            </a:r>
-          </a:p>
-          <a:p>
-            <a:pPr marL="342900" marR="0" lvl="0" indent="-342900">
-              <a:lnSpc>
-                <a:spcPct val="107000"/>
-              </a:lnSpc>
-              <a:spcBef>
-                <a:spcPts val="0"/>
-              </a:spcBef>
-              <a:spcAft>
-                <a:spcPts val="0"/>
-              </a:spcAft>
-              <a:buFont typeface="Symbol" panose="05050102010706020507" pitchFamily="18" charset="2"/>
-              <a:buChar char=""/>
-            </a:pPr>
-            <a:r>
-              <a:rPr lang="en-US" sz="2400" kern="100" dirty="0">
-                <a:effectLst/>
-                <a:latin typeface="Aptos" panose="020B0004020202020204" pitchFamily="34" charset="0"/>
-                <a:ea typeface="Aptos" panose="020B0004020202020204" pitchFamily="34" charset="0"/>
-                <a:cs typeface="Times New Roman" panose="02020603050405020304" pitchFamily="18" charset="0"/>
-              </a:rPr>
-              <a:t>Input all instruction types with an immediate value, validate correct immediate</a:t>
-            </a:r>
-          </a:p>
-          <a:p>
-            <a:pPr marL="342900" marR="0" lvl="0" indent="-342900">
-              <a:lnSpc>
-                <a:spcPct val="107000"/>
-              </a:lnSpc>
-              <a:spcBef>
-                <a:spcPts val="0"/>
-              </a:spcBef>
-              <a:spcAft>
-                <a:spcPts val="800"/>
-              </a:spcAft>
-              <a:buFont typeface="Symbol" panose="05050102010706020507" pitchFamily="18" charset="2"/>
-              <a:buChar char=""/>
-            </a:pPr>
-            <a:r>
-              <a:rPr lang="en-US" sz="2400" kern="100" dirty="0">
-                <a:effectLst/>
-                <a:latin typeface="Aptos" panose="020B0004020202020204" pitchFamily="34" charset="0"/>
-                <a:ea typeface="Aptos" panose="020B0004020202020204" pitchFamily="34" charset="0"/>
-                <a:cs typeface="Times New Roman" panose="02020603050405020304" pitchFamily="18" charset="0"/>
-              </a:rPr>
-              <a:t>Ensure no immediate is generated if instruction doesn’t include an immediate</a:t>
-            </a:r>
-          </a:p>
-          <a:p>
-            <a:endParaRPr lang="en-US" sz="2400" dirty="0"/>
+            <a:endParaRPr lang="en-US" dirty="0"/>
           </a:p>
         </p:txBody>
       </p:sp>
@@ -5768,7 +5638,7 @@
           <p:cNvPr id="5" name="Slide Number Placeholder 4">
             <a:extLst>
               <a:ext uri="{FF2B5EF4-FFF2-40B4-BE49-F238E27FC236}">
-                <a16:creationId xmlns:a16="http://schemas.microsoft.com/office/drawing/2014/main" id="{12872916-28AA-76C1-E5AB-2D3481E9DDD8}"/>
+                <a16:creationId xmlns:a16="http://schemas.microsoft.com/office/drawing/2014/main" id="{CF506990-11D4-2635-5CCD-BFF99470D57F}"/>
               </a:ext>
             </a:extLst>
           </p:cNvPr>
@@ -5792,10 +5662,131 @@
           </a:p>
         </p:txBody>
       </p:sp>
+      <p:pic>
+        <p:nvPicPr>
+          <p:cNvPr id="11" name="Picture 10" descr="A group of papers on a white background&#10;&#10;Description automatically generated">
+            <a:extLst>
+              <a:ext uri="{FF2B5EF4-FFF2-40B4-BE49-F238E27FC236}">
+                <a16:creationId xmlns:a16="http://schemas.microsoft.com/office/drawing/2014/main" id="{075E3EF7-FA59-0EFF-56BD-53822C670C7E}"/>
+              </a:ext>
+            </a:extLst>
+          </p:cNvPr>
+          <p:cNvPicPr>
+            <a:picLocks noChangeAspect="1"/>
+          </p:cNvPicPr>
+          <p:nvPr/>
+        </p:nvPicPr>
+        <p:blipFill rotWithShape="1">
+          <a:blip r:embed="rId2">
+            <a:extLst>
+              <a:ext uri="{28A0092B-C50C-407E-A947-70E740481C1C}">
+                <a14:useLocalDpi xmlns:a14="http://schemas.microsoft.com/office/drawing/2010/main" val="0"/>
+              </a:ext>
+            </a:extLst>
+          </a:blip>
+          <a:srcRect r="17084"/>
+          <a:stretch/>
+        </p:blipFill>
+        <p:spPr>
+          <a:xfrm>
+            <a:off x="1041400" y="1161622"/>
+            <a:ext cx="10109200" cy="5104933"/>
+          </a:xfrm>
+          <a:prstGeom prst="rect">
+            <a:avLst/>
+          </a:prstGeom>
+        </p:spPr>
+      </p:pic>
+      <p:sp>
+        <p:nvSpPr>
+          <p:cNvPr id="12" name="TextBox 11">
+            <a:extLst>
+              <a:ext uri="{FF2B5EF4-FFF2-40B4-BE49-F238E27FC236}">
+                <a16:creationId xmlns:a16="http://schemas.microsoft.com/office/drawing/2014/main" id="{BBA208F1-2290-7B00-AB20-E02E8363C4F8}"/>
+              </a:ext>
+            </a:extLst>
+          </p:cNvPr>
+          <p:cNvSpPr txBox="1"/>
+          <p:nvPr/>
+        </p:nvSpPr>
+        <p:spPr>
+          <a:xfrm>
+            <a:off x="2362200" y="4324696"/>
+            <a:ext cx="2842953" cy="1477328"/>
+          </a:xfrm>
+          <a:prstGeom prst="rect">
+            <a:avLst/>
+          </a:prstGeom>
+          <a:noFill/>
+        </p:spPr>
+        <p:txBody>
+          <a:bodyPr wrap="square" rtlCol="0">
+            <a:spAutoFit/>
+          </a:bodyPr>
+          <a:lstStyle/>
+          <a:p>
+            <a:r>
+              <a:rPr lang="en-US" u="sng" dirty="0">
+                <a:latin typeface="Acumin Pro ExtraCondensed" panose="020B0508020202020204"/>
+              </a:rPr>
+              <a:t>Decoder:</a:t>
+            </a:r>
+          </a:p>
+          <a:p>
+            <a:r>
+              <a:rPr lang="en-US" dirty="0">
+                <a:latin typeface="Acumin Pro ExtraCondensed" panose="020B0508020202020204"/>
+              </a:rPr>
+              <a:t>Parse Instruction in to addresses, Opcodes, and data inputs to be used accordingly</a:t>
+            </a:r>
+          </a:p>
+        </p:txBody>
+      </p:sp>
+      <p:sp>
+        <p:nvSpPr>
+          <p:cNvPr id="13" name="TextBox 12">
+            <a:extLst>
+              <a:ext uri="{FF2B5EF4-FFF2-40B4-BE49-F238E27FC236}">
+                <a16:creationId xmlns:a16="http://schemas.microsoft.com/office/drawing/2014/main" id="{229424BE-3DFA-828D-5A92-E82305F4946A}"/>
+              </a:ext>
+            </a:extLst>
+          </p:cNvPr>
+          <p:cNvSpPr txBox="1"/>
+          <p:nvPr/>
+        </p:nvSpPr>
+        <p:spPr>
+          <a:xfrm>
+            <a:off x="9448800" y="4324696"/>
+            <a:ext cx="1701800" cy="1477328"/>
+          </a:xfrm>
+          <a:prstGeom prst="rect">
+            <a:avLst/>
+          </a:prstGeom>
+          <a:noFill/>
+        </p:spPr>
+        <p:txBody>
+          <a:bodyPr wrap="square" rtlCol="0">
+            <a:spAutoFit/>
+          </a:bodyPr>
+          <a:lstStyle/>
+          <a:p>
+            <a:r>
+              <a:rPr lang="en-US" u="sng" dirty="0"/>
+              <a:t>Control Unit:</a:t>
+            </a:r>
+          </a:p>
+          <a:p>
+            <a:r>
+              <a:rPr lang="en-US" dirty="0"/>
+              <a:t>Enable relevant control signals based on Opcode</a:t>
+            </a:r>
+          </a:p>
+        </p:txBody>
+      </p:sp>
     </p:spTree>
     <p:extLst>
       <p:ext uri="{BB962C8B-B14F-4D97-AF65-F5344CB8AC3E}">
-        <p14:creationId xmlns:p14="http://schemas.microsoft.com/office/powerpoint/2010/main" val="3565336280"/>
+        <p14:creationId xmlns:p14="http://schemas.microsoft.com/office/powerpoint/2010/main" val="2633215723"/>
       </p:ext>
     </p:extLst>
   </p:cSld>
@@ -5827,7 +5818,7 @@
           <p:cNvPr id="2" name="Title 1">
             <a:extLst>
               <a:ext uri="{FF2B5EF4-FFF2-40B4-BE49-F238E27FC236}">
-                <a16:creationId xmlns:a16="http://schemas.microsoft.com/office/drawing/2014/main" id="{183CB501-4FD1-826B-08B4-572407C339B1}"/>
+                <a16:creationId xmlns:a16="http://schemas.microsoft.com/office/drawing/2014/main" id="{98D11EE6-CD64-BFFE-3125-1060BA2FB8B2}"/>
               </a:ext>
             </a:extLst>
           </p:cNvPr>
@@ -5850,500 +5841,8 @@
           <a:p>
             <a:r>
               <a:rPr lang="en-US" dirty="0"/>
-              <a:t>ALU</a:t>
-            </a:r>
-          </a:p>
-        </p:txBody>
-      </p:sp>
-      <p:sp>
-        <p:nvSpPr>
-          <p:cNvPr id="4" name="Text Placeholder 3">
-            <a:extLst>
-              <a:ext uri="{FF2B5EF4-FFF2-40B4-BE49-F238E27FC236}">
-                <a16:creationId xmlns:a16="http://schemas.microsoft.com/office/drawing/2014/main" id="{49B11A3A-948B-97C7-2C89-64DC025C30AC}"/>
-              </a:ext>
-            </a:extLst>
-          </p:cNvPr>
-          <p:cNvSpPr>
-            <a:spLocks noGrp="1"/>
-          </p:cNvSpPr>
-          <p:nvPr>
-            <p:ph type="body" sz="quarter" idx="14"/>
-          </p:nvPr>
-        </p:nvSpPr>
-        <p:spPr>
-          <a:xfrm>
-            <a:off x="1636027" y="1525788"/>
-            <a:ext cx="7533373" cy="4349166"/>
-          </a:xfrm>
-        </p:spPr>
-        <p:txBody>
-          <a:bodyPr>
-            <a:normAutofit lnSpcReduction="10000"/>
-          </a:bodyPr>
-          <a:lstStyle/>
-          <a:p>
-            <a:pPr marL="0" indent="0" algn="l">
-              <a:buNone/>
-            </a:pPr>
-            <a:endParaRPr lang="en-US" sz="1400" b="0" i="0" dirty="0">
-              <a:solidFill>
-                <a:srgbClr val="000000"/>
-              </a:solidFill>
-              <a:effectLst/>
-              <a:highlight>
-                <a:srgbClr val="FBFBFB"/>
-              </a:highlight>
-              <a:latin typeface="Helvetica" panose="020B0604020202020204" pitchFamily="34" charset="0"/>
-            </a:endParaRPr>
-          </a:p>
-          <a:p>
-            <a:pPr marL="0" indent="0" algn="l">
-              <a:buNone/>
-            </a:pPr>
-            <a:endParaRPr lang="en-US" sz="1400" b="0" i="0" dirty="0">
-              <a:solidFill>
-                <a:srgbClr val="000000"/>
-              </a:solidFill>
-              <a:effectLst/>
-              <a:highlight>
-                <a:srgbClr val="FBFBFB"/>
-              </a:highlight>
-              <a:latin typeface="Helvetica" panose="020B0604020202020204" pitchFamily="34" charset="0"/>
-            </a:endParaRPr>
-          </a:p>
-          <a:p>
-            <a:pPr marL="0" indent="0" algn="l">
-              <a:buNone/>
-            </a:pPr>
-            <a:r>
-              <a:rPr lang="en-US" sz="1400" b="0" i="0" dirty="0">
-                <a:solidFill>
-                  <a:srgbClr val="000000"/>
-                </a:solidFill>
-                <a:effectLst/>
-                <a:highlight>
-                  <a:srgbClr val="FBFBFB"/>
-                </a:highlight>
-                <a:latin typeface="Helvetica" panose="020B0604020202020204" pitchFamily="34" charset="0"/>
-              </a:rPr>
-              <a:t>Input:</a:t>
-            </a:r>
-          </a:p>
-          <a:p>
-            <a:pPr marL="0" indent="0" algn="l">
-              <a:buNone/>
-            </a:pPr>
-            <a:endParaRPr lang="en-US" sz="1400" b="0" i="0" dirty="0">
-              <a:solidFill>
-                <a:srgbClr val="000000"/>
-              </a:solidFill>
-              <a:effectLst/>
-              <a:highlight>
-                <a:srgbClr val="FBFBFB"/>
-              </a:highlight>
-              <a:latin typeface="Helvetica" panose="020B0604020202020204" pitchFamily="34" charset="0"/>
-            </a:endParaRPr>
-          </a:p>
-          <a:p>
-            <a:pPr marL="0" indent="0" algn="l">
-              <a:buNone/>
-            </a:pPr>
-            <a:r>
-              <a:rPr lang="en-US" sz="1400" dirty="0">
-                <a:solidFill>
-                  <a:srgbClr val="000000"/>
-                </a:solidFill>
-                <a:highlight>
-                  <a:srgbClr val="FBFBFB"/>
-                </a:highlight>
-                <a:latin typeface="Helvetica" panose="020B0604020202020204" pitchFamily="34" charset="0"/>
-              </a:rPr>
-              <a:t>(operands)</a:t>
-            </a:r>
-            <a:endParaRPr lang="en-US" sz="1400" b="0" i="0" dirty="0">
-              <a:solidFill>
-                <a:srgbClr val="000000"/>
-              </a:solidFill>
-              <a:effectLst/>
-              <a:highlight>
-                <a:srgbClr val="FBFBFB"/>
-              </a:highlight>
-              <a:latin typeface="Helvetica" panose="020B0604020202020204" pitchFamily="34" charset="0"/>
-            </a:endParaRPr>
-          </a:p>
-          <a:p>
-            <a:pPr marL="0" indent="0" algn="l">
-              <a:buNone/>
-            </a:pPr>
-            <a:r>
-              <a:rPr lang="en-US" sz="1400" b="0" i="0" dirty="0">
-                <a:solidFill>
-                  <a:srgbClr val="000000"/>
-                </a:solidFill>
-                <a:effectLst/>
-                <a:highlight>
-                  <a:srgbClr val="FBFBFB"/>
-                </a:highlight>
-                <a:latin typeface="Helvetica" panose="020B0604020202020204" pitchFamily="34" charset="0"/>
-              </a:rPr>
-              <a:t>-</a:t>
-            </a:r>
-            <a:r>
-              <a:rPr lang="en-US" sz="1400" dirty="0" err="1">
-                <a:solidFill>
-                  <a:srgbClr val="000000"/>
-                </a:solidFill>
-                <a:highlight>
-                  <a:srgbClr val="FBFBFB"/>
-                </a:highlight>
-                <a:latin typeface="Helvetica" panose="020B0604020202020204" pitchFamily="34" charset="0"/>
-              </a:rPr>
-              <a:t>op</a:t>
-            </a:r>
-            <a:r>
-              <a:rPr lang="en-US" sz="1400" b="0" i="0" dirty="0" err="1">
-                <a:solidFill>
-                  <a:srgbClr val="000000"/>
-                </a:solidFill>
-                <a:effectLst/>
-                <a:highlight>
-                  <a:srgbClr val="FBFBFB"/>
-                </a:highlight>
-                <a:latin typeface="Helvetica" panose="020B0604020202020204" pitchFamily="34" charset="0"/>
-              </a:rPr>
-              <a:t>A</a:t>
-            </a:r>
-            <a:r>
-              <a:rPr lang="en-US" sz="1400" b="0" i="0" dirty="0">
-                <a:solidFill>
-                  <a:srgbClr val="000000"/>
-                </a:solidFill>
-                <a:effectLst/>
-                <a:highlight>
-                  <a:srgbClr val="FBFBFB"/>
-                </a:highlight>
-                <a:latin typeface="Helvetica" panose="020B0604020202020204" pitchFamily="34" charset="0"/>
-              </a:rPr>
-              <a:t> [31:0]</a:t>
-            </a:r>
-          </a:p>
-          <a:p>
-            <a:pPr marL="0" indent="0" algn="l">
-              <a:buNone/>
-            </a:pPr>
-            <a:r>
-              <a:rPr lang="en-US" sz="1400" b="0" i="0" dirty="0">
-                <a:solidFill>
-                  <a:srgbClr val="000000"/>
-                </a:solidFill>
-                <a:effectLst/>
-                <a:highlight>
-                  <a:srgbClr val="FBFBFB"/>
-                </a:highlight>
-                <a:latin typeface="Helvetica" panose="020B0604020202020204" pitchFamily="34" charset="0"/>
-              </a:rPr>
-              <a:t>-</a:t>
-            </a:r>
-            <a:r>
-              <a:rPr lang="en-US" sz="1400" dirty="0" err="1">
-                <a:solidFill>
-                  <a:srgbClr val="000000"/>
-                </a:solidFill>
-                <a:highlight>
-                  <a:srgbClr val="FBFBFB"/>
-                </a:highlight>
-                <a:latin typeface="Helvetica" panose="020B0604020202020204" pitchFamily="34" charset="0"/>
-              </a:rPr>
-              <a:t>op</a:t>
-            </a:r>
-            <a:r>
-              <a:rPr lang="en-US" sz="1400" b="0" i="0" dirty="0" err="1">
-                <a:solidFill>
-                  <a:srgbClr val="000000"/>
-                </a:solidFill>
-                <a:effectLst/>
-                <a:highlight>
-                  <a:srgbClr val="FBFBFB"/>
-                </a:highlight>
-                <a:latin typeface="Helvetica" panose="020B0604020202020204" pitchFamily="34" charset="0"/>
-              </a:rPr>
-              <a:t>B</a:t>
-            </a:r>
-            <a:r>
-              <a:rPr lang="en-US" sz="1400" b="0" i="0" dirty="0">
-                <a:solidFill>
-                  <a:srgbClr val="000000"/>
-                </a:solidFill>
-                <a:effectLst/>
-                <a:highlight>
-                  <a:srgbClr val="FBFBFB"/>
-                </a:highlight>
-                <a:latin typeface="Helvetica" panose="020B0604020202020204" pitchFamily="34" charset="0"/>
-              </a:rPr>
-              <a:t> [31:0]</a:t>
-            </a:r>
-          </a:p>
-          <a:p>
-            <a:pPr marL="0" indent="0" algn="l">
-              <a:buNone/>
-            </a:pPr>
-            <a:endParaRPr lang="en-US" sz="1400" b="0" i="0" dirty="0">
-              <a:solidFill>
-                <a:srgbClr val="000000"/>
-              </a:solidFill>
-              <a:effectLst/>
-              <a:highlight>
-                <a:srgbClr val="FBFBFB"/>
-              </a:highlight>
-              <a:latin typeface="Helvetica" panose="020B0604020202020204" pitchFamily="34" charset="0"/>
-            </a:endParaRPr>
-          </a:p>
-          <a:p>
-            <a:pPr marL="0" indent="0" algn="l">
-              <a:buNone/>
-            </a:pPr>
-            <a:r>
-              <a:rPr lang="en-US" sz="1400" b="0" i="0" dirty="0">
-                <a:solidFill>
-                  <a:srgbClr val="000000"/>
-                </a:solidFill>
-                <a:effectLst/>
-                <a:highlight>
-                  <a:srgbClr val="FBFBFB"/>
-                </a:highlight>
-                <a:latin typeface="Helvetica" panose="020B0604020202020204" pitchFamily="34" charset="0"/>
-              </a:rPr>
-              <a:t>(select signals)</a:t>
-            </a:r>
-          </a:p>
-          <a:p>
-            <a:pPr marL="0" indent="0" algn="l">
-              <a:buNone/>
-            </a:pPr>
-            <a:r>
-              <a:rPr lang="en-US" sz="1400" b="0" i="0" dirty="0">
-                <a:solidFill>
-                  <a:srgbClr val="000000"/>
-                </a:solidFill>
-                <a:effectLst/>
-                <a:highlight>
-                  <a:srgbClr val="FBFBFB"/>
-                </a:highlight>
-                <a:latin typeface="Helvetica" panose="020B0604020202020204" pitchFamily="34" charset="0"/>
-              </a:rPr>
-              <a:t>-opcode[6:0]</a:t>
-            </a:r>
-          </a:p>
-          <a:p>
-            <a:pPr marL="0" indent="0" algn="l">
-              <a:buNone/>
-            </a:pPr>
-            <a:r>
-              <a:rPr lang="en-US" sz="1400" b="0" i="0" dirty="0">
-                <a:solidFill>
-                  <a:srgbClr val="000000"/>
-                </a:solidFill>
-                <a:effectLst/>
-                <a:highlight>
-                  <a:srgbClr val="FBFBFB"/>
-                </a:highlight>
-                <a:latin typeface="Helvetica" panose="020B0604020202020204" pitchFamily="34" charset="0"/>
-              </a:rPr>
-              <a:t>-func3[2:0]</a:t>
-            </a:r>
-          </a:p>
-          <a:p>
-            <a:pPr marL="0" indent="0" algn="l">
-              <a:buNone/>
-            </a:pPr>
-            <a:r>
-              <a:rPr lang="en-US" sz="1400" b="0" i="0" dirty="0">
-                <a:solidFill>
-                  <a:srgbClr val="000000"/>
-                </a:solidFill>
-                <a:effectLst/>
-                <a:highlight>
-                  <a:srgbClr val="FBFBFB"/>
-                </a:highlight>
-                <a:latin typeface="Helvetica" panose="020B0604020202020204" pitchFamily="34" charset="0"/>
-              </a:rPr>
-              <a:t>-func7[6:0]</a:t>
-            </a:r>
-          </a:p>
-          <a:p>
-            <a:pPr marL="0" indent="0" algn="l">
-              <a:buNone/>
-            </a:pPr>
-            <a:br>
-              <a:rPr lang="en-US" sz="1400" b="0" i="0" dirty="0">
-                <a:solidFill>
-                  <a:srgbClr val="000000"/>
-                </a:solidFill>
-                <a:effectLst/>
-                <a:highlight>
-                  <a:srgbClr val="FBFBFB"/>
-                </a:highlight>
-                <a:latin typeface="Helvetica" panose="020B0604020202020204" pitchFamily="34" charset="0"/>
-              </a:rPr>
-            </a:br>
-            <a:endParaRPr lang="en-US" sz="1400" b="0" i="0" dirty="0">
-              <a:solidFill>
-                <a:srgbClr val="000000"/>
-              </a:solidFill>
-              <a:effectLst/>
-              <a:highlight>
-                <a:srgbClr val="FBFBFB"/>
-              </a:highlight>
-              <a:latin typeface="Helvetica" panose="020B0604020202020204" pitchFamily="34" charset="0"/>
-            </a:endParaRPr>
-          </a:p>
-          <a:p>
-            <a:pPr marL="0" indent="0" algn="l">
-              <a:buNone/>
-            </a:pPr>
-            <a:r>
-              <a:rPr lang="en-US" sz="1400" b="0" i="0" dirty="0">
-                <a:solidFill>
-                  <a:srgbClr val="000000"/>
-                </a:solidFill>
-                <a:effectLst/>
-                <a:highlight>
-                  <a:srgbClr val="FBFBFB"/>
-                </a:highlight>
-                <a:latin typeface="Helvetica" panose="020B0604020202020204" pitchFamily="34" charset="0"/>
-              </a:rPr>
-              <a:t>Output:</a:t>
-            </a:r>
-          </a:p>
-          <a:p>
-            <a:pPr marL="0" indent="0" algn="l">
-              <a:buNone/>
-            </a:pPr>
-            <a:endParaRPr lang="en-US" sz="1400" b="0" i="0" dirty="0">
-              <a:solidFill>
-                <a:srgbClr val="000000"/>
-              </a:solidFill>
-              <a:effectLst/>
-              <a:highlight>
-                <a:srgbClr val="FBFBFB"/>
-              </a:highlight>
-              <a:latin typeface="Helvetica" panose="020B0604020202020204" pitchFamily="34" charset="0"/>
-            </a:endParaRPr>
-          </a:p>
-          <a:p>
-            <a:pPr marL="0" indent="0" algn="l">
-              <a:buNone/>
-            </a:pPr>
-            <a:r>
-              <a:rPr lang="en-US" sz="1400" b="0" i="0" dirty="0">
-                <a:solidFill>
-                  <a:srgbClr val="000000"/>
-                </a:solidFill>
-                <a:effectLst/>
-                <a:highlight>
-                  <a:srgbClr val="FBFBFB"/>
-                </a:highlight>
-                <a:latin typeface="Helvetica" panose="020B0604020202020204" pitchFamily="34" charset="0"/>
-              </a:rPr>
-              <a:t>-ALU result [31:0]</a:t>
-            </a:r>
-          </a:p>
-          <a:p>
-            <a:pPr marL="0" indent="0" algn="l">
-              <a:buNone/>
-            </a:pPr>
-            <a:r>
-              <a:rPr lang="en-US" sz="1400" b="0" i="0" dirty="0">
-                <a:solidFill>
-                  <a:srgbClr val="000000"/>
-                </a:solidFill>
-                <a:effectLst/>
-                <a:highlight>
-                  <a:srgbClr val="FBFBFB"/>
-                </a:highlight>
-                <a:latin typeface="Helvetica" panose="020B0604020202020204" pitchFamily="34" charset="0"/>
-              </a:rPr>
-              <a:t>-0 flag</a:t>
-            </a:r>
-          </a:p>
-          <a:p>
-            <a:pPr marL="0" indent="0" algn="l">
-              <a:buNone/>
-            </a:pPr>
-            <a:r>
-              <a:rPr lang="en-US" sz="1400" b="0" i="0" dirty="0">
-                <a:solidFill>
-                  <a:srgbClr val="000000"/>
-                </a:solidFill>
-                <a:effectLst/>
-                <a:highlight>
-                  <a:srgbClr val="FBFBFB"/>
-                </a:highlight>
-                <a:latin typeface="Helvetica" panose="020B0604020202020204" pitchFamily="34" charset="0"/>
-              </a:rPr>
-              <a:t>-don't care flags</a:t>
-            </a:r>
-          </a:p>
-          <a:p>
-            <a:pPr marL="0" indent="0" algn="l">
-              <a:buNone/>
-            </a:pPr>
-            <a:r>
-              <a:rPr lang="en-US" sz="1400" b="0" i="0" dirty="0">
-                <a:solidFill>
-                  <a:srgbClr val="000000"/>
-                </a:solidFill>
-                <a:effectLst/>
-                <a:highlight>
-                  <a:srgbClr val="FBFBFB"/>
-                </a:highlight>
-                <a:latin typeface="Helvetica" panose="020B0604020202020204" pitchFamily="34" charset="0"/>
-              </a:rPr>
-              <a:t>-less than flags</a:t>
-            </a:r>
-          </a:p>
-          <a:p>
-            <a:pPr marL="0" indent="0" algn="l">
-              <a:buNone/>
-            </a:pPr>
-            <a:r>
-              <a:rPr lang="en-US" sz="1400" b="0" i="0" dirty="0">
-                <a:solidFill>
-                  <a:srgbClr val="000000"/>
-                </a:solidFill>
-                <a:effectLst/>
-                <a:highlight>
-                  <a:srgbClr val="FBFBFB"/>
-                </a:highlight>
-                <a:latin typeface="Helvetica" panose="020B0604020202020204" pitchFamily="34" charset="0"/>
-              </a:rPr>
-              <a:t>-greater than flags</a:t>
-            </a:r>
-          </a:p>
-          <a:p>
-            <a:pPr marL="0" indent="0" algn="l">
-              <a:buNone/>
-            </a:pPr>
-            <a:r>
-              <a:rPr lang="en-US" sz="1400" b="0" i="0" dirty="0">
-                <a:solidFill>
-                  <a:srgbClr val="000000"/>
-                </a:solidFill>
-                <a:effectLst/>
-                <a:highlight>
-                  <a:srgbClr val="FBFBFB"/>
-                </a:highlight>
-                <a:latin typeface="Helvetica" panose="020B0604020202020204" pitchFamily="34" charset="0"/>
-              </a:rPr>
-              <a:t>-equal/not equal flags</a:t>
-            </a:r>
-          </a:p>
-          <a:p>
-            <a:pPr marL="0" indent="0">
-              <a:buNone/>
-            </a:pPr>
-            <a:endParaRPr lang="en-US" sz="1400" dirty="0"/>
+              <a:t>Immediate Generator</a:t>
+            </a:r>
           </a:p>
         </p:txBody>
       </p:sp>
@@ -6352,7 +5851,7 @@
           <p:cNvPr id="5" name="Slide Number Placeholder 4">
             <a:extLst>
               <a:ext uri="{FF2B5EF4-FFF2-40B4-BE49-F238E27FC236}">
-                <a16:creationId xmlns:a16="http://schemas.microsoft.com/office/drawing/2014/main" id="{1DAD21A4-66E1-B41E-AAF4-8DD89DD84A1B}"/>
+                <a16:creationId xmlns:a16="http://schemas.microsoft.com/office/drawing/2014/main" id="{9FD279C7-DC02-65E0-D816-A44F047AC0D9}"/>
               </a:ext>
             </a:extLst>
           </p:cNvPr>
@@ -6378,10 +5877,10 @@
       </p:sp>
       <p:pic>
         <p:nvPicPr>
-          <p:cNvPr id="9" name="Picture 8">
-            <a:extLst>
-              <a:ext uri="{FF2B5EF4-FFF2-40B4-BE49-F238E27FC236}">
-                <a16:creationId xmlns:a16="http://schemas.microsoft.com/office/drawing/2014/main" id="{3E7B8AE2-8B46-87D6-403C-552B0A9A63EF}"/>
+          <p:cNvPr id="7" name="Picture 6" descr="A close-up of a document&#10;&#10;Description automatically generated">
+            <a:extLst>
+              <a:ext uri="{FF2B5EF4-FFF2-40B4-BE49-F238E27FC236}">
+                <a16:creationId xmlns:a16="http://schemas.microsoft.com/office/drawing/2014/main" id="{C7B537E0-C12E-4217-765B-97698BDF5A83}"/>
               </a:ext>
             </a:extLst>
           </p:cNvPr>
@@ -6391,15 +5890,21 @@
           <p:nvPr/>
         </p:nvPicPr>
         <p:blipFill>
-          <a:blip r:embed="rId2"/>
+          <a:blip r:embed="rId2">
+            <a:extLst>
+              <a:ext uri="{28A0092B-C50C-407E-A947-70E740481C1C}">
+                <a14:useLocalDpi xmlns:a14="http://schemas.microsoft.com/office/drawing/2010/main" val="0"/>
+              </a:ext>
+            </a:extLst>
+          </a:blip>
           <a:stretch>
             <a:fillRect/>
           </a:stretch>
         </p:blipFill>
         <p:spPr>
           <a:xfrm>
-            <a:off x="3496733" y="1082326"/>
-            <a:ext cx="6450636" cy="5023561"/>
+            <a:off x="2458720" y="1177304"/>
+            <a:ext cx="7051040" cy="5504468"/>
           </a:xfrm>
           <a:prstGeom prst="rect">
             <a:avLst/>
@@ -6408,10 +5913,10 @@
       </p:pic>
       <p:sp>
         <p:nvSpPr>
-          <p:cNvPr id="13" name="TextBox 12">
-            <a:extLst>
-              <a:ext uri="{FF2B5EF4-FFF2-40B4-BE49-F238E27FC236}">
-                <a16:creationId xmlns:a16="http://schemas.microsoft.com/office/drawing/2014/main" id="{C7A25066-8FC8-C06D-E583-BD3787678791}"/>
+          <p:cNvPr id="8" name="TextBox 7">
+            <a:extLst>
+              <a:ext uri="{FF2B5EF4-FFF2-40B4-BE49-F238E27FC236}">
+                <a16:creationId xmlns:a16="http://schemas.microsoft.com/office/drawing/2014/main" id="{DB4F52F6-A419-64FA-2166-7DF59634EF32}"/>
               </a:ext>
             </a:extLst>
           </p:cNvPr>
@@ -6420,8 +5925,8 @@
         </p:nvSpPr>
         <p:spPr>
           <a:xfrm>
-            <a:off x="1185333" y="1063985"/>
-            <a:ext cx="6096000" cy="430887"/>
+            <a:off x="7997565" y="1385099"/>
+            <a:ext cx="2842953" cy="1200329"/>
           </a:xfrm>
           <a:prstGeom prst="rect">
             <a:avLst/>
@@ -6429,19 +5934,30 @@
           <a:noFill/>
         </p:spPr>
         <p:txBody>
-          <a:bodyPr wrap="square">
+          <a:bodyPr wrap="square" rtlCol="0">
             <a:spAutoFit/>
           </a:bodyPr>
           <a:lstStyle/>
           <a:p>
             <a:r>
-              <a:rPr lang="en-US" sz="2200" b="1" dirty="0">
-                <a:solidFill>
-                  <a:schemeClr val="accent2"/>
-                </a:solidFill>
-                <a:latin typeface="Acumin Pro SemiCondensed" panose="020B0506020202020204" pitchFamily="34" charset="77"/>
-              </a:rPr>
-              <a:t>RTL:</a:t>
+              <a:rPr lang="en-US" u="sng" dirty="0" err="1">
+                <a:latin typeface="Acumin Pro ExtraCondensed" panose="020B0508020202020204"/>
+              </a:rPr>
+              <a:t>Imm</a:t>
+            </a:r>
+            <a:r>
+              <a:rPr lang="en-US" u="sng" dirty="0">
+                <a:latin typeface="Acumin Pro ExtraCondensed" panose="020B0508020202020204"/>
+              </a:rPr>
+              <a:t> Gen:</a:t>
+            </a:r>
+          </a:p>
+          <a:p>
+            <a:r>
+              <a:rPr lang="en-US" dirty="0">
+                <a:latin typeface="Acumin Pro ExtraCondensed" panose="020B0508020202020204"/>
+              </a:rPr>
+              <a:t>Generate Immediate values if necessary and send immediate values to ALU</a:t>
             </a:r>
           </a:p>
         </p:txBody>
@@ -6449,7 +5965,7 @@
     </p:spTree>
     <p:extLst>
       <p:ext uri="{BB962C8B-B14F-4D97-AF65-F5344CB8AC3E}">
-        <p14:creationId xmlns:p14="http://schemas.microsoft.com/office/powerpoint/2010/main" val="3658048987"/>
+        <p14:creationId xmlns:p14="http://schemas.microsoft.com/office/powerpoint/2010/main" val="1969895698"/>
       </p:ext>
     </p:extLst>
   </p:cSld>
@@ -6481,7 +5997,7 @@
           <p:cNvPr id="2" name="Title 1">
             <a:extLst>
               <a:ext uri="{FF2B5EF4-FFF2-40B4-BE49-F238E27FC236}">
-                <a16:creationId xmlns:a16="http://schemas.microsoft.com/office/drawing/2014/main" id="{63DB6604-717F-80D6-8A98-330BC761485E}"/>
+                <a16:creationId xmlns:a16="http://schemas.microsoft.com/office/drawing/2014/main" id="{94017501-FF69-B9D4-5967-17557E053B3E}"/>
               </a:ext>
             </a:extLst>
           </p:cNvPr>
@@ -6504,17 +6020,17 @@
           <a:p>
             <a:r>
               <a:rPr lang="en-US" dirty="0"/>
-              <a:t>ALU</a:t>
-            </a:r>
-          </a:p>
-        </p:txBody>
-      </p:sp>
-      <p:sp>
-        <p:nvSpPr>
-          <p:cNvPr id="3" name="Subtitle 2">
-            <a:extLst>
-              <a:ext uri="{FF2B5EF4-FFF2-40B4-BE49-F238E27FC236}">
-                <a16:creationId xmlns:a16="http://schemas.microsoft.com/office/drawing/2014/main" id="{86A20125-5905-6103-914B-760A20C5941E}"/>
+              <a:t>Control Unit &amp; Decoder Test Cases</a:t>
+            </a:r>
+          </a:p>
+        </p:txBody>
+      </p:sp>
+      <p:sp>
+        <p:nvSpPr>
+          <p:cNvPr id="4" name="Text Placeholder 3">
+            <a:extLst>
+              <a:ext uri="{FF2B5EF4-FFF2-40B4-BE49-F238E27FC236}">
+                <a16:creationId xmlns:a16="http://schemas.microsoft.com/office/drawing/2014/main" id="{95D25B56-65F2-187D-9279-300460481F1F}"/>
               </a:ext>
             </a:extLst>
           </p:cNvPr>
@@ -6522,18 +6038,164 @@
             <a:spLocks noGrp="1"/>
           </p:cNvSpPr>
           <p:nvPr>
-            <p:ph type="subTitle" idx="1"/>
+            <p:ph type="body" sz="quarter" idx="14"/>
           </p:nvPr>
         </p:nvSpPr>
         <p:spPr/>
         <p:txBody>
-          <a:bodyPr/>
+          <a:bodyPr>
+            <a:normAutofit lnSpcReduction="10000"/>
+          </a:bodyPr>
           <a:lstStyle/>
           <a:p>
-            <a:r>
-              <a:rPr lang="en-US" dirty="0"/>
-              <a:t>Pseudo Code:</a:t>
-            </a:r>
+            <a:pPr marL="0" marR="0" indent="0">
+              <a:lnSpc>
+                <a:spcPct val="107000"/>
+              </a:lnSpc>
+              <a:spcBef>
+                <a:spcPts val="0"/>
+              </a:spcBef>
+              <a:spcAft>
+                <a:spcPts val="800"/>
+              </a:spcAft>
+              <a:buNone/>
+            </a:pPr>
+            <a:r>
+              <a:rPr lang="en-US" sz="2400" kern="100" dirty="0">
+                <a:effectLst/>
+                <a:latin typeface="Acumin Pro Semibold" panose="020B0504020202020204"/>
+                <a:ea typeface="Aptos" panose="020B0004020202020204" pitchFamily="34" charset="0"/>
+                <a:cs typeface="Times New Roman" panose="02020603050405020304" pitchFamily="18" charset="0"/>
+              </a:rPr>
+              <a:t>Control Unit Test Cases</a:t>
+            </a:r>
+          </a:p>
+          <a:p>
+            <a:pPr marL="342900" marR="0" lvl="0" indent="-342900">
+              <a:lnSpc>
+                <a:spcPct val="107000"/>
+              </a:lnSpc>
+              <a:spcBef>
+                <a:spcPts val="0"/>
+              </a:spcBef>
+              <a:spcAft>
+                <a:spcPts val="0"/>
+              </a:spcAft>
+              <a:buFont typeface="Symbol" panose="05050102010706020507" pitchFamily="18" charset="2"/>
+              <a:buChar char=""/>
+            </a:pPr>
+            <a:r>
+              <a:rPr lang="en-US" sz="2400" kern="100" dirty="0">
+                <a:effectLst/>
+                <a:latin typeface="Acumin Pro Semibold" panose="020B0504020202020204"/>
+                <a:ea typeface="Aptos" panose="020B0004020202020204" pitchFamily="34" charset="0"/>
+                <a:cs typeface="Times New Roman" panose="02020603050405020304" pitchFamily="18" charset="0"/>
+              </a:rPr>
+              <a:t>Input all valid Opcodes, validate control signal outputs</a:t>
+            </a:r>
+          </a:p>
+          <a:p>
+            <a:pPr marL="342900" marR="0" lvl="0" indent="-342900">
+              <a:lnSpc>
+                <a:spcPct val="107000"/>
+              </a:lnSpc>
+              <a:spcBef>
+                <a:spcPts val="0"/>
+              </a:spcBef>
+              <a:spcAft>
+                <a:spcPts val="800"/>
+              </a:spcAft>
+              <a:buFont typeface="Symbol" panose="05050102010706020507" pitchFamily="18" charset="2"/>
+              <a:buChar char=""/>
+            </a:pPr>
+            <a:r>
+              <a:rPr lang="en-US" sz="2400" kern="100" dirty="0">
+                <a:effectLst/>
+                <a:latin typeface="Acumin Pro Semibold" panose="020B0504020202020204"/>
+                <a:ea typeface="Aptos" panose="020B0004020202020204" pitchFamily="34" charset="0"/>
+                <a:cs typeface="Times New Roman" panose="02020603050405020304" pitchFamily="18" charset="0"/>
+              </a:rPr>
+              <a:t>Input invalid Opcode, check for error</a:t>
+            </a:r>
+          </a:p>
+          <a:p>
+            <a:pPr marL="0" marR="0" indent="0">
+              <a:lnSpc>
+                <a:spcPct val="107000"/>
+              </a:lnSpc>
+              <a:spcBef>
+                <a:spcPts val="0"/>
+              </a:spcBef>
+              <a:spcAft>
+                <a:spcPts val="800"/>
+              </a:spcAft>
+              <a:buNone/>
+            </a:pPr>
+            <a:r>
+              <a:rPr lang="en-US" sz="2400" kern="100" dirty="0">
+                <a:effectLst/>
+                <a:latin typeface="Acumin Pro Semibold" panose="020B0504020202020204"/>
+                <a:ea typeface="Aptos" panose="020B0004020202020204" pitchFamily="34" charset="0"/>
+                <a:cs typeface="Times New Roman" panose="02020603050405020304" pitchFamily="18" charset="0"/>
+              </a:rPr>
+              <a:t>Decoder Test Cases</a:t>
+            </a:r>
+          </a:p>
+          <a:p>
+            <a:pPr marL="342900" marR="0" lvl="0" indent="-342900">
+              <a:lnSpc>
+                <a:spcPct val="107000"/>
+              </a:lnSpc>
+              <a:spcBef>
+                <a:spcPts val="0"/>
+              </a:spcBef>
+              <a:spcAft>
+                <a:spcPts val="0"/>
+              </a:spcAft>
+              <a:buFont typeface="Symbol" panose="05050102010706020507" pitchFamily="18" charset="2"/>
+              <a:buChar char=""/>
+            </a:pPr>
+            <a:r>
+              <a:rPr lang="en-US" sz="2400" kern="100" dirty="0">
+                <a:effectLst/>
+                <a:latin typeface="Acumin Pro Semibold" panose="020B0504020202020204"/>
+                <a:ea typeface="Aptos" panose="020B0004020202020204" pitchFamily="34" charset="0"/>
+                <a:cs typeface="Times New Roman" panose="02020603050405020304" pitchFamily="18" charset="0"/>
+              </a:rPr>
+              <a:t>Input all instruction types with register addressees, validate correct addresses</a:t>
+            </a:r>
+          </a:p>
+          <a:p>
+            <a:pPr marL="342900" marR="0" lvl="0" indent="-342900">
+              <a:lnSpc>
+                <a:spcPct val="107000"/>
+              </a:lnSpc>
+              <a:spcBef>
+                <a:spcPts val="0"/>
+              </a:spcBef>
+              <a:spcAft>
+                <a:spcPts val="800"/>
+              </a:spcAft>
+              <a:buFont typeface="Symbol" panose="05050102010706020507" pitchFamily="18" charset="2"/>
+              <a:buChar char=""/>
+            </a:pPr>
+            <a:r>
+              <a:rPr lang="en-US" sz="2400" kern="100" dirty="0">
+                <a:effectLst/>
+                <a:latin typeface="Acumin Pro Semibold" panose="020B0504020202020204"/>
+                <a:ea typeface="Aptos" panose="020B0004020202020204" pitchFamily="34" charset="0"/>
+                <a:cs typeface="Times New Roman" panose="02020603050405020304" pitchFamily="18" charset="0"/>
+              </a:rPr>
+              <a:t>Input instruction without register address, check for garbage output</a:t>
+            </a:r>
+          </a:p>
+          <a:p>
+            <a:pPr marL="0" indent="0">
+              <a:buNone/>
+            </a:pPr>
+            <a:endParaRPr lang="en-US" sz="2400" dirty="0">
+              <a:latin typeface="Acumin Pro Semibold" panose="020B0504020202020204"/>
+            </a:endParaRPr>
           </a:p>
         </p:txBody>
       </p:sp>
@@ -6542,7 +6204,7 @@
           <p:cNvPr id="5" name="Slide Number Placeholder 4">
             <a:extLst>
               <a:ext uri="{FF2B5EF4-FFF2-40B4-BE49-F238E27FC236}">
-                <a16:creationId xmlns:a16="http://schemas.microsoft.com/office/drawing/2014/main" id="{16DF6B77-D173-A4F5-86FB-EC5B60557845}"/>
+                <a16:creationId xmlns:a16="http://schemas.microsoft.com/office/drawing/2014/main" id="{12872916-28AA-76C1-E5AB-2D3481E9DDD8}"/>
               </a:ext>
             </a:extLst>
           </p:cNvPr>
@@ -6566,688 +6228,10 @@
           </a:p>
         </p:txBody>
       </p:sp>
-      <p:sp>
-        <p:nvSpPr>
-          <p:cNvPr id="7" name="TextBox 6">
-            <a:extLst>
-              <a:ext uri="{FF2B5EF4-FFF2-40B4-BE49-F238E27FC236}">
-                <a16:creationId xmlns:a16="http://schemas.microsoft.com/office/drawing/2014/main" id="{0A3E23E1-0D6C-3CC6-E871-A76DFDEDB1FE}"/>
-              </a:ext>
-            </a:extLst>
-          </p:cNvPr>
-          <p:cNvSpPr txBox="1"/>
-          <p:nvPr/>
-        </p:nvSpPr>
-        <p:spPr>
-          <a:xfrm>
-            <a:off x="7301092" y="1736653"/>
-            <a:ext cx="3397129" cy="3877985"/>
-          </a:xfrm>
-          <a:prstGeom prst="rect">
-            <a:avLst/>
-          </a:prstGeom>
-          <a:noFill/>
-        </p:spPr>
-        <p:txBody>
-          <a:bodyPr wrap="square">
-            <a:spAutoFit/>
-          </a:bodyPr>
-          <a:lstStyle/>
-          <a:p>
-            <a:endParaRPr lang="en-US" dirty="0">
-              <a:effectLst/>
-            </a:endParaRPr>
-          </a:p>
-          <a:p>
-            <a:r>
-              <a:rPr lang="en-US" dirty="0"/>
-              <a:t>ALU Control Unit:</a:t>
-            </a:r>
-          </a:p>
-          <a:p>
-            <a:br>
-              <a:rPr lang="en-US" sz="1400" dirty="0">
-                <a:effectLst/>
-              </a:rPr>
-            </a:br>
-            <a:r>
-              <a:rPr lang="en-US" sz="1400" dirty="0">
-                <a:solidFill>
-                  <a:srgbClr val="000000"/>
-                </a:solidFill>
-                <a:highlight>
-                  <a:srgbClr val="FBFBFB"/>
-                </a:highlight>
-                <a:latin typeface="Helvetica" panose="020B0604020202020204" pitchFamily="34" charset="0"/>
-              </a:rPr>
-              <a:t>if</a:t>
-            </a:r>
-            <a:r>
-              <a:rPr lang="en-US" sz="1400" dirty="0">
-                <a:effectLst/>
-              </a:rPr>
-              <a:t>(</a:t>
-            </a:r>
-            <a:r>
-              <a:rPr lang="en-US" sz="1400" dirty="0">
-                <a:solidFill>
-                  <a:srgbClr val="000000"/>
-                </a:solidFill>
-                <a:highlight>
-                  <a:srgbClr val="FBFBFB"/>
-                </a:highlight>
-                <a:latin typeface="Helvetica" panose="020B0604020202020204" pitchFamily="34" charset="0"/>
-              </a:rPr>
-              <a:t>opcode=1100011)</a:t>
-            </a:r>
-          </a:p>
-          <a:p>
-            <a:r>
-              <a:rPr lang="en-US" sz="1400" dirty="0">
-                <a:solidFill>
-                  <a:srgbClr val="000000"/>
-                </a:solidFill>
-                <a:highlight>
-                  <a:srgbClr val="FBFBFB"/>
-                </a:highlight>
-                <a:latin typeface="Helvetica" panose="020B0604020202020204" pitchFamily="34" charset="0"/>
-              </a:rPr>
-              <a:t>	if(func3=000)</a:t>
-            </a:r>
-          </a:p>
-          <a:p>
-            <a:r>
-              <a:rPr lang="en-US" sz="1400" dirty="0">
-                <a:solidFill>
-                  <a:srgbClr val="000000"/>
-                </a:solidFill>
-                <a:highlight>
-                  <a:srgbClr val="FBFBFB"/>
-                </a:highlight>
-                <a:latin typeface="Helvetica" panose="020B0604020202020204" pitchFamily="34" charset="0"/>
-              </a:rPr>
-              <a:t>		ALU control input = BEQ</a:t>
-            </a:r>
-          </a:p>
-          <a:p>
-            <a:r>
-              <a:rPr lang="en-US" sz="1400" dirty="0">
-                <a:solidFill>
-                  <a:srgbClr val="000000"/>
-                </a:solidFill>
-                <a:highlight>
-                  <a:srgbClr val="FBFBFB"/>
-                </a:highlight>
-                <a:latin typeface="Helvetica" panose="020B0604020202020204" pitchFamily="34" charset="0"/>
-              </a:rPr>
-              <a:t>	if(func3=001)</a:t>
-            </a:r>
-          </a:p>
-          <a:p>
-            <a:r>
-              <a:rPr lang="en-US" sz="1400" dirty="0">
-                <a:solidFill>
-                  <a:srgbClr val="000000"/>
-                </a:solidFill>
-                <a:highlight>
-                  <a:srgbClr val="FBFBFB"/>
-                </a:highlight>
-                <a:latin typeface="Helvetica" panose="020B0604020202020204" pitchFamily="34" charset="0"/>
-              </a:rPr>
-              <a:t>		ALU control input=BNE</a:t>
-            </a:r>
-            <a:br>
-              <a:rPr lang="en-US" sz="1400" dirty="0">
-                <a:solidFill>
-                  <a:srgbClr val="000000"/>
-                </a:solidFill>
-                <a:highlight>
-                  <a:srgbClr val="FBFBFB"/>
-                </a:highlight>
-                <a:latin typeface="Helvetica" panose="020B0604020202020204" pitchFamily="34" charset="0"/>
-              </a:rPr>
-            </a:br>
-            <a:endParaRPr lang="en-US" sz="1400" dirty="0">
-              <a:solidFill>
-                <a:srgbClr val="000000"/>
-              </a:solidFill>
-              <a:highlight>
-                <a:srgbClr val="FBFBFB"/>
-              </a:highlight>
-              <a:latin typeface="Helvetica" panose="020B0604020202020204" pitchFamily="34" charset="0"/>
-            </a:endParaRPr>
-          </a:p>
-          <a:p>
-            <a:r>
-              <a:rPr lang="en-US" sz="1400" dirty="0">
-                <a:solidFill>
-                  <a:srgbClr val="000000"/>
-                </a:solidFill>
-                <a:highlight>
-                  <a:srgbClr val="FBFBFB"/>
-                </a:highlight>
-                <a:latin typeface="Helvetica" panose="020B0604020202020204" pitchFamily="34" charset="0"/>
-              </a:rPr>
-              <a:t>if(opcode=0110011)</a:t>
-            </a:r>
-          </a:p>
-          <a:p>
-            <a:r>
-              <a:rPr lang="en-US" sz="1400" dirty="0">
-                <a:solidFill>
-                  <a:srgbClr val="000000"/>
-                </a:solidFill>
-                <a:highlight>
-                  <a:srgbClr val="FBFBFB"/>
-                </a:highlight>
-                <a:latin typeface="Helvetica" panose="020B0604020202020204" pitchFamily="34" charset="0"/>
-              </a:rPr>
-              <a:t>	if(func3=000)</a:t>
-            </a:r>
-          </a:p>
-          <a:p>
-            <a:r>
-              <a:rPr lang="en-US" sz="1400" dirty="0">
-                <a:solidFill>
-                  <a:srgbClr val="000000"/>
-                </a:solidFill>
-                <a:highlight>
-                  <a:srgbClr val="FBFBFB"/>
-                </a:highlight>
-                <a:latin typeface="Helvetica" panose="020B0604020202020204" pitchFamily="34" charset="0"/>
-              </a:rPr>
-              <a:t>		if(func7=0000000)</a:t>
-            </a:r>
-          </a:p>
-          <a:p>
-            <a:r>
-              <a:rPr lang="en-US" sz="1400" dirty="0">
-                <a:solidFill>
-                  <a:srgbClr val="000000"/>
-                </a:solidFill>
-                <a:highlight>
-                  <a:srgbClr val="FBFBFB"/>
-                </a:highlight>
-                <a:latin typeface="Helvetica" panose="020B0604020202020204" pitchFamily="34" charset="0"/>
-              </a:rPr>
-              <a:t>			ALU control input=ADD</a:t>
-            </a:r>
-            <a:br>
-              <a:rPr lang="en-US" sz="1400" dirty="0">
-                <a:solidFill>
-                  <a:srgbClr val="000000"/>
-                </a:solidFill>
-                <a:highlight>
-                  <a:srgbClr val="FBFBFB"/>
-                </a:highlight>
-                <a:latin typeface="Helvetica" panose="020B0604020202020204" pitchFamily="34" charset="0"/>
-              </a:rPr>
-            </a:br>
-            <a:endParaRPr lang="en-US" sz="1400" dirty="0">
-              <a:solidFill>
-                <a:srgbClr val="000000"/>
-              </a:solidFill>
-              <a:highlight>
-                <a:srgbClr val="FBFBFB"/>
-              </a:highlight>
-              <a:latin typeface="Helvetica" panose="020B0604020202020204" pitchFamily="34" charset="0"/>
-            </a:endParaRPr>
-          </a:p>
-          <a:p>
-            <a:r>
-              <a:rPr lang="en-US" sz="1400" dirty="0">
-                <a:solidFill>
-                  <a:srgbClr val="000000"/>
-                </a:solidFill>
-                <a:highlight>
-                  <a:srgbClr val="FBFBFB"/>
-                </a:highlight>
-                <a:latin typeface="Helvetica" panose="020B0604020202020204" pitchFamily="34" charset="0"/>
-              </a:rPr>
-              <a:t>(....define the ALU control input for each </a:t>
-            </a:r>
-          </a:p>
-          <a:p>
-            <a:r>
-              <a:rPr lang="en-US" sz="1400" dirty="0">
-                <a:solidFill>
-                  <a:srgbClr val="000000"/>
-                </a:solidFill>
-                <a:highlight>
-                  <a:srgbClr val="FBFBFB"/>
-                </a:highlight>
-                <a:latin typeface="Helvetica" panose="020B0604020202020204" pitchFamily="34" charset="0"/>
-              </a:rPr>
-              <a:t>of the operations based on the value</a:t>
-            </a:r>
-          </a:p>
-          <a:p>
-            <a:r>
-              <a:rPr lang="en-US" sz="1400" dirty="0">
-                <a:solidFill>
-                  <a:srgbClr val="000000"/>
-                </a:solidFill>
-                <a:highlight>
-                  <a:srgbClr val="FBFBFB"/>
-                </a:highlight>
-                <a:latin typeface="Helvetica" panose="020B0604020202020204" pitchFamily="34" charset="0"/>
-              </a:rPr>
-              <a:t> of the opcode, func3 and func7…)</a:t>
-            </a:r>
-          </a:p>
-        </p:txBody>
-      </p:sp>
-      <p:sp>
-        <p:nvSpPr>
-          <p:cNvPr id="8" name="TextBox 7">
-            <a:extLst>
-              <a:ext uri="{FF2B5EF4-FFF2-40B4-BE49-F238E27FC236}">
-                <a16:creationId xmlns:a16="http://schemas.microsoft.com/office/drawing/2014/main" id="{A4A10DE8-D075-2057-C727-85A2A8C50ADA}"/>
-              </a:ext>
-            </a:extLst>
-          </p:cNvPr>
-          <p:cNvSpPr txBox="1"/>
-          <p:nvPr/>
-        </p:nvSpPr>
-        <p:spPr>
-          <a:xfrm>
-            <a:off x="1579483" y="1736653"/>
-            <a:ext cx="5328393" cy="4801314"/>
-          </a:xfrm>
-          <a:prstGeom prst="rect">
-            <a:avLst/>
-          </a:prstGeom>
-          <a:noFill/>
-        </p:spPr>
-        <p:txBody>
-          <a:bodyPr wrap="square">
-            <a:spAutoFit/>
-          </a:bodyPr>
-          <a:lstStyle/>
-          <a:p>
-            <a:endParaRPr lang="en-US" dirty="0">
-              <a:effectLst/>
-            </a:endParaRPr>
-          </a:p>
-          <a:p>
-            <a:r>
-              <a:rPr lang="en-US" dirty="0"/>
-              <a:t>ALU:</a:t>
-            </a:r>
-          </a:p>
-          <a:p>
-            <a:br>
-              <a:rPr lang="en-US" b="0" i="0" dirty="0">
-                <a:solidFill>
-                  <a:srgbClr val="000000"/>
-                </a:solidFill>
-                <a:effectLst/>
-                <a:highlight>
-                  <a:srgbClr val="FBFBFB"/>
-                </a:highlight>
-                <a:latin typeface="Helvetica" panose="020B0604020202020204" pitchFamily="34" charset="0"/>
-              </a:rPr>
-            </a:br>
-            <a:r>
-              <a:rPr lang="en-US" sz="1400" dirty="0">
-                <a:solidFill>
-                  <a:srgbClr val="000000"/>
-                </a:solidFill>
-                <a:highlight>
-                  <a:srgbClr val="FBFBFB"/>
-                </a:highlight>
-                <a:latin typeface="Helvetica" panose="020B0604020202020204" pitchFamily="34" charset="0"/>
-              </a:rPr>
-              <a:t>case(ALU control input)</a:t>
-            </a:r>
-          </a:p>
-          <a:p>
-            <a:endParaRPr lang="en-US" sz="1400" dirty="0">
-              <a:solidFill>
-                <a:srgbClr val="000000"/>
-              </a:solidFill>
-              <a:highlight>
-                <a:srgbClr val="FBFBFB"/>
-              </a:highlight>
-              <a:latin typeface="Helvetica" panose="020B0604020202020204" pitchFamily="34" charset="0"/>
-            </a:endParaRPr>
-          </a:p>
-          <a:p>
-            <a:pPr lvl="1"/>
-            <a:r>
-              <a:rPr lang="en-US" sz="1400" dirty="0">
-                <a:solidFill>
-                  <a:srgbClr val="000000"/>
-                </a:solidFill>
-                <a:highlight>
-                  <a:srgbClr val="FBFBFB"/>
-                </a:highlight>
-                <a:latin typeface="Helvetica" panose="020B0604020202020204" pitchFamily="34" charset="0"/>
-              </a:rPr>
-              <a:t>ADD: ALU result = rs1+ rs2 ( </a:t>
-            </a:r>
-            <a:r>
-              <a:rPr lang="en-US" sz="1400" dirty="0" err="1">
-                <a:solidFill>
-                  <a:srgbClr val="000000"/>
-                </a:solidFill>
-                <a:highlight>
-                  <a:srgbClr val="FBFBFB"/>
-                </a:highlight>
-                <a:latin typeface="Helvetica" panose="020B0604020202020204" pitchFamily="34" charset="0"/>
-              </a:rPr>
-              <a:t>opA</a:t>
-            </a:r>
-            <a:r>
-              <a:rPr lang="en-US" sz="1400" dirty="0">
-                <a:solidFill>
-                  <a:srgbClr val="000000"/>
-                </a:solidFill>
-                <a:highlight>
-                  <a:srgbClr val="FBFBFB"/>
-                </a:highlight>
-                <a:latin typeface="Helvetica" panose="020B0604020202020204" pitchFamily="34" charset="0"/>
-              </a:rPr>
-              <a:t> + </a:t>
-            </a:r>
-            <a:r>
-              <a:rPr lang="en-US" sz="1400" dirty="0" err="1">
-                <a:solidFill>
-                  <a:srgbClr val="000000"/>
-                </a:solidFill>
-                <a:highlight>
-                  <a:srgbClr val="FBFBFB"/>
-                </a:highlight>
-                <a:latin typeface="Helvetica" panose="020B0604020202020204" pitchFamily="34" charset="0"/>
-              </a:rPr>
-              <a:t>opB</a:t>
-            </a:r>
-            <a:r>
-              <a:rPr lang="en-US" sz="1400" dirty="0">
-                <a:solidFill>
-                  <a:srgbClr val="000000"/>
-                </a:solidFill>
-                <a:highlight>
-                  <a:srgbClr val="FBFBFB"/>
-                </a:highlight>
-                <a:latin typeface="Helvetica" panose="020B0604020202020204" pitchFamily="34" charset="0"/>
-              </a:rPr>
-              <a:t> )</a:t>
-            </a:r>
-          </a:p>
-          <a:p>
-            <a:pPr lvl="1"/>
-            <a:r>
-              <a:rPr lang="en-US" sz="1400" dirty="0">
-                <a:solidFill>
-                  <a:srgbClr val="000000"/>
-                </a:solidFill>
-                <a:highlight>
-                  <a:srgbClr val="FBFBFB"/>
-                </a:highlight>
-                <a:latin typeface="Helvetica" panose="020B0604020202020204" pitchFamily="34" charset="0"/>
-              </a:rPr>
-              <a:t>	flag 0 =0</a:t>
-            </a:r>
-          </a:p>
-          <a:p>
-            <a:pPr lvl="1"/>
-            <a:r>
-              <a:rPr lang="en-US" sz="1400" dirty="0">
-                <a:solidFill>
-                  <a:srgbClr val="000000"/>
-                </a:solidFill>
-                <a:highlight>
-                  <a:srgbClr val="FBFBFB"/>
-                </a:highlight>
-                <a:latin typeface="Helvetica" panose="020B0604020202020204" pitchFamily="34" charset="0"/>
-              </a:rPr>
-              <a:t>	flag less than = 0</a:t>
-            </a:r>
-          </a:p>
-          <a:p>
-            <a:pPr lvl="1"/>
-            <a:r>
-              <a:rPr lang="en-US" sz="1400" dirty="0">
-                <a:solidFill>
-                  <a:srgbClr val="000000"/>
-                </a:solidFill>
-                <a:highlight>
-                  <a:srgbClr val="FBFBFB"/>
-                </a:highlight>
-                <a:latin typeface="Helvetica" panose="020B0604020202020204" pitchFamily="34" charset="0"/>
-              </a:rPr>
-              <a:t>	flag greater than = 0</a:t>
-            </a:r>
-          </a:p>
-          <a:p>
-            <a:pPr lvl="1"/>
-            <a:r>
-              <a:rPr lang="en-US" sz="1400" dirty="0">
-                <a:solidFill>
-                  <a:srgbClr val="000000"/>
-                </a:solidFill>
-                <a:highlight>
-                  <a:srgbClr val="FBFBFB"/>
-                </a:highlight>
-                <a:latin typeface="Helvetica" panose="020B0604020202020204" pitchFamily="34" charset="0"/>
-              </a:rPr>
-              <a:t>	flag don’t care = 0</a:t>
-            </a:r>
-          </a:p>
-          <a:p>
-            <a:pPr lvl="1"/>
-            <a:r>
-              <a:rPr lang="en-US" sz="1400" dirty="0">
-                <a:solidFill>
-                  <a:srgbClr val="000000"/>
-                </a:solidFill>
-                <a:highlight>
-                  <a:srgbClr val="FBFBFB"/>
-                </a:highlight>
-                <a:latin typeface="Helvetica" panose="020B0604020202020204" pitchFamily="34" charset="0"/>
-              </a:rPr>
-              <a:t>	flag equal to /~ not equal to =0</a:t>
-            </a:r>
-          </a:p>
-          <a:p>
-            <a:pPr lvl="1"/>
-            <a:endParaRPr lang="en-US" sz="1400" dirty="0">
-              <a:solidFill>
-                <a:srgbClr val="000000"/>
-              </a:solidFill>
-              <a:highlight>
-                <a:srgbClr val="FBFBFB"/>
-              </a:highlight>
-              <a:latin typeface="Helvetica" panose="020B0604020202020204" pitchFamily="34" charset="0"/>
-            </a:endParaRPr>
-          </a:p>
-          <a:p>
-            <a:pPr lvl="1"/>
-            <a:r>
-              <a:rPr lang="en-US" sz="1400" dirty="0">
-                <a:solidFill>
-                  <a:srgbClr val="000000"/>
-                </a:solidFill>
-                <a:highlight>
-                  <a:srgbClr val="FBFBFB"/>
-                </a:highlight>
-                <a:latin typeface="Helvetica" panose="020B0604020202020204" pitchFamily="34" charset="0"/>
-              </a:rPr>
-              <a:t>ADDI: ALU result =  rs1+imm (</a:t>
-            </a:r>
-            <a:r>
-              <a:rPr lang="en-US" sz="1400" dirty="0" err="1">
-                <a:solidFill>
-                  <a:srgbClr val="000000"/>
-                </a:solidFill>
-                <a:highlight>
-                  <a:srgbClr val="FBFBFB"/>
-                </a:highlight>
-                <a:latin typeface="Helvetica" panose="020B0604020202020204" pitchFamily="34" charset="0"/>
-              </a:rPr>
-              <a:t>opA</a:t>
-            </a:r>
-            <a:r>
-              <a:rPr lang="en-US" sz="1400" dirty="0">
-                <a:solidFill>
-                  <a:srgbClr val="000000"/>
-                </a:solidFill>
-                <a:highlight>
-                  <a:srgbClr val="FBFBFB"/>
-                </a:highlight>
-                <a:latin typeface="Helvetica" panose="020B0604020202020204" pitchFamily="34" charset="0"/>
-              </a:rPr>
-              <a:t> + </a:t>
-            </a:r>
-            <a:r>
-              <a:rPr lang="en-US" sz="1400" dirty="0" err="1">
-                <a:solidFill>
-                  <a:srgbClr val="000000"/>
-                </a:solidFill>
-                <a:highlight>
-                  <a:srgbClr val="FBFBFB"/>
-                </a:highlight>
-                <a:latin typeface="Helvetica" panose="020B0604020202020204" pitchFamily="34" charset="0"/>
-              </a:rPr>
-              <a:t>opB</a:t>
-            </a:r>
-            <a:r>
-              <a:rPr lang="en-US" sz="1400" dirty="0">
-                <a:solidFill>
-                  <a:srgbClr val="000000"/>
-                </a:solidFill>
-                <a:highlight>
-                  <a:srgbClr val="FBFBFB"/>
-                </a:highlight>
-                <a:latin typeface="Helvetica" panose="020B0604020202020204" pitchFamily="34" charset="0"/>
-              </a:rPr>
-              <a:t>)</a:t>
-            </a:r>
-          </a:p>
-          <a:p>
-            <a:pPr lvl="1"/>
-            <a:r>
-              <a:rPr lang="en-US" sz="1400" dirty="0">
-                <a:solidFill>
-                  <a:srgbClr val="000000"/>
-                </a:solidFill>
-                <a:highlight>
-                  <a:srgbClr val="FBFBFB"/>
-                </a:highlight>
-                <a:latin typeface="Helvetica" panose="020B0604020202020204" pitchFamily="34" charset="0"/>
-              </a:rPr>
-              <a:t>	flag 0 =0</a:t>
-            </a:r>
-          </a:p>
-          <a:p>
-            <a:pPr lvl="1"/>
-            <a:r>
-              <a:rPr lang="en-US" sz="1400" dirty="0">
-                <a:solidFill>
-                  <a:srgbClr val="000000"/>
-                </a:solidFill>
-                <a:highlight>
-                  <a:srgbClr val="FBFBFB"/>
-                </a:highlight>
-                <a:latin typeface="Helvetica" panose="020B0604020202020204" pitchFamily="34" charset="0"/>
-              </a:rPr>
-              <a:t>	flag less than = 0</a:t>
-            </a:r>
-          </a:p>
-          <a:p>
-            <a:pPr lvl="1"/>
-            <a:r>
-              <a:rPr lang="en-US" sz="1400" dirty="0">
-                <a:solidFill>
-                  <a:srgbClr val="000000"/>
-                </a:solidFill>
-                <a:highlight>
-                  <a:srgbClr val="FBFBFB"/>
-                </a:highlight>
-                <a:latin typeface="Helvetica" panose="020B0604020202020204" pitchFamily="34" charset="0"/>
-              </a:rPr>
-              <a:t>	flag greater than = 0</a:t>
-            </a:r>
-          </a:p>
-          <a:p>
-            <a:pPr lvl="1"/>
-            <a:r>
-              <a:rPr lang="en-US" sz="1400" dirty="0">
-                <a:solidFill>
-                  <a:srgbClr val="000000"/>
-                </a:solidFill>
-                <a:highlight>
-                  <a:srgbClr val="FBFBFB"/>
-                </a:highlight>
-                <a:latin typeface="Helvetica" panose="020B0604020202020204" pitchFamily="34" charset="0"/>
-              </a:rPr>
-              <a:t>	flag don’t care = 0</a:t>
-            </a:r>
-          </a:p>
-          <a:p>
-            <a:pPr lvl="1"/>
-            <a:r>
-              <a:rPr lang="en-US" sz="1400" dirty="0">
-                <a:solidFill>
-                  <a:srgbClr val="000000"/>
-                </a:solidFill>
-                <a:highlight>
-                  <a:srgbClr val="FBFBFB"/>
-                </a:highlight>
-                <a:latin typeface="Helvetica" panose="020B0604020202020204" pitchFamily="34" charset="0"/>
-              </a:rPr>
-              <a:t>	flag equal to /~ not equal to =0</a:t>
-            </a:r>
-          </a:p>
-          <a:p>
-            <a:pPr lvl="1"/>
-            <a:endParaRPr lang="en-US" sz="1400" dirty="0">
-              <a:solidFill>
-                <a:srgbClr val="000000"/>
-              </a:solidFill>
-              <a:highlight>
-                <a:srgbClr val="FBFBFB"/>
-              </a:highlight>
-              <a:latin typeface="Helvetica" panose="020B0604020202020204" pitchFamily="34" charset="0"/>
-            </a:endParaRPr>
-          </a:p>
-          <a:p>
-            <a:pPr lvl="1"/>
-            <a:r>
-              <a:rPr lang="en-US" sz="1400" dirty="0">
-                <a:solidFill>
-                  <a:srgbClr val="000000"/>
-                </a:solidFill>
-                <a:highlight>
-                  <a:srgbClr val="FBFBFB"/>
-                </a:highlight>
-                <a:latin typeface="Helvetica" panose="020B0604020202020204" pitchFamily="34" charset="0"/>
-              </a:rPr>
-              <a:t>(....all operations are executed </a:t>
-            </a:r>
-          </a:p>
-          <a:p>
-            <a:pPr lvl="1"/>
-            <a:r>
-              <a:rPr lang="en-US" sz="1400" dirty="0">
-                <a:solidFill>
-                  <a:srgbClr val="000000"/>
-                </a:solidFill>
-                <a:highlight>
-                  <a:srgbClr val="FBFBFB"/>
-                </a:highlight>
-                <a:latin typeface="Helvetica" panose="020B0604020202020204" pitchFamily="34" charset="0"/>
-              </a:rPr>
-              <a:t>based on the ALU control input)</a:t>
-            </a:r>
-          </a:p>
-        </p:txBody>
-      </p:sp>
     </p:spTree>
     <p:extLst>
       <p:ext uri="{BB962C8B-B14F-4D97-AF65-F5344CB8AC3E}">
-        <p14:creationId xmlns:p14="http://schemas.microsoft.com/office/powerpoint/2010/main" val="3131946506"/>
+        <p14:creationId xmlns:p14="http://schemas.microsoft.com/office/powerpoint/2010/main" val="2827948853"/>
       </p:ext>
     </p:extLst>
   </p:cSld>
@@ -7279,7 +6263,7 @@
           <p:cNvPr id="2" name="Title 1">
             <a:extLst>
               <a:ext uri="{FF2B5EF4-FFF2-40B4-BE49-F238E27FC236}">
-                <a16:creationId xmlns:a16="http://schemas.microsoft.com/office/drawing/2014/main" id="{5883DE3C-1196-0B74-B80B-7655EC4389F8}"/>
+                <a16:creationId xmlns:a16="http://schemas.microsoft.com/office/drawing/2014/main" id="{94017501-FF69-B9D4-5967-17557E053B3E}"/>
               </a:ext>
             </a:extLst>
           </p:cNvPr>
@@ -7302,35 +6286,7 @@
           <a:p>
             <a:r>
               <a:rPr lang="en-US" dirty="0"/>
-              <a:t>ALU</a:t>
-            </a:r>
-          </a:p>
-        </p:txBody>
-      </p:sp>
-      <p:sp>
-        <p:nvSpPr>
-          <p:cNvPr id="3" name="Subtitle 2">
-            <a:extLst>
-              <a:ext uri="{FF2B5EF4-FFF2-40B4-BE49-F238E27FC236}">
-                <a16:creationId xmlns:a16="http://schemas.microsoft.com/office/drawing/2014/main" id="{AFD970C4-2E00-6482-3FBE-F80C552F6104}"/>
-              </a:ext>
-            </a:extLst>
-          </p:cNvPr>
-          <p:cNvSpPr>
-            <a:spLocks noGrp="1"/>
-          </p:cNvSpPr>
-          <p:nvPr>
-            <p:ph type="subTitle" idx="1"/>
-          </p:nvPr>
-        </p:nvSpPr>
-        <p:spPr/>
-        <p:txBody>
-          <a:bodyPr/>
-          <a:lstStyle/>
-          <a:p>
-            <a:r>
-              <a:rPr lang="en-US" dirty="0"/>
-              <a:t>Test Cases:</a:t>
+              <a:t>Immediate Generator Test Case</a:t>
             </a:r>
           </a:p>
         </p:txBody>
@@ -7340,7 +6296,7 @@
           <p:cNvPr id="4" name="Text Placeholder 3">
             <a:extLst>
               <a:ext uri="{FF2B5EF4-FFF2-40B4-BE49-F238E27FC236}">
-                <a16:creationId xmlns:a16="http://schemas.microsoft.com/office/drawing/2014/main" id="{24AA8047-5A0E-9D04-F039-A9F7BA10358D}"/>
+                <a16:creationId xmlns:a16="http://schemas.microsoft.com/office/drawing/2014/main" id="{95D25B56-65F2-187D-9279-300460481F1F}"/>
               </a:ext>
             </a:extLst>
           </p:cNvPr>
@@ -7354,329 +6310,91 @@
         <p:spPr/>
         <p:txBody>
           <a:bodyPr>
-            <a:normAutofit fontScale="70000" lnSpcReduction="20000"/>
+            <a:normAutofit/>
           </a:bodyPr>
           <a:lstStyle/>
           <a:p>
-            <a:pPr marL="0" indent="0" algn="l">
+            <a:pPr marL="0" marR="0" indent="0">
+              <a:lnSpc>
+                <a:spcPct val="107000"/>
+              </a:lnSpc>
+              <a:spcBef>
+                <a:spcPts val="0"/>
+              </a:spcBef>
+              <a:spcAft>
+                <a:spcPts val="800"/>
+              </a:spcAft>
               <a:buNone/>
             </a:pPr>
             <a:r>
-              <a:rPr lang="en-US" b="0" i="0" dirty="0">
-                <a:solidFill>
-                  <a:srgbClr val="000000"/>
-                </a:solidFill>
+              <a:rPr lang="en-US" sz="2400" kern="100" dirty="0" err="1">
                 <a:effectLst/>
-                <a:highlight>
-                  <a:srgbClr val="FBFBFB"/>
-                </a:highlight>
-                <a:latin typeface="Helvetica" panose="020B0604020202020204" pitchFamily="34" charset="0"/>
-              </a:rPr>
-              <a:t>-all possible combination of opcode, func3 and func7 ( 26 combinations)</a:t>
-            </a:r>
-          </a:p>
-          <a:p>
-            <a:pPr marL="0" indent="0" algn="l">
-              <a:buNone/>
+                <a:latin typeface="Aptos" panose="020B0004020202020204" pitchFamily="34" charset="0"/>
+                <a:ea typeface="Aptos" panose="020B0004020202020204" pitchFamily="34" charset="0"/>
+                <a:cs typeface="Times New Roman" panose="02020603050405020304" pitchFamily="18" charset="0"/>
+              </a:rPr>
+              <a:t>ImmGen</a:t>
+            </a:r>
+            <a:r>
+              <a:rPr lang="en-US" sz="2400" kern="100" dirty="0">
+                <a:effectLst/>
+                <a:latin typeface="Aptos" panose="020B0004020202020204" pitchFamily="34" charset="0"/>
+                <a:ea typeface="Aptos" panose="020B0004020202020204" pitchFamily="34" charset="0"/>
+                <a:cs typeface="Times New Roman" panose="02020603050405020304" pitchFamily="18" charset="0"/>
+              </a:rPr>
+              <a:t> Test Cases</a:t>
+            </a:r>
+          </a:p>
+          <a:p>
+            <a:pPr marL="342900" marR="0" lvl="0" indent="-342900">
+              <a:lnSpc>
+                <a:spcPct val="107000"/>
+              </a:lnSpc>
+              <a:spcBef>
+                <a:spcPts val="0"/>
+              </a:spcBef>
+              <a:spcAft>
+                <a:spcPts val="0"/>
+              </a:spcAft>
+              <a:buFont typeface="Symbol" panose="05050102010706020507" pitchFamily="18" charset="2"/>
+              <a:buChar char=""/>
             </a:pPr>
             <a:r>
-              <a:rPr lang="en-US" b="0" i="0" dirty="0">
-                <a:solidFill>
-                  <a:srgbClr val="000000"/>
-                </a:solidFill>
+              <a:rPr lang="en-US" sz="2400" kern="100" dirty="0">
                 <a:effectLst/>
-                <a:highlight>
-                  <a:srgbClr val="FBFBFB"/>
-                </a:highlight>
-                <a:latin typeface="Helvetica" panose="020B0604020202020204" pitchFamily="34" charset="0"/>
-              </a:rPr>
-              <a:t>(make tasks for the operations)</a:t>
-            </a:r>
-          </a:p>
-          <a:p>
-            <a:pPr marL="0" indent="0" algn="l">
-              <a:buNone/>
+                <a:latin typeface="Aptos" panose="020B0004020202020204" pitchFamily="34" charset="0"/>
+                <a:ea typeface="Aptos" panose="020B0004020202020204" pitchFamily="34" charset="0"/>
+                <a:cs typeface="Times New Roman" panose="02020603050405020304" pitchFamily="18" charset="0"/>
+              </a:rPr>
+              <a:t>Input all instruction types with an immediate value, validate correct immediate</a:t>
+            </a:r>
+          </a:p>
+          <a:p>
+            <a:pPr marL="342900" marR="0" lvl="0" indent="-342900">
+              <a:lnSpc>
+                <a:spcPct val="107000"/>
+              </a:lnSpc>
+              <a:spcBef>
+                <a:spcPts val="0"/>
+              </a:spcBef>
+              <a:spcAft>
+                <a:spcPts val="800"/>
+              </a:spcAft>
+              <a:buFont typeface="Symbol" panose="05050102010706020507" pitchFamily="18" charset="2"/>
+              <a:buChar char=""/>
             </a:pPr>
-            <a:br>
-              <a:rPr lang="en-US" b="0" i="0" dirty="0">
-                <a:solidFill>
-                  <a:srgbClr val="000000"/>
-                </a:solidFill>
+            <a:r>
+              <a:rPr lang="en-US" sz="2400" kern="100" dirty="0">
                 <a:effectLst/>
-                <a:highlight>
-                  <a:srgbClr val="FBFBFB"/>
-                </a:highlight>
-                <a:latin typeface="Helvetica" panose="020B0604020202020204" pitchFamily="34" charset="0"/>
-              </a:rPr>
-            </a:br>
-            <a:endParaRPr lang="en-US" b="0" i="0" dirty="0">
-              <a:solidFill>
-                <a:srgbClr val="000000"/>
-              </a:solidFill>
-              <a:effectLst/>
-              <a:highlight>
-                <a:srgbClr val="FBFBFB"/>
-              </a:highlight>
-              <a:latin typeface="Helvetica" panose="020B0604020202020204" pitchFamily="34" charset="0"/>
-            </a:endParaRPr>
-          </a:p>
-          <a:p>
-            <a:pPr marL="0" indent="0" algn="l">
-              <a:buNone/>
-            </a:pPr>
-            <a:r>
-              <a:rPr lang="en-US" b="0" i="0" dirty="0">
-                <a:solidFill>
-                  <a:srgbClr val="000000"/>
-                </a:solidFill>
-                <a:effectLst/>
-                <a:highlight>
-                  <a:srgbClr val="FBFBFB"/>
-                </a:highlight>
-                <a:latin typeface="Helvetica" panose="020B0604020202020204" pitchFamily="34" charset="0"/>
-              </a:rPr>
-              <a:t>-different corner cases for operands (add, and, xor, etc.)</a:t>
-            </a:r>
-          </a:p>
-          <a:p>
-            <a:pPr marL="0" indent="0" algn="l">
-              <a:buNone/>
-            </a:pPr>
-            <a:endParaRPr lang="en-US" b="0" i="0" dirty="0">
-              <a:solidFill>
-                <a:srgbClr val="000000"/>
-              </a:solidFill>
-              <a:effectLst/>
-              <a:highlight>
-                <a:srgbClr val="FBFBFB"/>
-              </a:highlight>
-              <a:latin typeface="Helvetica" panose="020B0604020202020204" pitchFamily="34" charset="0"/>
-            </a:endParaRPr>
-          </a:p>
-          <a:p>
-            <a:pPr marL="0" indent="0" algn="l">
-              <a:buNone/>
-            </a:pPr>
-            <a:r>
-              <a:rPr lang="en-US" b="0" i="0" dirty="0">
-                <a:solidFill>
-                  <a:srgbClr val="000000"/>
-                </a:solidFill>
-                <a:effectLst/>
-                <a:highlight>
-                  <a:srgbClr val="FBFBFB"/>
-                </a:highlight>
-                <a:latin typeface="Helvetica" panose="020B0604020202020204" pitchFamily="34" charset="0"/>
-              </a:rPr>
-              <a:t>(assign variable value to each operand)</a:t>
-            </a:r>
-          </a:p>
-          <a:p>
-            <a:pPr algn="l"/>
-            <a:r>
-              <a:rPr lang="en-US" b="0" i="0" dirty="0">
-                <a:solidFill>
-                  <a:srgbClr val="000000"/>
-                </a:solidFill>
-                <a:effectLst/>
-                <a:highlight>
-                  <a:srgbClr val="FBFBFB"/>
-                </a:highlight>
-                <a:latin typeface="Helvetica" panose="020B0604020202020204" pitchFamily="34" charset="0"/>
-              </a:rPr>
-              <a:t>   all 0s</a:t>
-            </a:r>
-          </a:p>
-          <a:p>
-            <a:pPr algn="l"/>
-            <a:r>
-              <a:rPr lang="en-US" b="0" i="0" dirty="0">
-                <a:solidFill>
-                  <a:srgbClr val="000000"/>
-                </a:solidFill>
-                <a:effectLst/>
-                <a:highlight>
-                  <a:srgbClr val="FBFBFB"/>
-                </a:highlight>
-                <a:latin typeface="Helvetica" panose="020B0604020202020204" pitchFamily="34" charset="0"/>
-              </a:rPr>
-              <a:t>   all 1s</a:t>
-            </a:r>
-          </a:p>
-          <a:p>
-            <a:pPr algn="l"/>
-            <a:r>
-              <a:rPr lang="en-US" b="0" i="0" dirty="0">
-                <a:solidFill>
-                  <a:srgbClr val="000000"/>
-                </a:solidFill>
-                <a:effectLst/>
-                <a:highlight>
-                  <a:srgbClr val="FBFBFB"/>
-                </a:highlight>
-                <a:latin typeface="Helvetica" panose="020B0604020202020204" pitchFamily="34" charset="0"/>
-              </a:rPr>
-              <a:t>   all 5s</a:t>
-            </a:r>
-          </a:p>
-          <a:p>
-            <a:pPr algn="l"/>
-            <a:r>
-              <a:rPr lang="en-US" b="0" i="0" dirty="0">
-                <a:solidFill>
-                  <a:srgbClr val="000000"/>
-                </a:solidFill>
-                <a:effectLst/>
-                <a:highlight>
-                  <a:srgbClr val="FBFBFB"/>
-                </a:highlight>
-                <a:latin typeface="Helvetica" panose="020B0604020202020204" pitchFamily="34" charset="0"/>
-              </a:rPr>
-              <a:t>   all As</a:t>
-            </a:r>
-          </a:p>
-          <a:p>
-            <a:pPr algn="l"/>
-            <a:r>
-              <a:rPr lang="en-US" b="0" i="0" dirty="0">
-                <a:solidFill>
-                  <a:srgbClr val="000000"/>
-                </a:solidFill>
-                <a:effectLst/>
-                <a:highlight>
-                  <a:srgbClr val="FBFBFB"/>
-                </a:highlight>
-                <a:latin typeface="Helvetica" panose="020B0604020202020204" pitchFamily="34" charset="0"/>
-              </a:rPr>
-              <a:t>   pattern 0000 FFFF</a:t>
-            </a:r>
-          </a:p>
-          <a:p>
-            <a:pPr algn="l"/>
-            <a:r>
-              <a:rPr lang="en-US" b="0" i="0" dirty="0">
-                <a:solidFill>
-                  <a:srgbClr val="000000"/>
-                </a:solidFill>
-                <a:effectLst/>
-                <a:highlight>
-                  <a:srgbClr val="FBFBFB"/>
-                </a:highlight>
-                <a:latin typeface="Helvetica" panose="020B0604020202020204" pitchFamily="34" charset="0"/>
-              </a:rPr>
-              <a:t>   pattern FFFF 0000</a:t>
-            </a:r>
-          </a:p>
-          <a:p>
-            <a:pPr algn="l"/>
-            <a:r>
-              <a:rPr lang="en-US" b="0" i="0" dirty="0">
-                <a:solidFill>
-                  <a:srgbClr val="000000"/>
-                </a:solidFill>
-                <a:effectLst/>
-                <a:highlight>
-                  <a:srgbClr val="FBFBFB"/>
-                </a:highlight>
-                <a:latin typeface="Helvetica" panose="020B0604020202020204" pitchFamily="34" charset="0"/>
-              </a:rPr>
-              <a:t>   pattern AAAA 5555</a:t>
-            </a:r>
-          </a:p>
-          <a:p>
-            <a:pPr algn="l"/>
-            <a:r>
-              <a:rPr lang="en-US" b="0" i="0" dirty="0">
-                <a:solidFill>
-                  <a:srgbClr val="000000"/>
-                </a:solidFill>
-                <a:effectLst/>
-                <a:highlight>
-                  <a:srgbClr val="FBFBFB"/>
-                </a:highlight>
-                <a:latin typeface="Helvetica" panose="020B0604020202020204" pitchFamily="34" charset="0"/>
-              </a:rPr>
-              <a:t>   pattern 5555 AAAA</a:t>
-            </a:r>
-          </a:p>
-          <a:p>
-            <a:pPr marL="0" indent="0" algn="l">
-              <a:buNone/>
-            </a:pPr>
-            <a:br>
-              <a:rPr lang="en-US" b="0" i="0" dirty="0">
-                <a:solidFill>
-                  <a:srgbClr val="000000"/>
-                </a:solidFill>
-                <a:effectLst/>
-                <a:highlight>
-                  <a:srgbClr val="FBFBFB"/>
-                </a:highlight>
-                <a:latin typeface="Helvetica" panose="020B0604020202020204" pitchFamily="34" charset="0"/>
-              </a:rPr>
-            </a:br>
-            <a:endParaRPr lang="en-US" b="0" i="0" dirty="0">
-              <a:solidFill>
-                <a:srgbClr val="000000"/>
-              </a:solidFill>
-              <a:effectLst/>
-              <a:highlight>
-                <a:srgbClr val="FBFBFB"/>
-              </a:highlight>
-              <a:latin typeface="Helvetica" panose="020B0604020202020204" pitchFamily="34" charset="0"/>
-            </a:endParaRPr>
-          </a:p>
-          <a:p>
-            <a:pPr marL="0" indent="0" algn="l">
-              <a:buNone/>
-            </a:pPr>
-            <a:r>
-              <a:rPr lang="en-US" b="0" i="0" dirty="0">
-                <a:solidFill>
-                  <a:srgbClr val="000000"/>
-                </a:solidFill>
-                <a:effectLst/>
-                <a:highlight>
-                  <a:srgbClr val="FBFBFB"/>
-                </a:highlight>
-                <a:latin typeface="Helvetica" panose="020B0604020202020204" pitchFamily="34" charset="0"/>
-              </a:rPr>
-              <a:t>-error checking for undefined combinations of opcode, func3 &amp;func7 -&gt; assign value</a:t>
-            </a:r>
-          </a:p>
-          <a:p>
-            <a:pPr algn="l"/>
-            <a:endParaRPr lang="en-US" b="0" i="0" dirty="0">
-              <a:solidFill>
-                <a:srgbClr val="000000"/>
-              </a:solidFill>
-              <a:effectLst/>
-              <a:highlight>
-                <a:srgbClr val="FBFBFB"/>
-              </a:highlight>
-              <a:latin typeface="Helvetica" panose="020B0604020202020204" pitchFamily="34" charset="0"/>
-            </a:endParaRPr>
-          </a:p>
-          <a:p>
-            <a:pPr marL="0" indent="0" algn="l">
-              <a:buNone/>
-            </a:pPr>
-            <a:r>
-              <a:rPr lang="en-US" b="0" i="0" dirty="0">
-                <a:solidFill>
-                  <a:srgbClr val="000000"/>
-                </a:solidFill>
-                <a:effectLst/>
-                <a:highlight>
-                  <a:srgbClr val="FBFBFB"/>
-                </a:highlight>
-                <a:latin typeface="Helvetica" panose="020B0604020202020204" pitchFamily="34" charset="0"/>
-              </a:rPr>
-              <a:t>-check generation of correct flags</a:t>
-            </a:r>
-          </a:p>
-          <a:p>
-            <a:endParaRPr lang="en-US" dirty="0"/>
+                <a:latin typeface="Aptos" panose="020B0004020202020204" pitchFamily="34" charset="0"/>
+                <a:ea typeface="Aptos" panose="020B0004020202020204" pitchFamily="34" charset="0"/>
+                <a:cs typeface="Times New Roman" panose="02020603050405020304" pitchFamily="18" charset="0"/>
+              </a:rPr>
+              <a:t>Ensure no immediate is generated if instruction doesn’t include an immediate</a:t>
+            </a:r>
+          </a:p>
+          <a:p>
+            <a:endParaRPr lang="en-US" sz="2400" dirty="0"/>
           </a:p>
         </p:txBody>
       </p:sp>
@@ -7685,7 +6403,7 @@
           <p:cNvPr id="5" name="Slide Number Placeholder 4">
             <a:extLst>
               <a:ext uri="{FF2B5EF4-FFF2-40B4-BE49-F238E27FC236}">
-                <a16:creationId xmlns:a16="http://schemas.microsoft.com/office/drawing/2014/main" id="{A82A3532-EC5B-DDEA-11C5-68BABE000A94}"/>
+                <a16:creationId xmlns:a16="http://schemas.microsoft.com/office/drawing/2014/main" id="{12872916-28AA-76C1-E5AB-2D3481E9DDD8}"/>
               </a:ext>
             </a:extLst>
           </p:cNvPr>
@@ -7712,7 +6430,7 @@
     </p:spTree>
     <p:extLst>
       <p:ext uri="{BB962C8B-B14F-4D97-AF65-F5344CB8AC3E}">
-        <p14:creationId xmlns:p14="http://schemas.microsoft.com/office/powerpoint/2010/main" val="4289204043"/>
+        <p14:creationId xmlns:p14="http://schemas.microsoft.com/office/powerpoint/2010/main" val="3565336280"/>
       </p:ext>
     </p:extLst>
   </p:cSld>
@@ -7744,7 +6462,7 @@
           <p:cNvPr id="2" name="Title 1">
             <a:extLst>
               <a:ext uri="{FF2B5EF4-FFF2-40B4-BE49-F238E27FC236}">
-                <a16:creationId xmlns:a16="http://schemas.microsoft.com/office/drawing/2014/main" id="{F15788A1-2A90-075C-0FD5-97BF4276DB6C}"/>
+                <a16:creationId xmlns:a16="http://schemas.microsoft.com/office/drawing/2014/main" id="{183CB501-4FD1-826B-08B4-572407C339B1}"/>
               </a:ext>
             </a:extLst>
           </p:cNvPr>
@@ -7767,17 +6485,17 @@
           <a:p>
             <a:r>
               <a:rPr lang="en-US" dirty="0"/>
-              <a:t>Registers</a:t>
-            </a:r>
-          </a:p>
-        </p:txBody>
-      </p:sp>
-      <p:sp>
-        <p:nvSpPr>
-          <p:cNvPr id="3" name="Subtitle 2">
-            <a:extLst>
-              <a:ext uri="{FF2B5EF4-FFF2-40B4-BE49-F238E27FC236}">
-                <a16:creationId xmlns:a16="http://schemas.microsoft.com/office/drawing/2014/main" id="{13643ECA-8A7C-9241-6882-E71BD1F12C44}"/>
+              <a:t>ALU</a:t>
+            </a:r>
+          </a:p>
+        </p:txBody>
+      </p:sp>
+      <p:sp>
+        <p:nvSpPr>
+          <p:cNvPr id="4" name="Text Placeholder 3">
+            <a:extLst>
+              <a:ext uri="{FF2B5EF4-FFF2-40B4-BE49-F238E27FC236}">
+                <a16:creationId xmlns:a16="http://schemas.microsoft.com/office/drawing/2014/main" id="{49B11A3A-948B-97C7-2C89-64DC025C30AC}"/>
               </a:ext>
             </a:extLst>
           </p:cNvPr>
@@ -7785,23 +6503,482 @@
             <a:spLocks noGrp="1"/>
           </p:cNvSpPr>
           <p:nvPr>
-            <p:ph type="subTitle" idx="1"/>
+            <p:ph type="body" sz="quarter" idx="14"/>
           </p:nvPr>
         </p:nvSpPr>
-        <p:spPr/>
-        <p:txBody>
-          <a:bodyPr/>
+        <p:spPr>
+          <a:xfrm>
+            <a:off x="1636027" y="1525788"/>
+            <a:ext cx="7533373" cy="4349166"/>
+          </a:xfrm>
+        </p:spPr>
+        <p:txBody>
+          <a:bodyPr>
+            <a:normAutofit lnSpcReduction="10000"/>
+          </a:bodyPr>
           <a:lstStyle/>
           <a:p>
-            <a:r>
-              <a:rPr lang="en-US" dirty="0"/>
-              <a:t>Register RTL and </a:t>
-            </a:r>
-            <a:r>
-              <a:rPr lang="en-US" dirty="0" err="1"/>
-              <a:t>Psuedocode</a:t>
-            </a:r>
-            <a:endParaRPr lang="en-US" dirty="0"/>
+            <a:pPr marL="0" indent="0" algn="l">
+              <a:buNone/>
+            </a:pPr>
+            <a:endParaRPr lang="en-US" sz="1400" b="0" i="0" dirty="0">
+              <a:solidFill>
+                <a:srgbClr val="000000"/>
+              </a:solidFill>
+              <a:effectLst/>
+              <a:highlight>
+                <a:srgbClr val="FBFBFB"/>
+              </a:highlight>
+              <a:latin typeface="Helvetica" panose="020B0604020202020204" pitchFamily="34" charset="0"/>
+            </a:endParaRPr>
+          </a:p>
+          <a:p>
+            <a:pPr marL="0" indent="0" algn="l">
+              <a:buNone/>
+            </a:pPr>
+            <a:endParaRPr lang="en-US" sz="1400" b="0" i="0" dirty="0">
+              <a:solidFill>
+                <a:srgbClr val="000000"/>
+              </a:solidFill>
+              <a:effectLst/>
+              <a:highlight>
+                <a:srgbClr val="FBFBFB"/>
+              </a:highlight>
+              <a:latin typeface="Helvetica" panose="020B0604020202020204" pitchFamily="34" charset="0"/>
+            </a:endParaRPr>
+          </a:p>
+          <a:p>
+            <a:pPr marL="0" indent="0" algn="l">
+              <a:buNone/>
+            </a:pPr>
+            <a:r>
+              <a:rPr lang="en-US" sz="1400" b="0" i="0" dirty="0">
+                <a:solidFill>
+                  <a:srgbClr val="000000"/>
+                </a:solidFill>
+                <a:effectLst/>
+                <a:highlight>
+                  <a:srgbClr val="FBFBFB"/>
+                </a:highlight>
+                <a:latin typeface="Helvetica" panose="020B0604020202020204" pitchFamily="34" charset="0"/>
+              </a:rPr>
+              <a:t>Input:</a:t>
+            </a:r>
+          </a:p>
+          <a:p>
+            <a:pPr marL="0" indent="0" algn="l">
+              <a:buNone/>
+            </a:pPr>
+            <a:endParaRPr lang="en-US" sz="1400" b="0" i="0" dirty="0">
+              <a:solidFill>
+                <a:srgbClr val="000000"/>
+              </a:solidFill>
+              <a:effectLst/>
+              <a:highlight>
+                <a:srgbClr val="FBFBFB"/>
+              </a:highlight>
+              <a:latin typeface="Helvetica" panose="020B0604020202020204" pitchFamily="34" charset="0"/>
+            </a:endParaRPr>
+          </a:p>
+          <a:p>
+            <a:pPr marL="0" indent="0" algn="l">
+              <a:buNone/>
+            </a:pPr>
+            <a:r>
+              <a:rPr lang="en-US" sz="1400" dirty="0">
+                <a:solidFill>
+                  <a:srgbClr val="000000"/>
+                </a:solidFill>
+                <a:highlight>
+                  <a:srgbClr val="FBFBFB"/>
+                </a:highlight>
+                <a:latin typeface="Helvetica" panose="020B0604020202020204" pitchFamily="34" charset="0"/>
+              </a:rPr>
+              <a:t>(operands)</a:t>
+            </a:r>
+            <a:endParaRPr lang="en-US" sz="1400" b="0" i="0" dirty="0">
+              <a:solidFill>
+                <a:srgbClr val="000000"/>
+              </a:solidFill>
+              <a:effectLst/>
+              <a:highlight>
+                <a:srgbClr val="FBFBFB"/>
+              </a:highlight>
+              <a:latin typeface="Helvetica" panose="020B0604020202020204" pitchFamily="34" charset="0"/>
+            </a:endParaRPr>
+          </a:p>
+          <a:p>
+            <a:pPr marL="0" indent="0" algn="l">
+              <a:buNone/>
+            </a:pPr>
+            <a:r>
+              <a:rPr lang="en-US" sz="1400" b="0" i="0" dirty="0">
+                <a:solidFill>
+                  <a:srgbClr val="000000"/>
+                </a:solidFill>
+                <a:effectLst/>
+                <a:highlight>
+                  <a:srgbClr val="FBFBFB"/>
+                </a:highlight>
+                <a:latin typeface="Helvetica" panose="020B0604020202020204" pitchFamily="34" charset="0"/>
+              </a:rPr>
+              <a:t>-</a:t>
+            </a:r>
+            <a:r>
+              <a:rPr lang="en-US" sz="1400" dirty="0" err="1">
+                <a:solidFill>
+                  <a:srgbClr val="000000"/>
+                </a:solidFill>
+                <a:highlight>
+                  <a:srgbClr val="FBFBFB"/>
+                </a:highlight>
+                <a:latin typeface="Helvetica" panose="020B0604020202020204" pitchFamily="34" charset="0"/>
+              </a:rPr>
+              <a:t>op</a:t>
+            </a:r>
+            <a:r>
+              <a:rPr lang="en-US" sz="1400" b="0" i="0" dirty="0" err="1">
+                <a:solidFill>
+                  <a:srgbClr val="000000"/>
+                </a:solidFill>
+                <a:effectLst/>
+                <a:highlight>
+                  <a:srgbClr val="FBFBFB"/>
+                </a:highlight>
+                <a:latin typeface="Helvetica" panose="020B0604020202020204" pitchFamily="34" charset="0"/>
+              </a:rPr>
+              <a:t>A</a:t>
+            </a:r>
+            <a:r>
+              <a:rPr lang="en-US" sz="1400" b="0" i="0" dirty="0">
+                <a:solidFill>
+                  <a:srgbClr val="000000"/>
+                </a:solidFill>
+                <a:effectLst/>
+                <a:highlight>
+                  <a:srgbClr val="FBFBFB"/>
+                </a:highlight>
+                <a:latin typeface="Helvetica" panose="020B0604020202020204" pitchFamily="34" charset="0"/>
+              </a:rPr>
+              <a:t> [31:0]</a:t>
+            </a:r>
+          </a:p>
+          <a:p>
+            <a:pPr marL="0" indent="0" algn="l">
+              <a:buNone/>
+            </a:pPr>
+            <a:r>
+              <a:rPr lang="en-US" sz="1400" b="0" i="0" dirty="0">
+                <a:solidFill>
+                  <a:srgbClr val="000000"/>
+                </a:solidFill>
+                <a:effectLst/>
+                <a:highlight>
+                  <a:srgbClr val="FBFBFB"/>
+                </a:highlight>
+                <a:latin typeface="Helvetica" panose="020B0604020202020204" pitchFamily="34" charset="0"/>
+              </a:rPr>
+              <a:t>-</a:t>
+            </a:r>
+            <a:r>
+              <a:rPr lang="en-US" sz="1400" dirty="0" err="1">
+                <a:solidFill>
+                  <a:srgbClr val="000000"/>
+                </a:solidFill>
+                <a:highlight>
+                  <a:srgbClr val="FBFBFB"/>
+                </a:highlight>
+                <a:latin typeface="Helvetica" panose="020B0604020202020204" pitchFamily="34" charset="0"/>
+              </a:rPr>
+              <a:t>op</a:t>
+            </a:r>
+            <a:r>
+              <a:rPr lang="en-US" sz="1400" b="0" i="0" dirty="0" err="1">
+                <a:solidFill>
+                  <a:srgbClr val="000000"/>
+                </a:solidFill>
+                <a:effectLst/>
+                <a:highlight>
+                  <a:srgbClr val="FBFBFB"/>
+                </a:highlight>
+                <a:latin typeface="Helvetica" panose="020B0604020202020204" pitchFamily="34" charset="0"/>
+              </a:rPr>
+              <a:t>B</a:t>
+            </a:r>
+            <a:r>
+              <a:rPr lang="en-US" sz="1400" b="0" i="0" dirty="0">
+                <a:solidFill>
+                  <a:srgbClr val="000000"/>
+                </a:solidFill>
+                <a:effectLst/>
+                <a:highlight>
+                  <a:srgbClr val="FBFBFB"/>
+                </a:highlight>
+                <a:latin typeface="Helvetica" panose="020B0604020202020204" pitchFamily="34" charset="0"/>
+              </a:rPr>
+              <a:t> [31:0]</a:t>
+            </a:r>
+          </a:p>
+          <a:p>
+            <a:pPr marL="0" indent="0" algn="l">
+              <a:buNone/>
+            </a:pPr>
+            <a:endParaRPr lang="en-US" sz="1400" b="0" i="0" dirty="0">
+              <a:solidFill>
+                <a:srgbClr val="000000"/>
+              </a:solidFill>
+              <a:effectLst/>
+              <a:highlight>
+                <a:srgbClr val="FBFBFB"/>
+              </a:highlight>
+              <a:latin typeface="Helvetica" panose="020B0604020202020204" pitchFamily="34" charset="0"/>
+            </a:endParaRPr>
+          </a:p>
+          <a:p>
+            <a:pPr marL="0" indent="0" algn="l">
+              <a:buNone/>
+            </a:pPr>
+            <a:r>
+              <a:rPr lang="en-US" sz="1400" b="0" i="0" dirty="0">
+                <a:solidFill>
+                  <a:srgbClr val="000000"/>
+                </a:solidFill>
+                <a:effectLst/>
+                <a:highlight>
+                  <a:srgbClr val="FBFBFB"/>
+                </a:highlight>
+                <a:latin typeface="Helvetica" panose="020B0604020202020204" pitchFamily="34" charset="0"/>
+              </a:rPr>
+              <a:t>(select signals)</a:t>
+            </a:r>
+          </a:p>
+          <a:p>
+            <a:pPr marL="0" indent="0" algn="l">
+              <a:buNone/>
+            </a:pPr>
+            <a:r>
+              <a:rPr lang="en-US" sz="1400" b="0" i="0" dirty="0">
+                <a:solidFill>
+                  <a:srgbClr val="000000"/>
+                </a:solidFill>
+                <a:effectLst/>
+                <a:highlight>
+                  <a:srgbClr val="FBFBFB"/>
+                </a:highlight>
+                <a:latin typeface="Helvetica" panose="020B0604020202020204" pitchFamily="34" charset="0"/>
+              </a:rPr>
+              <a:t>-opcode[6:0]</a:t>
+            </a:r>
+          </a:p>
+          <a:p>
+            <a:pPr marL="0" indent="0" algn="l">
+              <a:buNone/>
+            </a:pPr>
+            <a:r>
+              <a:rPr lang="en-US" sz="1400" b="0" i="0" dirty="0">
+                <a:solidFill>
+                  <a:srgbClr val="000000"/>
+                </a:solidFill>
+                <a:effectLst/>
+                <a:highlight>
+                  <a:srgbClr val="FBFBFB"/>
+                </a:highlight>
+                <a:latin typeface="Helvetica" panose="020B0604020202020204" pitchFamily="34" charset="0"/>
+              </a:rPr>
+              <a:t>-func3[2:0]</a:t>
+            </a:r>
+          </a:p>
+          <a:p>
+            <a:pPr marL="0" indent="0" algn="l">
+              <a:buNone/>
+            </a:pPr>
+            <a:r>
+              <a:rPr lang="en-US" sz="1400" b="0" i="0" dirty="0">
+                <a:solidFill>
+                  <a:srgbClr val="000000"/>
+                </a:solidFill>
+                <a:effectLst/>
+                <a:highlight>
+                  <a:srgbClr val="FBFBFB"/>
+                </a:highlight>
+                <a:latin typeface="Helvetica" panose="020B0604020202020204" pitchFamily="34" charset="0"/>
+              </a:rPr>
+              <a:t>-func7[6:0]</a:t>
+            </a:r>
+          </a:p>
+          <a:p>
+            <a:pPr marL="0" indent="0" algn="l">
+              <a:buNone/>
+            </a:pPr>
+            <a:br>
+              <a:rPr lang="en-US" sz="1400" b="0" i="0" dirty="0">
+                <a:solidFill>
+                  <a:srgbClr val="000000"/>
+                </a:solidFill>
+                <a:effectLst/>
+                <a:highlight>
+                  <a:srgbClr val="FBFBFB"/>
+                </a:highlight>
+                <a:latin typeface="Helvetica" panose="020B0604020202020204" pitchFamily="34" charset="0"/>
+              </a:rPr>
+            </a:br>
+            <a:endParaRPr lang="en-US" sz="1400" b="0" i="0" dirty="0">
+              <a:solidFill>
+                <a:srgbClr val="000000"/>
+              </a:solidFill>
+              <a:effectLst/>
+              <a:highlight>
+                <a:srgbClr val="FBFBFB"/>
+              </a:highlight>
+              <a:latin typeface="Helvetica" panose="020B0604020202020204" pitchFamily="34" charset="0"/>
+            </a:endParaRPr>
+          </a:p>
+          <a:p>
+            <a:pPr marL="0" indent="0" algn="l">
+              <a:buNone/>
+            </a:pPr>
+            <a:r>
+              <a:rPr lang="en-US" sz="1400" b="0" i="0" dirty="0">
+                <a:solidFill>
+                  <a:srgbClr val="000000"/>
+                </a:solidFill>
+                <a:effectLst/>
+                <a:highlight>
+                  <a:srgbClr val="FBFBFB"/>
+                </a:highlight>
+                <a:latin typeface="Helvetica" panose="020B0604020202020204" pitchFamily="34" charset="0"/>
+              </a:rPr>
+              <a:t>Output:</a:t>
+            </a:r>
+          </a:p>
+          <a:p>
+            <a:pPr marL="0" indent="0" algn="l">
+              <a:buNone/>
+            </a:pPr>
+            <a:endParaRPr lang="en-US" sz="1400" b="0" i="0" dirty="0">
+              <a:solidFill>
+                <a:srgbClr val="000000"/>
+              </a:solidFill>
+              <a:effectLst/>
+              <a:highlight>
+                <a:srgbClr val="FBFBFB"/>
+              </a:highlight>
+              <a:latin typeface="Helvetica" panose="020B0604020202020204" pitchFamily="34" charset="0"/>
+            </a:endParaRPr>
+          </a:p>
+          <a:p>
+            <a:pPr marL="0" indent="0" algn="l">
+              <a:buNone/>
+            </a:pPr>
+            <a:r>
+              <a:rPr lang="en-US" sz="1400" b="0" i="0" dirty="0">
+                <a:solidFill>
+                  <a:srgbClr val="000000"/>
+                </a:solidFill>
+                <a:effectLst/>
+                <a:highlight>
+                  <a:srgbClr val="FBFBFB"/>
+                </a:highlight>
+                <a:latin typeface="Helvetica" panose="020B0604020202020204" pitchFamily="34" charset="0"/>
+              </a:rPr>
+              <a:t>-ALU result [31:0]</a:t>
+            </a:r>
+          </a:p>
+          <a:p>
+            <a:pPr marL="0" indent="0" algn="l">
+              <a:buNone/>
+            </a:pPr>
+            <a:r>
+              <a:rPr lang="en-US" sz="1400" b="0" i="0" dirty="0">
+                <a:solidFill>
+                  <a:srgbClr val="000000"/>
+                </a:solidFill>
+                <a:effectLst/>
+                <a:highlight>
+                  <a:srgbClr val="FBFBFB"/>
+                </a:highlight>
+                <a:latin typeface="Helvetica" panose="020B0604020202020204" pitchFamily="34" charset="0"/>
+              </a:rPr>
+              <a:t>-0 flag</a:t>
+            </a:r>
+          </a:p>
+          <a:p>
+            <a:pPr marL="0" indent="0" algn="l">
+              <a:buNone/>
+            </a:pPr>
+            <a:r>
+              <a:rPr lang="en-US" sz="1400" b="0" i="0" dirty="0">
+                <a:solidFill>
+                  <a:srgbClr val="000000"/>
+                </a:solidFill>
+                <a:effectLst/>
+                <a:highlight>
+                  <a:srgbClr val="FBFBFB"/>
+                </a:highlight>
+                <a:latin typeface="Helvetica" panose="020B0604020202020204" pitchFamily="34" charset="0"/>
+              </a:rPr>
+              <a:t>-don't care flags</a:t>
+            </a:r>
+          </a:p>
+          <a:p>
+            <a:pPr marL="0" indent="0" algn="l">
+              <a:buNone/>
+            </a:pPr>
+            <a:r>
+              <a:rPr lang="en-US" sz="1400" b="0" i="0" dirty="0">
+                <a:solidFill>
+                  <a:srgbClr val="000000"/>
+                </a:solidFill>
+                <a:effectLst/>
+                <a:highlight>
+                  <a:srgbClr val="FBFBFB"/>
+                </a:highlight>
+                <a:latin typeface="Helvetica" panose="020B0604020202020204" pitchFamily="34" charset="0"/>
+              </a:rPr>
+              <a:t>-less than flags</a:t>
+            </a:r>
+          </a:p>
+          <a:p>
+            <a:pPr marL="0" indent="0" algn="l">
+              <a:buNone/>
+            </a:pPr>
+            <a:r>
+              <a:rPr lang="en-US" sz="1400" b="0" i="0" dirty="0">
+                <a:solidFill>
+                  <a:srgbClr val="000000"/>
+                </a:solidFill>
+                <a:effectLst/>
+                <a:highlight>
+                  <a:srgbClr val="FBFBFB"/>
+                </a:highlight>
+                <a:latin typeface="Helvetica" panose="020B0604020202020204" pitchFamily="34" charset="0"/>
+              </a:rPr>
+              <a:t>-greater than flags</a:t>
+            </a:r>
+          </a:p>
+          <a:p>
+            <a:pPr marL="0" indent="0" algn="l">
+              <a:buNone/>
+            </a:pPr>
+            <a:r>
+              <a:rPr lang="en-US" sz="1400" b="0" i="0" dirty="0">
+                <a:solidFill>
+                  <a:srgbClr val="000000"/>
+                </a:solidFill>
+                <a:effectLst/>
+                <a:highlight>
+                  <a:srgbClr val="FBFBFB"/>
+                </a:highlight>
+                <a:latin typeface="Helvetica" panose="020B0604020202020204" pitchFamily="34" charset="0"/>
+              </a:rPr>
+              <a:t>-equal/not equal flags</a:t>
+            </a:r>
+          </a:p>
+          <a:p>
+            <a:pPr marL="0" indent="0">
+              <a:buNone/>
+            </a:pPr>
+            <a:endParaRPr lang="en-US" sz="1400" dirty="0"/>
           </a:p>
         </p:txBody>
       </p:sp>
@@ -7810,7 +6987,7 @@
           <p:cNvPr id="5" name="Slide Number Placeholder 4">
             <a:extLst>
               <a:ext uri="{FF2B5EF4-FFF2-40B4-BE49-F238E27FC236}">
-                <a16:creationId xmlns:a16="http://schemas.microsoft.com/office/drawing/2014/main" id="{BD9C6C1B-2485-DA5C-E77A-5AE0B15EA8EE}"/>
+                <a16:creationId xmlns:a16="http://schemas.microsoft.com/office/drawing/2014/main" id="{1DAD21A4-66E1-B41E-AAF4-8DD89DD84A1B}"/>
               </a:ext>
             </a:extLst>
           </p:cNvPr>
@@ -7836,10 +7013,10 @@
       </p:sp>
       <p:pic>
         <p:nvPicPr>
-          <p:cNvPr id="7" name="Picture 6" descr="A screenshot of a computer program&#10;&#10;Description automatically generated">
-            <a:extLst>
-              <a:ext uri="{FF2B5EF4-FFF2-40B4-BE49-F238E27FC236}">
-                <a16:creationId xmlns:a16="http://schemas.microsoft.com/office/drawing/2014/main" id="{2F5C064D-A672-B3A3-274F-918C230D777A}"/>
+          <p:cNvPr id="9" name="Picture 8">
+            <a:extLst>
+              <a:ext uri="{FF2B5EF4-FFF2-40B4-BE49-F238E27FC236}">
+                <a16:creationId xmlns:a16="http://schemas.microsoft.com/office/drawing/2014/main" id="{3E7B8AE2-8B46-87D6-403C-552B0A9A63EF}"/>
               </a:ext>
             </a:extLst>
           </p:cNvPr>
@@ -7849,31 +7026,65 @@
           <p:nvPr/>
         </p:nvPicPr>
         <p:blipFill>
-          <a:blip r:embed="rId2">
-            <a:extLst>
-              <a:ext uri="{28A0092B-C50C-407E-A947-70E740481C1C}">
-                <a14:useLocalDpi xmlns:a14="http://schemas.microsoft.com/office/drawing/2010/main" val="0"/>
-              </a:ext>
-            </a:extLst>
-          </a:blip>
+          <a:blip r:embed="rId2"/>
           <a:stretch>
             <a:fillRect/>
           </a:stretch>
         </p:blipFill>
         <p:spPr>
           <a:xfrm>
-            <a:off x="3173573" y="2096305"/>
-            <a:ext cx="5229031" cy="3982419"/>
+            <a:off x="3496733" y="1082326"/>
+            <a:ext cx="6450636" cy="5023561"/>
           </a:xfrm>
           <a:prstGeom prst="rect">
             <a:avLst/>
           </a:prstGeom>
         </p:spPr>
       </p:pic>
+      <p:sp>
+        <p:nvSpPr>
+          <p:cNvPr id="13" name="TextBox 12">
+            <a:extLst>
+              <a:ext uri="{FF2B5EF4-FFF2-40B4-BE49-F238E27FC236}">
+                <a16:creationId xmlns:a16="http://schemas.microsoft.com/office/drawing/2014/main" id="{C7A25066-8FC8-C06D-E583-BD3787678791}"/>
+              </a:ext>
+            </a:extLst>
+          </p:cNvPr>
+          <p:cNvSpPr txBox="1"/>
+          <p:nvPr/>
+        </p:nvSpPr>
+        <p:spPr>
+          <a:xfrm>
+            <a:off x="1185333" y="1063985"/>
+            <a:ext cx="6096000" cy="430887"/>
+          </a:xfrm>
+          <a:prstGeom prst="rect">
+            <a:avLst/>
+          </a:prstGeom>
+          <a:noFill/>
+        </p:spPr>
+        <p:txBody>
+          <a:bodyPr wrap="square">
+            <a:spAutoFit/>
+          </a:bodyPr>
+          <a:lstStyle/>
+          <a:p>
+            <a:r>
+              <a:rPr lang="en-US" sz="2200" b="1" dirty="0">
+                <a:solidFill>
+                  <a:schemeClr val="accent2"/>
+                </a:solidFill>
+                <a:latin typeface="Acumin Pro SemiCondensed" panose="020B0506020202020204" pitchFamily="34" charset="77"/>
+              </a:rPr>
+              <a:t>RTL:</a:t>
+            </a:r>
+          </a:p>
+        </p:txBody>
+      </p:sp>
     </p:spTree>
     <p:extLst>
       <p:ext uri="{BB962C8B-B14F-4D97-AF65-F5344CB8AC3E}">
-        <p14:creationId xmlns:p14="http://schemas.microsoft.com/office/powerpoint/2010/main" val="962049510"/>
+        <p14:creationId xmlns:p14="http://schemas.microsoft.com/office/powerpoint/2010/main" val="3658048987"/>
       </p:ext>
     </p:extLst>
   </p:cSld>
@@ -7905,7 +7116,7 @@
           <p:cNvPr id="2" name="Title 1">
             <a:extLst>
               <a:ext uri="{FF2B5EF4-FFF2-40B4-BE49-F238E27FC236}">
-                <a16:creationId xmlns:a16="http://schemas.microsoft.com/office/drawing/2014/main" id="{F15788A1-2A90-075C-0FD5-97BF4276DB6C}"/>
+                <a16:creationId xmlns:a16="http://schemas.microsoft.com/office/drawing/2014/main" id="{63DB6604-717F-80D6-8A98-330BC761485E}"/>
               </a:ext>
             </a:extLst>
           </p:cNvPr>
@@ -7928,7 +7139,7 @@
           <a:p>
             <a:r>
               <a:rPr lang="en-US" dirty="0"/>
-              <a:t>Registers</a:t>
+              <a:t>ALU</a:t>
             </a:r>
           </a:p>
         </p:txBody>
@@ -7938,7 +7149,7 @@
           <p:cNvPr id="3" name="Subtitle 2">
             <a:extLst>
               <a:ext uri="{FF2B5EF4-FFF2-40B4-BE49-F238E27FC236}">
-                <a16:creationId xmlns:a16="http://schemas.microsoft.com/office/drawing/2014/main" id="{13643ECA-8A7C-9241-6882-E71BD1F12C44}"/>
+                <a16:creationId xmlns:a16="http://schemas.microsoft.com/office/drawing/2014/main" id="{86A20125-5905-6103-914B-760A20C5941E}"/>
               </a:ext>
             </a:extLst>
           </p:cNvPr>
@@ -7956,90 +7167,7 @@
           <a:p>
             <a:r>
               <a:rPr lang="en-US" dirty="0"/>
-              <a:t>Test Cases</a:t>
-            </a:r>
-          </a:p>
-        </p:txBody>
-      </p:sp>
-      <p:sp>
-        <p:nvSpPr>
-          <p:cNvPr id="4" name="Text Placeholder 3">
-            <a:extLst>
-              <a:ext uri="{FF2B5EF4-FFF2-40B4-BE49-F238E27FC236}">
-                <a16:creationId xmlns:a16="http://schemas.microsoft.com/office/drawing/2014/main" id="{44C21242-B2E4-CDBB-3C48-4C8E293DC8C1}"/>
-              </a:ext>
-            </a:extLst>
-          </p:cNvPr>
-          <p:cNvSpPr>
-            <a:spLocks noGrp="1"/>
-          </p:cNvSpPr>
-          <p:nvPr>
-            <p:ph type="body" sz="quarter" idx="14"/>
-          </p:nvPr>
-        </p:nvSpPr>
-        <p:spPr/>
-        <p:txBody>
-          <a:bodyPr/>
-          <a:lstStyle/>
-          <a:p>
-            <a:r>
-              <a:rPr lang="en-US" dirty="0"/>
-              <a:t>Reset: check all registers are set to 0</a:t>
-            </a:r>
-          </a:p>
-          <a:p>
-            <a:r>
-              <a:rPr lang="en-US" dirty="0"/>
-              <a:t>With </a:t>
-            </a:r>
-            <a:r>
-              <a:rPr lang="en-US" dirty="0" err="1"/>
-              <a:t>write_enable</a:t>
-            </a:r>
-            <a:r>
-              <a:rPr lang="en-US" dirty="0"/>
-              <a:t> off, try writing  register: should be no change</a:t>
-            </a:r>
-          </a:p>
-          <a:p>
-            <a:r>
-              <a:rPr lang="en-US" dirty="0"/>
-              <a:t>With </a:t>
-            </a:r>
-            <a:r>
-              <a:rPr lang="en-US" dirty="0" err="1"/>
-              <a:t>write_enable</a:t>
-            </a:r>
-            <a:r>
-              <a:rPr lang="en-US" dirty="0"/>
-              <a:t> on, try writing to a register: check for correct value</a:t>
-            </a:r>
-          </a:p>
-          <a:p>
-            <a:r>
-              <a:rPr lang="en-US" dirty="0"/>
-              <a:t>Write random values to all registers, try reading all registers: check </a:t>
-            </a:r>
-            <a:r>
-              <a:rPr lang="en-US" dirty="0" err="1"/>
-              <a:t>data_read</a:t>
-            </a:r>
-            <a:r>
-              <a:rPr lang="en-US" dirty="0"/>
-              <a:t> is correct</a:t>
-            </a:r>
-          </a:p>
-          <a:p>
-            <a:pPr lvl="1"/>
-            <a:r>
-              <a:rPr lang="en-US" dirty="0"/>
-              <a:t>Do twice</a:t>
-            </a:r>
-          </a:p>
-          <a:p>
-            <a:r>
-              <a:rPr lang="en-US" dirty="0"/>
-              <a:t>Reset check again</a:t>
+              <a:t>Pseudo Code:</a:t>
             </a:r>
           </a:p>
         </p:txBody>
@@ -8049,7 +7177,7 @@
           <p:cNvPr id="5" name="Slide Number Placeholder 4">
             <a:extLst>
               <a:ext uri="{FF2B5EF4-FFF2-40B4-BE49-F238E27FC236}">
-                <a16:creationId xmlns:a16="http://schemas.microsoft.com/office/drawing/2014/main" id="{BD9C6C1B-2485-DA5C-E77A-5AE0B15EA8EE}"/>
+                <a16:creationId xmlns:a16="http://schemas.microsoft.com/office/drawing/2014/main" id="{16DF6B77-D173-A4F5-86FB-EC5B60557845}"/>
               </a:ext>
             </a:extLst>
           </p:cNvPr>
@@ -8073,46 +7201,688 @@
           </a:p>
         </p:txBody>
       </p:sp>
-      <p:pic>
-        <p:nvPicPr>
-          <p:cNvPr id="6" name="Picture 5" descr="A screenshot of a computer program&#10;&#10;Description automatically generated">
-            <a:extLst>
-              <a:ext uri="{FF2B5EF4-FFF2-40B4-BE49-F238E27FC236}">
-                <a16:creationId xmlns:a16="http://schemas.microsoft.com/office/drawing/2014/main" id="{3FE90927-5BAB-2661-0012-59DAD3BC8173}"/>
-              </a:ext>
-            </a:extLst>
-          </p:cNvPr>
-          <p:cNvPicPr>
-            <a:picLocks noChangeAspect="1"/>
-          </p:cNvPicPr>
+      <p:sp>
+        <p:nvSpPr>
+          <p:cNvPr id="7" name="TextBox 6">
+            <a:extLst>
+              <a:ext uri="{FF2B5EF4-FFF2-40B4-BE49-F238E27FC236}">
+                <a16:creationId xmlns:a16="http://schemas.microsoft.com/office/drawing/2014/main" id="{0A3E23E1-0D6C-3CC6-E871-A76DFDEDB1FE}"/>
+              </a:ext>
+            </a:extLst>
+          </p:cNvPr>
+          <p:cNvSpPr txBox="1"/>
           <p:nvPr/>
-        </p:nvPicPr>
-        <p:blipFill>
-          <a:blip r:embed="rId2">
-            <a:extLst>
-              <a:ext uri="{28A0092B-C50C-407E-A947-70E740481C1C}">
-                <a14:useLocalDpi xmlns:a14="http://schemas.microsoft.com/office/drawing/2010/main" val="0"/>
-              </a:ext>
-            </a:extLst>
-          </a:blip>
-          <a:stretch>
-            <a:fillRect/>
-          </a:stretch>
-        </p:blipFill>
+        </p:nvSpPr>
         <p:spPr>
           <a:xfrm>
-            <a:off x="8218857" y="3889244"/>
-            <a:ext cx="3780686" cy="2879363"/>
+            <a:off x="7301092" y="1736653"/>
+            <a:ext cx="3397129" cy="3877985"/>
           </a:xfrm>
           <a:prstGeom prst="rect">
             <a:avLst/>
           </a:prstGeom>
-        </p:spPr>
-      </p:pic>
+          <a:noFill/>
+        </p:spPr>
+        <p:txBody>
+          <a:bodyPr wrap="square">
+            <a:spAutoFit/>
+          </a:bodyPr>
+          <a:lstStyle/>
+          <a:p>
+            <a:endParaRPr lang="en-US" dirty="0">
+              <a:effectLst/>
+            </a:endParaRPr>
+          </a:p>
+          <a:p>
+            <a:r>
+              <a:rPr lang="en-US" dirty="0"/>
+              <a:t>ALU Control Unit:</a:t>
+            </a:r>
+          </a:p>
+          <a:p>
+            <a:br>
+              <a:rPr lang="en-US" sz="1400" dirty="0">
+                <a:effectLst/>
+              </a:rPr>
+            </a:br>
+            <a:r>
+              <a:rPr lang="en-US" sz="1400" dirty="0">
+                <a:solidFill>
+                  <a:srgbClr val="000000"/>
+                </a:solidFill>
+                <a:highlight>
+                  <a:srgbClr val="FBFBFB"/>
+                </a:highlight>
+                <a:latin typeface="Helvetica" panose="020B0604020202020204" pitchFamily="34" charset="0"/>
+              </a:rPr>
+              <a:t>if</a:t>
+            </a:r>
+            <a:r>
+              <a:rPr lang="en-US" sz="1400" dirty="0">
+                <a:effectLst/>
+              </a:rPr>
+              <a:t>(</a:t>
+            </a:r>
+            <a:r>
+              <a:rPr lang="en-US" sz="1400" dirty="0">
+                <a:solidFill>
+                  <a:srgbClr val="000000"/>
+                </a:solidFill>
+                <a:highlight>
+                  <a:srgbClr val="FBFBFB"/>
+                </a:highlight>
+                <a:latin typeface="Helvetica" panose="020B0604020202020204" pitchFamily="34" charset="0"/>
+              </a:rPr>
+              <a:t>opcode=1100011)</a:t>
+            </a:r>
+          </a:p>
+          <a:p>
+            <a:r>
+              <a:rPr lang="en-US" sz="1400" dirty="0">
+                <a:solidFill>
+                  <a:srgbClr val="000000"/>
+                </a:solidFill>
+                <a:highlight>
+                  <a:srgbClr val="FBFBFB"/>
+                </a:highlight>
+                <a:latin typeface="Helvetica" panose="020B0604020202020204" pitchFamily="34" charset="0"/>
+              </a:rPr>
+              <a:t>	if(func3=000)</a:t>
+            </a:r>
+          </a:p>
+          <a:p>
+            <a:r>
+              <a:rPr lang="en-US" sz="1400" dirty="0">
+                <a:solidFill>
+                  <a:srgbClr val="000000"/>
+                </a:solidFill>
+                <a:highlight>
+                  <a:srgbClr val="FBFBFB"/>
+                </a:highlight>
+                <a:latin typeface="Helvetica" panose="020B0604020202020204" pitchFamily="34" charset="0"/>
+              </a:rPr>
+              <a:t>		ALU control input = BEQ</a:t>
+            </a:r>
+          </a:p>
+          <a:p>
+            <a:r>
+              <a:rPr lang="en-US" sz="1400" dirty="0">
+                <a:solidFill>
+                  <a:srgbClr val="000000"/>
+                </a:solidFill>
+                <a:highlight>
+                  <a:srgbClr val="FBFBFB"/>
+                </a:highlight>
+                <a:latin typeface="Helvetica" panose="020B0604020202020204" pitchFamily="34" charset="0"/>
+              </a:rPr>
+              <a:t>	if(func3=001)</a:t>
+            </a:r>
+          </a:p>
+          <a:p>
+            <a:r>
+              <a:rPr lang="en-US" sz="1400" dirty="0">
+                <a:solidFill>
+                  <a:srgbClr val="000000"/>
+                </a:solidFill>
+                <a:highlight>
+                  <a:srgbClr val="FBFBFB"/>
+                </a:highlight>
+                <a:latin typeface="Helvetica" panose="020B0604020202020204" pitchFamily="34" charset="0"/>
+              </a:rPr>
+              <a:t>		ALU control input=BNE</a:t>
+            </a:r>
+            <a:br>
+              <a:rPr lang="en-US" sz="1400" dirty="0">
+                <a:solidFill>
+                  <a:srgbClr val="000000"/>
+                </a:solidFill>
+                <a:highlight>
+                  <a:srgbClr val="FBFBFB"/>
+                </a:highlight>
+                <a:latin typeface="Helvetica" panose="020B0604020202020204" pitchFamily="34" charset="0"/>
+              </a:rPr>
+            </a:br>
+            <a:endParaRPr lang="en-US" sz="1400" dirty="0">
+              <a:solidFill>
+                <a:srgbClr val="000000"/>
+              </a:solidFill>
+              <a:highlight>
+                <a:srgbClr val="FBFBFB"/>
+              </a:highlight>
+              <a:latin typeface="Helvetica" panose="020B0604020202020204" pitchFamily="34" charset="0"/>
+            </a:endParaRPr>
+          </a:p>
+          <a:p>
+            <a:r>
+              <a:rPr lang="en-US" sz="1400" dirty="0">
+                <a:solidFill>
+                  <a:srgbClr val="000000"/>
+                </a:solidFill>
+                <a:highlight>
+                  <a:srgbClr val="FBFBFB"/>
+                </a:highlight>
+                <a:latin typeface="Helvetica" panose="020B0604020202020204" pitchFamily="34" charset="0"/>
+              </a:rPr>
+              <a:t>if(opcode=0110011)</a:t>
+            </a:r>
+          </a:p>
+          <a:p>
+            <a:r>
+              <a:rPr lang="en-US" sz="1400" dirty="0">
+                <a:solidFill>
+                  <a:srgbClr val="000000"/>
+                </a:solidFill>
+                <a:highlight>
+                  <a:srgbClr val="FBFBFB"/>
+                </a:highlight>
+                <a:latin typeface="Helvetica" panose="020B0604020202020204" pitchFamily="34" charset="0"/>
+              </a:rPr>
+              <a:t>	if(func3=000)</a:t>
+            </a:r>
+          </a:p>
+          <a:p>
+            <a:r>
+              <a:rPr lang="en-US" sz="1400" dirty="0">
+                <a:solidFill>
+                  <a:srgbClr val="000000"/>
+                </a:solidFill>
+                <a:highlight>
+                  <a:srgbClr val="FBFBFB"/>
+                </a:highlight>
+                <a:latin typeface="Helvetica" panose="020B0604020202020204" pitchFamily="34" charset="0"/>
+              </a:rPr>
+              <a:t>		if(func7=0000000)</a:t>
+            </a:r>
+          </a:p>
+          <a:p>
+            <a:r>
+              <a:rPr lang="en-US" sz="1400" dirty="0">
+                <a:solidFill>
+                  <a:srgbClr val="000000"/>
+                </a:solidFill>
+                <a:highlight>
+                  <a:srgbClr val="FBFBFB"/>
+                </a:highlight>
+                <a:latin typeface="Helvetica" panose="020B0604020202020204" pitchFamily="34" charset="0"/>
+              </a:rPr>
+              <a:t>			ALU control input=ADD</a:t>
+            </a:r>
+            <a:br>
+              <a:rPr lang="en-US" sz="1400" dirty="0">
+                <a:solidFill>
+                  <a:srgbClr val="000000"/>
+                </a:solidFill>
+                <a:highlight>
+                  <a:srgbClr val="FBFBFB"/>
+                </a:highlight>
+                <a:latin typeface="Helvetica" panose="020B0604020202020204" pitchFamily="34" charset="0"/>
+              </a:rPr>
+            </a:br>
+            <a:endParaRPr lang="en-US" sz="1400" dirty="0">
+              <a:solidFill>
+                <a:srgbClr val="000000"/>
+              </a:solidFill>
+              <a:highlight>
+                <a:srgbClr val="FBFBFB"/>
+              </a:highlight>
+              <a:latin typeface="Helvetica" panose="020B0604020202020204" pitchFamily="34" charset="0"/>
+            </a:endParaRPr>
+          </a:p>
+          <a:p>
+            <a:r>
+              <a:rPr lang="en-US" sz="1400" dirty="0">
+                <a:solidFill>
+                  <a:srgbClr val="000000"/>
+                </a:solidFill>
+                <a:highlight>
+                  <a:srgbClr val="FBFBFB"/>
+                </a:highlight>
+                <a:latin typeface="Helvetica" panose="020B0604020202020204" pitchFamily="34" charset="0"/>
+              </a:rPr>
+              <a:t>(....define the ALU control input for each </a:t>
+            </a:r>
+          </a:p>
+          <a:p>
+            <a:r>
+              <a:rPr lang="en-US" sz="1400" dirty="0">
+                <a:solidFill>
+                  <a:srgbClr val="000000"/>
+                </a:solidFill>
+                <a:highlight>
+                  <a:srgbClr val="FBFBFB"/>
+                </a:highlight>
+                <a:latin typeface="Helvetica" panose="020B0604020202020204" pitchFamily="34" charset="0"/>
+              </a:rPr>
+              <a:t>of the operations based on the value</a:t>
+            </a:r>
+          </a:p>
+          <a:p>
+            <a:r>
+              <a:rPr lang="en-US" sz="1400" dirty="0">
+                <a:solidFill>
+                  <a:srgbClr val="000000"/>
+                </a:solidFill>
+                <a:highlight>
+                  <a:srgbClr val="FBFBFB"/>
+                </a:highlight>
+                <a:latin typeface="Helvetica" panose="020B0604020202020204" pitchFamily="34" charset="0"/>
+              </a:rPr>
+              <a:t> of the opcode, func3 and func7…)</a:t>
+            </a:r>
+          </a:p>
+        </p:txBody>
+      </p:sp>
+      <p:sp>
+        <p:nvSpPr>
+          <p:cNvPr id="8" name="TextBox 7">
+            <a:extLst>
+              <a:ext uri="{FF2B5EF4-FFF2-40B4-BE49-F238E27FC236}">
+                <a16:creationId xmlns:a16="http://schemas.microsoft.com/office/drawing/2014/main" id="{A4A10DE8-D075-2057-C727-85A2A8C50ADA}"/>
+              </a:ext>
+            </a:extLst>
+          </p:cNvPr>
+          <p:cNvSpPr txBox="1"/>
+          <p:nvPr/>
+        </p:nvSpPr>
+        <p:spPr>
+          <a:xfrm>
+            <a:off x="1579483" y="1736653"/>
+            <a:ext cx="5328393" cy="4801314"/>
+          </a:xfrm>
+          <a:prstGeom prst="rect">
+            <a:avLst/>
+          </a:prstGeom>
+          <a:noFill/>
+        </p:spPr>
+        <p:txBody>
+          <a:bodyPr wrap="square">
+            <a:spAutoFit/>
+          </a:bodyPr>
+          <a:lstStyle/>
+          <a:p>
+            <a:endParaRPr lang="en-US" dirty="0">
+              <a:effectLst/>
+            </a:endParaRPr>
+          </a:p>
+          <a:p>
+            <a:r>
+              <a:rPr lang="en-US" dirty="0"/>
+              <a:t>ALU:</a:t>
+            </a:r>
+          </a:p>
+          <a:p>
+            <a:br>
+              <a:rPr lang="en-US" b="0" i="0" dirty="0">
+                <a:solidFill>
+                  <a:srgbClr val="000000"/>
+                </a:solidFill>
+                <a:effectLst/>
+                <a:highlight>
+                  <a:srgbClr val="FBFBFB"/>
+                </a:highlight>
+                <a:latin typeface="Helvetica" panose="020B0604020202020204" pitchFamily="34" charset="0"/>
+              </a:rPr>
+            </a:br>
+            <a:r>
+              <a:rPr lang="en-US" sz="1400" dirty="0">
+                <a:solidFill>
+                  <a:srgbClr val="000000"/>
+                </a:solidFill>
+                <a:highlight>
+                  <a:srgbClr val="FBFBFB"/>
+                </a:highlight>
+                <a:latin typeface="Helvetica" panose="020B0604020202020204" pitchFamily="34" charset="0"/>
+              </a:rPr>
+              <a:t>case(ALU control input)</a:t>
+            </a:r>
+          </a:p>
+          <a:p>
+            <a:endParaRPr lang="en-US" sz="1400" dirty="0">
+              <a:solidFill>
+                <a:srgbClr val="000000"/>
+              </a:solidFill>
+              <a:highlight>
+                <a:srgbClr val="FBFBFB"/>
+              </a:highlight>
+              <a:latin typeface="Helvetica" panose="020B0604020202020204" pitchFamily="34" charset="0"/>
+            </a:endParaRPr>
+          </a:p>
+          <a:p>
+            <a:pPr lvl="1"/>
+            <a:r>
+              <a:rPr lang="en-US" sz="1400" dirty="0">
+                <a:solidFill>
+                  <a:srgbClr val="000000"/>
+                </a:solidFill>
+                <a:highlight>
+                  <a:srgbClr val="FBFBFB"/>
+                </a:highlight>
+                <a:latin typeface="Helvetica" panose="020B0604020202020204" pitchFamily="34" charset="0"/>
+              </a:rPr>
+              <a:t>ADD: ALU result = rs1+ rs2 ( </a:t>
+            </a:r>
+            <a:r>
+              <a:rPr lang="en-US" sz="1400" dirty="0" err="1">
+                <a:solidFill>
+                  <a:srgbClr val="000000"/>
+                </a:solidFill>
+                <a:highlight>
+                  <a:srgbClr val="FBFBFB"/>
+                </a:highlight>
+                <a:latin typeface="Helvetica" panose="020B0604020202020204" pitchFamily="34" charset="0"/>
+              </a:rPr>
+              <a:t>opA</a:t>
+            </a:r>
+            <a:r>
+              <a:rPr lang="en-US" sz="1400" dirty="0">
+                <a:solidFill>
+                  <a:srgbClr val="000000"/>
+                </a:solidFill>
+                <a:highlight>
+                  <a:srgbClr val="FBFBFB"/>
+                </a:highlight>
+                <a:latin typeface="Helvetica" panose="020B0604020202020204" pitchFamily="34" charset="0"/>
+              </a:rPr>
+              <a:t> + </a:t>
+            </a:r>
+            <a:r>
+              <a:rPr lang="en-US" sz="1400" dirty="0" err="1">
+                <a:solidFill>
+                  <a:srgbClr val="000000"/>
+                </a:solidFill>
+                <a:highlight>
+                  <a:srgbClr val="FBFBFB"/>
+                </a:highlight>
+                <a:latin typeface="Helvetica" panose="020B0604020202020204" pitchFamily="34" charset="0"/>
+              </a:rPr>
+              <a:t>opB</a:t>
+            </a:r>
+            <a:r>
+              <a:rPr lang="en-US" sz="1400" dirty="0">
+                <a:solidFill>
+                  <a:srgbClr val="000000"/>
+                </a:solidFill>
+                <a:highlight>
+                  <a:srgbClr val="FBFBFB"/>
+                </a:highlight>
+                <a:latin typeface="Helvetica" panose="020B0604020202020204" pitchFamily="34" charset="0"/>
+              </a:rPr>
+              <a:t> )</a:t>
+            </a:r>
+          </a:p>
+          <a:p>
+            <a:pPr lvl="1"/>
+            <a:r>
+              <a:rPr lang="en-US" sz="1400" dirty="0">
+                <a:solidFill>
+                  <a:srgbClr val="000000"/>
+                </a:solidFill>
+                <a:highlight>
+                  <a:srgbClr val="FBFBFB"/>
+                </a:highlight>
+                <a:latin typeface="Helvetica" panose="020B0604020202020204" pitchFamily="34" charset="0"/>
+              </a:rPr>
+              <a:t>	flag 0 =0</a:t>
+            </a:r>
+          </a:p>
+          <a:p>
+            <a:pPr lvl="1"/>
+            <a:r>
+              <a:rPr lang="en-US" sz="1400" dirty="0">
+                <a:solidFill>
+                  <a:srgbClr val="000000"/>
+                </a:solidFill>
+                <a:highlight>
+                  <a:srgbClr val="FBFBFB"/>
+                </a:highlight>
+                <a:latin typeface="Helvetica" panose="020B0604020202020204" pitchFamily="34" charset="0"/>
+              </a:rPr>
+              <a:t>	flag less than = 0</a:t>
+            </a:r>
+          </a:p>
+          <a:p>
+            <a:pPr lvl="1"/>
+            <a:r>
+              <a:rPr lang="en-US" sz="1400" dirty="0">
+                <a:solidFill>
+                  <a:srgbClr val="000000"/>
+                </a:solidFill>
+                <a:highlight>
+                  <a:srgbClr val="FBFBFB"/>
+                </a:highlight>
+                <a:latin typeface="Helvetica" panose="020B0604020202020204" pitchFamily="34" charset="0"/>
+              </a:rPr>
+              <a:t>	flag greater than = 0</a:t>
+            </a:r>
+          </a:p>
+          <a:p>
+            <a:pPr lvl="1"/>
+            <a:r>
+              <a:rPr lang="en-US" sz="1400" dirty="0">
+                <a:solidFill>
+                  <a:srgbClr val="000000"/>
+                </a:solidFill>
+                <a:highlight>
+                  <a:srgbClr val="FBFBFB"/>
+                </a:highlight>
+                <a:latin typeface="Helvetica" panose="020B0604020202020204" pitchFamily="34" charset="0"/>
+              </a:rPr>
+              <a:t>	flag don’t care = 0</a:t>
+            </a:r>
+          </a:p>
+          <a:p>
+            <a:pPr lvl="1"/>
+            <a:r>
+              <a:rPr lang="en-US" sz="1400" dirty="0">
+                <a:solidFill>
+                  <a:srgbClr val="000000"/>
+                </a:solidFill>
+                <a:highlight>
+                  <a:srgbClr val="FBFBFB"/>
+                </a:highlight>
+                <a:latin typeface="Helvetica" panose="020B0604020202020204" pitchFamily="34" charset="0"/>
+              </a:rPr>
+              <a:t>	flag equal to /~ not equal to =0</a:t>
+            </a:r>
+          </a:p>
+          <a:p>
+            <a:pPr lvl="1"/>
+            <a:endParaRPr lang="en-US" sz="1400" dirty="0">
+              <a:solidFill>
+                <a:srgbClr val="000000"/>
+              </a:solidFill>
+              <a:highlight>
+                <a:srgbClr val="FBFBFB"/>
+              </a:highlight>
+              <a:latin typeface="Helvetica" panose="020B0604020202020204" pitchFamily="34" charset="0"/>
+            </a:endParaRPr>
+          </a:p>
+          <a:p>
+            <a:pPr lvl="1"/>
+            <a:r>
+              <a:rPr lang="en-US" sz="1400" dirty="0">
+                <a:solidFill>
+                  <a:srgbClr val="000000"/>
+                </a:solidFill>
+                <a:highlight>
+                  <a:srgbClr val="FBFBFB"/>
+                </a:highlight>
+                <a:latin typeface="Helvetica" panose="020B0604020202020204" pitchFamily="34" charset="0"/>
+              </a:rPr>
+              <a:t>ADDI: ALU result =  rs1+imm (</a:t>
+            </a:r>
+            <a:r>
+              <a:rPr lang="en-US" sz="1400" dirty="0" err="1">
+                <a:solidFill>
+                  <a:srgbClr val="000000"/>
+                </a:solidFill>
+                <a:highlight>
+                  <a:srgbClr val="FBFBFB"/>
+                </a:highlight>
+                <a:latin typeface="Helvetica" panose="020B0604020202020204" pitchFamily="34" charset="0"/>
+              </a:rPr>
+              <a:t>opA</a:t>
+            </a:r>
+            <a:r>
+              <a:rPr lang="en-US" sz="1400" dirty="0">
+                <a:solidFill>
+                  <a:srgbClr val="000000"/>
+                </a:solidFill>
+                <a:highlight>
+                  <a:srgbClr val="FBFBFB"/>
+                </a:highlight>
+                <a:latin typeface="Helvetica" panose="020B0604020202020204" pitchFamily="34" charset="0"/>
+              </a:rPr>
+              <a:t> + </a:t>
+            </a:r>
+            <a:r>
+              <a:rPr lang="en-US" sz="1400" dirty="0" err="1">
+                <a:solidFill>
+                  <a:srgbClr val="000000"/>
+                </a:solidFill>
+                <a:highlight>
+                  <a:srgbClr val="FBFBFB"/>
+                </a:highlight>
+                <a:latin typeface="Helvetica" panose="020B0604020202020204" pitchFamily="34" charset="0"/>
+              </a:rPr>
+              <a:t>opB</a:t>
+            </a:r>
+            <a:r>
+              <a:rPr lang="en-US" sz="1400" dirty="0">
+                <a:solidFill>
+                  <a:srgbClr val="000000"/>
+                </a:solidFill>
+                <a:highlight>
+                  <a:srgbClr val="FBFBFB"/>
+                </a:highlight>
+                <a:latin typeface="Helvetica" panose="020B0604020202020204" pitchFamily="34" charset="0"/>
+              </a:rPr>
+              <a:t>)</a:t>
+            </a:r>
+          </a:p>
+          <a:p>
+            <a:pPr lvl="1"/>
+            <a:r>
+              <a:rPr lang="en-US" sz="1400" dirty="0">
+                <a:solidFill>
+                  <a:srgbClr val="000000"/>
+                </a:solidFill>
+                <a:highlight>
+                  <a:srgbClr val="FBFBFB"/>
+                </a:highlight>
+                <a:latin typeface="Helvetica" panose="020B0604020202020204" pitchFamily="34" charset="0"/>
+              </a:rPr>
+              <a:t>	flag 0 =0</a:t>
+            </a:r>
+          </a:p>
+          <a:p>
+            <a:pPr lvl="1"/>
+            <a:r>
+              <a:rPr lang="en-US" sz="1400" dirty="0">
+                <a:solidFill>
+                  <a:srgbClr val="000000"/>
+                </a:solidFill>
+                <a:highlight>
+                  <a:srgbClr val="FBFBFB"/>
+                </a:highlight>
+                <a:latin typeface="Helvetica" panose="020B0604020202020204" pitchFamily="34" charset="0"/>
+              </a:rPr>
+              <a:t>	flag less than = 0</a:t>
+            </a:r>
+          </a:p>
+          <a:p>
+            <a:pPr lvl="1"/>
+            <a:r>
+              <a:rPr lang="en-US" sz="1400" dirty="0">
+                <a:solidFill>
+                  <a:srgbClr val="000000"/>
+                </a:solidFill>
+                <a:highlight>
+                  <a:srgbClr val="FBFBFB"/>
+                </a:highlight>
+                <a:latin typeface="Helvetica" panose="020B0604020202020204" pitchFamily="34" charset="0"/>
+              </a:rPr>
+              <a:t>	flag greater than = 0</a:t>
+            </a:r>
+          </a:p>
+          <a:p>
+            <a:pPr lvl="1"/>
+            <a:r>
+              <a:rPr lang="en-US" sz="1400" dirty="0">
+                <a:solidFill>
+                  <a:srgbClr val="000000"/>
+                </a:solidFill>
+                <a:highlight>
+                  <a:srgbClr val="FBFBFB"/>
+                </a:highlight>
+                <a:latin typeface="Helvetica" panose="020B0604020202020204" pitchFamily="34" charset="0"/>
+              </a:rPr>
+              <a:t>	flag don’t care = 0</a:t>
+            </a:r>
+          </a:p>
+          <a:p>
+            <a:pPr lvl="1"/>
+            <a:r>
+              <a:rPr lang="en-US" sz="1400" dirty="0">
+                <a:solidFill>
+                  <a:srgbClr val="000000"/>
+                </a:solidFill>
+                <a:highlight>
+                  <a:srgbClr val="FBFBFB"/>
+                </a:highlight>
+                <a:latin typeface="Helvetica" panose="020B0604020202020204" pitchFamily="34" charset="0"/>
+              </a:rPr>
+              <a:t>	flag equal to /~ not equal to =0</a:t>
+            </a:r>
+          </a:p>
+          <a:p>
+            <a:pPr lvl="1"/>
+            <a:endParaRPr lang="en-US" sz="1400" dirty="0">
+              <a:solidFill>
+                <a:srgbClr val="000000"/>
+              </a:solidFill>
+              <a:highlight>
+                <a:srgbClr val="FBFBFB"/>
+              </a:highlight>
+              <a:latin typeface="Helvetica" panose="020B0604020202020204" pitchFamily="34" charset="0"/>
+            </a:endParaRPr>
+          </a:p>
+          <a:p>
+            <a:pPr lvl="1"/>
+            <a:r>
+              <a:rPr lang="en-US" sz="1400" dirty="0">
+                <a:solidFill>
+                  <a:srgbClr val="000000"/>
+                </a:solidFill>
+                <a:highlight>
+                  <a:srgbClr val="FBFBFB"/>
+                </a:highlight>
+                <a:latin typeface="Helvetica" panose="020B0604020202020204" pitchFamily="34" charset="0"/>
+              </a:rPr>
+              <a:t>(....all operations are executed </a:t>
+            </a:r>
+          </a:p>
+          <a:p>
+            <a:pPr lvl="1"/>
+            <a:r>
+              <a:rPr lang="en-US" sz="1400" dirty="0">
+                <a:solidFill>
+                  <a:srgbClr val="000000"/>
+                </a:solidFill>
+                <a:highlight>
+                  <a:srgbClr val="FBFBFB"/>
+                </a:highlight>
+                <a:latin typeface="Helvetica" panose="020B0604020202020204" pitchFamily="34" charset="0"/>
+              </a:rPr>
+              <a:t>based on the ALU control input)</a:t>
+            </a:r>
+          </a:p>
+        </p:txBody>
+      </p:sp>
     </p:spTree>
     <p:extLst>
       <p:ext uri="{BB962C8B-B14F-4D97-AF65-F5344CB8AC3E}">
-        <p14:creationId xmlns:p14="http://schemas.microsoft.com/office/powerpoint/2010/main" val="46302471"/>
+        <p14:creationId xmlns:p14="http://schemas.microsoft.com/office/powerpoint/2010/main" val="3131946506"/>
       </p:ext>
     </p:extLst>
   </p:cSld>
@@ -8144,7 +7914,7 @@
           <p:cNvPr id="2" name="Title 1">
             <a:extLst>
               <a:ext uri="{FF2B5EF4-FFF2-40B4-BE49-F238E27FC236}">
-                <a16:creationId xmlns:a16="http://schemas.microsoft.com/office/drawing/2014/main" id="{EB3F7B05-73DE-A491-5991-E04BBBC698CA}"/>
+                <a16:creationId xmlns:a16="http://schemas.microsoft.com/office/drawing/2014/main" id="{5883DE3C-1196-0B74-B80B-7655EC4389F8}"/>
               </a:ext>
             </a:extLst>
           </p:cNvPr>
@@ -8167,7 +7937,7 @@
           <a:p>
             <a:r>
               <a:rPr lang="en-US" dirty="0"/>
-              <a:t>Memory</a:t>
+              <a:t>ALU</a:t>
             </a:r>
           </a:p>
         </p:txBody>
@@ -8177,7 +7947,7 @@
           <p:cNvPr id="3" name="Subtitle 2">
             <a:extLst>
               <a:ext uri="{FF2B5EF4-FFF2-40B4-BE49-F238E27FC236}">
-                <a16:creationId xmlns:a16="http://schemas.microsoft.com/office/drawing/2014/main" id="{AC823061-39AD-9D43-0432-59610A93A4A1}"/>
+                <a16:creationId xmlns:a16="http://schemas.microsoft.com/office/drawing/2014/main" id="{AFD970C4-2E00-6482-3FBE-F80C552F6104}"/>
               </a:ext>
             </a:extLst>
           </p:cNvPr>
@@ -8193,7 +7963,10 @@
           <a:bodyPr/>
           <a:lstStyle/>
           <a:p>
-            <a:endParaRPr lang="en-US"/>
+            <a:r>
+              <a:rPr lang="en-US" dirty="0"/>
+              <a:t>Test Cases:</a:t>
+            </a:r>
           </a:p>
         </p:txBody>
       </p:sp>
@@ -8202,7 +7975,7 @@
           <p:cNvPr id="4" name="Text Placeholder 3">
             <a:extLst>
               <a:ext uri="{FF2B5EF4-FFF2-40B4-BE49-F238E27FC236}">
-                <a16:creationId xmlns:a16="http://schemas.microsoft.com/office/drawing/2014/main" id="{F2A18362-0849-C467-4293-A237B5A80012}"/>
+                <a16:creationId xmlns:a16="http://schemas.microsoft.com/office/drawing/2014/main" id="{24AA8047-5A0E-9D04-F039-A9F7BA10358D}"/>
               </a:ext>
             </a:extLst>
           </p:cNvPr>
@@ -8213,12 +7986,332 @@
             <p:ph type="body" sz="quarter" idx="14"/>
           </p:nvPr>
         </p:nvSpPr>
-        <p:spPr/>
-        <p:txBody>
-          <a:bodyPr/>
+        <p:spPr>
+          <a:xfrm>
+            <a:off x="1717141" y="1801220"/>
+            <a:ext cx="8757718" cy="4581503"/>
+          </a:xfrm>
+        </p:spPr>
+        <p:txBody>
+          <a:bodyPr>
+            <a:normAutofit lnSpcReduction="10000"/>
+          </a:bodyPr>
           <a:lstStyle/>
           <a:p>
-            <a:endParaRPr lang="en-US"/>
+            <a:r>
+              <a:rPr lang="en-US" sz="1600" b="0" i="0" dirty="0">
+                <a:solidFill>
+                  <a:srgbClr val="000000"/>
+                </a:solidFill>
+                <a:effectLst/>
+                <a:highlight>
+                  <a:srgbClr val="FBFBFB"/>
+                </a:highlight>
+                <a:latin typeface="Helvetica" panose="020B0604020202020204" pitchFamily="34" charset="0"/>
+              </a:rPr>
+              <a:t>all possible combination of opcode, func3 and func7 ( 26 combinations)</a:t>
+            </a:r>
+          </a:p>
+          <a:p>
+            <a:pPr marL="0" indent="0">
+              <a:buNone/>
+            </a:pPr>
+            <a:r>
+              <a:rPr lang="en-US" sz="1600" dirty="0">
+                <a:solidFill>
+                  <a:srgbClr val="000000"/>
+                </a:solidFill>
+                <a:highlight>
+                  <a:srgbClr val="FBFBFB"/>
+                </a:highlight>
+                <a:latin typeface="Helvetica" panose="020B0604020202020204" pitchFamily="34" charset="0"/>
+              </a:rPr>
+              <a:t>	</a:t>
+            </a:r>
+            <a:r>
+              <a:rPr lang="en-US" sz="1400" b="0" i="0" dirty="0">
+                <a:solidFill>
+                  <a:srgbClr val="000000"/>
+                </a:solidFill>
+                <a:effectLst/>
+                <a:highlight>
+                  <a:srgbClr val="FBFBFB"/>
+                </a:highlight>
+                <a:latin typeface="Helvetica" panose="020B0604020202020204" pitchFamily="34" charset="0"/>
+              </a:rPr>
+              <a:t>(make tasks for the operations)</a:t>
+            </a:r>
+            <a:br>
+              <a:rPr lang="en-US" sz="1400" b="0" i="0" dirty="0">
+                <a:solidFill>
+                  <a:srgbClr val="000000"/>
+                </a:solidFill>
+                <a:effectLst/>
+                <a:highlight>
+                  <a:srgbClr val="FBFBFB"/>
+                </a:highlight>
+                <a:latin typeface="Helvetica" panose="020B0604020202020204" pitchFamily="34" charset="0"/>
+              </a:rPr>
+            </a:br>
+            <a:endParaRPr lang="en-US" sz="1400" b="0" i="0" dirty="0">
+              <a:solidFill>
+                <a:srgbClr val="000000"/>
+              </a:solidFill>
+              <a:effectLst/>
+              <a:highlight>
+                <a:srgbClr val="FBFBFB"/>
+              </a:highlight>
+              <a:latin typeface="Helvetica" panose="020B0604020202020204" pitchFamily="34" charset="0"/>
+            </a:endParaRPr>
+          </a:p>
+          <a:p>
+            <a:r>
+              <a:rPr lang="en-US" sz="1600" b="0" i="0" dirty="0">
+                <a:solidFill>
+                  <a:srgbClr val="000000"/>
+                </a:solidFill>
+                <a:effectLst/>
+                <a:highlight>
+                  <a:srgbClr val="FBFBFB"/>
+                </a:highlight>
+                <a:latin typeface="Helvetica" panose="020B0604020202020204" pitchFamily="34" charset="0"/>
+              </a:rPr>
+              <a:t>different corner cases for operands (add, and, xor, etc.)</a:t>
+            </a:r>
+          </a:p>
+          <a:p>
+            <a:pPr marL="0" indent="0" algn="l">
+              <a:buNone/>
+            </a:pPr>
+            <a:endParaRPr lang="en-US" sz="1600" b="0" i="0" dirty="0">
+              <a:solidFill>
+                <a:srgbClr val="000000"/>
+              </a:solidFill>
+              <a:effectLst/>
+              <a:highlight>
+                <a:srgbClr val="FBFBFB"/>
+              </a:highlight>
+              <a:latin typeface="Helvetica" panose="020B0604020202020204" pitchFamily="34" charset="0"/>
+            </a:endParaRPr>
+          </a:p>
+          <a:p>
+            <a:pPr marL="0" indent="0" algn="l">
+              <a:buNone/>
+            </a:pPr>
+            <a:r>
+              <a:rPr lang="en-US" sz="1600" b="0" i="0" dirty="0">
+                <a:solidFill>
+                  <a:srgbClr val="000000"/>
+                </a:solidFill>
+                <a:effectLst/>
+                <a:highlight>
+                  <a:srgbClr val="FBFBFB"/>
+                </a:highlight>
+                <a:latin typeface="Helvetica" panose="020B0604020202020204" pitchFamily="34" charset="0"/>
+              </a:rPr>
+              <a:t>(assign variable value to each operand)</a:t>
+            </a:r>
+          </a:p>
+          <a:p>
+            <a:pPr algn="l"/>
+            <a:r>
+              <a:rPr lang="en-US" sz="1600" b="0" i="0" dirty="0">
+                <a:solidFill>
+                  <a:srgbClr val="000000"/>
+                </a:solidFill>
+                <a:effectLst/>
+                <a:highlight>
+                  <a:srgbClr val="FBFBFB"/>
+                </a:highlight>
+                <a:latin typeface="Helvetica" panose="020B0604020202020204" pitchFamily="34" charset="0"/>
+              </a:rPr>
+              <a:t>   all 0s</a:t>
+            </a:r>
+          </a:p>
+          <a:p>
+            <a:pPr algn="l"/>
+            <a:r>
+              <a:rPr lang="en-US" sz="1600" b="0" i="0" dirty="0">
+                <a:solidFill>
+                  <a:srgbClr val="000000"/>
+                </a:solidFill>
+                <a:effectLst/>
+                <a:highlight>
+                  <a:srgbClr val="FBFBFB"/>
+                </a:highlight>
+                <a:latin typeface="Helvetica" panose="020B0604020202020204" pitchFamily="34" charset="0"/>
+              </a:rPr>
+              <a:t>   all 1s</a:t>
+            </a:r>
+          </a:p>
+          <a:p>
+            <a:pPr algn="l"/>
+            <a:r>
+              <a:rPr lang="en-US" sz="1600" b="0" i="0" dirty="0">
+                <a:solidFill>
+                  <a:srgbClr val="000000"/>
+                </a:solidFill>
+                <a:effectLst/>
+                <a:highlight>
+                  <a:srgbClr val="FBFBFB"/>
+                </a:highlight>
+                <a:latin typeface="Helvetica" panose="020B0604020202020204" pitchFamily="34" charset="0"/>
+              </a:rPr>
+              <a:t>   all 5s</a:t>
+            </a:r>
+          </a:p>
+          <a:p>
+            <a:pPr algn="l"/>
+            <a:r>
+              <a:rPr lang="en-US" sz="1600" b="0" i="0" dirty="0">
+                <a:solidFill>
+                  <a:srgbClr val="000000"/>
+                </a:solidFill>
+                <a:effectLst/>
+                <a:highlight>
+                  <a:srgbClr val="FBFBFB"/>
+                </a:highlight>
+                <a:latin typeface="Helvetica" panose="020B0604020202020204" pitchFamily="34" charset="0"/>
+              </a:rPr>
+              <a:t>   all As</a:t>
+            </a:r>
+          </a:p>
+          <a:p>
+            <a:pPr algn="l"/>
+            <a:r>
+              <a:rPr lang="en-US" sz="1600" b="0" i="0" dirty="0">
+                <a:solidFill>
+                  <a:srgbClr val="000000"/>
+                </a:solidFill>
+                <a:effectLst/>
+                <a:highlight>
+                  <a:srgbClr val="FBFBFB"/>
+                </a:highlight>
+                <a:latin typeface="Helvetica" panose="020B0604020202020204" pitchFamily="34" charset="0"/>
+              </a:rPr>
+              <a:t>   pattern 0000 FFFF</a:t>
+            </a:r>
+          </a:p>
+          <a:p>
+            <a:pPr algn="l"/>
+            <a:r>
+              <a:rPr lang="en-US" sz="1600" b="0" i="0" dirty="0">
+                <a:solidFill>
+                  <a:srgbClr val="000000"/>
+                </a:solidFill>
+                <a:effectLst/>
+                <a:highlight>
+                  <a:srgbClr val="FBFBFB"/>
+                </a:highlight>
+                <a:latin typeface="Helvetica" panose="020B0604020202020204" pitchFamily="34" charset="0"/>
+              </a:rPr>
+              <a:t>   pattern FFFF 0000</a:t>
+            </a:r>
+          </a:p>
+          <a:p>
+            <a:pPr algn="l"/>
+            <a:r>
+              <a:rPr lang="en-US" sz="1600" b="0" i="0" dirty="0">
+                <a:solidFill>
+                  <a:srgbClr val="000000"/>
+                </a:solidFill>
+                <a:effectLst/>
+                <a:highlight>
+                  <a:srgbClr val="FBFBFB"/>
+                </a:highlight>
+                <a:latin typeface="Helvetica" panose="020B0604020202020204" pitchFamily="34" charset="0"/>
+              </a:rPr>
+              <a:t>   pattern AAAA 5555</a:t>
+            </a:r>
+          </a:p>
+          <a:p>
+            <a:pPr algn="l"/>
+            <a:r>
+              <a:rPr lang="en-US" sz="1600" b="0" i="0" dirty="0">
+                <a:solidFill>
+                  <a:srgbClr val="000000"/>
+                </a:solidFill>
+                <a:effectLst/>
+                <a:highlight>
+                  <a:srgbClr val="FBFBFB"/>
+                </a:highlight>
+                <a:latin typeface="Helvetica" panose="020B0604020202020204" pitchFamily="34" charset="0"/>
+              </a:rPr>
+              <a:t>   pattern 5555 AAAA</a:t>
+            </a:r>
+          </a:p>
+          <a:p>
+            <a:pPr marL="0" indent="0" algn="l">
+              <a:buNone/>
+            </a:pPr>
+            <a:br>
+              <a:rPr lang="en-US" sz="1600" b="0" i="0" dirty="0">
+                <a:solidFill>
+                  <a:srgbClr val="000000"/>
+                </a:solidFill>
+                <a:effectLst/>
+                <a:highlight>
+                  <a:srgbClr val="FBFBFB"/>
+                </a:highlight>
+                <a:latin typeface="Helvetica" panose="020B0604020202020204" pitchFamily="34" charset="0"/>
+              </a:rPr>
+            </a:br>
+            <a:endParaRPr lang="en-US" sz="1600" b="0" i="0" dirty="0">
+              <a:solidFill>
+                <a:srgbClr val="000000"/>
+              </a:solidFill>
+              <a:effectLst/>
+              <a:highlight>
+                <a:srgbClr val="FBFBFB"/>
+              </a:highlight>
+              <a:latin typeface="Helvetica" panose="020B0604020202020204" pitchFamily="34" charset="0"/>
+            </a:endParaRPr>
+          </a:p>
+          <a:p>
+            <a:r>
+              <a:rPr lang="en-US" sz="1600" b="0" i="0" dirty="0">
+                <a:solidFill>
+                  <a:srgbClr val="000000"/>
+                </a:solidFill>
+                <a:effectLst/>
+                <a:highlight>
+                  <a:srgbClr val="FBFBFB"/>
+                </a:highlight>
+                <a:latin typeface="Helvetica" panose="020B0604020202020204" pitchFamily="34" charset="0"/>
+              </a:rPr>
+              <a:t>error checking for undefined combinations of opcode, func3 &amp;func7 -&gt; assign value</a:t>
+            </a:r>
+          </a:p>
+          <a:p>
+            <a:pPr algn="l"/>
+            <a:endParaRPr lang="en-US" sz="1600" b="0" i="0" dirty="0">
+              <a:solidFill>
+                <a:srgbClr val="000000"/>
+              </a:solidFill>
+              <a:effectLst/>
+              <a:highlight>
+                <a:srgbClr val="FBFBFB"/>
+              </a:highlight>
+              <a:latin typeface="Helvetica" panose="020B0604020202020204" pitchFamily="34" charset="0"/>
+            </a:endParaRPr>
+          </a:p>
+          <a:p>
+            <a:r>
+              <a:rPr lang="en-US" sz="1600" b="0" i="0" dirty="0">
+                <a:solidFill>
+                  <a:srgbClr val="000000"/>
+                </a:solidFill>
+                <a:effectLst/>
+                <a:highlight>
+                  <a:srgbClr val="FBFBFB"/>
+                </a:highlight>
+                <a:latin typeface="Helvetica" panose="020B0604020202020204" pitchFamily="34" charset="0"/>
+              </a:rPr>
+              <a:t>check generation of correct flags</a:t>
+            </a:r>
+          </a:p>
+          <a:p>
+            <a:endParaRPr lang="en-US" sz="1600" dirty="0"/>
           </a:p>
         </p:txBody>
       </p:sp>
@@ -8227,7 +8320,7 @@
           <p:cNvPr id="5" name="Slide Number Placeholder 4">
             <a:extLst>
               <a:ext uri="{FF2B5EF4-FFF2-40B4-BE49-F238E27FC236}">
-                <a16:creationId xmlns:a16="http://schemas.microsoft.com/office/drawing/2014/main" id="{2FCCDFDD-E919-B6ED-4B67-9F63171EB214}"/>
+                <a16:creationId xmlns:a16="http://schemas.microsoft.com/office/drawing/2014/main" id="{A82A3532-EC5B-DDEA-11C5-68BABE000A94}"/>
               </a:ext>
             </a:extLst>
           </p:cNvPr>
@@ -8254,7 +8347,7 @@
     </p:spTree>
     <p:extLst>
       <p:ext uri="{BB962C8B-B14F-4D97-AF65-F5344CB8AC3E}">
-        <p14:creationId xmlns:p14="http://schemas.microsoft.com/office/powerpoint/2010/main" val="2869620282"/>
+        <p14:creationId xmlns:p14="http://schemas.microsoft.com/office/powerpoint/2010/main" val="4289204043"/>
       </p:ext>
     </p:extLst>
   </p:cSld>
@@ -8286,7 +8379,7 @@
           <p:cNvPr id="2" name="Title 1">
             <a:extLst>
               <a:ext uri="{FF2B5EF4-FFF2-40B4-BE49-F238E27FC236}">
-                <a16:creationId xmlns:a16="http://schemas.microsoft.com/office/drawing/2014/main" id="{D1F6CC05-1F31-0C88-333C-5026AF10D397}"/>
+                <a16:creationId xmlns:a16="http://schemas.microsoft.com/office/drawing/2014/main" id="{F15788A1-2A90-075C-0FD5-97BF4276DB6C}"/>
               </a:ext>
             </a:extLst>
           </p:cNvPr>
@@ -8309,7 +8402,7 @@
           <a:p>
             <a:r>
               <a:rPr lang="en-US" dirty="0"/>
-              <a:t>Program Counter</a:t>
+              <a:t>Registers</a:t>
             </a:r>
           </a:p>
         </p:txBody>
@@ -8319,7 +8412,7 @@
           <p:cNvPr id="3" name="Subtitle 2">
             <a:extLst>
               <a:ext uri="{FF2B5EF4-FFF2-40B4-BE49-F238E27FC236}">
-                <a16:creationId xmlns:a16="http://schemas.microsoft.com/office/drawing/2014/main" id="{069353A1-7076-B958-432E-9B8FD5750AE7}"/>
+                <a16:creationId xmlns:a16="http://schemas.microsoft.com/office/drawing/2014/main" id="{13643ECA-8A7C-9241-6882-E71BD1F12C44}"/>
               </a:ext>
             </a:extLst>
           </p:cNvPr>
@@ -8337,8 +8430,13 @@
           <a:p>
             <a:r>
               <a:rPr lang="en-US" dirty="0"/>
-              <a:t>RTL Diagram and Input/Output</a:t>
-            </a:r>
+              <a:t>Register RTL and </a:t>
+            </a:r>
+            <a:r>
+              <a:rPr lang="en-US" dirty="0" err="1"/>
+              <a:t>Psuedocode</a:t>
+            </a:r>
+            <a:endParaRPr lang="en-US" dirty="0"/>
           </a:p>
         </p:txBody>
       </p:sp>
@@ -8347,7 +8445,7 @@
           <p:cNvPr id="5" name="Slide Number Placeholder 4">
             <a:extLst>
               <a:ext uri="{FF2B5EF4-FFF2-40B4-BE49-F238E27FC236}">
-                <a16:creationId xmlns:a16="http://schemas.microsoft.com/office/drawing/2014/main" id="{A896B40E-DC06-49BF-BFD3-304517BB06A3}"/>
+                <a16:creationId xmlns:a16="http://schemas.microsoft.com/office/drawing/2014/main" id="{BD9C6C1B-2485-DA5C-E77A-5AE0B15EA8EE}"/>
               </a:ext>
             </a:extLst>
           </p:cNvPr>
@@ -8373,10 +8471,10 @@
       </p:sp>
       <p:pic>
         <p:nvPicPr>
-          <p:cNvPr id="9" name="Picture 8" descr="A black and white screen with white text&#10;&#10;Description automatically generated">
-            <a:extLst>
-              <a:ext uri="{FF2B5EF4-FFF2-40B4-BE49-F238E27FC236}">
-                <a16:creationId xmlns:a16="http://schemas.microsoft.com/office/drawing/2014/main" id="{602A898A-4DC4-D63A-A6B4-668E5E561D40}"/>
+          <p:cNvPr id="7" name="Picture 6" descr="A screenshot of a computer program&#10;&#10;Description automatically generated">
+            <a:extLst>
+              <a:ext uri="{FF2B5EF4-FFF2-40B4-BE49-F238E27FC236}">
+                <a16:creationId xmlns:a16="http://schemas.microsoft.com/office/drawing/2014/main" id="{2F5C064D-A672-B3A3-274F-918C230D777A}"/>
               </a:ext>
             </a:extLst>
           </p:cNvPr>
@@ -8385,7 +8483,7 @@
           </p:cNvPicPr>
           <p:nvPr/>
         </p:nvPicPr>
-        <p:blipFill rotWithShape="1">
+        <p:blipFill>
           <a:blip r:embed="rId2">
             <a:extLst>
               <a:ext uri="{28A0092B-C50C-407E-A947-70E740481C1C}">
@@ -8393,48 +8491,14 @@
               </a:ext>
             </a:extLst>
           </a:blip>
-          <a:srcRect l="51863" b="55404"/>
-          <a:stretch/>
+          <a:stretch>
+            <a:fillRect/>
+          </a:stretch>
         </p:blipFill>
         <p:spPr>
           <a:xfrm>
-            <a:off x="1259633" y="2763923"/>
-            <a:ext cx="4259521" cy="2425474"/>
-          </a:xfrm>
-          <a:prstGeom prst="rect">
-            <a:avLst/>
-          </a:prstGeom>
-        </p:spPr>
-      </p:pic>
-      <p:pic>
-        <p:nvPicPr>
-          <p:cNvPr id="10" name="Picture 9" descr="A black and white screen with white text&#10;&#10;Description automatically generated">
-            <a:extLst>
-              <a:ext uri="{FF2B5EF4-FFF2-40B4-BE49-F238E27FC236}">
-                <a16:creationId xmlns:a16="http://schemas.microsoft.com/office/drawing/2014/main" id="{0C30E131-177D-F6B8-0AE8-D5CF155B5289}"/>
-              </a:ext>
-            </a:extLst>
-          </p:cNvPr>
-          <p:cNvPicPr>
-            <a:picLocks noChangeAspect="1"/>
-          </p:cNvPicPr>
-          <p:nvPr/>
-        </p:nvPicPr>
-        <p:blipFill rotWithShape="1">
-          <a:blip r:embed="rId2">
-            <a:extLst>
-              <a:ext uri="{28A0092B-C50C-407E-A947-70E740481C1C}">
-                <a14:useLocalDpi xmlns:a14="http://schemas.microsoft.com/office/drawing/2010/main" val="0"/>
-              </a:ext>
-            </a:extLst>
-          </a:blip>
-          <a:srcRect t="27955" r="77451" b="39963"/>
-          <a:stretch/>
-        </p:blipFill>
-        <p:spPr>
-          <a:xfrm>
-            <a:off x="6875008" y="2728679"/>
-            <a:ext cx="1995294" cy="1744825"/>
+            <a:off x="2361810" y="1686766"/>
+            <a:ext cx="6646141" cy="5061687"/>
           </a:xfrm>
           <a:prstGeom prst="rect">
             <a:avLst/>
@@ -8444,7 +8508,7 @@
     </p:spTree>
     <p:extLst>
       <p:ext uri="{BB962C8B-B14F-4D97-AF65-F5344CB8AC3E}">
-        <p14:creationId xmlns:p14="http://schemas.microsoft.com/office/powerpoint/2010/main" val="1617301959"/>
+        <p14:creationId xmlns:p14="http://schemas.microsoft.com/office/powerpoint/2010/main" val="962049510"/>
       </p:ext>
     </p:extLst>
   </p:cSld>
@@ -8476,7 +8540,7 @@
           <p:cNvPr id="2" name="Title 1">
             <a:extLst>
               <a:ext uri="{FF2B5EF4-FFF2-40B4-BE49-F238E27FC236}">
-                <a16:creationId xmlns:a16="http://schemas.microsoft.com/office/drawing/2014/main" id="{D1F6CC05-1F31-0C88-333C-5026AF10D397}"/>
+                <a16:creationId xmlns:a16="http://schemas.microsoft.com/office/drawing/2014/main" id="{F15788A1-2A90-075C-0FD5-97BF4276DB6C}"/>
               </a:ext>
             </a:extLst>
           </p:cNvPr>
@@ -8499,7 +8563,7 @@
           <a:p>
             <a:r>
               <a:rPr lang="en-US" dirty="0"/>
-              <a:t>Program Counter</a:t>
+              <a:t>Registers</a:t>
             </a:r>
           </a:p>
         </p:txBody>
@@ -8509,7 +8573,7 @@
           <p:cNvPr id="3" name="Subtitle 2">
             <a:extLst>
               <a:ext uri="{FF2B5EF4-FFF2-40B4-BE49-F238E27FC236}">
-                <a16:creationId xmlns:a16="http://schemas.microsoft.com/office/drawing/2014/main" id="{069353A1-7076-B958-432E-9B8FD5750AE7}"/>
+                <a16:creationId xmlns:a16="http://schemas.microsoft.com/office/drawing/2014/main" id="{13643ECA-8A7C-9241-6882-E71BD1F12C44}"/>
               </a:ext>
             </a:extLst>
           </p:cNvPr>
@@ -8527,7 +8591,92 @@
           <a:p>
             <a:r>
               <a:rPr lang="en-US" dirty="0"/>
-              <a:t>Logic and Test Cases</a:t>
+              <a:t>Test Cases</a:t>
+            </a:r>
+          </a:p>
+        </p:txBody>
+      </p:sp>
+      <p:sp>
+        <p:nvSpPr>
+          <p:cNvPr id="4" name="Text Placeholder 3">
+            <a:extLst>
+              <a:ext uri="{FF2B5EF4-FFF2-40B4-BE49-F238E27FC236}">
+                <a16:creationId xmlns:a16="http://schemas.microsoft.com/office/drawing/2014/main" id="{44C21242-B2E4-CDBB-3C48-4C8E293DC8C1}"/>
+              </a:ext>
+            </a:extLst>
+          </p:cNvPr>
+          <p:cNvSpPr>
+            <a:spLocks noGrp="1"/>
+          </p:cNvSpPr>
+          <p:nvPr>
+            <p:ph type="body" sz="quarter" idx="14"/>
+          </p:nvPr>
+        </p:nvSpPr>
+        <p:spPr/>
+        <p:txBody>
+          <a:bodyPr>
+            <a:normAutofit/>
+          </a:bodyPr>
+          <a:lstStyle/>
+          <a:p>
+            <a:r>
+              <a:rPr lang="en-US" sz="2400" dirty="0"/>
+              <a:t>Reset: check all registers are set to 0</a:t>
+            </a:r>
+          </a:p>
+          <a:p>
+            <a:r>
+              <a:rPr lang="en-US" sz="2400" dirty="0"/>
+              <a:t>With </a:t>
+            </a:r>
+            <a:r>
+              <a:rPr lang="en-US" sz="2400" dirty="0" err="1"/>
+              <a:t>write_enable</a:t>
+            </a:r>
+            <a:r>
+              <a:rPr lang="en-US" sz="2400" dirty="0"/>
+              <a:t> off, try writing  register: should be no change</a:t>
+            </a:r>
+          </a:p>
+          <a:p>
+            <a:r>
+              <a:rPr lang="en-US" sz="2400" dirty="0"/>
+              <a:t>With </a:t>
+            </a:r>
+            <a:r>
+              <a:rPr lang="en-US" sz="2400" dirty="0" err="1"/>
+              <a:t>write_enable</a:t>
+            </a:r>
+            <a:r>
+              <a:rPr lang="en-US" sz="2400" dirty="0"/>
+              <a:t> on, try writing to a register: check for correct value</a:t>
+            </a:r>
+          </a:p>
+          <a:p>
+            <a:r>
+              <a:rPr lang="en-US" sz="2400" dirty="0"/>
+              <a:t>Write random values to all registers, try reading all registers: check </a:t>
+            </a:r>
+            <a:r>
+              <a:rPr lang="en-US" sz="2400" dirty="0" err="1"/>
+              <a:t>data_read</a:t>
+            </a:r>
+            <a:r>
+              <a:rPr lang="en-US" sz="2400" dirty="0"/>
+              <a:t> is correct</a:t>
+            </a:r>
+          </a:p>
+          <a:p>
+            <a:pPr lvl="1"/>
+            <a:r>
+              <a:rPr lang="en-US" sz="2000" dirty="0"/>
+              <a:t>Do twice</a:t>
+            </a:r>
+          </a:p>
+          <a:p>
+            <a:r>
+              <a:rPr lang="en-US" sz="2400" dirty="0"/>
+              <a:t>Reset check again</a:t>
             </a:r>
           </a:p>
         </p:txBody>
@@ -8537,7 +8686,7 @@
           <p:cNvPr id="5" name="Slide Number Placeholder 4">
             <a:extLst>
               <a:ext uri="{FF2B5EF4-FFF2-40B4-BE49-F238E27FC236}">
-                <a16:creationId xmlns:a16="http://schemas.microsoft.com/office/drawing/2014/main" id="{A896B40E-DC06-49BF-BFD3-304517BB06A3}"/>
+                <a16:creationId xmlns:a16="http://schemas.microsoft.com/office/drawing/2014/main" id="{BD9C6C1B-2485-DA5C-E77A-5AE0B15EA8EE}"/>
               </a:ext>
             </a:extLst>
           </p:cNvPr>
@@ -8563,10 +8712,10 @@
       </p:sp>
       <p:pic>
         <p:nvPicPr>
-          <p:cNvPr id="4" name="Picture 3" descr="A black and white screen with white text&#10;&#10;Description automatically generated">
-            <a:extLst>
-              <a:ext uri="{FF2B5EF4-FFF2-40B4-BE49-F238E27FC236}">
-                <a16:creationId xmlns:a16="http://schemas.microsoft.com/office/drawing/2014/main" id="{25367EB2-360C-B712-60AE-079171120897}"/>
+          <p:cNvPr id="6" name="Picture 5" descr="A screenshot of a computer program&#10;&#10;Description automatically generated">
+            <a:extLst>
+              <a:ext uri="{FF2B5EF4-FFF2-40B4-BE49-F238E27FC236}">
+                <a16:creationId xmlns:a16="http://schemas.microsoft.com/office/drawing/2014/main" id="{3FE90927-5BAB-2661-0012-59DAD3BC8173}"/>
               </a:ext>
             </a:extLst>
           </p:cNvPr>
@@ -8575,7 +8724,7 @@
           </p:cNvPicPr>
           <p:nvPr/>
         </p:nvPicPr>
-        <p:blipFill rotWithShape="1">
+        <p:blipFill>
           <a:blip r:embed="rId2">
             <a:extLst>
               <a:ext uri="{28A0092B-C50C-407E-A947-70E740481C1C}">
@@ -8583,42 +8732,14 @@
               </a:ext>
             </a:extLst>
           </a:blip>
-          <a:srcRect t="63467" r="30844"/>
-          <a:stretch/>
+          <a:stretch>
+            <a:fillRect/>
+          </a:stretch>
         </p:blipFill>
         <p:spPr>
           <a:xfrm>
-            <a:off x="1067822" y="2096305"/>
-            <a:ext cx="10056355" cy="3265228"/>
-          </a:xfrm>
-          <a:prstGeom prst="rect">
-            <a:avLst/>
-          </a:prstGeom>
-        </p:spPr>
-      </p:pic>
-      <p:pic>
-        <p:nvPicPr>
-          <p:cNvPr id="7" name="Picture 6">
-            <a:extLst>
-              <a:ext uri="{FF2B5EF4-FFF2-40B4-BE49-F238E27FC236}">
-                <a16:creationId xmlns:a16="http://schemas.microsoft.com/office/drawing/2014/main" id="{D6CA6F6B-57FF-1C2B-3B06-D79B575C3413}"/>
-              </a:ext>
-            </a:extLst>
-          </p:cNvPr>
-          <p:cNvPicPr>
-            <a:picLocks noChangeAspect="1"/>
-          </p:cNvPicPr>
-          <p:nvPr/>
-        </p:nvPicPr>
-        <p:blipFill rotWithShape="1">
-          <a:blip r:embed="rId3"/>
-          <a:srcRect l="2457" t="5161" r="1322" b="2363"/>
-          <a:stretch/>
-        </p:blipFill>
-        <p:spPr>
-          <a:xfrm>
-            <a:off x="1067822" y="1831490"/>
-            <a:ext cx="4595860" cy="4019812"/>
+            <a:off x="8444203" y="4060868"/>
+            <a:ext cx="3555339" cy="2707739"/>
           </a:xfrm>
           <a:prstGeom prst="rect">
             <a:avLst/>
@@ -8628,7 +8749,7 @@
     </p:spTree>
     <p:extLst>
       <p:ext uri="{BB962C8B-B14F-4D97-AF65-F5344CB8AC3E}">
-        <p14:creationId xmlns:p14="http://schemas.microsoft.com/office/powerpoint/2010/main" val="3391675750"/>
+        <p14:creationId xmlns:p14="http://schemas.microsoft.com/office/powerpoint/2010/main" val="46302471"/>
       </p:ext>
     </p:extLst>
   </p:cSld>
@@ -8794,7 +8915,7 @@
             <a:pPr lvl="2"/>
             <a:r>
               <a:rPr lang="en-US" dirty="0"/>
-              <a:t>Keyboard?</a:t>
+              <a:t>UART controller</a:t>
             </a:r>
           </a:p>
         </p:txBody>
@@ -8907,125 +9028,495 @@
       </p:grpSpPr>
       <p:sp>
         <p:nvSpPr>
-          <p:cNvPr id="2" name="Title 1">
-            <a:extLst>
-              <a:ext uri="{FF2B5EF4-FFF2-40B4-BE49-F238E27FC236}">
-                <a16:creationId xmlns:a16="http://schemas.microsoft.com/office/drawing/2014/main" id="{EEAF6D0A-7814-2A94-F47A-3ECC7B8EDE59}"/>
-              </a:ext>
-            </a:extLst>
-          </p:cNvPr>
+          <p:cNvPr id="156" name="PlaceHolder 1"/>
           <p:cNvSpPr>
             <a:spLocks noGrp="1"/>
           </p:cNvSpPr>
           <p:nvPr>
-            <p:ph type="ctrTitle"/>
+            <p:ph type="title"/>
           </p:nvPr>
         </p:nvSpPr>
         <p:spPr>
           <a:xfrm>
-            <a:off x="1504670" y="437030"/>
-            <a:ext cx="9234309" cy="498598"/>
-          </a:xfrm>
-        </p:spPr>
-        <p:txBody>
-          <a:bodyPr/>
+            <a:off x="1504800" y="437040"/>
+            <a:ext cx="9234000" cy="498240"/>
+          </a:xfrm>
+          <a:prstGeom prst="rect">
+            <a:avLst/>
+          </a:prstGeom>
+          <a:noFill/>
+          <a:ln w="38160">
+            <a:noFill/>
+          </a:ln>
+        </p:spPr>
+        <p:txBody>
+          <a:bodyPr lIns="0" tIns="0" rIns="0" bIns="0" anchor="t">
+            <a:noAutofit/>
+          </a:bodyPr>
           <a:lstStyle/>
           <a:p>
-            <a:r>
-              <a:rPr lang="en-US" dirty="0"/>
-              <a:t>Peripherals</a:t>
-            </a:r>
-          </a:p>
-        </p:txBody>
-      </p:sp>
-      <p:sp>
-        <p:nvSpPr>
-          <p:cNvPr id="3" name="Subtitle 2">
-            <a:extLst>
-              <a:ext uri="{FF2B5EF4-FFF2-40B4-BE49-F238E27FC236}">
-                <a16:creationId xmlns:a16="http://schemas.microsoft.com/office/drawing/2014/main" id="{FFF467C2-55D2-EC86-825B-16EBAE111702}"/>
-              </a:ext>
-            </a:extLst>
-          </p:cNvPr>
+            <a:pPr>
+              <a:lnSpc>
+                <a:spcPct val="90000"/>
+              </a:lnSpc>
+              <a:buNone/>
+            </a:pPr>
+            <a:r>
+              <a:rPr lang="en-US" sz="3600" b="1" i="1" strike="noStrike" spc="-1">
+                <a:solidFill>
+                  <a:srgbClr val="C9B991"/>
+                </a:solidFill>
+                <a:latin typeface="Acumin Pro ExtraCondensed"/>
+              </a:rPr>
+              <a:t>Memory</a:t>
+            </a:r>
+            <a:endParaRPr lang="en-US" sz="3600" b="0" strike="noStrike" spc="-1">
+              <a:solidFill>
+                <a:srgbClr val="000000"/>
+              </a:solidFill>
+              <a:latin typeface="Acumin Pro"/>
+            </a:endParaRPr>
+          </a:p>
+        </p:txBody>
+      </p:sp>
+      <p:sp>
+        <p:nvSpPr>
+          <p:cNvPr id="157" name="PlaceHolder 2"/>
           <p:cNvSpPr>
             <a:spLocks noGrp="1"/>
           </p:cNvSpPr>
           <p:nvPr>
-            <p:ph type="subTitle" idx="1"/>
+            <p:ph type="subTitle"/>
           </p:nvPr>
         </p:nvSpPr>
-        <p:spPr/>
-        <p:txBody>
-          <a:bodyPr/>
+        <p:spPr>
+          <a:xfrm>
+            <a:off x="1504800" y="1345320"/>
+            <a:ext cx="9234000" cy="341280"/>
+          </a:xfrm>
+          <a:prstGeom prst="rect">
+            <a:avLst/>
+          </a:prstGeom>
+          <a:noFill/>
+          <a:ln w="0">
+            <a:noFill/>
+          </a:ln>
+        </p:spPr>
+        <p:txBody>
+          <a:bodyPr lIns="0" tIns="0" rIns="0" bIns="0" anchor="t">
+            <a:noAutofit/>
+          </a:bodyPr>
           <a:lstStyle/>
           <a:p>
-            <a:endParaRPr lang="en-US"/>
-          </a:p>
-        </p:txBody>
-      </p:sp>
-      <p:sp>
-        <p:nvSpPr>
-          <p:cNvPr id="4" name="Text Placeholder 3">
-            <a:extLst>
-              <a:ext uri="{FF2B5EF4-FFF2-40B4-BE49-F238E27FC236}">
-                <a16:creationId xmlns:a16="http://schemas.microsoft.com/office/drawing/2014/main" id="{5DF050C2-2C1C-78CA-C656-82D41545CD8E}"/>
-              </a:ext>
-            </a:extLst>
-          </p:cNvPr>
-          <p:cNvSpPr>
-            <a:spLocks noGrp="1"/>
-          </p:cNvSpPr>
-          <p:nvPr>
-            <p:ph type="body" sz="quarter" idx="14"/>
-          </p:nvPr>
-        </p:nvSpPr>
-        <p:spPr/>
-        <p:txBody>
-          <a:bodyPr/>
+            <a:pPr>
+              <a:lnSpc>
+                <a:spcPct val="100000"/>
+              </a:lnSpc>
+              <a:spcBef>
+                <a:spcPts val="1001"/>
+              </a:spcBef>
+              <a:buNone/>
+              <a:tabLst>
+                <a:tab pos="0" algn="l"/>
+              </a:tabLst>
+            </a:pPr>
+            <a:r>
+              <a:rPr lang="en-US" sz="2200" b="1" strike="noStrike" spc="-1">
+                <a:solidFill>
+                  <a:srgbClr val="555960"/>
+                </a:solidFill>
+                <a:latin typeface="Acumin Pro SemiCondensed"/>
+              </a:rPr>
+              <a:t>Memory Handle RTL and Psuedocode</a:t>
+            </a:r>
+            <a:endParaRPr lang="en-US" sz="2200" b="0" strike="noStrike" spc="-1">
+              <a:latin typeface="Arial"/>
+            </a:endParaRPr>
+          </a:p>
+        </p:txBody>
+      </p:sp>
+      <p:sp>
+        <p:nvSpPr>
+          <p:cNvPr id="158" name="Slide Number Placeholder 4"/>
+          <p:cNvSpPr/>
+          <p:nvPr/>
+        </p:nvSpPr>
+        <p:spPr>
+          <a:xfrm>
+            <a:off x="10555920" y="6266520"/>
+            <a:ext cx="284400" cy="231840"/>
+          </a:xfrm>
+          <a:prstGeom prst="ellipse">
+            <a:avLst/>
+          </a:prstGeom>
+          <a:noFill/>
+          <a:ln w="0">
+            <a:noFill/>
+          </a:ln>
+        </p:spPr>
+        <p:style>
+          <a:lnRef idx="0">
+            <a:scrgbClr r="0" g="0" b="0"/>
+          </a:lnRef>
+          <a:fillRef idx="0">
+            <a:scrgbClr r="0" g="0" b="0"/>
+          </a:fillRef>
+          <a:effectRef idx="0">
+            <a:scrgbClr r="0" g="0" b="0"/>
+          </a:effectRef>
+          <a:fontRef idx="minor"/>
+        </p:style>
+        <p:txBody>
+          <a:bodyPr lIns="18360" tIns="91440" rIns="18360" bIns="91440" anchor="ctr">
+            <a:noAutofit/>
+          </a:bodyPr>
           <a:lstStyle/>
           <a:p>
-            <a:pPr marL="0" indent="0">
+            <a:pPr algn="ctr">
+              <a:lnSpc>
+                <a:spcPct val="100000"/>
+              </a:lnSpc>
               <a:buNone/>
             </a:pPr>
-            <a:endParaRPr lang="en-US" dirty="0"/>
-          </a:p>
-        </p:txBody>
-      </p:sp>
-      <p:sp>
-        <p:nvSpPr>
-          <p:cNvPr id="5" name="Slide Number Placeholder 4">
-            <a:extLst>
-              <a:ext uri="{FF2B5EF4-FFF2-40B4-BE49-F238E27FC236}">
-                <a16:creationId xmlns:a16="http://schemas.microsoft.com/office/drawing/2014/main" id="{D098254D-9CED-6343-6D6F-6FF0B8DDD786}"/>
-              </a:ext>
-            </a:extLst>
-          </p:cNvPr>
-          <p:cNvSpPr>
-            <a:spLocks noGrp="1"/>
-          </p:cNvSpPr>
-          <p:nvPr>
-            <p:ph type="sldNum" sz="quarter" idx="12"/>
-          </p:nvPr>
-        </p:nvSpPr>
-        <p:spPr/>
-        <p:txBody>
-          <a:bodyPr/>
-          <a:lstStyle/>
-          <a:p>
-            <a:fld id="{88B5220A-EB23-48F3-9FB6-FE2BFABBF45A}" type="slidenum">
-              <a:rPr lang="en-US" smtClean="0"/>
+            <a:fld id="{A38B7F63-0588-42F2-A866-8CF0BD3BDCE5}" type="slidenum">
+              <a:rPr lang="en-US" sz="1000" b="1" strike="noStrike" spc="-1">
+                <a:solidFill>
+                  <a:srgbClr val="000000"/>
+                </a:solidFill>
+                <a:latin typeface="Acumin Pro Semibold"/>
+              </a:rPr>
               <a:t>20</a:t>
             </a:fld>
-            <a:endParaRPr lang="en-US" dirty="0"/>
-          </a:p>
-        </p:txBody>
-      </p:sp>
+            <a:endParaRPr lang="en-US" sz="1000" b="0" strike="noStrike" spc="-1">
+              <a:latin typeface="Arial"/>
+            </a:endParaRPr>
+          </a:p>
+        </p:txBody>
+      </p:sp>
+      <p:sp>
+        <p:nvSpPr>
+          <p:cNvPr id="159" name="TextBox 158"/>
+          <p:cNvSpPr txBox="1"/>
+          <p:nvPr/>
+        </p:nvSpPr>
+        <p:spPr>
+          <a:xfrm>
+            <a:off x="7912080" y="1345320"/>
+            <a:ext cx="2146320" cy="415440"/>
+          </a:xfrm>
+          <a:prstGeom prst="rect">
+            <a:avLst/>
+          </a:prstGeom>
+          <a:noFill/>
+          <a:ln w="0">
+            <a:noFill/>
+          </a:ln>
+        </p:spPr>
+        <p:txBody>
+          <a:bodyPr lIns="90000" tIns="45000" rIns="90000" bIns="45000" anchor="t">
+            <a:noAutofit/>
+          </a:bodyPr>
+          <a:lstStyle/>
+          <a:p>
+            <a:r>
+              <a:rPr lang="en-US" sz="2200" b="1" strike="noStrike" spc="-1">
+                <a:solidFill>
+                  <a:srgbClr val="555960"/>
+                </a:solidFill>
+                <a:latin typeface="Acumin Pro SemiCondensed"/>
+              </a:rPr>
+              <a:t>Test Case </a:t>
+            </a:r>
+            <a:endParaRPr lang="en-US" sz="2200" b="0" strike="noStrike" spc="-1">
+              <a:latin typeface="Arial"/>
+            </a:endParaRPr>
+          </a:p>
+        </p:txBody>
+      </p:sp>
+      <p:sp>
+        <p:nvSpPr>
+          <p:cNvPr id="160" name="TextBox 159"/>
+          <p:cNvSpPr txBox="1"/>
+          <p:nvPr/>
+        </p:nvSpPr>
+        <p:spPr>
+          <a:xfrm>
+            <a:off x="7086600" y="1828800"/>
+            <a:ext cx="4050000" cy="739800"/>
+          </a:xfrm>
+          <a:prstGeom prst="rect">
+            <a:avLst/>
+          </a:prstGeom>
+          <a:noFill/>
+          <a:ln w="0">
+            <a:noFill/>
+          </a:ln>
+        </p:spPr>
+        <p:txBody>
+          <a:bodyPr lIns="90000" tIns="45000" rIns="90000" bIns="45000" anchor="t">
+            <a:noAutofit/>
+          </a:bodyPr>
+          <a:lstStyle/>
+          <a:p>
+            <a:r>
+              <a:rPr lang="en-US" sz="2000" b="1" strike="noStrike" spc="-1" dirty="0">
+                <a:solidFill>
+                  <a:srgbClr val="555960"/>
+                </a:solidFill>
+                <a:latin typeface="Acumin Pro SemiCondensed"/>
+              </a:rPr>
+              <a:t>- Reset: All set are set to 0</a:t>
+            </a:r>
+            <a:endParaRPr lang="en-US" sz="2000" b="0" strike="noStrike" spc="-1" dirty="0">
+              <a:latin typeface="Arial"/>
+            </a:endParaRPr>
+          </a:p>
+        </p:txBody>
+      </p:sp>
+      <p:sp>
+        <p:nvSpPr>
+          <p:cNvPr id="161" name="TextBox 160"/>
+          <p:cNvSpPr txBox="1"/>
+          <p:nvPr/>
+        </p:nvSpPr>
+        <p:spPr>
+          <a:xfrm>
+            <a:off x="7086600" y="2141376"/>
+            <a:ext cx="4184280" cy="3337560"/>
+          </a:xfrm>
+          <a:prstGeom prst="rect">
+            <a:avLst/>
+          </a:prstGeom>
+          <a:noFill/>
+          <a:ln w="0">
+            <a:noFill/>
+          </a:ln>
+        </p:spPr>
+        <p:txBody>
+          <a:bodyPr lIns="90000" tIns="45000" rIns="90000" bIns="45000" anchor="t">
+            <a:noAutofit/>
+          </a:bodyPr>
+          <a:lstStyle/>
+          <a:p>
+            <a:r>
+              <a:rPr lang="en-US" sz="2000" b="1" strike="noStrike" spc="-1" dirty="0">
+                <a:solidFill>
+                  <a:srgbClr val="555960"/>
+                </a:solidFill>
+                <a:latin typeface="Acumin Pro SemiCondensed"/>
+              </a:rPr>
+              <a:t>- Load Byte Unsigned: 24 bits = 0</a:t>
+            </a:r>
+            <a:endParaRPr lang="en-US" sz="2000" b="0" strike="noStrike" spc="-1" dirty="0">
+              <a:latin typeface="Arial"/>
+            </a:endParaRPr>
+          </a:p>
+          <a:p>
+            <a:r>
+              <a:rPr lang="en-US" sz="2000" b="1" strike="noStrike" spc="-1" dirty="0">
+                <a:solidFill>
+                  <a:srgbClr val="555960"/>
+                </a:solidFill>
+                <a:latin typeface="Acumin Pro SemiCondensed"/>
+              </a:rPr>
+              <a:t>- Load Byte: assigned 24 bits to bit 7</a:t>
+            </a:r>
+            <a:endParaRPr lang="en-US" sz="2000" b="0" strike="noStrike" spc="-1" dirty="0">
+              <a:latin typeface="Arial"/>
+            </a:endParaRPr>
+          </a:p>
+          <a:p>
+            <a:r>
+              <a:rPr lang="en-US" sz="2000" b="1" strike="noStrike" spc="-1" dirty="0">
+                <a:solidFill>
+                  <a:srgbClr val="555960"/>
+                </a:solidFill>
+                <a:latin typeface="Acumin Pro SemiCondensed"/>
+              </a:rPr>
+              <a:t>- Load Halfword Unsigned: 16 bits =0</a:t>
+            </a:r>
+            <a:endParaRPr lang="en-US" sz="2000" b="0" strike="noStrike" spc="-1" dirty="0">
+              <a:latin typeface="Arial"/>
+            </a:endParaRPr>
+          </a:p>
+          <a:p>
+            <a:r>
+              <a:rPr lang="en-US" sz="2000" b="1" strike="noStrike" spc="-1" dirty="0">
+                <a:solidFill>
+                  <a:srgbClr val="555960"/>
+                </a:solidFill>
+                <a:latin typeface="Acumin Pro SemiCondensed"/>
+              </a:rPr>
+              <a:t>- Load Hal</a:t>
+            </a:r>
+            <a:r>
+              <a:rPr lang="en-US" sz="2000" b="1" spc="-1" dirty="0">
+                <a:solidFill>
+                  <a:srgbClr val="555960"/>
+                </a:solidFill>
+                <a:latin typeface="Acumin Pro SemiCondensed"/>
+              </a:rPr>
+              <a:t>f</a:t>
+            </a:r>
+            <a:r>
+              <a:rPr lang="en-US" sz="2000" b="1" strike="noStrike" spc="-1" dirty="0">
+                <a:solidFill>
+                  <a:srgbClr val="555960"/>
+                </a:solidFill>
+                <a:latin typeface="Acumin Pro SemiCondensed"/>
+              </a:rPr>
+              <a:t>word: assigned  16 bits to bit 16</a:t>
+            </a:r>
+            <a:endParaRPr lang="en-US" sz="2000" b="0" strike="noStrike" spc="-1" dirty="0">
+              <a:latin typeface="Arial"/>
+            </a:endParaRPr>
+          </a:p>
+          <a:p>
+            <a:endParaRPr lang="en-US" sz="2000" b="0" strike="noStrike" spc="-1" dirty="0">
+              <a:latin typeface="Arial"/>
+            </a:endParaRPr>
+          </a:p>
+        </p:txBody>
+      </p:sp>
+      <p:sp>
+        <p:nvSpPr>
+          <p:cNvPr id="162" name="TextBox 161"/>
+          <p:cNvSpPr txBox="1"/>
+          <p:nvPr/>
+        </p:nvSpPr>
+        <p:spPr>
+          <a:xfrm>
+            <a:off x="7086600" y="3604880"/>
+            <a:ext cx="3429000" cy="1601601"/>
+          </a:xfrm>
+          <a:prstGeom prst="rect">
+            <a:avLst/>
+          </a:prstGeom>
+          <a:noFill/>
+          <a:ln w="0">
+            <a:noFill/>
+          </a:ln>
+        </p:spPr>
+        <p:txBody>
+          <a:bodyPr lIns="90000" tIns="45000" rIns="90000" bIns="45000" anchor="t">
+            <a:noAutofit/>
+          </a:bodyPr>
+          <a:lstStyle/>
+          <a:p>
+            <a:r>
+              <a:rPr lang="en-US" sz="2000" b="1" strike="noStrike" spc="-1" dirty="0">
+                <a:solidFill>
+                  <a:srgbClr val="555960"/>
+                </a:solidFill>
+                <a:latin typeface="Acumin Pro SemiCondensed"/>
+              </a:rPr>
+              <a:t>- Normal Loading </a:t>
+            </a:r>
+            <a:endParaRPr lang="en-US" sz="2000" b="0" strike="noStrike" spc="-1" dirty="0">
+              <a:latin typeface="Arial"/>
+            </a:endParaRPr>
+          </a:p>
+          <a:p>
+            <a:r>
+              <a:rPr lang="en-US" sz="2000" b="1" strike="noStrike" spc="-1" dirty="0">
+                <a:solidFill>
+                  <a:srgbClr val="555960"/>
+                </a:solidFill>
+                <a:latin typeface="Acumin Pro SemiCondensed"/>
+              </a:rPr>
+              <a:t>- Storing </a:t>
+            </a:r>
+            <a:endParaRPr lang="en-US" sz="2000" spc="-1" dirty="0">
+              <a:solidFill>
+                <a:srgbClr val="555960"/>
+              </a:solidFill>
+              <a:latin typeface="Arial"/>
+            </a:endParaRPr>
+          </a:p>
+          <a:p>
+            <a:r>
+              <a:rPr lang="en-US" sz="2000" b="1" spc="-1" dirty="0">
+                <a:solidFill>
+                  <a:srgbClr val="555960"/>
+                </a:solidFill>
+                <a:latin typeface="Arial"/>
+              </a:rPr>
+              <a:t>- </a:t>
+            </a:r>
+            <a:r>
+              <a:rPr lang="en-US" sz="2000" b="1" spc="-1" dirty="0" err="1">
+                <a:solidFill>
+                  <a:srgbClr val="555960"/>
+                </a:solidFill>
+                <a:latin typeface="Acumin Pro Semibold" panose="020B0504020202020204"/>
+              </a:rPr>
+              <a:t>MemRead</a:t>
+            </a:r>
+            <a:r>
+              <a:rPr lang="en-US" sz="2000" b="1" spc="-1" dirty="0">
+                <a:solidFill>
+                  <a:srgbClr val="555960"/>
+                </a:solidFill>
+                <a:latin typeface="Acumin Pro Semibold" panose="020B0504020202020204"/>
+              </a:rPr>
+              <a:t> = 1</a:t>
+            </a:r>
+          </a:p>
+          <a:p>
+            <a:r>
+              <a:rPr lang="en-US" sz="2000" b="1" spc="-1" dirty="0">
+                <a:solidFill>
+                  <a:srgbClr val="555960"/>
+                </a:solidFill>
+                <a:latin typeface="Acumin Pro Semibold" panose="020B0504020202020204"/>
+              </a:rPr>
+              <a:t>- </a:t>
+            </a:r>
+            <a:r>
+              <a:rPr lang="en-US" sz="2000" b="1" strike="noStrike" spc="-1" dirty="0" err="1">
+                <a:solidFill>
+                  <a:srgbClr val="555960"/>
+                </a:solidFill>
+                <a:latin typeface="Acumin Pro Semibold" panose="020B0504020202020204"/>
+              </a:rPr>
+              <a:t>MemWrite</a:t>
+            </a:r>
+            <a:r>
+              <a:rPr lang="en-US" sz="2000" b="1" strike="noStrike" spc="-1" dirty="0">
+                <a:solidFill>
+                  <a:srgbClr val="555960"/>
+                </a:solidFill>
+                <a:latin typeface="Acumin Pro Semibold" panose="020B0504020202020204"/>
+              </a:rPr>
+              <a:t> = 1</a:t>
+            </a:r>
+          </a:p>
+        </p:txBody>
+      </p:sp>
+      <p:pic>
+        <p:nvPicPr>
+          <p:cNvPr id="163" name="Picture 162"/>
+          <p:cNvPicPr/>
+          <p:nvPr/>
+        </p:nvPicPr>
+        <p:blipFill>
+          <a:blip r:embed="rId2"/>
+          <a:stretch/>
+        </p:blipFill>
+        <p:spPr>
+          <a:xfrm rot="6000">
+            <a:off x="1005847" y="2101824"/>
+            <a:ext cx="5943600" cy="3297600"/>
+          </a:xfrm>
+          <a:prstGeom prst="rect">
+            <a:avLst/>
+          </a:prstGeom>
+          <a:ln w="0">
+            <a:noFill/>
+          </a:ln>
+        </p:spPr>
+      </p:pic>
     </p:spTree>
-    <p:extLst>
-      <p:ext uri="{BB962C8B-B14F-4D97-AF65-F5344CB8AC3E}">
-        <p14:creationId xmlns:p14="http://schemas.microsoft.com/office/powerpoint/2010/main" val="673691625"/>
-      </p:ext>
-    </p:extLst>
   </p:cSld>
   <p:clrMapOvr>
     <a:masterClrMapping/>
@@ -9055,7 +9546,7 @@
           <p:cNvPr id="2" name="Title 1">
             <a:extLst>
               <a:ext uri="{FF2B5EF4-FFF2-40B4-BE49-F238E27FC236}">
-                <a16:creationId xmlns:a16="http://schemas.microsoft.com/office/drawing/2014/main" id="{84E2E6AF-4C46-F611-0830-0584094CF72D}"/>
+                <a16:creationId xmlns:a16="http://schemas.microsoft.com/office/drawing/2014/main" id="{D1F6CC05-1F31-0C88-333C-5026AF10D397}"/>
               </a:ext>
             </a:extLst>
           </p:cNvPr>
@@ -9078,7 +9569,7 @@
           <a:p>
             <a:r>
               <a:rPr lang="en-US" dirty="0"/>
-              <a:t>Expected Obstacles</a:t>
+              <a:t>Program Counter (Next Instruction Logic)</a:t>
             </a:r>
           </a:p>
         </p:txBody>
@@ -9088,7 +9579,7 @@
           <p:cNvPr id="3" name="Subtitle 2">
             <a:extLst>
               <a:ext uri="{FF2B5EF4-FFF2-40B4-BE49-F238E27FC236}">
-                <a16:creationId xmlns:a16="http://schemas.microsoft.com/office/drawing/2014/main" id="{471C2136-9DD0-D267-3D8B-A8EE373D98E0}"/>
+                <a16:creationId xmlns:a16="http://schemas.microsoft.com/office/drawing/2014/main" id="{069353A1-7076-B958-432E-9B8FD5750AE7}"/>
               </a:ext>
             </a:extLst>
           </p:cNvPr>
@@ -9104,32 +9595,10 @@
           <a:bodyPr/>
           <a:lstStyle/>
           <a:p>
-            <a:endParaRPr lang="en-US"/>
-          </a:p>
-        </p:txBody>
-      </p:sp>
-      <p:sp>
-        <p:nvSpPr>
-          <p:cNvPr id="4" name="Text Placeholder 3">
-            <a:extLst>
-              <a:ext uri="{FF2B5EF4-FFF2-40B4-BE49-F238E27FC236}">
-                <a16:creationId xmlns:a16="http://schemas.microsoft.com/office/drawing/2014/main" id="{B44DD88A-56DA-9FD9-78FF-2228D1EE0F97}"/>
-              </a:ext>
-            </a:extLst>
-          </p:cNvPr>
-          <p:cNvSpPr>
-            <a:spLocks noGrp="1"/>
-          </p:cNvSpPr>
-          <p:nvPr>
-            <p:ph type="body" sz="quarter" idx="14"/>
-          </p:nvPr>
-        </p:nvSpPr>
-        <p:spPr/>
-        <p:txBody>
-          <a:bodyPr/>
-          <a:lstStyle/>
-          <a:p>
-            <a:endParaRPr lang="en-US"/>
+            <a:r>
+              <a:rPr lang="en-US" dirty="0"/>
+              <a:t>RTL Diagram and Input/Output</a:t>
+            </a:r>
           </a:p>
         </p:txBody>
       </p:sp>
@@ -9138,7 +9607,7 @@
           <p:cNvPr id="5" name="Slide Number Placeholder 4">
             <a:extLst>
               <a:ext uri="{FF2B5EF4-FFF2-40B4-BE49-F238E27FC236}">
-                <a16:creationId xmlns:a16="http://schemas.microsoft.com/office/drawing/2014/main" id="{682D4168-ECD1-209B-6680-7551993E2135}"/>
+                <a16:creationId xmlns:a16="http://schemas.microsoft.com/office/drawing/2014/main" id="{A896B40E-DC06-49BF-BFD3-304517BB06A3}"/>
               </a:ext>
             </a:extLst>
           </p:cNvPr>
@@ -9162,10 +9631,80 @@
           </a:p>
         </p:txBody>
       </p:sp>
+      <p:pic>
+        <p:nvPicPr>
+          <p:cNvPr id="9" name="Picture 8" descr="A black and white screen with white text&#10;&#10;Description automatically generated">
+            <a:extLst>
+              <a:ext uri="{FF2B5EF4-FFF2-40B4-BE49-F238E27FC236}">
+                <a16:creationId xmlns:a16="http://schemas.microsoft.com/office/drawing/2014/main" id="{602A898A-4DC4-D63A-A6B4-668E5E561D40}"/>
+              </a:ext>
+            </a:extLst>
+          </p:cNvPr>
+          <p:cNvPicPr>
+            <a:picLocks noChangeAspect="1"/>
+          </p:cNvPicPr>
+          <p:nvPr/>
+        </p:nvPicPr>
+        <p:blipFill rotWithShape="1">
+          <a:blip r:embed="rId2">
+            <a:extLst>
+              <a:ext uri="{28A0092B-C50C-407E-A947-70E740481C1C}">
+                <a14:useLocalDpi xmlns:a14="http://schemas.microsoft.com/office/drawing/2010/main" val="0"/>
+              </a:ext>
+            </a:extLst>
+          </a:blip>
+          <a:srcRect l="51863" b="55404"/>
+          <a:stretch/>
+        </p:blipFill>
+        <p:spPr>
+          <a:xfrm>
+            <a:off x="1259633" y="2763923"/>
+            <a:ext cx="4259521" cy="2425474"/>
+          </a:xfrm>
+          <a:prstGeom prst="rect">
+            <a:avLst/>
+          </a:prstGeom>
+        </p:spPr>
+      </p:pic>
+      <p:pic>
+        <p:nvPicPr>
+          <p:cNvPr id="10" name="Picture 9" descr="A black and white screen with white text&#10;&#10;Description automatically generated">
+            <a:extLst>
+              <a:ext uri="{FF2B5EF4-FFF2-40B4-BE49-F238E27FC236}">
+                <a16:creationId xmlns:a16="http://schemas.microsoft.com/office/drawing/2014/main" id="{0C30E131-177D-F6B8-0AE8-D5CF155B5289}"/>
+              </a:ext>
+            </a:extLst>
+          </p:cNvPr>
+          <p:cNvPicPr>
+            <a:picLocks noChangeAspect="1"/>
+          </p:cNvPicPr>
+          <p:nvPr/>
+        </p:nvPicPr>
+        <p:blipFill rotWithShape="1">
+          <a:blip r:embed="rId2">
+            <a:extLst>
+              <a:ext uri="{28A0092B-C50C-407E-A947-70E740481C1C}">
+                <a14:useLocalDpi xmlns:a14="http://schemas.microsoft.com/office/drawing/2010/main" val="0"/>
+              </a:ext>
+            </a:extLst>
+          </a:blip>
+          <a:srcRect t="27955" r="77451" b="39963"/>
+          <a:stretch/>
+        </p:blipFill>
+        <p:spPr>
+          <a:xfrm>
+            <a:off x="6672848" y="2287197"/>
+            <a:ext cx="3863969" cy="3378925"/>
+          </a:xfrm>
+          <a:prstGeom prst="rect">
+            <a:avLst/>
+          </a:prstGeom>
+        </p:spPr>
+      </p:pic>
     </p:spTree>
     <p:extLst>
       <p:ext uri="{BB962C8B-B14F-4D97-AF65-F5344CB8AC3E}">
-        <p14:creationId xmlns:p14="http://schemas.microsoft.com/office/powerpoint/2010/main" val="3140182961"/>
+        <p14:creationId xmlns:p14="http://schemas.microsoft.com/office/powerpoint/2010/main" val="1617301959"/>
       </p:ext>
     </p:extLst>
   </p:cSld>
@@ -9197,7 +9736,7 @@
           <p:cNvPr id="2" name="Title 1">
             <a:extLst>
               <a:ext uri="{FF2B5EF4-FFF2-40B4-BE49-F238E27FC236}">
-                <a16:creationId xmlns:a16="http://schemas.microsoft.com/office/drawing/2014/main" id="{6799C4B2-C790-FB8B-4821-10F77E122C20}"/>
+                <a16:creationId xmlns:a16="http://schemas.microsoft.com/office/drawing/2014/main" id="{D1F6CC05-1F31-0C88-333C-5026AF10D397}"/>
               </a:ext>
             </a:extLst>
           </p:cNvPr>
@@ -9220,7 +9759,7 @@
           <a:p>
             <a:r>
               <a:rPr lang="en-US" dirty="0"/>
-              <a:t>Future Plans</a:t>
+              <a:t>Program Counter</a:t>
             </a:r>
           </a:p>
         </p:txBody>
@@ -9230,7 +9769,7 @@
           <p:cNvPr id="3" name="Subtitle 2">
             <a:extLst>
               <a:ext uri="{FF2B5EF4-FFF2-40B4-BE49-F238E27FC236}">
-                <a16:creationId xmlns:a16="http://schemas.microsoft.com/office/drawing/2014/main" id="{E03FFE2C-5D65-D6E4-2FE1-7A95922722D1}"/>
+                <a16:creationId xmlns:a16="http://schemas.microsoft.com/office/drawing/2014/main" id="{069353A1-7076-B958-432E-9B8FD5750AE7}"/>
               </a:ext>
             </a:extLst>
           </p:cNvPr>
@@ -9246,7 +9785,161 @@
           <a:bodyPr/>
           <a:lstStyle/>
           <a:p>
-            <a:endParaRPr lang="en-US"/>
+            <a:r>
+              <a:rPr lang="en-US" dirty="0"/>
+              <a:t>Logic and Test Cases</a:t>
+            </a:r>
+          </a:p>
+        </p:txBody>
+      </p:sp>
+      <p:sp>
+        <p:nvSpPr>
+          <p:cNvPr id="5" name="Slide Number Placeholder 4">
+            <a:extLst>
+              <a:ext uri="{FF2B5EF4-FFF2-40B4-BE49-F238E27FC236}">
+                <a16:creationId xmlns:a16="http://schemas.microsoft.com/office/drawing/2014/main" id="{A896B40E-DC06-49BF-BFD3-304517BB06A3}"/>
+              </a:ext>
+            </a:extLst>
+          </p:cNvPr>
+          <p:cNvSpPr>
+            <a:spLocks noGrp="1"/>
+          </p:cNvSpPr>
+          <p:nvPr>
+            <p:ph type="sldNum" sz="quarter" idx="12"/>
+          </p:nvPr>
+        </p:nvSpPr>
+        <p:spPr/>
+        <p:txBody>
+          <a:bodyPr/>
+          <a:lstStyle/>
+          <a:p>
+            <a:fld id="{88B5220A-EB23-48F3-9FB6-FE2BFABBF45A}" type="slidenum">
+              <a:rPr lang="en-US" smtClean="0"/>
+              <a:t>22</a:t>
+            </a:fld>
+            <a:endParaRPr lang="en-US" dirty="0"/>
+          </a:p>
+        </p:txBody>
+      </p:sp>
+      <p:pic>
+        <p:nvPicPr>
+          <p:cNvPr id="4" name="Picture 3" descr="A black and white screen with white text&#10;&#10;Description automatically generated">
+            <a:extLst>
+              <a:ext uri="{FF2B5EF4-FFF2-40B4-BE49-F238E27FC236}">
+                <a16:creationId xmlns:a16="http://schemas.microsoft.com/office/drawing/2014/main" id="{25367EB2-360C-B712-60AE-079171120897}"/>
+              </a:ext>
+            </a:extLst>
+          </p:cNvPr>
+          <p:cNvPicPr>
+            <a:picLocks noChangeAspect="1"/>
+          </p:cNvPicPr>
+          <p:nvPr/>
+        </p:nvPicPr>
+        <p:blipFill rotWithShape="1">
+          <a:blip r:embed="rId2">
+            <a:extLst>
+              <a:ext uri="{28A0092B-C50C-407E-A947-70E740481C1C}">
+                <a14:useLocalDpi xmlns:a14="http://schemas.microsoft.com/office/drawing/2010/main" val="0"/>
+              </a:ext>
+            </a:extLst>
+          </a:blip>
+          <a:srcRect t="63467" r="30844"/>
+          <a:stretch/>
+        </p:blipFill>
+        <p:spPr>
+          <a:xfrm>
+            <a:off x="1067822" y="2096305"/>
+            <a:ext cx="10056355" cy="3265228"/>
+          </a:xfrm>
+          <a:prstGeom prst="rect">
+            <a:avLst/>
+          </a:prstGeom>
+        </p:spPr>
+      </p:pic>
+      <p:pic>
+        <p:nvPicPr>
+          <p:cNvPr id="7" name="Picture 6">
+            <a:extLst>
+              <a:ext uri="{FF2B5EF4-FFF2-40B4-BE49-F238E27FC236}">
+                <a16:creationId xmlns:a16="http://schemas.microsoft.com/office/drawing/2014/main" id="{D6CA6F6B-57FF-1C2B-3B06-D79B575C3413}"/>
+              </a:ext>
+            </a:extLst>
+          </p:cNvPr>
+          <p:cNvPicPr>
+            <a:picLocks noChangeAspect="1"/>
+          </p:cNvPicPr>
+          <p:nvPr/>
+        </p:nvPicPr>
+        <p:blipFill rotWithShape="1">
+          <a:blip r:embed="rId3"/>
+          <a:srcRect l="2457" t="5161" r="1322" b="2363"/>
+          <a:stretch/>
+        </p:blipFill>
+        <p:spPr>
+          <a:xfrm>
+            <a:off x="1067822" y="1831490"/>
+            <a:ext cx="4595860" cy="4019812"/>
+          </a:xfrm>
+          <a:prstGeom prst="rect">
+            <a:avLst/>
+          </a:prstGeom>
+        </p:spPr>
+      </p:pic>
+    </p:spTree>
+    <p:extLst>
+      <p:ext uri="{BB962C8B-B14F-4D97-AF65-F5344CB8AC3E}">
+        <p14:creationId xmlns:p14="http://schemas.microsoft.com/office/powerpoint/2010/main" val="3391675750"/>
+      </p:ext>
+    </p:extLst>
+  </p:cSld>
+  <p:clrMapOvr>
+    <a:masterClrMapping/>
+  </p:clrMapOvr>
+</p:sld>
+</file>
+
+<file path=ppt/slides/slide23.xml><?xml version="1.0" encoding="utf-8"?>
+<p:sld xmlns:a="http://schemas.openxmlformats.org/drawingml/2006/main" xmlns:r="http://schemas.openxmlformats.org/officeDocument/2006/relationships" xmlns:p="http://schemas.openxmlformats.org/presentationml/2006/main">
+  <p:cSld>
+    <p:spTree>
+      <p:nvGrpSpPr>
+        <p:cNvPr id="1" name=""/>
+        <p:cNvGrpSpPr/>
+        <p:nvPr/>
+      </p:nvGrpSpPr>
+      <p:grpSpPr>
+        <a:xfrm>
+          <a:off x="0" y="0"/>
+          <a:ext cx="0" cy="0"/>
+          <a:chOff x="0" y="0"/>
+          <a:chExt cx="0" cy="0"/>
+        </a:xfrm>
+      </p:grpSpPr>
+      <p:sp>
+        <p:nvSpPr>
+          <p:cNvPr id="3" name="Subtitle 2">
+            <a:extLst>
+              <a:ext uri="{FF2B5EF4-FFF2-40B4-BE49-F238E27FC236}">
+                <a16:creationId xmlns:a16="http://schemas.microsoft.com/office/drawing/2014/main" id="{5806D1DF-0D9A-B8DD-6812-126E021288E6}"/>
+              </a:ext>
+            </a:extLst>
+          </p:cNvPr>
+          <p:cNvSpPr>
+            <a:spLocks noGrp="1"/>
+          </p:cNvSpPr>
+          <p:nvPr>
+            <p:ph type="subTitle" idx="1"/>
+          </p:nvPr>
+        </p:nvSpPr>
+        <p:spPr/>
+        <p:txBody>
+          <a:bodyPr/>
+          <a:lstStyle/>
+          <a:p>
+            <a:r>
+              <a:rPr lang="en-US" dirty="0"/>
+              <a:t>Peripherals</a:t>
+            </a:r>
           </a:p>
         </p:txBody>
       </p:sp>
@@ -9255,7 +9948,7 @@
           <p:cNvPr id="4" name="Text Placeholder 3">
             <a:extLst>
               <a:ext uri="{FF2B5EF4-FFF2-40B4-BE49-F238E27FC236}">
-                <a16:creationId xmlns:a16="http://schemas.microsoft.com/office/drawing/2014/main" id="{7794BFF1-E7A0-748B-9321-5A00891D805A}"/>
+                <a16:creationId xmlns:a16="http://schemas.microsoft.com/office/drawing/2014/main" id="{3DA43C72-2EB3-C9AE-F972-674773CEEACB}"/>
               </a:ext>
             </a:extLst>
           </p:cNvPr>
@@ -9272,18 +9965,50 @@
           <a:lstStyle/>
           <a:p>
             <a:r>
-              <a:rPr lang="en-US" dirty="0"/>
-              <a:t>Error correction?</a:t>
-            </a:r>
-          </a:p>
-        </p:txBody>
-      </p:sp>
-      <p:sp>
-        <p:nvSpPr>
-          <p:cNvPr id="5" name="Slide Number Placeholder 4">
-            <a:extLst>
-              <a:ext uri="{FF2B5EF4-FFF2-40B4-BE49-F238E27FC236}">
-                <a16:creationId xmlns:a16="http://schemas.microsoft.com/office/drawing/2014/main" id="{5BDDAFA0-D6CE-5536-5E75-4528A2EC55BD}"/>
+              <a:rPr lang="en-US" dirty="0">
+                <a:sym typeface="Wingdings" panose="05000000000000000000" pitchFamily="2" charset="2"/>
+              </a:rPr>
+              <a:t></a:t>
+            </a:r>
+            <a:endParaRPr lang="en-US" dirty="0"/>
+          </a:p>
+        </p:txBody>
+      </p:sp>
+      <p:sp>
+        <p:nvSpPr>
+          <p:cNvPr id="5" name="Date Placeholder 4">
+            <a:extLst>
+              <a:ext uri="{FF2B5EF4-FFF2-40B4-BE49-F238E27FC236}">
+                <a16:creationId xmlns:a16="http://schemas.microsoft.com/office/drawing/2014/main" id="{4A36A210-16DC-D88E-57A8-BA1A67545AB4}"/>
+              </a:ext>
+            </a:extLst>
+          </p:cNvPr>
+          <p:cNvSpPr>
+            <a:spLocks noGrp="1"/>
+          </p:cNvSpPr>
+          <p:nvPr>
+            <p:ph type="dt" sz="half" idx="10"/>
+          </p:nvPr>
+        </p:nvSpPr>
+        <p:spPr/>
+        <p:txBody>
+          <a:bodyPr/>
+          <a:lstStyle/>
+          <a:p>
+            <a:fld id="{061EA3C6-DD3E-482F-9D22-E8397E9573C0}" type="datetime1">
+              <a:rPr lang="en-US" smtClean="0"/>
+              <a:t>6/19/2024</a:t>
+            </a:fld>
+            <a:endParaRPr lang="en-US"/>
+          </a:p>
+        </p:txBody>
+      </p:sp>
+      <p:sp>
+        <p:nvSpPr>
+          <p:cNvPr id="6" name="Slide Number Placeholder 5">
+            <a:extLst>
+              <a:ext uri="{FF2B5EF4-FFF2-40B4-BE49-F238E27FC236}">
+                <a16:creationId xmlns:a16="http://schemas.microsoft.com/office/drawing/2014/main" id="{C56E183E-DC6A-08E9-1938-6B7097ED56D4}"/>
               </a:ext>
             </a:extLst>
           </p:cNvPr>
@@ -9301,18 +10026,1413 @@
           <a:p>
             <a:fld id="{88B5220A-EB23-48F3-9FB6-FE2BFABBF45A}" type="slidenum">
               <a:rPr lang="en-US" smtClean="0"/>
-              <a:t>22</a:t>
+              <a:t>23</a:t>
             </a:fld>
-            <a:endParaRPr lang="en-US" dirty="0"/>
+            <a:endParaRPr lang="en-US"/>
           </a:p>
         </p:txBody>
       </p:sp>
     </p:spTree>
     <p:extLst>
       <p:ext uri="{BB962C8B-B14F-4D97-AF65-F5344CB8AC3E}">
-        <p14:creationId xmlns:p14="http://schemas.microsoft.com/office/powerpoint/2010/main" val="391822046"/>
+        <p14:creationId xmlns:p14="http://schemas.microsoft.com/office/powerpoint/2010/main" val="886395465"/>
       </p:ext>
     </p:extLst>
+  </p:cSld>
+  <p:clrMapOvr>
+    <a:masterClrMapping/>
+  </p:clrMapOvr>
+</p:sld>
+</file>
+
+<file path=ppt/slides/slide24.xml><?xml version="1.0" encoding="utf-8"?>
+<p:sld xmlns:a="http://schemas.openxmlformats.org/drawingml/2006/main" xmlns:r="http://schemas.openxmlformats.org/officeDocument/2006/relationships" xmlns:p="http://schemas.openxmlformats.org/presentationml/2006/main">
+  <p:cSld>
+    <p:spTree>
+      <p:nvGrpSpPr>
+        <p:cNvPr id="1" name=""/>
+        <p:cNvGrpSpPr/>
+        <p:nvPr/>
+      </p:nvGrpSpPr>
+      <p:grpSpPr>
+        <a:xfrm>
+          <a:off x="0" y="0"/>
+          <a:ext cx="0" cy="0"/>
+          <a:chOff x="0" y="0"/>
+          <a:chExt cx="0" cy="0"/>
+        </a:xfrm>
+      </p:grpSpPr>
+      <p:sp>
+        <p:nvSpPr>
+          <p:cNvPr id="131" name="PlaceHolder 1"/>
+          <p:cNvSpPr>
+            <a:spLocks noGrp="1"/>
+          </p:cNvSpPr>
+          <p:nvPr>
+            <p:ph type="title"/>
+          </p:nvPr>
+        </p:nvSpPr>
+        <p:spPr>
+          <a:xfrm>
+            <a:off x="1504800" y="437040"/>
+            <a:ext cx="9234000" cy="498240"/>
+          </a:xfrm>
+          <a:prstGeom prst="rect">
+            <a:avLst/>
+          </a:prstGeom>
+          <a:noFill/>
+          <a:ln w="38160">
+            <a:noFill/>
+          </a:ln>
+        </p:spPr>
+        <p:txBody>
+          <a:bodyPr lIns="0" tIns="0" rIns="0" bIns="0" anchor="t">
+            <a:noAutofit/>
+          </a:bodyPr>
+          <a:lstStyle/>
+          <a:p>
+            <a:pPr>
+              <a:lnSpc>
+                <a:spcPct val="90000"/>
+              </a:lnSpc>
+              <a:buNone/>
+            </a:pPr>
+            <a:r>
+              <a:rPr lang="en-US" sz="3600" b="1" i="1" strike="noStrike" spc="-1">
+                <a:solidFill>
+                  <a:srgbClr val="C9B991"/>
+                </a:solidFill>
+                <a:latin typeface="Acumin Pro ExtraCondensed"/>
+              </a:rPr>
+              <a:t>I/O UART Rx Input</a:t>
+            </a:r>
+            <a:endParaRPr lang="en-US" sz="3600" b="0" strike="noStrike" spc="-1">
+              <a:solidFill>
+                <a:srgbClr val="000000"/>
+              </a:solidFill>
+              <a:latin typeface="Acumin Pro"/>
+            </a:endParaRPr>
+          </a:p>
+        </p:txBody>
+      </p:sp>
+      <p:sp>
+        <p:nvSpPr>
+          <p:cNvPr id="132" name="Slide Number Placeholder 4"/>
+          <p:cNvSpPr/>
+          <p:nvPr/>
+        </p:nvSpPr>
+        <p:spPr>
+          <a:xfrm>
+            <a:off x="10555920" y="6266520"/>
+            <a:ext cx="284400" cy="231840"/>
+          </a:xfrm>
+          <a:prstGeom prst="ellipse">
+            <a:avLst/>
+          </a:prstGeom>
+          <a:noFill/>
+          <a:ln w="0">
+            <a:noFill/>
+          </a:ln>
+        </p:spPr>
+        <p:style>
+          <a:lnRef idx="0">
+            <a:scrgbClr r="0" g="0" b="0"/>
+          </a:lnRef>
+          <a:fillRef idx="0">
+            <a:scrgbClr r="0" g="0" b="0"/>
+          </a:fillRef>
+          <a:effectRef idx="0">
+            <a:scrgbClr r="0" g="0" b="0"/>
+          </a:effectRef>
+          <a:fontRef idx="minor"/>
+        </p:style>
+        <p:txBody>
+          <a:bodyPr lIns="18360" tIns="91440" rIns="18360" bIns="91440" anchor="ctr">
+            <a:noAutofit/>
+          </a:bodyPr>
+          <a:lstStyle/>
+          <a:p>
+            <a:pPr algn="ctr">
+              <a:lnSpc>
+                <a:spcPct val="100000"/>
+              </a:lnSpc>
+              <a:buNone/>
+            </a:pPr>
+            <a:fld id="{5D9E6E4B-F4CB-4953-8706-B446F2861B71}" type="slidenum">
+              <a:rPr lang="en-US" sz="1000" b="1" strike="noStrike" spc="-1">
+                <a:solidFill>
+                  <a:srgbClr val="000000"/>
+                </a:solidFill>
+                <a:latin typeface="Acumin Pro Semibold"/>
+              </a:rPr>
+              <a:t>24</a:t>
+            </a:fld>
+            <a:endParaRPr lang="en-US" sz="1000" b="0" strike="noStrike" spc="-1">
+              <a:latin typeface="Arial"/>
+            </a:endParaRPr>
+          </a:p>
+        </p:txBody>
+      </p:sp>
+      <p:pic>
+        <p:nvPicPr>
+          <p:cNvPr id="133" name="Picture 132"/>
+          <p:cNvPicPr/>
+          <p:nvPr/>
+        </p:nvPicPr>
+        <p:blipFill>
+          <a:blip r:embed="rId2"/>
+          <a:stretch/>
+        </p:blipFill>
+        <p:spPr>
+          <a:xfrm>
+            <a:off x="914400" y="1371600"/>
+            <a:ext cx="10120320" cy="4572000"/>
+          </a:xfrm>
+          <a:prstGeom prst="rect">
+            <a:avLst/>
+          </a:prstGeom>
+          <a:ln w="0">
+            <a:noFill/>
+          </a:ln>
+        </p:spPr>
+      </p:pic>
+    </p:spTree>
+  </p:cSld>
+  <p:clrMapOvr>
+    <a:masterClrMapping/>
+  </p:clrMapOvr>
+</p:sld>
+</file>
+
+<file path=ppt/slides/slide25.xml><?xml version="1.0" encoding="utf-8"?>
+<p:sld xmlns:a="http://schemas.openxmlformats.org/drawingml/2006/main" xmlns:r="http://schemas.openxmlformats.org/officeDocument/2006/relationships" xmlns:p="http://schemas.openxmlformats.org/presentationml/2006/main">
+  <p:cSld>
+    <p:spTree>
+      <p:nvGrpSpPr>
+        <p:cNvPr id="1" name=""/>
+        <p:cNvGrpSpPr/>
+        <p:nvPr/>
+      </p:nvGrpSpPr>
+      <p:grpSpPr>
+        <a:xfrm>
+          <a:off x="0" y="0"/>
+          <a:ext cx="0" cy="0"/>
+          <a:chOff x="0" y="0"/>
+          <a:chExt cx="0" cy="0"/>
+        </a:xfrm>
+      </p:grpSpPr>
+      <p:sp>
+        <p:nvSpPr>
+          <p:cNvPr id="134" name="PlaceHolder 1"/>
+          <p:cNvSpPr>
+            <a:spLocks noGrp="1"/>
+          </p:cNvSpPr>
+          <p:nvPr>
+            <p:ph type="title"/>
+          </p:nvPr>
+        </p:nvSpPr>
+        <p:spPr>
+          <a:xfrm>
+            <a:off x="1504800" y="437040"/>
+            <a:ext cx="9234000" cy="498240"/>
+          </a:xfrm>
+          <a:prstGeom prst="rect">
+            <a:avLst/>
+          </a:prstGeom>
+          <a:noFill/>
+          <a:ln w="38160">
+            <a:noFill/>
+          </a:ln>
+        </p:spPr>
+        <p:txBody>
+          <a:bodyPr lIns="0" tIns="0" rIns="0" bIns="0" anchor="t">
+            <a:noAutofit/>
+          </a:bodyPr>
+          <a:lstStyle/>
+          <a:p>
+            <a:pPr>
+              <a:lnSpc>
+                <a:spcPct val="90000"/>
+              </a:lnSpc>
+              <a:buNone/>
+            </a:pPr>
+            <a:r>
+              <a:rPr lang="en-US" sz="3600" b="1" i="1" strike="noStrike" spc="-1">
+                <a:solidFill>
+                  <a:srgbClr val="C9B991"/>
+                </a:solidFill>
+                <a:latin typeface="Acumin Pro ExtraCondensed"/>
+              </a:rPr>
+              <a:t>I/O UART Output Components</a:t>
+            </a:r>
+            <a:endParaRPr lang="en-US" sz="3600" b="0" strike="noStrike" spc="-1">
+              <a:solidFill>
+                <a:srgbClr val="000000"/>
+              </a:solidFill>
+              <a:latin typeface="Acumin Pro"/>
+            </a:endParaRPr>
+          </a:p>
+        </p:txBody>
+      </p:sp>
+      <p:sp>
+        <p:nvSpPr>
+          <p:cNvPr id="135" name="Slide Number Placeholder 5"/>
+          <p:cNvSpPr/>
+          <p:nvPr/>
+        </p:nvSpPr>
+        <p:spPr>
+          <a:xfrm>
+            <a:off x="10784520" y="6293520"/>
+            <a:ext cx="284400" cy="231840"/>
+          </a:xfrm>
+          <a:prstGeom prst="ellipse">
+            <a:avLst/>
+          </a:prstGeom>
+          <a:noFill/>
+          <a:ln w="0">
+            <a:noFill/>
+          </a:ln>
+        </p:spPr>
+        <p:style>
+          <a:lnRef idx="0">
+            <a:scrgbClr r="0" g="0" b="0"/>
+          </a:lnRef>
+          <a:fillRef idx="0">
+            <a:scrgbClr r="0" g="0" b="0"/>
+          </a:fillRef>
+          <a:effectRef idx="0">
+            <a:scrgbClr r="0" g="0" b="0"/>
+          </a:effectRef>
+          <a:fontRef idx="minor"/>
+        </p:style>
+        <p:txBody>
+          <a:bodyPr lIns="18360" tIns="91440" rIns="18360" bIns="91440" anchor="ctr">
+            <a:noAutofit/>
+          </a:bodyPr>
+          <a:lstStyle/>
+          <a:p>
+            <a:pPr algn="ctr">
+              <a:lnSpc>
+                <a:spcPct val="100000"/>
+              </a:lnSpc>
+              <a:buNone/>
+            </a:pPr>
+            <a:fld id="{AEBFAFD4-3E0C-4D42-97D4-DD59EC9A1744}" type="slidenum">
+              <a:rPr lang="en-US" sz="1000" b="1" strike="noStrike" spc="-1">
+                <a:solidFill>
+                  <a:srgbClr val="000000"/>
+                </a:solidFill>
+                <a:latin typeface="Acumin Pro Semibold"/>
+              </a:rPr>
+              <a:t>25</a:t>
+            </a:fld>
+            <a:endParaRPr lang="en-US" sz="1000" b="0" strike="noStrike" spc="-1">
+              <a:latin typeface="Arial"/>
+            </a:endParaRPr>
+          </a:p>
+        </p:txBody>
+      </p:sp>
+      <p:sp>
+        <p:nvSpPr>
+          <p:cNvPr id="136" name="TextBox 135"/>
+          <p:cNvSpPr txBox="1"/>
+          <p:nvPr/>
+        </p:nvSpPr>
+        <p:spPr>
+          <a:xfrm>
+            <a:off x="1371600" y="1143000"/>
+            <a:ext cx="9144000" cy="4185720"/>
+          </a:xfrm>
+          <a:prstGeom prst="rect">
+            <a:avLst/>
+          </a:prstGeom>
+          <a:noFill/>
+          <a:ln w="0">
+            <a:noFill/>
+          </a:ln>
+        </p:spPr>
+        <p:txBody>
+          <a:bodyPr lIns="90000" tIns="45000" rIns="90000" bIns="45000" anchor="t">
+            <a:noAutofit/>
+          </a:bodyPr>
+          <a:lstStyle/>
+          <a:p>
+            <a:pPr>
+              <a:lnSpc>
+                <a:spcPct val="100000"/>
+              </a:lnSpc>
+              <a:buNone/>
+            </a:pPr>
+            <a:r>
+              <a:rPr lang="en-US" sz="1800" b="1" strike="noStrike" spc="-1">
+                <a:latin typeface="Arial"/>
+              </a:rPr>
+              <a:t>Recieve Indicator:</a:t>
+            </a:r>
+            <a:r>
+              <a:rPr lang="en-US" sz="1800" b="0" strike="noStrike" spc="-1">
+                <a:latin typeface="Arial"/>
+              </a:rPr>
+              <a:t> When Rx is low, receive_out becomes high. When recieve_in is 		    high, receive_out is low until Rx becomes low again</a:t>
+            </a:r>
+          </a:p>
+          <a:p>
+            <a:endParaRPr lang="en-US" sz="1800" b="0" strike="noStrike" spc="-1">
+              <a:latin typeface="Arial"/>
+            </a:endParaRPr>
+          </a:p>
+          <a:p>
+            <a:r>
+              <a:rPr lang="en-US" sz="1800" b="1" strike="noStrike" spc="-1">
+                <a:latin typeface="Arial"/>
+              </a:rPr>
+              <a:t>Clock Counter:</a:t>
+            </a:r>
+            <a:r>
+              <a:rPr lang="en-US" sz="1800" b="0" strike="noStrike" spc="-1">
+                <a:latin typeface="Arial"/>
+              </a:rPr>
+              <a:t> When given a high input signal, starts counting the clock cycles until 		counting to the BAUD rate and starting over </a:t>
+            </a:r>
+          </a:p>
+          <a:p>
+            <a:r>
+              <a:rPr lang="en-US" sz="1800" b="1" strike="noStrike" spc="-1">
+                <a:latin typeface="Arial"/>
+              </a:rPr>
+              <a:t>	Output:</a:t>
+            </a:r>
+            <a:r>
+              <a:rPr lang="en-US" sz="1800" b="0" strike="noStrike" spc="-1">
+                <a:latin typeface="Arial"/>
+              </a:rPr>
+              <a:t> When the BAUD rate is hit, sends an output bit_count signal</a:t>
+            </a:r>
+          </a:p>
+          <a:p>
+            <a:endParaRPr lang="en-US" sz="1800" b="0" strike="noStrike" spc="-1">
+              <a:latin typeface="Arial"/>
+            </a:endParaRPr>
+          </a:p>
+          <a:p>
+            <a:r>
+              <a:rPr lang="en-US" sz="1800" b="1" strike="noStrike" spc="-1">
+                <a:latin typeface="Arial"/>
+              </a:rPr>
+              <a:t>Bit Counter: </a:t>
+            </a:r>
+            <a:r>
+              <a:rPr lang="en-US" sz="1800" b="0" strike="noStrike" spc="-1">
+                <a:latin typeface="Arial"/>
+              </a:rPr>
+              <a:t>When given a high bit_count input, adds to the counter until reaching 8 and 		starting over</a:t>
+            </a:r>
+          </a:p>
+          <a:p>
+            <a:r>
+              <a:rPr lang="en-US" sz="1800" b="0" strike="noStrike" spc="-1">
+                <a:latin typeface="Arial"/>
+              </a:rPr>
+              <a:t>	</a:t>
+            </a:r>
+            <a:r>
+              <a:rPr lang="en-US" sz="1800" b="1" strike="noStrike" spc="-1">
+                <a:latin typeface="Arial"/>
+              </a:rPr>
+              <a:t>Output:</a:t>
+            </a:r>
+            <a:r>
+              <a:rPr lang="en-US" sz="1800" b="0" strike="noStrike" spc="-1">
+                <a:latin typeface="Arial"/>
+              </a:rPr>
+              <a:t> On each count, enables the shift register to shift in the Rx bit</a:t>
+            </a:r>
+          </a:p>
+          <a:p>
+            <a:r>
+              <a:rPr lang="en-US" sz="1800" b="0" strike="noStrike" spc="-1">
+                <a:latin typeface="Arial"/>
+              </a:rPr>
+              <a:t>		When 8 is reached, sends a high ready signal and a low receiving 		signal to indicate bits have stopped sending</a:t>
+            </a:r>
+          </a:p>
+          <a:p>
+            <a:endParaRPr lang="en-US" sz="1800" b="0" strike="noStrike" spc="-1">
+              <a:latin typeface="Arial"/>
+            </a:endParaRPr>
+          </a:p>
+        </p:txBody>
+      </p:sp>
+    </p:spTree>
+  </p:cSld>
+  <p:clrMapOvr>
+    <a:masterClrMapping/>
+  </p:clrMapOvr>
+</p:sld>
+</file>
+
+<file path=ppt/slides/slide26.xml><?xml version="1.0" encoding="utf-8"?>
+<p:sld xmlns:a="http://schemas.openxmlformats.org/drawingml/2006/main" xmlns:r="http://schemas.openxmlformats.org/officeDocument/2006/relationships" xmlns:p="http://schemas.openxmlformats.org/presentationml/2006/main">
+  <p:cSld>
+    <p:spTree>
+      <p:nvGrpSpPr>
+        <p:cNvPr id="1" name=""/>
+        <p:cNvGrpSpPr/>
+        <p:nvPr/>
+      </p:nvGrpSpPr>
+      <p:grpSpPr>
+        <a:xfrm>
+          <a:off x="0" y="0"/>
+          <a:ext cx="0" cy="0"/>
+          <a:chOff x="0" y="0"/>
+          <a:chExt cx="0" cy="0"/>
+        </a:xfrm>
+      </p:grpSpPr>
+      <p:sp>
+        <p:nvSpPr>
+          <p:cNvPr id="137" name="PlaceHolder 1"/>
+          <p:cNvSpPr>
+            <a:spLocks noGrp="1"/>
+          </p:cNvSpPr>
+          <p:nvPr>
+            <p:ph type="title"/>
+          </p:nvPr>
+        </p:nvSpPr>
+        <p:spPr>
+          <a:xfrm>
+            <a:off x="1504800" y="437040"/>
+            <a:ext cx="9234000" cy="498240"/>
+          </a:xfrm>
+          <a:prstGeom prst="rect">
+            <a:avLst/>
+          </a:prstGeom>
+          <a:noFill/>
+          <a:ln w="38160">
+            <a:noFill/>
+          </a:ln>
+        </p:spPr>
+        <p:txBody>
+          <a:bodyPr lIns="0" tIns="0" rIns="0" bIns="0" anchor="t">
+            <a:noAutofit/>
+          </a:bodyPr>
+          <a:lstStyle/>
+          <a:p>
+            <a:pPr>
+              <a:lnSpc>
+                <a:spcPct val="90000"/>
+              </a:lnSpc>
+              <a:buNone/>
+            </a:pPr>
+            <a:r>
+              <a:rPr lang="en-US" sz="3600" b="1" i="1" strike="noStrike" spc="-1">
+                <a:solidFill>
+                  <a:srgbClr val="C9B991"/>
+                </a:solidFill>
+                <a:latin typeface="Acumin Pro ExtraCondensed"/>
+              </a:rPr>
+              <a:t>I/O UART Rx Input Test Case</a:t>
+            </a:r>
+            <a:endParaRPr lang="en-US" sz="3600" b="0" strike="noStrike" spc="-1">
+              <a:solidFill>
+                <a:srgbClr val="000000"/>
+              </a:solidFill>
+              <a:latin typeface="Acumin Pro"/>
+            </a:endParaRPr>
+          </a:p>
+        </p:txBody>
+      </p:sp>
+      <p:sp>
+        <p:nvSpPr>
+          <p:cNvPr id="138" name="TextBox 137"/>
+          <p:cNvSpPr txBox="1"/>
+          <p:nvPr/>
+        </p:nvSpPr>
+        <p:spPr>
+          <a:xfrm>
+            <a:off x="1371600" y="1371600"/>
+            <a:ext cx="9601200" cy="4800600"/>
+          </a:xfrm>
+          <a:prstGeom prst="rect">
+            <a:avLst/>
+          </a:prstGeom>
+          <a:noFill/>
+          <a:ln w="0">
+            <a:noFill/>
+          </a:ln>
+        </p:spPr>
+        <p:txBody>
+          <a:bodyPr lIns="90000" tIns="45000" rIns="90000" bIns="45000" anchor="t">
+            <a:noAutofit/>
+          </a:bodyPr>
+          <a:lstStyle/>
+          <a:p>
+            <a:r>
+              <a:rPr lang="en-US" sz="1800" b="0" strike="noStrike" spc="-1">
+                <a:latin typeface="Arial"/>
+              </a:rPr>
+              <a:t>- Test that reset sets everything to 0</a:t>
+            </a:r>
+          </a:p>
+          <a:p>
+            <a:endParaRPr lang="en-US" sz="1800" b="0" strike="noStrike" spc="-1">
+              <a:latin typeface="Arial"/>
+            </a:endParaRPr>
+          </a:p>
+          <a:p>
+            <a:r>
+              <a:rPr lang="en-US" sz="1800" b="0" strike="noStrike" spc="-1">
+                <a:latin typeface="Arial"/>
+              </a:rPr>
+              <a:t>- Test that if you arent receiving and, and the Rx signal is low, then receive flag should now be high</a:t>
+            </a:r>
+          </a:p>
+          <a:p>
+            <a:endParaRPr lang="en-US" sz="1800" b="0" strike="noStrike" spc="-1">
+              <a:latin typeface="Arial"/>
+            </a:endParaRPr>
+          </a:p>
+          <a:p>
+            <a:r>
+              <a:rPr lang="en-US" sz="1800" b="0" strike="noStrike" spc="-1">
+                <a:latin typeface="Arial"/>
+              </a:rPr>
+              <a:t>- Test that the bit count increases after ‘BAUD rate’ clock cycles</a:t>
+            </a:r>
+          </a:p>
+          <a:p>
+            <a:endParaRPr lang="en-US" sz="1800" b="0" strike="noStrike" spc="-1">
+              <a:latin typeface="Arial"/>
+            </a:endParaRPr>
+          </a:p>
+          <a:p>
+            <a:r>
+              <a:rPr lang="en-US" sz="1800" b="0" strike="noStrike" spc="-1">
+                <a:latin typeface="Arial"/>
+              </a:rPr>
+              <a:t>- Test that we shift in a new bit after each BAUD Cycle. </a:t>
+            </a:r>
+          </a:p>
+          <a:p>
+            <a:endParaRPr lang="en-US" sz="1800" b="0" strike="noStrike" spc="-1">
+              <a:latin typeface="Arial"/>
+            </a:endParaRPr>
+          </a:p>
+          <a:p>
+            <a:r>
+              <a:rPr lang="en-US" sz="1800" b="0" strike="noStrike" spc="-1">
+                <a:latin typeface="Arial"/>
+              </a:rPr>
+              <a:t>- Test that after 8 bits get cycled in, receiving flag is low, shift contains all our input bits, and the ready flag turns on</a:t>
+            </a:r>
+          </a:p>
+          <a:p>
+            <a:endParaRPr lang="en-US" sz="1800" b="0" strike="noStrike" spc="-1">
+              <a:latin typeface="Arial"/>
+            </a:endParaRPr>
+          </a:p>
+          <a:p>
+            <a:r>
+              <a:rPr lang="en-US" sz="1800" b="0" strike="noStrike" spc="-1">
+                <a:latin typeface="Arial"/>
+              </a:rPr>
+              <a:t>- Test that on the next clock cycle (with ready = 1) , the data gets sent to memory, and the ready flag turns off. </a:t>
+            </a:r>
+          </a:p>
+          <a:p>
+            <a:endParaRPr lang="en-US" sz="1800" b="0" strike="noStrike" spc="-1">
+              <a:latin typeface="Arial"/>
+            </a:endParaRPr>
+          </a:p>
+          <a:p>
+            <a:r>
+              <a:rPr lang="en-US" sz="1800" b="0" strike="noStrike" spc="-1">
+                <a:latin typeface="Arial"/>
+              </a:rPr>
+              <a:t>- Test 3 or 4 different serial inputs and make sure they all are all sent to memory accurately</a:t>
+            </a:r>
+          </a:p>
+        </p:txBody>
+      </p:sp>
+    </p:spTree>
+  </p:cSld>
+  <p:clrMapOvr>
+    <a:masterClrMapping/>
+  </p:clrMapOvr>
+</p:sld>
+</file>
+
+<file path=ppt/slides/slide27.xml><?xml version="1.0" encoding="utf-8"?>
+<p:sld xmlns:a="http://schemas.openxmlformats.org/drawingml/2006/main" xmlns:r="http://schemas.openxmlformats.org/officeDocument/2006/relationships" xmlns:p="http://schemas.openxmlformats.org/presentationml/2006/main">
+  <p:cSld>
+    <p:spTree>
+      <p:nvGrpSpPr>
+        <p:cNvPr id="1" name=""/>
+        <p:cNvGrpSpPr/>
+        <p:nvPr/>
+      </p:nvGrpSpPr>
+      <p:grpSpPr>
+        <a:xfrm>
+          <a:off x="0" y="0"/>
+          <a:ext cx="0" cy="0"/>
+          <a:chOff x="0" y="0"/>
+          <a:chExt cx="0" cy="0"/>
+        </a:xfrm>
+      </p:grpSpPr>
+      <p:sp>
+        <p:nvSpPr>
+          <p:cNvPr id="139" name="PlaceHolder 1"/>
+          <p:cNvSpPr>
+            <a:spLocks noGrp="1"/>
+          </p:cNvSpPr>
+          <p:nvPr>
+            <p:ph type="title"/>
+          </p:nvPr>
+        </p:nvSpPr>
+        <p:spPr>
+          <a:xfrm>
+            <a:off x="1504800" y="437040"/>
+            <a:ext cx="9234000" cy="498240"/>
+          </a:xfrm>
+          <a:prstGeom prst="rect">
+            <a:avLst/>
+          </a:prstGeom>
+          <a:noFill/>
+          <a:ln w="38160">
+            <a:noFill/>
+          </a:ln>
+        </p:spPr>
+        <p:txBody>
+          <a:bodyPr lIns="0" tIns="0" rIns="0" bIns="0" anchor="t">
+            <a:noAutofit/>
+          </a:bodyPr>
+          <a:lstStyle/>
+          <a:p>
+            <a:pPr>
+              <a:lnSpc>
+                <a:spcPct val="90000"/>
+              </a:lnSpc>
+              <a:buNone/>
+            </a:pPr>
+            <a:r>
+              <a:rPr lang="en-US" sz="3600" b="1" i="1" strike="noStrike" spc="-1">
+                <a:solidFill>
+                  <a:srgbClr val="C9B991"/>
+                </a:solidFill>
+                <a:latin typeface="Acumin Pro ExtraCondensed"/>
+              </a:rPr>
+              <a:t>I/O VGA Output </a:t>
+            </a:r>
+            <a:endParaRPr lang="en-US" sz="3600" b="0" strike="noStrike" spc="-1">
+              <a:solidFill>
+                <a:srgbClr val="000000"/>
+              </a:solidFill>
+              <a:latin typeface="Acumin Pro"/>
+            </a:endParaRPr>
+          </a:p>
+        </p:txBody>
+      </p:sp>
+      <p:sp>
+        <p:nvSpPr>
+          <p:cNvPr id="140" name="Slide Number Placeholder 2"/>
+          <p:cNvSpPr/>
+          <p:nvPr/>
+        </p:nvSpPr>
+        <p:spPr>
+          <a:xfrm>
+            <a:off x="10784520" y="6293520"/>
+            <a:ext cx="284400" cy="231840"/>
+          </a:xfrm>
+          <a:prstGeom prst="ellipse">
+            <a:avLst/>
+          </a:prstGeom>
+          <a:noFill/>
+          <a:ln w="0">
+            <a:noFill/>
+          </a:ln>
+        </p:spPr>
+        <p:style>
+          <a:lnRef idx="0">
+            <a:scrgbClr r="0" g="0" b="0"/>
+          </a:lnRef>
+          <a:fillRef idx="0">
+            <a:scrgbClr r="0" g="0" b="0"/>
+          </a:fillRef>
+          <a:effectRef idx="0">
+            <a:scrgbClr r="0" g="0" b="0"/>
+          </a:effectRef>
+          <a:fontRef idx="minor"/>
+        </p:style>
+        <p:txBody>
+          <a:bodyPr lIns="18360" tIns="91440" rIns="18360" bIns="91440" anchor="ctr">
+            <a:noAutofit/>
+          </a:bodyPr>
+          <a:lstStyle/>
+          <a:p>
+            <a:pPr algn="ctr">
+              <a:lnSpc>
+                <a:spcPct val="100000"/>
+              </a:lnSpc>
+              <a:buNone/>
+            </a:pPr>
+            <a:fld id="{698CCFE2-6E6E-45F8-8D93-D60E3067889B}" type="slidenum">
+              <a:rPr lang="en-US" sz="1000" b="1" strike="noStrike" spc="-1">
+                <a:solidFill>
+                  <a:srgbClr val="000000"/>
+                </a:solidFill>
+                <a:latin typeface="Acumin Pro Semibold"/>
+              </a:rPr>
+              <a:t>27</a:t>
+            </a:fld>
+            <a:endParaRPr lang="en-US" sz="1000" b="0" strike="noStrike" spc="-1">
+              <a:latin typeface="Arial"/>
+            </a:endParaRPr>
+          </a:p>
+        </p:txBody>
+      </p:sp>
+      <p:pic>
+        <p:nvPicPr>
+          <p:cNvPr id="141" name="Picture 140"/>
+          <p:cNvPicPr/>
+          <p:nvPr/>
+        </p:nvPicPr>
+        <p:blipFill>
+          <a:blip r:embed="rId2"/>
+          <a:stretch/>
+        </p:blipFill>
+        <p:spPr>
+          <a:xfrm>
+            <a:off x="2057400" y="1143000"/>
+            <a:ext cx="8004600" cy="5486400"/>
+          </a:xfrm>
+          <a:prstGeom prst="rect">
+            <a:avLst/>
+          </a:prstGeom>
+          <a:ln w="0">
+            <a:noFill/>
+          </a:ln>
+        </p:spPr>
+      </p:pic>
+    </p:spTree>
+  </p:cSld>
+  <p:clrMapOvr>
+    <a:masterClrMapping/>
+  </p:clrMapOvr>
+</p:sld>
+</file>
+
+<file path=ppt/slides/slide28.xml><?xml version="1.0" encoding="utf-8"?>
+<p:sld xmlns:a="http://schemas.openxmlformats.org/drawingml/2006/main" xmlns:r="http://schemas.openxmlformats.org/officeDocument/2006/relationships" xmlns:p="http://schemas.openxmlformats.org/presentationml/2006/main">
+  <p:cSld>
+    <p:spTree>
+      <p:nvGrpSpPr>
+        <p:cNvPr id="1" name=""/>
+        <p:cNvGrpSpPr/>
+        <p:nvPr/>
+      </p:nvGrpSpPr>
+      <p:grpSpPr>
+        <a:xfrm>
+          <a:off x="0" y="0"/>
+          <a:ext cx="0" cy="0"/>
+          <a:chOff x="0" y="0"/>
+          <a:chExt cx="0" cy="0"/>
+        </a:xfrm>
+      </p:grpSpPr>
+      <p:sp>
+        <p:nvSpPr>
+          <p:cNvPr id="142" name="PlaceHolder 1"/>
+          <p:cNvSpPr>
+            <a:spLocks noGrp="1"/>
+          </p:cNvSpPr>
+          <p:nvPr>
+            <p:ph type="title"/>
+          </p:nvPr>
+        </p:nvSpPr>
+        <p:spPr>
+          <a:xfrm>
+            <a:off x="1504800" y="437040"/>
+            <a:ext cx="9234000" cy="498240"/>
+          </a:xfrm>
+          <a:prstGeom prst="rect">
+            <a:avLst/>
+          </a:prstGeom>
+          <a:noFill/>
+          <a:ln w="38160">
+            <a:noFill/>
+          </a:ln>
+        </p:spPr>
+        <p:txBody>
+          <a:bodyPr lIns="0" tIns="0" rIns="0" bIns="0" anchor="t">
+            <a:noAutofit/>
+          </a:bodyPr>
+          <a:lstStyle/>
+          <a:p>
+            <a:pPr>
+              <a:lnSpc>
+                <a:spcPct val="90000"/>
+              </a:lnSpc>
+              <a:buNone/>
+            </a:pPr>
+            <a:r>
+              <a:rPr lang="en-US" sz="3600" b="1" i="1" strike="noStrike" spc="-1">
+                <a:solidFill>
+                  <a:srgbClr val="C9B991"/>
+                </a:solidFill>
+                <a:latin typeface="Acumin Pro ExtraCondensed"/>
+              </a:rPr>
+              <a:t>I/O VGA Output Components</a:t>
+            </a:r>
+            <a:endParaRPr lang="en-US" sz="3600" b="0" strike="noStrike" spc="-1">
+              <a:solidFill>
+                <a:srgbClr val="000000"/>
+              </a:solidFill>
+              <a:latin typeface="Acumin Pro"/>
+            </a:endParaRPr>
+          </a:p>
+        </p:txBody>
+      </p:sp>
+      <p:sp>
+        <p:nvSpPr>
+          <p:cNvPr id="143" name="Slide Number Placeholder 3"/>
+          <p:cNvSpPr/>
+          <p:nvPr/>
+        </p:nvSpPr>
+        <p:spPr>
+          <a:xfrm>
+            <a:off x="10784520" y="6293520"/>
+            <a:ext cx="284400" cy="231840"/>
+          </a:xfrm>
+          <a:prstGeom prst="ellipse">
+            <a:avLst/>
+          </a:prstGeom>
+          <a:noFill/>
+          <a:ln w="0">
+            <a:noFill/>
+          </a:ln>
+        </p:spPr>
+        <p:style>
+          <a:lnRef idx="0">
+            <a:scrgbClr r="0" g="0" b="0"/>
+          </a:lnRef>
+          <a:fillRef idx="0">
+            <a:scrgbClr r="0" g="0" b="0"/>
+          </a:fillRef>
+          <a:effectRef idx="0">
+            <a:scrgbClr r="0" g="0" b="0"/>
+          </a:effectRef>
+          <a:fontRef idx="minor"/>
+        </p:style>
+        <p:txBody>
+          <a:bodyPr lIns="18360" tIns="91440" rIns="18360" bIns="91440" anchor="ctr">
+            <a:noAutofit/>
+          </a:bodyPr>
+          <a:lstStyle/>
+          <a:p>
+            <a:pPr algn="ctr">
+              <a:lnSpc>
+                <a:spcPct val="100000"/>
+              </a:lnSpc>
+              <a:buNone/>
+            </a:pPr>
+            <a:fld id="{28C9D99C-1755-4173-A0D0-86282F419961}" type="slidenum">
+              <a:rPr lang="en-US" sz="1000" b="1" strike="noStrike" spc="-1">
+                <a:solidFill>
+                  <a:srgbClr val="000000"/>
+                </a:solidFill>
+                <a:latin typeface="Acumin Pro Semibold"/>
+              </a:rPr>
+              <a:t>28</a:t>
+            </a:fld>
+            <a:endParaRPr lang="en-US" sz="1000" b="0" strike="noStrike" spc="-1">
+              <a:latin typeface="Arial"/>
+            </a:endParaRPr>
+          </a:p>
+        </p:txBody>
+      </p:sp>
+      <p:sp>
+        <p:nvSpPr>
+          <p:cNvPr id="144" name="TextBox 143"/>
+          <p:cNvSpPr txBox="1"/>
+          <p:nvPr/>
+        </p:nvSpPr>
+        <p:spPr>
+          <a:xfrm>
+            <a:off x="1371600" y="1143000"/>
+            <a:ext cx="9144000" cy="4697640"/>
+          </a:xfrm>
+          <a:prstGeom prst="rect">
+            <a:avLst/>
+          </a:prstGeom>
+          <a:noFill/>
+          <a:ln w="0">
+            <a:noFill/>
+          </a:ln>
+        </p:spPr>
+        <p:txBody>
+          <a:bodyPr lIns="90000" tIns="45000" rIns="90000" bIns="45000" anchor="t">
+            <a:noAutofit/>
+          </a:bodyPr>
+          <a:lstStyle/>
+          <a:p>
+            <a:r>
+              <a:rPr lang="en-US" sz="1800" b="1" strike="noStrike" spc="-1">
+                <a:latin typeface="Arial"/>
+              </a:rPr>
+              <a:t>FSM(H and V): </a:t>
+            </a:r>
+            <a:r>
+              <a:rPr lang="en-US" sz="1800" b="0" strike="noStrike" spc="-1">
+                <a:latin typeface="Arial"/>
+              </a:rPr>
+              <a:t>4 states: SYNC, BACKPORCH, ACTIVE, and FRONTPORCH</a:t>
+            </a:r>
+          </a:p>
+          <a:p>
+            <a:r>
+              <a:rPr lang="en-US" sz="1800" b="0" strike="noStrike" spc="-1">
+                <a:latin typeface="Arial"/>
+              </a:rPr>
+              <a:t>	</a:t>
+            </a:r>
+            <a:r>
+              <a:rPr lang="en-US" sz="1800" b="1" strike="noStrike" spc="-1">
+                <a:latin typeface="Arial"/>
+              </a:rPr>
+              <a:t>State sequence:</a:t>
+            </a:r>
+            <a:r>
+              <a:rPr lang="en-US" sz="1800" b="0" strike="noStrike" spc="-1">
+                <a:latin typeface="Arial"/>
+              </a:rPr>
+              <a:t> each change_state high input triggers next state.</a:t>
+            </a:r>
+          </a:p>
+          <a:p>
+            <a:r>
+              <a:rPr lang="en-US" sz="1800" b="0" strike="noStrike" spc="-1">
+                <a:latin typeface="Arial"/>
+              </a:rPr>
+              <a:t>	</a:t>
+            </a:r>
+            <a:r>
+              <a:rPr lang="en-US" sz="1800" b="1" strike="noStrike" spc="-1">
+                <a:latin typeface="Arial"/>
+              </a:rPr>
+              <a:t>Output logic:</a:t>
+            </a:r>
+            <a:r>
+              <a:rPr lang="en-US" sz="1800" b="0" strike="noStrike" spc="-1">
+                <a:latin typeface="Arial"/>
+              </a:rPr>
+              <a:t> high signal output for the current state</a:t>
+            </a:r>
+          </a:p>
+          <a:p>
+            <a:endParaRPr lang="en-US" sz="1800" b="0" strike="noStrike" spc="-1">
+              <a:latin typeface="Arial"/>
+            </a:endParaRPr>
+          </a:p>
+          <a:p>
+            <a:r>
+              <a:rPr lang="en-US" sz="1800" b="1" strike="noStrike" spc="-1">
+                <a:latin typeface="Arial"/>
+              </a:rPr>
+              <a:t>HSYNC Counter:</a:t>
+            </a:r>
+            <a:r>
+              <a:rPr lang="en-US" sz="1800" b="0" strike="noStrike" spc="-1">
+                <a:latin typeface="Arial"/>
+              </a:rPr>
+              <a:t> Depending on input state signal, the max count changes. Counts on 		clock cycle</a:t>
+            </a:r>
+          </a:p>
+          <a:p>
+            <a:r>
+              <a:rPr lang="en-US" sz="1800" b="1" strike="noStrike" spc="-1">
+                <a:latin typeface="Arial"/>
+              </a:rPr>
+              <a:t>	Output:</a:t>
+            </a:r>
+            <a:r>
+              <a:rPr lang="en-US" sz="1800" b="0" strike="noStrike" spc="-1">
+                <a:latin typeface="Arial"/>
+              </a:rPr>
+              <a:t> When max count is reached, change_state_h signal is high</a:t>
+            </a:r>
+          </a:p>
+          <a:p>
+            <a:r>
+              <a:rPr lang="en-US" sz="1800" b="0" strike="noStrike" spc="-1">
+                <a:latin typeface="Arial"/>
+              </a:rPr>
+              <a:t>		When FRONTPORCH state and max count are high, v_count_toggle 		signal is 	high</a:t>
+            </a:r>
+          </a:p>
+          <a:p>
+            <a:endParaRPr lang="en-US" sz="1800" b="0" strike="noStrike" spc="-1">
+              <a:latin typeface="Arial"/>
+            </a:endParaRPr>
+          </a:p>
+          <a:p>
+            <a:pPr>
+              <a:lnSpc>
+                <a:spcPct val="100000"/>
+              </a:lnSpc>
+              <a:buNone/>
+            </a:pPr>
+            <a:r>
+              <a:rPr lang="en-US" sz="1800" b="1" strike="noStrike" spc="-1">
+                <a:latin typeface="Arial"/>
+              </a:rPr>
+              <a:t>VSYNC Counter:</a:t>
+            </a:r>
+            <a:r>
+              <a:rPr lang="en-US" sz="1800" b="0" strike="noStrike" spc="-1">
+                <a:latin typeface="Arial"/>
+              </a:rPr>
+              <a:t> Depending on input state signal, the max count changes. Counts on 		v_count_toggle input</a:t>
+            </a:r>
+          </a:p>
+          <a:p>
+            <a:pPr>
+              <a:lnSpc>
+                <a:spcPct val="100000"/>
+              </a:lnSpc>
+              <a:buNone/>
+            </a:pPr>
+            <a:r>
+              <a:rPr lang="en-US" sz="1800" b="1" strike="noStrike" spc="-1">
+                <a:latin typeface="Arial"/>
+              </a:rPr>
+              <a:t>	Output:</a:t>
+            </a:r>
+            <a:r>
+              <a:rPr lang="en-US" sz="1800" b="0" strike="noStrike" spc="-1">
+                <a:latin typeface="Arial"/>
+              </a:rPr>
+              <a:t> When max count is reached, change_state_v signal is high</a:t>
+            </a:r>
+          </a:p>
+          <a:p>
+            <a:endParaRPr lang="en-US" sz="1800" b="0" strike="noStrike" spc="-1">
+              <a:latin typeface="Arial"/>
+            </a:endParaRPr>
+          </a:p>
+          <a:p>
+            <a:r>
+              <a:rPr lang="en-US" sz="1800" b="1" strike="noStrike" spc="-1">
+                <a:latin typeface="Arial"/>
+              </a:rPr>
+              <a:t>Offset Adder: </a:t>
+            </a:r>
+            <a:r>
+              <a:rPr lang="en-US" sz="1800" b="0" strike="noStrike" spc="-1">
+                <a:latin typeface="Arial"/>
+              </a:rPr>
+              <a:t>If both FSMs are in ACTIVE, reads h_count and v_count and does 	         operations on them. </a:t>
+            </a:r>
+          </a:p>
+          <a:p>
+            <a:r>
+              <a:rPr lang="en-US" sz="1800" b="0" strike="noStrike" spc="-1">
+                <a:latin typeface="Arial"/>
+              </a:rPr>
+              <a:t>	</a:t>
+            </a:r>
+            <a:r>
+              <a:rPr lang="en-US" sz="1800" b="1" strike="noStrike" spc="-1">
+                <a:latin typeface="Arial"/>
+              </a:rPr>
+              <a:t>Output: </a:t>
+            </a:r>
+            <a:r>
+              <a:rPr lang="en-US" sz="1800" b="0" strike="noStrike" spc="-1">
+                <a:latin typeface="Arial"/>
+              </a:rPr>
+              <a:t>read_offset = (640 * v_count) + h_count</a:t>
+            </a:r>
+          </a:p>
+          <a:p>
+            <a:endParaRPr lang="en-US" sz="1800" b="0" strike="noStrike" spc="-1">
+              <a:latin typeface="Arial"/>
+            </a:endParaRPr>
+          </a:p>
+        </p:txBody>
+      </p:sp>
+    </p:spTree>
+  </p:cSld>
+  <p:clrMapOvr>
+    <a:masterClrMapping/>
+  </p:clrMapOvr>
+</p:sld>
+</file>
+
+<file path=ppt/slides/slide29.xml><?xml version="1.0" encoding="utf-8"?>
+<p:sld xmlns:a="http://schemas.openxmlformats.org/drawingml/2006/main" xmlns:r="http://schemas.openxmlformats.org/officeDocument/2006/relationships" xmlns:p="http://schemas.openxmlformats.org/presentationml/2006/main">
+  <p:cSld>
+    <p:spTree>
+      <p:nvGrpSpPr>
+        <p:cNvPr id="1" name=""/>
+        <p:cNvGrpSpPr/>
+        <p:nvPr/>
+      </p:nvGrpSpPr>
+      <p:grpSpPr>
+        <a:xfrm>
+          <a:off x="0" y="0"/>
+          <a:ext cx="0" cy="0"/>
+          <a:chOff x="0" y="0"/>
+          <a:chExt cx="0" cy="0"/>
+        </a:xfrm>
+      </p:grpSpPr>
+      <p:sp>
+        <p:nvSpPr>
+          <p:cNvPr id="145" name="PlaceHolder 1"/>
+          <p:cNvSpPr>
+            <a:spLocks noGrp="1"/>
+          </p:cNvSpPr>
+          <p:nvPr>
+            <p:ph type="title"/>
+          </p:nvPr>
+        </p:nvSpPr>
+        <p:spPr>
+          <a:xfrm>
+            <a:off x="1504800" y="437040"/>
+            <a:ext cx="9234000" cy="498240"/>
+          </a:xfrm>
+          <a:prstGeom prst="rect">
+            <a:avLst/>
+          </a:prstGeom>
+          <a:noFill/>
+          <a:ln w="38160">
+            <a:noFill/>
+          </a:ln>
+        </p:spPr>
+        <p:txBody>
+          <a:bodyPr lIns="0" tIns="0" rIns="0" bIns="0" anchor="t">
+            <a:noAutofit/>
+          </a:bodyPr>
+          <a:lstStyle/>
+          <a:p>
+            <a:pPr>
+              <a:lnSpc>
+                <a:spcPct val="90000"/>
+              </a:lnSpc>
+              <a:buNone/>
+            </a:pPr>
+            <a:r>
+              <a:rPr lang="en-US" sz="3600" b="1" i="1" strike="noStrike" spc="-1">
+                <a:solidFill>
+                  <a:srgbClr val="C9B991"/>
+                </a:solidFill>
+                <a:latin typeface="Acumin Pro ExtraCondensed"/>
+              </a:rPr>
+              <a:t>I/O VGA Output Test Case</a:t>
+            </a:r>
+            <a:endParaRPr lang="en-US" sz="3600" b="0" strike="noStrike" spc="-1">
+              <a:solidFill>
+                <a:srgbClr val="000000"/>
+              </a:solidFill>
+              <a:latin typeface="Acumin Pro"/>
+            </a:endParaRPr>
+          </a:p>
+        </p:txBody>
+      </p:sp>
+      <p:sp>
+        <p:nvSpPr>
+          <p:cNvPr id="146" name="Slide Number Placeholder 1"/>
+          <p:cNvSpPr/>
+          <p:nvPr/>
+        </p:nvSpPr>
+        <p:spPr>
+          <a:xfrm>
+            <a:off x="10784520" y="6293520"/>
+            <a:ext cx="284400" cy="231840"/>
+          </a:xfrm>
+          <a:prstGeom prst="ellipse">
+            <a:avLst/>
+          </a:prstGeom>
+          <a:noFill/>
+          <a:ln w="0">
+            <a:noFill/>
+          </a:ln>
+        </p:spPr>
+        <p:style>
+          <a:lnRef idx="0">
+            <a:scrgbClr r="0" g="0" b="0"/>
+          </a:lnRef>
+          <a:fillRef idx="0">
+            <a:scrgbClr r="0" g="0" b="0"/>
+          </a:fillRef>
+          <a:effectRef idx="0">
+            <a:scrgbClr r="0" g="0" b="0"/>
+          </a:effectRef>
+          <a:fontRef idx="minor"/>
+        </p:style>
+        <p:txBody>
+          <a:bodyPr lIns="18360" tIns="91440" rIns="18360" bIns="91440" anchor="ctr">
+            <a:noAutofit/>
+          </a:bodyPr>
+          <a:lstStyle/>
+          <a:p>
+            <a:pPr algn="ctr">
+              <a:lnSpc>
+                <a:spcPct val="100000"/>
+              </a:lnSpc>
+              <a:buNone/>
+            </a:pPr>
+            <a:fld id="{3F24FEB4-A9C3-4C61-960E-939CDE7460CA}" type="slidenum">
+              <a:rPr lang="en-US" sz="1000" b="1" strike="noStrike" spc="-1">
+                <a:solidFill>
+                  <a:srgbClr val="000000"/>
+                </a:solidFill>
+                <a:latin typeface="Acumin Pro Semibold"/>
+              </a:rPr>
+              <a:t>29</a:t>
+            </a:fld>
+            <a:endParaRPr lang="en-US" sz="1000" b="0" strike="noStrike" spc="-1">
+              <a:latin typeface="Arial"/>
+            </a:endParaRPr>
+          </a:p>
+        </p:txBody>
+      </p:sp>
+      <p:sp>
+        <p:nvSpPr>
+          <p:cNvPr id="147" name="TextBox 146"/>
+          <p:cNvSpPr txBox="1"/>
+          <p:nvPr/>
+        </p:nvSpPr>
+        <p:spPr>
+          <a:xfrm>
+            <a:off x="1143000" y="1143000"/>
+            <a:ext cx="9829800" cy="5257800"/>
+          </a:xfrm>
+          <a:prstGeom prst="rect">
+            <a:avLst/>
+          </a:prstGeom>
+          <a:noFill/>
+          <a:ln w="0">
+            <a:noFill/>
+          </a:ln>
+        </p:spPr>
+        <p:txBody>
+          <a:bodyPr lIns="90000" tIns="45000" rIns="90000" bIns="45000" anchor="t">
+            <a:noAutofit/>
+          </a:bodyPr>
+          <a:lstStyle/>
+          <a:p>
+            <a:r>
+              <a:rPr lang="en-US" sz="1800" b="0" strike="noStrike" spc="-1">
+                <a:latin typeface="Arial"/>
+              </a:rPr>
+              <a:t>- Test that starting state is SYNC for both H and V upon reset, and HSYNC and VSYNC are low</a:t>
+            </a:r>
+          </a:p>
+          <a:p>
+            <a:endParaRPr lang="en-US" sz="1800" b="0" strike="noStrike" spc="-1">
+              <a:latin typeface="Arial"/>
+            </a:endParaRPr>
+          </a:p>
+          <a:p>
+            <a:r>
+              <a:rPr lang="en-US" sz="1800" b="0" strike="noStrike" spc="-1">
+                <a:latin typeface="Arial"/>
+              </a:rPr>
+              <a:t>- Test that after *sync clk cycles, we change hsync state into BACKPORCH and turn HSYNC output to 1</a:t>
+            </a:r>
+          </a:p>
+          <a:p>
+            <a:endParaRPr lang="en-US" sz="1800" b="0" strike="noStrike" spc="-1">
+              <a:latin typeface="Arial"/>
+            </a:endParaRPr>
+          </a:p>
+          <a:p>
+            <a:r>
+              <a:rPr lang="en-US" sz="1800" b="0" strike="noStrike" spc="-1">
+                <a:latin typeface="Arial"/>
+              </a:rPr>
+              <a:t>- Test that after *backporch clk cycles, we change hsync state into ACTIVE</a:t>
+            </a:r>
+          </a:p>
+          <a:p>
+            <a:endParaRPr lang="en-US" sz="1800" b="0" strike="noStrike" spc="-1">
+              <a:latin typeface="Arial"/>
+            </a:endParaRPr>
+          </a:p>
+          <a:p>
+            <a:r>
+              <a:rPr lang="en-US" sz="1800" b="0" strike="noStrike" spc="-1">
+                <a:latin typeface="Arial"/>
+              </a:rPr>
+              <a:t>- Test that while active, data is sent out only if h_active and v_active are both high</a:t>
+            </a:r>
+          </a:p>
+          <a:p>
+            <a:endParaRPr lang="en-US" sz="1800" b="0" strike="noStrike" spc="-1">
+              <a:latin typeface="Arial"/>
+            </a:endParaRPr>
+          </a:p>
+          <a:p>
+            <a:r>
+              <a:rPr lang="en-US" sz="1800" b="0" strike="noStrike" spc="-1">
+                <a:latin typeface="Arial"/>
+              </a:rPr>
+              <a:t>- Test that after *active clk cycles, we change state to FRONTPORCH, and once *frontporch clk cycles have passed, v_count_toggle becomes high, and the state goes to SYNC</a:t>
+            </a:r>
+          </a:p>
+          <a:p>
+            <a:endParaRPr lang="en-US" sz="1800" b="0" strike="noStrike" spc="-1">
+              <a:latin typeface="Arial"/>
+            </a:endParaRPr>
+          </a:p>
+          <a:p>
+            <a:r>
+              <a:rPr lang="en-US" sz="1800" b="0" strike="noStrike" spc="-1">
+                <a:latin typeface="Arial"/>
+              </a:rPr>
+              <a:t>- Test that after 2 HSYNC cycles, vsync state enters FRONTPORCH and VSYNC is high</a:t>
+            </a:r>
+          </a:p>
+          <a:p>
+            <a:endParaRPr lang="en-US" sz="1800" b="0" strike="noStrike" spc="-1">
+              <a:latin typeface="Arial"/>
+            </a:endParaRPr>
+          </a:p>
+          <a:p>
+            <a:r>
+              <a:rPr lang="en-US" sz="1800" b="0" strike="noStrike" spc="-1">
+                <a:latin typeface="Arial"/>
+              </a:rPr>
+              <a:t>- Test that when VSTATE is ACTIVE, data is being sent out of the system</a:t>
+            </a:r>
+          </a:p>
+          <a:p>
+            <a:endParaRPr lang="en-US" sz="1800" b="0" strike="noStrike" spc="-1">
+              <a:latin typeface="Arial"/>
+            </a:endParaRPr>
+          </a:p>
+          <a:p>
+            <a:r>
+              <a:rPr lang="en-US" sz="1800" b="0" strike="noStrike" spc="-1">
+                <a:latin typeface="Arial"/>
+              </a:rPr>
+              <a:t>- Test that after final frontporch clock cycle in both V and H, offset resets and both enter SYNC state</a:t>
+            </a:r>
+          </a:p>
+          <a:p>
+            <a:endParaRPr lang="en-US" sz="1800" b="0" strike="noStrike" spc="-1">
+              <a:latin typeface="Arial"/>
+            </a:endParaRPr>
+          </a:p>
+          <a:p>
+            <a:r>
+              <a:rPr lang="en-US" sz="1800" b="0" strike="noStrike" spc="-1">
+                <a:latin typeface="Arial"/>
+              </a:rPr>
+              <a:t>- Test with various memory register information to ensure proper functionality</a:t>
+            </a:r>
+          </a:p>
+        </p:txBody>
+      </p:sp>
+    </p:spTree>
   </p:cSld>
   <p:clrMapOvr>
     <a:masterClrMapping/>
@@ -9393,7 +11513,7 @@
           <a:p>
             <a:r>
               <a:rPr lang="en-US" dirty="0"/>
-              <a:t>Implement the following commands in Assembly</a:t>
+              <a:t>Example CPU functions</a:t>
             </a:r>
           </a:p>
         </p:txBody>
@@ -9447,6 +11567,19 @@
               <a:rPr lang="en-US" dirty="0"/>
               <a:t>Branch/Jump</a:t>
             </a:r>
+          </a:p>
+          <a:p>
+            <a:r>
+              <a:rPr lang="en-US" dirty="0"/>
+              <a:t>More </a:t>
+            </a:r>
+            <a:r>
+              <a:rPr lang="en-US" dirty="0">
+                <a:sym typeface="Wingdings" panose="05000000000000000000" pitchFamily="2" charset="2"/>
+              </a:rPr>
+              <a:t></a:t>
+            </a:r>
+            <a:endParaRPr lang="en-US" dirty="0"/>
           </a:p>
         </p:txBody>
       </p:sp>
@@ -9530,6 +11663,442 @@
     <p:extLst>
       <p:ext uri="{BB962C8B-B14F-4D97-AF65-F5344CB8AC3E}">
         <p14:creationId xmlns:p14="http://schemas.microsoft.com/office/powerpoint/2010/main" val="1158209832"/>
+      </p:ext>
+    </p:extLst>
+  </p:cSld>
+  <p:clrMapOvr>
+    <a:masterClrMapping/>
+  </p:clrMapOvr>
+</p:sld>
+</file>
+
+<file path=ppt/slides/slide30.xml><?xml version="1.0" encoding="utf-8"?>
+<p:sld xmlns:a="http://schemas.openxmlformats.org/drawingml/2006/main" xmlns:r="http://schemas.openxmlformats.org/officeDocument/2006/relationships" xmlns:p="http://schemas.openxmlformats.org/presentationml/2006/main">
+  <p:cSld>
+    <p:spTree>
+      <p:nvGrpSpPr>
+        <p:cNvPr id="1" name=""/>
+        <p:cNvGrpSpPr/>
+        <p:nvPr/>
+      </p:nvGrpSpPr>
+      <p:grpSpPr>
+        <a:xfrm>
+          <a:off x="0" y="0"/>
+          <a:ext cx="0" cy="0"/>
+          <a:chOff x="0" y="0"/>
+          <a:chExt cx="0" cy="0"/>
+        </a:xfrm>
+      </p:grpSpPr>
+      <p:sp>
+        <p:nvSpPr>
+          <p:cNvPr id="2" name="Title 1">
+            <a:extLst>
+              <a:ext uri="{FF2B5EF4-FFF2-40B4-BE49-F238E27FC236}">
+                <a16:creationId xmlns:a16="http://schemas.microsoft.com/office/drawing/2014/main" id="{2A427F76-CB66-0CB4-F93D-0E794FED92CD}"/>
+              </a:ext>
+            </a:extLst>
+          </p:cNvPr>
+          <p:cNvSpPr>
+            <a:spLocks noGrp="1"/>
+          </p:cNvSpPr>
+          <p:nvPr>
+            <p:ph type="ctrTitle"/>
+          </p:nvPr>
+        </p:nvSpPr>
+        <p:spPr>
+          <a:xfrm>
+            <a:off x="1504670" y="437030"/>
+            <a:ext cx="9234309" cy="498598"/>
+          </a:xfrm>
+        </p:spPr>
+        <p:txBody>
+          <a:bodyPr/>
+          <a:lstStyle/>
+          <a:p>
+            <a:r>
+              <a:rPr lang="en-US" dirty="0"/>
+              <a:t>Timeline</a:t>
+            </a:r>
+          </a:p>
+        </p:txBody>
+      </p:sp>
+      <p:sp>
+        <p:nvSpPr>
+          <p:cNvPr id="4" name="Text Placeholder 3">
+            <a:extLst>
+              <a:ext uri="{FF2B5EF4-FFF2-40B4-BE49-F238E27FC236}">
+                <a16:creationId xmlns:a16="http://schemas.microsoft.com/office/drawing/2014/main" id="{5FF83E65-FC57-22E2-3261-0D37083D17A9}"/>
+              </a:ext>
+            </a:extLst>
+          </p:cNvPr>
+          <p:cNvSpPr>
+            <a:spLocks noGrp="1"/>
+          </p:cNvSpPr>
+          <p:nvPr>
+            <p:ph type="body" sz="quarter" idx="14"/>
+          </p:nvPr>
+        </p:nvSpPr>
+        <p:spPr>
+          <a:xfrm>
+            <a:off x="2064139" y="1301568"/>
+            <a:ext cx="7366000" cy="3411537"/>
+          </a:xfrm>
+        </p:spPr>
+        <p:txBody>
+          <a:bodyPr>
+            <a:normAutofit/>
+          </a:bodyPr>
+          <a:lstStyle/>
+          <a:p>
+            <a:r>
+              <a:rPr lang="en-US" sz="2400" dirty="0"/>
+              <a:t>Finish Verilog by Saturday (6/22)</a:t>
+            </a:r>
+          </a:p>
+          <a:p>
+            <a:r>
+              <a:rPr lang="en-US" sz="2400" dirty="0"/>
+              <a:t>Finish testbenches and integration by next Wednesday (6/26)</a:t>
+            </a:r>
+          </a:p>
+          <a:p>
+            <a:r>
+              <a:rPr lang="en-US" sz="2400" dirty="0"/>
+              <a:t>Finish rest and overall testbench by next Friday (6/28)</a:t>
+            </a:r>
+          </a:p>
+          <a:p>
+            <a:endParaRPr lang="en-US" sz="2400" dirty="0"/>
+          </a:p>
+        </p:txBody>
+      </p:sp>
+      <p:sp>
+        <p:nvSpPr>
+          <p:cNvPr id="5" name="Slide Number Placeholder 4">
+            <a:extLst>
+              <a:ext uri="{FF2B5EF4-FFF2-40B4-BE49-F238E27FC236}">
+                <a16:creationId xmlns:a16="http://schemas.microsoft.com/office/drawing/2014/main" id="{F6B32E56-317D-74AB-8DC0-3E02E47FFDE7}"/>
+              </a:ext>
+            </a:extLst>
+          </p:cNvPr>
+          <p:cNvSpPr>
+            <a:spLocks noGrp="1"/>
+          </p:cNvSpPr>
+          <p:nvPr>
+            <p:ph type="sldNum" sz="quarter" idx="12"/>
+          </p:nvPr>
+        </p:nvSpPr>
+        <p:spPr/>
+        <p:txBody>
+          <a:bodyPr/>
+          <a:lstStyle/>
+          <a:p>
+            <a:fld id="{88B5220A-EB23-48F3-9FB6-FE2BFABBF45A}" type="slidenum">
+              <a:rPr lang="en-US" smtClean="0"/>
+              <a:t>30</a:t>
+            </a:fld>
+            <a:endParaRPr lang="en-US" dirty="0"/>
+          </a:p>
+        </p:txBody>
+      </p:sp>
+    </p:spTree>
+    <p:extLst>
+      <p:ext uri="{BB962C8B-B14F-4D97-AF65-F5344CB8AC3E}">
+        <p14:creationId xmlns:p14="http://schemas.microsoft.com/office/powerpoint/2010/main" val="719396425"/>
+      </p:ext>
+    </p:extLst>
+  </p:cSld>
+  <p:clrMapOvr>
+    <a:masterClrMapping/>
+  </p:clrMapOvr>
+</p:sld>
+</file>
+
+<file path=ppt/slides/slide31.xml><?xml version="1.0" encoding="utf-8"?>
+<p:sld xmlns:a="http://schemas.openxmlformats.org/drawingml/2006/main" xmlns:r="http://schemas.openxmlformats.org/officeDocument/2006/relationships" xmlns:p="http://schemas.openxmlformats.org/presentationml/2006/main">
+  <p:cSld>
+    <p:spTree>
+      <p:nvGrpSpPr>
+        <p:cNvPr id="1" name=""/>
+        <p:cNvGrpSpPr/>
+        <p:nvPr/>
+      </p:nvGrpSpPr>
+      <p:grpSpPr>
+        <a:xfrm>
+          <a:off x="0" y="0"/>
+          <a:ext cx="0" cy="0"/>
+          <a:chOff x="0" y="0"/>
+          <a:chExt cx="0" cy="0"/>
+        </a:xfrm>
+      </p:grpSpPr>
+      <p:sp>
+        <p:nvSpPr>
+          <p:cNvPr id="2" name="Title 1">
+            <a:extLst>
+              <a:ext uri="{FF2B5EF4-FFF2-40B4-BE49-F238E27FC236}">
+                <a16:creationId xmlns:a16="http://schemas.microsoft.com/office/drawing/2014/main" id="{84E2E6AF-4C46-F611-0830-0584094CF72D}"/>
+              </a:ext>
+            </a:extLst>
+          </p:cNvPr>
+          <p:cNvSpPr>
+            <a:spLocks noGrp="1"/>
+          </p:cNvSpPr>
+          <p:nvPr>
+            <p:ph type="ctrTitle"/>
+          </p:nvPr>
+        </p:nvSpPr>
+        <p:spPr>
+          <a:xfrm>
+            <a:off x="1504670" y="437030"/>
+            <a:ext cx="9234309" cy="498598"/>
+          </a:xfrm>
+        </p:spPr>
+        <p:txBody>
+          <a:bodyPr/>
+          <a:lstStyle/>
+          <a:p>
+            <a:r>
+              <a:rPr lang="en-US" dirty="0"/>
+              <a:t>Expected Obstacles</a:t>
+            </a:r>
+          </a:p>
+        </p:txBody>
+      </p:sp>
+      <p:sp>
+        <p:nvSpPr>
+          <p:cNvPr id="4" name="Text Placeholder 3">
+            <a:extLst>
+              <a:ext uri="{FF2B5EF4-FFF2-40B4-BE49-F238E27FC236}">
+                <a16:creationId xmlns:a16="http://schemas.microsoft.com/office/drawing/2014/main" id="{B44DD88A-56DA-9FD9-78FF-2228D1EE0F97}"/>
+              </a:ext>
+            </a:extLst>
+          </p:cNvPr>
+          <p:cNvSpPr>
+            <a:spLocks noGrp="1"/>
+          </p:cNvSpPr>
+          <p:nvPr>
+            <p:ph type="body" sz="quarter" idx="14"/>
+          </p:nvPr>
+        </p:nvSpPr>
+        <p:spPr>
+          <a:xfrm>
+            <a:off x="2073470" y="1329560"/>
+            <a:ext cx="7366000" cy="4936995"/>
+          </a:xfrm>
+        </p:spPr>
+        <p:txBody>
+          <a:bodyPr>
+            <a:normAutofit/>
+          </a:bodyPr>
+          <a:lstStyle/>
+          <a:p>
+            <a:r>
+              <a:rPr lang="en-US" sz="2400" dirty="0"/>
+              <a:t>Integrating Modules</a:t>
+            </a:r>
+          </a:p>
+          <a:p>
+            <a:r>
+              <a:rPr lang="en-US" sz="2400" dirty="0"/>
+              <a:t>Overlap with Fetch Execute Cycles</a:t>
+            </a:r>
+          </a:p>
+          <a:p>
+            <a:r>
+              <a:rPr lang="en-US" sz="2400" dirty="0"/>
+              <a:t>Integrating IO with CPU</a:t>
+            </a:r>
+          </a:p>
+          <a:p>
+            <a:r>
+              <a:rPr lang="en-US" sz="2400" dirty="0"/>
+              <a:t>Image generation</a:t>
+            </a:r>
+          </a:p>
+          <a:p>
+            <a:endParaRPr lang="en-US" sz="2400" dirty="0"/>
+          </a:p>
+          <a:p>
+            <a:r>
+              <a:rPr lang="en-US" sz="2400" dirty="0" err="1"/>
+              <a:t>Testbenching</a:t>
+            </a:r>
+            <a:r>
+              <a:rPr lang="en-US" sz="2400" dirty="0"/>
+              <a:t> (a lot of </a:t>
+            </a:r>
+            <a:r>
+              <a:rPr lang="en-US" sz="2400" dirty="0" err="1"/>
+              <a:t>testbenching</a:t>
+            </a:r>
+            <a:r>
+              <a:rPr lang="en-US" sz="2400" dirty="0"/>
+              <a:t>)</a:t>
+            </a:r>
+          </a:p>
+        </p:txBody>
+      </p:sp>
+      <p:sp>
+        <p:nvSpPr>
+          <p:cNvPr id="5" name="Slide Number Placeholder 4">
+            <a:extLst>
+              <a:ext uri="{FF2B5EF4-FFF2-40B4-BE49-F238E27FC236}">
+                <a16:creationId xmlns:a16="http://schemas.microsoft.com/office/drawing/2014/main" id="{682D4168-ECD1-209B-6680-7551993E2135}"/>
+              </a:ext>
+            </a:extLst>
+          </p:cNvPr>
+          <p:cNvSpPr>
+            <a:spLocks noGrp="1"/>
+          </p:cNvSpPr>
+          <p:nvPr>
+            <p:ph type="sldNum" sz="quarter" idx="12"/>
+          </p:nvPr>
+        </p:nvSpPr>
+        <p:spPr/>
+        <p:txBody>
+          <a:bodyPr/>
+          <a:lstStyle/>
+          <a:p>
+            <a:fld id="{88B5220A-EB23-48F3-9FB6-FE2BFABBF45A}" type="slidenum">
+              <a:rPr lang="en-US" smtClean="0"/>
+              <a:t>31</a:t>
+            </a:fld>
+            <a:endParaRPr lang="en-US" dirty="0"/>
+          </a:p>
+        </p:txBody>
+      </p:sp>
+    </p:spTree>
+    <p:extLst>
+      <p:ext uri="{BB962C8B-B14F-4D97-AF65-F5344CB8AC3E}">
+        <p14:creationId xmlns:p14="http://schemas.microsoft.com/office/powerpoint/2010/main" val="3140182961"/>
+      </p:ext>
+    </p:extLst>
+  </p:cSld>
+  <p:clrMapOvr>
+    <a:masterClrMapping/>
+  </p:clrMapOvr>
+</p:sld>
+</file>
+
+<file path=ppt/slides/slide32.xml><?xml version="1.0" encoding="utf-8"?>
+<p:sld xmlns:a="http://schemas.openxmlformats.org/drawingml/2006/main" xmlns:r="http://schemas.openxmlformats.org/officeDocument/2006/relationships" xmlns:p="http://schemas.openxmlformats.org/presentationml/2006/main">
+  <p:cSld>
+    <p:spTree>
+      <p:nvGrpSpPr>
+        <p:cNvPr id="1" name=""/>
+        <p:cNvGrpSpPr/>
+        <p:nvPr/>
+      </p:nvGrpSpPr>
+      <p:grpSpPr>
+        <a:xfrm>
+          <a:off x="0" y="0"/>
+          <a:ext cx="0" cy="0"/>
+          <a:chOff x="0" y="0"/>
+          <a:chExt cx="0" cy="0"/>
+        </a:xfrm>
+      </p:grpSpPr>
+      <p:sp>
+        <p:nvSpPr>
+          <p:cNvPr id="2" name="Title 1">
+            <a:extLst>
+              <a:ext uri="{FF2B5EF4-FFF2-40B4-BE49-F238E27FC236}">
+                <a16:creationId xmlns:a16="http://schemas.microsoft.com/office/drawing/2014/main" id="{E5D8384E-5B3E-4125-E222-1A777665EB16}"/>
+              </a:ext>
+            </a:extLst>
+          </p:cNvPr>
+          <p:cNvSpPr>
+            <a:spLocks noGrp="1"/>
+          </p:cNvSpPr>
+          <p:nvPr>
+            <p:ph type="ctrTitle"/>
+          </p:nvPr>
+        </p:nvSpPr>
+        <p:spPr>
+          <a:xfrm>
+            <a:off x="1504670" y="437030"/>
+            <a:ext cx="9234309" cy="498598"/>
+          </a:xfrm>
+        </p:spPr>
+        <p:txBody>
+          <a:bodyPr/>
+          <a:lstStyle/>
+          <a:p>
+            <a:r>
+              <a:rPr lang="en-US" dirty="0"/>
+              <a:t>IO CPU Integration Potential Solution</a:t>
+            </a:r>
+          </a:p>
+        </p:txBody>
+      </p:sp>
+      <p:sp>
+        <p:nvSpPr>
+          <p:cNvPr id="5" name="Slide Number Placeholder 4">
+            <a:extLst>
+              <a:ext uri="{FF2B5EF4-FFF2-40B4-BE49-F238E27FC236}">
+                <a16:creationId xmlns:a16="http://schemas.microsoft.com/office/drawing/2014/main" id="{33320E32-568A-AEA6-F728-7717F42FF289}"/>
+              </a:ext>
+            </a:extLst>
+          </p:cNvPr>
+          <p:cNvSpPr>
+            <a:spLocks noGrp="1"/>
+          </p:cNvSpPr>
+          <p:nvPr>
+            <p:ph type="sldNum" sz="quarter" idx="12"/>
+          </p:nvPr>
+        </p:nvSpPr>
+        <p:spPr/>
+        <p:txBody>
+          <a:bodyPr/>
+          <a:lstStyle/>
+          <a:p>
+            <a:fld id="{88B5220A-EB23-48F3-9FB6-FE2BFABBF45A}" type="slidenum">
+              <a:rPr lang="en-US" smtClean="0"/>
+              <a:t>32</a:t>
+            </a:fld>
+            <a:endParaRPr lang="en-US" dirty="0"/>
+          </a:p>
+        </p:txBody>
+      </p:sp>
+      <p:pic>
+        <p:nvPicPr>
+          <p:cNvPr id="7" name="Picture 6" descr="A screen shot of a computer program&#10;&#10;Description automatically generated">
+            <a:extLst>
+              <a:ext uri="{FF2B5EF4-FFF2-40B4-BE49-F238E27FC236}">
+                <a16:creationId xmlns:a16="http://schemas.microsoft.com/office/drawing/2014/main" id="{E99C9F62-84D6-3832-C559-27E57A8DF9CD}"/>
+              </a:ext>
+            </a:extLst>
+          </p:cNvPr>
+          <p:cNvPicPr>
+            <a:picLocks noChangeAspect="1"/>
+          </p:cNvPicPr>
+          <p:nvPr/>
+        </p:nvPicPr>
+        <p:blipFill>
+          <a:blip r:embed="rId2">
+            <a:extLst>
+              <a:ext uri="{28A0092B-C50C-407E-A947-70E740481C1C}">
+                <a14:useLocalDpi xmlns:a14="http://schemas.microsoft.com/office/drawing/2010/main" val="0"/>
+              </a:ext>
+            </a:extLst>
+          </a:blip>
+          <a:stretch>
+            <a:fillRect/>
+          </a:stretch>
+        </p:blipFill>
+        <p:spPr>
+          <a:xfrm>
+            <a:off x="1808584" y="1024099"/>
+            <a:ext cx="8574832" cy="5577387"/>
+          </a:xfrm>
+          <a:prstGeom prst="rect">
+            <a:avLst/>
+          </a:prstGeom>
+        </p:spPr>
+      </p:pic>
+    </p:spTree>
+    <p:extLst>
+      <p:ext uri="{BB962C8B-B14F-4D97-AF65-F5344CB8AC3E}">
+        <p14:creationId xmlns:p14="http://schemas.microsoft.com/office/powerpoint/2010/main" val="2852265628"/>
       </p:ext>
     </p:extLst>
   </p:cSld>
@@ -9782,7 +12351,7 @@
           <a:p>
             <a:r>
               <a:rPr lang="en-US" dirty="0"/>
-              <a:t>Model: RISC-V</a:t>
+              <a:t>ISA: RISC-V 32I</a:t>
             </a:r>
           </a:p>
         </p:txBody>
@@ -9808,7 +12377,10 @@
           <a:bodyPr/>
           <a:lstStyle/>
           <a:p>
-            <a:endParaRPr lang="en-US" dirty="0"/>
+            <a:r>
+              <a:rPr lang="en-US" dirty="0"/>
+              <a:t>“Reduced Instruction Set Computer”</a:t>
+            </a:r>
           </a:p>
         </p:txBody>
       </p:sp>
@@ -9841,19 +12413,55 @@
           <a:p>
             <a:r>
               <a:rPr lang="en-US" dirty="0"/>
-              <a:t>31 </a:t>
-            </a:r>
-            <a:r>
-              <a:rPr lang="en-US"/>
-              <a:t>internal registers</a:t>
-            </a:r>
+              <a:t>32 internal registers</a:t>
+            </a:r>
+          </a:p>
+          <a:p>
             <a:endParaRPr lang="en-US" dirty="0"/>
           </a:p>
           <a:p>
             <a:r>
               <a:rPr lang="en-US" dirty="0"/>
-              <a:t>Add more stuff later</a:t>
-            </a:r>
+              <a:t>40 different instructions</a:t>
+            </a:r>
+          </a:p>
+          <a:p>
+            <a:pPr lvl="1"/>
+            <a:r>
+              <a:rPr lang="en-US" dirty="0"/>
+              <a:t>6 instruction types</a:t>
+            </a:r>
+          </a:p>
+          <a:p>
+            <a:pPr marL="0" indent="0">
+              <a:buNone/>
+            </a:pPr>
+            <a:endParaRPr lang="en-US" dirty="0"/>
+          </a:p>
+          <a:p>
+            <a:r>
+              <a:rPr lang="en-US" dirty="0"/>
+              <a:t>Single clock cycle</a:t>
+            </a:r>
+          </a:p>
+          <a:p>
+            <a:endParaRPr lang="en-US" dirty="0"/>
+          </a:p>
+          <a:p>
+            <a:r>
+              <a:rPr lang="en-US" dirty="0"/>
+              <a:t>Relatively simple to make </a:t>
+            </a:r>
+            <a:r>
+              <a:rPr lang="en-US" dirty="0">
+                <a:sym typeface="Wingdings" panose="05000000000000000000" pitchFamily="2" charset="2"/>
+              </a:rPr>
+              <a:t></a:t>
+            </a:r>
+            <a:endParaRPr lang="en-US" dirty="0"/>
+          </a:p>
+          <a:p>
+            <a:endParaRPr lang="en-US" dirty="0"/>
           </a:p>
         </p:txBody>
       </p:sp>
@@ -9998,31 +12606,6 @@
       </p:sp>
       <p:sp>
         <p:nvSpPr>
-          <p:cNvPr id="3" name="Subtitle 2">
-            <a:extLst>
-              <a:ext uri="{FF2B5EF4-FFF2-40B4-BE49-F238E27FC236}">
-                <a16:creationId xmlns:a16="http://schemas.microsoft.com/office/drawing/2014/main" id="{A0475397-CE14-A17A-7E89-1B444889044E}"/>
-              </a:ext>
-            </a:extLst>
-          </p:cNvPr>
-          <p:cNvSpPr>
-            <a:spLocks noGrp="1"/>
-          </p:cNvSpPr>
-          <p:nvPr>
-            <p:ph type="subTitle" idx="1"/>
-          </p:nvPr>
-        </p:nvSpPr>
-        <p:spPr/>
-        <p:txBody>
-          <a:bodyPr/>
-          <a:lstStyle/>
-          <a:p>
-            <a:endParaRPr lang="en-US"/>
-          </a:p>
-        </p:txBody>
-      </p:sp>
-      <p:sp>
-        <p:nvSpPr>
           <p:cNvPr id="4" name="Text Placeholder 3">
             <a:extLst>
               <a:ext uri="{FF2B5EF4-FFF2-40B4-BE49-F238E27FC236}">
@@ -10037,42 +12620,67 @@
             <p:ph type="body" sz="quarter" idx="14"/>
           </p:nvPr>
         </p:nvSpPr>
-        <p:spPr/>
-        <p:txBody>
-          <a:bodyPr/>
+        <p:spPr>
+          <a:xfrm>
+            <a:off x="2082800" y="1469520"/>
+            <a:ext cx="7366000" cy="3411537"/>
+          </a:xfrm>
+        </p:spPr>
+        <p:txBody>
+          <a:bodyPr>
+            <a:normAutofit/>
+          </a:bodyPr>
           <a:lstStyle/>
           <a:p>
             <a:r>
-              <a:rPr lang="en-US" dirty="0"/>
+              <a:rPr lang="en-US" sz="2800" dirty="0"/>
               <a:t>Michael – Top Level Design, Program Counter</a:t>
             </a:r>
           </a:p>
           <a:p>
             <a:r>
-              <a:rPr lang="en-US" dirty="0"/>
-              <a:t>Andy – Control Unit (and decoder)</a:t>
-            </a:r>
-          </a:p>
-          <a:p>
-            <a:r>
-              <a:rPr lang="en-US" dirty="0"/>
-              <a:t>Mary – ALU</a:t>
-            </a:r>
-          </a:p>
-          <a:p>
-            <a:r>
-              <a:rPr lang="en-US" dirty="0"/>
-              <a:t>Dhruv – Registers/Memory</a:t>
-            </a:r>
-          </a:p>
-          <a:p>
-            <a:r>
-              <a:rPr lang="en-US" dirty="0"/>
+              <a:rPr lang="en-US" sz="2800" dirty="0"/>
+              <a:t>Andy – Control Unit, Decoder, </a:t>
+            </a:r>
+            <a:r>
+              <a:rPr lang="en-US" sz="2800" dirty="0" err="1"/>
+              <a:t>ImmGen</a:t>
+            </a:r>
+            <a:endParaRPr lang="en-US" sz="2800" dirty="0"/>
+          </a:p>
+          <a:p>
+            <a:r>
+              <a:rPr lang="en-US" sz="2800" dirty="0"/>
+              <a:t>Mary – Arithmetic Logic Unit</a:t>
+            </a:r>
+          </a:p>
+          <a:p>
+            <a:r>
+              <a:rPr lang="en-US" sz="2800" dirty="0"/>
+              <a:t>Duc – Registers/Memory</a:t>
+            </a:r>
+          </a:p>
+          <a:p>
+            <a:r>
+              <a:rPr lang="en-US" sz="2800" dirty="0"/>
               <a:t>Travis – Peripherals (Display and keyboard)</a:t>
             </a:r>
           </a:p>
           <a:p>
-            <a:endParaRPr lang="en-US" dirty="0"/>
+            <a:endParaRPr lang="en-US" sz="2800" dirty="0"/>
+          </a:p>
+          <a:p>
+            <a:r>
+              <a:rPr lang="en-US" sz="2800" dirty="0"/>
+              <a:t>Dhruv – moral support </a:t>
+            </a:r>
+            <a:r>
+              <a:rPr lang="en-US" sz="2800" dirty="0">
+                <a:sym typeface="Wingdings" panose="05000000000000000000" pitchFamily="2" charset="2"/>
+              </a:rPr>
+              <a:t></a:t>
+            </a:r>
+            <a:endParaRPr lang="en-US" sz="2800" dirty="0"/>
           </a:p>
         </p:txBody>
       </p:sp>
@@ -10282,7 +12890,7 @@
           <p:cNvPr id="2" name="Title 1">
             <a:extLst>
               <a:ext uri="{FF2B5EF4-FFF2-40B4-BE49-F238E27FC236}">
-                <a16:creationId xmlns:a16="http://schemas.microsoft.com/office/drawing/2014/main" id="{79A4CF3A-4CB3-795D-8DB3-F389F00D9992}"/>
+                <a16:creationId xmlns:a16="http://schemas.microsoft.com/office/drawing/2014/main" id="{E1191607-7E71-0E6E-CEBF-50E6CE964AE7}"/>
               </a:ext>
             </a:extLst>
           </p:cNvPr>
@@ -10305,8 +12913,33 @@
           <a:p>
             <a:r>
               <a:rPr lang="en-US" dirty="0"/>
-              <a:t>Control Unit &amp; Decoder</a:t>
-            </a:r>
+              <a:t>Fetch/Execute Cycle</a:t>
+            </a:r>
+          </a:p>
+        </p:txBody>
+      </p:sp>
+      <p:sp>
+        <p:nvSpPr>
+          <p:cNvPr id="3" name="Subtitle 2">
+            <a:extLst>
+              <a:ext uri="{FF2B5EF4-FFF2-40B4-BE49-F238E27FC236}">
+                <a16:creationId xmlns:a16="http://schemas.microsoft.com/office/drawing/2014/main" id="{FBB07AFE-4442-8622-C3F9-0ED710FCF7C4}"/>
+              </a:ext>
+            </a:extLst>
+          </p:cNvPr>
+          <p:cNvSpPr>
+            <a:spLocks noGrp="1"/>
+          </p:cNvSpPr>
+          <p:nvPr>
+            <p:ph type="subTitle" idx="1"/>
+          </p:nvPr>
+        </p:nvSpPr>
+        <p:spPr/>
+        <p:txBody>
+          <a:bodyPr/>
+          <a:lstStyle/>
+          <a:p>
+            <a:endParaRPr lang="en-US"/>
           </a:p>
         </p:txBody>
       </p:sp>
@@ -10315,7 +12948,7 @@
           <p:cNvPr id="4" name="Text Placeholder 3">
             <a:extLst>
               <a:ext uri="{FF2B5EF4-FFF2-40B4-BE49-F238E27FC236}">
-                <a16:creationId xmlns:a16="http://schemas.microsoft.com/office/drawing/2014/main" id="{B62F546F-4476-EF6C-AA50-BE88697CB197}"/>
+                <a16:creationId xmlns:a16="http://schemas.microsoft.com/office/drawing/2014/main" id="{0A06040A-790C-570F-D8CF-78FCCD147450}"/>
               </a:ext>
             </a:extLst>
           </p:cNvPr>
@@ -10331,7 +12964,7 @@
           <a:bodyPr/>
           <a:lstStyle/>
           <a:p>
-            <a:endParaRPr lang="en-US" dirty="0"/>
+            <a:endParaRPr lang="en-US"/>
           </a:p>
         </p:txBody>
       </p:sp>
@@ -10340,7 +12973,7 @@
           <p:cNvPr id="5" name="Slide Number Placeholder 4">
             <a:extLst>
               <a:ext uri="{FF2B5EF4-FFF2-40B4-BE49-F238E27FC236}">
-                <a16:creationId xmlns:a16="http://schemas.microsoft.com/office/drawing/2014/main" id="{CF506990-11D4-2635-5CCD-BFF99470D57F}"/>
+                <a16:creationId xmlns:a16="http://schemas.microsoft.com/office/drawing/2014/main" id="{B4C173CF-9C9E-82F4-6DD4-E407DCBE36DE}"/>
               </a:ext>
             </a:extLst>
           </p:cNvPr>
@@ -10364,131 +12997,10 @@
           </a:p>
         </p:txBody>
       </p:sp>
-      <p:pic>
-        <p:nvPicPr>
-          <p:cNvPr id="11" name="Picture 10" descr="A group of papers on a white background&#10;&#10;Description automatically generated">
-            <a:extLst>
-              <a:ext uri="{FF2B5EF4-FFF2-40B4-BE49-F238E27FC236}">
-                <a16:creationId xmlns:a16="http://schemas.microsoft.com/office/drawing/2014/main" id="{075E3EF7-FA59-0EFF-56BD-53822C670C7E}"/>
-              </a:ext>
-            </a:extLst>
-          </p:cNvPr>
-          <p:cNvPicPr>
-            <a:picLocks noChangeAspect="1"/>
-          </p:cNvPicPr>
-          <p:nvPr/>
-        </p:nvPicPr>
-        <p:blipFill rotWithShape="1">
-          <a:blip r:embed="rId2">
-            <a:extLst>
-              <a:ext uri="{28A0092B-C50C-407E-A947-70E740481C1C}">
-                <a14:useLocalDpi xmlns:a14="http://schemas.microsoft.com/office/drawing/2010/main" val="0"/>
-              </a:ext>
-            </a:extLst>
-          </a:blip>
-          <a:srcRect r="17084"/>
-          <a:stretch/>
-        </p:blipFill>
-        <p:spPr>
-          <a:xfrm>
-            <a:off x="1041400" y="1161622"/>
-            <a:ext cx="10109200" cy="5104933"/>
-          </a:xfrm>
-          <a:prstGeom prst="rect">
-            <a:avLst/>
-          </a:prstGeom>
-        </p:spPr>
-      </p:pic>
-      <p:sp>
-        <p:nvSpPr>
-          <p:cNvPr id="12" name="TextBox 11">
-            <a:extLst>
-              <a:ext uri="{FF2B5EF4-FFF2-40B4-BE49-F238E27FC236}">
-                <a16:creationId xmlns:a16="http://schemas.microsoft.com/office/drawing/2014/main" id="{BBA208F1-2290-7B00-AB20-E02E8363C4F8}"/>
-              </a:ext>
-            </a:extLst>
-          </p:cNvPr>
-          <p:cNvSpPr txBox="1"/>
-          <p:nvPr/>
-        </p:nvSpPr>
-        <p:spPr>
-          <a:xfrm>
-            <a:off x="2362200" y="4324696"/>
-            <a:ext cx="2842953" cy="1477328"/>
-          </a:xfrm>
-          <a:prstGeom prst="rect">
-            <a:avLst/>
-          </a:prstGeom>
-          <a:noFill/>
-        </p:spPr>
-        <p:txBody>
-          <a:bodyPr wrap="square" rtlCol="0">
-            <a:spAutoFit/>
-          </a:bodyPr>
-          <a:lstStyle/>
-          <a:p>
-            <a:r>
-              <a:rPr lang="en-US" u="sng" dirty="0">
-                <a:latin typeface="Acumin Pro ExtraCondensed" panose="020B0508020202020204"/>
-              </a:rPr>
-              <a:t>Decoder:</a:t>
-            </a:r>
-          </a:p>
-          <a:p>
-            <a:r>
-              <a:rPr lang="en-US" dirty="0">
-                <a:latin typeface="Acumin Pro ExtraCondensed" panose="020B0508020202020204"/>
-              </a:rPr>
-              <a:t>Parse Instruction in to addresses, Opcodes, and data inputs to be used accordingly</a:t>
-            </a:r>
-          </a:p>
-        </p:txBody>
-      </p:sp>
-      <p:sp>
-        <p:nvSpPr>
-          <p:cNvPr id="13" name="TextBox 12">
-            <a:extLst>
-              <a:ext uri="{FF2B5EF4-FFF2-40B4-BE49-F238E27FC236}">
-                <a16:creationId xmlns:a16="http://schemas.microsoft.com/office/drawing/2014/main" id="{229424BE-3DFA-828D-5A92-E82305F4946A}"/>
-              </a:ext>
-            </a:extLst>
-          </p:cNvPr>
-          <p:cNvSpPr txBox="1"/>
-          <p:nvPr/>
-        </p:nvSpPr>
-        <p:spPr>
-          <a:xfrm>
-            <a:off x="9448800" y="4324696"/>
-            <a:ext cx="1701800" cy="1477328"/>
-          </a:xfrm>
-          <a:prstGeom prst="rect">
-            <a:avLst/>
-          </a:prstGeom>
-          <a:noFill/>
-        </p:spPr>
-        <p:txBody>
-          <a:bodyPr wrap="square" rtlCol="0">
-            <a:spAutoFit/>
-          </a:bodyPr>
-          <a:lstStyle/>
-          <a:p>
-            <a:r>
-              <a:rPr lang="en-US" u="sng" dirty="0"/>
-              <a:t>Control Unit:</a:t>
-            </a:r>
-          </a:p>
-          <a:p>
-            <a:r>
-              <a:rPr lang="en-US" dirty="0"/>
-              <a:t>Enable relevant control signals based on Opcode</a:t>
-            </a:r>
-          </a:p>
-        </p:txBody>
-      </p:sp>
     </p:spTree>
     <p:extLst>
       <p:ext uri="{BB962C8B-B14F-4D97-AF65-F5344CB8AC3E}">
-        <p14:creationId xmlns:p14="http://schemas.microsoft.com/office/powerpoint/2010/main" val="2633215723"/>
+        <p14:creationId xmlns:p14="http://schemas.microsoft.com/office/powerpoint/2010/main" val="3109788817"/>
       </p:ext>
     </p:extLst>
   </p:cSld>
@@ -10520,7 +13032,7 @@
           <p:cNvPr id="2" name="Title 1">
             <a:extLst>
               <a:ext uri="{FF2B5EF4-FFF2-40B4-BE49-F238E27FC236}">
-                <a16:creationId xmlns:a16="http://schemas.microsoft.com/office/drawing/2014/main" id="{98D11EE6-CD64-BFFE-3125-1060BA2FB8B2}"/>
+                <a16:creationId xmlns:a16="http://schemas.microsoft.com/office/drawing/2014/main" id="{C4B9557E-D241-6026-64A0-0BE73D5DDD2C}"/>
               </a:ext>
             </a:extLst>
           </p:cNvPr>
@@ -10543,8 +13055,61 @@
           <a:p>
             <a:r>
               <a:rPr lang="en-US" dirty="0"/>
-              <a:t>Immediate Generator</a:t>
-            </a:r>
+              <a:t>Example Fetch/Execute Dataflow</a:t>
+            </a:r>
+          </a:p>
+        </p:txBody>
+      </p:sp>
+      <p:sp>
+        <p:nvSpPr>
+          <p:cNvPr id="3" name="Subtitle 2">
+            <a:extLst>
+              <a:ext uri="{FF2B5EF4-FFF2-40B4-BE49-F238E27FC236}">
+                <a16:creationId xmlns:a16="http://schemas.microsoft.com/office/drawing/2014/main" id="{B1209AD1-6F5C-8636-6133-B2909F1F07A5}"/>
+              </a:ext>
+            </a:extLst>
+          </p:cNvPr>
+          <p:cNvSpPr>
+            <a:spLocks noGrp="1"/>
+          </p:cNvSpPr>
+          <p:nvPr>
+            <p:ph type="subTitle" idx="1"/>
+          </p:nvPr>
+        </p:nvSpPr>
+        <p:spPr/>
+        <p:txBody>
+          <a:bodyPr/>
+          <a:lstStyle/>
+          <a:p>
+            <a:r>
+              <a:rPr lang="en-US" dirty="0"/>
+              <a:t>Addition</a:t>
+            </a:r>
+          </a:p>
+        </p:txBody>
+      </p:sp>
+      <p:sp>
+        <p:nvSpPr>
+          <p:cNvPr id="4" name="Text Placeholder 3">
+            <a:extLst>
+              <a:ext uri="{FF2B5EF4-FFF2-40B4-BE49-F238E27FC236}">
+                <a16:creationId xmlns:a16="http://schemas.microsoft.com/office/drawing/2014/main" id="{0BCD83B3-4B65-F2DA-FD46-E04953DB661A}"/>
+              </a:ext>
+            </a:extLst>
+          </p:cNvPr>
+          <p:cNvSpPr>
+            <a:spLocks noGrp="1"/>
+          </p:cNvSpPr>
+          <p:nvPr>
+            <p:ph type="body" sz="quarter" idx="14"/>
+          </p:nvPr>
+        </p:nvSpPr>
+        <p:spPr/>
+        <p:txBody>
+          <a:bodyPr/>
+          <a:lstStyle/>
+          <a:p>
+            <a:endParaRPr lang="en-US"/>
           </a:p>
         </p:txBody>
       </p:sp>
@@ -10553,7 +13118,7 @@
           <p:cNvPr id="5" name="Slide Number Placeholder 4">
             <a:extLst>
               <a:ext uri="{FF2B5EF4-FFF2-40B4-BE49-F238E27FC236}">
-                <a16:creationId xmlns:a16="http://schemas.microsoft.com/office/drawing/2014/main" id="{9FD279C7-DC02-65E0-D816-A44F047AC0D9}"/>
+                <a16:creationId xmlns:a16="http://schemas.microsoft.com/office/drawing/2014/main" id="{B3793F3D-D621-998E-F046-1A6B00ED58C1}"/>
               </a:ext>
             </a:extLst>
           </p:cNvPr>
@@ -10577,97 +13142,10 @@
           </a:p>
         </p:txBody>
       </p:sp>
-      <p:pic>
-        <p:nvPicPr>
-          <p:cNvPr id="7" name="Picture 6" descr="A close-up of a document&#10;&#10;Description automatically generated">
-            <a:extLst>
-              <a:ext uri="{FF2B5EF4-FFF2-40B4-BE49-F238E27FC236}">
-                <a16:creationId xmlns:a16="http://schemas.microsoft.com/office/drawing/2014/main" id="{C7B537E0-C12E-4217-765B-97698BDF5A83}"/>
-              </a:ext>
-            </a:extLst>
-          </p:cNvPr>
-          <p:cNvPicPr>
-            <a:picLocks noChangeAspect="1"/>
-          </p:cNvPicPr>
-          <p:nvPr/>
-        </p:nvPicPr>
-        <p:blipFill>
-          <a:blip r:embed="rId2">
-            <a:extLst>
-              <a:ext uri="{28A0092B-C50C-407E-A947-70E740481C1C}">
-                <a14:useLocalDpi xmlns:a14="http://schemas.microsoft.com/office/drawing/2010/main" val="0"/>
-              </a:ext>
-            </a:extLst>
-          </a:blip>
-          <a:stretch>
-            <a:fillRect/>
-          </a:stretch>
-        </p:blipFill>
-        <p:spPr>
-          <a:xfrm>
-            <a:off x="2458720" y="1177304"/>
-            <a:ext cx="7051040" cy="5504468"/>
-          </a:xfrm>
-          <a:prstGeom prst="rect">
-            <a:avLst/>
-          </a:prstGeom>
-        </p:spPr>
-      </p:pic>
-      <p:sp>
-        <p:nvSpPr>
-          <p:cNvPr id="8" name="TextBox 7">
-            <a:extLst>
-              <a:ext uri="{FF2B5EF4-FFF2-40B4-BE49-F238E27FC236}">
-                <a16:creationId xmlns:a16="http://schemas.microsoft.com/office/drawing/2014/main" id="{DB4F52F6-A419-64FA-2166-7DF59634EF32}"/>
-              </a:ext>
-            </a:extLst>
-          </p:cNvPr>
-          <p:cNvSpPr txBox="1"/>
-          <p:nvPr/>
-        </p:nvSpPr>
-        <p:spPr>
-          <a:xfrm>
-            <a:off x="7997565" y="1385099"/>
-            <a:ext cx="2842953" cy="1200329"/>
-          </a:xfrm>
-          <a:prstGeom prst="rect">
-            <a:avLst/>
-          </a:prstGeom>
-          <a:noFill/>
-        </p:spPr>
-        <p:txBody>
-          <a:bodyPr wrap="square" rtlCol="0">
-            <a:spAutoFit/>
-          </a:bodyPr>
-          <a:lstStyle/>
-          <a:p>
-            <a:r>
-              <a:rPr lang="en-US" u="sng" dirty="0" err="1">
-                <a:latin typeface="Acumin Pro ExtraCondensed" panose="020B0508020202020204"/>
-              </a:rPr>
-              <a:t>Imm</a:t>
-            </a:r>
-            <a:r>
-              <a:rPr lang="en-US" u="sng" dirty="0">
-                <a:latin typeface="Acumin Pro ExtraCondensed" panose="020B0508020202020204"/>
-              </a:rPr>
-              <a:t> Gen:</a:t>
-            </a:r>
-          </a:p>
-          <a:p>
-            <a:r>
-              <a:rPr lang="en-US" dirty="0">
-                <a:latin typeface="Acumin Pro ExtraCondensed" panose="020B0508020202020204"/>
-              </a:rPr>
-              <a:t>Generate Immediate values if necessary and send immediate values to ALU</a:t>
-            </a:r>
-          </a:p>
-        </p:txBody>
-      </p:sp>
     </p:spTree>
     <p:extLst>
       <p:ext uri="{BB962C8B-B14F-4D97-AF65-F5344CB8AC3E}">
-        <p14:creationId xmlns:p14="http://schemas.microsoft.com/office/powerpoint/2010/main" val="1969895698"/>
+        <p14:creationId xmlns:p14="http://schemas.microsoft.com/office/powerpoint/2010/main" val="2986975434"/>
       </p:ext>
     </p:extLst>
   </p:cSld>

--- a/Project_Proposal.pptx
+++ b/Project_Proposal.pptx
@@ -5,10 +5,10 @@
     <p:sldMasterId id="2147483660" r:id="rId1"/>
   </p:sldMasterIdLst>
   <p:notesMasterIdLst>
-    <p:notesMasterId r:id="rId40"/>
+    <p:notesMasterId r:id="rId19"/>
   </p:notesMasterIdLst>
   <p:handoutMasterIdLst>
-    <p:handoutMasterId r:id="rId41"/>
+    <p:handoutMasterId r:id="rId20"/>
   </p:handoutMasterIdLst>
   <p:sldIdLst>
     <p:sldId id="256" r:id="rId2"/>
@@ -18,37 +18,16 @@
     <p:sldId id="334" r:id="rId6"/>
     <p:sldId id="337" r:id="rId7"/>
     <p:sldId id="327" r:id="rId8"/>
-    <p:sldId id="344" r:id="rId9"/>
-    <p:sldId id="350" r:id="rId10"/>
-    <p:sldId id="351" r:id="rId11"/>
-    <p:sldId id="352" r:id="rId12"/>
-    <p:sldId id="353" r:id="rId13"/>
-    <p:sldId id="354" r:id="rId14"/>
-    <p:sldId id="355" r:id="rId15"/>
-    <p:sldId id="345" r:id="rId16"/>
-    <p:sldId id="346" r:id="rId17"/>
-    <p:sldId id="328" r:id="rId18"/>
-    <p:sldId id="340" r:id="rId19"/>
-    <p:sldId id="317" r:id="rId20"/>
-    <p:sldId id="318" r:id="rId21"/>
-    <p:sldId id="319" r:id="rId22"/>
-    <p:sldId id="320" r:id="rId23"/>
-    <p:sldId id="343" r:id="rId24"/>
-    <p:sldId id="341" r:id="rId25"/>
-    <p:sldId id="342" r:id="rId26"/>
-    <p:sldId id="272" r:id="rId27"/>
-    <p:sldId id="332" r:id="rId28"/>
-    <p:sldId id="339" r:id="rId29"/>
-    <p:sldId id="348" r:id="rId30"/>
-    <p:sldId id="257" r:id="rId31"/>
-    <p:sldId id="258" r:id="rId32"/>
-    <p:sldId id="259" r:id="rId33"/>
-    <p:sldId id="260" r:id="rId34"/>
-    <p:sldId id="261" r:id="rId35"/>
-    <p:sldId id="262" r:id="rId36"/>
-    <p:sldId id="347" r:id="rId37"/>
-    <p:sldId id="335" r:id="rId38"/>
-    <p:sldId id="349" r:id="rId39"/>
+    <p:sldId id="328" r:id="rId9"/>
+    <p:sldId id="340" r:id="rId10"/>
+    <p:sldId id="329" r:id="rId11"/>
+    <p:sldId id="330" r:id="rId12"/>
+    <p:sldId id="331" r:id="rId13"/>
+    <p:sldId id="332" r:id="rId14"/>
+    <p:sldId id="339" r:id="rId15"/>
+    <p:sldId id="333" r:id="rId16"/>
+    <p:sldId id="335" r:id="rId17"/>
+    <p:sldId id="336" r:id="rId18"/>
   </p:sldIdLst>
   <p:sldSz cx="12192000" cy="6858000"/>
   <p:notesSz cx="6858000" cy="9144000"/>
@@ -159,37 +138,16 @@
             <p14:sldId id="334"/>
             <p14:sldId id="337"/>
             <p14:sldId id="327"/>
-            <p14:sldId id="344"/>
-            <p14:sldId id="350"/>
-            <p14:sldId id="351"/>
-            <p14:sldId id="352"/>
-            <p14:sldId id="353"/>
-            <p14:sldId id="354"/>
-            <p14:sldId id="355"/>
-            <p14:sldId id="345"/>
-            <p14:sldId id="346"/>
             <p14:sldId id="328"/>
             <p14:sldId id="340"/>
-            <p14:sldId id="317"/>
-            <p14:sldId id="318"/>
-            <p14:sldId id="319"/>
-            <p14:sldId id="320"/>
-            <p14:sldId id="343"/>
-            <p14:sldId id="341"/>
-            <p14:sldId id="342"/>
-            <p14:sldId id="272"/>
+            <p14:sldId id="329"/>
+            <p14:sldId id="330"/>
+            <p14:sldId id="331"/>
             <p14:sldId id="332"/>
             <p14:sldId id="339"/>
-            <p14:sldId id="348"/>
-            <p14:sldId id="257"/>
-            <p14:sldId id="258"/>
-            <p14:sldId id="259"/>
-            <p14:sldId id="260"/>
-            <p14:sldId id="261"/>
-            <p14:sldId id="262"/>
-            <p14:sldId id="347"/>
+            <p14:sldId id="333"/>
             <p14:sldId id="335"/>
-            <p14:sldId id="349"/>
+            <p14:sldId id="336"/>
           </p14:sldIdLst>
         </p14:section>
       </p14:sectionLst>
@@ -4628,58 +4586,6 @@
 </p:sldLayout>
 </file>
 
-<file path=ppt/slideLayouts/slideLayout8.xml><?xml version="1.0" encoding="utf-8"?>
-<p:sldLayout xmlns:a="http://schemas.openxmlformats.org/drawingml/2006/main" xmlns:r="http://schemas.openxmlformats.org/officeDocument/2006/relationships" xmlns:p="http://schemas.openxmlformats.org/presentationml/2006/main" type="blank">
-  <p:cSld name="Blank Slide">
-    <p:spTree>
-      <p:nvGrpSpPr>
-        <p:cNvPr id="1" name=""/>
-        <p:cNvGrpSpPr/>
-        <p:nvPr/>
-      </p:nvGrpSpPr>
-      <p:grpSpPr>
-        <a:xfrm>
-          <a:off x="0" y="0"/>
-          <a:ext cx="0" cy="0"/>
-          <a:chOff x="0" y="0"/>
-          <a:chExt cx="0" cy="0"/>
-        </a:xfrm>
-      </p:grpSpPr>
-      <p:sp>
-        <p:nvSpPr>
-          <p:cNvPr id="2" name="PlaceHolder 1"/>
-          <p:cNvSpPr>
-            <a:spLocks noGrp="1"/>
-          </p:cNvSpPr>
-          <p:nvPr>
-            <p:ph type="sldNum" idx="3"/>
-          </p:nvPr>
-        </p:nvSpPr>
-        <p:spPr/>
-        <p:txBody>
-          <a:bodyPr/>
-          <a:lstStyle/>
-          <a:p>
-            <a:fld id="{3E5061A3-28A3-4EC0-9B64-E679B1429DAD}" type="slidenum">
-              <a:t>‹#›</a:t>
-            </a:fld>
-            <a:endParaRPr/>
-          </a:p>
-        </p:txBody>
-      </p:sp>
-    </p:spTree>
-    <p:extLst>
-      <p:ext uri="{BB962C8B-B14F-4D97-AF65-F5344CB8AC3E}">
-        <p14:creationId xmlns:p14="http://schemas.microsoft.com/office/powerpoint/2010/main" val="1070729171"/>
-      </p:ext>
-    </p:extLst>
-  </p:cSld>
-  <p:clrMapOvr>
-    <a:masterClrMapping/>
-  </p:clrMapOvr>
-</p:sldLayout>
-</file>
-
 <file path=ppt/slideMasters/slideMaster1.xml><?xml version="1.0" encoding="utf-8"?>
 <p:sldMaster xmlns:a="http://schemas.openxmlformats.org/drawingml/2006/main" xmlns:r="http://schemas.openxmlformats.org/officeDocument/2006/relationships" xmlns:p="http://schemas.openxmlformats.org/presentationml/2006/main">
   <p:cSld>
@@ -4947,7 +4853,6 @@
     <p:sldLayoutId id="2147483665" r:id="rId5"/>
     <p:sldLayoutId id="2147483666" r:id="rId6"/>
     <p:sldLayoutId id="2147483667" r:id="rId7"/>
-    <p:sldLayoutId id="2147483668" r:id="rId8"/>
   </p:sldLayoutIdLst>
   <p:hf hdr="0" ftr="0"/>
   <p:txStyles>
@@ -5447,7 +5352,7 @@
           <p:cNvPr id="2" name="Title 1">
             <a:extLst>
               <a:ext uri="{FF2B5EF4-FFF2-40B4-BE49-F238E27FC236}">
-                <a16:creationId xmlns:a16="http://schemas.microsoft.com/office/drawing/2014/main" id="{E1191607-7E71-0E6E-CEBF-50E6CE964AE7}"/>
+                <a16:creationId xmlns:a16="http://schemas.microsoft.com/office/drawing/2014/main" id="{6346E85E-8D15-D4EB-CF18-9132EC62AC77}"/>
               </a:ext>
             </a:extLst>
           </p:cNvPr>
@@ -5470,7 +5375,7 @@
           <a:p>
             <a:r>
               <a:rPr lang="en-US" dirty="0"/>
-              <a:t>Fetch/Execute Cycle</a:t>
+              <a:t>ALU</a:t>
             </a:r>
           </a:p>
         </p:txBody>
@@ -5480,7 +5385,7 @@
           <p:cNvPr id="3" name="Subtitle 2">
             <a:extLst>
               <a:ext uri="{FF2B5EF4-FFF2-40B4-BE49-F238E27FC236}">
-                <a16:creationId xmlns:a16="http://schemas.microsoft.com/office/drawing/2014/main" id="{FBB07AFE-4442-8622-C3F9-0ED710FCF7C4}"/>
+                <a16:creationId xmlns:a16="http://schemas.microsoft.com/office/drawing/2014/main" id="{5B40D6B8-97AE-9397-3D32-EF0CF1737FFA}"/>
               </a:ext>
             </a:extLst>
           </p:cNvPr>
@@ -5505,7 +5410,7 @@
           <p:cNvPr id="4" name="Text Placeholder 3">
             <a:extLst>
               <a:ext uri="{FF2B5EF4-FFF2-40B4-BE49-F238E27FC236}">
-                <a16:creationId xmlns:a16="http://schemas.microsoft.com/office/drawing/2014/main" id="{0A06040A-790C-570F-D8CF-78FCCD147450}"/>
+                <a16:creationId xmlns:a16="http://schemas.microsoft.com/office/drawing/2014/main" id="{D9B79D28-048B-F636-E90A-160DCFE6618C}"/>
               </a:ext>
             </a:extLst>
           </p:cNvPr>
@@ -5530,7 +5435,7 @@
           <p:cNvPr id="5" name="Slide Number Placeholder 4">
             <a:extLst>
               <a:ext uri="{FF2B5EF4-FFF2-40B4-BE49-F238E27FC236}">
-                <a16:creationId xmlns:a16="http://schemas.microsoft.com/office/drawing/2014/main" id="{B4C173CF-9C9E-82F4-6DD4-E407DCBE36DE}"/>
+                <a16:creationId xmlns:a16="http://schemas.microsoft.com/office/drawing/2014/main" id="{9BCE14E6-F19C-7BB3-E487-D0FA7CFF54C1}"/>
               </a:ext>
             </a:extLst>
           </p:cNvPr>
@@ -5554,179 +5459,10 @@
           </a:p>
         </p:txBody>
       </p:sp>
-      <p:pic>
-        <p:nvPicPr>
-          <p:cNvPr id="6" name="Picture 5" descr="A diagram of a computer hardware system&#10;&#10;Description automatically generated">
-            <a:extLst>
-              <a:ext uri="{FF2B5EF4-FFF2-40B4-BE49-F238E27FC236}">
-                <a16:creationId xmlns:a16="http://schemas.microsoft.com/office/drawing/2014/main" id="{70CEBB47-2892-2A7E-98CD-9421931AC59A}"/>
-              </a:ext>
-            </a:extLst>
-          </p:cNvPr>
-          <p:cNvPicPr>
-            <a:picLocks noChangeAspect="1"/>
-          </p:cNvPicPr>
-          <p:nvPr/>
-        </p:nvPicPr>
-        <p:blipFill>
-          <a:blip r:embed="rId2">
-            <a:extLst>
-              <a:ext uri="{28A0092B-C50C-407E-A947-70E740481C1C}">
-                <a14:useLocalDpi xmlns:a14="http://schemas.microsoft.com/office/drawing/2010/main" val="0"/>
-              </a:ext>
-            </a:extLst>
-          </a:blip>
-          <a:stretch>
-            <a:fillRect/>
-          </a:stretch>
-        </p:blipFill>
-        <p:spPr>
-          <a:xfrm>
-            <a:off x="1278744" y="935628"/>
-            <a:ext cx="9634512" cy="5922372"/>
-          </a:xfrm>
-          <a:prstGeom prst="rect">
-            <a:avLst/>
-          </a:prstGeom>
-        </p:spPr>
-      </p:pic>
-      <p:sp>
-        <p:nvSpPr>
-          <p:cNvPr id="8" name="Rectangle 7">
-            <a:extLst>
-              <a:ext uri="{FF2B5EF4-FFF2-40B4-BE49-F238E27FC236}">
-                <a16:creationId xmlns:a16="http://schemas.microsoft.com/office/drawing/2014/main" id="{9E2A076C-F222-EBA3-AC9F-0410C051280C}"/>
-              </a:ext>
-            </a:extLst>
-          </p:cNvPr>
-          <p:cNvSpPr/>
-          <p:nvPr/>
-        </p:nvSpPr>
-        <p:spPr>
-          <a:xfrm>
-            <a:off x="7476428" y="5398423"/>
-            <a:ext cx="2313991" cy="1390080"/>
-          </a:xfrm>
-          <a:prstGeom prst="rect">
-            <a:avLst/>
-          </a:prstGeom>
-        </p:spPr>
-        <p:style>
-          <a:lnRef idx="2">
-            <a:schemeClr val="accent1">
-              <a:shade val="15000"/>
-            </a:schemeClr>
-          </a:lnRef>
-          <a:fillRef idx="1">
-            <a:schemeClr val="accent1"/>
-          </a:fillRef>
-          <a:effectRef idx="0">
-            <a:schemeClr val="accent1"/>
-          </a:effectRef>
-          <a:fontRef idx="minor">
-            <a:schemeClr val="lt1"/>
-          </a:fontRef>
-        </p:style>
-        <p:txBody>
-          <a:bodyPr rtlCol="0" anchor="ctr"/>
-          <a:lstStyle/>
-          <a:p>
-            <a:pPr algn="ctr"/>
-            <a:r>
-              <a:rPr lang="en-US" dirty="0"/>
-              <a:t>3) Get data from registers and/or memory.</a:t>
-            </a:r>
-          </a:p>
-        </p:txBody>
-      </p:sp>
-      <p:cxnSp>
-        <p:nvCxnSpPr>
-          <p:cNvPr id="10" name="Straight Arrow Connector 9">
-            <a:extLst>
-              <a:ext uri="{FF2B5EF4-FFF2-40B4-BE49-F238E27FC236}">
-                <a16:creationId xmlns:a16="http://schemas.microsoft.com/office/drawing/2014/main" id="{A171D481-5834-803B-E472-BC5ECE545122}"/>
-              </a:ext>
-            </a:extLst>
-          </p:cNvPr>
-          <p:cNvCxnSpPr>
-            <a:cxnSpLocks/>
-            <a:stCxn id="8" idx="1"/>
-          </p:cNvCxnSpPr>
-          <p:nvPr/>
-        </p:nvCxnSpPr>
-        <p:spPr>
-          <a:xfrm flipH="1" flipV="1">
-            <a:off x="6969967" y="5243804"/>
-            <a:ext cx="506461" cy="849659"/>
-          </a:xfrm>
-          <a:prstGeom prst="straightConnector1">
-            <a:avLst/>
-          </a:prstGeom>
-          <a:ln w="76200">
-            <a:tailEnd type="triangle"/>
-          </a:ln>
-        </p:spPr>
-        <p:style>
-          <a:lnRef idx="3">
-            <a:schemeClr val="accent1"/>
-          </a:lnRef>
-          <a:fillRef idx="0">
-            <a:schemeClr val="accent1"/>
-          </a:fillRef>
-          <a:effectRef idx="2">
-            <a:schemeClr val="accent1"/>
-          </a:effectRef>
-          <a:fontRef idx="minor">
-            <a:schemeClr val="tx1"/>
-          </a:fontRef>
-        </p:style>
-      </p:cxnSp>
-      <p:cxnSp>
-        <p:nvCxnSpPr>
-          <p:cNvPr id="9" name="Straight Arrow Connector 8">
-            <a:extLst>
-              <a:ext uri="{FF2B5EF4-FFF2-40B4-BE49-F238E27FC236}">
-                <a16:creationId xmlns:a16="http://schemas.microsoft.com/office/drawing/2014/main" id="{B2567705-17E6-7F86-43DC-9D41BFC44009}"/>
-              </a:ext>
-            </a:extLst>
-          </p:cNvPr>
-          <p:cNvCxnSpPr>
-            <a:cxnSpLocks/>
-            <a:stCxn id="8" idx="3"/>
-          </p:cNvCxnSpPr>
-          <p:nvPr/>
-        </p:nvCxnSpPr>
-        <p:spPr>
-          <a:xfrm flipV="1">
-            <a:off x="9790419" y="5512833"/>
-            <a:ext cx="463924" cy="580630"/>
-          </a:xfrm>
-          <a:prstGeom prst="straightConnector1">
-            <a:avLst/>
-          </a:prstGeom>
-          <a:ln w="76200">
-            <a:tailEnd type="triangle"/>
-          </a:ln>
-        </p:spPr>
-        <p:style>
-          <a:lnRef idx="3">
-            <a:schemeClr val="accent1"/>
-          </a:lnRef>
-          <a:fillRef idx="0">
-            <a:schemeClr val="accent1"/>
-          </a:fillRef>
-          <a:effectRef idx="2">
-            <a:schemeClr val="accent1"/>
-          </a:effectRef>
-          <a:fontRef idx="minor">
-            <a:schemeClr val="tx1"/>
-          </a:fontRef>
-        </p:style>
-      </p:cxnSp>
     </p:spTree>
     <p:extLst>
       <p:ext uri="{BB962C8B-B14F-4D97-AF65-F5344CB8AC3E}">
-        <p14:creationId xmlns:p14="http://schemas.microsoft.com/office/powerpoint/2010/main" val="4016043477"/>
+        <p14:creationId xmlns:p14="http://schemas.microsoft.com/office/powerpoint/2010/main" val="176491562"/>
       </p:ext>
     </p:extLst>
   </p:cSld>
@@ -5758,7 +5494,7 @@
           <p:cNvPr id="2" name="Title 1">
             <a:extLst>
               <a:ext uri="{FF2B5EF4-FFF2-40B4-BE49-F238E27FC236}">
-                <a16:creationId xmlns:a16="http://schemas.microsoft.com/office/drawing/2014/main" id="{E1191607-7E71-0E6E-CEBF-50E6CE964AE7}"/>
+                <a16:creationId xmlns:a16="http://schemas.microsoft.com/office/drawing/2014/main" id="{EB3F7B05-73DE-A491-5991-E04BBBC698CA}"/>
               </a:ext>
             </a:extLst>
           </p:cNvPr>
@@ -5781,7 +5517,7 @@
           <a:p>
             <a:r>
               <a:rPr lang="en-US" dirty="0"/>
-              <a:t>Fetch/Execute Cycle</a:t>
+              <a:t>Registers</a:t>
             </a:r>
           </a:p>
         </p:txBody>
@@ -5791,7 +5527,7 @@
           <p:cNvPr id="3" name="Subtitle 2">
             <a:extLst>
               <a:ext uri="{FF2B5EF4-FFF2-40B4-BE49-F238E27FC236}">
-                <a16:creationId xmlns:a16="http://schemas.microsoft.com/office/drawing/2014/main" id="{FBB07AFE-4442-8622-C3F9-0ED710FCF7C4}"/>
+                <a16:creationId xmlns:a16="http://schemas.microsoft.com/office/drawing/2014/main" id="{AC823061-39AD-9D43-0432-59610A93A4A1}"/>
               </a:ext>
             </a:extLst>
           </p:cNvPr>
@@ -5816,7 +5552,7 @@
           <p:cNvPr id="4" name="Text Placeholder 3">
             <a:extLst>
               <a:ext uri="{FF2B5EF4-FFF2-40B4-BE49-F238E27FC236}">
-                <a16:creationId xmlns:a16="http://schemas.microsoft.com/office/drawing/2014/main" id="{0A06040A-790C-570F-D8CF-78FCCD147450}"/>
+                <a16:creationId xmlns:a16="http://schemas.microsoft.com/office/drawing/2014/main" id="{F2A18362-0849-C467-4293-A237B5A80012}"/>
               </a:ext>
             </a:extLst>
           </p:cNvPr>
@@ -5841,7 +5577,7 @@
           <p:cNvPr id="5" name="Slide Number Placeholder 4">
             <a:extLst>
               <a:ext uri="{FF2B5EF4-FFF2-40B4-BE49-F238E27FC236}">
-                <a16:creationId xmlns:a16="http://schemas.microsoft.com/office/drawing/2014/main" id="{B4C173CF-9C9E-82F4-6DD4-E407DCBE36DE}"/>
+                <a16:creationId xmlns:a16="http://schemas.microsoft.com/office/drawing/2014/main" id="{2FCCDFDD-E919-B6ED-4B67-9F63171EB214}"/>
               </a:ext>
             </a:extLst>
           </p:cNvPr>
@@ -5865,137 +5601,10 @@
           </a:p>
         </p:txBody>
       </p:sp>
-      <p:pic>
-        <p:nvPicPr>
-          <p:cNvPr id="6" name="Picture 5" descr="A diagram of a computer hardware system&#10;&#10;Description automatically generated">
-            <a:extLst>
-              <a:ext uri="{FF2B5EF4-FFF2-40B4-BE49-F238E27FC236}">
-                <a16:creationId xmlns:a16="http://schemas.microsoft.com/office/drawing/2014/main" id="{70CEBB47-2892-2A7E-98CD-9421931AC59A}"/>
-              </a:ext>
-            </a:extLst>
-          </p:cNvPr>
-          <p:cNvPicPr>
-            <a:picLocks noChangeAspect="1"/>
-          </p:cNvPicPr>
-          <p:nvPr/>
-        </p:nvPicPr>
-        <p:blipFill>
-          <a:blip r:embed="rId2">
-            <a:extLst>
-              <a:ext uri="{28A0092B-C50C-407E-A947-70E740481C1C}">
-                <a14:useLocalDpi xmlns:a14="http://schemas.microsoft.com/office/drawing/2010/main" val="0"/>
-              </a:ext>
-            </a:extLst>
-          </a:blip>
-          <a:stretch>
-            <a:fillRect/>
-          </a:stretch>
-        </p:blipFill>
-        <p:spPr>
-          <a:xfrm>
-            <a:off x="1278744" y="935628"/>
-            <a:ext cx="9634512" cy="5922372"/>
-          </a:xfrm>
-          <a:prstGeom prst="rect">
-            <a:avLst/>
-          </a:prstGeom>
-        </p:spPr>
-      </p:pic>
-      <p:sp>
-        <p:nvSpPr>
-          <p:cNvPr id="8" name="Rectangle 7">
-            <a:extLst>
-              <a:ext uri="{FF2B5EF4-FFF2-40B4-BE49-F238E27FC236}">
-                <a16:creationId xmlns:a16="http://schemas.microsoft.com/office/drawing/2014/main" id="{9E2A076C-F222-EBA3-AC9F-0410C051280C}"/>
-              </a:ext>
-            </a:extLst>
-          </p:cNvPr>
-          <p:cNvSpPr/>
-          <p:nvPr/>
-        </p:nvSpPr>
-        <p:spPr>
-          <a:xfrm>
-            <a:off x="9581981" y="2268573"/>
-            <a:ext cx="2313991" cy="1390080"/>
-          </a:xfrm>
-          <a:prstGeom prst="rect">
-            <a:avLst/>
-          </a:prstGeom>
-        </p:spPr>
-        <p:style>
-          <a:lnRef idx="2">
-            <a:schemeClr val="accent1">
-              <a:shade val="15000"/>
-            </a:schemeClr>
-          </a:lnRef>
-          <a:fillRef idx="1">
-            <a:schemeClr val="accent1"/>
-          </a:fillRef>
-          <a:effectRef idx="0">
-            <a:schemeClr val="accent1"/>
-          </a:effectRef>
-          <a:fontRef idx="minor">
-            <a:schemeClr val="lt1"/>
-          </a:fontRef>
-        </p:style>
-        <p:txBody>
-          <a:bodyPr rtlCol="0" anchor="ctr"/>
-          <a:lstStyle/>
-          <a:p>
-            <a:pPr algn="ctr"/>
-            <a:r>
-              <a:rPr lang="en-US" dirty="0"/>
-              <a:t>4) Use ALU to perform calculations.</a:t>
-            </a:r>
-          </a:p>
-        </p:txBody>
-      </p:sp>
-      <p:cxnSp>
-        <p:nvCxnSpPr>
-          <p:cNvPr id="10" name="Straight Arrow Connector 9">
-            <a:extLst>
-              <a:ext uri="{FF2B5EF4-FFF2-40B4-BE49-F238E27FC236}">
-                <a16:creationId xmlns:a16="http://schemas.microsoft.com/office/drawing/2014/main" id="{A171D481-5834-803B-E472-BC5ECE545122}"/>
-              </a:ext>
-            </a:extLst>
-          </p:cNvPr>
-          <p:cNvCxnSpPr>
-            <a:cxnSpLocks/>
-            <a:stCxn id="8" idx="1"/>
-          </p:cNvCxnSpPr>
-          <p:nvPr/>
-        </p:nvCxnSpPr>
-        <p:spPr>
-          <a:xfrm flipH="1">
-            <a:off x="8976978" y="2963613"/>
-            <a:ext cx="605003" cy="777962"/>
-          </a:xfrm>
-          <a:prstGeom prst="straightConnector1">
-            <a:avLst/>
-          </a:prstGeom>
-          <a:ln w="76200">
-            <a:tailEnd type="triangle"/>
-          </a:ln>
-        </p:spPr>
-        <p:style>
-          <a:lnRef idx="3">
-            <a:schemeClr val="accent1"/>
-          </a:lnRef>
-          <a:fillRef idx="0">
-            <a:schemeClr val="accent1"/>
-          </a:fillRef>
-          <a:effectRef idx="2">
-            <a:schemeClr val="accent1"/>
-          </a:effectRef>
-          <a:fontRef idx="minor">
-            <a:schemeClr val="tx1"/>
-          </a:fontRef>
-        </p:style>
-      </p:cxnSp>
     </p:spTree>
     <p:extLst>
       <p:ext uri="{BB962C8B-B14F-4D97-AF65-F5344CB8AC3E}">
-        <p14:creationId xmlns:p14="http://schemas.microsoft.com/office/powerpoint/2010/main" val="1921784212"/>
+        <p14:creationId xmlns:p14="http://schemas.microsoft.com/office/powerpoint/2010/main" val="2869620282"/>
       </p:ext>
     </p:extLst>
   </p:cSld>
@@ -6027,7 +5636,7 @@
           <p:cNvPr id="2" name="Title 1">
             <a:extLst>
               <a:ext uri="{FF2B5EF4-FFF2-40B4-BE49-F238E27FC236}">
-                <a16:creationId xmlns:a16="http://schemas.microsoft.com/office/drawing/2014/main" id="{E1191607-7E71-0E6E-CEBF-50E6CE964AE7}"/>
+                <a16:creationId xmlns:a16="http://schemas.microsoft.com/office/drawing/2014/main" id="{F15788A1-2A90-075C-0FD5-97BF4276DB6C}"/>
               </a:ext>
             </a:extLst>
           </p:cNvPr>
@@ -6050,7 +5659,7 @@
           <a:p>
             <a:r>
               <a:rPr lang="en-US" dirty="0"/>
-              <a:t>Fetch/Execute Cycle</a:t>
+              <a:t>Memory</a:t>
             </a:r>
           </a:p>
         </p:txBody>
@@ -6060,7 +5669,7 @@
           <p:cNvPr id="3" name="Subtitle 2">
             <a:extLst>
               <a:ext uri="{FF2B5EF4-FFF2-40B4-BE49-F238E27FC236}">
-                <a16:creationId xmlns:a16="http://schemas.microsoft.com/office/drawing/2014/main" id="{FBB07AFE-4442-8622-C3F9-0ED710FCF7C4}"/>
+                <a16:creationId xmlns:a16="http://schemas.microsoft.com/office/drawing/2014/main" id="{13643ECA-8A7C-9241-6882-E71BD1F12C44}"/>
               </a:ext>
             </a:extLst>
           </p:cNvPr>
@@ -6085,7 +5694,7 @@
           <p:cNvPr id="4" name="Text Placeholder 3">
             <a:extLst>
               <a:ext uri="{FF2B5EF4-FFF2-40B4-BE49-F238E27FC236}">
-                <a16:creationId xmlns:a16="http://schemas.microsoft.com/office/drawing/2014/main" id="{0A06040A-790C-570F-D8CF-78FCCD147450}"/>
+                <a16:creationId xmlns:a16="http://schemas.microsoft.com/office/drawing/2014/main" id="{44C21242-B2E4-CDBB-3C48-4C8E293DC8C1}"/>
               </a:ext>
             </a:extLst>
           </p:cNvPr>
@@ -6110,7 +5719,7 @@
           <p:cNvPr id="5" name="Slide Number Placeholder 4">
             <a:extLst>
               <a:ext uri="{FF2B5EF4-FFF2-40B4-BE49-F238E27FC236}">
-                <a16:creationId xmlns:a16="http://schemas.microsoft.com/office/drawing/2014/main" id="{B4C173CF-9C9E-82F4-6DD4-E407DCBE36DE}"/>
+                <a16:creationId xmlns:a16="http://schemas.microsoft.com/office/drawing/2014/main" id="{BD9C6C1B-2485-DA5C-E77A-5AE0B15EA8EE}"/>
               </a:ext>
             </a:extLst>
           </p:cNvPr>
@@ -6134,179 +5743,10 @@
           </a:p>
         </p:txBody>
       </p:sp>
-      <p:pic>
-        <p:nvPicPr>
-          <p:cNvPr id="6" name="Picture 5" descr="A diagram of a computer hardware system&#10;&#10;Description automatically generated">
-            <a:extLst>
-              <a:ext uri="{FF2B5EF4-FFF2-40B4-BE49-F238E27FC236}">
-                <a16:creationId xmlns:a16="http://schemas.microsoft.com/office/drawing/2014/main" id="{70CEBB47-2892-2A7E-98CD-9421931AC59A}"/>
-              </a:ext>
-            </a:extLst>
-          </p:cNvPr>
-          <p:cNvPicPr>
-            <a:picLocks noChangeAspect="1"/>
-          </p:cNvPicPr>
-          <p:nvPr/>
-        </p:nvPicPr>
-        <p:blipFill>
-          <a:blip r:embed="rId2">
-            <a:extLst>
-              <a:ext uri="{28A0092B-C50C-407E-A947-70E740481C1C}">
-                <a14:useLocalDpi xmlns:a14="http://schemas.microsoft.com/office/drawing/2010/main" val="0"/>
-              </a:ext>
-            </a:extLst>
-          </a:blip>
-          <a:stretch>
-            <a:fillRect/>
-          </a:stretch>
-        </p:blipFill>
-        <p:spPr>
-          <a:xfrm>
-            <a:off x="1278744" y="935628"/>
-            <a:ext cx="9634512" cy="5922372"/>
-          </a:xfrm>
-          <a:prstGeom prst="rect">
-            <a:avLst/>
-          </a:prstGeom>
-        </p:spPr>
-      </p:pic>
-      <p:sp>
-        <p:nvSpPr>
-          <p:cNvPr id="8" name="Rectangle 7">
-            <a:extLst>
-              <a:ext uri="{FF2B5EF4-FFF2-40B4-BE49-F238E27FC236}">
-                <a16:creationId xmlns:a16="http://schemas.microsoft.com/office/drawing/2014/main" id="{9E2A076C-F222-EBA3-AC9F-0410C051280C}"/>
-              </a:ext>
-            </a:extLst>
-          </p:cNvPr>
-          <p:cNvSpPr/>
-          <p:nvPr/>
-        </p:nvSpPr>
-        <p:spPr>
-          <a:xfrm>
-            <a:off x="7476428" y="5398423"/>
-            <a:ext cx="2313991" cy="1390080"/>
-          </a:xfrm>
-          <a:prstGeom prst="rect">
-            <a:avLst/>
-          </a:prstGeom>
-        </p:spPr>
-        <p:style>
-          <a:lnRef idx="2">
-            <a:schemeClr val="accent1">
-              <a:shade val="15000"/>
-            </a:schemeClr>
-          </a:lnRef>
-          <a:fillRef idx="1">
-            <a:schemeClr val="accent1"/>
-          </a:fillRef>
-          <a:effectRef idx="0">
-            <a:schemeClr val="accent1"/>
-          </a:effectRef>
-          <a:fontRef idx="minor">
-            <a:schemeClr val="lt1"/>
-          </a:fontRef>
-        </p:style>
-        <p:txBody>
-          <a:bodyPr rtlCol="0" anchor="ctr"/>
-          <a:lstStyle/>
-          <a:p>
-            <a:pPr algn="ctr"/>
-            <a:r>
-              <a:rPr lang="en-US" dirty="0"/>
-              <a:t>5) Store ALU output.</a:t>
-            </a:r>
-          </a:p>
-        </p:txBody>
-      </p:sp>
-      <p:cxnSp>
-        <p:nvCxnSpPr>
-          <p:cNvPr id="10" name="Straight Arrow Connector 9">
-            <a:extLst>
-              <a:ext uri="{FF2B5EF4-FFF2-40B4-BE49-F238E27FC236}">
-                <a16:creationId xmlns:a16="http://schemas.microsoft.com/office/drawing/2014/main" id="{A171D481-5834-803B-E472-BC5ECE545122}"/>
-              </a:ext>
-            </a:extLst>
-          </p:cNvPr>
-          <p:cNvCxnSpPr>
-            <a:cxnSpLocks/>
-            <a:stCxn id="8" idx="1"/>
-          </p:cNvCxnSpPr>
-          <p:nvPr/>
-        </p:nvCxnSpPr>
-        <p:spPr>
-          <a:xfrm flipH="1" flipV="1">
-            <a:off x="6969967" y="5243804"/>
-            <a:ext cx="506461" cy="849659"/>
-          </a:xfrm>
-          <a:prstGeom prst="straightConnector1">
-            <a:avLst/>
-          </a:prstGeom>
-          <a:ln w="76200">
-            <a:tailEnd type="triangle"/>
-          </a:ln>
-        </p:spPr>
-        <p:style>
-          <a:lnRef idx="3">
-            <a:schemeClr val="accent1"/>
-          </a:lnRef>
-          <a:fillRef idx="0">
-            <a:schemeClr val="accent1"/>
-          </a:fillRef>
-          <a:effectRef idx="2">
-            <a:schemeClr val="accent1"/>
-          </a:effectRef>
-          <a:fontRef idx="minor">
-            <a:schemeClr val="tx1"/>
-          </a:fontRef>
-        </p:style>
-      </p:cxnSp>
-      <p:cxnSp>
-        <p:nvCxnSpPr>
-          <p:cNvPr id="9" name="Straight Arrow Connector 8">
-            <a:extLst>
-              <a:ext uri="{FF2B5EF4-FFF2-40B4-BE49-F238E27FC236}">
-                <a16:creationId xmlns:a16="http://schemas.microsoft.com/office/drawing/2014/main" id="{B2567705-17E6-7F86-43DC-9D41BFC44009}"/>
-              </a:ext>
-            </a:extLst>
-          </p:cNvPr>
-          <p:cNvCxnSpPr>
-            <a:cxnSpLocks/>
-            <a:stCxn id="8" idx="3"/>
-          </p:cNvCxnSpPr>
-          <p:nvPr/>
-        </p:nvCxnSpPr>
-        <p:spPr>
-          <a:xfrm flipV="1">
-            <a:off x="9790419" y="5512833"/>
-            <a:ext cx="463924" cy="580630"/>
-          </a:xfrm>
-          <a:prstGeom prst="straightConnector1">
-            <a:avLst/>
-          </a:prstGeom>
-          <a:ln w="76200">
-            <a:tailEnd type="triangle"/>
-          </a:ln>
-        </p:spPr>
-        <p:style>
-          <a:lnRef idx="3">
-            <a:schemeClr val="accent1"/>
-          </a:lnRef>
-          <a:fillRef idx="0">
-            <a:schemeClr val="accent1"/>
-          </a:fillRef>
-          <a:effectRef idx="2">
-            <a:schemeClr val="accent1"/>
-          </a:effectRef>
-          <a:fontRef idx="minor">
-            <a:schemeClr val="tx1"/>
-          </a:fontRef>
-        </p:style>
-      </p:cxnSp>
     </p:spTree>
     <p:extLst>
       <p:ext uri="{BB962C8B-B14F-4D97-AF65-F5344CB8AC3E}">
-        <p14:creationId xmlns:p14="http://schemas.microsoft.com/office/powerpoint/2010/main" val="802693010"/>
+        <p14:creationId xmlns:p14="http://schemas.microsoft.com/office/powerpoint/2010/main" val="4006611505"/>
       </p:ext>
     </p:extLst>
   </p:cSld>
@@ -6338,7 +5778,7 @@
           <p:cNvPr id="2" name="Title 1">
             <a:extLst>
               <a:ext uri="{FF2B5EF4-FFF2-40B4-BE49-F238E27FC236}">
-                <a16:creationId xmlns:a16="http://schemas.microsoft.com/office/drawing/2014/main" id="{E1191607-7E71-0E6E-CEBF-50E6CE964AE7}"/>
+                <a16:creationId xmlns:a16="http://schemas.microsoft.com/office/drawing/2014/main" id="{D1F6CC05-1F31-0C88-333C-5026AF10D397}"/>
               </a:ext>
             </a:extLst>
           </p:cNvPr>
@@ -6361,7 +5801,7 @@
           <a:p>
             <a:r>
               <a:rPr lang="en-US" dirty="0"/>
-              <a:t>Fetch/Execute Cycle</a:t>
+              <a:t>Program Counter</a:t>
             </a:r>
           </a:p>
         </p:txBody>
@@ -6371,7 +5811,7 @@
           <p:cNvPr id="3" name="Subtitle 2">
             <a:extLst>
               <a:ext uri="{FF2B5EF4-FFF2-40B4-BE49-F238E27FC236}">
-                <a16:creationId xmlns:a16="http://schemas.microsoft.com/office/drawing/2014/main" id="{FBB07AFE-4442-8622-C3F9-0ED710FCF7C4}"/>
+                <a16:creationId xmlns:a16="http://schemas.microsoft.com/office/drawing/2014/main" id="{069353A1-7076-B958-432E-9B8FD5750AE7}"/>
               </a:ext>
             </a:extLst>
           </p:cNvPr>
@@ -6387,32 +5827,10 @@
           <a:bodyPr/>
           <a:lstStyle/>
           <a:p>
-            <a:endParaRPr lang="en-US"/>
-          </a:p>
-        </p:txBody>
-      </p:sp>
-      <p:sp>
-        <p:nvSpPr>
-          <p:cNvPr id="4" name="Text Placeholder 3">
-            <a:extLst>
-              <a:ext uri="{FF2B5EF4-FFF2-40B4-BE49-F238E27FC236}">
-                <a16:creationId xmlns:a16="http://schemas.microsoft.com/office/drawing/2014/main" id="{0A06040A-790C-570F-D8CF-78FCCD147450}"/>
-              </a:ext>
-            </a:extLst>
-          </p:cNvPr>
-          <p:cNvSpPr>
-            <a:spLocks noGrp="1"/>
-          </p:cNvSpPr>
-          <p:nvPr>
-            <p:ph type="body" sz="quarter" idx="14"/>
-          </p:nvPr>
-        </p:nvSpPr>
-        <p:spPr/>
-        <p:txBody>
-          <a:bodyPr/>
-          <a:lstStyle/>
-          <a:p>
-            <a:endParaRPr lang="en-US"/>
+            <a:r>
+              <a:rPr lang="en-US" dirty="0"/>
+              <a:t>RTL Diagram and Input/Output</a:t>
+            </a:r>
           </a:p>
         </p:txBody>
       </p:sp>
@@ -6421,7 +5839,7 @@
           <p:cNvPr id="5" name="Slide Number Placeholder 4">
             <a:extLst>
               <a:ext uri="{FF2B5EF4-FFF2-40B4-BE49-F238E27FC236}">
-                <a16:creationId xmlns:a16="http://schemas.microsoft.com/office/drawing/2014/main" id="{B4C173CF-9C9E-82F4-6DD4-E407DCBE36DE}"/>
+                <a16:creationId xmlns:a16="http://schemas.microsoft.com/office/drawing/2014/main" id="{A896B40E-DC06-49BF-BFD3-304517BB06A3}"/>
               </a:ext>
             </a:extLst>
           </p:cNvPr>
@@ -6447,10 +5865,10 @@
       </p:sp>
       <p:pic>
         <p:nvPicPr>
-          <p:cNvPr id="6" name="Picture 5" descr="A diagram of a computer hardware system&#10;&#10;Description automatically generated">
-            <a:extLst>
-              <a:ext uri="{FF2B5EF4-FFF2-40B4-BE49-F238E27FC236}">
-                <a16:creationId xmlns:a16="http://schemas.microsoft.com/office/drawing/2014/main" id="{70CEBB47-2892-2A7E-98CD-9421931AC59A}"/>
+          <p:cNvPr id="9" name="Picture 8" descr="A black and white screen with white text&#10;&#10;Description automatically generated">
+            <a:extLst>
+              <a:ext uri="{FF2B5EF4-FFF2-40B4-BE49-F238E27FC236}">
+                <a16:creationId xmlns:a16="http://schemas.microsoft.com/office/drawing/2014/main" id="{602A898A-4DC4-D63A-A6B4-668E5E561D40}"/>
               </a:ext>
             </a:extLst>
           </p:cNvPr>
@@ -6459,7 +5877,7 @@
           </p:cNvPicPr>
           <p:nvPr/>
         </p:nvPicPr>
-        <p:blipFill>
+        <p:blipFill rotWithShape="1">
           <a:blip r:embed="rId2">
             <a:extLst>
               <a:ext uri="{28A0092B-C50C-407E-A947-70E740481C1C}">
@@ -6467,115 +5885,58 @@
               </a:ext>
             </a:extLst>
           </a:blip>
-          <a:stretch>
-            <a:fillRect/>
-          </a:stretch>
+          <a:srcRect l="51863" b="55404"/>
+          <a:stretch/>
         </p:blipFill>
         <p:spPr>
           <a:xfrm>
-            <a:off x="1278744" y="935628"/>
-            <a:ext cx="9634512" cy="5922372"/>
+            <a:off x="1259633" y="2763923"/>
+            <a:ext cx="4259521" cy="2425474"/>
           </a:xfrm>
           <a:prstGeom prst="rect">
             <a:avLst/>
           </a:prstGeom>
         </p:spPr>
       </p:pic>
-      <p:sp>
-        <p:nvSpPr>
-          <p:cNvPr id="8" name="Rectangle 7">
-            <a:extLst>
-              <a:ext uri="{FF2B5EF4-FFF2-40B4-BE49-F238E27FC236}">
-                <a16:creationId xmlns:a16="http://schemas.microsoft.com/office/drawing/2014/main" id="{9E2A076C-F222-EBA3-AC9F-0410C051280C}"/>
-              </a:ext>
-            </a:extLst>
-          </p:cNvPr>
-          <p:cNvSpPr/>
+      <p:pic>
+        <p:nvPicPr>
+          <p:cNvPr id="10" name="Picture 9" descr="A black and white screen with white text&#10;&#10;Description automatically generated">
+            <a:extLst>
+              <a:ext uri="{FF2B5EF4-FFF2-40B4-BE49-F238E27FC236}">
+                <a16:creationId xmlns:a16="http://schemas.microsoft.com/office/drawing/2014/main" id="{0C30E131-177D-F6B8-0AE8-D5CF155B5289}"/>
+              </a:ext>
+            </a:extLst>
+          </p:cNvPr>
+          <p:cNvPicPr>
+            <a:picLocks noChangeAspect="1"/>
+          </p:cNvPicPr>
           <p:nvPr/>
-        </p:nvSpPr>
-        <p:spPr>
-          <a:xfrm>
-            <a:off x="7101898" y="437030"/>
-            <a:ext cx="2313991" cy="1390080"/>
+        </p:nvPicPr>
+        <p:blipFill rotWithShape="1">
+          <a:blip r:embed="rId2">
+            <a:extLst>
+              <a:ext uri="{28A0092B-C50C-407E-A947-70E740481C1C}">
+                <a14:useLocalDpi xmlns:a14="http://schemas.microsoft.com/office/drawing/2010/main" val="0"/>
+              </a:ext>
+            </a:extLst>
+          </a:blip>
+          <a:srcRect t="27955" r="77451" b="39963"/>
+          <a:stretch/>
+        </p:blipFill>
+        <p:spPr>
+          <a:xfrm>
+            <a:off x="6875008" y="2728679"/>
+            <a:ext cx="1995294" cy="1744825"/>
           </a:xfrm>
           <a:prstGeom prst="rect">
             <a:avLst/>
           </a:prstGeom>
         </p:spPr>
-        <p:style>
-          <a:lnRef idx="2">
-            <a:schemeClr val="accent1">
-              <a:shade val="15000"/>
-            </a:schemeClr>
-          </a:lnRef>
-          <a:fillRef idx="1">
-            <a:schemeClr val="accent1"/>
-          </a:fillRef>
-          <a:effectRef idx="0">
-            <a:schemeClr val="accent1"/>
-          </a:effectRef>
-          <a:fontRef idx="minor">
-            <a:schemeClr val="lt1"/>
-          </a:fontRef>
-        </p:style>
-        <p:txBody>
-          <a:bodyPr rtlCol="0" anchor="ctr"/>
-          <a:lstStyle/>
-          <a:p>
-            <a:pPr algn="ctr"/>
-            <a:r>
-              <a:rPr lang="en-US" dirty="0"/>
-              <a:t>6) Determine the next instruction using program counter.</a:t>
-            </a:r>
-          </a:p>
-        </p:txBody>
-      </p:sp>
-      <p:cxnSp>
-        <p:nvCxnSpPr>
-          <p:cNvPr id="10" name="Straight Arrow Connector 9">
-            <a:extLst>
-              <a:ext uri="{FF2B5EF4-FFF2-40B4-BE49-F238E27FC236}">
-                <a16:creationId xmlns:a16="http://schemas.microsoft.com/office/drawing/2014/main" id="{A171D481-5834-803B-E472-BC5ECE545122}"/>
-              </a:ext>
-            </a:extLst>
-          </p:cNvPr>
-          <p:cNvCxnSpPr>
-            <a:cxnSpLocks/>
-            <a:stCxn id="8" idx="1"/>
-          </p:cNvCxnSpPr>
-          <p:nvPr/>
-        </p:nvCxnSpPr>
-        <p:spPr>
-          <a:xfrm flipH="1">
-            <a:off x="6279502" y="1132070"/>
-            <a:ext cx="822396" cy="245178"/>
-          </a:xfrm>
-          <a:prstGeom prst="straightConnector1">
-            <a:avLst/>
-          </a:prstGeom>
-          <a:ln w="76200">
-            <a:tailEnd type="triangle"/>
-          </a:ln>
-        </p:spPr>
-        <p:style>
-          <a:lnRef idx="3">
-            <a:schemeClr val="accent1"/>
-          </a:lnRef>
-          <a:fillRef idx="0">
-            <a:schemeClr val="accent1"/>
-          </a:fillRef>
-          <a:effectRef idx="2">
-            <a:schemeClr val="accent1"/>
-          </a:effectRef>
-          <a:fontRef idx="minor">
-            <a:schemeClr val="tx1"/>
-          </a:fontRef>
-        </p:style>
-      </p:cxnSp>
+      </p:pic>
     </p:spTree>
     <p:extLst>
       <p:ext uri="{BB962C8B-B14F-4D97-AF65-F5344CB8AC3E}">
-        <p14:creationId xmlns:p14="http://schemas.microsoft.com/office/powerpoint/2010/main" val="2657729875"/>
+        <p14:creationId xmlns:p14="http://schemas.microsoft.com/office/powerpoint/2010/main" val="1617301959"/>
       </p:ext>
     </p:extLst>
   </p:cSld>
@@ -6607,7 +5968,7 @@
           <p:cNvPr id="2" name="Title 1">
             <a:extLst>
               <a:ext uri="{FF2B5EF4-FFF2-40B4-BE49-F238E27FC236}">
-                <a16:creationId xmlns:a16="http://schemas.microsoft.com/office/drawing/2014/main" id="{E1191607-7E71-0E6E-CEBF-50E6CE964AE7}"/>
+                <a16:creationId xmlns:a16="http://schemas.microsoft.com/office/drawing/2014/main" id="{D1F6CC05-1F31-0C88-333C-5026AF10D397}"/>
               </a:ext>
             </a:extLst>
           </p:cNvPr>
@@ -6630,7 +5991,7 @@
           <a:p>
             <a:r>
               <a:rPr lang="en-US" dirty="0"/>
-              <a:t>Fetch/Execute Cycle</a:t>
+              <a:t>Program Counter</a:t>
             </a:r>
           </a:p>
         </p:txBody>
@@ -6640,7 +6001,7 @@
           <p:cNvPr id="3" name="Subtitle 2">
             <a:extLst>
               <a:ext uri="{FF2B5EF4-FFF2-40B4-BE49-F238E27FC236}">
-                <a16:creationId xmlns:a16="http://schemas.microsoft.com/office/drawing/2014/main" id="{FBB07AFE-4442-8622-C3F9-0ED710FCF7C4}"/>
+                <a16:creationId xmlns:a16="http://schemas.microsoft.com/office/drawing/2014/main" id="{069353A1-7076-B958-432E-9B8FD5750AE7}"/>
               </a:ext>
             </a:extLst>
           </p:cNvPr>
@@ -6656,32 +6017,10 @@
           <a:bodyPr/>
           <a:lstStyle/>
           <a:p>
-            <a:endParaRPr lang="en-US"/>
-          </a:p>
-        </p:txBody>
-      </p:sp>
-      <p:sp>
-        <p:nvSpPr>
-          <p:cNvPr id="4" name="Text Placeholder 3">
-            <a:extLst>
-              <a:ext uri="{FF2B5EF4-FFF2-40B4-BE49-F238E27FC236}">
-                <a16:creationId xmlns:a16="http://schemas.microsoft.com/office/drawing/2014/main" id="{0A06040A-790C-570F-D8CF-78FCCD147450}"/>
-              </a:ext>
-            </a:extLst>
-          </p:cNvPr>
-          <p:cNvSpPr>
-            <a:spLocks noGrp="1"/>
-          </p:cNvSpPr>
-          <p:nvPr>
-            <p:ph type="body" sz="quarter" idx="14"/>
-          </p:nvPr>
-        </p:nvSpPr>
-        <p:spPr/>
-        <p:txBody>
-          <a:bodyPr/>
-          <a:lstStyle/>
-          <a:p>
-            <a:endParaRPr lang="en-US"/>
+            <a:r>
+              <a:rPr lang="en-US" dirty="0"/>
+              <a:t>Logic and Test Cases</a:t>
+            </a:r>
           </a:p>
         </p:txBody>
       </p:sp>
@@ -6690,7 +6029,7 @@
           <p:cNvPr id="5" name="Slide Number Placeholder 4">
             <a:extLst>
               <a:ext uri="{FF2B5EF4-FFF2-40B4-BE49-F238E27FC236}">
-                <a16:creationId xmlns:a16="http://schemas.microsoft.com/office/drawing/2014/main" id="{B4C173CF-9C9E-82F4-6DD4-E407DCBE36DE}"/>
+                <a16:creationId xmlns:a16="http://schemas.microsoft.com/office/drawing/2014/main" id="{A896B40E-DC06-49BF-BFD3-304517BB06A3}"/>
               </a:ext>
             </a:extLst>
           </p:cNvPr>
@@ -6716,10 +6055,10 @@
       </p:sp>
       <p:pic>
         <p:nvPicPr>
-          <p:cNvPr id="6" name="Picture 5" descr="A diagram of a computer hardware system&#10;&#10;Description automatically generated">
-            <a:extLst>
-              <a:ext uri="{FF2B5EF4-FFF2-40B4-BE49-F238E27FC236}">
-                <a16:creationId xmlns:a16="http://schemas.microsoft.com/office/drawing/2014/main" id="{70CEBB47-2892-2A7E-98CD-9421931AC59A}"/>
+          <p:cNvPr id="4" name="Picture 3" descr="A black and white screen with white text&#10;&#10;Description automatically generated">
+            <a:extLst>
+              <a:ext uri="{FF2B5EF4-FFF2-40B4-BE49-F238E27FC236}">
+                <a16:creationId xmlns:a16="http://schemas.microsoft.com/office/drawing/2014/main" id="{25367EB2-360C-B712-60AE-079171120897}"/>
               </a:ext>
             </a:extLst>
           </p:cNvPr>
@@ -6728,7 +6067,7 @@
           </p:cNvPicPr>
           <p:nvPr/>
         </p:nvPicPr>
-        <p:blipFill>
+        <p:blipFill rotWithShape="1">
           <a:blip r:embed="rId2">
             <a:extLst>
               <a:ext uri="{28A0092B-C50C-407E-A947-70E740481C1C}">
@@ -6736,76 +6075,52 @@
               </a:ext>
             </a:extLst>
           </a:blip>
-          <a:stretch>
-            <a:fillRect/>
-          </a:stretch>
+          <a:srcRect t="63467" r="30844"/>
+          <a:stretch/>
         </p:blipFill>
         <p:spPr>
           <a:xfrm>
-            <a:off x="1278744" y="935628"/>
-            <a:ext cx="9634512" cy="5922372"/>
+            <a:off x="1067822" y="2096305"/>
+            <a:ext cx="10056355" cy="3265228"/>
           </a:xfrm>
           <a:prstGeom prst="rect">
             <a:avLst/>
           </a:prstGeom>
         </p:spPr>
       </p:pic>
-      <p:sp>
-        <p:nvSpPr>
-          <p:cNvPr id="9" name="Arrow: Left 8">
-            <a:extLst>
-              <a:ext uri="{FF2B5EF4-FFF2-40B4-BE49-F238E27FC236}">
-                <a16:creationId xmlns:a16="http://schemas.microsoft.com/office/drawing/2014/main" id="{BA4D12B1-04EF-EA89-133E-1E118675EC17}"/>
-              </a:ext>
-            </a:extLst>
-          </p:cNvPr>
-          <p:cNvSpPr/>
+      <p:pic>
+        <p:nvPicPr>
+          <p:cNvPr id="7" name="Picture 6">
+            <a:extLst>
+              <a:ext uri="{FF2B5EF4-FFF2-40B4-BE49-F238E27FC236}">
+                <a16:creationId xmlns:a16="http://schemas.microsoft.com/office/drawing/2014/main" id="{D6CA6F6B-57FF-1C2B-3B06-D79B575C3413}"/>
+              </a:ext>
+            </a:extLst>
+          </p:cNvPr>
+          <p:cNvPicPr>
+            <a:picLocks noChangeAspect="1"/>
+          </p:cNvPicPr>
           <p:nvPr/>
-        </p:nvSpPr>
-        <p:spPr>
-          <a:xfrm rot="20305978">
-            <a:off x="3057717" y="1095832"/>
-            <a:ext cx="2167425" cy="1643112"/>
-          </a:xfrm>
-          <a:prstGeom prst="leftArrow">
-            <a:avLst>
-              <a:gd name="adj1" fmla="val 50000"/>
-              <a:gd name="adj2" fmla="val 23067"/>
-            </a:avLst>
+        </p:nvPicPr>
+        <p:blipFill rotWithShape="1">
+          <a:blip r:embed="rId3"/>
+          <a:srcRect l="2457" t="5161" r="1322" b="2363"/>
+          <a:stretch/>
+        </p:blipFill>
+        <p:spPr>
+          <a:xfrm>
+            <a:off x="1067822" y="1831490"/>
+            <a:ext cx="4595860" cy="4019812"/>
+          </a:xfrm>
+          <a:prstGeom prst="rect">
+            <a:avLst/>
           </a:prstGeom>
         </p:spPr>
-        <p:style>
-          <a:lnRef idx="2">
-            <a:schemeClr val="accent1">
-              <a:shade val="15000"/>
-            </a:schemeClr>
-          </a:lnRef>
-          <a:fillRef idx="1">
-            <a:schemeClr val="accent1"/>
-          </a:fillRef>
-          <a:effectRef idx="0">
-            <a:schemeClr val="accent1"/>
-          </a:effectRef>
-          <a:fontRef idx="minor">
-            <a:schemeClr val="lt1"/>
-          </a:fontRef>
-        </p:style>
-        <p:txBody>
-          <a:bodyPr rtlCol="0" anchor="ctr"/>
-          <a:lstStyle/>
-          <a:p>
-            <a:pPr algn="ctr"/>
-            <a:r>
-              <a:rPr lang="en-US" dirty="0"/>
-              <a:t>7) Signal address of next instruction for the next cycle.</a:t>
-            </a:r>
-          </a:p>
-        </p:txBody>
-      </p:sp>
+      </p:pic>
     </p:spTree>
     <p:extLst>
       <p:ext uri="{BB962C8B-B14F-4D97-AF65-F5344CB8AC3E}">
-        <p14:creationId xmlns:p14="http://schemas.microsoft.com/office/powerpoint/2010/main" val="3896380906"/>
+        <p14:creationId xmlns:p14="http://schemas.microsoft.com/office/powerpoint/2010/main" val="3391675750"/>
       </p:ext>
     </p:extLst>
   </p:cSld>
@@ -6837,7 +6152,7 @@
           <p:cNvPr id="2" name="Title 1">
             <a:extLst>
               <a:ext uri="{FF2B5EF4-FFF2-40B4-BE49-F238E27FC236}">
-                <a16:creationId xmlns:a16="http://schemas.microsoft.com/office/drawing/2014/main" id="{C4B9557E-D241-6026-64A0-0BE73D5DDD2C}"/>
+                <a16:creationId xmlns:a16="http://schemas.microsoft.com/office/drawing/2014/main" id="{EEAF6D0A-7814-2A94-F47A-3ECC7B8EDE59}"/>
               </a:ext>
             </a:extLst>
           </p:cNvPr>
@@ -6860,7 +6175,7 @@
           <a:p>
             <a:r>
               <a:rPr lang="en-US" dirty="0"/>
-              <a:t>Example Fetch/Execute Dataflow</a:t>
+              <a:t>Peripherals</a:t>
             </a:r>
           </a:p>
         </p:txBody>
@@ -6870,7 +6185,7 @@
           <p:cNvPr id="3" name="Subtitle 2">
             <a:extLst>
               <a:ext uri="{FF2B5EF4-FFF2-40B4-BE49-F238E27FC236}">
-                <a16:creationId xmlns:a16="http://schemas.microsoft.com/office/drawing/2014/main" id="{B1209AD1-6F5C-8636-6133-B2909F1F07A5}"/>
+                <a16:creationId xmlns:a16="http://schemas.microsoft.com/office/drawing/2014/main" id="{FFF467C2-55D2-EC86-825B-16EBAE111702}"/>
               </a:ext>
             </a:extLst>
           </p:cNvPr>
@@ -6886,10 +6201,7 @@
           <a:bodyPr/>
           <a:lstStyle/>
           <a:p>
-            <a:r>
-              <a:rPr lang="en-US" dirty="0"/>
-              <a:t>Addition</a:t>
-            </a:r>
+            <a:endParaRPr lang="en-US"/>
           </a:p>
         </p:txBody>
       </p:sp>
@@ -6898,7 +6210,7 @@
           <p:cNvPr id="4" name="Text Placeholder 3">
             <a:extLst>
               <a:ext uri="{FF2B5EF4-FFF2-40B4-BE49-F238E27FC236}">
-                <a16:creationId xmlns:a16="http://schemas.microsoft.com/office/drawing/2014/main" id="{0BCD83B3-4B65-F2DA-FD46-E04953DB661A}"/>
+                <a16:creationId xmlns:a16="http://schemas.microsoft.com/office/drawing/2014/main" id="{5DF050C2-2C1C-78CA-C656-82D41545CD8E}"/>
               </a:ext>
             </a:extLst>
           </p:cNvPr>
@@ -6914,7 +6226,10 @@
           <a:bodyPr/>
           <a:lstStyle/>
           <a:p>
-            <a:endParaRPr lang="en-US"/>
+            <a:pPr marL="0" indent="0">
+              <a:buNone/>
+            </a:pPr>
+            <a:endParaRPr lang="en-US" dirty="0"/>
           </a:p>
         </p:txBody>
       </p:sp>
@@ -6923,7 +6238,7 @@
           <p:cNvPr id="5" name="Slide Number Placeholder 4">
             <a:extLst>
               <a:ext uri="{FF2B5EF4-FFF2-40B4-BE49-F238E27FC236}">
-                <a16:creationId xmlns:a16="http://schemas.microsoft.com/office/drawing/2014/main" id="{B3793F3D-D621-998E-F046-1A6B00ED58C1}"/>
+                <a16:creationId xmlns:a16="http://schemas.microsoft.com/office/drawing/2014/main" id="{D098254D-9CED-6343-6D6F-6FF0B8DDD786}"/>
               </a:ext>
             </a:extLst>
           </p:cNvPr>
@@ -6950,7 +6265,7 @@
     </p:spTree>
     <p:extLst>
       <p:ext uri="{BB962C8B-B14F-4D97-AF65-F5344CB8AC3E}">
-        <p14:creationId xmlns:p14="http://schemas.microsoft.com/office/powerpoint/2010/main" val="2986975434"/>
+        <p14:creationId xmlns:p14="http://schemas.microsoft.com/office/powerpoint/2010/main" val="673691625"/>
       </p:ext>
     </p:extLst>
   </p:cSld>
@@ -6982,7 +6297,7 @@
           <p:cNvPr id="2" name="Title 1">
             <a:extLst>
               <a:ext uri="{FF2B5EF4-FFF2-40B4-BE49-F238E27FC236}">
-                <a16:creationId xmlns:a16="http://schemas.microsoft.com/office/drawing/2014/main" id="{BE42B914-2E3D-DE9F-D9CF-1E739C5164F2}"/>
+                <a16:creationId xmlns:a16="http://schemas.microsoft.com/office/drawing/2014/main" id="{84E2E6AF-4C46-F611-0830-0584094CF72D}"/>
               </a:ext>
             </a:extLst>
           </p:cNvPr>
@@ -7005,7 +6320,7 @@
           <a:p>
             <a:r>
               <a:rPr lang="en-US" dirty="0"/>
-              <a:t>Example Fetch/Execute Dataflow</a:t>
+              <a:t>Expected Obstacles</a:t>
             </a:r>
           </a:p>
         </p:txBody>
@@ -7015,7 +6330,7 @@
           <p:cNvPr id="3" name="Subtitle 2">
             <a:extLst>
               <a:ext uri="{FF2B5EF4-FFF2-40B4-BE49-F238E27FC236}">
-                <a16:creationId xmlns:a16="http://schemas.microsoft.com/office/drawing/2014/main" id="{3D7D05E3-B934-90A1-2949-77E4C77E5F23}"/>
+                <a16:creationId xmlns:a16="http://schemas.microsoft.com/office/drawing/2014/main" id="{471C2136-9DD0-D267-3D8B-A8EE373D98E0}"/>
               </a:ext>
             </a:extLst>
           </p:cNvPr>
@@ -7031,10 +6346,7 @@
           <a:bodyPr/>
           <a:lstStyle/>
           <a:p>
-            <a:r>
-              <a:rPr lang="en-US" dirty="0"/>
-              <a:t>Store</a:t>
-            </a:r>
+            <a:endParaRPr lang="en-US"/>
           </a:p>
         </p:txBody>
       </p:sp>
@@ -7043,7 +6355,7 @@
           <p:cNvPr id="4" name="Text Placeholder 3">
             <a:extLst>
               <a:ext uri="{FF2B5EF4-FFF2-40B4-BE49-F238E27FC236}">
-                <a16:creationId xmlns:a16="http://schemas.microsoft.com/office/drawing/2014/main" id="{D3D9AF04-C81C-3C21-A546-0AF1CC64BE0B}"/>
+                <a16:creationId xmlns:a16="http://schemas.microsoft.com/office/drawing/2014/main" id="{B44DD88A-56DA-9FD9-78FF-2228D1EE0F97}"/>
               </a:ext>
             </a:extLst>
           </p:cNvPr>
@@ -7068,7 +6380,7 @@
           <p:cNvPr id="5" name="Slide Number Placeholder 4">
             <a:extLst>
               <a:ext uri="{FF2B5EF4-FFF2-40B4-BE49-F238E27FC236}">
-                <a16:creationId xmlns:a16="http://schemas.microsoft.com/office/drawing/2014/main" id="{C588AFE9-F95A-9612-15C1-A0ED9FEFF1C9}"/>
+                <a16:creationId xmlns:a16="http://schemas.microsoft.com/office/drawing/2014/main" id="{682D4168-ECD1-209B-6680-7551993E2135}"/>
               </a:ext>
             </a:extLst>
           </p:cNvPr>
@@ -7095,7 +6407,7 @@
     </p:spTree>
     <p:extLst>
       <p:ext uri="{BB962C8B-B14F-4D97-AF65-F5344CB8AC3E}">
-        <p14:creationId xmlns:p14="http://schemas.microsoft.com/office/powerpoint/2010/main" val="2331452140"/>
+        <p14:creationId xmlns:p14="http://schemas.microsoft.com/office/powerpoint/2010/main" val="3140182961"/>
       </p:ext>
     </p:extLst>
   </p:cSld>
@@ -7127,7 +6439,7 @@
           <p:cNvPr id="2" name="Title 1">
             <a:extLst>
               <a:ext uri="{FF2B5EF4-FFF2-40B4-BE49-F238E27FC236}">
-                <a16:creationId xmlns:a16="http://schemas.microsoft.com/office/drawing/2014/main" id="{79A4CF3A-4CB3-795D-8DB3-F389F00D9992}"/>
+                <a16:creationId xmlns:a16="http://schemas.microsoft.com/office/drawing/2014/main" id="{6799C4B2-C790-FB8B-4821-10F77E122C20}"/>
               </a:ext>
             </a:extLst>
           </p:cNvPr>
@@ -7150,25 +6462,25 @@
           <a:p>
             <a:r>
               <a:rPr lang="en-US" dirty="0"/>
-              <a:t>Control Unit &amp; Decoder</a:t>
-            </a:r>
-          </a:p>
-        </p:txBody>
-      </p:sp>
-      <p:sp>
-        <p:nvSpPr>
-          <p:cNvPr id="4" name="Text Placeholder 3">
-            <a:extLst>
-              <a:ext uri="{FF2B5EF4-FFF2-40B4-BE49-F238E27FC236}">
-                <a16:creationId xmlns:a16="http://schemas.microsoft.com/office/drawing/2014/main" id="{B62F546F-4476-EF6C-AA50-BE88697CB197}"/>
-              </a:ext>
-            </a:extLst>
-          </p:cNvPr>
-          <p:cNvSpPr>
-            <a:spLocks noGrp="1"/>
-          </p:cNvSpPr>
-          <p:nvPr>
-            <p:ph type="body" sz="quarter" idx="14"/>
+              <a:t>Future Plans</a:t>
+            </a:r>
+          </a:p>
+        </p:txBody>
+      </p:sp>
+      <p:sp>
+        <p:nvSpPr>
+          <p:cNvPr id="3" name="Subtitle 2">
+            <a:extLst>
+              <a:ext uri="{FF2B5EF4-FFF2-40B4-BE49-F238E27FC236}">
+                <a16:creationId xmlns:a16="http://schemas.microsoft.com/office/drawing/2014/main" id="{E03FFE2C-5D65-D6E4-2FE1-7A95922722D1}"/>
+              </a:ext>
+            </a:extLst>
+          </p:cNvPr>
+          <p:cNvSpPr>
+            <a:spLocks noGrp="1"/>
+          </p:cNvSpPr>
+          <p:nvPr>
+            <p:ph type="subTitle" idx="1"/>
           </p:nvPr>
         </p:nvSpPr>
         <p:spPr/>
@@ -7176,7 +6488,35 @@
           <a:bodyPr/>
           <a:lstStyle/>
           <a:p>
-            <a:endParaRPr lang="en-US" dirty="0"/>
+            <a:endParaRPr lang="en-US"/>
+          </a:p>
+        </p:txBody>
+      </p:sp>
+      <p:sp>
+        <p:nvSpPr>
+          <p:cNvPr id="4" name="Text Placeholder 3">
+            <a:extLst>
+              <a:ext uri="{FF2B5EF4-FFF2-40B4-BE49-F238E27FC236}">
+                <a16:creationId xmlns:a16="http://schemas.microsoft.com/office/drawing/2014/main" id="{7794BFF1-E7A0-748B-9321-5A00891D805A}"/>
+              </a:ext>
+            </a:extLst>
+          </p:cNvPr>
+          <p:cNvSpPr>
+            <a:spLocks noGrp="1"/>
+          </p:cNvSpPr>
+          <p:nvPr>
+            <p:ph type="body" sz="quarter" idx="14"/>
+          </p:nvPr>
+        </p:nvSpPr>
+        <p:spPr/>
+        <p:txBody>
+          <a:bodyPr/>
+          <a:lstStyle/>
+          <a:p>
+            <a:r>
+              <a:rPr lang="en-US" dirty="0"/>
+              <a:t>Error correction?</a:t>
+            </a:r>
           </a:p>
         </p:txBody>
       </p:sp>
@@ -7185,7 +6525,7 @@
           <p:cNvPr id="5" name="Slide Number Placeholder 4">
             <a:extLst>
               <a:ext uri="{FF2B5EF4-FFF2-40B4-BE49-F238E27FC236}">
-                <a16:creationId xmlns:a16="http://schemas.microsoft.com/office/drawing/2014/main" id="{CF506990-11D4-2635-5CCD-BFF99470D57F}"/>
+                <a16:creationId xmlns:a16="http://schemas.microsoft.com/office/drawing/2014/main" id="{5BDDAFA0-D6CE-5536-5E75-4528A2EC55BD}"/>
               </a:ext>
             </a:extLst>
           </p:cNvPr>
@@ -7209,576 +6549,10 @@
           </a:p>
         </p:txBody>
       </p:sp>
-      <p:pic>
-        <p:nvPicPr>
-          <p:cNvPr id="11" name="Picture 10" descr="A group of papers on a white background&#10;&#10;Description automatically generated">
-            <a:extLst>
-              <a:ext uri="{FF2B5EF4-FFF2-40B4-BE49-F238E27FC236}">
-                <a16:creationId xmlns:a16="http://schemas.microsoft.com/office/drawing/2014/main" id="{075E3EF7-FA59-0EFF-56BD-53822C670C7E}"/>
-              </a:ext>
-            </a:extLst>
-          </p:cNvPr>
-          <p:cNvPicPr>
-            <a:picLocks noChangeAspect="1"/>
-          </p:cNvPicPr>
-          <p:nvPr/>
-        </p:nvPicPr>
-        <p:blipFill rotWithShape="1">
-          <a:blip r:embed="rId2">
-            <a:extLst>
-              <a:ext uri="{28A0092B-C50C-407E-A947-70E740481C1C}">
-                <a14:useLocalDpi xmlns:a14="http://schemas.microsoft.com/office/drawing/2010/main" val="0"/>
-              </a:ext>
-            </a:extLst>
-          </a:blip>
-          <a:srcRect r="17084"/>
-          <a:stretch/>
-        </p:blipFill>
-        <p:spPr>
-          <a:xfrm>
-            <a:off x="1041400" y="1161622"/>
-            <a:ext cx="10109200" cy="5104933"/>
-          </a:xfrm>
-          <a:prstGeom prst="rect">
-            <a:avLst/>
-          </a:prstGeom>
-        </p:spPr>
-      </p:pic>
-      <p:sp>
-        <p:nvSpPr>
-          <p:cNvPr id="12" name="TextBox 11">
-            <a:extLst>
-              <a:ext uri="{FF2B5EF4-FFF2-40B4-BE49-F238E27FC236}">
-                <a16:creationId xmlns:a16="http://schemas.microsoft.com/office/drawing/2014/main" id="{BBA208F1-2290-7B00-AB20-E02E8363C4F8}"/>
-              </a:ext>
-            </a:extLst>
-          </p:cNvPr>
-          <p:cNvSpPr txBox="1"/>
-          <p:nvPr/>
-        </p:nvSpPr>
-        <p:spPr>
-          <a:xfrm>
-            <a:off x="2362200" y="4324696"/>
-            <a:ext cx="2842953" cy="1477328"/>
-          </a:xfrm>
-          <a:prstGeom prst="rect">
-            <a:avLst/>
-          </a:prstGeom>
-          <a:noFill/>
-        </p:spPr>
-        <p:txBody>
-          <a:bodyPr wrap="square" rtlCol="0">
-            <a:spAutoFit/>
-          </a:bodyPr>
-          <a:lstStyle/>
-          <a:p>
-            <a:r>
-              <a:rPr lang="en-US" u="sng" dirty="0">
-                <a:latin typeface="Acumin Pro ExtraCondensed" panose="020B0508020202020204"/>
-              </a:rPr>
-              <a:t>Decoder:</a:t>
-            </a:r>
-          </a:p>
-          <a:p>
-            <a:r>
-              <a:rPr lang="en-US" dirty="0">
-                <a:latin typeface="Acumin Pro ExtraCondensed" panose="020B0508020202020204"/>
-              </a:rPr>
-              <a:t>Parse Instruction in to addresses, Opcodes, and data inputs to be used accordingly</a:t>
-            </a:r>
-          </a:p>
-        </p:txBody>
-      </p:sp>
-      <p:sp>
-        <p:nvSpPr>
-          <p:cNvPr id="13" name="TextBox 12">
-            <a:extLst>
-              <a:ext uri="{FF2B5EF4-FFF2-40B4-BE49-F238E27FC236}">
-                <a16:creationId xmlns:a16="http://schemas.microsoft.com/office/drawing/2014/main" id="{229424BE-3DFA-828D-5A92-E82305F4946A}"/>
-              </a:ext>
-            </a:extLst>
-          </p:cNvPr>
-          <p:cNvSpPr txBox="1"/>
-          <p:nvPr/>
-        </p:nvSpPr>
-        <p:spPr>
-          <a:xfrm>
-            <a:off x="9448800" y="4324696"/>
-            <a:ext cx="1701800" cy="1477328"/>
-          </a:xfrm>
-          <a:prstGeom prst="rect">
-            <a:avLst/>
-          </a:prstGeom>
-          <a:noFill/>
-        </p:spPr>
-        <p:txBody>
-          <a:bodyPr wrap="square" rtlCol="0">
-            <a:spAutoFit/>
-          </a:bodyPr>
-          <a:lstStyle/>
-          <a:p>
-            <a:r>
-              <a:rPr lang="en-US" u="sng" dirty="0"/>
-              <a:t>Control Unit:</a:t>
-            </a:r>
-          </a:p>
-          <a:p>
-            <a:r>
-              <a:rPr lang="en-US" dirty="0"/>
-              <a:t>Enable relevant control signals based on Opcode</a:t>
-            </a:r>
-          </a:p>
-        </p:txBody>
-      </p:sp>
     </p:spTree>
     <p:extLst>
       <p:ext uri="{BB962C8B-B14F-4D97-AF65-F5344CB8AC3E}">
-        <p14:creationId xmlns:p14="http://schemas.microsoft.com/office/powerpoint/2010/main" val="2633215723"/>
-      </p:ext>
-    </p:extLst>
-  </p:cSld>
-  <p:clrMapOvr>
-    <a:masterClrMapping/>
-  </p:clrMapOvr>
-</p:sld>
-</file>
-
-<file path=ppt/slides/slide18.xml><?xml version="1.0" encoding="utf-8"?>
-<p:sld xmlns:a="http://schemas.openxmlformats.org/drawingml/2006/main" xmlns:r="http://schemas.openxmlformats.org/officeDocument/2006/relationships" xmlns:p="http://schemas.openxmlformats.org/presentationml/2006/main">
-  <p:cSld>
-    <p:spTree>
-      <p:nvGrpSpPr>
-        <p:cNvPr id="1" name=""/>
-        <p:cNvGrpSpPr/>
-        <p:nvPr/>
-      </p:nvGrpSpPr>
-      <p:grpSpPr>
-        <a:xfrm>
-          <a:off x="0" y="0"/>
-          <a:ext cx="0" cy="0"/>
-          <a:chOff x="0" y="0"/>
-          <a:chExt cx="0" cy="0"/>
-        </a:xfrm>
-      </p:grpSpPr>
-      <p:sp>
-        <p:nvSpPr>
-          <p:cNvPr id="2" name="Title 1">
-            <a:extLst>
-              <a:ext uri="{FF2B5EF4-FFF2-40B4-BE49-F238E27FC236}">
-                <a16:creationId xmlns:a16="http://schemas.microsoft.com/office/drawing/2014/main" id="{98D11EE6-CD64-BFFE-3125-1060BA2FB8B2}"/>
-              </a:ext>
-            </a:extLst>
-          </p:cNvPr>
-          <p:cNvSpPr>
-            <a:spLocks noGrp="1"/>
-          </p:cNvSpPr>
-          <p:nvPr>
-            <p:ph type="ctrTitle"/>
-          </p:nvPr>
-        </p:nvSpPr>
-        <p:spPr>
-          <a:xfrm>
-            <a:off x="1504670" y="437030"/>
-            <a:ext cx="9234309" cy="498598"/>
-          </a:xfrm>
-        </p:spPr>
-        <p:txBody>
-          <a:bodyPr/>
-          <a:lstStyle/>
-          <a:p>
-            <a:r>
-              <a:rPr lang="en-US" dirty="0"/>
-              <a:t>Immediate Generator</a:t>
-            </a:r>
-          </a:p>
-        </p:txBody>
-      </p:sp>
-      <p:sp>
-        <p:nvSpPr>
-          <p:cNvPr id="5" name="Slide Number Placeholder 4">
-            <a:extLst>
-              <a:ext uri="{FF2B5EF4-FFF2-40B4-BE49-F238E27FC236}">
-                <a16:creationId xmlns:a16="http://schemas.microsoft.com/office/drawing/2014/main" id="{9FD279C7-DC02-65E0-D816-A44F047AC0D9}"/>
-              </a:ext>
-            </a:extLst>
-          </p:cNvPr>
-          <p:cNvSpPr>
-            <a:spLocks noGrp="1"/>
-          </p:cNvSpPr>
-          <p:nvPr>
-            <p:ph type="sldNum" sz="quarter" idx="12"/>
-          </p:nvPr>
-        </p:nvSpPr>
-        <p:spPr/>
-        <p:txBody>
-          <a:bodyPr/>
-          <a:lstStyle/>
-          <a:p>
-            <a:fld id="{88B5220A-EB23-48F3-9FB6-FE2BFABBF45A}" type="slidenum">
-              <a:rPr lang="en-US" smtClean="0"/>
-              <a:t>18</a:t>
-            </a:fld>
-            <a:endParaRPr lang="en-US" dirty="0"/>
-          </a:p>
-        </p:txBody>
-      </p:sp>
-      <p:pic>
-        <p:nvPicPr>
-          <p:cNvPr id="7" name="Picture 6" descr="A close-up of a document&#10;&#10;Description automatically generated">
-            <a:extLst>
-              <a:ext uri="{FF2B5EF4-FFF2-40B4-BE49-F238E27FC236}">
-                <a16:creationId xmlns:a16="http://schemas.microsoft.com/office/drawing/2014/main" id="{C7B537E0-C12E-4217-765B-97698BDF5A83}"/>
-              </a:ext>
-            </a:extLst>
-          </p:cNvPr>
-          <p:cNvPicPr>
-            <a:picLocks noChangeAspect="1"/>
-          </p:cNvPicPr>
-          <p:nvPr/>
-        </p:nvPicPr>
-        <p:blipFill>
-          <a:blip r:embed="rId2">
-            <a:extLst>
-              <a:ext uri="{28A0092B-C50C-407E-A947-70E740481C1C}">
-                <a14:useLocalDpi xmlns:a14="http://schemas.microsoft.com/office/drawing/2010/main" val="0"/>
-              </a:ext>
-            </a:extLst>
-          </a:blip>
-          <a:stretch>
-            <a:fillRect/>
-          </a:stretch>
-        </p:blipFill>
-        <p:spPr>
-          <a:xfrm>
-            <a:off x="2458720" y="1177304"/>
-            <a:ext cx="7051040" cy="5504468"/>
-          </a:xfrm>
-          <a:prstGeom prst="rect">
-            <a:avLst/>
-          </a:prstGeom>
-        </p:spPr>
-      </p:pic>
-      <p:sp>
-        <p:nvSpPr>
-          <p:cNvPr id="8" name="TextBox 7">
-            <a:extLst>
-              <a:ext uri="{FF2B5EF4-FFF2-40B4-BE49-F238E27FC236}">
-                <a16:creationId xmlns:a16="http://schemas.microsoft.com/office/drawing/2014/main" id="{DB4F52F6-A419-64FA-2166-7DF59634EF32}"/>
-              </a:ext>
-            </a:extLst>
-          </p:cNvPr>
-          <p:cNvSpPr txBox="1"/>
-          <p:nvPr/>
-        </p:nvSpPr>
-        <p:spPr>
-          <a:xfrm>
-            <a:off x="7997565" y="1385099"/>
-            <a:ext cx="2842953" cy="1200329"/>
-          </a:xfrm>
-          <a:prstGeom prst="rect">
-            <a:avLst/>
-          </a:prstGeom>
-          <a:noFill/>
-        </p:spPr>
-        <p:txBody>
-          <a:bodyPr wrap="square" rtlCol="0">
-            <a:spAutoFit/>
-          </a:bodyPr>
-          <a:lstStyle/>
-          <a:p>
-            <a:r>
-              <a:rPr lang="en-US" u="sng" dirty="0" err="1">
-                <a:latin typeface="Acumin Pro ExtraCondensed" panose="020B0508020202020204"/>
-              </a:rPr>
-              <a:t>Imm</a:t>
-            </a:r>
-            <a:r>
-              <a:rPr lang="en-US" u="sng" dirty="0">
-                <a:latin typeface="Acumin Pro ExtraCondensed" panose="020B0508020202020204"/>
-              </a:rPr>
-              <a:t> Gen:</a:t>
-            </a:r>
-          </a:p>
-          <a:p>
-            <a:r>
-              <a:rPr lang="en-US" dirty="0">
-                <a:latin typeface="Acumin Pro ExtraCondensed" panose="020B0508020202020204"/>
-              </a:rPr>
-              <a:t>Generate Immediate values if necessary and send immediate values to ALU</a:t>
-            </a:r>
-          </a:p>
-        </p:txBody>
-      </p:sp>
-    </p:spTree>
-    <p:extLst>
-      <p:ext uri="{BB962C8B-B14F-4D97-AF65-F5344CB8AC3E}">
-        <p14:creationId xmlns:p14="http://schemas.microsoft.com/office/powerpoint/2010/main" val="1969895698"/>
-      </p:ext>
-    </p:extLst>
-  </p:cSld>
-  <p:clrMapOvr>
-    <a:masterClrMapping/>
-  </p:clrMapOvr>
-</p:sld>
-</file>
-
-<file path=ppt/slides/slide19.xml><?xml version="1.0" encoding="utf-8"?>
-<p:sld xmlns:a="http://schemas.openxmlformats.org/drawingml/2006/main" xmlns:r="http://schemas.openxmlformats.org/officeDocument/2006/relationships" xmlns:p="http://schemas.openxmlformats.org/presentationml/2006/main">
-  <p:cSld>
-    <p:spTree>
-      <p:nvGrpSpPr>
-        <p:cNvPr id="1" name=""/>
-        <p:cNvGrpSpPr/>
-        <p:nvPr/>
-      </p:nvGrpSpPr>
-      <p:grpSpPr>
-        <a:xfrm>
-          <a:off x="0" y="0"/>
-          <a:ext cx="0" cy="0"/>
-          <a:chOff x="0" y="0"/>
-          <a:chExt cx="0" cy="0"/>
-        </a:xfrm>
-      </p:grpSpPr>
-      <p:sp>
-        <p:nvSpPr>
-          <p:cNvPr id="2" name="Title 1">
-            <a:extLst>
-              <a:ext uri="{FF2B5EF4-FFF2-40B4-BE49-F238E27FC236}">
-                <a16:creationId xmlns:a16="http://schemas.microsoft.com/office/drawing/2014/main" id="{94017501-FF69-B9D4-5967-17557E053B3E}"/>
-              </a:ext>
-            </a:extLst>
-          </p:cNvPr>
-          <p:cNvSpPr>
-            <a:spLocks noGrp="1"/>
-          </p:cNvSpPr>
-          <p:nvPr>
-            <p:ph type="ctrTitle"/>
-          </p:nvPr>
-        </p:nvSpPr>
-        <p:spPr>
-          <a:xfrm>
-            <a:off x="1504670" y="437030"/>
-            <a:ext cx="9234309" cy="498598"/>
-          </a:xfrm>
-        </p:spPr>
-        <p:txBody>
-          <a:bodyPr/>
-          <a:lstStyle/>
-          <a:p>
-            <a:r>
-              <a:rPr lang="en-US" dirty="0"/>
-              <a:t>Control Unit &amp; Decoder Test Cases</a:t>
-            </a:r>
-          </a:p>
-        </p:txBody>
-      </p:sp>
-      <p:sp>
-        <p:nvSpPr>
-          <p:cNvPr id="4" name="Text Placeholder 3">
-            <a:extLst>
-              <a:ext uri="{FF2B5EF4-FFF2-40B4-BE49-F238E27FC236}">
-                <a16:creationId xmlns:a16="http://schemas.microsoft.com/office/drawing/2014/main" id="{95D25B56-65F2-187D-9279-300460481F1F}"/>
-              </a:ext>
-            </a:extLst>
-          </p:cNvPr>
-          <p:cNvSpPr>
-            <a:spLocks noGrp="1"/>
-          </p:cNvSpPr>
-          <p:nvPr>
-            <p:ph type="body" sz="quarter" idx="14"/>
-          </p:nvPr>
-        </p:nvSpPr>
-        <p:spPr/>
-        <p:txBody>
-          <a:bodyPr>
-            <a:normAutofit lnSpcReduction="10000"/>
-          </a:bodyPr>
-          <a:lstStyle/>
-          <a:p>
-            <a:pPr marL="0" marR="0" indent="0">
-              <a:lnSpc>
-                <a:spcPct val="107000"/>
-              </a:lnSpc>
-              <a:spcBef>
-                <a:spcPts val="0"/>
-              </a:spcBef>
-              <a:spcAft>
-                <a:spcPts val="800"/>
-              </a:spcAft>
-              <a:buNone/>
-            </a:pPr>
-            <a:r>
-              <a:rPr lang="en-US" sz="2400" kern="100" dirty="0">
-                <a:effectLst/>
-                <a:latin typeface="Acumin Pro Semibold" panose="020B0504020202020204"/>
-                <a:ea typeface="Aptos" panose="020B0004020202020204" pitchFamily="34" charset="0"/>
-                <a:cs typeface="Times New Roman" panose="02020603050405020304" pitchFamily="18" charset="0"/>
-              </a:rPr>
-              <a:t>Control Unit Test Cases</a:t>
-            </a:r>
-          </a:p>
-          <a:p>
-            <a:pPr marL="342900" marR="0" lvl="0" indent="-342900">
-              <a:lnSpc>
-                <a:spcPct val="107000"/>
-              </a:lnSpc>
-              <a:spcBef>
-                <a:spcPts val="0"/>
-              </a:spcBef>
-              <a:spcAft>
-                <a:spcPts val="0"/>
-              </a:spcAft>
-              <a:buFont typeface="Symbol" panose="05050102010706020507" pitchFamily="18" charset="2"/>
-              <a:buChar char=""/>
-            </a:pPr>
-            <a:r>
-              <a:rPr lang="en-US" sz="2400" kern="100" dirty="0">
-                <a:effectLst/>
-                <a:latin typeface="Acumin Pro Semibold" panose="020B0504020202020204"/>
-                <a:ea typeface="Aptos" panose="020B0004020202020204" pitchFamily="34" charset="0"/>
-                <a:cs typeface="Times New Roman" panose="02020603050405020304" pitchFamily="18" charset="0"/>
-              </a:rPr>
-              <a:t>Input all valid Opcodes, validate control signal outputs</a:t>
-            </a:r>
-          </a:p>
-          <a:p>
-            <a:pPr marL="342900" marR="0" lvl="0" indent="-342900">
-              <a:lnSpc>
-                <a:spcPct val="107000"/>
-              </a:lnSpc>
-              <a:spcBef>
-                <a:spcPts val="0"/>
-              </a:spcBef>
-              <a:spcAft>
-                <a:spcPts val="800"/>
-              </a:spcAft>
-              <a:buFont typeface="Symbol" panose="05050102010706020507" pitchFamily="18" charset="2"/>
-              <a:buChar char=""/>
-            </a:pPr>
-            <a:r>
-              <a:rPr lang="en-US" sz="2400" kern="100" dirty="0">
-                <a:effectLst/>
-                <a:latin typeface="Acumin Pro Semibold" panose="020B0504020202020204"/>
-                <a:ea typeface="Aptos" panose="020B0004020202020204" pitchFamily="34" charset="0"/>
-                <a:cs typeface="Times New Roman" panose="02020603050405020304" pitchFamily="18" charset="0"/>
-              </a:rPr>
-              <a:t>Input invalid Opcode, check for error</a:t>
-            </a:r>
-          </a:p>
-          <a:p>
-            <a:pPr marL="0" marR="0" indent="0">
-              <a:lnSpc>
-                <a:spcPct val="107000"/>
-              </a:lnSpc>
-              <a:spcBef>
-                <a:spcPts val="0"/>
-              </a:spcBef>
-              <a:spcAft>
-                <a:spcPts val="800"/>
-              </a:spcAft>
-              <a:buNone/>
-            </a:pPr>
-            <a:r>
-              <a:rPr lang="en-US" sz="2400" kern="100" dirty="0">
-                <a:effectLst/>
-                <a:latin typeface="Acumin Pro Semibold" panose="020B0504020202020204"/>
-                <a:ea typeface="Aptos" panose="020B0004020202020204" pitchFamily="34" charset="0"/>
-                <a:cs typeface="Times New Roman" panose="02020603050405020304" pitchFamily="18" charset="0"/>
-              </a:rPr>
-              <a:t>Decoder Test Cases</a:t>
-            </a:r>
-          </a:p>
-          <a:p>
-            <a:pPr marL="342900" marR="0" lvl="0" indent="-342900">
-              <a:lnSpc>
-                <a:spcPct val="107000"/>
-              </a:lnSpc>
-              <a:spcBef>
-                <a:spcPts val="0"/>
-              </a:spcBef>
-              <a:spcAft>
-                <a:spcPts val="0"/>
-              </a:spcAft>
-              <a:buFont typeface="Symbol" panose="05050102010706020507" pitchFamily="18" charset="2"/>
-              <a:buChar char=""/>
-            </a:pPr>
-            <a:r>
-              <a:rPr lang="en-US" sz="2400" kern="100" dirty="0">
-                <a:effectLst/>
-                <a:latin typeface="Acumin Pro Semibold" panose="020B0504020202020204"/>
-                <a:ea typeface="Aptos" panose="020B0004020202020204" pitchFamily="34" charset="0"/>
-                <a:cs typeface="Times New Roman" panose="02020603050405020304" pitchFamily="18" charset="0"/>
-              </a:rPr>
-              <a:t>Input all instruction types with register addressees, validate correct addresses</a:t>
-            </a:r>
-          </a:p>
-          <a:p>
-            <a:pPr marL="342900" marR="0" lvl="0" indent="-342900">
-              <a:lnSpc>
-                <a:spcPct val="107000"/>
-              </a:lnSpc>
-              <a:spcBef>
-                <a:spcPts val="0"/>
-              </a:spcBef>
-              <a:spcAft>
-                <a:spcPts val="800"/>
-              </a:spcAft>
-              <a:buFont typeface="Symbol" panose="05050102010706020507" pitchFamily="18" charset="2"/>
-              <a:buChar char=""/>
-            </a:pPr>
-            <a:r>
-              <a:rPr lang="en-US" sz="2400" kern="100" dirty="0">
-                <a:effectLst/>
-                <a:latin typeface="Acumin Pro Semibold" panose="020B0504020202020204"/>
-                <a:ea typeface="Aptos" panose="020B0004020202020204" pitchFamily="34" charset="0"/>
-                <a:cs typeface="Times New Roman" panose="02020603050405020304" pitchFamily="18" charset="0"/>
-              </a:rPr>
-              <a:t>Input instruction without register address, check for garbage output</a:t>
-            </a:r>
-          </a:p>
-          <a:p>
-            <a:pPr marL="0" indent="0">
-              <a:buNone/>
-            </a:pPr>
-            <a:endParaRPr lang="en-US" sz="2400" dirty="0">
-              <a:latin typeface="Acumin Pro Semibold" panose="020B0504020202020204"/>
-            </a:endParaRPr>
-          </a:p>
-        </p:txBody>
-      </p:sp>
-      <p:sp>
-        <p:nvSpPr>
-          <p:cNvPr id="5" name="Slide Number Placeholder 4">
-            <a:extLst>
-              <a:ext uri="{FF2B5EF4-FFF2-40B4-BE49-F238E27FC236}">
-                <a16:creationId xmlns:a16="http://schemas.microsoft.com/office/drawing/2014/main" id="{12872916-28AA-76C1-E5AB-2D3481E9DDD8}"/>
-              </a:ext>
-            </a:extLst>
-          </p:cNvPr>
-          <p:cNvSpPr>
-            <a:spLocks noGrp="1"/>
-          </p:cNvSpPr>
-          <p:nvPr>
-            <p:ph type="sldNum" sz="quarter" idx="12"/>
-          </p:nvPr>
-        </p:nvSpPr>
-        <p:spPr/>
-        <p:txBody>
-          <a:bodyPr/>
-          <a:lstStyle/>
-          <a:p>
-            <a:fld id="{88B5220A-EB23-48F3-9FB6-FE2BFABBF45A}" type="slidenum">
-              <a:rPr lang="en-US" smtClean="0"/>
-              <a:t>19</a:t>
-            </a:fld>
-            <a:endParaRPr lang="en-US" dirty="0"/>
-          </a:p>
-        </p:txBody>
-      </p:sp>
-    </p:spTree>
-    <p:extLst>
-      <p:ext uri="{BB962C8B-B14F-4D97-AF65-F5344CB8AC3E}">
-        <p14:creationId xmlns:p14="http://schemas.microsoft.com/office/powerpoint/2010/main" val="2827948853"/>
+        <p14:creationId xmlns:p14="http://schemas.microsoft.com/office/powerpoint/2010/main" val="391822046"/>
       </p:ext>
     </p:extLst>
   </p:cSld>
@@ -7944,7 +6718,7 @@
             <a:pPr lvl="2"/>
             <a:r>
               <a:rPr lang="en-US" dirty="0"/>
-              <a:t>UART controller</a:t>
+              <a:t>Keyboard?</a:t>
             </a:r>
           </a:p>
         </p:txBody>
@@ -8029,3560 +6803,6 @@
     <p:extLst>
       <p:ext uri="{BB962C8B-B14F-4D97-AF65-F5344CB8AC3E}">
         <p14:creationId xmlns:p14="http://schemas.microsoft.com/office/powerpoint/2010/main" val="716617530"/>
-      </p:ext>
-    </p:extLst>
-  </p:cSld>
-  <p:clrMapOvr>
-    <a:masterClrMapping/>
-  </p:clrMapOvr>
-</p:sld>
-</file>
-
-<file path=ppt/slides/slide20.xml><?xml version="1.0" encoding="utf-8"?>
-<p:sld xmlns:a="http://schemas.openxmlformats.org/drawingml/2006/main" xmlns:r="http://schemas.openxmlformats.org/officeDocument/2006/relationships" xmlns:p="http://schemas.openxmlformats.org/presentationml/2006/main">
-  <p:cSld>
-    <p:spTree>
-      <p:nvGrpSpPr>
-        <p:cNvPr id="1" name=""/>
-        <p:cNvGrpSpPr/>
-        <p:nvPr/>
-      </p:nvGrpSpPr>
-      <p:grpSpPr>
-        <a:xfrm>
-          <a:off x="0" y="0"/>
-          <a:ext cx="0" cy="0"/>
-          <a:chOff x="0" y="0"/>
-          <a:chExt cx="0" cy="0"/>
-        </a:xfrm>
-      </p:grpSpPr>
-      <p:sp>
-        <p:nvSpPr>
-          <p:cNvPr id="2" name="Title 1">
-            <a:extLst>
-              <a:ext uri="{FF2B5EF4-FFF2-40B4-BE49-F238E27FC236}">
-                <a16:creationId xmlns:a16="http://schemas.microsoft.com/office/drawing/2014/main" id="{94017501-FF69-B9D4-5967-17557E053B3E}"/>
-              </a:ext>
-            </a:extLst>
-          </p:cNvPr>
-          <p:cNvSpPr>
-            <a:spLocks noGrp="1"/>
-          </p:cNvSpPr>
-          <p:nvPr>
-            <p:ph type="ctrTitle"/>
-          </p:nvPr>
-        </p:nvSpPr>
-        <p:spPr>
-          <a:xfrm>
-            <a:off x="1504670" y="437030"/>
-            <a:ext cx="9234309" cy="498598"/>
-          </a:xfrm>
-        </p:spPr>
-        <p:txBody>
-          <a:bodyPr/>
-          <a:lstStyle/>
-          <a:p>
-            <a:r>
-              <a:rPr lang="en-US" dirty="0"/>
-              <a:t>Immediate Generator Test Case</a:t>
-            </a:r>
-          </a:p>
-        </p:txBody>
-      </p:sp>
-      <p:sp>
-        <p:nvSpPr>
-          <p:cNvPr id="4" name="Text Placeholder 3">
-            <a:extLst>
-              <a:ext uri="{FF2B5EF4-FFF2-40B4-BE49-F238E27FC236}">
-                <a16:creationId xmlns:a16="http://schemas.microsoft.com/office/drawing/2014/main" id="{95D25B56-65F2-187D-9279-300460481F1F}"/>
-              </a:ext>
-            </a:extLst>
-          </p:cNvPr>
-          <p:cNvSpPr>
-            <a:spLocks noGrp="1"/>
-          </p:cNvSpPr>
-          <p:nvPr>
-            <p:ph type="body" sz="quarter" idx="14"/>
-          </p:nvPr>
-        </p:nvSpPr>
-        <p:spPr/>
-        <p:txBody>
-          <a:bodyPr>
-            <a:normAutofit/>
-          </a:bodyPr>
-          <a:lstStyle/>
-          <a:p>
-            <a:pPr marL="0" marR="0" indent="0">
-              <a:lnSpc>
-                <a:spcPct val="107000"/>
-              </a:lnSpc>
-              <a:spcBef>
-                <a:spcPts val="0"/>
-              </a:spcBef>
-              <a:spcAft>
-                <a:spcPts val="800"/>
-              </a:spcAft>
-              <a:buNone/>
-            </a:pPr>
-            <a:r>
-              <a:rPr lang="en-US" sz="2400" kern="100" dirty="0" err="1">
-                <a:effectLst/>
-                <a:latin typeface="Aptos" panose="020B0004020202020204" pitchFamily="34" charset="0"/>
-                <a:ea typeface="Aptos" panose="020B0004020202020204" pitchFamily="34" charset="0"/>
-                <a:cs typeface="Times New Roman" panose="02020603050405020304" pitchFamily="18" charset="0"/>
-              </a:rPr>
-              <a:t>ImmGen</a:t>
-            </a:r>
-            <a:r>
-              <a:rPr lang="en-US" sz="2400" kern="100" dirty="0">
-                <a:effectLst/>
-                <a:latin typeface="Aptos" panose="020B0004020202020204" pitchFamily="34" charset="0"/>
-                <a:ea typeface="Aptos" panose="020B0004020202020204" pitchFamily="34" charset="0"/>
-                <a:cs typeface="Times New Roman" panose="02020603050405020304" pitchFamily="18" charset="0"/>
-              </a:rPr>
-              <a:t> Test Cases</a:t>
-            </a:r>
-          </a:p>
-          <a:p>
-            <a:pPr marL="342900" marR="0" lvl="0" indent="-342900">
-              <a:lnSpc>
-                <a:spcPct val="107000"/>
-              </a:lnSpc>
-              <a:spcBef>
-                <a:spcPts val="0"/>
-              </a:spcBef>
-              <a:spcAft>
-                <a:spcPts val="0"/>
-              </a:spcAft>
-              <a:buFont typeface="Symbol" panose="05050102010706020507" pitchFamily="18" charset="2"/>
-              <a:buChar char=""/>
-            </a:pPr>
-            <a:r>
-              <a:rPr lang="en-US" sz="2400" kern="100" dirty="0">
-                <a:effectLst/>
-                <a:latin typeface="Aptos" panose="020B0004020202020204" pitchFamily="34" charset="0"/>
-                <a:ea typeface="Aptos" panose="020B0004020202020204" pitchFamily="34" charset="0"/>
-                <a:cs typeface="Times New Roman" panose="02020603050405020304" pitchFamily="18" charset="0"/>
-              </a:rPr>
-              <a:t>Input all instruction types with an immediate value, validate correct immediate</a:t>
-            </a:r>
-          </a:p>
-          <a:p>
-            <a:pPr marL="342900" marR="0" lvl="0" indent="-342900">
-              <a:lnSpc>
-                <a:spcPct val="107000"/>
-              </a:lnSpc>
-              <a:spcBef>
-                <a:spcPts val="0"/>
-              </a:spcBef>
-              <a:spcAft>
-                <a:spcPts val="800"/>
-              </a:spcAft>
-              <a:buFont typeface="Symbol" panose="05050102010706020507" pitchFamily="18" charset="2"/>
-              <a:buChar char=""/>
-            </a:pPr>
-            <a:r>
-              <a:rPr lang="en-US" sz="2400" kern="100" dirty="0">
-                <a:effectLst/>
-                <a:latin typeface="Aptos" panose="020B0004020202020204" pitchFamily="34" charset="0"/>
-                <a:ea typeface="Aptos" panose="020B0004020202020204" pitchFamily="34" charset="0"/>
-                <a:cs typeface="Times New Roman" panose="02020603050405020304" pitchFamily="18" charset="0"/>
-              </a:rPr>
-              <a:t>Ensure no immediate is generated if instruction doesn’t include an immediate</a:t>
-            </a:r>
-          </a:p>
-          <a:p>
-            <a:endParaRPr lang="en-US" sz="2400" dirty="0"/>
-          </a:p>
-        </p:txBody>
-      </p:sp>
-      <p:sp>
-        <p:nvSpPr>
-          <p:cNvPr id="5" name="Slide Number Placeholder 4">
-            <a:extLst>
-              <a:ext uri="{FF2B5EF4-FFF2-40B4-BE49-F238E27FC236}">
-                <a16:creationId xmlns:a16="http://schemas.microsoft.com/office/drawing/2014/main" id="{12872916-28AA-76C1-E5AB-2D3481E9DDD8}"/>
-              </a:ext>
-            </a:extLst>
-          </p:cNvPr>
-          <p:cNvSpPr>
-            <a:spLocks noGrp="1"/>
-          </p:cNvSpPr>
-          <p:nvPr>
-            <p:ph type="sldNum" sz="quarter" idx="12"/>
-          </p:nvPr>
-        </p:nvSpPr>
-        <p:spPr/>
-        <p:txBody>
-          <a:bodyPr/>
-          <a:lstStyle/>
-          <a:p>
-            <a:fld id="{88B5220A-EB23-48F3-9FB6-FE2BFABBF45A}" type="slidenum">
-              <a:rPr lang="en-US" smtClean="0"/>
-              <a:t>20</a:t>
-            </a:fld>
-            <a:endParaRPr lang="en-US" dirty="0"/>
-          </a:p>
-        </p:txBody>
-      </p:sp>
-    </p:spTree>
-    <p:extLst>
-      <p:ext uri="{BB962C8B-B14F-4D97-AF65-F5344CB8AC3E}">
-        <p14:creationId xmlns:p14="http://schemas.microsoft.com/office/powerpoint/2010/main" val="3565336280"/>
-      </p:ext>
-    </p:extLst>
-  </p:cSld>
-  <p:clrMapOvr>
-    <a:masterClrMapping/>
-  </p:clrMapOvr>
-</p:sld>
-</file>
-
-<file path=ppt/slides/slide21.xml><?xml version="1.0" encoding="utf-8"?>
-<p:sld xmlns:a="http://schemas.openxmlformats.org/drawingml/2006/main" xmlns:r="http://schemas.openxmlformats.org/officeDocument/2006/relationships" xmlns:p="http://schemas.openxmlformats.org/presentationml/2006/main">
-  <p:cSld>
-    <p:spTree>
-      <p:nvGrpSpPr>
-        <p:cNvPr id="1" name=""/>
-        <p:cNvGrpSpPr/>
-        <p:nvPr/>
-      </p:nvGrpSpPr>
-      <p:grpSpPr>
-        <a:xfrm>
-          <a:off x="0" y="0"/>
-          <a:ext cx="0" cy="0"/>
-          <a:chOff x="0" y="0"/>
-          <a:chExt cx="0" cy="0"/>
-        </a:xfrm>
-      </p:grpSpPr>
-      <p:sp>
-        <p:nvSpPr>
-          <p:cNvPr id="2" name="Title 1">
-            <a:extLst>
-              <a:ext uri="{FF2B5EF4-FFF2-40B4-BE49-F238E27FC236}">
-                <a16:creationId xmlns:a16="http://schemas.microsoft.com/office/drawing/2014/main" id="{183CB501-4FD1-826B-08B4-572407C339B1}"/>
-              </a:ext>
-            </a:extLst>
-          </p:cNvPr>
-          <p:cNvSpPr>
-            <a:spLocks noGrp="1"/>
-          </p:cNvSpPr>
-          <p:nvPr>
-            <p:ph type="ctrTitle"/>
-          </p:nvPr>
-        </p:nvSpPr>
-        <p:spPr>
-          <a:xfrm>
-            <a:off x="1504670" y="437030"/>
-            <a:ext cx="9234309" cy="498598"/>
-          </a:xfrm>
-        </p:spPr>
-        <p:txBody>
-          <a:bodyPr/>
-          <a:lstStyle/>
-          <a:p>
-            <a:r>
-              <a:rPr lang="en-US" dirty="0"/>
-              <a:t>ALU</a:t>
-            </a:r>
-          </a:p>
-        </p:txBody>
-      </p:sp>
-      <p:sp>
-        <p:nvSpPr>
-          <p:cNvPr id="4" name="Text Placeholder 3">
-            <a:extLst>
-              <a:ext uri="{FF2B5EF4-FFF2-40B4-BE49-F238E27FC236}">
-                <a16:creationId xmlns:a16="http://schemas.microsoft.com/office/drawing/2014/main" id="{49B11A3A-948B-97C7-2C89-64DC025C30AC}"/>
-              </a:ext>
-            </a:extLst>
-          </p:cNvPr>
-          <p:cNvSpPr>
-            <a:spLocks noGrp="1"/>
-          </p:cNvSpPr>
-          <p:nvPr>
-            <p:ph type="body" sz="quarter" idx="14"/>
-          </p:nvPr>
-        </p:nvSpPr>
-        <p:spPr>
-          <a:xfrm>
-            <a:off x="1636027" y="1525788"/>
-            <a:ext cx="7533373" cy="4349166"/>
-          </a:xfrm>
-        </p:spPr>
-        <p:txBody>
-          <a:bodyPr>
-            <a:normAutofit lnSpcReduction="10000"/>
-          </a:bodyPr>
-          <a:lstStyle/>
-          <a:p>
-            <a:pPr marL="0" indent="0" algn="l">
-              <a:buNone/>
-            </a:pPr>
-            <a:endParaRPr lang="en-US" sz="1400" b="0" i="0" dirty="0">
-              <a:solidFill>
-                <a:srgbClr val="000000"/>
-              </a:solidFill>
-              <a:effectLst/>
-              <a:highlight>
-                <a:srgbClr val="FBFBFB"/>
-              </a:highlight>
-              <a:latin typeface="Helvetica" panose="020B0604020202020204" pitchFamily="34" charset="0"/>
-            </a:endParaRPr>
-          </a:p>
-          <a:p>
-            <a:pPr marL="0" indent="0" algn="l">
-              <a:buNone/>
-            </a:pPr>
-            <a:endParaRPr lang="en-US" sz="1400" b="0" i="0" dirty="0">
-              <a:solidFill>
-                <a:srgbClr val="000000"/>
-              </a:solidFill>
-              <a:effectLst/>
-              <a:highlight>
-                <a:srgbClr val="FBFBFB"/>
-              </a:highlight>
-              <a:latin typeface="Helvetica" panose="020B0604020202020204" pitchFamily="34" charset="0"/>
-            </a:endParaRPr>
-          </a:p>
-          <a:p>
-            <a:pPr marL="0" indent="0" algn="l">
-              <a:buNone/>
-            </a:pPr>
-            <a:r>
-              <a:rPr lang="en-US" sz="1400" b="0" i="0" dirty="0">
-                <a:solidFill>
-                  <a:srgbClr val="000000"/>
-                </a:solidFill>
-                <a:effectLst/>
-                <a:highlight>
-                  <a:srgbClr val="FBFBFB"/>
-                </a:highlight>
-                <a:latin typeface="Helvetica" panose="020B0604020202020204" pitchFamily="34" charset="0"/>
-              </a:rPr>
-              <a:t>Input:</a:t>
-            </a:r>
-          </a:p>
-          <a:p>
-            <a:pPr marL="0" indent="0" algn="l">
-              <a:buNone/>
-            </a:pPr>
-            <a:endParaRPr lang="en-US" sz="1400" b="0" i="0" dirty="0">
-              <a:solidFill>
-                <a:srgbClr val="000000"/>
-              </a:solidFill>
-              <a:effectLst/>
-              <a:highlight>
-                <a:srgbClr val="FBFBFB"/>
-              </a:highlight>
-              <a:latin typeface="Helvetica" panose="020B0604020202020204" pitchFamily="34" charset="0"/>
-            </a:endParaRPr>
-          </a:p>
-          <a:p>
-            <a:pPr marL="0" indent="0" algn="l">
-              <a:buNone/>
-            </a:pPr>
-            <a:r>
-              <a:rPr lang="en-US" sz="1400" dirty="0">
-                <a:solidFill>
-                  <a:srgbClr val="000000"/>
-                </a:solidFill>
-                <a:highlight>
-                  <a:srgbClr val="FBFBFB"/>
-                </a:highlight>
-                <a:latin typeface="Helvetica" panose="020B0604020202020204" pitchFamily="34" charset="0"/>
-              </a:rPr>
-              <a:t>(operands)</a:t>
-            </a:r>
-            <a:endParaRPr lang="en-US" sz="1400" b="0" i="0" dirty="0">
-              <a:solidFill>
-                <a:srgbClr val="000000"/>
-              </a:solidFill>
-              <a:effectLst/>
-              <a:highlight>
-                <a:srgbClr val="FBFBFB"/>
-              </a:highlight>
-              <a:latin typeface="Helvetica" panose="020B0604020202020204" pitchFamily="34" charset="0"/>
-            </a:endParaRPr>
-          </a:p>
-          <a:p>
-            <a:pPr marL="0" indent="0" algn="l">
-              <a:buNone/>
-            </a:pPr>
-            <a:r>
-              <a:rPr lang="en-US" sz="1400" b="0" i="0" dirty="0">
-                <a:solidFill>
-                  <a:srgbClr val="000000"/>
-                </a:solidFill>
-                <a:effectLst/>
-                <a:highlight>
-                  <a:srgbClr val="FBFBFB"/>
-                </a:highlight>
-                <a:latin typeface="Helvetica" panose="020B0604020202020204" pitchFamily="34" charset="0"/>
-              </a:rPr>
-              <a:t>-</a:t>
-            </a:r>
-            <a:r>
-              <a:rPr lang="en-US" sz="1400" dirty="0" err="1">
-                <a:solidFill>
-                  <a:srgbClr val="000000"/>
-                </a:solidFill>
-                <a:highlight>
-                  <a:srgbClr val="FBFBFB"/>
-                </a:highlight>
-                <a:latin typeface="Helvetica" panose="020B0604020202020204" pitchFamily="34" charset="0"/>
-              </a:rPr>
-              <a:t>op</a:t>
-            </a:r>
-            <a:r>
-              <a:rPr lang="en-US" sz="1400" b="0" i="0" dirty="0" err="1">
-                <a:solidFill>
-                  <a:srgbClr val="000000"/>
-                </a:solidFill>
-                <a:effectLst/>
-                <a:highlight>
-                  <a:srgbClr val="FBFBFB"/>
-                </a:highlight>
-                <a:latin typeface="Helvetica" panose="020B0604020202020204" pitchFamily="34" charset="0"/>
-              </a:rPr>
-              <a:t>A</a:t>
-            </a:r>
-            <a:r>
-              <a:rPr lang="en-US" sz="1400" b="0" i="0" dirty="0">
-                <a:solidFill>
-                  <a:srgbClr val="000000"/>
-                </a:solidFill>
-                <a:effectLst/>
-                <a:highlight>
-                  <a:srgbClr val="FBFBFB"/>
-                </a:highlight>
-                <a:latin typeface="Helvetica" panose="020B0604020202020204" pitchFamily="34" charset="0"/>
-              </a:rPr>
-              <a:t> [31:0]</a:t>
-            </a:r>
-          </a:p>
-          <a:p>
-            <a:pPr marL="0" indent="0" algn="l">
-              <a:buNone/>
-            </a:pPr>
-            <a:r>
-              <a:rPr lang="en-US" sz="1400" b="0" i="0" dirty="0">
-                <a:solidFill>
-                  <a:srgbClr val="000000"/>
-                </a:solidFill>
-                <a:effectLst/>
-                <a:highlight>
-                  <a:srgbClr val="FBFBFB"/>
-                </a:highlight>
-                <a:latin typeface="Helvetica" panose="020B0604020202020204" pitchFamily="34" charset="0"/>
-              </a:rPr>
-              <a:t>-</a:t>
-            </a:r>
-            <a:r>
-              <a:rPr lang="en-US" sz="1400" dirty="0" err="1">
-                <a:solidFill>
-                  <a:srgbClr val="000000"/>
-                </a:solidFill>
-                <a:highlight>
-                  <a:srgbClr val="FBFBFB"/>
-                </a:highlight>
-                <a:latin typeface="Helvetica" panose="020B0604020202020204" pitchFamily="34" charset="0"/>
-              </a:rPr>
-              <a:t>op</a:t>
-            </a:r>
-            <a:r>
-              <a:rPr lang="en-US" sz="1400" b="0" i="0" dirty="0" err="1">
-                <a:solidFill>
-                  <a:srgbClr val="000000"/>
-                </a:solidFill>
-                <a:effectLst/>
-                <a:highlight>
-                  <a:srgbClr val="FBFBFB"/>
-                </a:highlight>
-                <a:latin typeface="Helvetica" panose="020B0604020202020204" pitchFamily="34" charset="0"/>
-              </a:rPr>
-              <a:t>B</a:t>
-            </a:r>
-            <a:r>
-              <a:rPr lang="en-US" sz="1400" b="0" i="0" dirty="0">
-                <a:solidFill>
-                  <a:srgbClr val="000000"/>
-                </a:solidFill>
-                <a:effectLst/>
-                <a:highlight>
-                  <a:srgbClr val="FBFBFB"/>
-                </a:highlight>
-                <a:latin typeface="Helvetica" panose="020B0604020202020204" pitchFamily="34" charset="0"/>
-              </a:rPr>
-              <a:t> [31:0]</a:t>
-            </a:r>
-          </a:p>
-          <a:p>
-            <a:pPr marL="0" indent="0" algn="l">
-              <a:buNone/>
-            </a:pPr>
-            <a:endParaRPr lang="en-US" sz="1400" b="0" i="0" dirty="0">
-              <a:solidFill>
-                <a:srgbClr val="000000"/>
-              </a:solidFill>
-              <a:effectLst/>
-              <a:highlight>
-                <a:srgbClr val="FBFBFB"/>
-              </a:highlight>
-              <a:latin typeface="Helvetica" panose="020B0604020202020204" pitchFamily="34" charset="0"/>
-            </a:endParaRPr>
-          </a:p>
-          <a:p>
-            <a:pPr marL="0" indent="0" algn="l">
-              <a:buNone/>
-            </a:pPr>
-            <a:r>
-              <a:rPr lang="en-US" sz="1400" b="0" i="0" dirty="0">
-                <a:solidFill>
-                  <a:srgbClr val="000000"/>
-                </a:solidFill>
-                <a:effectLst/>
-                <a:highlight>
-                  <a:srgbClr val="FBFBFB"/>
-                </a:highlight>
-                <a:latin typeface="Helvetica" panose="020B0604020202020204" pitchFamily="34" charset="0"/>
-              </a:rPr>
-              <a:t>(select signals)</a:t>
-            </a:r>
-          </a:p>
-          <a:p>
-            <a:pPr marL="0" indent="0" algn="l">
-              <a:buNone/>
-            </a:pPr>
-            <a:r>
-              <a:rPr lang="en-US" sz="1400" b="0" i="0" dirty="0">
-                <a:solidFill>
-                  <a:srgbClr val="000000"/>
-                </a:solidFill>
-                <a:effectLst/>
-                <a:highlight>
-                  <a:srgbClr val="FBFBFB"/>
-                </a:highlight>
-                <a:latin typeface="Helvetica" panose="020B0604020202020204" pitchFamily="34" charset="0"/>
-              </a:rPr>
-              <a:t>-opcode[6:0]</a:t>
-            </a:r>
-          </a:p>
-          <a:p>
-            <a:pPr marL="0" indent="0" algn="l">
-              <a:buNone/>
-            </a:pPr>
-            <a:r>
-              <a:rPr lang="en-US" sz="1400" b="0" i="0" dirty="0">
-                <a:solidFill>
-                  <a:srgbClr val="000000"/>
-                </a:solidFill>
-                <a:effectLst/>
-                <a:highlight>
-                  <a:srgbClr val="FBFBFB"/>
-                </a:highlight>
-                <a:latin typeface="Helvetica" panose="020B0604020202020204" pitchFamily="34" charset="0"/>
-              </a:rPr>
-              <a:t>-func3[2:0]</a:t>
-            </a:r>
-          </a:p>
-          <a:p>
-            <a:pPr marL="0" indent="0" algn="l">
-              <a:buNone/>
-            </a:pPr>
-            <a:r>
-              <a:rPr lang="en-US" sz="1400" b="0" i="0" dirty="0">
-                <a:solidFill>
-                  <a:srgbClr val="000000"/>
-                </a:solidFill>
-                <a:effectLst/>
-                <a:highlight>
-                  <a:srgbClr val="FBFBFB"/>
-                </a:highlight>
-                <a:latin typeface="Helvetica" panose="020B0604020202020204" pitchFamily="34" charset="0"/>
-              </a:rPr>
-              <a:t>-func7[6:0]</a:t>
-            </a:r>
-          </a:p>
-          <a:p>
-            <a:pPr marL="0" indent="0" algn="l">
-              <a:buNone/>
-            </a:pPr>
-            <a:br>
-              <a:rPr lang="en-US" sz="1400" b="0" i="0" dirty="0">
-                <a:solidFill>
-                  <a:srgbClr val="000000"/>
-                </a:solidFill>
-                <a:effectLst/>
-                <a:highlight>
-                  <a:srgbClr val="FBFBFB"/>
-                </a:highlight>
-                <a:latin typeface="Helvetica" panose="020B0604020202020204" pitchFamily="34" charset="0"/>
-              </a:rPr>
-            </a:br>
-            <a:endParaRPr lang="en-US" sz="1400" b="0" i="0" dirty="0">
-              <a:solidFill>
-                <a:srgbClr val="000000"/>
-              </a:solidFill>
-              <a:effectLst/>
-              <a:highlight>
-                <a:srgbClr val="FBFBFB"/>
-              </a:highlight>
-              <a:latin typeface="Helvetica" panose="020B0604020202020204" pitchFamily="34" charset="0"/>
-            </a:endParaRPr>
-          </a:p>
-          <a:p>
-            <a:pPr marL="0" indent="0" algn="l">
-              <a:buNone/>
-            </a:pPr>
-            <a:r>
-              <a:rPr lang="en-US" sz="1400" b="0" i="0" dirty="0">
-                <a:solidFill>
-                  <a:srgbClr val="000000"/>
-                </a:solidFill>
-                <a:effectLst/>
-                <a:highlight>
-                  <a:srgbClr val="FBFBFB"/>
-                </a:highlight>
-                <a:latin typeface="Helvetica" panose="020B0604020202020204" pitchFamily="34" charset="0"/>
-              </a:rPr>
-              <a:t>Output:</a:t>
-            </a:r>
-          </a:p>
-          <a:p>
-            <a:pPr marL="0" indent="0" algn="l">
-              <a:buNone/>
-            </a:pPr>
-            <a:endParaRPr lang="en-US" sz="1400" b="0" i="0" dirty="0">
-              <a:solidFill>
-                <a:srgbClr val="000000"/>
-              </a:solidFill>
-              <a:effectLst/>
-              <a:highlight>
-                <a:srgbClr val="FBFBFB"/>
-              </a:highlight>
-              <a:latin typeface="Helvetica" panose="020B0604020202020204" pitchFamily="34" charset="0"/>
-            </a:endParaRPr>
-          </a:p>
-          <a:p>
-            <a:pPr marL="0" indent="0" algn="l">
-              <a:buNone/>
-            </a:pPr>
-            <a:r>
-              <a:rPr lang="en-US" sz="1400" b="0" i="0" dirty="0">
-                <a:solidFill>
-                  <a:srgbClr val="000000"/>
-                </a:solidFill>
-                <a:effectLst/>
-                <a:highlight>
-                  <a:srgbClr val="FBFBFB"/>
-                </a:highlight>
-                <a:latin typeface="Helvetica" panose="020B0604020202020204" pitchFamily="34" charset="0"/>
-              </a:rPr>
-              <a:t>-ALU result [31:0]</a:t>
-            </a:r>
-          </a:p>
-          <a:p>
-            <a:pPr marL="0" indent="0" algn="l">
-              <a:buNone/>
-            </a:pPr>
-            <a:r>
-              <a:rPr lang="en-US" sz="1400" b="0" i="0" dirty="0">
-                <a:solidFill>
-                  <a:srgbClr val="000000"/>
-                </a:solidFill>
-                <a:effectLst/>
-                <a:highlight>
-                  <a:srgbClr val="FBFBFB"/>
-                </a:highlight>
-                <a:latin typeface="Helvetica" panose="020B0604020202020204" pitchFamily="34" charset="0"/>
-              </a:rPr>
-              <a:t>-0 flag</a:t>
-            </a:r>
-          </a:p>
-          <a:p>
-            <a:pPr marL="0" indent="0" algn="l">
-              <a:buNone/>
-            </a:pPr>
-            <a:r>
-              <a:rPr lang="en-US" sz="1400" b="0" i="0" dirty="0">
-                <a:solidFill>
-                  <a:srgbClr val="000000"/>
-                </a:solidFill>
-                <a:effectLst/>
-                <a:highlight>
-                  <a:srgbClr val="FBFBFB"/>
-                </a:highlight>
-                <a:latin typeface="Helvetica" panose="020B0604020202020204" pitchFamily="34" charset="0"/>
-              </a:rPr>
-              <a:t>-don't care flags</a:t>
-            </a:r>
-          </a:p>
-          <a:p>
-            <a:pPr marL="0" indent="0" algn="l">
-              <a:buNone/>
-            </a:pPr>
-            <a:r>
-              <a:rPr lang="en-US" sz="1400" b="0" i="0" dirty="0">
-                <a:solidFill>
-                  <a:srgbClr val="000000"/>
-                </a:solidFill>
-                <a:effectLst/>
-                <a:highlight>
-                  <a:srgbClr val="FBFBFB"/>
-                </a:highlight>
-                <a:latin typeface="Helvetica" panose="020B0604020202020204" pitchFamily="34" charset="0"/>
-              </a:rPr>
-              <a:t>-less than flags</a:t>
-            </a:r>
-          </a:p>
-          <a:p>
-            <a:pPr marL="0" indent="0" algn="l">
-              <a:buNone/>
-            </a:pPr>
-            <a:r>
-              <a:rPr lang="en-US" sz="1400" b="0" i="0" dirty="0">
-                <a:solidFill>
-                  <a:srgbClr val="000000"/>
-                </a:solidFill>
-                <a:effectLst/>
-                <a:highlight>
-                  <a:srgbClr val="FBFBFB"/>
-                </a:highlight>
-                <a:latin typeface="Helvetica" panose="020B0604020202020204" pitchFamily="34" charset="0"/>
-              </a:rPr>
-              <a:t>-greater than flags</a:t>
-            </a:r>
-          </a:p>
-          <a:p>
-            <a:pPr marL="0" indent="0" algn="l">
-              <a:buNone/>
-            </a:pPr>
-            <a:r>
-              <a:rPr lang="en-US" sz="1400" b="0" i="0" dirty="0">
-                <a:solidFill>
-                  <a:srgbClr val="000000"/>
-                </a:solidFill>
-                <a:effectLst/>
-                <a:highlight>
-                  <a:srgbClr val="FBFBFB"/>
-                </a:highlight>
-                <a:latin typeface="Helvetica" panose="020B0604020202020204" pitchFamily="34" charset="0"/>
-              </a:rPr>
-              <a:t>-equal/not equal flags</a:t>
-            </a:r>
-          </a:p>
-          <a:p>
-            <a:pPr marL="0" indent="0">
-              <a:buNone/>
-            </a:pPr>
-            <a:endParaRPr lang="en-US" sz="1400" dirty="0"/>
-          </a:p>
-        </p:txBody>
-      </p:sp>
-      <p:sp>
-        <p:nvSpPr>
-          <p:cNvPr id="5" name="Slide Number Placeholder 4">
-            <a:extLst>
-              <a:ext uri="{FF2B5EF4-FFF2-40B4-BE49-F238E27FC236}">
-                <a16:creationId xmlns:a16="http://schemas.microsoft.com/office/drawing/2014/main" id="{1DAD21A4-66E1-B41E-AAF4-8DD89DD84A1B}"/>
-              </a:ext>
-            </a:extLst>
-          </p:cNvPr>
-          <p:cNvSpPr>
-            <a:spLocks noGrp="1"/>
-          </p:cNvSpPr>
-          <p:nvPr>
-            <p:ph type="sldNum" sz="quarter" idx="12"/>
-          </p:nvPr>
-        </p:nvSpPr>
-        <p:spPr/>
-        <p:txBody>
-          <a:bodyPr/>
-          <a:lstStyle/>
-          <a:p>
-            <a:fld id="{88B5220A-EB23-48F3-9FB6-FE2BFABBF45A}" type="slidenum">
-              <a:rPr lang="en-US" smtClean="0"/>
-              <a:t>21</a:t>
-            </a:fld>
-            <a:endParaRPr lang="en-US" dirty="0"/>
-          </a:p>
-        </p:txBody>
-      </p:sp>
-      <p:pic>
-        <p:nvPicPr>
-          <p:cNvPr id="9" name="Picture 8">
-            <a:extLst>
-              <a:ext uri="{FF2B5EF4-FFF2-40B4-BE49-F238E27FC236}">
-                <a16:creationId xmlns:a16="http://schemas.microsoft.com/office/drawing/2014/main" id="{3E7B8AE2-8B46-87D6-403C-552B0A9A63EF}"/>
-              </a:ext>
-            </a:extLst>
-          </p:cNvPr>
-          <p:cNvPicPr>
-            <a:picLocks noChangeAspect="1"/>
-          </p:cNvPicPr>
-          <p:nvPr/>
-        </p:nvPicPr>
-        <p:blipFill>
-          <a:blip r:embed="rId2"/>
-          <a:stretch>
-            <a:fillRect/>
-          </a:stretch>
-        </p:blipFill>
-        <p:spPr>
-          <a:xfrm>
-            <a:off x="3496733" y="1082326"/>
-            <a:ext cx="6450636" cy="5023561"/>
-          </a:xfrm>
-          <a:prstGeom prst="rect">
-            <a:avLst/>
-          </a:prstGeom>
-        </p:spPr>
-      </p:pic>
-      <p:sp>
-        <p:nvSpPr>
-          <p:cNvPr id="13" name="TextBox 12">
-            <a:extLst>
-              <a:ext uri="{FF2B5EF4-FFF2-40B4-BE49-F238E27FC236}">
-                <a16:creationId xmlns:a16="http://schemas.microsoft.com/office/drawing/2014/main" id="{C7A25066-8FC8-C06D-E583-BD3787678791}"/>
-              </a:ext>
-            </a:extLst>
-          </p:cNvPr>
-          <p:cNvSpPr txBox="1"/>
-          <p:nvPr/>
-        </p:nvSpPr>
-        <p:spPr>
-          <a:xfrm>
-            <a:off x="1185333" y="1063985"/>
-            <a:ext cx="6096000" cy="430887"/>
-          </a:xfrm>
-          <a:prstGeom prst="rect">
-            <a:avLst/>
-          </a:prstGeom>
-          <a:noFill/>
-        </p:spPr>
-        <p:txBody>
-          <a:bodyPr wrap="square">
-            <a:spAutoFit/>
-          </a:bodyPr>
-          <a:lstStyle/>
-          <a:p>
-            <a:r>
-              <a:rPr lang="en-US" sz="2200" b="1" dirty="0">
-                <a:solidFill>
-                  <a:schemeClr val="accent2"/>
-                </a:solidFill>
-                <a:latin typeface="Acumin Pro SemiCondensed" panose="020B0506020202020204" pitchFamily="34" charset="77"/>
-              </a:rPr>
-              <a:t>RTL:</a:t>
-            </a:r>
-          </a:p>
-        </p:txBody>
-      </p:sp>
-    </p:spTree>
-    <p:extLst>
-      <p:ext uri="{BB962C8B-B14F-4D97-AF65-F5344CB8AC3E}">
-        <p14:creationId xmlns:p14="http://schemas.microsoft.com/office/powerpoint/2010/main" val="3658048987"/>
-      </p:ext>
-    </p:extLst>
-  </p:cSld>
-  <p:clrMapOvr>
-    <a:masterClrMapping/>
-  </p:clrMapOvr>
-</p:sld>
-</file>
-
-<file path=ppt/slides/slide22.xml><?xml version="1.0" encoding="utf-8"?>
-<p:sld xmlns:a="http://schemas.openxmlformats.org/drawingml/2006/main" xmlns:r="http://schemas.openxmlformats.org/officeDocument/2006/relationships" xmlns:p="http://schemas.openxmlformats.org/presentationml/2006/main">
-  <p:cSld>
-    <p:spTree>
-      <p:nvGrpSpPr>
-        <p:cNvPr id="1" name=""/>
-        <p:cNvGrpSpPr/>
-        <p:nvPr/>
-      </p:nvGrpSpPr>
-      <p:grpSpPr>
-        <a:xfrm>
-          <a:off x="0" y="0"/>
-          <a:ext cx="0" cy="0"/>
-          <a:chOff x="0" y="0"/>
-          <a:chExt cx="0" cy="0"/>
-        </a:xfrm>
-      </p:grpSpPr>
-      <p:sp>
-        <p:nvSpPr>
-          <p:cNvPr id="2" name="Title 1">
-            <a:extLst>
-              <a:ext uri="{FF2B5EF4-FFF2-40B4-BE49-F238E27FC236}">
-                <a16:creationId xmlns:a16="http://schemas.microsoft.com/office/drawing/2014/main" id="{63DB6604-717F-80D6-8A98-330BC761485E}"/>
-              </a:ext>
-            </a:extLst>
-          </p:cNvPr>
-          <p:cNvSpPr>
-            <a:spLocks noGrp="1"/>
-          </p:cNvSpPr>
-          <p:nvPr>
-            <p:ph type="ctrTitle"/>
-          </p:nvPr>
-        </p:nvSpPr>
-        <p:spPr>
-          <a:xfrm>
-            <a:off x="1504670" y="437030"/>
-            <a:ext cx="9234309" cy="498598"/>
-          </a:xfrm>
-        </p:spPr>
-        <p:txBody>
-          <a:bodyPr/>
-          <a:lstStyle/>
-          <a:p>
-            <a:r>
-              <a:rPr lang="en-US" dirty="0"/>
-              <a:t>ALU</a:t>
-            </a:r>
-          </a:p>
-        </p:txBody>
-      </p:sp>
-      <p:sp>
-        <p:nvSpPr>
-          <p:cNvPr id="3" name="Subtitle 2">
-            <a:extLst>
-              <a:ext uri="{FF2B5EF4-FFF2-40B4-BE49-F238E27FC236}">
-                <a16:creationId xmlns:a16="http://schemas.microsoft.com/office/drawing/2014/main" id="{86A20125-5905-6103-914B-760A20C5941E}"/>
-              </a:ext>
-            </a:extLst>
-          </p:cNvPr>
-          <p:cNvSpPr>
-            <a:spLocks noGrp="1"/>
-          </p:cNvSpPr>
-          <p:nvPr>
-            <p:ph type="subTitle" idx="1"/>
-          </p:nvPr>
-        </p:nvSpPr>
-        <p:spPr/>
-        <p:txBody>
-          <a:bodyPr/>
-          <a:lstStyle/>
-          <a:p>
-            <a:r>
-              <a:rPr lang="en-US" dirty="0"/>
-              <a:t>Pseudo Code:</a:t>
-            </a:r>
-          </a:p>
-        </p:txBody>
-      </p:sp>
-      <p:sp>
-        <p:nvSpPr>
-          <p:cNvPr id="5" name="Slide Number Placeholder 4">
-            <a:extLst>
-              <a:ext uri="{FF2B5EF4-FFF2-40B4-BE49-F238E27FC236}">
-                <a16:creationId xmlns:a16="http://schemas.microsoft.com/office/drawing/2014/main" id="{16DF6B77-D173-A4F5-86FB-EC5B60557845}"/>
-              </a:ext>
-            </a:extLst>
-          </p:cNvPr>
-          <p:cNvSpPr>
-            <a:spLocks noGrp="1"/>
-          </p:cNvSpPr>
-          <p:nvPr>
-            <p:ph type="sldNum" sz="quarter" idx="12"/>
-          </p:nvPr>
-        </p:nvSpPr>
-        <p:spPr/>
-        <p:txBody>
-          <a:bodyPr/>
-          <a:lstStyle/>
-          <a:p>
-            <a:fld id="{88B5220A-EB23-48F3-9FB6-FE2BFABBF45A}" type="slidenum">
-              <a:rPr lang="en-US" smtClean="0"/>
-              <a:t>22</a:t>
-            </a:fld>
-            <a:endParaRPr lang="en-US" dirty="0"/>
-          </a:p>
-        </p:txBody>
-      </p:sp>
-      <p:sp>
-        <p:nvSpPr>
-          <p:cNvPr id="7" name="TextBox 6">
-            <a:extLst>
-              <a:ext uri="{FF2B5EF4-FFF2-40B4-BE49-F238E27FC236}">
-                <a16:creationId xmlns:a16="http://schemas.microsoft.com/office/drawing/2014/main" id="{0A3E23E1-0D6C-3CC6-E871-A76DFDEDB1FE}"/>
-              </a:ext>
-            </a:extLst>
-          </p:cNvPr>
-          <p:cNvSpPr txBox="1"/>
-          <p:nvPr/>
-        </p:nvSpPr>
-        <p:spPr>
-          <a:xfrm>
-            <a:off x="7301092" y="1736653"/>
-            <a:ext cx="3397129" cy="3877985"/>
-          </a:xfrm>
-          <a:prstGeom prst="rect">
-            <a:avLst/>
-          </a:prstGeom>
-          <a:noFill/>
-        </p:spPr>
-        <p:txBody>
-          <a:bodyPr wrap="square">
-            <a:spAutoFit/>
-          </a:bodyPr>
-          <a:lstStyle/>
-          <a:p>
-            <a:endParaRPr lang="en-US" dirty="0">
-              <a:effectLst/>
-            </a:endParaRPr>
-          </a:p>
-          <a:p>
-            <a:r>
-              <a:rPr lang="en-US" dirty="0"/>
-              <a:t>ALU Control Unit:</a:t>
-            </a:r>
-          </a:p>
-          <a:p>
-            <a:br>
-              <a:rPr lang="en-US" sz="1400" dirty="0">
-                <a:effectLst/>
-              </a:rPr>
-            </a:br>
-            <a:r>
-              <a:rPr lang="en-US" sz="1400" dirty="0">
-                <a:solidFill>
-                  <a:srgbClr val="000000"/>
-                </a:solidFill>
-                <a:highlight>
-                  <a:srgbClr val="FBFBFB"/>
-                </a:highlight>
-                <a:latin typeface="Helvetica" panose="020B0604020202020204" pitchFamily="34" charset="0"/>
-              </a:rPr>
-              <a:t>if</a:t>
-            </a:r>
-            <a:r>
-              <a:rPr lang="en-US" sz="1400" dirty="0">
-                <a:effectLst/>
-              </a:rPr>
-              <a:t>(</a:t>
-            </a:r>
-            <a:r>
-              <a:rPr lang="en-US" sz="1400" dirty="0">
-                <a:solidFill>
-                  <a:srgbClr val="000000"/>
-                </a:solidFill>
-                <a:highlight>
-                  <a:srgbClr val="FBFBFB"/>
-                </a:highlight>
-                <a:latin typeface="Helvetica" panose="020B0604020202020204" pitchFamily="34" charset="0"/>
-              </a:rPr>
-              <a:t>opcode=1100011)</a:t>
-            </a:r>
-          </a:p>
-          <a:p>
-            <a:r>
-              <a:rPr lang="en-US" sz="1400" dirty="0">
-                <a:solidFill>
-                  <a:srgbClr val="000000"/>
-                </a:solidFill>
-                <a:highlight>
-                  <a:srgbClr val="FBFBFB"/>
-                </a:highlight>
-                <a:latin typeface="Helvetica" panose="020B0604020202020204" pitchFamily="34" charset="0"/>
-              </a:rPr>
-              <a:t>	if(func3=000)</a:t>
-            </a:r>
-          </a:p>
-          <a:p>
-            <a:r>
-              <a:rPr lang="en-US" sz="1400" dirty="0">
-                <a:solidFill>
-                  <a:srgbClr val="000000"/>
-                </a:solidFill>
-                <a:highlight>
-                  <a:srgbClr val="FBFBFB"/>
-                </a:highlight>
-                <a:latin typeface="Helvetica" panose="020B0604020202020204" pitchFamily="34" charset="0"/>
-              </a:rPr>
-              <a:t>		ALU control input = BEQ</a:t>
-            </a:r>
-          </a:p>
-          <a:p>
-            <a:r>
-              <a:rPr lang="en-US" sz="1400" dirty="0">
-                <a:solidFill>
-                  <a:srgbClr val="000000"/>
-                </a:solidFill>
-                <a:highlight>
-                  <a:srgbClr val="FBFBFB"/>
-                </a:highlight>
-                <a:latin typeface="Helvetica" panose="020B0604020202020204" pitchFamily="34" charset="0"/>
-              </a:rPr>
-              <a:t>	if(func3=001)</a:t>
-            </a:r>
-          </a:p>
-          <a:p>
-            <a:r>
-              <a:rPr lang="en-US" sz="1400" dirty="0">
-                <a:solidFill>
-                  <a:srgbClr val="000000"/>
-                </a:solidFill>
-                <a:highlight>
-                  <a:srgbClr val="FBFBFB"/>
-                </a:highlight>
-                <a:latin typeface="Helvetica" panose="020B0604020202020204" pitchFamily="34" charset="0"/>
-              </a:rPr>
-              <a:t>		ALU control input=BNE</a:t>
-            </a:r>
-            <a:br>
-              <a:rPr lang="en-US" sz="1400" dirty="0">
-                <a:solidFill>
-                  <a:srgbClr val="000000"/>
-                </a:solidFill>
-                <a:highlight>
-                  <a:srgbClr val="FBFBFB"/>
-                </a:highlight>
-                <a:latin typeface="Helvetica" panose="020B0604020202020204" pitchFamily="34" charset="0"/>
-              </a:rPr>
-            </a:br>
-            <a:endParaRPr lang="en-US" sz="1400" dirty="0">
-              <a:solidFill>
-                <a:srgbClr val="000000"/>
-              </a:solidFill>
-              <a:highlight>
-                <a:srgbClr val="FBFBFB"/>
-              </a:highlight>
-              <a:latin typeface="Helvetica" panose="020B0604020202020204" pitchFamily="34" charset="0"/>
-            </a:endParaRPr>
-          </a:p>
-          <a:p>
-            <a:r>
-              <a:rPr lang="en-US" sz="1400" dirty="0">
-                <a:solidFill>
-                  <a:srgbClr val="000000"/>
-                </a:solidFill>
-                <a:highlight>
-                  <a:srgbClr val="FBFBFB"/>
-                </a:highlight>
-                <a:latin typeface="Helvetica" panose="020B0604020202020204" pitchFamily="34" charset="0"/>
-              </a:rPr>
-              <a:t>if(opcode=0110011)</a:t>
-            </a:r>
-          </a:p>
-          <a:p>
-            <a:r>
-              <a:rPr lang="en-US" sz="1400" dirty="0">
-                <a:solidFill>
-                  <a:srgbClr val="000000"/>
-                </a:solidFill>
-                <a:highlight>
-                  <a:srgbClr val="FBFBFB"/>
-                </a:highlight>
-                <a:latin typeface="Helvetica" panose="020B0604020202020204" pitchFamily="34" charset="0"/>
-              </a:rPr>
-              <a:t>	if(func3=000)</a:t>
-            </a:r>
-          </a:p>
-          <a:p>
-            <a:r>
-              <a:rPr lang="en-US" sz="1400" dirty="0">
-                <a:solidFill>
-                  <a:srgbClr val="000000"/>
-                </a:solidFill>
-                <a:highlight>
-                  <a:srgbClr val="FBFBFB"/>
-                </a:highlight>
-                <a:latin typeface="Helvetica" panose="020B0604020202020204" pitchFamily="34" charset="0"/>
-              </a:rPr>
-              <a:t>		if(func7=0000000)</a:t>
-            </a:r>
-          </a:p>
-          <a:p>
-            <a:r>
-              <a:rPr lang="en-US" sz="1400" dirty="0">
-                <a:solidFill>
-                  <a:srgbClr val="000000"/>
-                </a:solidFill>
-                <a:highlight>
-                  <a:srgbClr val="FBFBFB"/>
-                </a:highlight>
-                <a:latin typeface="Helvetica" panose="020B0604020202020204" pitchFamily="34" charset="0"/>
-              </a:rPr>
-              <a:t>			ALU control input=ADD</a:t>
-            </a:r>
-            <a:br>
-              <a:rPr lang="en-US" sz="1400" dirty="0">
-                <a:solidFill>
-                  <a:srgbClr val="000000"/>
-                </a:solidFill>
-                <a:highlight>
-                  <a:srgbClr val="FBFBFB"/>
-                </a:highlight>
-                <a:latin typeface="Helvetica" panose="020B0604020202020204" pitchFamily="34" charset="0"/>
-              </a:rPr>
-            </a:br>
-            <a:endParaRPr lang="en-US" sz="1400" dirty="0">
-              <a:solidFill>
-                <a:srgbClr val="000000"/>
-              </a:solidFill>
-              <a:highlight>
-                <a:srgbClr val="FBFBFB"/>
-              </a:highlight>
-              <a:latin typeface="Helvetica" panose="020B0604020202020204" pitchFamily="34" charset="0"/>
-            </a:endParaRPr>
-          </a:p>
-          <a:p>
-            <a:r>
-              <a:rPr lang="en-US" sz="1400" dirty="0">
-                <a:solidFill>
-                  <a:srgbClr val="000000"/>
-                </a:solidFill>
-                <a:highlight>
-                  <a:srgbClr val="FBFBFB"/>
-                </a:highlight>
-                <a:latin typeface="Helvetica" panose="020B0604020202020204" pitchFamily="34" charset="0"/>
-              </a:rPr>
-              <a:t>(....define the ALU control input for each </a:t>
-            </a:r>
-          </a:p>
-          <a:p>
-            <a:r>
-              <a:rPr lang="en-US" sz="1400" dirty="0">
-                <a:solidFill>
-                  <a:srgbClr val="000000"/>
-                </a:solidFill>
-                <a:highlight>
-                  <a:srgbClr val="FBFBFB"/>
-                </a:highlight>
-                <a:latin typeface="Helvetica" panose="020B0604020202020204" pitchFamily="34" charset="0"/>
-              </a:rPr>
-              <a:t>of the operations based on the value</a:t>
-            </a:r>
-          </a:p>
-          <a:p>
-            <a:r>
-              <a:rPr lang="en-US" sz="1400" dirty="0">
-                <a:solidFill>
-                  <a:srgbClr val="000000"/>
-                </a:solidFill>
-                <a:highlight>
-                  <a:srgbClr val="FBFBFB"/>
-                </a:highlight>
-                <a:latin typeface="Helvetica" panose="020B0604020202020204" pitchFamily="34" charset="0"/>
-              </a:rPr>
-              <a:t> of the opcode, func3 and func7…)</a:t>
-            </a:r>
-          </a:p>
-        </p:txBody>
-      </p:sp>
-      <p:sp>
-        <p:nvSpPr>
-          <p:cNvPr id="8" name="TextBox 7">
-            <a:extLst>
-              <a:ext uri="{FF2B5EF4-FFF2-40B4-BE49-F238E27FC236}">
-                <a16:creationId xmlns:a16="http://schemas.microsoft.com/office/drawing/2014/main" id="{A4A10DE8-D075-2057-C727-85A2A8C50ADA}"/>
-              </a:ext>
-            </a:extLst>
-          </p:cNvPr>
-          <p:cNvSpPr txBox="1"/>
-          <p:nvPr/>
-        </p:nvSpPr>
-        <p:spPr>
-          <a:xfrm>
-            <a:off x="1579483" y="1736653"/>
-            <a:ext cx="5328393" cy="4801314"/>
-          </a:xfrm>
-          <a:prstGeom prst="rect">
-            <a:avLst/>
-          </a:prstGeom>
-          <a:noFill/>
-        </p:spPr>
-        <p:txBody>
-          <a:bodyPr wrap="square">
-            <a:spAutoFit/>
-          </a:bodyPr>
-          <a:lstStyle/>
-          <a:p>
-            <a:endParaRPr lang="en-US" dirty="0">
-              <a:effectLst/>
-            </a:endParaRPr>
-          </a:p>
-          <a:p>
-            <a:r>
-              <a:rPr lang="en-US" dirty="0"/>
-              <a:t>ALU:</a:t>
-            </a:r>
-          </a:p>
-          <a:p>
-            <a:br>
-              <a:rPr lang="en-US" b="0" i="0" dirty="0">
-                <a:solidFill>
-                  <a:srgbClr val="000000"/>
-                </a:solidFill>
-                <a:effectLst/>
-                <a:highlight>
-                  <a:srgbClr val="FBFBFB"/>
-                </a:highlight>
-                <a:latin typeface="Helvetica" panose="020B0604020202020204" pitchFamily="34" charset="0"/>
-              </a:rPr>
-            </a:br>
-            <a:r>
-              <a:rPr lang="en-US" sz="1400" dirty="0">
-                <a:solidFill>
-                  <a:srgbClr val="000000"/>
-                </a:solidFill>
-                <a:highlight>
-                  <a:srgbClr val="FBFBFB"/>
-                </a:highlight>
-                <a:latin typeface="Helvetica" panose="020B0604020202020204" pitchFamily="34" charset="0"/>
-              </a:rPr>
-              <a:t>case(ALU control input)</a:t>
-            </a:r>
-          </a:p>
-          <a:p>
-            <a:endParaRPr lang="en-US" sz="1400" dirty="0">
-              <a:solidFill>
-                <a:srgbClr val="000000"/>
-              </a:solidFill>
-              <a:highlight>
-                <a:srgbClr val="FBFBFB"/>
-              </a:highlight>
-              <a:latin typeface="Helvetica" panose="020B0604020202020204" pitchFamily="34" charset="0"/>
-            </a:endParaRPr>
-          </a:p>
-          <a:p>
-            <a:pPr lvl="1"/>
-            <a:r>
-              <a:rPr lang="en-US" sz="1400" dirty="0">
-                <a:solidFill>
-                  <a:srgbClr val="000000"/>
-                </a:solidFill>
-                <a:highlight>
-                  <a:srgbClr val="FBFBFB"/>
-                </a:highlight>
-                <a:latin typeface="Helvetica" panose="020B0604020202020204" pitchFamily="34" charset="0"/>
-              </a:rPr>
-              <a:t>ADD: ALU result = rs1+ rs2 ( </a:t>
-            </a:r>
-            <a:r>
-              <a:rPr lang="en-US" sz="1400" dirty="0" err="1">
-                <a:solidFill>
-                  <a:srgbClr val="000000"/>
-                </a:solidFill>
-                <a:highlight>
-                  <a:srgbClr val="FBFBFB"/>
-                </a:highlight>
-                <a:latin typeface="Helvetica" panose="020B0604020202020204" pitchFamily="34" charset="0"/>
-              </a:rPr>
-              <a:t>opA</a:t>
-            </a:r>
-            <a:r>
-              <a:rPr lang="en-US" sz="1400" dirty="0">
-                <a:solidFill>
-                  <a:srgbClr val="000000"/>
-                </a:solidFill>
-                <a:highlight>
-                  <a:srgbClr val="FBFBFB"/>
-                </a:highlight>
-                <a:latin typeface="Helvetica" panose="020B0604020202020204" pitchFamily="34" charset="0"/>
-              </a:rPr>
-              <a:t> + </a:t>
-            </a:r>
-            <a:r>
-              <a:rPr lang="en-US" sz="1400" dirty="0" err="1">
-                <a:solidFill>
-                  <a:srgbClr val="000000"/>
-                </a:solidFill>
-                <a:highlight>
-                  <a:srgbClr val="FBFBFB"/>
-                </a:highlight>
-                <a:latin typeface="Helvetica" panose="020B0604020202020204" pitchFamily="34" charset="0"/>
-              </a:rPr>
-              <a:t>opB</a:t>
-            </a:r>
-            <a:r>
-              <a:rPr lang="en-US" sz="1400" dirty="0">
-                <a:solidFill>
-                  <a:srgbClr val="000000"/>
-                </a:solidFill>
-                <a:highlight>
-                  <a:srgbClr val="FBFBFB"/>
-                </a:highlight>
-                <a:latin typeface="Helvetica" panose="020B0604020202020204" pitchFamily="34" charset="0"/>
-              </a:rPr>
-              <a:t> )</a:t>
-            </a:r>
-          </a:p>
-          <a:p>
-            <a:pPr lvl="1"/>
-            <a:r>
-              <a:rPr lang="en-US" sz="1400" dirty="0">
-                <a:solidFill>
-                  <a:srgbClr val="000000"/>
-                </a:solidFill>
-                <a:highlight>
-                  <a:srgbClr val="FBFBFB"/>
-                </a:highlight>
-                <a:latin typeface="Helvetica" panose="020B0604020202020204" pitchFamily="34" charset="0"/>
-              </a:rPr>
-              <a:t>	flag 0 =0</a:t>
-            </a:r>
-          </a:p>
-          <a:p>
-            <a:pPr lvl="1"/>
-            <a:r>
-              <a:rPr lang="en-US" sz="1400" dirty="0">
-                <a:solidFill>
-                  <a:srgbClr val="000000"/>
-                </a:solidFill>
-                <a:highlight>
-                  <a:srgbClr val="FBFBFB"/>
-                </a:highlight>
-                <a:latin typeface="Helvetica" panose="020B0604020202020204" pitchFamily="34" charset="0"/>
-              </a:rPr>
-              <a:t>	flag less than = 0</a:t>
-            </a:r>
-          </a:p>
-          <a:p>
-            <a:pPr lvl="1"/>
-            <a:r>
-              <a:rPr lang="en-US" sz="1400" dirty="0">
-                <a:solidFill>
-                  <a:srgbClr val="000000"/>
-                </a:solidFill>
-                <a:highlight>
-                  <a:srgbClr val="FBFBFB"/>
-                </a:highlight>
-                <a:latin typeface="Helvetica" panose="020B0604020202020204" pitchFamily="34" charset="0"/>
-              </a:rPr>
-              <a:t>	flag greater than = 0</a:t>
-            </a:r>
-          </a:p>
-          <a:p>
-            <a:pPr lvl="1"/>
-            <a:r>
-              <a:rPr lang="en-US" sz="1400" dirty="0">
-                <a:solidFill>
-                  <a:srgbClr val="000000"/>
-                </a:solidFill>
-                <a:highlight>
-                  <a:srgbClr val="FBFBFB"/>
-                </a:highlight>
-                <a:latin typeface="Helvetica" panose="020B0604020202020204" pitchFamily="34" charset="0"/>
-              </a:rPr>
-              <a:t>	flag don’t care = 0</a:t>
-            </a:r>
-          </a:p>
-          <a:p>
-            <a:pPr lvl="1"/>
-            <a:r>
-              <a:rPr lang="en-US" sz="1400" dirty="0">
-                <a:solidFill>
-                  <a:srgbClr val="000000"/>
-                </a:solidFill>
-                <a:highlight>
-                  <a:srgbClr val="FBFBFB"/>
-                </a:highlight>
-                <a:latin typeface="Helvetica" panose="020B0604020202020204" pitchFamily="34" charset="0"/>
-              </a:rPr>
-              <a:t>	flag equal to /~ not equal to =0</a:t>
-            </a:r>
-          </a:p>
-          <a:p>
-            <a:pPr lvl="1"/>
-            <a:endParaRPr lang="en-US" sz="1400" dirty="0">
-              <a:solidFill>
-                <a:srgbClr val="000000"/>
-              </a:solidFill>
-              <a:highlight>
-                <a:srgbClr val="FBFBFB"/>
-              </a:highlight>
-              <a:latin typeface="Helvetica" panose="020B0604020202020204" pitchFamily="34" charset="0"/>
-            </a:endParaRPr>
-          </a:p>
-          <a:p>
-            <a:pPr lvl="1"/>
-            <a:r>
-              <a:rPr lang="en-US" sz="1400" dirty="0">
-                <a:solidFill>
-                  <a:srgbClr val="000000"/>
-                </a:solidFill>
-                <a:highlight>
-                  <a:srgbClr val="FBFBFB"/>
-                </a:highlight>
-                <a:latin typeface="Helvetica" panose="020B0604020202020204" pitchFamily="34" charset="0"/>
-              </a:rPr>
-              <a:t>ADDI: ALU result =  rs1+imm (</a:t>
-            </a:r>
-            <a:r>
-              <a:rPr lang="en-US" sz="1400" dirty="0" err="1">
-                <a:solidFill>
-                  <a:srgbClr val="000000"/>
-                </a:solidFill>
-                <a:highlight>
-                  <a:srgbClr val="FBFBFB"/>
-                </a:highlight>
-                <a:latin typeface="Helvetica" panose="020B0604020202020204" pitchFamily="34" charset="0"/>
-              </a:rPr>
-              <a:t>opA</a:t>
-            </a:r>
-            <a:r>
-              <a:rPr lang="en-US" sz="1400" dirty="0">
-                <a:solidFill>
-                  <a:srgbClr val="000000"/>
-                </a:solidFill>
-                <a:highlight>
-                  <a:srgbClr val="FBFBFB"/>
-                </a:highlight>
-                <a:latin typeface="Helvetica" panose="020B0604020202020204" pitchFamily="34" charset="0"/>
-              </a:rPr>
-              <a:t> + </a:t>
-            </a:r>
-            <a:r>
-              <a:rPr lang="en-US" sz="1400" dirty="0" err="1">
-                <a:solidFill>
-                  <a:srgbClr val="000000"/>
-                </a:solidFill>
-                <a:highlight>
-                  <a:srgbClr val="FBFBFB"/>
-                </a:highlight>
-                <a:latin typeface="Helvetica" panose="020B0604020202020204" pitchFamily="34" charset="0"/>
-              </a:rPr>
-              <a:t>opB</a:t>
-            </a:r>
-            <a:r>
-              <a:rPr lang="en-US" sz="1400" dirty="0">
-                <a:solidFill>
-                  <a:srgbClr val="000000"/>
-                </a:solidFill>
-                <a:highlight>
-                  <a:srgbClr val="FBFBFB"/>
-                </a:highlight>
-                <a:latin typeface="Helvetica" panose="020B0604020202020204" pitchFamily="34" charset="0"/>
-              </a:rPr>
-              <a:t>)</a:t>
-            </a:r>
-          </a:p>
-          <a:p>
-            <a:pPr lvl="1"/>
-            <a:r>
-              <a:rPr lang="en-US" sz="1400" dirty="0">
-                <a:solidFill>
-                  <a:srgbClr val="000000"/>
-                </a:solidFill>
-                <a:highlight>
-                  <a:srgbClr val="FBFBFB"/>
-                </a:highlight>
-                <a:latin typeface="Helvetica" panose="020B0604020202020204" pitchFamily="34" charset="0"/>
-              </a:rPr>
-              <a:t>	flag 0 =0</a:t>
-            </a:r>
-          </a:p>
-          <a:p>
-            <a:pPr lvl="1"/>
-            <a:r>
-              <a:rPr lang="en-US" sz="1400" dirty="0">
-                <a:solidFill>
-                  <a:srgbClr val="000000"/>
-                </a:solidFill>
-                <a:highlight>
-                  <a:srgbClr val="FBFBFB"/>
-                </a:highlight>
-                <a:latin typeface="Helvetica" panose="020B0604020202020204" pitchFamily="34" charset="0"/>
-              </a:rPr>
-              <a:t>	flag less than = 0</a:t>
-            </a:r>
-          </a:p>
-          <a:p>
-            <a:pPr lvl="1"/>
-            <a:r>
-              <a:rPr lang="en-US" sz="1400" dirty="0">
-                <a:solidFill>
-                  <a:srgbClr val="000000"/>
-                </a:solidFill>
-                <a:highlight>
-                  <a:srgbClr val="FBFBFB"/>
-                </a:highlight>
-                <a:latin typeface="Helvetica" panose="020B0604020202020204" pitchFamily="34" charset="0"/>
-              </a:rPr>
-              <a:t>	flag greater than = 0</a:t>
-            </a:r>
-          </a:p>
-          <a:p>
-            <a:pPr lvl="1"/>
-            <a:r>
-              <a:rPr lang="en-US" sz="1400" dirty="0">
-                <a:solidFill>
-                  <a:srgbClr val="000000"/>
-                </a:solidFill>
-                <a:highlight>
-                  <a:srgbClr val="FBFBFB"/>
-                </a:highlight>
-                <a:latin typeface="Helvetica" panose="020B0604020202020204" pitchFamily="34" charset="0"/>
-              </a:rPr>
-              <a:t>	flag don’t care = 0</a:t>
-            </a:r>
-          </a:p>
-          <a:p>
-            <a:pPr lvl="1"/>
-            <a:r>
-              <a:rPr lang="en-US" sz="1400" dirty="0">
-                <a:solidFill>
-                  <a:srgbClr val="000000"/>
-                </a:solidFill>
-                <a:highlight>
-                  <a:srgbClr val="FBFBFB"/>
-                </a:highlight>
-                <a:latin typeface="Helvetica" panose="020B0604020202020204" pitchFamily="34" charset="0"/>
-              </a:rPr>
-              <a:t>	flag equal to /~ not equal to =0</a:t>
-            </a:r>
-          </a:p>
-          <a:p>
-            <a:pPr lvl="1"/>
-            <a:endParaRPr lang="en-US" sz="1400" dirty="0">
-              <a:solidFill>
-                <a:srgbClr val="000000"/>
-              </a:solidFill>
-              <a:highlight>
-                <a:srgbClr val="FBFBFB"/>
-              </a:highlight>
-              <a:latin typeface="Helvetica" panose="020B0604020202020204" pitchFamily="34" charset="0"/>
-            </a:endParaRPr>
-          </a:p>
-          <a:p>
-            <a:pPr lvl="1"/>
-            <a:r>
-              <a:rPr lang="en-US" sz="1400" dirty="0">
-                <a:solidFill>
-                  <a:srgbClr val="000000"/>
-                </a:solidFill>
-                <a:highlight>
-                  <a:srgbClr val="FBFBFB"/>
-                </a:highlight>
-                <a:latin typeface="Helvetica" panose="020B0604020202020204" pitchFamily="34" charset="0"/>
-              </a:rPr>
-              <a:t>(....all operations are executed </a:t>
-            </a:r>
-          </a:p>
-          <a:p>
-            <a:pPr lvl="1"/>
-            <a:r>
-              <a:rPr lang="en-US" sz="1400" dirty="0">
-                <a:solidFill>
-                  <a:srgbClr val="000000"/>
-                </a:solidFill>
-                <a:highlight>
-                  <a:srgbClr val="FBFBFB"/>
-                </a:highlight>
-                <a:latin typeface="Helvetica" panose="020B0604020202020204" pitchFamily="34" charset="0"/>
-              </a:rPr>
-              <a:t>based on the ALU control input)</a:t>
-            </a:r>
-          </a:p>
-        </p:txBody>
-      </p:sp>
-    </p:spTree>
-    <p:extLst>
-      <p:ext uri="{BB962C8B-B14F-4D97-AF65-F5344CB8AC3E}">
-        <p14:creationId xmlns:p14="http://schemas.microsoft.com/office/powerpoint/2010/main" val="3131946506"/>
-      </p:ext>
-    </p:extLst>
-  </p:cSld>
-  <p:clrMapOvr>
-    <a:masterClrMapping/>
-  </p:clrMapOvr>
-</p:sld>
-</file>
-
-<file path=ppt/slides/slide23.xml><?xml version="1.0" encoding="utf-8"?>
-<p:sld xmlns:a="http://schemas.openxmlformats.org/drawingml/2006/main" xmlns:r="http://schemas.openxmlformats.org/officeDocument/2006/relationships" xmlns:p="http://schemas.openxmlformats.org/presentationml/2006/main">
-  <p:cSld>
-    <p:spTree>
-      <p:nvGrpSpPr>
-        <p:cNvPr id="1" name=""/>
-        <p:cNvGrpSpPr/>
-        <p:nvPr/>
-      </p:nvGrpSpPr>
-      <p:grpSpPr>
-        <a:xfrm>
-          <a:off x="0" y="0"/>
-          <a:ext cx="0" cy="0"/>
-          <a:chOff x="0" y="0"/>
-          <a:chExt cx="0" cy="0"/>
-        </a:xfrm>
-      </p:grpSpPr>
-      <p:sp>
-        <p:nvSpPr>
-          <p:cNvPr id="2" name="Title 1">
-            <a:extLst>
-              <a:ext uri="{FF2B5EF4-FFF2-40B4-BE49-F238E27FC236}">
-                <a16:creationId xmlns:a16="http://schemas.microsoft.com/office/drawing/2014/main" id="{5883DE3C-1196-0B74-B80B-7655EC4389F8}"/>
-              </a:ext>
-            </a:extLst>
-          </p:cNvPr>
-          <p:cNvSpPr>
-            <a:spLocks noGrp="1"/>
-          </p:cNvSpPr>
-          <p:nvPr>
-            <p:ph type="ctrTitle"/>
-          </p:nvPr>
-        </p:nvSpPr>
-        <p:spPr>
-          <a:xfrm>
-            <a:off x="1504670" y="437030"/>
-            <a:ext cx="9234309" cy="498598"/>
-          </a:xfrm>
-        </p:spPr>
-        <p:txBody>
-          <a:bodyPr/>
-          <a:lstStyle/>
-          <a:p>
-            <a:r>
-              <a:rPr lang="en-US" dirty="0"/>
-              <a:t>ALU</a:t>
-            </a:r>
-          </a:p>
-        </p:txBody>
-      </p:sp>
-      <p:sp>
-        <p:nvSpPr>
-          <p:cNvPr id="3" name="Subtitle 2">
-            <a:extLst>
-              <a:ext uri="{FF2B5EF4-FFF2-40B4-BE49-F238E27FC236}">
-                <a16:creationId xmlns:a16="http://schemas.microsoft.com/office/drawing/2014/main" id="{AFD970C4-2E00-6482-3FBE-F80C552F6104}"/>
-              </a:ext>
-            </a:extLst>
-          </p:cNvPr>
-          <p:cNvSpPr>
-            <a:spLocks noGrp="1"/>
-          </p:cNvSpPr>
-          <p:nvPr>
-            <p:ph type="subTitle" idx="1"/>
-          </p:nvPr>
-        </p:nvSpPr>
-        <p:spPr/>
-        <p:txBody>
-          <a:bodyPr/>
-          <a:lstStyle/>
-          <a:p>
-            <a:r>
-              <a:rPr lang="en-US" dirty="0"/>
-              <a:t>Test Cases:</a:t>
-            </a:r>
-          </a:p>
-        </p:txBody>
-      </p:sp>
-      <p:sp>
-        <p:nvSpPr>
-          <p:cNvPr id="4" name="Text Placeholder 3">
-            <a:extLst>
-              <a:ext uri="{FF2B5EF4-FFF2-40B4-BE49-F238E27FC236}">
-                <a16:creationId xmlns:a16="http://schemas.microsoft.com/office/drawing/2014/main" id="{24AA8047-5A0E-9D04-F039-A9F7BA10358D}"/>
-              </a:ext>
-            </a:extLst>
-          </p:cNvPr>
-          <p:cNvSpPr>
-            <a:spLocks noGrp="1"/>
-          </p:cNvSpPr>
-          <p:nvPr>
-            <p:ph type="body" sz="quarter" idx="14"/>
-          </p:nvPr>
-        </p:nvSpPr>
-        <p:spPr>
-          <a:xfrm>
-            <a:off x="1717141" y="1801220"/>
-            <a:ext cx="8757718" cy="4581503"/>
-          </a:xfrm>
-        </p:spPr>
-        <p:txBody>
-          <a:bodyPr>
-            <a:normAutofit lnSpcReduction="10000"/>
-          </a:bodyPr>
-          <a:lstStyle/>
-          <a:p>
-            <a:r>
-              <a:rPr lang="en-US" sz="1600" b="0" i="0" dirty="0">
-                <a:solidFill>
-                  <a:srgbClr val="000000"/>
-                </a:solidFill>
-                <a:effectLst/>
-                <a:highlight>
-                  <a:srgbClr val="FBFBFB"/>
-                </a:highlight>
-                <a:latin typeface="Helvetica" panose="020B0604020202020204" pitchFamily="34" charset="0"/>
-              </a:rPr>
-              <a:t>all possible combination of opcode, func3 and func7 ( 26 combinations)</a:t>
-            </a:r>
-          </a:p>
-          <a:p>
-            <a:pPr marL="0" indent="0">
-              <a:buNone/>
-            </a:pPr>
-            <a:r>
-              <a:rPr lang="en-US" sz="1600" dirty="0">
-                <a:solidFill>
-                  <a:srgbClr val="000000"/>
-                </a:solidFill>
-                <a:highlight>
-                  <a:srgbClr val="FBFBFB"/>
-                </a:highlight>
-                <a:latin typeface="Helvetica" panose="020B0604020202020204" pitchFamily="34" charset="0"/>
-              </a:rPr>
-              <a:t>	</a:t>
-            </a:r>
-            <a:r>
-              <a:rPr lang="en-US" sz="1400" b="0" i="0" dirty="0">
-                <a:solidFill>
-                  <a:srgbClr val="000000"/>
-                </a:solidFill>
-                <a:effectLst/>
-                <a:highlight>
-                  <a:srgbClr val="FBFBFB"/>
-                </a:highlight>
-                <a:latin typeface="Helvetica" panose="020B0604020202020204" pitchFamily="34" charset="0"/>
-              </a:rPr>
-              <a:t>(make tasks for the operations)</a:t>
-            </a:r>
-            <a:br>
-              <a:rPr lang="en-US" sz="1400" b="0" i="0" dirty="0">
-                <a:solidFill>
-                  <a:srgbClr val="000000"/>
-                </a:solidFill>
-                <a:effectLst/>
-                <a:highlight>
-                  <a:srgbClr val="FBFBFB"/>
-                </a:highlight>
-                <a:latin typeface="Helvetica" panose="020B0604020202020204" pitchFamily="34" charset="0"/>
-              </a:rPr>
-            </a:br>
-            <a:endParaRPr lang="en-US" sz="1400" b="0" i="0" dirty="0">
-              <a:solidFill>
-                <a:srgbClr val="000000"/>
-              </a:solidFill>
-              <a:effectLst/>
-              <a:highlight>
-                <a:srgbClr val="FBFBFB"/>
-              </a:highlight>
-              <a:latin typeface="Helvetica" panose="020B0604020202020204" pitchFamily="34" charset="0"/>
-            </a:endParaRPr>
-          </a:p>
-          <a:p>
-            <a:r>
-              <a:rPr lang="en-US" sz="1600" b="0" i="0" dirty="0">
-                <a:solidFill>
-                  <a:srgbClr val="000000"/>
-                </a:solidFill>
-                <a:effectLst/>
-                <a:highlight>
-                  <a:srgbClr val="FBFBFB"/>
-                </a:highlight>
-                <a:latin typeface="Helvetica" panose="020B0604020202020204" pitchFamily="34" charset="0"/>
-              </a:rPr>
-              <a:t>different corner cases for operands (add, and, xor, etc.)</a:t>
-            </a:r>
-          </a:p>
-          <a:p>
-            <a:pPr marL="0" indent="0" algn="l">
-              <a:buNone/>
-            </a:pPr>
-            <a:endParaRPr lang="en-US" sz="1600" b="0" i="0" dirty="0">
-              <a:solidFill>
-                <a:srgbClr val="000000"/>
-              </a:solidFill>
-              <a:effectLst/>
-              <a:highlight>
-                <a:srgbClr val="FBFBFB"/>
-              </a:highlight>
-              <a:latin typeface="Helvetica" panose="020B0604020202020204" pitchFamily="34" charset="0"/>
-            </a:endParaRPr>
-          </a:p>
-          <a:p>
-            <a:pPr marL="0" indent="0" algn="l">
-              <a:buNone/>
-            </a:pPr>
-            <a:r>
-              <a:rPr lang="en-US" sz="1600" b="0" i="0" dirty="0">
-                <a:solidFill>
-                  <a:srgbClr val="000000"/>
-                </a:solidFill>
-                <a:effectLst/>
-                <a:highlight>
-                  <a:srgbClr val="FBFBFB"/>
-                </a:highlight>
-                <a:latin typeface="Helvetica" panose="020B0604020202020204" pitchFamily="34" charset="0"/>
-              </a:rPr>
-              <a:t>(assign variable value to each operand)</a:t>
-            </a:r>
-          </a:p>
-          <a:p>
-            <a:pPr algn="l"/>
-            <a:r>
-              <a:rPr lang="en-US" sz="1600" b="0" i="0" dirty="0">
-                <a:solidFill>
-                  <a:srgbClr val="000000"/>
-                </a:solidFill>
-                <a:effectLst/>
-                <a:highlight>
-                  <a:srgbClr val="FBFBFB"/>
-                </a:highlight>
-                <a:latin typeface="Helvetica" panose="020B0604020202020204" pitchFamily="34" charset="0"/>
-              </a:rPr>
-              <a:t>   all 0s</a:t>
-            </a:r>
-          </a:p>
-          <a:p>
-            <a:pPr algn="l"/>
-            <a:r>
-              <a:rPr lang="en-US" sz="1600" b="0" i="0" dirty="0">
-                <a:solidFill>
-                  <a:srgbClr val="000000"/>
-                </a:solidFill>
-                <a:effectLst/>
-                <a:highlight>
-                  <a:srgbClr val="FBFBFB"/>
-                </a:highlight>
-                <a:latin typeface="Helvetica" panose="020B0604020202020204" pitchFamily="34" charset="0"/>
-              </a:rPr>
-              <a:t>   all 1s</a:t>
-            </a:r>
-          </a:p>
-          <a:p>
-            <a:pPr algn="l"/>
-            <a:r>
-              <a:rPr lang="en-US" sz="1600" b="0" i="0" dirty="0">
-                <a:solidFill>
-                  <a:srgbClr val="000000"/>
-                </a:solidFill>
-                <a:effectLst/>
-                <a:highlight>
-                  <a:srgbClr val="FBFBFB"/>
-                </a:highlight>
-                <a:latin typeface="Helvetica" panose="020B0604020202020204" pitchFamily="34" charset="0"/>
-              </a:rPr>
-              <a:t>   all 5s</a:t>
-            </a:r>
-          </a:p>
-          <a:p>
-            <a:pPr algn="l"/>
-            <a:r>
-              <a:rPr lang="en-US" sz="1600" b="0" i="0" dirty="0">
-                <a:solidFill>
-                  <a:srgbClr val="000000"/>
-                </a:solidFill>
-                <a:effectLst/>
-                <a:highlight>
-                  <a:srgbClr val="FBFBFB"/>
-                </a:highlight>
-                <a:latin typeface="Helvetica" panose="020B0604020202020204" pitchFamily="34" charset="0"/>
-              </a:rPr>
-              <a:t>   all As</a:t>
-            </a:r>
-          </a:p>
-          <a:p>
-            <a:pPr algn="l"/>
-            <a:r>
-              <a:rPr lang="en-US" sz="1600" b="0" i="0" dirty="0">
-                <a:solidFill>
-                  <a:srgbClr val="000000"/>
-                </a:solidFill>
-                <a:effectLst/>
-                <a:highlight>
-                  <a:srgbClr val="FBFBFB"/>
-                </a:highlight>
-                <a:latin typeface="Helvetica" panose="020B0604020202020204" pitchFamily="34" charset="0"/>
-              </a:rPr>
-              <a:t>   pattern 0000 FFFF</a:t>
-            </a:r>
-          </a:p>
-          <a:p>
-            <a:pPr algn="l"/>
-            <a:r>
-              <a:rPr lang="en-US" sz="1600" b="0" i="0" dirty="0">
-                <a:solidFill>
-                  <a:srgbClr val="000000"/>
-                </a:solidFill>
-                <a:effectLst/>
-                <a:highlight>
-                  <a:srgbClr val="FBFBFB"/>
-                </a:highlight>
-                <a:latin typeface="Helvetica" panose="020B0604020202020204" pitchFamily="34" charset="0"/>
-              </a:rPr>
-              <a:t>   pattern FFFF 0000</a:t>
-            </a:r>
-          </a:p>
-          <a:p>
-            <a:pPr algn="l"/>
-            <a:r>
-              <a:rPr lang="en-US" sz="1600" b="0" i="0" dirty="0">
-                <a:solidFill>
-                  <a:srgbClr val="000000"/>
-                </a:solidFill>
-                <a:effectLst/>
-                <a:highlight>
-                  <a:srgbClr val="FBFBFB"/>
-                </a:highlight>
-                <a:latin typeface="Helvetica" panose="020B0604020202020204" pitchFamily="34" charset="0"/>
-              </a:rPr>
-              <a:t>   pattern AAAA 5555</a:t>
-            </a:r>
-          </a:p>
-          <a:p>
-            <a:pPr algn="l"/>
-            <a:r>
-              <a:rPr lang="en-US" sz="1600" b="0" i="0" dirty="0">
-                <a:solidFill>
-                  <a:srgbClr val="000000"/>
-                </a:solidFill>
-                <a:effectLst/>
-                <a:highlight>
-                  <a:srgbClr val="FBFBFB"/>
-                </a:highlight>
-                <a:latin typeface="Helvetica" panose="020B0604020202020204" pitchFamily="34" charset="0"/>
-              </a:rPr>
-              <a:t>   pattern 5555 AAAA</a:t>
-            </a:r>
-          </a:p>
-          <a:p>
-            <a:pPr marL="0" indent="0" algn="l">
-              <a:buNone/>
-            </a:pPr>
-            <a:br>
-              <a:rPr lang="en-US" sz="1600" b="0" i="0" dirty="0">
-                <a:solidFill>
-                  <a:srgbClr val="000000"/>
-                </a:solidFill>
-                <a:effectLst/>
-                <a:highlight>
-                  <a:srgbClr val="FBFBFB"/>
-                </a:highlight>
-                <a:latin typeface="Helvetica" panose="020B0604020202020204" pitchFamily="34" charset="0"/>
-              </a:rPr>
-            </a:br>
-            <a:endParaRPr lang="en-US" sz="1600" b="0" i="0" dirty="0">
-              <a:solidFill>
-                <a:srgbClr val="000000"/>
-              </a:solidFill>
-              <a:effectLst/>
-              <a:highlight>
-                <a:srgbClr val="FBFBFB"/>
-              </a:highlight>
-              <a:latin typeface="Helvetica" panose="020B0604020202020204" pitchFamily="34" charset="0"/>
-            </a:endParaRPr>
-          </a:p>
-          <a:p>
-            <a:r>
-              <a:rPr lang="en-US" sz="1600" b="0" i="0" dirty="0">
-                <a:solidFill>
-                  <a:srgbClr val="000000"/>
-                </a:solidFill>
-                <a:effectLst/>
-                <a:highlight>
-                  <a:srgbClr val="FBFBFB"/>
-                </a:highlight>
-                <a:latin typeface="Helvetica" panose="020B0604020202020204" pitchFamily="34" charset="0"/>
-              </a:rPr>
-              <a:t>error checking for undefined combinations of opcode, func3 &amp;func7 -&gt; assign value</a:t>
-            </a:r>
-          </a:p>
-          <a:p>
-            <a:pPr algn="l"/>
-            <a:endParaRPr lang="en-US" sz="1600" b="0" i="0" dirty="0">
-              <a:solidFill>
-                <a:srgbClr val="000000"/>
-              </a:solidFill>
-              <a:effectLst/>
-              <a:highlight>
-                <a:srgbClr val="FBFBFB"/>
-              </a:highlight>
-              <a:latin typeface="Helvetica" panose="020B0604020202020204" pitchFamily="34" charset="0"/>
-            </a:endParaRPr>
-          </a:p>
-          <a:p>
-            <a:r>
-              <a:rPr lang="en-US" sz="1600" b="0" i="0" dirty="0">
-                <a:solidFill>
-                  <a:srgbClr val="000000"/>
-                </a:solidFill>
-                <a:effectLst/>
-                <a:highlight>
-                  <a:srgbClr val="FBFBFB"/>
-                </a:highlight>
-                <a:latin typeface="Helvetica" panose="020B0604020202020204" pitchFamily="34" charset="0"/>
-              </a:rPr>
-              <a:t>check generation of correct flags</a:t>
-            </a:r>
-          </a:p>
-          <a:p>
-            <a:endParaRPr lang="en-US" sz="1600" dirty="0"/>
-          </a:p>
-        </p:txBody>
-      </p:sp>
-      <p:sp>
-        <p:nvSpPr>
-          <p:cNvPr id="5" name="Slide Number Placeholder 4">
-            <a:extLst>
-              <a:ext uri="{FF2B5EF4-FFF2-40B4-BE49-F238E27FC236}">
-                <a16:creationId xmlns:a16="http://schemas.microsoft.com/office/drawing/2014/main" id="{A82A3532-EC5B-DDEA-11C5-68BABE000A94}"/>
-              </a:ext>
-            </a:extLst>
-          </p:cNvPr>
-          <p:cNvSpPr>
-            <a:spLocks noGrp="1"/>
-          </p:cNvSpPr>
-          <p:nvPr>
-            <p:ph type="sldNum" sz="quarter" idx="12"/>
-          </p:nvPr>
-        </p:nvSpPr>
-        <p:spPr/>
-        <p:txBody>
-          <a:bodyPr/>
-          <a:lstStyle/>
-          <a:p>
-            <a:fld id="{88B5220A-EB23-48F3-9FB6-FE2BFABBF45A}" type="slidenum">
-              <a:rPr lang="en-US" smtClean="0"/>
-              <a:t>23</a:t>
-            </a:fld>
-            <a:endParaRPr lang="en-US" dirty="0"/>
-          </a:p>
-        </p:txBody>
-      </p:sp>
-    </p:spTree>
-    <p:extLst>
-      <p:ext uri="{BB962C8B-B14F-4D97-AF65-F5344CB8AC3E}">
-        <p14:creationId xmlns:p14="http://schemas.microsoft.com/office/powerpoint/2010/main" val="4289204043"/>
-      </p:ext>
-    </p:extLst>
-  </p:cSld>
-  <p:clrMapOvr>
-    <a:masterClrMapping/>
-  </p:clrMapOvr>
-</p:sld>
-</file>
-
-<file path=ppt/slides/slide24.xml><?xml version="1.0" encoding="utf-8"?>
-<p:sld xmlns:a="http://schemas.openxmlformats.org/drawingml/2006/main" xmlns:r="http://schemas.openxmlformats.org/officeDocument/2006/relationships" xmlns:p="http://schemas.openxmlformats.org/presentationml/2006/main">
-  <p:cSld>
-    <p:spTree>
-      <p:nvGrpSpPr>
-        <p:cNvPr id="1" name=""/>
-        <p:cNvGrpSpPr/>
-        <p:nvPr/>
-      </p:nvGrpSpPr>
-      <p:grpSpPr>
-        <a:xfrm>
-          <a:off x="0" y="0"/>
-          <a:ext cx="0" cy="0"/>
-          <a:chOff x="0" y="0"/>
-          <a:chExt cx="0" cy="0"/>
-        </a:xfrm>
-      </p:grpSpPr>
-      <p:sp>
-        <p:nvSpPr>
-          <p:cNvPr id="2" name="Title 1">
-            <a:extLst>
-              <a:ext uri="{FF2B5EF4-FFF2-40B4-BE49-F238E27FC236}">
-                <a16:creationId xmlns:a16="http://schemas.microsoft.com/office/drawing/2014/main" id="{F15788A1-2A90-075C-0FD5-97BF4276DB6C}"/>
-              </a:ext>
-            </a:extLst>
-          </p:cNvPr>
-          <p:cNvSpPr>
-            <a:spLocks noGrp="1"/>
-          </p:cNvSpPr>
-          <p:nvPr>
-            <p:ph type="ctrTitle"/>
-          </p:nvPr>
-        </p:nvSpPr>
-        <p:spPr>
-          <a:xfrm>
-            <a:off x="1504670" y="437030"/>
-            <a:ext cx="9234309" cy="498598"/>
-          </a:xfrm>
-        </p:spPr>
-        <p:txBody>
-          <a:bodyPr/>
-          <a:lstStyle/>
-          <a:p>
-            <a:r>
-              <a:rPr lang="en-US" dirty="0"/>
-              <a:t>Registers</a:t>
-            </a:r>
-          </a:p>
-        </p:txBody>
-      </p:sp>
-      <p:sp>
-        <p:nvSpPr>
-          <p:cNvPr id="3" name="Subtitle 2">
-            <a:extLst>
-              <a:ext uri="{FF2B5EF4-FFF2-40B4-BE49-F238E27FC236}">
-                <a16:creationId xmlns:a16="http://schemas.microsoft.com/office/drawing/2014/main" id="{13643ECA-8A7C-9241-6882-E71BD1F12C44}"/>
-              </a:ext>
-            </a:extLst>
-          </p:cNvPr>
-          <p:cNvSpPr>
-            <a:spLocks noGrp="1"/>
-          </p:cNvSpPr>
-          <p:nvPr>
-            <p:ph type="subTitle" idx="1"/>
-          </p:nvPr>
-        </p:nvSpPr>
-        <p:spPr/>
-        <p:txBody>
-          <a:bodyPr/>
-          <a:lstStyle/>
-          <a:p>
-            <a:r>
-              <a:rPr lang="en-US" dirty="0"/>
-              <a:t>Register RTL and </a:t>
-            </a:r>
-            <a:r>
-              <a:rPr lang="en-US" dirty="0" err="1"/>
-              <a:t>Psuedocode</a:t>
-            </a:r>
-            <a:endParaRPr lang="en-US" dirty="0"/>
-          </a:p>
-        </p:txBody>
-      </p:sp>
-      <p:sp>
-        <p:nvSpPr>
-          <p:cNvPr id="5" name="Slide Number Placeholder 4">
-            <a:extLst>
-              <a:ext uri="{FF2B5EF4-FFF2-40B4-BE49-F238E27FC236}">
-                <a16:creationId xmlns:a16="http://schemas.microsoft.com/office/drawing/2014/main" id="{BD9C6C1B-2485-DA5C-E77A-5AE0B15EA8EE}"/>
-              </a:ext>
-            </a:extLst>
-          </p:cNvPr>
-          <p:cNvSpPr>
-            <a:spLocks noGrp="1"/>
-          </p:cNvSpPr>
-          <p:nvPr>
-            <p:ph type="sldNum" sz="quarter" idx="12"/>
-          </p:nvPr>
-        </p:nvSpPr>
-        <p:spPr/>
-        <p:txBody>
-          <a:bodyPr/>
-          <a:lstStyle/>
-          <a:p>
-            <a:fld id="{88B5220A-EB23-48F3-9FB6-FE2BFABBF45A}" type="slidenum">
-              <a:rPr lang="en-US" smtClean="0"/>
-              <a:t>24</a:t>
-            </a:fld>
-            <a:endParaRPr lang="en-US" dirty="0"/>
-          </a:p>
-        </p:txBody>
-      </p:sp>
-      <p:pic>
-        <p:nvPicPr>
-          <p:cNvPr id="7" name="Picture 6" descr="A screenshot of a computer program&#10;&#10;Description automatically generated">
-            <a:extLst>
-              <a:ext uri="{FF2B5EF4-FFF2-40B4-BE49-F238E27FC236}">
-                <a16:creationId xmlns:a16="http://schemas.microsoft.com/office/drawing/2014/main" id="{2F5C064D-A672-B3A3-274F-918C230D777A}"/>
-              </a:ext>
-            </a:extLst>
-          </p:cNvPr>
-          <p:cNvPicPr>
-            <a:picLocks noChangeAspect="1"/>
-          </p:cNvPicPr>
-          <p:nvPr/>
-        </p:nvPicPr>
-        <p:blipFill>
-          <a:blip r:embed="rId2">
-            <a:extLst>
-              <a:ext uri="{28A0092B-C50C-407E-A947-70E740481C1C}">
-                <a14:useLocalDpi xmlns:a14="http://schemas.microsoft.com/office/drawing/2010/main" val="0"/>
-              </a:ext>
-            </a:extLst>
-          </a:blip>
-          <a:stretch>
-            <a:fillRect/>
-          </a:stretch>
-        </p:blipFill>
-        <p:spPr>
-          <a:xfrm>
-            <a:off x="2361810" y="1686766"/>
-            <a:ext cx="6646141" cy="5061687"/>
-          </a:xfrm>
-          <a:prstGeom prst="rect">
-            <a:avLst/>
-          </a:prstGeom>
-        </p:spPr>
-      </p:pic>
-    </p:spTree>
-    <p:extLst>
-      <p:ext uri="{BB962C8B-B14F-4D97-AF65-F5344CB8AC3E}">
-        <p14:creationId xmlns:p14="http://schemas.microsoft.com/office/powerpoint/2010/main" val="962049510"/>
-      </p:ext>
-    </p:extLst>
-  </p:cSld>
-  <p:clrMapOvr>
-    <a:masterClrMapping/>
-  </p:clrMapOvr>
-</p:sld>
-</file>
-
-<file path=ppt/slides/slide25.xml><?xml version="1.0" encoding="utf-8"?>
-<p:sld xmlns:a="http://schemas.openxmlformats.org/drawingml/2006/main" xmlns:r="http://schemas.openxmlformats.org/officeDocument/2006/relationships" xmlns:p="http://schemas.openxmlformats.org/presentationml/2006/main">
-  <p:cSld>
-    <p:spTree>
-      <p:nvGrpSpPr>
-        <p:cNvPr id="1" name=""/>
-        <p:cNvGrpSpPr/>
-        <p:nvPr/>
-      </p:nvGrpSpPr>
-      <p:grpSpPr>
-        <a:xfrm>
-          <a:off x="0" y="0"/>
-          <a:ext cx="0" cy="0"/>
-          <a:chOff x="0" y="0"/>
-          <a:chExt cx="0" cy="0"/>
-        </a:xfrm>
-      </p:grpSpPr>
-      <p:sp>
-        <p:nvSpPr>
-          <p:cNvPr id="2" name="Title 1">
-            <a:extLst>
-              <a:ext uri="{FF2B5EF4-FFF2-40B4-BE49-F238E27FC236}">
-                <a16:creationId xmlns:a16="http://schemas.microsoft.com/office/drawing/2014/main" id="{F15788A1-2A90-075C-0FD5-97BF4276DB6C}"/>
-              </a:ext>
-            </a:extLst>
-          </p:cNvPr>
-          <p:cNvSpPr>
-            <a:spLocks noGrp="1"/>
-          </p:cNvSpPr>
-          <p:nvPr>
-            <p:ph type="ctrTitle"/>
-          </p:nvPr>
-        </p:nvSpPr>
-        <p:spPr>
-          <a:xfrm>
-            <a:off x="1504670" y="437030"/>
-            <a:ext cx="9234309" cy="498598"/>
-          </a:xfrm>
-        </p:spPr>
-        <p:txBody>
-          <a:bodyPr/>
-          <a:lstStyle/>
-          <a:p>
-            <a:r>
-              <a:rPr lang="en-US" dirty="0"/>
-              <a:t>Registers</a:t>
-            </a:r>
-          </a:p>
-        </p:txBody>
-      </p:sp>
-      <p:sp>
-        <p:nvSpPr>
-          <p:cNvPr id="3" name="Subtitle 2">
-            <a:extLst>
-              <a:ext uri="{FF2B5EF4-FFF2-40B4-BE49-F238E27FC236}">
-                <a16:creationId xmlns:a16="http://schemas.microsoft.com/office/drawing/2014/main" id="{13643ECA-8A7C-9241-6882-E71BD1F12C44}"/>
-              </a:ext>
-            </a:extLst>
-          </p:cNvPr>
-          <p:cNvSpPr>
-            <a:spLocks noGrp="1"/>
-          </p:cNvSpPr>
-          <p:nvPr>
-            <p:ph type="subTitle" idx="1"/>
-          </p:nvPr>
-        </p:nvSpPr>
-        <p:spPr/>
-        <p:txBody>
-          <a:bodyPr/>
-          <a:lstStyle/>
-          <a:p>
-            <a:r>
-              <a:rPr lang="en-US" dirty="0"/>
-              <a:t>Test Cases</a:t>
-            </a:r>
-          </a:p>
-        </p:txBody>
-      </p:sp>
-      <p:sp>
-        <p:nvSpPr>
-          <p:cNvPr id="4" name="Text Placeholder 3">
-            <a:extLst>
-              <a:ext uri="{FF2B5EF4-FFF2-40B4-BE49-F238E27FC236}">
-                <a16:creationId xmlns:a16="http://schemas.microsoft.com/office/drawing/2014/main" id="{44C21242-B2E4-CDBB-3C48-4C8E293DC8C1}"/>
-              </a:ext>
-            </a:extLst>
-          </p:cNvPr>
-          <p:cNvSpPr>
-            <a:spLocks noGrp="1"/>
-          </p:cNvSpPr>
-          <p:nvPr>
-            <p:ph type="body" sz="quarter" idx="14"/>
-          </p:nvPr>
-        </p:nvSpPr>
-        <p:spPr/>
-        <p:txBody>
-          <a:bodyPr>
-            <a:normAutofit/>
-          </a:bodyPr>
-          <a:lstStyle/>
-          <a:p>
-            <a:r>
-              <a:rPr lang="en-US" sz="2400" dirty="0"/>
-              <a:t>Reset: check all registers are set to 0</a:t>
-            </a:r>
-          </a:p>
-          <a:p>
-            <a:r>
-              <a:rPr lang="en-US" sz="2400" dirty="0"/>
-              <a:t>With </a:t>
-            </a:r>
-            <a:r>
-              <a:rPr lang="en-US" sz="2400" dirty="0" err="1"/>
-              <a:t>write_enable</a:t>
-            </a:r>
-            <a:r>
-              <a:rPr lang="en-US" sz="2400" dirty="0"/>
-              <a:t> off, try writing  register: should be no change</a:t>
-            </a:r>
-          </a:p>
-          <a:p>
-            <a:r>
-              <a:rPr lang="en-US" sz="2400" dirty="0"/>
-              <a:t>With </a:t>
-            </a:r>
-            <a:r>
-              <a:rPr lang="en-US" sz="2400" dirty="0" err="1"/>
-              <a:t>write_enable</a:t>
-            </a:r>
-            <a:r>
-              <a:rPr lang="en-US" sz="2400" dirty="0"/>
-              <a:t> on, try writing to a register: check for correct value</a:t>
-            </a:r>
-          </a:p>
-          <a:p>
-            <a:r>
-              <a:rPr lang="en-US" sz="2400" dirty="0"/>
-              <a:t>Write random values to all registers, try reading all registers: check </a:t>
-            </a:r>
-            <a:r>
-              <a:rPr lang="en-US" sz="2400" dirty="0" err="1"/>
-              <a:t>data_read</a:t>
-            </a:r>
-            <a:r>
-              <a:rPr lang="en-US" sz="2400" dirty="0"/>
-              <a:t> is correct</a:t>
-            </a:r>
-          </a:p>
-          <a:p>
-            <a:pPr lvl="1"/>
-            <a:r>
-              <a:rPr lang="en-US" sz="2000" dirty="0"/>
-              <a:t>Do twice</a:t>
-            </a:r>
-          </a:p>
-          <a:p>
-            <a:r>
-              <a:rPr lang="en-US" sz="2400" dirty="0"/>
-              <a:t>Reset check again</a:t>
-            </a:r>
-          </a:p>
-        </p:txBody>
-      </p:sp>
-      <p:sp>
-        <p:nvSpPr>
-          <p:cNvPr id="5" name="Slide Number Placeholder 4">
-            <a:extLst>
-              <a:ext uri="{FF2B5EF4-FFF2-40B4-BE49-F238E27FC236}">
-                <a16:creationId xmlns:a16="http://schemas.microsoft.com/office/drawing/2014/main" id="{BD9C6C1B-2485-DA5C-E77A-5AE0B15EA8EE}"/>
-              </a:ext>
-            </a:extLst>
-          </p:cNvPr>
-          <p:cNvSpPr>
-            <a:spLocks noGrp="1"/>
-          </p:cNvSpPr>
-          <p:nvPr>
-            <p:ph type="sldNum" sz="quarter" idx="12"/>
-          </p:nvPr>
-        </p:nvSpPr>
-        <p:spPr/>
-        <p:txBody>
-          <a:bodyPr/>
-          <a:lstStyle/>
-          <a:p>
-            <a:fld id="{88B5220A-EB23-48F3-9FB6-FE2BFABBF45A}" type="slidenum">
-              <a:rPr lang="en-US" smtClean="0"/>
-              <a:t>25</a:t>
-            </a:fld>
-            <a:endParaRPr lang="en-US" dirty="0"/>
-          </a:p>
-        </p:txBody>
-      </p:sp>
-      <p:pic>
-        <p:nvPicPr>
-          <p:cNvPr id="6" name="Picture 5" descr="A screenshot of a computer program&#10;&#10;Description automatically generated">
-            <a:extLst>
-              <a:ext uri="{FF2B5EF4-FFF2-40B4-BE49-F238E27FC236}">
-                <a16:creationId xmlns:a16="http://schemas.microsoft.com/office/drawing/2014/main" id="{3FE90927-5BAB-2661-0012-59DAD3BC8173}"/>
-              </a:ext>
-            </a:extLst>
-          </p:cNvPr>
-          <p:cNvPicPr>
-            <a:picLocks noChangeAspect="1"/>
-          </p:cNvPicPr>
-          <p:nvPr/>
-        </p:nvPicPr>
-        <p:blipFill>
-          <a:blip r:embed="rId2">
-            <a:extLst>
-              <a:ext uri="{28A0092B-C50C-407E-A947-70E740481C1C}">
-                <a14:useLocalDpi xmlns:a14="http://schemas.microsoft.com/office/drawing/2010/main" val="0"/>
-              </a:ext>
-            </a:extLst>
-          </a:blip>
-          <a:stretch>
-            <a:fillRect/>
-          </a:stretch>
-        </p:blipFill>
-        <p:spPr>
-          <a:xfrm>
-            <a:off x="8444203" y="4060868"/>
-            <a:ext cx="3555339" cy="2707739"/>
-          </a:xfrm>
-          <a:prstGeom prst="rect">
-            <a:avLst/>
-          </a:prstGeom>
-        </p:spPr>
-      </p:pic>
-    </p:spTree>
-    <p:extLst>
-      <p:ext uri="{BB962C8B-B14F-4D97-AF65-F5344CB8AC3E}">
-        <p14:creationId xmlns:p14="http://schemas.microsoft.com/office/powerpoint/2010/main" val="46302471"/>
-      </p:ext>
-    </p:extLst>
-  </p:cSld>
-  <p:clrMapOvr>
-    <a:masterClrMapping/>
-  </p:clrMapOvr>
-</p:sld>
-</file>
-
-<file path=ppt/slides/slide26.xml><?xml version="1.0" encoding="utf-8"?>
-<p:sld xmlns:a="http://schemas.openxmlformats.org/drawingml/2006/main" xmlns:r="http://schemas.openxmlformats.org/officeDocument/2006/relationships" xmlns:p="http://schemas.openxmlformats.org/presentationml/2006/main">
-  <p:cSld>
-    <p:spTree>
-      <p:nvGrpSpPr>
-        <p:cNvPr id="1" name=""/>
-        <p:cNvGrpSpPr/>
-        <p:nvPr/>
-      </p:nvGrpSpPr>
-      <p:grpSpPr>
-        <a:xfrm>
-          <a:off x="0" y="0"/>
-          <a:ext cx="0" cy="0"/>
-          <a:chOff x="0" y="0"/>
-          <a:chExt cx="0" cy="0"/>
-        </a:xfrm>
-      </p:grpSpPr>
-      <p:sp>
-        <p:nvSpPr>
-          <p:cNvPr id="156" name="PlaceHolder 1"/>
-          <p:cNvSpPr>
-            <a:spLocks noGrp="1"/>
-          </p:cNvSpPr>
-          <p:nvPr>
-            <p:ph type="title"/>
-          </p:nvPr>
-        </p:nvSpPr>
-        <p:spPr>
-          <a:xfrm>
-            <a:off x="1504800" y="437040"/>
-            <a:ext cx="9234000" cy="498240"/>
-          </a:xfrm>
-          <a:prstGeom prst="rect">
-            <a:avLst/>
-          </a:prstGeom>
-          <a:noFill/>
-          <a:ln w="38160">
-            <a:noFill/>
-          </a:ln>
-        </p:spPr>
-        <p:txBody>
-          <a:bodyPr lIns="0" tIns="0" rIns="0" bIns="0" anchor="t">
-            <a:noAutofit/>
-          </a:bodyPr>
-          <a:lstStyle/>
-          <a:p>
-            <a:pPr>
-              <a:lnSpc>
-                <a:spcPct val="90000"/>
-              </a:lnSpc>
-              <a:buNone/>
-            </a:pPr>
-            <a:r>
-              <a:rPr lang="en-US" sz="3600" b="1" i="1" strike="noStrike" spc="-1">
-                <a:solidFill>
-                  <a:srgbClr val="C9B991"/>
-                </a:solidFill>
-                <a:latin typeface="Acumin Pro ExtraCondensed"/>
-              </a:rPr>
-              <a:t>Memory</a:t>
-            </a:r>
-            <a:endParaRPr lang="en-US" sz="3600" b="0" strike="noStrike" spc="-1">
-              <a:solidFill>
-                <a:srgbClr val="000000"/>
-              </a:solidFill>
-              <a:latin typeface="Acumin Pro"/>
-            </a:endParaRPr>
-          </a:p>
-        </p:txBody>
-      </p:sp>
-      <p:sp>
-        <p:nvSpPr>
-          <p:cNvPr id="157" name="PlaceHolder 2"/>
-          <p:cNvSpPr>
-            <a:spLocks noGrp="1"/>
-          </p:cNvSpPr>
-          <p:nvPr>
-            <p:ph type="subTitle"/>
-          </p:nvPr>
-        </p:nvSpPr>
-        <p:spPr>
-          <a:xfrm>
-            <a:off x="1504800" y="1345320"/>
-            <a:ext cx="9234000" cy="341280"/>
-          </a:xfrm>
-          <a:prstGeom prst="rect">
-            <a:avLst/>
-          </a:prstGeom>
-          <a:noFill/>
-          <a:ln w="0">
-            <a:noFill/>
-          </a:ln>
-        </p:spPr>
-        <p:txBody>
-          <a:bodyPr lIns="0" tIns="0" rIns="0" bIns="0" anchor="t">
-            <a:noAutofit/>
-          </a:bodyPr>
-          <a:lstStyle/>
-          <a:p>
-            <a:pPr>
-              <a:lnSpc>
-                <a:spcPct val="100000"/>
-              </a:lnSpc>
-              <a:spcBef>
-                <a:spcPts val="1001"/>
-              </a:spcBef>
-              <a:buNone/>
-              <a:tabLst>
-                <a:tab pos="0" algn="l"/>
-              </a:tabLst>
-            </a:pPr>
-            <a:r>
-              <a:rPr lang="en-US" sz="2200" b="1" strike="noStrike" spc="-1">
-                <a:solidFill>
-                  <a:srgbClr val="555960"/>
-                </a:solidFill>
-                <a:latin typeface="Acumin Pro SemiCondensed"/>
-              </a:rPr>
-              <a:t>Memory Handle RTL and Psuedocode</a:t>
-            </a:r>
-            <a:endParaRPr lang="en-US" sz="2200" b="0" strike="noStrike" spc="-1">
-              <a:latin typeface="Arial"/>
-            </a:endParaRPr>
-          </a:p>
-        </p:txBody>
-      </p:sp>
-      <p:sp>
-        <p:nvSpPr>
-          <p:cNvPr id="158" name="Slide Number Placeholder 4"/>
-          <p:cNvSpPr/>
-          <p:nvPr/>
-        </p:nvSpPr>
-        <p:spPr>
-          <a:xfrm>
-            <a:off x="10555920" y="6266520"/>
-            <a:ext cx="284400" cy="231840"/>
-          </a:xfrm>
-          <a:prstGeom prst="ellipse">
-            <a:avLst/>
-          </a:prstGeom>
-          <a:noFill/>
-          <a:ln w="0">
-            <a:noFill/>
-          </a:ln>
-        </p:spPr>
-        <p:style>
-          <a:lnRef idx="0">
-            <a:scrgbClr r="0" g="0" b="0"/>
-          </a:lnRef>
-          <a:fillRef idx="0">
-            <a:scrgbClr r="0" g="0" b="0"/>
-          </a:fillRef>
-          <a:effectRef idx="0">
-            <a:scrgbClr r="0" g="0" b="0"/>
-          </a:effectRef>
-          <a:fontRef idx="minor"/>
-        </p:style>
-        <p:txBody>
-          <a:bodyPr lIns="18360" tIns="91440" rIns="18360" bIns="91440" anchor="ctr">
-            <a:noAutofit/>
-          </a:bodyPr>
-          <a:lstStyle/>
-          <a:p>
-            <a:pPr algn="ctr">
-              <a:lnSpc>
-                <a:spcPct val="100000"/>
-              </a:lnSpc>
-              <a:buNone/>
-            </a:pPr>
-            <a:fld id="{A38B7F63-0588-42F2-A866-8CF0BD3BDCE5}" type="slidenum">
-              <a:rPr lang="en-US" sz="1000" b="1" strike="noStrike" spc="-1">
-                <a:solidFill>
-                  <a:srgbClr val="000000"/>
-                </a:solidFill>
-                <a:latin typeface="Acumin Pro Semibold"/>
-              </a:rPr>
-              <a:t>26</a:t>
-            </a:fld>
-            <a:endParaRPr lang="en-US" sz="1000" b="0" strike="noStrike" spc="-1">
-              <a:latin typeface="Arial"/>
-            </a:endParaRPr>
-          </a:p>
-        </p:txBody>
-      </p:sp>
-      <p:sp>
-        <p:nvSpPr>
-          <p:cNvPr id="159" name="TextBox 158"/>
-          <p:cNvSpPr txBox="1"/>
-          <p:nvPr/>
-        </p:nvSpPr>
-        <p:spPr>
-          <a:xfrm>
-            <a:off x="7912080" y="1345320"/>
-            <a:ext cx="2146320" cy="415440"/>
-          </a:xfrm>
-          <a:prstGeom prst="rect">
-            <a:avLst/>
-          </a:prstGeom>
-          <a:noFill/>
-          <a:ln w="0">
-            <a:noFill/>
-          </a:ln>
-        </p:spPr>
-        <p:txBody>
-          <a:bodyPr lIns="90000" tIns="45000" rIns="90000" bIns="45000" anchor="t">
-            <a:noAutofit/>
-          </a:bodyPr>
-          <a:lstStyle/>
-          <a:p>
-            <a:r>
-              <a:rPr lang="en-US" sz="2200" b="1" strike="noStrike" spc="-1">
-                <a:solidFill>
-                  <a:srgbClr val="555960"/>
-                </a:solidFill>
-                <a:latin typeface="Acumin Pro SemiCondensed"/>
-              </a:rPr>
-              <a:t>Test Case </a:t>
-            </a:r>
-            <a:endParaRPr lang="en-US" sz="2200" b="0" strike="noStrike" spc="-1">
-              <a:latin typeface="Arial"/>
-            </a:endParaRPr>
-          </a:p>
-        </p:txBody>
-      </p:sp>
-      <p:sp>
-        <p:nvSpPr>
-          <p:cNvPr id="160" name="TextBox 159"/>
-          <p:cNvSpPr txBox="1"/>
-          <p:nvPr/>
-        </p:nvSpPr>
-        <p:spPr>
-          <a:xfrm>
-            <a:off x="7086600" y="1828800"/>
-            <a:ext cx="4050000" cy="739800"/>
-          </a:xfrm>
-          <a:prstGeom prst="rect">
-            <a:avLst/>
-          </a:prstGeom>
-          <a:noFill/>
-          <a:ln w="0">
-            <a:noFill/>
-          </a:ln>
-        </p:spPr>
-        <p:txBody>
-          <a:bodyPr lIns="90000" tIns="45000" rIns="90000" bIns="45000" anchor="t">
-            <a:noAutofit/>
-          </a:bodyPr>
-          <a:lstStyle/>
-          <a:p>
-            <a:r>
-              <a:rPr lang="en-US" sz="2000" b="1" strike="noStrike" spc="-1" dirty="0">
-                <a:solidFill>
-                  <a:srgbClr val="555960"/>
-                </a:solidFill>
-                <a:latin typeface="Acumin Pro SemiCondensed"/>
-              </a:rPr>
-              <a:t>- Reset: All set are set to 0</a:t>
-            </a:r>
-            <a:endParaRPr lang="en-US" sz="2000" b="0" strike="noStrike" spc="-1" dirty="0">
-              <a:latin typeface="Arial"/>
-            </a:endParaRPr>
-          </a:p>
-        </p:txBody>
-      </p:sp>
-      <p:sp>
-        <p:nvSpPr>
-          <p:cNvPr id="161" name="TextBox 160"/>
-          <p:cNvSpPr txBox="1"/>
-          <p:nvPr/>
-        </p:nvSpPr>
-        <p:spPr>
-          <a:xfrm>
-            <a:off x="7086600" y="2141376"/>
-            <a:ext cx="4184280" cy="3337560"/>
-          </a:xfrm>
-          <a:prstGeom prst="rect">
-            <a:avLst/>
-          </a:prstGeom>
-          <a:noFill/>
-          <a:ln w="0">
-            <a:noFill/>
-          </a:ln>
-        </p:spPr>
-        <p:txBody>
-          <a:bodyPr lIns="90000" tIns="45000" rIns="90000" bIns="45000" anchor="t">
-            <a:noAutofit/>
-          </a:bodyPr>
-          <a:lstStyle/>
-          <a:p>
-            <a:r>
-              <a:rPr lang="en-US" sz="2000" b="1" strike="noStrike" spc="-1" dirty="0">
-                <a:solidFill>
-                  <a:srgbClr val="555960"/>
-                </a:solidFill>
-                <a:latin typeface="Acumin Pro SemiCondensed"/>
-              </a:rPr>
-              <a:t>- Load Byte Unsigned: 24 bits = 0</a:t>
-            </a:r>
-            <a:endParaRPr lang="en-US" sz="2000" b="0" strike="noStrike" spc="-1" dirty="0">
-              <a:latin typeface="Arial"/>
-            </a:endParaRPr>
-          </a:p>
-          <a:p>
-            <a:r>
-              <a:rPr lang="en-US" sz="2000" b="1" strike="noStrike" spc="-1" dirty="0">
-                <a:solidFill>
-                  <a:srgbClr val="555960"/>
-                </a:solidFill>
-                <a:latin typeface="Acumin Pro SemiCondensed"/>
-              </a:rPr>
-              <a:t>- Load Byte: assigned 24 bits to bit 7</a:t>
-            </a:r>
-            <a:endParaRPr lang="en-US" sz="2000" b="0" strike="noStrike" spc="-1" dirty="0">
-              <a:latin typeface="Arial"/>
-            </a:endParaRPr>
-          </a:p>
-          <a:p>
-            <a:r>
-              <a:rPr lang="en-US" sz="2000" b="1" strike="noStrike" spc="-1" dirty="0">
-                <a:solidFill>
-                  <a:srgbClr val="555960"/>
-                </a:solidFill>
-                <a:latin typeface="Acumin Pro SemiCondensed"/>
-              </a:rPr>
-              <a:t>- Load Halfword Unsigned: 16 bits =0</a:t>
-            </a:r>
-            <a:endParaRPr lang="en-US" sz="2000" b="0" strike="noStrike" spc="-1" dirty="0">
-              <a:latin typeface="Arial"/>
-            </a:endParaRPr>
-          </a:p>
-          <a:p>
-            <a:r>
-              <a:rPr lang="en-US" sz="2000" b="1" strike="noStrike" spc="-1" dirty="0">
-                <a:solidFill>
-                  <a:srgbClr val="555960"/>
-                </a:solidFill>
-                <a:latin typeface="Acumin Pro SemiCondensed"/>
-              </a:rPr>
-              <a:t>- Load Hal</a:t>
-            </a:r>
-            <a:r>
-              <a:rPr lang="en-US" sz="2000" b="1" spc="-1" dirty="0">
-                <a:solidFill>
-                  <a:srgbClr val="555960"/>
-                </a:solidFill>
-                <a:latin typeface="Acumin Pro SemiCondensed"/>
-              </a:rPr>
-              <a:t>f</a:t>
-            </a:r>
-            <a:r>
-              <a:rPr lang="en-US" sz="2000" b="1" strike="noStrike" spc="-1" dirty="0">
-                <a:solidFill>
-                  <a:srgbClr val="555960"/>
-                </a:solidFill>
-                <a:latin typeface="Acumin Pro SemiCondensed"/>
-              </a:rPr>
-              <a:t>word: assigned  16 bits to bit 16</a:t>
-            </a:r>
-            <a:endParaRPr lang="en-US" sz="2000" b="0" strike="noStrike" spc="-1" dirty="0">
-              <a:latin typeface="Arial"/>
-            </a:endParaRPr>
-          </a:p>
-          <a:p>
-            <a:endParaRPr lang="en-US" sz="2000" b="0" strike="noStrike" spc="-1" dirty="0">
-              <a:latin typeface="Arial"/>
-            </a:endParaRPr>
-          </a:p>
-        </p:txBody>
-      </p:sp>
-      <p:sp>
-        <p:nvSpPr>
-          <p:cNvPr id="162" name="TextBox 161"/>
-          <p:cNvSpPr txBox="1"/>
-          <p:nvPr/>
-        </p:nvSpPr>
-        <p:spPr>
-          <a:xfrm>
-            <a:off x="7086600" y="3604880"/>
-            <a:ext cx="3429000" cy="1601601"/>
-          </a:xfrm>
-          <a:prstGeom prst="rect">
-            <a:avLst/>
-          </a:prstGeom>
-          <a:noFill/>
-          <a:ln w="0">
-            <a:noFill/>
-          </a:ln>
-        </p:spPr>
-        <p:txBody>
-          <a:bodyPr lIns="90000" tIns="45000" rIns="90000" bIns="45000" anchor="t">
-            <a:noAutofit/>
-          </a:bodyPr>
-          <a:lstStyle/>
-          <a:p>
-            <a:r>
-              <a:rPr lang="en-US" sz="2000" b="1" strike="noStrike" spc="-1" dirty="0">
-                <a:solidFill>
-                  <a:srgbClr val="555960"/>
-                </a:solidFill>
-                <a:latin typeface="Acumin Pro SemiCondensed"/>
-              </a:rPr>
-              <a:t>- Normal Loading </a:t>
-            </a:r>
-            <a:endParaRPr lang="en-US" sz="2000" b="0" strike="noStrike" spc="-1" dirty="0">
-              <a:latin typeface="Arial"/>
-            </a:endParaRPr>
-          </a:p>
-          <a:p>
-            <a:r>
-              <a:rPr lang="en-US" sz="2000" b="1" strike="noStrike" spc="-1" dirty="0">
-                <a:solidFill>
-                  <a:srgbClr val="555960"/>
-                </a:solidFill>
-                <a:latin typeface="Acumin Pro SemiCondensed"/>
-              </a:rPr>
-              <a:t>- Storing </a:t>
-            </a:r>
-            <a:endParaRPr lang="en-US" sz="2000" spc="-1" dirty="0">
-              <a:solidFill>
-                <a:srgbClr val="555960"/>
-              </a:solidFill>
-              <a:latin typeface="Arial"/>
-            </a:endParaRPr>
-          </a:p>
-          <a:p>
-            <a:r>
-              <a:rPr lang="en-US" sz="2000" b="1" spc="-1" dirty="0">
-                <a:solidFill>
-                  <a:srgbClr val="555960"/>
-                </a:solidFill>
-                <a:latin typeface="Arial"/>
-              </a:rPr>
-              <a:t>- </a:t>
-            </a:r>
-            <a:r>
-              <a:rPr lang="en-US" sz="2000" b="1" spc="-1" dirty="0" err="1">
-                <a:solidFill>
-                  <a:srgbClr val="555960"/>
-                </a:solidFill>
-                <a:latin typeface="Acumin Pro Semibold" panose="020B0504020202020204"/>
-              </a:rPr>
-              <a:t>MemRead</a:t>
-            </a:r>
-            <a:r>
-              <a:rPr lang="en-US" sz="2000" b="1" spc="-1" dirty="0">
-                <a:solidFill>
-                  <a:srgbClr val="555960"/>
-                </a:solidFill>
-                <a:latin typeface="Acumin Pro Semibold" panose="020B0504020202020204"/>
-              </a:rPr>
-              <a:t> = 1</a:t>
-            </a:r>
-          </a:p>
-          <a:p>
-            <a:r>
-              <a:rPr lang="en-US" sz="2000" b="1" spc="-1" dirty="0">
-                <a:solidFill>
-                  <a:srgbClr val="555960"/>
-                </a:solidFill>
-                <a:latin typeface="Acumin Pro Semibold" panose="020B0504020202020204"/>
-              </a:rPr>
-              <a:t>- </a:t>
-            </a:r>
-            <a:r>
-              <a:rPr lang="en-US" sz="2000" b="1" strike="noStrike" spc="-1" dirty="0" err="1">
-                <a:solidFill>
-                  <a:srgbClr val="555960"/>
-                </a:solidFill>
-                <a:latin typeface="Acumin Pro Semibold" panose="020B0504020202020204"/>
-              </a:rPr>
-              <a:t>MemWrite</a:t>
-            </a:r>
-            <a:r>
-              <a:rPr lang="en-US" sz="2000" b="1" strike="noStrike" spc="-1" dirty="0">
-                <a:solidFill>
-                  <a:srgbClr val="555960"/>
-                </a:solidFill>
-                <a:latin typeface="Acumin Pro Semibold" panose="020B0504020202020204"/>
-              </a:rPr>
-              <a:t> = 1</a:t>
-            </a:r>
-          </a:p>
-        </p:txBody>
-      </p:sp>
-      <p:pic>
-        <p:nvPicPr>
-          <p:cNvPr id="163" name="Picture 162"/>
-          <p:cNvPicPr/>
-          <p:nvPr/>
-        </p:nvPicPr>
-        <p:blipFill>
-          <a:blip r:embed="rId2"/>
-          <a:stretch/>
-        </p:blipFill>
-        <p:spPr>
-          <a:xfrm rot="6000">
-            <a:off x="1005847" y="2101824"/>
-            <a:ext cx="5943600" cy="3297600"/>
-          </a:xfrm>
-          <a:prstGeom prst="rect">
-            <a:avLst/>
-          </a:prstGeom>
-          <a:ln w="0">
-            <a:noFill/>
-          </a:ln>
-        </p:spPr>
-      </p:pic>
-    </p:spTree>
-  </p:cSld>
-  <p:clrMapOvr>
-    <a:masterClrMapping/>
-  </p:clrMapOvr>
-</p:sld>
-</file>
-
-<file path=ppt/slides/slide27.xml><?xml version="1.0" encoding="utf-8"?>
-<p:sld xmlns:a="http://schemas.openxmlformats.org/drawingml/2006/main" xmlns:r="http://schemas.openxmlformats.org/officeDocument/2006/relationships" xmlns:p="http://schemas.openxmlformats.org/presentationml/2006/main">
-  <p:cSld>
-    <p:spTree>
-      <p:nvGrpSpPr>
-        <p:cNvPr id="1" name=""/>
-        <p:cNvGrpSpPr/>
-        <p:nvPr/>
-      </p:nvGrpSpPr>
-      <p:grpSpPr>
-        <a:xfrm>
-          <a:off x="0" y="0"/>
-          <a:ext cx="0" cy="0"/>
-          <a:chOff x="0" y="0"/>
-          <a:chExt cx="0" cy="0"/>
-        </a:xfrm>
-      </p:grpSpPr>
-      <p:sp>
-        <p:nvSpPr>
-          <p:cNvPr id="2" name="Title 1">
-            <a:extLst>
-              <a:ext uri="{FF2B5EF4-FFF2-40B4-BE49-F238E27FC236}">
-                <a16:creationId xmlns:a16="http://schemas.microsoft.com/office/drawing/2014/main" id="{D1F6CC05-1F31-0C88-333C-5026AF10D397}"/>
-              </a:ext>
-            </a:extLst>
-          </p:cNvPr>
-          <p:cNvSpPr>
-            <a:spLocks noGrp="1"/>
-          </p:cNvSpPr>
-          <p:nvPr>
-            <p:ph type="ctrTitle"/>
-          </p:nvPr>
-        </p:nvSpPr>
-        <p:spPr>
-          <a:xfrm>
-            <a:off x="1504670" y="437030"/>
-            <a:ext cx="9234309" cy="498598"/>
-          </a:xfrm>
-        </p:spPr>
-        <p:txBody>
-          <a:bodyPr/>
-          <a:lstStyle/>
-          <a:p>
-            <a:r>
-              <a:rPr lang="en-US" dirty="0"/>
-              <a:t>Program Counter (Next Instruction Logic)</a:t>
-            </a:r>
-          </a:p>
-        </p:txBody>
-      </p:sp>
-      <p:sp>
-        <p:nvSpPr>
-          <p:cNvPr id="3" name="Subtitle 2">
-            <a:extLst>
-              <a:ext uri="{FF2B5EF4-FFF2-40B4-BE49-F238E27FC236}">
-                <a16:creationId xmlns:a16="http://schemas.microsoft.com/office/drawing/2014/main" id="{069353A1-7076-B958-432E-9B8FD5750AE7}"/>
-              </a:ext>
-            </a:extLst>
-          </p:cNvPr>
-          <p:cNvSpPr>
-            <a:spLocks noGrp="1"/>
-          </p:cNvSpPr>
-          <p:nvPr>
-            <p:ph type="subTitle" idx="1"/>
-          </p:nvPr>
-        </p:nvSpPr>
-        <p:spPr/>
-        <p:txBody>
-          <a:bodyPr/>
-          <a:lstStyle/>
-          <a:p>
-            <a:r>
-              <a:rPr lang="en-US" dirty="0"/>
-              <a:t>RTL Diagram and Input/Output</a:t>
-            </a:r>
-          </a:p>
-        </p:txBody>
-      </p:sp>
-      <p:sp>
-        <p:nvSpPr>
-          <p:cNvPr id="5" name="Slide Number Placeholder 4">
-            <a:extLst>
-              <a:ext uri="{FF2B5EF4-FFF2-40B4-BE49-F238E27FC236}">
-                <a16:creationId xmlns:a16="http://schemas.microsoft.com/office/drawing/2014/main" id="{A896B40E-DC06-49BF-BFD3-304517BB06A3}"/>
-              </a:ext>
-            </a:extLst>
-          </p:cNvPr>
-          <p:cNvSpPr>
-            <a:spLocks noGrp="1"/>
-          </p:cNvSpPr>
-          <p:nvPr>
-            <p:ph type="sldNum" sz="quarter" idx="12"/>
-          </p:nvPr>
-        </p:nvSpPr>
-        <p:spPr/>
-        <p:txBody>
-          <a:bodyPr/>
-          <a:lstStyle/>
-          <a:p>
-            <a:fld id="{88B5220A-EB23-48F3-9FB6-FE2BFABBF45A}" type="slidenum">
-              <a:rPr lang="en-US" smtClean="0"/>
-              <a:t>27</a:t>
-            </a:fld>
-            <a:endParaRPr lang="en-US" dirty="0"/>
-          </a:p>
-        </p:txBody>
-      </p:sp>
-      <p:pic>
-        <p:nvPicPr>
-          <p:cNvPr id="9" name="Picture 8" descr="A black and white screen with white text&#10;&#10;Description automatically generated">
-            <a:extLst>
-              <a:ext uri="{FF2B5EF4-FFF2-40B4-BE49-F238E27FC236}">
-                <a16:creationId xmlns:a16="http://schemas.microsoft.com/office/drawing/2014/main" id="{602A898A-4DC4-D63A-A6B4-668E5E561D40}"/>
-              </a:ext>
-            </a:extLst>
-          </p:cNvPr>
-          <p:cNvPicPr>
-            <a:picLocks noChangeAspect="1"/>
-          </p:cNvPicPr>
-          <p:nvPr/>
-        </p:nvPicPr>
-        <p:blipFill rotWithShape="1">
-          <a:blip r:embed="rId2">
-            <a:extLst>
-              <a:ext uri="{28A0092B-C50C-407E-A947-70E740481C1C}">
-                <a14:useLocalDpi xmlns:a14="http://schemas.microsoft.com/office/drawing/2010/main" val="0"/>
-              </a:ext>
-            </a:extLst>
-          </a:blip>
-          <a:srcRect l="51863" b="55404"/>
-          <a:stretch/>
-        </p:blipFill>
-        <p:spPr>
-          <a:xfrm>
-            <a:off x="1259633" y="2763923"/>
-            <a:ext cx="4259521" cy="2425474"/>
-          </a:xfrm>
-          <a:prstGeom prst="rect">
-            <a:avLst/>
-          </a:prstGeom>
-        </p:spPr>
-      </p:pic>
-      <p:pic>
-        <p:nvPicPr>
-          <p:cNvPr id="10" name="Picture 9" descr="A black and white screen with white text&#10;&#10;Description automatically generated">
-            <a:extLst>
-              <a:ext uri="{FF2B5EF4-FFF2-40B4-BE49-F238E27FC236}">
-                <a16:creationId xmlns:a16="http://schemas.microsoft.com/office/drawing/2014/main" id="{0C30E131-177D-F6B8-0AE8-D5CF155B5289}"/>
-              </a:ext>
-            </a:extLst>
-          </p:cNvPr>
-          <p:cNvPicPr>
-            <a:picLocks noChangeAspect="1"/>
-          </p:cNvPicPr>
-          <p:nvPr/>
-        </p:nvPicPr>
-        <p:blipFill rotWithShape="1">
-          <a:blip r:embed="rId2">
-            <a:extLst>
-              <a:ext uri="{28A0092B-C50C-407E-A947-70E740481C1C}">
-                <a14:useLocalDpi xmlns:a14="http://schemas.microsoft.com/office/drawing/2010/main" val="0"/>
-              </a:ext>
-            </a:extLst>
-          </a:blip>
-          <a:srcRect t="27955" r="77451" b="39963"/>
-          <a:stretch/>
-        </p:blipFill>
-        <p:spPr>
-          <a:xfrm>
-            <a:off x="6672848" y="2287197"/>
-            <a:ext cx="3863969" cy="3378925"/>
-          </a:xfrm>
-          <a:prstGeom prst="rect">
-            <a:avLst/>
-          </a:prstGeom>
-        </p:spPr>
-      </p:pic>
-    </p:spTree>
-    <p:extLst>
-      <p:ext uri="{BB962C8B-B14F-4D97-AF65-F5344CB8AC3E}">
-        <p14:creationId xmlns:p14="http://schemas.microsoft.com/office/powerpoint/2010/main" val="1617301959"/>
-      </p:ext>
-    </p:extLst>
-  </p:cSld>
-  <p:clrMapOvr>
-    <a:masterClrMapping/>
-  </p:clrMapOvr>
-</p:sld>
-</file>
-
-<file path=ppt/slides/slide28.xml><?xml version="1.0" encoding="utf-8"?>
-<p:sld xmlns:a="http://schemas.openxmlformats.org/drawingml/2006/main" xmlns:r="http://schemas.openxmlformats.org/officeDocument/2006/relationships" xmlns:p="http://schemas.openxmlformats.org/presentationml/2006/main">
-  <p:cSld>
-    <p:spTree>
-      <p:nvGrpSpPr>
-        <p:cNvPr id="1" name=""/>
-        <p:cNvGrpSpPr/>
-        <p:nvPr/>
-      </p:nvGrpSpPr>
-      <p:grpSpPr>
-        <a:xfrm>
-          <a:off x="0" y="0"/>
-          <a:ext cx="0" cy="0"/>
-          <a:chOff x="0" y="0"/>
-          <a:chExt cx="0" cy="0"/>
-        </a:xfrm>
-      </p:grpSpPr>
-      <p:sp>
-        <p:nvSpPr>
-          <p:cNvPr id="2" name="Title 1">
-            <a:extLst>
-              <a:ext uri="{FF2B5EF4-FFF2-40B4-BE49-F238E27FC236}">
-                <a16:creationId xmlns:a16="http://schemas.microsoft.com/office/drawing/2014/main" id="{D1F6CC05-1F31-0C88-333C-5026AF10D397}"/>
-              </a:ext>
-            </a:extLst>
-          </p:cNvPr>
-          <p:cNvSpPr>
-            <a:spLocks noGrp="1"/>
-          </p:cNvSpPr>
-          <p:nvPr>
-            <p:ph type="ctrTitle"/>
-          </p:nvPr>
-        </p:nvSpPr>
-        <p:spPr>
-          <a:xfrm>
-            <a:off x="1504670" y="437030"/>
-            <a:ext cx="9234309" cy="498598"/>
-          </a:xfrm>
-        </p:spPr>
-        <p:txBody>
-          <a:bodyPr/>
-          <a:lstStyle/>
-          <a:p>
-            <a:r>
-              <a:rPr lang="en-US" dirty="0"/>
-              <a:t>Program Counter</a:t>
-            </a:r>
-          </a:p>
-        </p:txBody>
-      </p:sp>
-      <p:sp>
-        <p:nvSpPr>
-          <p:cNvPr id="3" name="Subtitle 2">
-            <a:extLst>
-              <a:ext uri="{FF2B5EF4-FFF2-40B4-BE49-F238E27FC236}">
-                <a16:creationId xmlns:a16="http://schemas.microsoft.com/office/drawing/2014/main" id="{069353A1-7076-B958-432E-9B8FD5750AE7}"/>
-              </a:ext>
-            </a:extLst>
-          </p:cNvPr>
-          <p:cNvSpPr>
-            <a:spLocks noGrp="1"/>
-          </p:cNvSpPr>
-          <p:nvPr>
-            <p:ph type="subTitle" idx="1"/>
-          </p:nvPr>
-        </p:nvSpPr>
-        <p:spPr/>
-        <p:txBody>
-          <a:bodyPr/>
-          <a:lstStyle/>
-          <a:p>
-            <a:r>
-              <a:rPr lang="en-US" dirty="0"/>
-              <a:t>Logic and Test Cases</a:t>
-            </a:r>
-          </a:p>
-        </p:txBody>
-      </p:sp>
-      <p:sp>
-        <p:nvSpPr>
-          <p:cNvPr id="5" name="Slide Number Placeholder 4">
-            <a:extLst>
-              <a:ext uri="{FF2B5EF4-FFF2-40B4-BE49-F238E27FC236}">
-                <a16:creationId xmlns:a16="http://schemas.microsoft.com/office/drawing/2014/main" id="{A896B40E-DC06-49BF-BFD3-304517BB06A3}"/>
-              </a:ext>
-            </a:extLst>
-          </p:cNvPr>
-          <p:cNvSpPr>
-            <a:spLocks noGrp="1"/>
-          </p:cNvSpPr>
-          <p:nvPr>
-            <p:ph type="sldNum" sz="quarter" idx="12"/>
-          </p:nvPr>
-        </p:nvSpPr>
-        <p:spPr/>
-        <p:txBody>
-          <a:bodyPr/>
-          <a:lstStyle/>
-          <a:p>
-            <a:fld id="{88B5220A-EB23-48F3-9FB6-FE2BFABBF45A}" type="slidenum">
-              <a:rPr lang="en-US" smtClean="0"/>
-              <a:t>28</a:t>
-            </a:fld>
-            <a:endParaRPr lang="en-US" dirty="0"/>
-          </a:p>
-        </p:txBody>
-      </p:sp>
-      <p:pic>
-        <p:nvPicPr>
-          <p:cNvPr id="4" name="Picture 3" descr="A black and white screen with white text&#10;&#10;Description automatically generated">
-            <a:extLst>
-              <a:ext uri="{FF2B5EF4-FFF2-40B4-BE49-F238E27FC236}">
-                <a16:creationId xmlns:a16="http://schemas.microsoft.com/office/drawing/2014/main" id="{25367EB2-360C-B712-60AE-079171120897}"/>
-              </a:ext>
-            </a:extLst>
-          </p:cNvPr>
-          <p:cNvPicPr>
-            <a:picLocks noChangeAspect="1"/>
-          </p:cNvPicPr>
-          <p:nvPr/>
-        </p:nvPicPr>
-        <p:blipFill rotWithShape="1">
-          <a:blip r:embed="rId2">
-            <a:extLst>
-              <a:ext uri="{28A0092B-C50C-407E-A947-70E740481C1C}">
-                <a14:useLocalDpi xmlns:a14="http://schemas.microsoft.com/office/drawing/2010/main" val="0"/>
-              </a:ext>
-            </a:extLst>
-          </a:blip>
-          <a:srcRect t="63467" r="30844"/>
-          <a:stretch/>
-        </p:blipFill>
-        <p:spPr>
-          <a:xfrm>
-            <a:off x="1067822" y="2096305"/>
-            <a:ext cx="10056355" cy="3265228"/>
-          </a:xfrm>
-          <a:prstGeom prst="rect">
-            <a:avLst/>
-          </a:prstGeom>
-        </p:spPr>
-      </p:pic>
-      <p:pic>
-        <p:nvPicPr>
-          <p:cNvPr id="7" name="Picture 6">
-            <a:extLst>
-              <a:ext uri="{FF2B5EF4-FFF2-40B4-BE49-F238E27FC236}">
-                <a16:creationId xmlns:a16="http://schemas.microsoft.com/office/drawing/2014/main" id="{D6CA6F6B-57FF-1C2B-3B06-D79B575C3413}"/>
-              </a:ext>
-            </a:extLst>
-          </p:cNvPr>
-          <p:cNvPicPr>
-            <a:picLocks noChangeAspect="1"/>
-          </p:cNvPicPr>
-          <p:nvPr/>
-        </p:nvPicPr>
-        <p:blipFill rotWithShape="1">
-          <a:blip r:embed="rId3"/>
-          <a:srcRect l="2457" t="5161" r="1322" b="2363"/>
-          <a:stretch/>
-        </p:blipFill>
-        <p:spPr>
-          <a:xfrm>
-            <a:off x="1067822" y="1831490"/>
-            <a:ext cx="4595860" cy="4019812"/>
-          </a:xfrm>
-          <a:prstGeom prst="rect">
-            <a:avLst/>
-          </a:prstGeom>
-        </p:spPr>
-      </p:pic>
-    </p:spTree>
-    <p:extLst>
-      <p:ext uri="{BB962C8B-B14F-4D97-AF65-F5344CB8AC3E}">
-        <p14:creationId xmlns:p14="http://schemas.microsoft.com/office/powerpoint/2010/main" val="3391675750"/>
-      </p:ext>
-    </p:extLst>
-  </p:cSld>
-  <p:clrMapOvr>
-    <a:masterClrMapping/>
-  </p:clrMapOvr>
-</p:sld>
-</file>
-
-<file path=ppt/slides/slide29.xml><?xml version="1.0" encoding="utf-8"?>
-<p:sld xmlns:a="http://schemas.openxmlformats.org/drawingml/2006/main" xmlns:r="http://schemas.openxmlformats.org/officeDocument/2006/relationships" xmlns:p="http://schemas.openxmlformats.org/presentationml/2006/main">
-  <p:cSld>
-    <p:spTree>
-      <p:nvGrpSpPr>
-        <p:cNvPr id="1" name=""/>
-        <p:cNvGrpSpPr/>
-        <p:nvPr/>
-      </p:nvGrpSpPr>
-      <p:grpSpPr>
-        <a:xfrm>
-          <a:off x="0" y="0"/>
-          <a:ext cx="0" cy="0"/>
-          <a:chOff x="0" y="0"/>
-          <a:chExt cx="0" cy="0"/>
-        </a:xfrm>
-      </p:grpSpPr>
-      <p:sp>
-        <p:nvSpPr>
-          <p:cNvPr id="3" name="Subtitle 2">
-            <a:extLst>
-              <a:ext uri="{FF2B5EF4-FFF2-40B4-BE49-F238E27FC236}">
-                <a16:creationId xmlns:a16="http://schemas.microsoft.com/office/drawing/2014/main" id="{5806D1DF-0D9A-B8DD-6812-126E021288E6}"/>
-              </a:ext>
-            </a:extLst>
-          </p:cNvPr>
-          <p:cNvSpPr>
-            <a:spLocks noGrp="1"/>
-          </p:cNvSpPr>
-          <p:nvPr>
-            <p:ph type="subTitle" idx="1"/>
-          </p:nvPr>
-        </p:nvSpPr>
-        <p:spPr/>
-        <p:txBody>
-          <a:bodyPr/>
-          <a:lstStyle/>
-          <a:p>
-            <a:r>
-              <a:rPr lang="en-US" dirty="0"/>
-              <a:t>Peripherals</a:t>
-            </a:r>
-          </a:p>
-        </p:txBody>
-      </p:sp>
-      <p:sp>
-        <p:nvSpPr>
-          <p:cNvPr id="4" name="Text Placeholder 3">
-            <a:extLst>
-              <a:ext uri="{FF2B5EF4-FFF2-40B4-BE49-F238E27FC236}">
-                <a16:creationId xmlns:a16="http://schemas.microsoft.com/office/drawing/2014/main" id="{3DA43C72-2EB3-C9AE-F972-674773CEEACB}"/>
-              </a:ext>
-            </a:extLst>
-          </p:cNvPr>
-          <p:cNvSpPr>
-            <a:spLocks noGrp="1"/>
-          </p:cNvSpPr>
-          <p:nvPr>
-            <p:ph type="body" sz="quarter" idx="14"/>
-          </p:nvPr>
-        </p:nvSpPr>
-        <p:spPr/>
-        <p:txBody>
-          <a:bodyPr/>
-          <a:lstStyle/>
-          <a:p>
-            <a:r>
-              <a:rPr lang="en-US" dirty="0">
-                <a:sym typeface="Wingdings" panose="05000000000000000000" pitchFamily="2" charset="2"/>
-              </a:rPr>
-              <a:t></a:t>
-            </a:r>
-            <a:endParaRPr lang="en-US" dirty="0"/>
-          </a:p>
-        </p:txBody>
-      </p:sp>
-      <p:sp>
-        <p:nvSpPr>
-          <p:cNvPr id="5" name="Date Placeholder 4">
-            <a:extLst>
-              <a:ext uri="{FF2B5EF4-FFF2-40B4-BE49-F238E27FC236}">
-                <a16:creationId xmlns:a16="http://schemas.microsoft.com/office/drawing/2014/main" id="{4A36A210-16DC-D88E-57A8-BA1A67545AB4}"/>
-              </a:ext>
-            </a:extLst>
-          </p:cNvPr>
-          <p:cNvSpPr>
-            <a:spLocks noGrp="1"/>
-          </p:cNvSpPr>
-          <p:nvPr>
-            <p:ph type="dt" sz="half" idx="10"/>
-          </p:nvPr>
-        </p:nvSpPr>
-        <p:spPr/>
-        <p:txBody>
-          <a:bodyPr/>
-          <a:lstStyle/>
-          <a:p>
-            <a:fld id="{061EA3C6-DD3E-482F-9D22-E8397E9573C0}" type="datetime1">
-              <a:rPr lang="en-US" smtClean="0"/>
-              <a:t>6/19/2024</a:t>
-            </a:fld>
-            <a:endParaRPr lang="en-US"/>
-          </a:p>
-        </p:txBody>
-      </p:sp>
-      <p:sp>
-        <p:nvSpPr>
-          <p:cNvPr id="6" name="Slide Number Placeholder 5">
-            <a:extLst>
-              <a:ext uri="{FF2B5EF4-FFF2-40B4-BE49-F238E27FC236}">
-                <a16:creationId xmlns:a16="http://schemas.microsoft.com/office/drawing/2014/main" id="{C56E183E-DC6A-08E9-1938-6B7097ED56D4}"/>
-              </a:ext>
-            </a:extLst>
-          </p:cNvPr>
-          <p:cNvSpPr>
-            <a:spLocks noGrp="1"/>
-          </p:cNvSpPr>
-          <p:nvPr>
-            <p:ph type="sldNum" sz="quarter" idx="12"/>
-          </p:nvPr>
-        </p:nvSpPr>
-        <p:spPr/>
-        <p:txBody>
-          <a:bodyPr/>
-          <a:lstStyle/>
-          <a:p>
-            <a:fld id="{88B5220A-EB23-48F3-9FB6-FE2BFABBF45A}" type="slidenum">
-              <a:rPr lang="en-US" smtClean="0"/>
-              <a:t>29</a:t>
-            </a:fld>
-            <a:endParaRPr lang="en-US"/>
-          </a:p>
-        </p:txBody>
-      </p:sp>
-    </p:spTree>
-    <p:extLst>
-      <p:ext uri="{BB962C8B-B14F-4D97-AF65-F5344CB8AC3E}">
-        <p14:creationId xmlns:p14="http://schemas.microsoft.com/office/powerpoint/2010/main" val="886395465"/>
       </p:ext>
     </p:extLst>
   </p:cSld>
@@ -11665,7 +6885,7 @@
           <a:p>
             <a:r>
               <a:rPr lang="en-US" dirty="0"/>
-              <a:t>Example CPU functions</a:t>
+              <a:t>Implement the following commands in Assembly</a:t>
             </a:r>
           </a:p>
         </p:txBody>
@@ -11719,19 +6939,6 @@
               <a:rPr lang="en-US" dirty="0"/>
               <a:t>Branch/Jump</a:t>
             </a:r>
-          </a:p>
-          <a:p>
-            <a:r>
-              <a:rPr lang="en-US" dirty="0"/>
-              <a:t>More </a:t>
-            </a:r>
-            <a:r>
-              <a:rPr lang="en-US" dirty="0">
-                <a:sym typeface="Wingdings" panose="05000000000000000000" pitchFamily="2" charset="2"/>
-              </a:rPr>
-              <a:t></a:t>
-            </a:r>
-            <a:endParaRPr lang="en-US" dirty="0"/>
           </a:p>
         </p:txBody>
       </p:sp>
@@ -11815,1837 +7022,6 @@
     <p:extLst>
       <p:ext uri="{BB962C8B-B14F-4D97-AF65-F5344CB8AC3E}">
         <p14:creationId xmlns:p14="http://schemas.microsoft.com/office/powerpoint/2010/main" val="1158209832"/>
-      </p:ext>
-    </p:extLst>
-  </p:cSld>
-  <p:clrMapOvr>
-    <a:masterClrMapping/>
-  </p:clrMapOvr>
-</p:sld>
-</file>
-
-<file path=ppt/slides/slide30.xml><?xml version="1.0" encoding="utf-8"?>
-<p:sld xmlns:a="http://schemas.openxmlformats.org/drawingml/2006/main" xmlns:r="http://schemas.openxmlformats.org/officeDocument/2006/relationships" xmlns:p="http://schemas.openxmlformats.org/presentationml/2006/main">
-  <p:cSld>
-    <p:spTree>
-      <p:nvGrpSpPr>
-        <p:cNvPr id="1" name=""/>
-        <p:cNvGrpSpPr/>
-        <p:nvPr/>
-      </p:nvGrpSpPr>
-      <p:grpSpPr>
-        <a:xfrm>
-          <a:off x="0" y="0"/>
-          <a:ext cx="0" cy="0"/>
-          <a:chOff x="0" y="0"/>
-          <a:chExt cx="0" cy="0"/>
-        </a:xfrm>
-      </p:grpSpPr>
-      <p:sp>
-        <p:nvSpPr>
-          <p:cNvPr id="131" name="PlaceHolder 1"/>
-          <p:cNvSpPr>
-            <a:spLocks noGrp="1"/>
-          </p:cNvSpPr>
-          <p:nvPr>
-            <p:ph type="title"/>
-          </p:nvPr>
-        </p:nvSpPr>
-        <p:spPr>
-          <a:xfrm>
-            <a:off x="1504800" y="437040"/>
-            <a:ext cx="9234000" cy="498240"/>
-          </a:xfrm>
-          <a:prstGeom prst="rect">
-            <a:avLst/>
-          </a:prstGeom>
-          <a:noFill/>
-          <a:ln w="38160">
-            <a:noFill/>
-          </a:ln>
-        </p:spPr>
-        <p:txBody>
-          <a:bodyPr lIns="0" tIns="0" rIns="0" bIns="0" anchor="t">
-            <a:noAutofit/>
-          </a:bodyPr>
-          <a:lstStyle/>
-          <a:p>
-            <a:pPr>
-              <a:lnSpc>
-                <a:spcPct val="90000"/>
-              </a:lnSpc>
-              <a:buNone/>
-            </a:pPr>
-            <a:r>
-              <a:rPr lang="en-US" sz="3600" b="1" i="1" strike="noStrike" spc="-1">
-                <a:solidFill>
-                  <a:srgbClr val="C9B991"/>
-                </a:solidFill>
-                <a:latin typeface="Acumin Pro ExtraCondensed"/>
-              </a:rPr>
-              <a:t>I/O UART Rx Input</a:t>
-            </a:r>
-            <a:endParaRPr lang="en-US" sz="3600" b="0" strike="noStrike" spc="-1">
-              <a:solidFill>
-                <a:srgbClr val="000000"/>
-              </a:solidFill>
-              <a:latin typeface="Acumin Pro"/>
-            </a:endParaRPr>
-          </a:p>
-        </p:txBody>
-      </p:sp>
-      <p:sp>
-        <p:nvSpPr>
-          <p:cNvPr id="132" name="Slide Number Placeholder 4"/>
-          <p:cNvSpPr/>
-          <p:nvPr/>
-        </p:nvSpPr>
-        <p:spPr>
-          <a:xfrm>
-            <a:off x="10555920" y="6266520"/>
-            <a:ext cx="284400" cy="231840"/>
-          </a:xfrm>
-          <a:prstGeom prst="ellipse">
-            <a:avLst/>
-          </a:prstGeom>
-          <a:noFill/>
-          <a:ln w="0">
-            <a:noFill/>
-          </a:ln>
-        </p:spPr>
-        <p:style>
-          <a:lnRef idx="0">
-            <a:scrgbClr r="0" g="0" b="0"/>
-          </a:lnRef>
-          <a:fillRef idx="0">
-            <a:scrgbClr r="0" g="0" b="0"/>
-          </a:fillRef>
-          <a:effectRef idx="0">
-            <a:scrgbClr r="0" g="0" b="0"/>
-          </a:effectRef>
-          <a:fontRef idx="minor"/>
-        </p:style>
-        <p:txBody>
-          <a:bodyPr lIns="18360" tIns="91440" rIns="18360" bIns="91440" anchor="ctr">
-            <a:noAutofit/>
-          </a:bodyPr>
-          <a:lstStyle/>
-          <a:p>
-            <a:pPr algn="ctr">
-              <a:lnSpc>
-                <a:spcPct val="100000"/>
-              </a:lnSpc>
-              <a:buNone/>
-            </a:pPr>
-            <a:fld id="{5D9E6E4B-F4CB-4953-8706-B446F2861B71}" type="slidenum">
-              <a:rPr lang="en-US" sz="1000" b="1" strike="noStrike" spc="-1">
-                <a:solidFill>
-                  <a:srgbClr val="000000"/>
-                </a:solidFill>
-                <a:latin typeface="Acumin Pro Semibold"/>
-              </a:rPr>
-              <a:t>30</a:t>
-            </a:fld>
-            <a:endParaRPr lang="en-US" sz="1000" b="0" strike="noStrike" spc="-1">
-              <a:latin typeface="Arial"/>
-            </a:endParaRPr>
-          </a:p>
-        </p:txBody>
-      </p:sp>
-      <p:pic>
-        <p:nvPicPr>
-          <p:cNvPr id="133" name="Picture 132"/>
-          <p:cNvPicPr/>
-          <p:nvPr/>
-        </p:nvPicPr>
-        <p:blipFill>
-          <a:blip r:embed="rId2"/>
-          <a:stretch/>
-        </p:blipFill>
-        <p:spPr>
-          <a:xfrm>
-            <a:off x="914400" y="1371600"/>
-            <a:ext cx="10120320" cy="4572000"/>
-          </a:xfrm>
-          <a:prstGeom prst="rect">
-            <a:avLst/>
-          </a:prstGeom>
-          <a:ln w="0">
-            <a:noFill/>
-          </a:ln>
-        </p:spPr>
-      </p:pic>
-    </p:spTree>
-  </p:cSld>
-  <p:clrMapOvr>
-    <a:masterClrMapping/>
-  </p:clrMapOvr>
-</p:sld>
-</file>
-
-<file path=ppt/slides/slide31.xml><?xml version="1.0" encoding="utf-8"?>
-<p:sld xmlns:a="http://schemas.openxmlformats.org/drawingml/2006/main" xmlns:r="http://schemas.openxmlformats.org/officeDocument/2006/relationships" xmlns:p="http://schemas.openxmlformats.org/presentationml/2006/main">
-  <p:cSld>
-    <p:spTree>
-      <p:nvGrpSpPr>
-        <p:cNvPr id="1" name=""/>
-        <p:cNvGrpSpPr/>
-        <p:nvPr/>
-      </p:nvGrpSpPr>
-      <p:grpSpPr>
-        <a:xfrm>
-          <a:off x="0" y="0"/>
-          <a:ext cx="0" cy="0"/>
-          <a:chOff x="0" y="0"/>
-          <a:chExt cx="0" cy="0"/>
-        </a:xfrm>
-      </p:grpSpPr>
-      <p:sp>
-        <p:nvSpPr>
-          <p:cNvPr id="134" name="PlaceHolder 1"/>
-          <p:cNvSpPr>
-            <a:spLocks noGrp="1"/>
-          </p:cNvSpPr>
-          <p:nvPr>
-            <p:ph type="title"/>
-          </p:nvPr>
-        </p:nvSpPr>
-        <p:spPr>
-          <a:xfrm>
-            <a:off x="1504800" y="437040"/>
-            <a:ext cx="9234000" cy="498240"/>
-          </a:xfrm>
-          <a:prstGeom prst="rect">
-            <a:avLst/>
-          </a:prstGeom>
-          <a:noFill/>
-          <a:ln w="38160">
-            <a:noFill/>
-          </a:ln>
-        </p:spPr>
-        <p:txBody>
-          <a:bodyPr lIns="0" tIns="0" rIns="0" bIns="0" anchor="t">
-            <a:noAutofit/>
-          </a:bodyPr>
-          <a:lstStyle/>
-          <a:p>
-            <a:pPr>
-              <a:lnSpc>
-                <a:spcPct val="90000"/>
-              </a:lnSpc>
-              <a:buNone/>
-            </a:pPr>
-            <a:r>
-              <a:rPr lang="en-US" sz="3600" b="1" i="1" strike="noStrike" spc="-1">
-                <a:solidFill>
-                  <a:srgbClr val="C9B991"/>
-                </a:solidFill>
-                <a:latin typeface="Acumin Pro ExtraCondensed"/>
-              </a:rPr>
-              <a:t>I/O UART Output Components</a:t>
-            </a:r>
-            <a:endParaRPr lang="en-US" sz="3600" b="0" strike="noStrike" spc="-1">
-              <a:solidFill>
-                <a:srgbClr val="000000"/>
-              </a:solidFill>
-              <a:latin typeface="Acumin Pro"/>
-            </a:endParaRPr>
-          </a:p>
-        </p:txBody>
-      </p:sp>
-      <p:sp>
-        <p:nvSpPr>
-          <p:cNvPr id="135" name="Slide Number Placeholder 5"/>
-          <p:cNvSpPr/>
-          <p:nvPr/>
-        </p:nvSpPr>
-        <p:spPr>
-          <a:xfrm>
-            <a:off x="10784520" y="6293520"/>
-            <a:ext cx="284400" cy="231840"/>
-          </a:xfrm>
-          <a:prstGeom prst="ellipse">
-            <a:avLst/>
-          </a:prstGeom>
-          <a:noFill/>
-          <a:ln w="0">
-            <a:noFill/>
-          </a:ln>
-        </p:spPr>
-        <p:style>
-          <a:lnRef idx="0">
-            <a:scrgbClr r="0" g="0" b="0"/>
-          </a:lnRef>
-          <a:fillRef idx="0">
-            <a:scrgbClr r="0" g="0" b="0"/>
-          </a:fillRef>
-          <a:effectRef idx="0">
-            <a:scrgbClr r="0" g="0" b="0"/>
-          </a:effectRef>
-          <a:fontRef idx="minor"/>
-        </p:style>
-        <p:txBody>
-          <a:bodyPr lIns="18360" tIns="91440" rIns="18360" bIns="91440" anchor="ctr">
-            <a:noAutofit/>
-          </a:bodyPr>
-          <a:lstStyle/>
-          <a:p>
-            <a:pPr algn="ctr">
-              <a:lnSpc>
-                <a:spcPct val="100000"/>
-              </a:lnSpc>
-              <a:buNone/>
-            </a:pPr>
-            <a:fld id="{AEBFAFD4-3E0C-4D42-97D4-DD59EC9A1744}" type="slidenum">
-              <a:rPr lang="en-US" sz="1000" b="1" strike="noStrike" spc="-1">
-                <a:solidFill>
-                  <a:srgbClr val="000000"/>
-                </a:solidFill>
-                <a:latin typeface="Acumin Pro Semibold"/>
-              </a:rPr>
-              <a:t>31</a:t>
-            </a:fld>
-            <a:endParaRPr lang="en-US" sz="1000" b="0" strike="noStrike" spc="-1">
-              <a:latin typeface="Arial"/>
-            </a:endParaRPr>
-          </a:p>
-        </p:txBody>
-      </p:sp>
-      <p:sp>
-        <p:nvSpPr>
-          <p:cNvPr id="136" name="TextBox 135"/>
-          <p:cNvSpPr txBox="1"/>
-          <p:nvPr/>
-        </p:nvSpPr>
-        <p:spPr>
-          <a:xfrm>
-            <a:off x="1371600" y="1143000"/>
-            <a:ext cx="9144000" cy="4185720"/>
-          </a:xfrm>
-          <a:prstGeom prst="rect">
-            <a:avLst/>
-          </a:prstGeom>
-          <a:noFill/>
-          <a:ln w="0">
-            <a:noFill/>
-          </a:ln>
-        </p:spPr>
-        <p:txBody>
-          <a:bodyPr lIns="90000" tIns="45000" rIns="90000" bIns="45000" anchor="t">
-            <a:noAutofit/>
-          </a:bodyPr>
-          <a:lstStyle/>
-          <a:p>
-            <a:pPr>
-              <a:lnSpc>
-                <a:spcPct val="100000"/>
-              </a:lnSpc>
-              <a:buNone/>
-            </a:pPr>
-            <a:r>
-              <a:rPr lang="en-US" sz="1800" b="1" strike="noStrike" spc="-1">
-                <a:latin typeface="Arial"/>
-              </a:rPr>
-              <a:t>Recieve Indicator:</a:t>
-            </a:r>
-            <a:r>
-              <a:rPr lang="en-US" sz="1800" b="0" strike="noStrike" spc="-1">
-                <a:latin typeface="Arial"/>
-              </a:rPr>
-              <a:t> When Rx is low, receive_out becomes high. When recieve_in is 		    high, receive_out is low until Rx becomes low again</a:t>
-            </a:r>
-          </a:p>
-          <a:p>
-            <a:endParaRPr lang="en-US" sz="1800" b="0" strike="noStrike" spc="-1">
-              <a:latin typeface="Arial"/>
-            </a:endParaRPr>
-          </a:p>
-          <a:p>
-            <a:r>
-              <a:rPr lang="en-US" sz="1800" b="1" strike="noStrike" spc="-1">
-                <a:latin typeface="Arial"/>
-              </a:rPr>
-              <a:t>Clock Counter:</a:t>
-            </a:r>
-            <a:r>
-              <a:rPr lang="en-US" sz="1800" b="0" strike="noStrike" spc="-1">
-                <a:latin typeface="Arial"/>
-              </a:rPr>
-              <a:t> When given a high input signal, starts counting the clock cycles until 		counting to the BAUD rate and starting over </a:t>
-            </a:r>
-          </a:p>
-          <a:p>
-            <a:r>
-              <a:rPr lang="en-US" sz="1800" b="1" strike="noStrike" spc="-1">
-                <a:latin typeface="Arial"/>
-              </a:rPr>
-              <a:t>	Output:</a:t>
-            </a:r>
-            <a:r>
-              <a:rPr lang="en-US" sz="1800" b="0" strike="noStrike" spc="-1">
-                <a:latin typeface="Arial"/>
-              </a:rPr>
-              <a:t> When the BAUD rate is hit, sends an output bit_count signal</a:t>
-            </a:r>
-          </a:p>
-          <a:p>
-            <a:endParaRPr lang="en-US" sz="1800" b="0" strike="noStrike" spc="-1">
-              <a:latin typeface="Arial"/>
-            </a:endParaRPr>
-          </a:p>
-          <a:p>
-            <a:r>
-              <a:rPr lang="en-US" sz="1800" b="1" strike="noStrike" spc="-1">
-                <a:latin typeface="Arial"/>
-              </a:rPr>
-              <a:t>Bit Counter: </a:t>
-            </a:r>
-            <a:r>
-              <a:rPr lang="en-US" sz="1800" b="0" strike="noStrike" spc="-1">
-                <a:latin typeface="Arial"/>
-              </a:rPr>
-              <a:t>When given a high bit_count input, adds to the counter until reaching 8 and 		starting over</a:t>
-            </a:r>
-          </a:p>
-          <a:p>
-            <a:r>
-              <a:rPr lang="en-US" sz="1800" b="0" strike="noStrike" spc="-1">
-                <a:latin typeface="Arial"/>
-              </a:rPr>
-              <a:t>	</a:t>
-            </a:r>
-            <a:r>
-              <a:rPr lang="en-US" sz="1800" b="1" strike="noStrike" spc="-1">
-                <a:latin typeface="Arial"/>
-              </a:rPr>
-              <a:t>Output:</a:t>
-            </a:r>
-            <a:r>
-              <a:rPr lang="en-US" sz="1800" b="0" strike="noStrike" spc="-1">
-                <a:latin typeface="Arial"/>
-              </a:rPr>
-              <a:t> On each count, enables the shift register to shift in the Rx bit</a:t>
-            </a:r>
-          </a:p>
-          <a:p>
-            <a:r>
-              <a:rPr lang="en-US" sz="1800" b="0" strike="noStrike" spc="-1">
-                <a:latin typeface="Arial"/>
-              </a:rPr>
-              <a:t>		When 8 is reached, sends a high ready signal and a low receiving 		signal to indicate bits have stopped sending</a:t>
-            </a:r>
-          </a:p>
-          <a:p>
-            <a:endParaRPr lang="en-US" sz="1800" b="0" strike="noStrike" spc="-1">
-              <a:latin typeface="Arial"/>
-            </a:endParaRPr>
-          </a:p>
-        </p:txBody>
-      </p:sp>
-    </p:spTree>
-  </p:cSld>
-  <p:clrMapOvr>
-    <a:masterClrMapping/>
-  </p:clrMapOvr>
-</p:sld>
-</file>
-
-<file path=ppt/slides/slide32.xml><?xml version="1.0" encoding="utf-8"?>
-<p:sld xmlns:a="http://schemas.openxmlformats.org/drawingml/2006/main" xmlns:r="http://schemas.openxmlformats.org/officeDocument/2006/relationships" xmlns:p="http://schemas.openxmlformats.org/presentationml/2006/main">
-  <p:cSld>
-    <p:spTree>
-      <p:nvGrpSpPr>
-        <p:cNvPr id="1" name=""/>
-        <p:cNvGrpSpPr/>
-        <p:nvPr/>
-      </p:nvGrpSpPr>
-      <p:grpSpPr>
-        <a:xfrm>
-          <a:off x="0" y="0"/>
-          <a:ext cx="0" cy="0"/>
-          <a:chOff x="0" y="0"/>
-          <a:chExt cx="0" cy="0"/>
-        </a:xfrm>
-      </p:grpSpPr>
-      <p:sp>
-        <p:nvSpPr>
-          <p:cNvPr id="137" name="PlaceHolder 1"/>
-          <p:cNvSpPr>
-            <a:spLocks noGrp="1"/>
-          </p:cNvSpPr>
-          <p:nvPr>
-            <p:ph type="title"/>
-          </p:nvPr>
-        </p:nvSpPr>
-        <p:spPr>
-          <a:xfrm>
-            <a:off x="1504800" y="437040"/>
-            <a:ext cx="9234000" cy="498240"/>
-          </a:xfrm>
-          <a:prstGeom prst="rect">
-            <a:avLst/>
-          </a:prstGeom>
-          <a:noFill/>
-          <a:ln w="38160">
-            <a:noFill/>
-          </a:ln>
-        </p:spPr>
-        <p:txBody>
-          <a:bodyPr lIns="0" tIns="0" rIns="0" bIns="0" anchor="t">
-            <a:noAutofit/>
-          </a:bodyPr>
-          <a:lstStyle/>
-          <a:p>
-            <a:pPr>
-              <a:lnSpc>
-                <a:spcPct val="90000"/>
-              </a:lnSpc>
-              <a:buNone/>
-            </a:pPr>
-            <a:r>
-              <a:rPr lang="en-US" sz="3600" b="1" i="1" strike="noStrike" spc="-1">
-                <a:solidFill>
-                  <a:srgbClr val="C9B991"/>
-                </a:solidFill>
-                <a:latin typeface="Acumin Pro ExtraCondensed"/>
-              </a:rPr>
-              <a:t>I/O UART Rx Input Test Case</a:t>
-            </a:r>
-            <a:endParaRPr lang="en-US" sz="3600" b="0" strike="noStrike" spc="-1">
-              <a:solidFill>
-                <a:srgbClr val="000000"/>
-              </a:solidFill>
-              <a:latin typeface="Acumin Pro"/>
-            </a:endParaRPr>
-          </a:p>
-        </p:txBody>
-      </p:sp>
-      <p:sp>
-        <p:nvSpPr>
-          <p:cNvPr id="138" name="TextBox 137"/>
-          <p:cNvSpPr txBox="1"/>
-          <p:nvPr/>
-        </p:nvSpPr>
-        <p:spPr>
-          <a:xfrm>
-            <a:off x="1371600" y="1371600"/>
-            <a:ext cx="9601200" cy="4800600"/>
-          </a:xfrm>
-          <a:prstGeom prst="rect">
-            <a:avLst/>
-          </a:prstGeom>
-          <a:noFill/>
-          <a:ln w="0">
-            <a:noFill/>
-          </a:ln>
-        </p:spPr>
-        <p:txBody>
-          <a:bodyPr lIns="90000" tIns="45000" rIns="90000" bIns="45000" anchor="t">
-            <a:noAutofit/>
-          </a:bodyPr>
-          <a:lstStyle/>
-          <a:p>
-            <a:r>
-              <a:rPr lang="en-US" sz="1800" b="0" strike="noStrike" spc="-1">
-                <a:latin typeface="Arial"/>
-              </a:rPr>
-              <a:t>- Test that reset sets everything to 0</a:t>
-            </a:r>
-          </a:p>
-          <a:p>
-            <a:endParaRPr lang="en-US" sz="1800" b="0" strike="noStrike" spc="-1">
-              <a:latin typeface="Arial"/>
-            </a:endParaRPr>
-          </a:p>
-          <a:p>
-            <a:r>
-              <a:rPr lang="en-US" sz="1800" b="0" strike="noStrike" spc="-1">
-                <a:latin typeface="Arial"/>
-              </a:rPr>
-              <a:t>- Test that if you arent receiving and, and the Rx signal is low, then receive flag should now be high</a:t>
-            </a:r>
-          </a:p>
-          <a:p>
-            <a:endParaRPr lang="en-US" sz="1800" b="0" strike="noStrike" spc="-1">
-              <a:latin typeface="Arial"/>
-            </a:endParaRPr>
-          </a:p>
-          <a:p>
-            <a:r>
-              <a:rPr lang="en-US" sz="1800" b="0" strike="noStrike" spc="-1">
-                <a:latin typeface="Arial"/>
-              </a:rPr>
-              <a:t>- Test that the bit count increases after ‘BAUD rate’ clock cycles</a:t>
-            </a:r>
-          </a:p>
-          <a:p>
-            <a:endParaRPr lang="en-US" sz="1800" b="0" strike="noStrike" spc="-1">
-              <a:latin typeface="Arial"/>
-            </a:endParaRPr>
-          </a:p>
-          <a:p>
-            <a:r>
-              <a:rPr lang="en-US" sz="1800" b="0" strike="noStrike" spc="-1">
-                <a:latin typeface="Arial"/>
-              </a:rPr>
-              <a:t>- Test that we shift in a new bit after each BAUD Cycle. </a:t>
-            </a:r>
-          </a:p>
-          <a:p>
-            <a:endParaRPr lang="en-US" sz="1800" b="0" strike="noStrike" spc="-1">
-              <a:latin typeface="Arial"/>
-            </a:endParaRPr>
-          </a:p>
-          <a:p>
-            <a:r>
-              <a:rPr lang="en-US" sz="1800" b="0" strike="noStrike" spc="-1">
-                <a:latin typeface="Arial"/>
-              </a:rPr>
-              <a:t>- Test that after 8 bits get cycled in, receiving flag is low, shift contains all our input bits, and the ready flag turns on</a:t>
-            </a:r>
-          </a:p>
-          <a:p>
-            <a:endParaRPr lang="en-US" sz="1800" b="0" strike="noStrike" spc="-1">
-              <a:latin typeface="Arial"/>
-            </a:endParaRPr>
-          </a:p>
-          <a:p>
-            <a:r>
-              <a:rPr lang="en-US" sz="1800" b="0" strike="noStrike" spc="-1">
-                <a:latin typeface="Arial"/>
-              </a:rPr>
-              <a:t>- Test that on the next clock cycle (with ready = 1) , the data gets sent to memory, and the ready flag turns off. </a:t>
-            </a:r>
-          </a:p>
-          <a:p>
-            <a:endParaRPr lang="en-US" sz="1800" b="0" strike="noStrike" spc="-1">
-              <a:latin typeface="Arial"/>
-            </a:endParaRPr>
-          </a:p>
-          <a:p>
-            <a:r>
-              <a:rPr lang="en-US" sz="1800" b="0" strike="noStrike" spc="-1">
-                <a:latin typeface="Arial"/>
-              </a:rPr>
-              <a:t>- Test 3 or 4 different serial inputs and make sure they all are all sent to memory accurately</a:t>
-            </a:r>
-          </a:p>
-        </p:txBody>
-      </p:sp>
-    </p:spTree>
-  </p:cSld>
-  <p:clrMapOvr>
-    <a:masterClrMapping/>
-  </p:clrMapOvr>
-</p:sld>
-</file>
-
-<file path=ppt/slides/slide33.xml><?xml version="1.0" encoding="utf-8"?>
-<p:sld xmlns:a="http://schemas.openxmlformats.org/drawingml/2006/main" xmlns:r="http://schemas.openxmlformats.org/officeDocument/2006/relationships" xmlns:p="http://schemas.openxmlformats.org/presentationml/2006/main">
-  <p:cSld>
-    <p:spTree>
-      <p:nvGrpSpPr>
-        <p:cNvPr id="1" name=""/>
-        <p:cNvGrpSpPr/>
-        <p:nvPr/>
-      </p:nvGrpSpPr>
-      <p:grpSpPr>
-        <a:xfrm>
-          <a:off x="0" y="0"/>
-          <a:ext cx="0" cy="0"/>
-          <a:chOff x="0" y="0"/>
-          <a:chExt cx="0" cy="0"/>
-        </a:xfrm>
-      </p:grpSpPr>
-      <p:sp>
-        <p:nvSpPr>
-          <p:cNvPr id="139" name="PlaceHolder 1"/>
-          <p:cNvSpPr>
-            <a:spLocks noGrp="1"/>
-          </p:cNvSpPr>
-          <p:nvPr>
-            <p:ph type="title"/>
-          </p:nvPr>
-        </p:nvSpPr>
-        <p:spPr>
-          <a:xfrm>
-            <a:off x="1504800" y="437040"/>
-            <a:ext cx="9234000" cy="498240"/>
-          </a:xfrm>
-          <a:prstGeom prst="rect">
-            <a:avLst/>
-          </a:prstGeom>
-          <a:noFill/>
-          <a:ln w="38160">
-            <a:noFill/>
-          </a:ln>
-        </p:spPr>
-        <p:txBody>
-          <a:bodyPr lIns="0" tIns="0" rIns="0" bIns="0" anchor="t">
-            <a:noAutofit/>
-          </a:bodyPr>
-          <a:lstStyle/>
-          <a:p>
-            <a:pPr>
-              <a:lnSpc>
-                <a:spcPct val="90000"/>
-              </a:lnSpc>
-              <a:buNone/>
-            </a:pPr>
-            <a:r>
-              <a:rPr lang="en-US" sz="3600" b="1" i="1" strike="noStrike" spc="-1">
-                <a:solidFill>
-                  <a:srgbClr val="C9B991"/>
-                </a:solidFill>
-                <a:latin typeface="Acumin Pro ExtraCondensed"/>
-              </a:rPr>
-              <a:t>I/O VGA Output </a:t>
-            </a:r>
-            <a:endParaRPr lang="en-US" sz="3600" b="0" strike="noStrike" spc="-1">
-              <a:solidFill>
-                <a:srgbClr val="000000"/>
-              </a:solidFill>
-              <a:latin typeface="Acumin Pro"/>
-            </a:endParaRPr>
-          </a:p>
-        </p:txBody>
-      </p:sp>
-      <p:sp>
-        <p:nvSpPr>
-          <p:cNvPr id="140" name="Slide Number Placeholder 2"/>
-          <p:cNvSpPr/>
-          <p:nvPr/>
-        </p:nvSpPr>
-        <p:spPr>
-          <a:xfrm>
-            <a:off x="10784520" y="6293520"/>
-            <a:ext cx="284400" cy="231840"/>
-          </a:xfrm>
-          <a:prstGeom prst="ellipse">
-            <a:avLst/>
-          </a:prstGeom>
-          <a:noFill/>
-          <a:ln w="0">
-            <a:noFill/>
-          </a:ln>
-        </p:spPr>
-        <p:style>
-          <a:lnRef idx="0">
-            <a:scrgbClr r="0" g="0" b="0"/>
-          </a:lnRef>
-          <a:fillRef idx="0">
-            <a:scrgbClr r="0" g="0" b="0"/>
-          </a:fillRef>
-          <a:effectRef idx="0">
-            <a:scrgbClr r="0" g="0" b="0"/>
-          </a:effectRef>
-          <a:fontRef idx="minor"/>
-        </p:style>
-        <p:txBody>
-          <a:bodyPr lIns="18360" tIns="91440" rIns="18360" bIns="91440" anchor="ctr">
-            <a:noAutofit/>
-          </a:bodyPr>
-          <a:lstStyle/>
-          <a:p>
-            <a:pPr algn="ctr">
-              <a:lnSpc>
-                <a:spcPct val="100000"/>
-              </a:lnSpc>
-              <a:buNone/>
-            </a:pPr>
-            <a:fld id="{698CCFE2-6E6E-45F8-8D93-D60E3067889B}" type="slidenum">
-              <a:rPr lang="en-US" sz="1000" b="1" strike="noStrike" spc="-1">
-                <a:solidFill>
-                  <a:srgbClr val="000000"/>
-                </a:solidFill>
-                <a:latin typeface="Acumin Pro Semibold"/>
-              </a:rPr>
-              <a:t>33</a:t>
-            </a:fld>
-            <a:endParaRPr lang="en-US" sz="1000" b="0" strike="noStrike" spc="-1">
-              <a:latin typeface="Arial"/>
-            </a:endParaRPr>
-          </a:p>
-        </p:txBody>
-      </p:sp>
-      <p:pic>
-        <p:nvPicPr>
-          <p:cNvPr id="141" name="Picture 140"/>
-          <p:cNvPicPr/>
-          <p:nvPr/>
-        </p:nvPicPr>
-        <p:blipFill>
-          <a:blip r:embed="rId2"/>
-          <a:stretch/>
-        </p:blipFill>
-        <p:spPr>
-          <a:xfrm>
-            <a:off x="2057400" y="1143000"/>
-            <a:ext cx="8004600" cy="5486400"/>
-          </a:xfrm>
-          <a:prstGeom prst="rect">
-            <a:avLst/>
-          </a:prstGeom>
-          <a:ln w="0">
-            <a:noFill/>
-          </a:ln>
-        </p:spPr>
-      </p:pic>
-    </p:spTree>
-  </p:cSld>
-  <p:clrMapOvr>
-    <a:masterClrMapping/>
-  </p:clrMapOvr>
-</p:sld>
-</file>
-
-<file path=ppt/slides/slide34.xml><?xml version="1.0" encoding="utf-8"?>
-<p:sld xmlns:a="http://schemas.openxmlformats.org/drawingml/2006/main" xmlns:r="http://schemas.openxmlformats.org/officeDocument/2006/relationships" xmlns:p="http://schemas.openxmlformats.org/presentationml/2006/main">
-  <p:cSld>
-    <p:spTree>
-      <p:nvGrpSpPr>
-        <p:cNvPr id="1" name=""/>
-        <p:cNvGrpSpPr/>
-        <p:nvPr/>
-      </p:nvGrpSpPr>
-      <p:grpSpPr>
-        <a:xfrm>
-          <a:off x="0" y="0"/>
-          <a:ext cx="0" cy="0"/>
-          <a:chOff x="0" y="0"/>
-          <a:chExt cx="0" cy="0"/>
-        </a:xfrm>
-      </p:grpSpPr>
-      <p:sp>
-        <p:nvSpPr>
-          <p:cNvPr id="142" name="PlaceHolder 1"/>
-          <p:cNvSpPr>
-            <a:spLocks noGrp="1"/>
-          </p:cNvSpPr>
-          <p:nvPr>
-            <p:ph type="title"/>
-          </p:nvPr>
-        </p:nvSpPr>
-        <p:spPr>
-          <a:xfrm>
-            <a:off x="1504800" y="437040"/>
-            <a:ext cx="9234000" cy="498240"/>
-          </a:xfrm>
-          <a:prstGeom prst="rect">
-            <a:avLst/>
-          </a:prstGeom>
-          <a:noFill/>
-          <a:ln w="38160">
-            <a:noFill/>
-          </a:ln>
-        </p:spPr>
-        <p:txBody>
-          <a:bodyPr lIns="0" tIns="0" rIns="0" bIns="0" anchor="t">
-            <a:noAutofit/>
-          </a:bodyPr>
-          <a:lstStyle/>
-          <a:p>
-            <a:pPr>
-              <a:lnSpc>
-                <a:spcPct val="90000"/>
-              </a:lnSpc>
-              <a:buNone/>
-            </a:pPr>
-            <a:r>
-              <a:rPr lang="en-US" sz="3600" b="1" i="1" strike="noStrike" spc="-1">
-                <a:solidFill>
-                  <a:srgbClr val="C9B991"/>
-                </a:solidFill>
-                <a:latin typeface="Acumin Pro ExtraCondensed"/>
-              </a:rPr>
-              <a:t>I/O VGA Output Components</a:t>
-            </a:r>
-            <a:endParaRPr lang="en-US" sz="3600" b="0" strike="noStrike" spc="-1">
-              <a:solidFill>
-                <a:srgbClr val="000000"/>
-              </a:solidFill>
-              <a:latin typeface="Acumin Pro"/>
-            </a:endParaRPr>
-          </a:p>
-        </p:txBody>
-      </p:sp>
-      <p:sp>
-        <p:nvSpPr>
-          <p:cNvPr id="143" name="Slide Number Placeholder 3"/>
-          <p:cNvSpPr/>
-          <p:nvPr/>
-        </p:nvSpPr>
-        <p:spPr>
-          <a:xfrm>
-            <a:off x="10784520" y="6293520"/>
-            <a:ext cx="284400" cy="231840"/>
-          </a:xfrm>
-          <a:prstGeom prst="ellipse">
-            <a:avLst/>
-          </a:prstGeom>
-          <a:noFill/>
-          <a:ln w="0">
-            <a:noFill/>
-          </a:ln>
-        </p:spPr>
-        <p:style>
-          <a:lnRef idx="0">
-            <a:scrgbClr r="0" g="0" b="0"/>
-          </a:lnRef>
-          <a:fillRef idx="0">
-            <a:scrgbClr r="0" g="0" b="0"/>
-          </a:fillRef>
-          <a:effectRef idx="0">
-            <a:scrgbClr r="0" g="0" b="0"/>
-          </a:effectRef>
-          <a:fontRef idx="minor"/>
-        </p:style>
-        <p:txBody>
-          <a:bodyPr lIns="18360" tIns="91440" rIns="18360" bIns="91440" anchor="ctr">
-            <a:noAutofit/>
-          </a:bodyPr>
-          <a:lstStyle/>
-          <a:p>
-            <a:pPr algn="ctr">
-              <a:lnSpc>
-                <a:spcPct val="100000"/>
-              </a:lnSpc>
-              <a:buNone/>
-            </a:pPr>
-            <a:fld id="{28C9D99C-1755-4173-A0D0-86282F419961}" type="slidenum">
-              <a:rPr lang="en-US" sz="1000" b="1" strike="noStrike" spc="-1">
-                <a:solidFill>
-                  <a:srgbClr val="000000"/>
-                </a:solidFill>
-                <a:latin typeface="Acumin Pro Semibold"/>
-              </a:rPr>
-              <a:t>34</a:t>
-            </a:fld>
-            <a:endParaRPr lang="en-US" sz="1000" b="0" strike="noStrike" spc="-1">
-              <a:latin typeface="Arial"/>
-            </a:endParaRPr>
-          </a:p>
-        </p:txBody>
-      </p:sp>
-      <p:sp>
-        <p:nvSpPr>
-          <p:cNvPr id="144" name="TextBox 143"/>
-          <p:cNvSpPr txBox="1"/>
-          <p:nvPr/>
-        </p:nvSpPr>
-        <p:spPr>
-          <a:xfrm>
-            <a:off x="1371600" y="1143000"/>
-            <a:ext cx="9144000" cy="4697640"/>
-          </a:xfrm>
-          <a:prstGeom prst="rect">
-            <a:avLst/>
-          </a:prstGeom>
-          <a:noFill/>
-          <a:ln w="0">
-            <a:noFill/>
-          </a:ln>
-        </p:spPr>
-        <p:txBody>
-          <a:bodyPr lIns="90000" tIns="45000" rIns="90000" bIns="45000" anchor="t">
-            <a:noAutofit/>
-          </a:bodyPr>
-          <a:lstStyle/>
-          <a:p>
-            <a:r>
-              <a:rPr lang="en-US" sz="1800" b="1" strike="noStrike" spc="-1">
-                <a:latin typeface="Arial"/>
-              </a:rPr>
-              <a:t>FSM(H and V): </a:t>
-            </a:r>
-            <a:r>
-              <a:rPr lang="en-US" sz="1800" b="0" strike="noStrike" spc="-1">
-                <a:latin typeface="Arial"/>
-              </a:rPr>
-              <a:t>4 states: SYNC, BACKPORCH, ACTIVE, and FRONTPORCH</a:t>
-            </a:r>
-          </a:p>
-          <a:p>
-            <a:r>
-              <a:rPr lang="en-US" sz="1800" b="0" strike="noStrike" spc="-1">
-                <a:latin typeface="Arial"/>
-              </a:rPr>
-              <a:t>	</a:t>
-            </a:r>
-            <a:r>
-              <a:rPr lang="en-US" sz="1800" b="1" strike="noStrike" spc="-1">
-                <a:latin typeface="Arial"/>
-              </a:rPr>
-              <a:t>State sequence:</a:t>
-            </a:r>
-            <a:r>
-              <a:rPr lang="en-US" sz="1800" b="0" strike="noStrike" spc="-1">
-                <a:latin typeface="Arial"/>
-              </a:rPr>
-              <a:t> each change_state high input triggers next state.</a:t>
-            </a:r>
-          </a:p>
-          <a:p>
-            <a:r>
-              <a:rPr lang="en-US" sz="1800" b="0" strike="noStrike" spc="-1">
-                <a:latin typeface="Arial"/>
-              </a:rPr>
-              <a:t>	</a:t>
-            </a:r>
-            <a:r>
-              <a:rPr lang="en-US" sz="1800" b="1" strike="noStrike" spc="-1">
-                <a:latin typeface="Arial"/>
-              </a:rPr>
-              <a:t>Output logic:</a:t>
-            </a:r>
-            <a:r>
-              <a:rPr lang="en-US" sz="1800" b="0" strike="noStrike" spc="-1">
-                <a:latin typeface="Arial"/>
-              </a:rPr>
-              <a:t> high signal output for the current state</a:t>
-            </a:r>
-          </a:p>
-          <a:p>
-            <a:endParaRPr lang="en-US" sz="1800" b="0" strike="noStrike" spc="-1">
-              <a:latin typeface="Arial"/>
-            </a:endParaRPr>
-          </a:p>
-          <a:p>
-            <a:r>
-              <a:rPr lang="en-US" sz="1800" b="1" strike="noStrike" spc="-1">
-                <a:latin typeface="Arial"/>
-              </a:rPr>
-              <a:t>HSYNC Counter:</a:t>
-            </a:r>
-            <a:r>
-              <a:rPr lang="en-US" sz="1800" b="0" strike="noStrike" spc="-1">
-                <a:latin typeface="Arial"/>
-              </a:rPr>
-              <a:t> Depending on input state signal, the max count changes. Counts on 		clock cycle</a:t>
-            </a:r>
-          </a:p>
-          <a:p>
-            <a:r>
-              <a:rPr lang="en-US" sz="1800" b="1" strike="noStrike" spc="-1">
-                <a:latin typeface="Arial"/>
-              </a:rPr>
-              <a:t>	Output:</a:t>
-            </a:r>
-            <a:r>
-              <a:rPr lang="en-US" sz="1800" b="0" strike="noStrike" spc="-1">
-                <a:latin typeface="Arial"/>
-              </a:rPr>
-              <a:t> When max count is reached, change_state_h signal is high</a:t>
-            </a:r>
-          </a:p>
-          <a:p>
-            <a:r>
-              <a:rPr lang="en-US" sz="1800" b="0" strike="noStrike" spc="-1">
-                <a:latin typeface="Arial"/>
-              </a:rPr>
-              <a:t>		When FRONTPORCH state and max count are high, v_count_toggle 		signal is 	high</a:t>
-            </a:r>
-          </a:p>
-          <a:p>
-            <a:endParaRPr lang="en-US" sz="1800" b="0" strike="noStrike" spc="-1">
-              <a:latin typeface="Arial"/>
-            </a:endParaRPr>
-          </a:p>
-          <a:p>
-            <a:pPr>
-              <a:lnSpc>
-                <a:spcPct val="100000"/>
-              </a:lnSpc>
-              <a:buNone/>
-            </a:pPr>
-            <a:r>
-              <a:rPr lang="en-US" sz="1800" b="1" strike="noStrike" spc="-1">
-                <a:latin typeface="Arial"/>
-              </a:rPr>
-              <a:t>VSYNC Counter:</a:t>
-            </a:r>
-            <a:r>
-              <a:rPr lang="en-US" sz="1800" b="0" strike="noStrike" spc="-1">
-                <a:latin typeface="Arial"/>
-              </a:rPr>
-              <a:t> Depending on input state signal, the max count changes. Counts on 		v_count_toggle input</a:t>
-            </a:r>
-          </a:p>
-          <a:p>
-            <a:pPr>
-              <a:lnSpc>
-                <a:spcPct val="100000"/>
-              </a:lnSpc>
-              <a:buNone/>
-            </a:pPr>
-            <a:r>
-              <a:rPr lang="en-US" sz="1800" b="1" strike="noStrike" spc="-1">
-                <a:latin typeface="Arial"/>
-              </a:rPr>
-              <a:t>	Output:</a:t>
-            </a:r>
-            <a:r>
-              <a:rPr lang="en-US" sz="1800" b="0" strike="noStrike" spc="-1">
-                <a:latin typeface="Arial"/>
-              </a:rPr>
-              <a:t> When max count is reached, change_state_v signal is high</a:t>
-            </a:r>
-          </a:p>
-          <a:p>
-            <a:endParaRPr lang="en-US" sz="1800" b="0" strike="noStrike" spc="-1">
-              <a:latin typeface="Arial"/>
-            </a:endParaRPr>
-          </a:p>
-          <a:p>
-            <a:r>
-              <a:rPr lang="en-US" sz="1800" b="1" strike="noStrike" spc="-1">
-                <a:latin typeface="Arial"/>
-              </a:rPr>
-              <a:t>Offset Adder: </a:t>
-            </a:r>
-            <a:r>
-              <a:rPr lang="en-US" sz="1800" b="0" strike="noStrike" spc="-1">
-                <a:latin typeface="Arial"/>
-              </a:rPr>
-              <a:t>If both FSMs are in ACTIVE, reads h_count and v_count and does 	         operations on them. </a:t>
-            </a:r>
-          </a:p>
-          <a:p>
-            <a:r>
-              <a:rPr lang="en-US" sz="1800" b="0" strike="noStrike" spc="-1">
-                <a:latin typeface="Arial"/>
-              </a:rPr>
-              <a:t>	</a:t>
-            </a:r>
-            <a:r>
-              <a:rPr lang="en-US" sz="1800" b="1" strike="noStrike" spc="-1">
-                <a:latin typeface="Arial"/>
-              </a:rPr>
-              <a:t>Output: </a:t>
-            </a:r>
-            <a:r>
-              <a:rPr lang="en-US" sz="1800" b="0" strike="noStrike" spc="-1">
-                <a:latin typeface="Arial"/>
-              </a:rPr>
-              <a:t>read_offset = (640 * v_count) + h_count</a:t>
-            </a:r>
-          </a:p>
-          <a:p>
-            <a:endParaRPr lang="en-US" sz="1800" b="0" strike="noStrike" spc="-1">
-              <a:latin typeface="Arial"/>
-            </a:endParaRPr>
-          </a:p>
-        </p:txBody>
-      </p:sp>
-    </p:spTree>
-  </p:cSld>
-  <p:clrMapOvr>
-    <a:masterClrMapping/>
-  </p:clrMapOvr>
-</p:sld>
-</file>
-
-<file path=ppt/slides/slide35.xml><?xml version="1.0" encoding="utf-8"?>
-<p:sld xmlns:a="http://schemas.openxmlformats.org/drawingml/2006/main" xmlns:r="http://schemas.openxmlformats.org/officeDocument/2006/relationships" xmlns:p="http://schemas.openxmlformats.org/presentationml/2006/main">
-  <p:cSld>
-    <p:spTree>
-      <p:nvGrpSpPr>
-        <p:cNvPr id="1" name=""/>
-        <p:cNvGrpSpPr/>
-        <p:nvPr/>
-      </p:nvGrpSpPr>
-      <p:grpSpPr>
-        <a:xfrm>
-          <a:off x="0" y="0"/>
-          <a:ext cx="0" cy="0"/>
-          <a:chOff x="0" y="0"/>
-          <a:chExt cx="0" cy="0"/>
-        </a:xfrm>
-      </p:grpSpPr>
-      <p:sp>
-        <p:nvSpPr>
-          <p:cNvPr id="145" name="PlaceHolder 1"/>
-          <p:cNvSpPr>
-            <a:spLocks noGrp="1"/>
-          </p:cNvSpPr>
-          <p:nvPr>
-            <p:ph type="title"/>
-          </p:nvPr>
-        </p:nvSpPr>
-        <p:spPr>
-          <a:xfrm>
-            <a:off x="1504800" y="437040"/>
-            <a:ext cx="9234000" cy="498240"/>
-          </a:xfrm>
-          <a:prstGeom prst="rect">
-            <a:avLst/>
-          </a:prstGeom>
-          <a:noFill/>
-          <a:ln w="38160">
-            <a:noFill/>
-          </a:ln>
-        </p:spPr>
-        <p:txBody>
-          <a:bodyPr lIns="0" tIns="0" rIns="0" bIns="0" anchor="t">
-            <a:noAutofit/>
-          </a:bodyPr>
-          <a:lstStyle/>
-          <a:p>
-            <a:pPr>
-              <a:lnSpc>
-                <a:spcPct val="90000"/>
-              </a:lnSpc>
-              <a:buNone/>
-            </a:pPr>
-            <a:r>
-              <a:rPr lang="en-US" sz="3600" b="1" i="1" strike="noStrike" spc="-1">
-                <a:solidFill>
-                  <a:srgbClr val="C9B991"/>
-                </a:solidFill>
-                <a:latin typeface="Acumin Pro ExtraCondensed"/>
-              </a:rPr>
-              <a:t>I/O VGA Output Test Case</a:t>
-            </a:r>
-            <a:endParaRPr lang="en-US" sz="3600" b="0" strike="noStrike" spc="-1">
-              <a:solidFill>
-                <a:srgbClr val="000000"/>
-              </a:solidFill>
-              <a:latin typeface="Acumin Pro"/>
-            </a:endParaRPr>
-          </a:p>
-        </p:txBody>
-      </p:sp>
-      <p:sp>
-        <p:nvSpPr>
-          <p:cNvPr id="146" name="Slide Number Placeholder 1"/>
-          <p:cNvSpPr/>
-          <p:nvPr/>
-        </p:nvSpPr>
-        <p:spPr>
-          <a:xfrm>
-            <a:off x="10784520" y="6293520"/>
-            <a:ext cx="284400" cy="231840"/>
-          </a:xfrm>
-          <a:prstGeom prst="ellipse">
-            <a:avLst/>
-          </a:prstGeom>
-          <a:noFill/>
-          <a:ln w="0">
-            <a:noFill/>
-          </a:ln>
-        </p:spPr>
-        <p:style>
-          <a:lnRef idx="0">
-            <a:scrgbClr r="0" g="0" b="0"/>
-          </a:lnRef>
-          <a:fillRef idx="0">
-            <a:scrgbClr r="0" g="0" b="0"/>
-          </a:fillRef>
-          <a:effectRef idx="0">
-            <a:scrgbClr r="0" g="0" b="0"/>
-          </a:effectRef>
-          <a:fontRef idx="minor"/>
-        </p:style>
-        <p:txBody>
-          <a:bodyPr lIns="18360" tIns="91440" rIns="18360" bIns="91440" anchor="ctr">
-            <a:noAutofit/>
-          </a:bodyPr>
-          <a:lstStyle/>
-          <a:p>
-            <a:pPr algn="ctr">
-              <a:lnSpc>
-                <a:spcPct val="100000"/>
-              </a:lnSpc>
-              <a:buNone/>
-            </a:pPr>
-            <a:fld id="{3F24FEB4-A9C3-4C61-960E-939CDE7460CA}" type="slidenum">
-              <a:rPr lang="en-US" sz="1000" b="1" strike="noStrike" spc="-1">
-                <a:solidFill>
-                  <a:srgbClr val="000000"/>
-                </a:solidFill>
-                <a:latin typeface="Acumin Pro Semibold"/>
-              </a:rPr>
-              <a:t>35</a:t>
-            </a:fld>
-            <a:endParaRPr lang="en-US" sz="1000" b="0" strike="noStrike" spc="-1">
-              <a:latin typeface="Arial"/>
-            </a:endParaRPr>
-          </a:p>
-        </p:txBody>
-      </p:sp>
-      <p:sp>
-        <p:nvSpPr>
-          <p:cNvPr id="147" name="TextBox 146"/>
-          <p:cNvSpPr txBox="1"/>
-          <p:nvPr/>
-        </p:nvSpPr>
-        <p:spPr>
-          <a:xfrm>
-            <a:off x="1143000" y="1143000"/>
-            <a:ext cx="9829800" cy="5257800"/>
-          </a:xfrm>
-          <a:prstGeom prst="rect">
-            <a:avLst/>
-          </a:prstGeom>
-          <a:noFill/>
-          <a:ln w="0">
-            <a:noFill/>
-          </a:ln>
-        </p:spPr>
-        <p:txBody>
-          <a:bodyPr lIns="90000" tIns="45000" rIns="90000" bIns="45000" anchor="t">
-            <a:noAutofit/>
-          </a:bodyPr>
-          <a:lstStyle/>
-          <a:p>
-            <a:r>
-              <a:rPr lang="en-US" sz="1800" b="0" strike="noStrike" spc="-1">
-                <a:latin typeface="Arial"/>
-              </a:rPr>
-              <a:t>- Test that starting state is SYNC for both H and V upon reset, and HSYNC and VSYNC are low</a:t>
-            </a:r>
-          </a:p>
-          <a:p>
-            <a:endParaRPr lang="en-US" sz="1800" b="0" strike="noStrike" spc="-1">
-              <a:latin typeface="Arial"/>
-            </a:endParaRPr>
-          </a:p>
-          <a:p>
-            <a:r>
-              <a:rPr lang="en-US" sz="1800" b="0" strike="noStrike" spc="-1">
-                <a:latin typeface="Arial"/>
-              </a:rPr>
-              <a:t>- Test that after *sync clk cycles, we change hsync state into BACKPORCH and turn HSYNC output to 1</a:t>
-            </a:r>
-          </a:p>
-          <a:p>
-            <a:endParaRPr lang="en-US" sz="1800" b="0" strike="noStrike" spc="-1">
-              <a:latin typeface="Arial"/>
-            </a:endParaRPr>
-          </a:p>
-          <a:p>
-            <a:r>
-              <a:rPr lang="en-US" sz="1800" b="0" strike="noStrike" spc="-1">
-                <a:latin typeface="Arial"/>
-              </a:rPr>
-              <a:t>- Test that after *backporch clk cycles, we change hsync state into ACTIVE</a:t>
-            </a:r>
-          </a:p>
-          <a:p>
-            <a:endParaRPr lang="en-US" sz="1800" b="0" strike="noStrike" spc="-1">
-              <a:latin typeface="Arial"/>
-            </a:endParaRPr>
-          </a:p>
-          <a:p>
-            <a:r>
-              <a:rPr lang="en-US" sz="1800" b="0" strike="noStrike" spc="-1">
-                <a:latin typeface="Arial"/>
-              </a:rPr>
-              <a:t>- Test that while active, data is sent out only if h_active and v_active are both high</a:t>
-            </a:r>
-          </a:p>
-          <a:p>
-            <a:endParaRPr lang="en-US" sz="1800" b="0" strike="noStrike" spc="-1">
-              <a:latin typeface="Arial"/>
-            </a:endParaRPr>
-          </a:p>
-          <a:p>
-            <a:r>
-              <a:rPr lang="en-US" sz="1800" b="0" strike="noStrike" spc="-1">
-                <a:latin typeface="Arial"/>
-              </a:rPr>
-              <a:t>- Test that after *active clk cycles, we change state to FRONTPORCH, and once *frontporch clk cycles have passed, v_count_toggle becomes high, and the state goes to SYNC</a:t>
-            </a:r>
-          </a:p>
-          <a:p>
-            <a:endParaRPr lang="en-US" sz="1800" b="0" strike="noStrike" spc="-1">
-              <a:latin typeface="Arial"/>
-            </a:endParaRPr>
-          </a:p>
-          <a:p>
-            <a:r>
-              <a:rPr lang="en-US" sz="1800" b="0" strike="noStrike" spc="-1">
-                <a:latin typeface="Arial"/>
-              </a:rPr>
-              <a:t>- Test that after 2 HSYNC cycles, vsync state enters FRONTPORCH and VSYNC is high</a:t>
-            </a:r>
-          </a:p>
-          <a:p>
-            <a:endParaRPr lang="en-US" sz="1800" b="0" strike="noStrike" spc="-1">
-              <a:latin typeface="Arial"/>
-            </a:endParaRPr>
-          </a:p>
-          <a:p>
-            <a:r>
-              <a:rPr lang="en-US" sz="1800" b="0" strike="noStrike" spc="-1">
-                <a:latin typeface="Arial"/>
-              </a:rPr>
-              <a:t>- Test that when VSTATE is ACTIVE, data is being sent out of the system</a:t>
-            </a:r>
-          </a:p>
-          <a:p>
-            <a:endParaRPr lang="en-US" sz="1800" b="0" strike="noStrike" spc="-1">
-              <a:latin typeface="Arial"/>
-            </a:endParaRPr>
-          </a:p>
-          <a:p>
-            <a:r>
-              <a:rPr lang="en-US" sz="1800" b="0" strike="noStrike" spc="-1">
-                <a:latin typeface="Arial"/>
-              </a:rPr>
-              <a:t>- Test that after final frontporch clock cycle in both V and H, offset resets and both enter SYNC state</a:t>
-            </a:r>
-          </a:p>
-          <a:p>
-            <a:endParaRPr lang="en-US" sz="1800" b="0" strike="noStrike" spc="-1">
-              <a:latin typeface="Arial"/>
-            </a:endParaRPr>
-          </a:p>
-          <a:p>
-            <a:r>
-              <a:rPr lang="en-US" sz="1800" b="0" strike="noStrike" spc="-1">
-                <a:latin typeface="Arial"/>
-              </a:rPr>
-              <a:t>- Test with various memory register information to ensure proper functionality</a:t>
-            </a:r>
-          </a:p>
-        </p:txBody>
-      </p:sp>
-    </p:spTree>
-  </p:cSld>
-  <p:clrMapOvr>
-    <a:masterClrMapping/>
-  </p:clrMapOvr>
-</p:sld>
-</file>
-
-<file path=ppt/slides/slide36.xml><?xml version="1.0" encoding="utf-8"?>
-<p:sld xmlns:a="http://schemas.openxmlformats.org/drawingml/2006/main" xmlns:r="http://schemas.openxmlformats.org/officeDocument/2006/relationships" xmlns:p="http://schemas.openxmlformats.org/presentationml/2006/main">
-  <p:cSld>
-    <p:spTree>
-      <p:nvGrpSpPr>
-        <p:cNvPr id="1" name=""/>
-        <p:cNvGrpSpPr/>
-        <p:nvPr/>
-      </p:nvGrpSpPr>
-      <p:grpSpPr>
-        <a:xfrm>
-          <a:off x="0" y="0"/>
-          <a:ext cx="0" cy="0"/>
-          <a:chOff x="0" y="0"/>
-          <a:chExt cx="0" cy="0"/>
-        </a:xfrm>
-      </p:grpSpPr>
-      <p:sp>
-        <p:nvSpPr>
-          <p:cNvPr id="2" name="Title 1">
-            <a:extLst>
-              <a:ext uri="{FF2B5EF4-FFF2-40B4-BE49-F238E27FC236}">
-                <a16:creationId xmlns:a16="http://schemas.microsoft.com/office/drawing/2014/main" id="{2A427F76-CB66-0CB4-F93D-0E794FED92CD}"/>
-              </a:ext>
-            </a:extLst>
-          </p:cNvPr>
-          <p:cNvSpPr>
-            <a:spLocks noGrp="1"/>
-          </p:cNvSpPr>
-          <p:nvPr>
-            <p:ph type="ctrTitle"/>
-          </p:nvPr>
-        </p:nvSpPr>
-        <p:spPr>
-          <a:xfrm>
-            <a:off x="1504670" y="437030"/>
-            <a:ext cx="9234309" cy="498598"/>
-          </a:xfrm>
-        </p:spPr>
-        <p:txBody>
-          <a:bodyPr/>
-          <a:lstStyle/>
-          <a:p>
-            <a:r>
-              <a:rPr lang="en-US" dirty="0"/>
-              <a:t>Timeline</a:t>
-            </a:r>
-          </a:p>
-        </p:txBody>
-      </p:sp>
-      <p:sp>
-        <p:nvSpPr>
-          <p:cNvPr id="4" name="Text Placeholder 3">
-            <a:extLst>
-              <a:ext uri="{FF2B5EF4-FFF2-40B4-BE49-F238E27FC236}">
-                <a16:creationId xmlns:a16="http://schemas.microsoft.com/office/drawing/2014/main" id="{5FF83E65-FC57-22E2-3261-0D37083D17A9}"/>
-              </a:ext>
-            </a:extLst>
-          </p:cNvPr>
-          <p:cNvSpPr>
-            <a:spLocks noGrp="1"/>
-          </p:cNvSpPr>
-          <p:nvPr>
-            <p:ph type="body" sz="quarter" idx="14"/>
-          </p:nvPr>
-        </p:nvSpPr>
-        <p:spPr>
-          <a:xfrm>
-            <a:off x="2064139" y="1301568"/>
-            <a:ext cx="7366000" cy="3411537"/>
-          </a:xfrm>
-        </p:spPr>
-        <p:txBody>
-          <a:bodyPr>
-            <a:normAutofit/>
-          </a:bodyPr>
-          <a:lstStyle/>
-          <a:p>
-            <a:r>
-              <a:rPr lang="en-US" sz="2400" dirty="0"/>
-              <a:t>Finish Verilog by Saturday (6/22)</a:t>
-            </a:r>
-          </a:p>
-          <a:p>
-            <a:r>
-              <a:rPr lang="en-US" sz="2400" dirty="0"/>
-              <a:t>Finish testbenches and integration by next Wednesday (6/26)</a:t>
-            </a:r>
-          </a:p>
-          <a:p>
-            <a:r>
-              <a:rPr lang="en-US" sz="2400" dirty="0"/>
-              <a:t>Finish rest and overall testbench by next Friday (6/28)</a:t>
-            </a:r>
-          </a:p>
-          <a:p>
-            <a:endParaRPr lang="en-US" sz="2400" dirty="0"/>
-          </a:p>
-        </p:txBody>
-      </p:sp>
-      <p:sp>
-        <p:nvSpPr>
-          <p:cNvPr id="5" name="Slide Number Placeholder 4">
-            <a:extLst>
-              <a:ext uri="{FF2B5EF4-FFF2-40B4-BE49-F238E27FC236}">
-                <a16:creationId xmlns:a16="http://schemas.microsoft.com/office/drawing/2014/main" id="{F6B32E56-317D-74AB-8DC0-3E02E47FFDE7}"/>
-              </a:ext>
-            </a:extLst>
-          </p:cNvPr>
-          <p:cNvSpPr>
-            <a:spLocks noGrp="1"/>
-          </p:cNvSpPr>
-          <p:nvPr>
-            <p:ph type="sldNum" sz="quarter" idx="12"/>
-          </p:nvPr>
-        </p:nvSpPr>
-        <p:spPr/>
-        <p:txBody>
-          <a:bodyPr/>
-          <a:lstStyle/>
-          <a:p>
-            <a:fld id="{88B5220A-EB23-48F3-9FB6-FE2BFABBF45A}" type="slidenum">
-              <a:rPr lang="en-US" smtClean="0"/>
-              <a:t>36</a:t>
-            </a:fld>
-            <a:endParaRPr lang="en-US" dirty="0"/>
-          </a:p>
-        </p:txBody>
-      </p:sp>
-    </p:spTree>
-    <p:extLst>
-      <p:ext uri="{BB962C8B-B14F-4D97-AF65-F5344CB8AC3E}">
-        <p14:creationId xmlns:p14="http://schemas.microsoft.com/office/powerpoint/2010/main" val="719396425"/>
-      </p:ext>
-    </p:extLst>
-  </p:cSld>
-  <p:clrMapOvr>
-    <a:masterClrMapping/>
-  </p:clrMapOvr>
-</p:sld>
-</file>
-
-<file path=ppt/slides/slide37.xml><?xml version="1.0" encoding="utf-8"?>
-<p:sld xmlns:a="http://schemas.openxmlformats.org/drawingml/2006/main" xmlns:r="http://schemas.openxmlformats.org/officeDocument/2006/relationships" xmlns:p="http://schemas.openxmlformats.org/presentationml/2006/main">
-  <p:cSld>
-    <p:spTree>
-      <p:nvGrpSpPr>
-        <p:cNvPr id="1" name=""/>
-        <p:cNvGrpSpPr/>
-        <p:nvPr/>
-      </p:nvGrpSpPr>
-      <p:grpSpPr>
-        <a:xfrm>
-          <a:off x="0" y="0"/>
-          <a:ext cx="0" cy="0"/>
-          <a:chOff x="0" y="0"/>
-          <a:chExt cx="0" cy="0"/>
-        </a:xfrm>
-      </p:grpSpPr>
-      <p:sp>
-        <p:nvSpPr>
-          <p:cNvPr id="2" name="Title 1">
-            <a:extLst>
-              <a:ext uri="{FF2B5EF4-FFF2-40B4-BE49-F238E27FC236}">
-                <a16:creationId xmlns:a16="http://schemas.microsoft.com/office/drawing/2014/main" id="{84E2E6AF-4C46-F611-0830-0584094CF72D}"/>
-              </a:ext>
-            </a:extLst>
-          </p:cNvPr>
-          <p:cNvSpPr>
-            <a:spLocks noGrp="1"/>
-          </p:cNvSpPr>
-          <p:nvPr>
-            <p:ph type="ctrTitle"/>
-          </p:nvPr>
-        </p:nvSpPr>
-        <p:spPr>
-          <a:xfrm>
-            <a:off x="1504670" y="437030"/>
-            <a:ext cx="9234309" cy="498598"/>
-          </a:xfrm>
-        </p:spPr>
-        <p:txBody>
-          <a:bodyPr/>
-          <a:lstStyle/>
-          <a:p>
-            <a:r>
-              <a:rPr lang="en-US" dirty="0"/>
-              <a:t>Expected Obstacles</a:t>
-            </a:r>
-          </a:p>
-        </p:txBody>
-      </p:sp>
-      <p:sp>
-        <p:nvSpPr>
-          <p:cNvPr id="4" name="Text Placeholder 3">
-            <a:extLst>
-              <a:ext uri="{FF2B5EF4-FFF2-40B4-BE49-F238E27FC236}">
-                <a16:creationId xmlns:a16="http://schemas.microsoft.com/office/drawing/2014/main" id="{B44DD88A-56DA-9FD9-78FF-2228D1EE0F97}"/>
-              </a:ext>
-            </a:extLst>
-          </p:cNvPr>
-          <p:cNvSpPr>
-            <a:spLocks noGrp="1"/>
-          </p:cNvSpPr>
-          <p:nvPr>
-            <p:ph type="body" sz="quarter" idx="14"/>
-          </p:nvPr>
-        </p:nvSpPr>
-        <p:spPr>
-          <a:xfrm>
-            <a:off x="2073470" y="1329560"/>
-            <a:ext cx="7366000" cy="4936995"/>
-          </a:xfrm>
-        </p:spPr>
-        <p:txBody>
-          <a:bodyPr>
-            <a:normAutofit/>
-          </a:bodyPr>
-          <a:lstStyle/>
-          <a:p>
-            <a:r>
-              <a:rPr lang="en-US" sz="2400" dirty="0"/>
-              <a:t>Integrating Modules</a:t>
-            </a:r>
-          </a:p>
-          <a:p>
-            <a:r>
-              <a:rPr lang="en-US" sz="2400" dirty="0"/>
-              <a:t>Overlap with Fetch Execute Cycles</a:t>
-            </a:r>
-          </a:p>
-          <a:p>
-            <a:r>
-              <a:rPr lang="en-US" sz="2400" dirty="0"/>
-              <a:t>Integrating IO with CPU</a:t>
-            </a:r>
-          </a:p>
-          <a:p>
-            <a:r>
-              <a:rPr lang="en-US" sz="2400" dirty="0"/>
-              <a:t>Image generation</a:t>
-            </a:r>
-          </a:p>
-          <a:p>
-            <a:endParaRPr lang="en-US" sz="2400" dirty="0"/>
-          </a:p>
-          <a:p>
-            <a:r>
-              <a:rPr lang="en-US" sz="2400" dirty="0" err="1"/>
-              <a:t>Testbenching</a:t>
-            </a:r>
-            <a:r>
-              <a:rPr lang="en-US" sz="2400" dirty="0"/>
-              <a:t> (a lot of </a:t>
-            </a:r>
-            <a:r>
-              <a:rPr lang="en-US" sz="2400" dirty="0" err="1"/>
-              <a:t>testbenching</a:t>
-            </a:r>
-            <a:r>
-              <a:rPr lang="en-US" sz="2400" dirty="0"/>
-              <a:t>)</a:t>
-            </a:r>
-          </a:p>
-        </p:txBody>
-      </p:sp>
-      <p:sp>
-        <p:nvSpPr>
-          <p:cNvPr id="5" name="Slide Number Placeholder 4">
-            <a:extLst>
-              <a:ext uri="{FF2B5EF4-FFF2-40B4-BE49-F238E27FC236}">
-                <a16:creationId xmlns:a16="http://schemas.microsoft.com/office/drawing/2014/main" id="{682D4168-ECD1-209B-6680-7551993E2135}"/>
-              </a:ext>
-            </a:extLst>
-          </p:cNvPr>
-          <p:cNvSpPr>
-            <a:spLocks noGrp="1"/>
-          </p:cNvSpPr>
-          <p:nvPr>
-            <p:ph type="sldNum" sz="quarter" idx="12"/>
-          </p:nvPr>
-        </p:nvSpPr>
-        <p:spPr/>
-        <p:txBody>
-          <a:bodyPr/>
-          <a:lstStyle/>
-          <a:p>
-            <a:fld id="{88B5220A-EB23-48F3-9FB6-FE2BFABBF45A}" type="slidenum">
-              <a:rPr lang="en-US" smtClean="0"/>
-              <a:t>37</a:t>
-            </a:fld>
-            <a:endParaRPr lang="en-US" dirty="0"/>
-          </a:p>
-        </p:txBody>
-      </p:sp>
-    </p:spTree>
-    <p:extLst>
-      <p:ext uri="{BB962C8B-B14F-4D97-AF65-F5344CB8AC3E}">
-        <p14:creationId xmlns:p14="http://schemas.microsoft.com/office/powerpoint/2010/main" val="3140182961"/>
-      </p:ext>
-    </p:extLst>
-  </p:cSld>
-  <p:clrMapOvr>
-    <a:masterClrMapping/>
-  </p:clrMapOvr>
-</p:sld>
-</file>
-
-<file path=ppt/slides/slide38.xml><?xml version="1.0" encoding="utf-8"?>
-<p:sld xmlns:a="http://schemas.openxmlformats.org/drawingml/2006/main" xmlns:r="http://schemas.openxmlformats.org/officeDocument/2006/relationships" xmlns:p="http://schemas.openxmlformats.org/presentationml/2006/main">
-  <p:cSld>
-    <p:spTree>
-      <p:nvGrpSpPr>
-        <p:cNvPr id="1" name=""/>
-        <p:cNvGrpSpPr/>
-        <p:nvPr/>
-      </p:nvGrpSpPr>
-      <p:grpSpPr>
-        <a:xfrm>
-          <a:off x="0" y="0"/>
-          <a:ext cx="0" cy="0"/>
-          <a:chOff x="0" y="0"/>
-          <a:chExt cx="0" cy="0"/>
-        </a:xfrm>
-      </p:grpSpPr>
-      <p:sp>
-        <p:nvSpPr>
-          <p:cNvPr id="2" name="Title 1">
-            <a:extLst>
-              <a:ext uri="{FF2B5EF4-FFF2-40B4-BE49-F238E27FC236}">
-                <a16:creationId xmlns:a16="http://schemas.microsoft.com/office/drawing/2014/main" id="{E5D8384E-5B3E-4125-E222-1A777665EB16}"/>
-              </a:ext>
-            </a:extLst>
-          </p:cNvPr>
-          <p:cNvSpPr>
-            <a:spLocks noGrp="1"/>
-          </p:cNvSpPr>
-          <p:nvPr>
-            <p:ph type="ctrTitle"/>
-          </p:nvPr>
-        </p:nvSpPr>
-        <p:spPr>
-          <a:xfrm>
-            <a:off x="1504670" y="437030"/>
-            <a:ext cx="9234309" cy="498598"/>
-          </a:xfrm>
-        </p:spPr>
-        <p:txBody>
-          <a:bodyPr/>
-          <a:lstStyle/>
-          <a:p>
-            <a:r>
-              <a:rPr lang="en-US" dirty="0"/>
-              <a:t>IO CPU Integration Potential Solution</a:t>
-            </a:r>
-          </a:p>
-        </p:txBody>
-      </p:sp>
-      <p:sp>
-        <p:nvSpPr>
-          <p:cNvPr id="5" name="Slide Number Placeholder 4">
-            <a:extLst>
-              <a:ext uri="{FF2B5EF4-FFF2-40B4-BE49-F238E27FC236}">
-                <a16:creationId xmlns:a16="http://schemas.microsoft.com/office/drawing/2014/main" id="{33320E32-568A-AEA6-F728-7717F42FF289}"/>
-              </a:ext>
-            </a:extLst>
-          </p:cNvPr>
-          <p:cNvSpPr>
-            <a:spLocks noGrp="1"/>
-          </p:cNvSpPr>
-          <p:nvPr>
-            <p:ph type="sldNum" sz="quarter" idx="12"/>
-          </p:nvPr>
-        </p:nvSpPr>
-        <p:spPr/>
-        <p:txBody>
-          <a:bodyPr/>
-          <a:lstStyle/>
-          <a:p>
-            <a:fld id="{88B5220A-EB23-48F3-9FB6-FE2BFABBF45A}" type="slidenum">
-              <a:rPr lang="en-US" smtClean="0"/>
-              <a:t>38</a:t>
-            </a:fld>
-            <a:endParaRPr lang="en-US" dirty="0"/>
-          </a:p>
-        </p:txBody>
-      </p:sp>
-      <p:pic>
-        <p:nvPicPr>
-          <p:cNvPr id="7" name="Picture 6" descr="A screen shot of a computer program&#10;&#10;Description automatically generated">
-            <a:extLst>
-              <a:ext uri="{FF2B5EF4-FFF2-40B4-BE49-F238E27FC236}">
-                <a16:creationId xmlns:a16="http://schemas.microsoft.com/office/drawing/2014/main" id="{E99C9F62-84D6-3832-C559-27E57A8DF9CD}"/>
-              </a:ext>
-            </a:extLst>
-          </p:cNvPr>
-          <p:cNvPicPr>
-            <a:picLocks noChangeAspect="1"/>
-          </p:cNvPicPr>
-          <p:nvPr/>
-        </p:nvPicPr>
-        <p:blipFill>
-          <a:blip r:embed="rId2">
-            <a:extLst>
-              <a:ext uri="{28A0092B-C50C-407E-A947-70E740481C1C}">
-                <a14:useLocalDpi xmlns:a14="http://schemas.microsoft.com/office/drawing/2010/main" val="0"/>
-              </a:ext>
-            </a:extLst>
-          </a:blip>
-          <a:stretch>
-            <a:fillRect/>
-          </a:stretch>
-        </p:blipFill>
-        <p:spPr>
-          <a:xfrm>
-            <a:off x="1808584" y="1024099"/>
-            <a:ext cx="8574832" cy="5577387"/>
-          </a:xfrm>
-          <a:prstGeom prst="rect">
-            <a:avLst/>
-          </a:prstGeom>
-        </p:spPr>
-      </p:pic>
-    </p:spTree>
-    <p:extLst>
-      <p:ext uri="{BB962C8B-B14F-4D97-AF65-F5344CB8AC3E}">
-        <p14:creationId xmlns:p14="http://schemas.microsoft.com/office/powerpoint/2010/main" val="2852265628"/>
       </p:ext>
     </p:extLst>
   </p:cSld>
@@ -13898,7 +7274,7 @@
           <a:p>
             <a:r>
               <a:rPr lang="en-US" dirty="0"/>
-              <a:t>ISA: RISC-V 32I</a:t>
+              <a:t>Model: RISC-V</a:t>
             </a:r>
           </a:p>
         </p:txBody>
@@ -13924,10 +7300,7 @@
           <a:bodyPr/>
           <a:lstStyle/>
           <a:p>
-            <a:r>
-              <a:rPr lang="en-US" dirty="0"/>
-              <a:t>“Reduced Instruction Set Computer”</a:t>
-            </a:r>
+            <a:endParaRPr lang="en-US" dirty="0"/>
           </a:p>
         </p:txBody>
       </p:sp>
@@ -13960,55 +7333,19 @@
           <a:p>
             <a:r>
               <a:rPr lang="en-US" dirty="0"/>
-              <a:t>32 internal registers</a:t>
-            </a:r>
-          </a:p>
-          <a:p>
+              <a:t>31 </a:t>
+            </a:r>
+            <a:r>
+              <a:rPr lang="en-US"/>
+              <a:t>internal registers</a:t>
+            </a:r>
             <a:endParaRPr lang="en-US" dirty="0"/>
           </a:p>
           <a:p>
             <a:r>
               <a:rPr lang="en-US" dirty="0"/>
-              <a:t>40 different instructions</a:t>
-            </a:r>
-          </a:p>
-          <a:p>
-            <a:pPr lvl="1"/>
-            <a:r>
-              <a:rPr lang="en-US" dirty="0"/>
-              <a:t>6 instruction types</a:t>
-            </a:r>
-          </a:p>
-          <a:p>
-            <a:pPr marL="0" indent="0">
-              <a:buNone/>
-            </a:pPr>
-            <a:endParaRPr lang="en-US" dirty="0"/>
-          </a:p>
-          <a:p>
-            <a:r>
-              <a:rPr lang="en-US" dirty="0"/>
-              <a:t>Single clock cycle</a:t>
-            </a:r>
-          </a:p>
-          <a:p>
-            <a:endParaRPr lang="en-US" dirty="0"/>
-          </a:p>
-          <a:p>
-            <a:r>
-              <a:rPr lang="en-US" dirty="0"/>
-              <a:t>Relatively simple to make </a:t>
-            </a:r>
-            <a:r>
-              <a:rPr lang="en-US" dirty="0">
-                <a:sym typeface="Wingdings" panose="05000000000000000000" pitchFamily="2" charset="2"/>
-              </a:rPr>
-              <a:t></a:t>
-            </a:r>
-            <a:endParaRPr lang="en-US" dirty="0"/>
-          </a:p>
-          <a:p>
-            <a:endParaRPr lang="en-US" dirty="0"/>
+              <a:t>Add more stuff later</a:t>
+            </a:r>
           </a:p>
         </p:txBody>
       </p:sp>
@@ -14153,6 +7490,31 @@
       </p:sp>
       <p:sp>
         <p:nvSpPr>
+          <p:cNvPr id="3" name="Subtitle 2">
+            <a:extLst>
+              <a:ext uri="{FF2B5EF4-FFF2-40B4-BE49-F238E27FC236}">
+                <a16:creationId xmlns:a16="http://schemas.microsoft.com/office/drawing/2014/main" id="{A0475397-CE14-A17A-7E89-1B444889044E}"/>
+              </a:ext>
+            </a:extLst>
+          </p:cNvPr>
+          <p:cNvSpPr>
+            <a:spLocks noGrp="1"/>
+          </p:cNvSpPr>
+          <p:nvPr>
+            <p:ph type="subTitle" idx="1"/>
+          </p:nvPr>
+        </p:nvSpPr>
+        <p:spPr/>
+        <p:txBody>
+          <a:bodyPr/>
+          <a:lstStyle/>
+          <a:p>
+            <a:endParaRPr lang="en-US"/>
+          </a:p>
+        </p:txBody>
+      </p:sp>
+      <p:sp>
+        <p:nvSpPr>
           <p:cNvPr id="4" name="Text Placeholder 3">
             <a:extLst>
               <a:ext uri="{FF2B5EF4-FFF2-40B4-BE49-F238E27FC236}">
@@ -14167,67 +7529,42 @@
             <p:ph type="body" sz="quarter" idx="14"/>
           </p:nvPr>
         </p:nvSpPr>
-        <p:spPr>
-          <a:xfrm>
-            <a:off x="2082800" y="1469520"/>
-            <a:ext cx="7366000" cy="3411537"/>
-          </a:xfrm>
-        </p:spPr>
-        <p:txBody>
-          <a:bodyPr>
-            <a:normAutofit/>
-          </a:bodyPr>
+        <p:spPr/>
+        <p:txBody>
+          <a:bodyPr/>
           <a:lstStyle/>
           <a:p>
             <a:r>
-              <a:rPr lang="en-US" sz="2800" dirty="0"/>
+              <a:rPr lang="en-US" dirty="0"/>
               <a:t>Michael – Top Level Design, Program Counter</a:t>
             </a:r>
           </a:p>
           <a:p>
             <a:r>
-              <a:rPr lang="en-US" sz="2800" dirty="0"/>
-              <a:t>Andy – Control Unit, Decoder, </a:t>
-            </a:r>
-            <a:r>
-              <a:rPr lang="en-US" sz="2800" dirty="0" err="1"/>
-              <a:t>ImmGen</a:t>
-            </a:r>
-            <a:endParaRPr lang="en-US" sz="2800" dirty="0"/>
-          </a:p>
-          <a:p>
-            <a:r>
-              <a:rPr lang="en-US" sz="2800" dirty="0"/>
-              <a:t>Mary – Arithmetic Logic Unit</a:t>
-            </a:r>
-          </a:p>
-          <a:p>
-            <a:r>
-              <a:rPr lang="en-US" sz="2800" dirty="0"/>
-              <a:t>Duc – Registers/Memory</a:t>
-            </a:r>
-          </a:p>
-          <a:p>
-            <a:r>
-              <a:rPr lang="en-US" sz="2800" dirty="0"/>
+              <a:rPr lang="en-US" dirty="0"/>
+              <a:t>Andy – Control Unit (and decoder)</a:t>
+            </a:r>
+          </a:p>
+          <a:p>
+            <a:r>
+              <a:rPr lang="en-US" dirty="0"/>
+              <a:t>Mary – ALU</a:t>
+            </a:r>
+          </a:p>
+          <a:p>
+            <a:r>
+              <a:rPr lang="en-US" dirty="0"/>
+              <a:t>Dhruv – Registers/Memory</a:t>
+            </a:r>
+          </a:p>
+          <a:p>
+            <a:r>
+              <a:rPr lang="en-US" dirty="0"/>
               <a:t>Travis – Peripherals (Display and keyboard)</a:t>
             </a:r>
           </a:p>
           <a:p>
-            <a:endParaRPr lang="en-US" sz="2800" dirty="0"/>
-          </a:p>
-          <a:p>
-            <a:r>
-              <a:rPr lang="en-US" sz="2800" dirty="0"/>
-              <a:t>Dhruv – moral support </a:t>
-            </a:r>
-            <a:r>
-              <a:rPr lang="en-US" sz="2800" dirty="0">
-                <a:sym typeface="Wingdings" panose="05000000000000000000" pitchFamily="2" charset="2"/>
-              </a:rPr>
-              <a:t></a:t>
-            </a:r>
-            <a:endParaRPr lang="en-US" sz="2800" dirty="0"/>
+            <a:endParaRPr lang="en-US" dirty="0"/>
           </a:p>
         </p:txBody>
       </p:sp>
@@ -14325,6 +7662,56 @@
       </p:sp>
       <p:sp>
         <p:nvSpPr>
+          <p:cNvPr id="3" name="Subtitle 2">
+            <a:extLst>
+              <a:ext uri="{FF2B5EF4-FFF2-40B4-BE49-F238E27FC236}">
+                <a16:creationId xmlns:a16="http://schemas.microsoft.com/office/drawing/2014/main" id="{07C22598-0C38-3A22-3877-3314FD054959}"/>
+              </a:ext>
+            </a:extLst>
+          </p:cNvPr>
+          <p:cNvSpPr>
+            <a:spLocks noGrp="1"/>
+          </p:cNvSpPr>
+          <p:nvPr>
+            <p:ph type="subTitle" idx="1"/>
+          </p:nvPr>
+        </p:nvSpPr>
+        <p:spPr/>
+        <p:txBody>
+          <a:bodyPr/>
+          <a:lstStyle/>
+          <a:p>
+            <a:endParaRPr lang="en-US"/>
+          </a:p>
+        </p:txBody>
+      </p:sp>
+      <p:sp>
+        <p:nvSpPr>
+          <p:cNvPr id="4" name="Text Placeholder 3">
+            <a:extLst>
+              <a:ext uri="{FF2B5EF4-FFF2-40B4-BE49-F238E27FC236}">
+                <a16:creationId xmlns:a16="http://schemas.microsoft.com/office/drawing/2014/main" id="{E4C0EF7C-5583-95BA-6128-47BE04C27AD7}"/>
+              </a:ext>
+            </a:extLst>
+          </p:cNvPr>
+          <p:cNvSpPr>
+            <a:spLocks noGrp="1"/>
+          </p:cNvSpPr>
+          <p:nvPr>
+            <p:ph type="body" sz="quarter" idx="14"/>
+          </p:nvPr>
+        </p:nvSpPr>
+        <p:spPr/>
+        <p:txBody>
+          <a:bodyPr/>
+          <a:lstStyle/>
+          <a:p>
+            <a:endParaRPr lang="en-US"/>
+          </a:p>
+        </p:txBody>
+      </p:sp>
+      <p:sp>
+        <p:nvSpPr>
           <p:cNvPr id="5" name="Slide Number Placeholder 4">
             <a:extLst>
               <a:ext uri="{FF2B5EF4-FFF2-40B4-BE49-F238E27FC236}">
@@ -14349,82 +7736,6 @@
               <a:t>7</a:t>
             </a:fld>
             <a:endParaRPr lang="en-US" dirty="0"/>
-          </a:p>
-        </p:txBody>
-      </p:sp>
-      <p:pic>
-        <p:nvPicPr>
-          <p:cNvPr id="9" name="Picture 8" descr="A diagram of a computer hardware system&#10;&#10;Description automatically generated">
-            <a:extLst>
-              <a:ext uri="{FF2B5EF4-FFF2-40B4-BE49-F238E27FC236}">
-                <a16:creationId xmlns:a16="http://schemas.microsoft.com/office/drawing/2014/main" id="{D47E1EFE-CFBF-C9BE-1F4B-A1C97B0F0EAA}"/>
-              </a:ext>
-            </a:extLst>
-          </p:cNvPr>
-          <p:cNvPicPr>
-            <a:picLocks noChangeAspect="1"/>
-          </p:cNvPicPr>
-          <p:nvPr/>
-        </p:nvPicPr>
-        <p:blipFill>
-          <a:blip r:embed="rId2">
-            <a:extLst>
-              <a:ext uri="{28A0092B-C50C-407E-A947-70E740481C1C}">
-                <a14:useLocalDpi xmlns:a14="http://schemas.microsoft.com/office/drawing/2010/main" val="0"/>
-              </a:ext>
-            </a:extLst>
-          </a:blip>
-          <a:stretch>
-            <a:fillRect/>
-          </a:stretch>
-        </p:blipFill>
-        <p:spPr>
-          <a:xfrm>
-            <a:off x="1278744" y="935628"/>
-            <a:ext cx="9634512" cy="5922372"/>
-          </a:xfrm>
-          <a:prstGeom prst="rect">
-            <a:avLst/>
-          </a:prstGeom>
-        </p:spPr>
-      </p:pic>
-      <p:sp>
-        <p:nvSpPr>
-          <p:cNvPr id="4" name="Text Placeholder 3">
-            <a:extLst>
-              <a:ext uri="{FF2B5EF4-FFF2-40B4-BE49-F238E27FC236}">
-                <a16:creationId xmlns:a16="http://schemas.microsoft.com/office/drawing/2014/main" id="{E4C0EF7C-5583-95BA-6128-47BE04C27AD7}"/>
-              </a:ext>
-            </a:extLst>
-          </p:cNvPr>
-          <p:cNvSpPr>
-            <a:spLocks noGrp="1"/>
-          </p:cNvSpPr>
-          <p:nvPr>
-            <p:ph type="body" sz="quarter" idx="14"/>
-          </p:nvPr>
-        </p:nvSpPr>
-        <p:spPr>
-          <a:xfrm>
-            <a:off x="8420769" y="437030"/>
-            <a:ext cx="3131976" cy="370664"/>
-          </a:xfrm>
-        </p:spPr>
-        <p:txBody>
-          <a:bodyPr/>
-          <a:lstStyle/>
-          <a:p>
-            <a:pPr marL="0" indent="0">
-              <a:buNone/>
-            </a:pPr>
-            <a:r>
-              <a:rPr lang="en-US" dirty="0">
-                <a:solidFill>
-                  <a:schemeClr val="tx2"/>
-                </a:solidFill>
-              </a:rPr>
-              <a:t>Number of flip-flops: ??</a:t>
-            </a:r>
           </a:p>
         </p:txBody>
       </p:sp>
@@ -14463,7 +7774,7 @@
           <p:cNvPr id="2" name="Title 1">
             <a:extLst>
               <a:ext uri="{FF2B5EF4-FFF2-40B4-BE49-F238E27FC236}">
-                <a16:creationId xmlns:a16="http://schemas.microsoft.com/office/drawing/2014/main" id="{E1191607-7E71-0E6E-CEBF-50E6CE964AE7}"/>
+                <a16:creationId xmlns:a16="http://schemas.microsoft.com/office/drawing/2014/main" id="{79A4CF3A-4CB3-795D-8DB3-F389F00D9992}"/>
               </a:ext>
             </a:extLst>
           </p:cNvPr>
@@ -14486,25 +7797,25 @@
           <a:p>
             <a:r>
               <a:rPr lang="en-US" dirty="0"/>
-              <a:t>Fetch/Execute Cycle</a:t>
-            </a:r>
-          </a:p>
-        </p:txBody>
-      </p:sp>
-      <p:sp>
-        <p:nvSpPr>
-          <p:cNvPr id="3" name="Subtitle 2">
-            <a:extLst>
-              <a:ext uri="{FF2B5EF4-FFF2-40B4-BE49-F238E27FC236}">
-                <a16:creationId xmlns:a16="http://schemas.microsoft.com/office/drawing/2014/main" id="{FBB07AFE-4442-8622-C3F9-0ED710FCF7C4}"/>
-              </a:ext>
-            </a:extLst>
-          </p:cNvPr>
-          <p:cNvSpPr>
-            <a:spLocks noGrp="1"/>
-          </p:cNvSpPr>
-          <p:nvPr>
-            <p:ph type="subTitle" idx="1"/>
+              <a:t>Control Unit &amp; Decoder</a:t>
+            </a:r>
+          </a:p>
+        </p:txBody>
+      </p:sp>
+      <p:sp>
+        <p:nvSpPr>
+          <p:cNvPr id="4" name="Text Placeholder 3">
+            <a:extLst>
+              <a:ext uri="{FF2B5EF4-FFF2-40B4-BE49-F238E27FC236}">
+                <a16:creationId xmlns:a16="http://schemas.microsoft.com/office/drawing/2014/main" id="{B62F546F-4476-EF6C-AA50-BE88697CB197}"/>
+              </a:ext>
+            </a:extLst>
+          </p:cNvPr>
+          <p:cNvSpPr>
+            <a:spLocks noGrp="1"/>
+          </p:cNvSpPr>
+          <p:nvPr>
+            <p:ph type="body" sz="quarter" idx="14"/>
           </p:nvPr>
         </p:nvSpPr>
         <p:spPr/>
@@ -14512,32 +7823,7 @@
           <a:bodyPr/>
           <a:lstStyle/>
           <a:p>
-            <a:endParaRPr lang="en-US"/>
-          </a:p>
-        </p:txBody>
-      </p:sp>
-      <p:sp>
-        <p:nvSpPr>
-          <p:cNvPr id="4" name="Text Placeholder 3">
-            <a:extLst>
-              <a:ext uri="{FF2B5EF4-FFF2-40B4-BE49-F238E27FC236}">
-                <a16:creationId xmlns:a16="http://schemas.microsoft.com/office/drawing/2014/main" id="{0A06040A-790C-570F-D8CF-78FCCD147450}"/>
-              </a:ext>
-            </a:extLst>
-          </p:cNvPr>
-          <p:cNvSpPr>
-            <a:spLocks noGrp="1"/>
-          </p:cNvSpPr>
-          <p:nvPr>
-            <p:ph type="body" sz="quarter" idx="14"/>
-          </p:nvPr>
-        </p:nvSpPr>
-        <p:spPr/>
-        <p:txBody>
-          <a:bodyPr/>
-          <a:lstStyle/>
-          <a:p>
-            <a:endParaRPr lang="en-US"/>
+            <a:endParaRPr lang="en-US" dirty="0"/>
           </a:p>
         </p:txBody>
       </p:sp>
@@ -14546,7 +7832,7 @@
           <p:cNvPr id="5" name="Slide Number Placeholder 4">
             <a:extLst>
               <a:ext uri="{FF2B5EF4-FFF2-40B4-BE49-F238E27FC236}">
-                <a16:creationId xmlns:a16="http://schemas.microsoft.com/office/drawing/2014/main" id="{B4C173CF-9C9E-82F4-6DD4-E407DCBE36DE}"/>
+                <a16:creationId xmlns:a16="http://schemas.microsoft.com/office/drawing/2014/main" id="{CF506990-11D4-2635-5CCD-BFF99470D57F}"/>
               </a:ext>
             </a:extLst>
           </p:cNvPr>
@@ -14572,10 +7858,10 @@
       </p:sp>
       <p:pic>
         <p:nvPicPr>
-          <p:cNvPr id="6" name="Picture 5" descr="A diagram of a computer hardware system&#10;&#10;Description automatically generated">
-            <a:extLst>
-              <a:ext uri="{FF2B5EF4-FFF2-40B4-BE49-F238E27FC236}">
-                <a16:creationId xmlns:a16="http://schemas.microsoft.com/office/drawing/2014/main" id="{70CEBB47-2892-2A7E-98CD-9421931AC59A}"/>
+          <p:cNvPr id="11" name="Picture 10" descr="A group of papers on a white background&#10;&#10;Description automatically generated">
+            <a:extLst>
+              <a:ext uri="{FF2B5EF4-FFF2-40B4-BE49-F238E27FC236}">
+                <a16:creationId xmlns:a16="http://schemas.microsoft.com/office/drawing/2014/main" id="{075E3EF7-FA59-0EFF-56BD-53822C670C7E}"/>
               </a:ext>
             </a:extLst>
           </p:cNvPr>
@@ -14584,7 +7870,7 @@
           </p:cNvPicPr>
           <p:nvPr/>
         </p:nvPicPr>
-        <p:blipFill>
+        <p:blipFill rotWithShape="1">
           <a:blip r:embed="rId2">
             <a:extLst>
               <a:ext uri="{28A0092B-C50C-407E-A947-70E740481C1C}">
@@ -14592,14 +7878,13 @@
               </a:ext>
             </a:extLst>
           </a:blip>
-          <a:stretch>
-            <a:fillRect/>
-          </a:stretch>
+          <a:srcRect r="17084"/>
+          <a:stretch/>
         </p:blipFill>
         <p:spPr>
           <a:xfrm>
-            <a:off x="1278744" y="935628"/>
-            <a:ext cx="9634512" cy="5922372"/>
+            <a:off x="1041400" y="1161622"/>
+            <a:ext cx="10109200" cy="5104933"/>
           </a:xfrm>
           <a:prstGeom prst="rect">
             <a:avLst/>
@@ -14608,49 +7893,86 @@
       </p:pic>
       <p:sp>
         <p:nvSpPr>
-          <p:cNvPr id="7" name="Arrow: Right 6">
-            <a:extLst>
-              <a:ext uri="{FF2B5EF4-FFF2-40B4-BE49-F238E27FC236}">
-                <a16:creationId xmlns:a16="http://schemas.microsoft.com/office/drawing/2014/main" id="{372D3324-1489-140A-9171-AB335C1E7DC5}"/>
-              </a:ext>
-            </a:extLst>
-          </p:cNvPr>
-          <p:cNvSpPr/>
+          <p:cNvPr id="12" name="TextBox 11">
+            <a:extLst>
+              <a:ext uri="{FF2B5EF4-FFF2-40B4-BE49-F238E27FC236}">
+                <a16:creationId xmlns:a16="http://schemas.microsoft.com/office/drawing/2014/main" id="{BBA208F1-2290-7B00-AB20-E02E8363C4F8}"/>
+              </a:ext>
+            </a:extLst>
+          </p:cNvPr>
+          <p:cNvSpPr txBox="1"/>
           <p:nvPr/>
         </p:nvSpPr>
         <p:spPr>
           <a:xfrm>
-            <a:off x="3377681" y="1917388"/>
-            <a:ext cx="2164702" cy="1511611"/>
-          </a:xfrm>
-          <a:prstGeom prst="rightArrow">
+            <a:off x="2362200" y="4324696"/>
+            <a:ext cx="2842953" cy="1477328"/>
+          </a:xfrm>
+          <a:prstGeom prst="rect">
             <a:avLst/>
           </a:prstGeom>
-        </p:spPr>
-        <p:style>
-          <a:lnRef idx="2">
-            <a:schemeClr val="accent1">
-              <a:shade val="15000"/>
-            </a:schemeClr>
-          </a:lnRef>
-          <a:fillRef idx="1">
-            <a:schemeClr val="accent1"/>
-          </a:fillRef>
-          <a:effectRef idx="0">
-            <a:schemeClr val="accent1"/>
-          </a:effectRef>
-          <a:fontRef idx="minor">
-            <a:schemeClr val="lt1"/>
-          </a:fontRef>
-        </p:style>
-        <p:txBody>
-          <a:bodyPr rtlCol="0" anchor="ctr"/>
+          <a:noFill/>
+        </p:spPr>
+        <p:txBody>
+          <a:bodyPr wrap="square" rtlCol="0">
+            <a:spAutoFit/>
+          </a:bodyPr>
           <a:lstStyle/>
           <a:p>
-            <a:pPr algn="ctr"/>
+            <a:r>
+              <a:rPr lang="en-US" u="sng" dirty="0">
+                <a:latin typeface="Acumin Pro ExtraCondensed" panose="020B0508020202020204"/>
+              </a:rPr>
+              <a:t>Decoder:</a:t>
+            </a:r>
+          </a:p>
+          <a:p>
+            <a:r>
+              <a:rPr lang="en-US" dirty="0">
+                <a:latin typeface="Acumin Pro ExtraCondensed" panose="020B0508020202020204"/>
+              </a:rPr>
+              <a:t>Parse Instruction in to addresses, Opcodes, and data inputs to be used accordingly</a:t>
+            </a:r>
+          </a:p>
+        </p:txBody>
+      </p:sp>
+      <p:sp>
+        <p:nvSpPr>
+          <p:cNvPr id="13" name="TextBox 12">
+            <a:extLst>
+              <a:ext uri="{FF2B5EF4-FFF2-40B4-BE49-F238E27FC236}">
+                <a16:creationId xmlns:a16="http://schemas.microsoft.com/office/drawing/2014/main" id="{229424BE-3DFA-828D-5A92-E82305F4946A}"/>
+              </a:ext>
+            </a:extLst>
+          </p:cNvPr>
+          <p:cNvSpPr txBox="1"/>
+          <p:nvPr/>
+        </p:nvSpPr>
+        <p:spPr>
+          <a:xfrm>
+            <a:off x="9448800" y="4324696"/>
+            <a:ext cx="1701800" cy="1477328"/>
+          </a:xfrm>
+          <a:prstGeom prst="rect">
+            <a:avLst/>
+          </a:prstGeom>
+          <a:noFill/>
+        </p:spPr>
+        <p:txBody>
+          <a:bodyPr wrap="square" rtlCol="0">
+            <a:spAutoFit/>
+          </a:bodyPr>
+          <a:lstStyle/>
+          <a:p>
+            <a:r>
+              <a:rPr lang="en-US" u="sng" dirty="0"/>
+              <a:t>Control Unit:</a:t>
+            </a:r>
+          </a:p>
+          <a:p>
             <a:r>
               <a:rPr lang="en-US" dirty="0"/>
-              <a:t>1) Retrieve instructions from memory.</a:t>
+              <a:t>Enable relevant control signals based on Opcode</a:t>
             </a:r>
           </a:p>
         </p:txBody>
@@ -14658,7 +7980,7 @@
     </p:spTree>
     <p:extLst>
       <p:ext uri="{BB962C8B-B14F-4D97-AF65-F5344CB8AC3E}">
-        <p14:creationId xmlns:p14="http://schemas.microsoft.com/office/powerpoint/2010/main" val="3109788817"/>
+        <p14:creationId xmlns:p14="http://schemas.microsoft.com/office/powerpoint/2010/main" val="2633215723"/>
       </p:ext>
     </p:extLst>
   </p:cSld>
@@ -14690,7 +8012,7 @@
           <p:cNvPr id="2" name="Title 1">
             <a:extLst>
               <a:ext uri="{FF2B5EF4-FFF2-40B4-BE49-F238E27FC236}">
-                <a16:creationId xmlns:a16="http://schemas.microsoft.com/office/drawing/2014/main" id="{E1191607-7E71-0E6E-CEBF-50E6CE964AE7}"/>
+                <a16:creationId xmlns:a16="http://schemas.microsoft.com/office/drawing/2014/main" id="{98D11EE6-CD64-BFFE-3125-1060BA2FB8B2}"/>
               </a:ext>
             </a:extLst>
           </p:cNvPr>
@@ -14713,58 +8035,8 @@
           <a:p>
             <a:r>
               <a:rPr lang="en-US" dirty="0"/>
-              <a:t>Fetch/Execute Cycle</a:t>
-            </a:r>
-          </a:p>
-        </p:txBody>
-      </p:sp>
-      <p:sp>
-        <p:nvSpPr>
-          <p:cNvPr id="3" name="Subtitle 2">
-            <a:extLst>
-              <a:ext uri="{FF2B5EF4-FFF2-40B4-BE49-F238E27FC236}">
-                <a16:creationId xmlns:a16="http://schemas.microsoft.com/office/drawing/2014/main" id="{FBB07AFE-4442-8622-C3F9-0ED710FCF7C4}"/>
-              </a:ext>
-            </a:extLst>
-          </p:cNvPr>
-          <p:cNvSpPr>
-            <a:spLocks noGrp="1"/>
-          </p:cNvSpPr>
-          <p:nvPr>
-            <p:ph type="subTitle" idx="1"/>
-          </p:nvPr>
-        </p:nvSpPr>
-        <p:spPr/>
-        <p:txBody>
-          <a:bodyPr/>
-          <a:lstStyle/>
-          <a:p>
-            <a:endParaRPr lang="en-US"/>
-          </a:p>
-        </p:txBody>
-      </p:sp>
-      <p:sp>
-        <p:nvSpPr>
-          <p:cNvPr id="4" name="Text Placeholder 3">
-            <a:extLst>
-              <a:ext uri="{FF2B5EF4-FFF2-40B4-BE49-F238E27FC236}">
-                <a16:creationId xmlns:a16="http://schemas.microsoft.com/office/drawing/2014/main" id="{0A06040A-790C-570F-D8CF-78FCCD147450}"/>
-              </a:ext>
-            </a:extLst>
-          </p:cNvPr>
-          <p:cNvSpPr>
-            <a:spLocks noGrp="1"/>
-          </p:cNvSpPr>
-          <p:nvPr>
-            <p:ph type="body" sz="quarter" idx="14"/>
-          </p:nvPr>
-        </p:nvSpPr>
-        <p:spPr/>
-        <p:txBody>
-          <a:bodyPr/>
-          <a:lstStyle/>
-          <a:p>
-            <a:endParaRPr lang="en-US"/>
+              <a:t>Immediate Generator</a:t>
+            </a:r>
           </a:p>
         </p:txBody>
       </p:sp>
@@ -14773,7 +8045,7 @@
           <p:cNvPr id="5" name="Slide Number Placeholder 4">
             <a:extLst>
               <a:ext uri="{FF2B5EF4-FFF2-40B4-BE49-F238E27FC236}">
-                <a16:creationId xmlns:a16="http://schemas.microsoft.com/office/drawing/2014/main" id="{B4C173CF-9C9E-82F4-6DD4-E407DCBE36DE}"/>
+                <a16:creationId xmlns:a16="http://schemas.microsoft.com/office/drawing/2014/main" id="{9FD279C7-DC02-65E0-D816-A44F047AC0D9}"/>
               </a:ext>
             </a:extLst>
           </p:cNvPr>
@@ -14799,10 +8071,10 @@
       </p:sp>
       <p:pic>
         <p:nvPicPr>
-          <p:cNvPr id="6" name="Picture 5" descr="A diagram of a computer hardware system&#10;&#10;Description automatically generated">
-            <a:extLst>
-              <a:ext uri="{FF2B5EF4-FFF2-40B4-BE49-F238E27FC236}">
-                <a16:creationId xmlns:a16="http://schemas.microsoft.com/office/drawing/2014/main" id="{70CEBB47-2892-2A7E-98CD-9421931AC59A}"/>
+          <p:cNvPr id="7" name="Picture 6" descr="A close-up of a document&#10;&#10;Description automatically generated">
+            <a:extLst>
+              <a:ext uri="{FF2B5EF4-FFF2-40B4-BE49-F238E27FC236}">
+                <a16:creationId xmlns:a16="http://schemas.microsoft.com/office/drawing/2014/main" id="{C7B537E0-C12E-4217-765B-97698BDF5A83}"/>
               </a:ext>
             </a:extLst>
           </p:cNvPr>
@@ -14825,8 +8097,8 @@
         </p:blipFill>
         <p:spPr>
           <a:xfrm>
-            <a:off x="1278744" y="935628"/>
-            <a:ext cx="9634512" cy="5922372"/>
+            <a:off x="2458720" y="1177304"/>
+            <a:ext cx="7051040" cy="5504468"/>
           </a:xfrm>
           <a:prstGeom prst="rect">
             <a:avLst/>
@@ -14835,99 +8107,59 @@
       </p:pic>
       <p:sp>
         <p:nvSpPr>
-          <p:cNvPr id="8" name="Rectangle 7">
-            <a:extLst>
-              <a:ext uri="{FF2B5EF4-FFF2-40B4-BE49-F238E27FC236}">
-                <a16:creationId xmlns:a16="http://schemas.microsoft.com/office/drawing/2014/main" id="{9E2A076C-F222-EBA3-AC9F-0410C051280C}"/>
-              </a:ext>
-            </a:extLst>
-          </p:cNvPr>
-          <p:cNvSpPr/>
+          <p:cNvPr id="8" name="TextBox 7">
+            <a:extLst>
+              <a:ext uri="{FF2B5EF4-FFF2-40B4-BE49-F238E27FC236}">
+                <a16:creationId xmlns:a16="http://schemas.microsoft.com/office/drawing/2014/main" id="{DB4F52F6-A419-64FA-2166-7DF59634EF32}"/>
+              </a:ext>
+            </a:extLst>
+          </p:cNvPr>
+          <p:cNvSpPr txBox="1"/>
           <p:nvPr/>
         </p:nvSpPr>
         <p:spPr>
           <a:xfrm>
-            <a:off x="7551073" y="1222349"/>
-            <a:ext cx="2313991" cy="1390080"/>
+            <a:off x="7997565" y="1385099"/>
+            <a:ext cx="2842953" cy="1200329"/>
           </a:xfrm>
           <a:prstGeom prst="rect">
             <a:avLst/>
           </a:prstGeom>
-        </p:spPr>
-        <p:style>
-          <a:lnRef idx="2">
-            <a:schemeClr val="accent1">
-              <a:shade val="15000"/>
-            </a:schemeClr>
-          </a:lnRef>
-          <a:fillRef idx="1">
-            <a:schemeClr val="accent1"/>
-          </a:fillRef>
-          <a:effectRef idx="0">
-            <a:schemeClr val="accent1"/>
-          </a:effectRef>
-          <a:fontRef idx="minor">
-            <a:schemeClr val="lt1"/>
-          </a:fontRef>
-        </p:style>
-        <p:txBody>
-          <a:bodyPr rtlCol="0" anchor="ctr"/>
+          <a:noFill/>
+        </p:spPr>
+        <p:txBody>
+          <a:bodyPr wrap="square" rtlCol="0">
+            <a:spAutoFit/>
+          </a:bodyPr>
           <a:lstStyle/>
           <a:p>
-            <a:pPr algn="ctr"/>
-            <a:r>
-              <a:rPr lang="en-US" dirty="0"/>
-              <a:t>2) Decode instructions and send signals to relevant components.</a:t>
-            </a:r>
-          </a:p>
-        </p:txBody>
-      </p:sp>
-      <p:cxnSp>
-        <p:nvCxnSpPr>
-          <p:cNvPr id="10" name="Straight Arrow Connector 9">
-            <a:extLst>
-              <a:ext uri="{FF2B5EF4-FFF2-40B4-BE49-F238E27FC236}">
-                <a16:creationId xmlns:a16="http://schemas.microsoft.com/office/drawing/2014/main" id="{A171D481-5834-803B-E472-BC5ECE545122}"/>
-              </a:ext>
-            </a:extLst>
-          </p:cNvPr>
-          <p:cNvCxnSpPr>
-            <a:cxnSpLocks/>
-            <a:stCxn id="8" idx="1"/>
-          </p:cNvCxnSpPr>
-          <p:nvPr/>
-        </p:nvCxnSpPr>
-        <p:spPr>
-          <a:xfrm flipH="1">
-            <a:off x="7016619" y="1917388"/>
-            <a:ext cx="548640" cy="548640"/>
-          </a:xfrm>
-          <a:prstGeom prst="straightConnector1">
-            <a:avLst/>
-          </a:prstGeom>
-          <a:ln w="76200">
-            <a:tailEnd type="triangle"/>
-          </a:ln>
-        </p:spPr>
-        <p:style>
-          <a:lnRef idx="3">
-            <a:schemeClr val="accent1"/>
-          </a:lnRef>
-          <a:fillRef idx="0">
-            <a:schemeClr val="accent1"/>
-          </a:fillRef>
-          <a:effectRef idx="2">
-            <a:schemeClr val="accent1"/>
-          </a:effectRef>
-          <a:fontRef idx="minor">
-            <a:schemeClr val="tx1"/>
-          </a:fontRef>
-        </p:style>
-      </p:cxnSp>
+            <a:r>
+              <a:rPr lang="en-US" u="sng" dirty="0" err="1">
+                <a:latin typeface="Acumin Pro ExtraCondensed" panose="020B0508020202020204"/>
+              </a:rPr>
+              <a:t>Imm</a:t>
+            </a:r>
+            <a:r>
+              <a:rPr lang="en-US" u="sng" dirty="0">
+                <a:latin typeface="Acumin Pro ExtraCondensed" panose="020B0508020202020204"/>
+              </a:rPr>
+              <a:t> Gen:</a:t>
+            </a:r>
+          </a:p>
+          <a:p>
+            <a:r>
+              <a:rPr lang="en-US" dirty="0">
+                <a:latin typeface="Acumin Pro ExtraCondensed" panose="020B0508020202020204"/>
+              </a:rPr>
+              <a:t>Generate Immediate values if necessary and send immediate values to ALU</a:t>
+            </a:r>
+          </a:p>
+        </p:txBody>
+      </p:sp>
     </p:spTree>
     <p:extLst>
       <p:ext uri="{BB962C8B-B14F-4D97-AF65-F5344CB8AC3E}">
-        <p14:creationId xmlns:p14="http://schemas.microsoft.com/office/powerpoint/2010/main" val="757882994"/>
+        <p14:creationId xmlns:p14="http://schemas.microsoft.com/office/powerpoint/2010/main" val="1969895698"/>
       </p:ext>
     </p:extLst>
   </p:cSld>
